--- a/Thesis/Παρουσίαση.pptx
+++ b/Thesis/Παρουσίαση.pptx
@@ -11,6 +11,24 @@
     <p:sldId id="260" r:id="rId5"/>
     <p:sldId id="262" r:id="rId6"/>
     <p:sldId id="263" r:id="rId7"/>
+    <p:sldId id="264" r:id="rId8"/>
+    <p:sldId id="267" r:id="rId9"/>
+    <p:sldId id="265" r:id="rId10"/>
+    <p:sldId id="266" r:id="rId11"/>
+    <p:sldId id="268" r:id="rId12"/>
+    <p:sldId id="269" r:id="rId13"/>
+    <p:sldId id="270" r:id="rId14"/>
+    <p:sldId id="271" r:id="rId15"/>
+    <p:sldId id="272" r:id="rId16"/>
+    <p:sldId id="273" r:id="rId17"/>
+    <p:sldId id="274" r:id="rId18"/>
+    <p:sldId id="275" r:id="rId19"/>
+    <p:sldId id="276" r:id="rId20"/>
+    <p:sldId id="277" r:id="rId21"/>
+    <p:sldId id="278" r:id="rId22"/>
+    <p:sldId id="279" r:id="rId23"/>
+    <p:sldId id="280" r:id="rId24"/>
+    <p:sldId id="281" r:id="rId25"/>
   </p:sldIdLst>
   <p:sldSz cx="12192000" cy="6858000"/>
   <p:notesSz cx="6858000" cy="9144000"/>
@@ -109,6 +127,11 @@
       </a:defRPr>
     </a:lvl9pPr>
   </p:defaultTextStyle>
+  <p:extLst>
+    <p:ext uri="{EFAFB233-063F-42B5-8137-9DF3F51BA10A}">
+      <p15:sldGuideLst xmlns:p15="http://schemas.microsoft.com/office/powerpoint/2012/main"/>
+    </p:ext>
+  </p:extLst>
 </p:presentation>
 </file>
 
@@ -3940,6 +3963,1344 @@
 </p:sld>
 </file>
 
+<file path=ppt/slides/slide10.xml><?xml version="1.0" encoding="utf-8"?>
+<p:sld xmlns:a="http://schemas.openxmlformats.org/drawingml/2006/main" xmlns:r="http://schemas.openxmlformats.org/officeDocument/2006/relationships" xmlns:p="http://schemas.openxmlformats.org/presentationml/2006/main">
+  <p:cSld>
+    <p:spTree>
+      <p:nvGrpSpPr>
+        <p:cNvPr id="1" name=""/>
+        <p:cNvGrpSpPr/>
+        <p:nvPr/>
+      </p:nvGrpSpPr>
+      <p:grpSpPr>
+        <a:xfrm>
+          <a:off x="0" y="0"/>
+          <a:ext cx="0" cy="0"/>
+          <a:chOff x="0" y="0"/>
+          <a:chExt cx="0" cy="0"/>
+        </a:xfrm>
+      </p:grpSpPr>
+      <p:sp>
+        <p:nvSpPr>
+          <p:cNvPr id="2" name="Τίτλος 1">
+            <a:extLst>
+              <a:ext uri="{FF2B5EF4-FFF2-40B4-BE49-F238E27FC236}">
+                <a16:creationId xmlns:a16="http://schemas.microsoft.com/office/drawing/2014/main" id="{D4692F50-EFC7-CD5D-3C1C-154750E1576E}"/>
+              </a:ext>
+            </a:extLst>
+          </p:cNvPr>
+          <p:cNvSpPr>
+            <a:spLocks noGrp="1"/>
+          </p:cNvSpPr>
+          <p:nvPr>
+            <p:ph type="title"/>
+          </p:nvPr>
+        </p:nvSpPr>
+        <p:spPr/>
+        <p:txBody>
+          <a:bodyPr/>
+          <a:lstStyle/>
+          <a:p>
+            <a:r>
+              <a:rPr lang="el-GR" dirty="0" err="1"/>
+              <a:t>Οριζοντια</a:t>
+            </a:r>
+            <a:r>
+              <a:rPr lang="el-GR" dirty="0"/>
+              <a:t> </a:t>
+            </a:r>
+            <a:r>
+              <a:rPr lang="el-GR" dirty="0" err="1"/>
+              <a:t>ισοτητα</a:t>
+            </a:r>
+            <a:r>
+              <a:rPr lang="el-GR" dirty="0"/>
+              <a:t> στο </a:t>
+            </a:r>
+            <a:r>
+              <a:rPr lang="en-US" dirty="0"/>
+              <a:t>EU ETS </a:t>
+            </a:r>
+            <a:br>
+              <a:rPr lang="el-GR" dirty="0"/>
+            </a:br>
+            <a:r>
+              <a:rPr lang="el-GR" dirty="0"/>
+              <a:t> ΙΣΟΙ ΙΣΑ, ΔΙΑΦΟΡΕΤΙΚΟΙ ΔΙΑΦΟΡΕΤΙΚΑ.</a:t>
+            </a:r>
+            <a:endParaRPr lang="en-US" dirty="0"/>
+          </a:p>
+        </p:txBody>
+      </p:sp>
+      <p:sp>
+        <p:nvSpPr>
+          <p:cNvPr id="4" name="Θέση περιεχομένου 3">
+            <a:extLst>
+              <a:ext uri="{FF2B5EF4-FFF2-40B4-BE49-F238E27FC236}">
+                <a16:creationId xmlns:a16="http://schemas.microsoft.com/office/drawing/2014/main" id="{F4458C7F-0BD3-D86E-CE8C-4C2E37AA2641}"/>
+              </a:ext>
+            </a:extLst>
+          </p:cNvPr>
+          <p:cNvSpPr txBox="1">
+            <a:spLocks noGrp="1"/>
+          </p:cNvSpPr>
+          <p:nvPr>
+            <p:ph idx="1"/>
+          </p:nvPr>
+        </p:nvSpPr>
+        <p:spPr>
+          <a:xfrm>
+            <a:off x="581025" y="3835678"/>
+            <a:ext cx="5175456" cy="369332"/>
+          </a:xfrm>
+          <a:prstGeom prst="rect">
+            <a:avLst/>
+          </a:prstGeom>
+          <a:noFill/>
+        </p:spPr>
+        <p:txBody>
+          <a:bodyPr wrap="none" rtlCol="0">
+            <a:spAutoFit/>
+          </a:bodyPr>
+          <a:lstStyle/>
+          <a:p>
+            <a:pPr marL="285750" indent="-285750">
+              <a:buFont typeface="Arial" panose="020B0604020202020204" pitchFamily="34" charset="0"/>
+              <a:buChar char="•"/>
+            </a:pPr>
+            <a:r>
+              <a:rPr lang="en-US" dirty="0"/>
+              <a:t>1 </a:t>
+            </a:r>
+            <a:r>
+              <a:rPr lang="el-GR" dirty="0"/>
+              <a:t>γράφημα ίσως βασικά παραπάνω γραφήματα.</a:t>
+            </a:r>
+          </a:p>
+        </p:txBody>
+      </p:sp>
+    </p:spTree>
+    <p:extLst>
+      <p:ext uri="{BB962C8B-B14F-4D97-AF65-F5344CB8AC3E}">
+        <p14:creationId xmlns:p14="http://schemas.microsoft.com/office/powerpoint/2010/main" val="3596734323"/>
+      </p:ext>
+    </p:extLst>
+  </p:cSld>
+  <p:clrMapOvr>
+    <a:masterClrMapping/>
+  </p:clrMapOvr>
+</p:sld>
+</file>
+
+<file path=ppt/slides/slide11.xml><?xml version="1.0" encoding="utf-8"?>
+<p:sld xmlns:a="http://schemas.openxmlformats.org/drawingml/2006/main" xmlns:r="http://schemas.openxmlformats.org/officeDocument/2006/relationships" xmlns:p="http://schemas.openxmlformats.org/presentationml/2006/main">
+  <p:cSld>
+    <p:spTree>
+      <p:nvGrpSpPr>
+        <p:cNvPr id="1" name="">
+          <a:extLst>
+            <a:ext uri="{FF2B5EF4-FFF2-40B4-BE49-F238E27FC236}">
+              <a16:creationId xmlns:a16="http://schemas.microsoft.com/office/drawing/2014/main" id="{B25259A5-D9A1-F443-746D-12D62C9E59F1}"/>
+            </a:ext>
+          </a:extLst>
+        </p:cNvPr>
+        <p:cNvGrpSpPr/>
+        <p:nvPr/>
+      </p:nvGrpSpPr>
+      <p:grpSpPr>
+        <a:xfrm>
+          <a:off x="0" y="0"/>
+          <a:ext cx="0" cy="0"/>
+          <a:chOff x="0" y="0"/>
+          <a:chExt cx="0" cy="0"/>
+        </a:xfrm>
+      </p:grpSpPr>
+      <p:sp>
+        <p:nvSpPr>
+          <p:cNvPr id="2" name="Τίτλος 1">
+            <a:extLst>
+              <a:ext uri="{FF2B5EF4-FFF2-40B4-BE49-F238E27FC236}">
+                <a16:creationId xmlns:a16="http://schemas.microsoft.com/office/drawing/2014/main" id="{EACD3EDF-934D-C20F-7AAC-E730A6A343B7}"/>
+              </a:ext>
+            </a:extLst>
+          </p:cNvPr>
+          <p:cNvSpPr>
+            <a:spLocks noGrp="1"/>
+          </p:cNvSpPr>
+          <p:nvPr>
+            <p:ph type="title"/>
+          </p:nvPr>
+        </p:nvSpPr>
+        <p:spPr/>
+        <p:txBody>
+          <a:bodyPr/>
+          <a:lstStyle/>
+          <a:p>
+            <a:r>
+              <a:rPr lang="el-GR" dirty="0" err="1"/>
+              <a:t>Οριζοντια</a:t>
+            </a:r>
+            <a:r>
+              <a:rPr lang="el-GR" dirty="0"/>
+              <a:t> </a:t>
+            </a:r>
+            <a:r>
+              <a:rPr lang="el-GR" dirty="0" err="1"/>
+              <a:t>ισοτητα</a:t>
+            </a:r>
+            <a:r>
+              <a:rPr lang="el-GR" dirty="0"/>
+              <a:t> στο </a:t>
+            </a:r>
+            <a:r>
+              <a:rPr lang="en-US" dirty="0"/>
+              <a:t>EU ETS </a:t>
+            </a:r>
+            <a:br>
+              <a:rPr lang="el-GR" dirty="0"/>
+            </a:br>
+            <a:r>
+              <a:rPr lang="el-GR" dirty="0"/>
+              <a:t> ΙΣΟΙ ΙΣΑ, ΔΙΑΦΟΡΕΤΙΚΟΙ ΔΙΑΦΟΡΕΤΙΚΑ, </a:t>
+            </a:r>
+            <a:r>
+              <a:rPr lang="el-GR" dirty="0" err="1"/>
+              <a:t>απο</a:t>
+            </a:r>
+            <a:r>
+              <a:rPr lang="el-GR" dirty="0"/>
+              <a:t> </a:t>
+            </a:r>
+            <a:r>
+              <a:rPr lang="el-GR" dirty="0" err="1"/>
+              <a:t>εναν</a:t>
+            </a:r>
+            <a:r>
+              <a:rPr lang="el-GR" dirty="0"/>
+              <a:t>.</a:t>
+            </a:r>
+            <a:endParaRPr lang="en-US" dirty="0"/>
+          </a:p>
+        </p:txBody>
+      </p:sp>
+      <p:sp>
+        <p:nvSpPr>
+          <p:cNvPr id="4" name="Θέση περιεχομένου 3">
+            <a:extLst>
+              <a:ext uri="{FF2B5EF4-FFF2-40B4-BE49-F238E27FC236}">
+                <a16:creationId xmlns:a16="http://schemas.microsoft.com/office/drawing/2014/main" id="{518E02B8-5C77-1CC0-27E2-61E420F417FF}"/>
+              </a:ext>
+            </a:extLst>
+          </p:cNvPr>
+          <p:cNvSpPr txBox="1">
+            <a:spLocks noGrp="1"/>
+          </p:cNvSpPr>
+          <p:nvPr>
+            <p:ph idx="1"/>
+          </p:nvPr>
+        </p:nvSpPr>
+        <p:spPr>
+          <a:xfrm>
+            <a:off x="581025" y="3835678"/>
+            <a:ext cx="5175456" cy="369332"/>
+          </a:xfrm>
+          <a:prstGeom prst="rect">
+            <a:avLst/>
+          </a:prstGeom>
+          <a:noFill/>
+        </p:spPr>
+        <p:txBody>
+          <a:bodyPr wrap="none" rtlCol="0">
+            <a:spAutoFit/>
+          </a:bodyPr>
+          <a:lstStyle/>
+          <a:p>
+            <a:pPr marL="285750" indent="-285750">
+              <a:buFont typeface="Arial" panose="020B0604020202020204" pitchFamily="34" charset="0"/>
+              <a:buChar char="•"/>
+            </a:pPr>
+            <a:r>
+              <a:rPr lang="en-US" dirty="0"/>
+              <a:t>1 </a:t>
+            </a:r>
+            <a:r>
+              <a:rPr lang="el-GR" dirty="0"/>
+              <a:t>γράφημα ίσως βασικά παραπάνω γραφήματα.</a:t>
+            </a:r>
+          </a:p>
+        </p:txBody>
+      </p:sp>
+    </p:spTree>
+    <p:extLst>
+      <p:ext uri="{BB962C8B-B14F-4D97-AF65-F5344CB8AC3E}">
+        <p14:creationId xmlns:p14="http://schemas.microsoft.com/office/powerpoint/2010/main" val="89073855"/>
+      </p:ext>
+    </p:extLst>
+  </p:cSld>
+  <p:clrMapOvr>
+    <a:masterClrMapping/>
+  </p:clrMapOvr>
+</p:sld>
+</file>
+
+<file path=ppt/slides/slide12.xml><?xml version="1.0" encoding="utf-8"?>
+<p:sld xmlns:a="http://schemas.openxmlformats.org/drawingml/2006/main" xmlns:r="http://schemas.openxmlformats.org/officeDocument/2006/relationships" xmlns:p="http://schemas.openxmlformats.org/presentationml/2006/main">
+  <p:cSld>
+    <p:spTree>
+      <p:nvGrpSpPr>
+        <p:cNvPr id="1" name="">
+          <a:extLst>
+            <a:ext uri="{FF2B5EF4-FFF2-40B4-BE49-F238E27FC236}">
+              <a16:creationId xmlns:a16="http://schemas.microsoft.com/office/drawing/2014/main" id="{6891F971-E961-6879-538B-950DBECBEAF0}"/>
+            </a:ext>
+          </a:extLst>
+        </p:cNvPr>
+        <p:cNvGrpSpPr/>
+        <p:nvPr/>
+      </p:nvGrpSpPr>
+      <p:grpSpPr>
+        <a:xfrm>
+          <a:off x="0" y="0"/>
+          <a:ext cx="0" cy="0"/>
+          <a:chOff x="0" y="0"/>
+          <a:chExt cx="0" cy="0"/>
+        </a:xfrm>
+      </p:grpSpPr>
+      <p:sp>
+        <p:nvSpPr>
+          <p:cNvPr id="2" name="Τίτλος 1">
+            <a:extLst>
+              <a:ext uri="{FF2B5EF4-FFF2-40B4-BE49-F238E27FC236}">
+                <a16:creationId xmlns:a16="http://schemas.microsoft.com/office/drawing/2014/main" id="{B833B9E6-FFCC-1C86-5BCC-1B9EDBA33421}"/>
+              </a:ext>
+            </a:extLst>
+          </p:cNvPr>
+          <p:cNvSpPr>
+            <a:spLocks noGrp="1"/>
+          </p:cNvSpPr>
+          <p:nvPr>
+            <p:ph type="title"/>
+          </p:nvPr>
+        </p:nvSpPr>
+        <p:spPr/>
+        <p:txBody>
+          <a:bodyPr/>
+          <a:lstStyle/>
+          <a:p>
+            <a:r>
+              <a:rPr lang="el-GR" dirty="0" err="1"/>
+              <a:t>Οριζοντια</a:t>
+            </a:r>
+            <a:r>
+              <a:rPr lang="el-GR" dirty="0"/>
+              <a:t> </a:t>
+            </a:r>
+            <a:r>
+              <a:rPr lang="el-GR" dirty="0" err="1"/>
+              <a:t>ισοτητα</a:t>
+            </a:r>
+            <a:r>
+              <a:rPr lang="el-GR" dirty="0"/>
+              <a:t> στο </a:t>
+            </a:r>
+            <a:r>
+              <a:rPr lang="en-US" dirty="0"/>
+              <a:t>EU ETS </a:t>
+            </a:r>
+            <a:br>
+              <a:rPr lang="el-GR" dirty="0"/>
+            </a:br>
+            <a:r>
+              <a:rPr lang="el-GR" dirty="0"/>
+              <a:t> ΙΣΟΙ ΙΣΑ, ΔΙΑΦΟΡΕΤΙΚΟΙ ΔΙΑΦΟΡΕΤΙΚΑ.</a:t>
+            </a:r>
+            <a:endParaRPr lang="en-US" dirty="0"/>
+          </a:p>
+        </p:txBody>
+      </p:sp>
+      <p:sp>
+        <p:nvSpPr>
+          <p:cNvPr id="4" name="Θέση περιεχομένου 3">
+            <a:extLst>
+              <a:ext uri="{FF2B5EF4-FFF2-40B4-BE49-F238E27FC236}">
+                <a16:creationId xmlns:a16="http://schemas.microsoft.com/office/drawing/2014/main" id="{9506A5EE-5553-09C6-9F4C-8F3C321699E6}"/>
+              </a:ext>
+            </a:extLst>
+          </p:cNvPr>
+          <p:cNvSpPr txBox="1">
+            <a:spLocks noGrp="1"/>
+          </p:cNvSpPr>
+          <p:nvPr>
+            <p:ph idx="1"/>
+          </p:nvPr>
+        </p:nvSpPr>
+        <p:spPr>
+          <a:xfrm>
+            <a:off x="581025" y="3835678"/>
+            <a:ext cx="6481133" cy="369332"/>
+          </a:xfrm>
+          <a:prstGeom prst="rect">
+            <a:avLst/>
+          </a:prstGeom>
+          <a:noFill/>
+        </p:spPr>
+        <p:txBody>
+          <a:bodyPr wrap="none" rtlCol="0">
+            <a:spAutoFit/>
+          </a:bodyPr>
+          <a:lstStyle/>
+          <a:p>
+            <a:pPr marL="285750" indent="-285750">
+              <a:buFont typeface="Arial" panose="020B0604020202020204" pitchFamily="34" charset="0"/>
+              <a:buChar char="•"/>
+            </a:pPr>
+            <a:r>
+              <a:rPr lang="el-GR" dirty="0"/>
+              <a:t>Ανάλογα με την σημαντικότητα των διαφορών… 1 γράφημα.</a:t>
+            </a:r>
+          </a:p>
+        </p:txBody>
+      </p:sp>
+    </p:spTree>
+    <p:extLst>
+      <p:ext uri="{BB962C8B-B14F-4D97-AF65-F5344CB8AC3E}">
+        <p14:creationId xmlns:p14="http://schemas.microsoft.com/office/powerpoint/2010/main" val="1477035783"/>
+      </p:ext>
+    </p:extLst>
+  </p:cSld>
+  <p:clrMapOvr>
+    <a:masterClrMapping/>
+  </p:clrMapOvr>
+</p:sld>
+</file>
+
+<file path=ppt/slides/slide13.xml><?xml version="1.0" encoding="utf-8"?>
+<p:sld xmlns:a="http://schemas.openxmlformats.org/drawingml/2006/main" xmlns:r="http://schemas.openxmlformats.org/officeDocument/2006/relationships" xmlns:p="http://schemas.openxmlformats.org/presentationml/2006/main">
+  <p:cSld>
+    <p:spTree>
+      <p:nvGrpSpPr>
+        <p:cNvPr id="1" name="">
+          <a:extLst>
+            <a:ext uri="{FF2B5EF4-FFF2-40B4-BE49-F238E27FC236}">
+              <a16:creationId xmlns:a16="http://schemas.microsoft.com/office/drawing/2014/main" id="{1651F821-2CC9-FE1E-D62D-369DCC8DB501}"/>
+            </a:ext>
+          </a:extLst>
+        </p:cNvPr>
+        <p:cNvGrpSpPr/>
+        <p:nvPr/>
+      </p:nvGrpSpPr>
+      <p:grpSpPr>
+        <a:xfrm>
+          <a:off x="0" y="0"/>
+          <a:ext cx="0" cy="0"/>
+          <a:chOff x="0" y="0"/>
+          <a:chExt cx="0" cy="0"/>
+        </a:xfrm>
+      </p:grpSpPr>
+      <p:sp>
+        <p:nvSpPr>
+          <p:cNvPr id="2" name="Τίτλος 1">
+            <a:extLst>
+              <a:ext uri="{FF2B5EF4-FFF2-40B4-BE49-F238E27FC236}">
+                <a16:creationId xmlns:a16="http://schemas.microsoft.com/office/drawing/2014/main" id="{20203F99-0C80-0D88-AADA-25B5FD418540}"/>
+              </a:ext>
+            </a:extLst>
+          </p:cNvPr>
+          <p:cNvSpPr>
+            <a:spLocks noGrp="1"/>
+          </p:cNvSpPr>
+          <p:nvPr>
+            <p:ph type="title"/>
+          </p:nvPr>
+        </p:nvSpPr>
+        <p:spPr/>
+        <p:txBody>
+          <a:bodyPr/>
+          <a:lstStyle/>
+          <a:p>
+            <a:r>
+              <a:rPr lang="el-GR" dirty="0" err="1"/>
+              <a:t>Οριζοντια</a:t>
+            </a:r>
+            <a:r>
+              <a:rPr lang="el-GR" dirty="0"/>
+              <a:t> </a:t>
+            </a:r>
+            <a:r>
+              <a:rPr lang="el-GR" dirty="0" err="1"/>
+              <a:t>ισοτητα</a:t>
+            </a:r>
+            <a:r>
+              <a:rPr lang="el-GR" dirty="0"/>
+              <a:t> σε </a:t>
+            </a:r>
+            <a:r>
+              <a:rPr lang="el-GR" dirty="0" err="1"/>
+              <a:t>τμηματα</a:t>
+            </a:r>
+            <a:r>
+              <a:rPr lang="el-GR" dirty="0"/>
+              <a:t> του </a:t>
+            </a:r>
+            <a:r>
+              <a:rPr lang="el-GR" dirty="0" err="1"/>
+              <a:t>δειγματοσ</a:t>
+            </a:r>
+            <a:endParaRPr lang="en-US" dirty="0"/>
+          </a:p>
+        </p:txBody>
+      </p:sp>
+      <p:sp>
+        <p:nvSpPr>
+          <p:cNvPr id="3" name="Θέση κειμένου 2">
+            <a:extLst>
+              <a:ext uri="{FF2B5EF4-FFF2-40B4-BE49-F238E27FC236}">
+                <a16:creationId xmlns:a16="http://schemas.microsoft.com/office/drawing/2014/main" id="{1703AEC0-5042-5C08-11D0-4CC6D3003773}"/>
+              </a:ext>
+            </a:extLst>
+          </p:cNvPr>
+          <p:cNvSpPr>
+            <a:spLocks noGrp="1"/>
+          </p:cNvSpPr>
+          <p:nvPr>
+            <p:ph type="body" idx="1"/>
+          </p:nvPr>
+        </p:nvSpPr>
+        <p:spPr/>
+        <p:txBody>
+          <a:bodyPr/>
+          <a:lstStyle/>
+          <a:p>
+            <a:endParaRPr lang="en-US" dirty="0"/>
+          </a:p>
+        </p:txBody>
+      </p:sp>
+    </p:spTree>
+    <p:extLst>
+      <p:ext uri="{BB962C8B-B14F-4D97-AF65-F5344CB8AC3E}">
+        <p14:creationId xmlns:p14="http://schemas.microsoft.com/office/powerpoint/2010/main" val="1345630659"/>
+      </p:ext>
+    </p:extLst>
+  </p:cSld>
+  <p:clrMapOvr>
+    <a:masterClrMapping/>
+  </p:clrMapOvr>
+</p:sld>
+</file>
+
+<file path=ppt/slides/slide14.xml><?xml version="1.0" encoding="utf-8"?>
+<p:sld xmlns:a="http://schemas.openxmlformats.org/drawingml/2006/main" xmlns:r="http://schemas.openxmlformats.org/officeDocument/2006/relationships" xmlns:p="http://schemas.openxmlformats.org/presentationml/2006/main">
+  <p:cSld>
+    <p:spTree>
+      <p:nvGrpSpPr>
+        <p:cNvPr id="1" name="">
+          <a:extLst>
+            <a:ext uri="{FF2B5EF4-FFF2-40B4-BE49-F238E27FC236}">
+              <a16:creationId xmlns:a16="http://schemas.microsoft.com/office/drawing/2014/main" id="{83B74C95-4970-9296-7958-6A2BB83D8FBF}"/>
+            </a:ext>
+          </a:extLst>
+        </p:cNvPr>
+        <p:cNvGrpSpPr/>
+        <p:nvPr/>
+      </p:nvGrpSpPr>
+      <p:grpSpPr>
+        <a:xfrm>
+          <a:off x="0" y="0"/>
+          <a:ext cx="0" cy="0"/>
+          <a:chOff x="0" y="0"/>
+          <a:chExt cx="0" cy="0"/>
+        </a:xfrm>
+      </p:grpSpPr>
+      <p:sp>
+        <p:nvSpPr>
+          <p:cNvPr id="2" name="Τίτλος 1">
+            <a:extLst>
+              <a:ext uri="{FF2B5EF4-FFF2-40B4-BE49-F238E27FC236}">
+                <a16:creationId xmlns:a16="http://schemas.microsoft.com/office/drawing/2014/main" id="{3FC1DD26-2D25-E433-20CF-5F0A9BF0A246}"/>
+              </a:ext>
+            </a:extLst>
+          </p:cNvPr>
+          <p:cNvSpPr>
+            <a:spLocks noGrp="1"/>
+          </p:cNvSpPr>
+          <p:nvPr>
+            <p:ph type="title"/>
+          </p:nvPr>
+        </p:nvSpPr>
+        <p:spPr/>
+        <p:txBody>
+          <a:bodyPr/>
+          <a:lstStyle/>
+          <a:p>
+            <a:r>
+              <a:rPr lang="el-GR" dirty="0" err="1"/>
+              <a:t>Οριζοντια</a:t>
+            </a:r>
+            <a:r>
+              <a:rPr lang="el-GR" dirty="0"/>
+              <a:t> </a:t>
+            </a:r>
+            <a:r>
+              <a:rPr lang="el-GR" dirty="0" err="1"/>
+              <a:t>ισοτητα</a:t>
+            </a:r>
+            <a:r>
+              <a:rPr lang="el-GR" dirty="0"/>
+              <a:t> σε </a:t>
+            </a:r>
+            <a:r>
+              <a:rPr lang="el-GR" dirty="0" err="1"/>
+              <a:t>τμηματα</a:t>
+            </a:r>
+            <a:r>
+              <a:rPr lang="el-GR" dirty="0"/>
+              <a:t> του </a:t>
+            </a:r>
+            <a:r>
+              <a:rPr lang="el-GR" dirty="0" err="1"/>
+              <a:t>δειγματοσ</a:t>
+            </a:r>
+            <a:endParaRPr lang="en-US" dirty="0"/>
+          </a:p>
+        </p:txBody>
+      </p:sp>
+      <p:sp>
+        <p:nvSpPr>
+          <p:cNvPr id="4" name="Θέση περιεχομένου 3">
+            <a:extLst>
+              <a:ext uri="{FF2B5EF4-FFF2-40B4-BE49-F238E27FC236}">
+                <a16:creationId xmlns:a16="http://schemas.microsoft.com/office/drawing/2014/main" id="{636EA1B8-DD78-EFE7-7DDE-C0F04BB476DD}"/>
+              </a:ext>
+            </a:extLst>
+          </p:cNvPr>
+          <p:cNvSpPr txBox="1">
+            <a:spLocks noGrp="1"/>
+          </p:cNvSpPr>
+          <p:nvPr>
+            <p:ph idx="1"/>
+          </p:nvPr>
+        </p:nvSpPr>
+        <p:spPr>
+          <a:xfrm>
+            <a:off x="581025" y="3631007"/>
+            <a:ext cx="1193917" cy="778675"/>
+          </a:xfrm>
+          <a:prstGeom prst="rect">
+            <a:avLst/>
+          </a:prstGeom>
+          <a:noFill/>
+        </p:spPr>
+        <p:txBody>
+          <a:bodyPr wrap="none" rtlCol="0">
+            <a:spAutoFit/>
+          </a:bodyPr>
+          <a:lstStyle/>
+          <a:p>
+            <a:pPr marL="285750" indent="-285750">
+              <a:buFont typeface="Arial" panose="020B0604020202020204" pitchFamily="34" charset="0"/>
+              <a:buChar char="•"/>
+            </a:pPr>
+            <a:r>
+              <a:rPr lang="el-GR" dirty="0" err="1"/>
+              <a:t>Χαρτης</a:t>
+            </a:r>
+            <a:endParaRPr lang="el-GR" dirty="0"/>
+          </a:p>
+          <a:p>
+            <a:pPr marL="0" indent="0">
+              <a:buNone/>
+            </a:pPr>
+            <a:endParaRPr lang="el-GR" dirty="0"/>
+          </a:p>
+        </p:txBody>
+      </p:sp>
+    </p:spTree>
+    <p:extLst>
+      <p:ext uri="{BB962C8B-B14F-4D97-AF65-F5344CB8AC3E}">
+        <p14:creationId xmlns:p14="http://schemas.microsoft.com/office/powerpoint/2010/main" val="685433591"/>
+      </p:ext>
+    </p:extLst>
+  </p:cSld>
+  <p:clrMapOvr>
+    <a:masterClrMapping/>
+  </p:clrMapOvr>
+</p:sld>
+</file>
+
+<file path=ppt/slides/slide15.xml><?xml version="1.0" encoding="utf-8"?>
+<p:sld xmlns:a="http://schemas.openxmlformats.org/drawingml/2006/main" xmlns:r="http://schemas.openxmlformats.org/officeDocument/2006/relationships" xmlns:p="http://schemas.openxmlformats.org/presentationml/2006/main">
+  <p:cSld>
+    <p:spTree>
+      <p:nvGrpSpPr>
+        <p:cNvPr id="1" name="">
+          <a:extLst>
+            <a:ext uri="{FF2B5EF4-FFF2-40B4-BE49-F238E27FC236}">
+              <a16:creationId xmlns:a16="http://schemas.microsoft.com/office/drawing/2014/main" id="{07541263-24BD-BBD4-BD12-21BAB8DE2F3B}"/>
+            </a:ext>
+          </a:extLst>
+        </p:cNvPr>
+        <p:cNvGrpSpPr/>
+        <p:nvPr/>
+      </p:nvGrpSpPr>
+      <p:grpSpPr>
+        <a:xfrm>
+          <a:off x="0" y="0"/>
+          <a:ext cx="0" cy="0"/>
+          <a:chOff x="0" y="0"/>
+          <a:chExt cx="0" cy="0"/>
+        </a:xfrm>
+      </p:grpSpPr>
+      <p:sp>
+        <p:nvSpPr>
+          <p:cNvPr id="2" name="Τίτλος 1">
+            <a:extLst>
+              <a:ext uri="{FF2B5EF4-FFF2-40B4-BE49-F238E27FC236}">
+                <a16:creationId xmlns:a16="http://schemas.microsoft.com/office/drawing/2014/main" id="{22F986DA-EA59-A83C-FB28-19A9D5408A22}"/>
+              </a:ext>
+            </a:extLst>
+          </p:cNvPr>
+          <p:cNvSpPr>
+            <a:spLocks noGrp="1"/>
+          </p:cNvSpPr>
+          <p:nvPr>
+            <p:ph type="title"/>
+          </p:nvPr>
+        </p:nvSpPr>
+        <p:spPr/>
+        <p:txBody>
+          <a:bodyPr/>
+          <a:lstStyle/>
+          <a:p>
+            <a:r>
+              <a:rPr lang="el-GR" dirty="0" err="1"/>
+              <a:t>Οριζοντια</a:t>
+            </a:r>
+            <a:r>
+              <a:rPr lang="el-GR" dirty="0"/>
+              <a:t> </a:t>
+            </a:r>
+            <a:r>
+              <a:rPr lang="el-GR" dirty="0" err="1"/>
+              <a:t>ισοτητα</a:t>
+            </a:r>
+            <a:r>
+              <a:rPr lang="el-GR" dirty="0"/>
+              <a:t> σε </a:t>
+            </a:r>
+            <a:r>
+              <a:rPr lang="el-GR" dirty="0" err="1"/>
+              <a:t>τμηματα</a:t>
+            </a:r>
+            <a:r>
+              <a:rPr lang="el-GR" dirty="0"/>
+              <a:t> του </a:t>
+            </a:r>
+            <a:r>
+              <a:rPr lang="el-GR" dirty="0" err="1"/>
+              <a:t>δειγματοσ</a:t>
+            </a:r>
+            <a:endParaRPr lang="en-US" dirty="0"/>
+          </a:p>
+        </p:txBody>
+      </p:sp>
+      <p:sp>
+        <p:nvSpPr>
+          <p:cNvPr id="4" name="Θέση περιεχομένου 3">
+            <a:extLst>
+              <a:ext uri="{FF2B5EF4-FFF2-40B4-BE49-F238E27FC236}">
+                <a16:creationId xmlns:a16="http://schemas.microsoft.com/office/drawing/2014/main" id="{54975864-0779-83F1-8E18-A559E9492C47}"/>
+              </a:ext>
+            </a:extLst>
+          </p:cNvPr>
+          <p:cNvSpPr txBox="1">
+            <a:spLocks noGrp="1"/>
+          </p:cNvSpPr>
+          <p:nvPr>
+            <p:ph idx="1"/>
+          </p:nvPr>
+        </p:nvSpPr>
+        <p:spPr>
+          <a:xfrm>
+            <a:off x="581025" y="3426336"/>
+            <a:ext cx="3761158" cy="1188018"/>
+          </a:xfrm>
+          <a:prstGeom prst="rect">
+            <a:avLst/>
+          </a:prstGeom>
+          <a:noFill/>
+        </p:spPr>
+        <p:txBody>
+          <a:bodyPr wrap="none" rtlCol="0">
+            <a:spAutoFit/>
+          </a:bodyPr>
+          <a:lstStyle/>
+          <a:p>
+            <a:pPr marL="285750" indent="-285750">
+              <a:buFont typeface="Arial" panose="020B0604020202020204" pitchFamily="34" charset="0"/>
+              <a:buChar char="•"/>
+            </a:pPr>
+            <a:r>
+              <a:rPr lang="el-GR" dirty="0"/>
+              <a:t>Μικρός χάρτης και αποτελέσματα</a:t>
+            </a:r>
+          </a:p>
+          <a:p>
+            <a:pPr marL="285750" indent="-285750">
+              <a:buFont typeface="Arial" panose="020B0604020202020204" pitchFamily="34" charset="0"/>
+              <a:buChar char="•"/>
+            </a:pPr>
+            <a:r>
+              <a:rPr lang="el-GR" dirty="0"/>
+              <a:t>Για το κάθε ένα</a:t>
+            </a:r>
+          </a:p>
+          <a:p>
+            <a:pPr marL="0" indent="0">
+              <a:buNone/>
+            </a:pPr>
+            <a:endParaRPr lang="el-GR" dirty="0"/>
+          </a:p>
+        </p:txBody>
+      </p:sp>
+    </p:spTree>
+    <p:extLst>
+      <p:ext uri="{BB962C8B-B14F-4D97-AF65-F5344CB8AC3E}">
+        <p14:creationId xmlns:p14="http://schemas.microsoft.com/office/powerpoint/2010/main" val="2195325105"/>
+      </p:ext>
+    </p:extLst>
+  </p:cSld>
+  <p:clrMapOvr>
+    <a:masterClrMapping/>
+  </p:clrMapOvr>
+</p:sld>
+</file>
+
+<file path=ppt/slides/slide16.xml><?xml version="1.0" encoding="utf-8"?>
+<p:sld xmlns:a="http://schemas.openxmlformats.org/drawingml/2006/main" xmlns:r="http://schemas.openxmlformats.org/officeDocument/2006/relationships" xmlns:p="http://schemas.openxmlformats.org/presentationml/2006/main">
+  <p:cSld>
+    <p:spTree>
+      <p:nvGrpSpPr>
+        <p:cNvPr id="1" name="">
+          <a:extLst>
+            <a:ext uri="{FF2B5EF4-FFF2-40B4-BE49-F238E27FC236}">
+              <a16:creationId xmlns:a16="http://schemas.microsoft.com/office/drawing/2014/main" id="{559D1BCB-A578-7B0D-D466-1A2C32097818}"/>
+            </a:ext>
+          </a:extLst>
+        </p:cNvPr>
+        <p:cNvGrpSpPr/>
+        <p:nvPr/>
+      </p:nvGrpSpPr>
+      <p:grpSpPr>
+        <a:xfrm>
+          <a:off x="0" y="0"/>
+          <a:ext cx="0" cy="0"/>
+          <a:chOff x="0" y="0"/>
+          <a:chExt cx="0" cy="0"/>
+        </a:xfrm>
+      </p:grpSpPr>
+      <p:sp>
+        <p:nvSpPr>
+          <p:cNvPr id="2" name="Τίτλος 1">
+            <a:extLst>
+              <a:ext uri="{FF2B5EF4-FFF2-40B4-BE49-F238E27FC236}">
+                <a16:creationId xmlns:a16="http://schemas.microsoft.com/office/drawing/2014/main" id="{66331D08-749A-9BC5-4A50-FDD84AFC14B7}"/>
+              </a:ext>
+            </a:extLst>
+          </p:cNvPr>
+          <p:cNvSpPr>
+            <a:spLocks noGrp="1"/>
+          </p:cNvSpPr>
+          <p:nvPr>
+            <p:ph type="title"/>
+          </p:nvPr>
+        </p:nvSpPr>
+        <p:spPr/>
+        <p:txBody>
+          <a:bodyPr/>
+          <a:lstStyle/>
+          <a:p>
+            <a:r>
+              <a:rPr lang="el-GR" dirty="0"/>
+              <a:t>Η </a:t>
+            </a:r>
+            <a:r>
+              <a:rPr lang="el-GR" dirty="0" err="1"/>
+              <a:t>Διανομη</a:t>
+            </a:r>
+            <a:r>
+              <a:rPr lang="el-GR" dirty="0"/>
+              <a:t> ως </a:t>
+            </a:r>
+            <a:r>
+              <a:rPr lang="el-GR" dirty="0" err="1"/>
+              <a:t>προβλημα</a:t>
+            </a:r>
+            <a:r>
+              <a:rPr lang="el-GR" dirty="0"/>
+              <a:t> </a:t>
+            </a:r>
+            <a:r>
+              <a:rPr lang="el-GR" dirty="0" err="1"/>
+              <a:t>βελτιστοποιησησ</a:t>
+            </a:r>
+            <a:endParaRPr lang="en-US" dirty="0"/>
+          </a:p>
+        </p:txBody>
+      </p:sp>
+      <p:sp>
+        <p:nvSpPr>
+          <p:cNvPr id="3" name="Θέση κειμένου 2">
+            <a:extLst>
+              <a:ext uri="{FF2B5EF4-FFF2-40B4-BE49-F238E27FC236}">
+                <a16:creationId xmlns:a16="http://schemas.microsoft.com/office/drawing/2014/main" id="{A23C1F50-DF29-3C07-62D5-6E7E93C3E2A6}"/>
+              </a:ext>
+            </a:extLst>
+          </p:cNvPr>
+          <p:cNvSpPr>
+            <a:spLocks noGrp="1"/>
+          </p:cNvSpPr>
+          <p:nvPr>
+            <p:ph type="body" idx="1"/>
+          </p:nvPr>
+        </p:nvSpPr>
+        <p:spPr/>
+        <p:txBody>
+          <a:bodyPr/>
+          <a:lstStyle/>
+          <a:p>
+            <a:endParaRPr lang="en-US" dirty="0"/>
+          </a:p>
+        </p:txBody>
+      </p:sp>
+    </p:spTree>
+    <p:extLst>
+      <p:ext uri="{BB962C8B-B14F-4D97-AF65-F5344CB8AC3E}">
+        <p14:creationId xmlns:p14="http://schemas.microsoft.com/office/powerpoint/2010/main" val="1317995390"/>
+      </p:ext>
+    </p:extLst>
+  </p:cSld>
+  <p:clrMapOvr>
+    <a:masterClrMapping/>
+  </p:clrMapOvr>
+</p:sld>
+</file>
+
+<file path=ppt/slides/slide17.xml><?xml version="1.0" encoding="utf-8"?>
+<p:sld xmlns:a="http://schemas.openxmlformats.org/drawingml/2006/main" xmlns:r="http://schemas.openxmlformats.org/officeDocument/2006/relationships" xmlns:p="http://schemas.openxmlformats.org/presentationml/2006/main">
+  <p:cSld>
+    <p:spTree>
+      <p:nvGrpSpPr>
+        <p:cNvPr id="1" name="">
+          <a:extLst>
+            <a:ext uri="{FF2B5EF4-FFF2-40B4-BE49-F238E27FC236}">
+              <a16:creationId xmlns:a16="http://schemas.microsoft.com/office/drawing/2014/main" id="{26222718-95E6-12A2-1DB3-6C9A089D72EC}"/>
+            </a:ext>
+          </a:extLst>
+        </p:cNvPr>
+        <p:cNvGrpSpPr/>
+        <p:nvPr/>
+      </p:nvGrpSpPr>
+      <p:grpSpPr>
+        <a:xfrm>
+          <a:off x="0" y="0"/>
+          <a:ext cx="0" cy="0"/>
+          <a:chOff x="0" y="0"/>
+          <a:chExt cx="0" cy="0"/>
+        </a:xfrm>
+      </p:grpSpPr>
+      <p:sp>
+        <p:nvSpPr>
+          <p:cNvPr id="2" name="Τίτλος 1">
+            <a:extLst>
+              <a:ext uri="{FF2B5EF4-FFF2-40B4-BE49-F238E27FC236}">
+                <a16:creationId xmlns:a16="http://schemas.microsoft.com/office/drawing/2014/main" id="{2E771D37-4D92-CAB9-BD85-FD6FBF050D5D}"/>
+              </a:ext>
+            </a:extLst>
+          </p:cNvPr>
+          <p:cNvSpPr>
+            <a:spLocks noGrp="1"/>
+          </p:cNvSpPr>
+          <p:nvPr>
+            <p:ph type="title"/>
+          </p:nvPr>
+        </p:nvSpPr>
+        <p:spPr/>
+        <p:txBody>
+          <a:bodyPr/>
+          <a:lstStyle/>
+          <a:p>
+            <a:r>
+              <a:rPr lang="el-GR" dirty="0"/>
+              <a:t>Η </a:t>
+            </a:r>
+            <a:r>
+              <a:rPr lang="el-GR" dirty="0" err="1"/>
+              <a:t>Διανομη</a:t>
+            </a:r>
+            <a:r>
+              <a:rPr lang="el-GR" dirty="0"/>
+              <a:t> ως </a:t>
+            </a:r>
+            <a:r>
+              <a:rPr lang="el-GR" dirty="0" err="1"/>
+              <a:t>προβλημα</a:t>
+            </a:r>
+            <a:r>
+              <a:rPr lang="el-GR" dirty="0"/>
+              <a:t> </a:t>
+            </a:r>
+            <a:r>
+              <a:rPr lang="el-GR" dirty="0" err="1"/>
+              <a:t>βελτιστοποιησησ</a:t>
+            </a:r>
+            <a:endParaRPr lang="en-US" dirty="0"/>
+          </a:p>
+        </p:txBody>
+      </p:sp>
+      <p:sp>
+        <p:nvSpPr>
+          <p:cNvPr id="4" name="Θέση περιεχομένου 3">
+            <a:extLst>
+              <a:ext uri="{FF2B5EF4-FFF2-40B4-BE49-F238E27FC236}">
+                <a16:creationId xmlns:a16="http://schemas.microsoft.com/office/drawing/2014/main" id="{FD4C64FD-6ADA-94E3-5A03-49DD9E60F670}"/>
+              </a:ext>
+            </a:extLst>
+          </p:cNvPr>
+          <p:cNvSpPr txBox="1">
+            <a:spLocks noGrp="1"/>
+          </p:cNvSpPr>
+          <p:nvPr>
+            <p:ph idx="1"/>
+          </p:nvPr>
+        </p:nvSpPr>
+        <p:spPr>
+          <a:xfrm>
+            <a:off x="581025" y="3426336"/>
+            <a:ext cx="2499402" cy="1188018"/>
+          </a:xfrm>
+          <a:prstGeom prst="rect">
+            <a:avLst/>
+          </a:prstGeom>
+          <a:noFill/>
+        </p:spPr>
+        <p:txBody>
+          <a:bodyPr wrap="none" rtlCol="0">
+            <a:spAutoFit/>
+          </a:bodyPr>
+          <a:lstStyle/>
+          <a:p>
+            <a:pPr marL="285750" indent="-285750">
+              <a:buFont typeface="Arial" panose="020B0604020202020204" pitchFamily="34" charset="0"/>
+              <a:buChar char="•"/>
+            </a:pPr>
+            <a:r>
+              <a:rPr lang="en-US" dirty="0"/>
+              <a:t>Objective</a:t>
+            </a:r>
+          </a:p>
+          <a:p>
+            <a:pPr marL="285750" indent="-285750">
+              <a:buFont typeface="Arial" panose="020B0604020202020204" pitchFamily="34" charset="0"/>
+              <a:buChar char="•"/>
+            </a:pPr>
+            <a:r>
+              <a:rPr lang="en-US" dirty="0"/>
+              <a:t>Constraints </a:t>
+            </a:r>
+            <a:r>
+              <a:rPr lang="el-GR" dirty="0"/>
+              <a:t> με </a:t>
+            </a:r>
+            <a:r>
+              <a:rPr lang="el-GR" dirty="0" err="1"/>
+              <a:t>λογια</a:t>
+            </a:r>
+            <a:endParaRPr lang="el-GR" dirty="0"/>
+          </a:p>
+          <a:p>
+            <a:pPr marL="0" indent="0">
+              <a:buNone/>
+            </a:pPr>
+            <a:endParaRPr lang="el-GR" dirty="0"/>
+          </a:p>
+        </p:txBody>
+      </p:sp>
+    </p:spTree>
+    <p:extLst>
+      <p:ext uri="{BB962C8B-B14F-4D97-AF65-F5344CB8AC3E}">
+        <p14:creationId xmlns:p14="http://schemas.microsoft.com/office/powerpoint/2010/main" val="3753663940"/>
+      </p:ext>
+    </p:extLst>
+  </p:cSld>
+  <p:clrMapOvr>
+    <a:masterClrMapping/>
+  </p:clrMapOvr>
+</p:sld>
+</file>
+
+<file path=ppt/slides/slide18.xml><?xml version="1.0" encoding="utf-8"?>
+<p:sld xmlns:a="http://schemas.openxmlformats.org/drawingml/2006/main" xmlns:r="http://schemas.openxmlformats.org/officeDocument/2006/relationships" xmlns:p="http://schemas.openxmlformats.org/presentationml/2006/main">
+  <p:cSld>
+    <p:spTree>
+      <p:nvGrpSpPr>
+        <p:cNvPr id="1" name="">
+          <a:extLst>
+            <a:ext uri="{FF2B5EF4-FFF2-40B4-BE49-F238E27FC236}">
+              <a16:creationId xmlns:a16="http://schemas.microsoft.com/office/drawing/2014/main" id="{FD05B20A-3FDE-63B7-4702-8C47668B6252}"/>
+            </a:ext>
+          </a:extLst>
+        </p:cNvPr>
+        <p:cNvGrpSpPr/>
+        <p:nvPr/>
+      </p:nvGrpSpPr>
+      <p:grpSpPr>
+        <a:xfrm>
+          <a:off x="0" y="0"/>
+          <a:ext cx="0" cy="0"/>
+          <a:chOff x="0" y="0"/>
+          <a:chExt cx="0" cy="0"/>
+        </a:xfrm>
+      </p:grpSpPr>
+      <p:sp>
+        <p:nvSpPr>
+          <p:cNvPr id="2" name="Τίτλος 1">
+            <a:extLst>
+              <a:ext uri="{FF2B5EF4-FFF2-40B4-BE49-F238E27FC236}">
+                <a16:creationId xmlns:a16="http://schemas.microsoft.com/office/drawing/2014/main" id="{82D4CFEE-7699-D131-24A9-EA568A962D0C}"/>
+              </a:ext>
+            </a:extLst>
+          </p:cNvPr>
+          <p:cNvSpPr>
+            <a:spLocks noGrp="1"/>
+          </p:cNvSpPr>
+          <p:nvPr>
+            <p:ph type="title"/>
+          </p:nvPr>
+        </p:nvSpPr>
+        <p:spPr/>
+        <p:txBody>
+          <a:bodyPr/>
+          <a:lstStyle/>
+          <a:p>
+            <a:r>
+              <a:rPr lang="el-GR" dirty="0"/>
+              <a:t>Η </a:t>
+            </a:r>
+            <a:r>
+              <a:rPr lang="el-GR" dirty="0" err="1"/>
+              <a:t>Διανομη</a:t>
+            </a:r>
+            <a:r>
+              <a:rPr lang="el-GR" dirty="0"/>
+              <a:t> ως </a:t>
+            </a:r>
+            <a:r>
+              <a:rPr lang="el-GR" dirty="0" err="1"/>
+              <a:t>προβλημα</a:t>
+            </a:r>
+            <a:r>
+              <a:rPr lang="el-GR" dirty="0"/>
+              <a:t> </a:t>
+            </a:r>
+            <a:r>
+              <a:rPr lang="el-GR" dirty="0" err="1"/>
+              <a:t>βελτιστοποιησησ</a:t>
+            </a:r>
+            <a:endParaRPr lang="en-US" dirty="0"/>
+          </a:p>
+        </p:txBody>
+      </p:sp>
+      <p:sp>
+        <p:nvSpPr>
+          <p:cNvPr id="4" name="Θέση περιεχομένου 3">
+            <a:extLst>
+              <a:ext uri="{FF2B5EF4-FFF2-40B4-BE49-F238E27FC236}">
+                <a16:creationId xmlns:a16="http://schemas.microsoft.com/office/drawing/2014/main" id="{09624E2A-426B-3554-0932-242D341C2A9D}"/>
+              </a:ext>
+            </a:extLst>
+          </p:cNvPr>
+          <p:cNvSpPr txBox="1">
+            <a:spLocks noGrp="1"/>
+          </p:cNvSpPr>
+          <p:nvPr>
+            <p:ph idx="1"/>
+          </p:nvPr>
+        </p:nvSpPr>
+        <p:spPr>
+          <a:xfrm>
+            <a:off x="581025" y="3426336"/>
+            <a:ext cx="2614177" cy="1188018"/>
+          </a:xfrm>
+          <a:prstGeom prst="rect">
+            <a:avLst/>
+          </a:prstGeom>
+          <a:noFill/>
+        </p:spPr>
+        <p:txBody>
+          <a:bodyPr wrap="none" rtlCol="0">
+            <a:spAutoFit/>
+          </a:bodyPr>
+          <a:lstStyle/>
+          <a:p>
+            <a:pPr marL="285750" indent="-285750">
+              <a:buFont typeface="Arial" panose="020B0604020202020204" pitchFamily="34" charset="0"/>
+              <a:buChar char="•"/>
+            </a:pPr>
+            <a:r>
+              <a:rPr lang="en-US" dirty="0"/>
+              <a:t>Objective</a:t>
+            </a:r>
+          </a:p>
+          <a:p>
+            <a:pPr marL="285750" indent="-285750">
+              <a:buFont typeface="Arial" panose="020B0604020202020204" pitchFamily="34" charset="0"/>
+              <a:buChar char="•"/>
+            </a:pPr>
+            <a:r>
+              <a:rPr lang="el-GR" dirty="0"/>
+              <a:t>Παράδειγμα </a:t>
+            </a:r>
+            <a:r>
+              <a:rPr lang="en-US" dirty="0"/>
+              <a:t>allocation</a:t>
+            </a:r>
+            <a:endParaRPr lang="el-GR" dirty="0"/>
+          </a:p>
+          <a:p>
+            <a:pPr marL="0" indent="0">
+              <a:buNone/>
+            </a:pPr>
+            <a:endParaRPr lang="el-GR" dirty="0"/>
+          </a:p>
+        </p:txBody>
+      </p:sp>
+    </p:spTree>
+    <p:extLst>
+      <p:ext uri="{BB962C8B-B14F-4D97-AF65-F5344CB8AC3E}">
+        <p14:creationId xmlns:p14="http://schemas.microsoft.com/office/powerpoint/2010/main" val="2285122244"/>
+      </p:ext>
+    </p:extLst>
+  </p:cSld>
+  <p:clrMapOvr>
+    <a:masterClrMapping/>
+  </p:clrMapOvr>
+</p:sld>
+</file>
+
+<file path=ppt/slides/slide19.xml><?xml version="1.0" encoding="utf-8"?>
+<p:sld xmlns:a="http://schemas.openxmlformats.org/drawingml/2006/main" xmlns:r="http://schemas.openxmlformats.org/officeDocument/2006/relationships" xmlns:p="http://schemas.openxmlformats.org/presentationml/2006/main">
+  <p:cSld>
+    <p:spTree>
+      <p:nvGrpSpPr>
+        <p:cNvPr id="1" name="">
+          <a:extLst>
+            <a:ext uri="{FF2B5EF4-FFF2-40B4-BE49-F238E27FC236}">
+              <a16:creationId xmlns:a16="http://schemas.microsoft.com/office/drawing/2014/main" id="{C5553588-645D-6B6B-2AF7-8624660EB16C}"/>
+            </a:ext>
+          </a:extLst>
+        </p:cNvPr>
+        <p:cNvGrpSpPr/>
+        <p:nvPr/>
+      </p:nvGrpSpPr>
+      <p:grpSpPr>
+        <a:xfrm>
+          <a:off x="0" y="0"/>
+          <a:ext cx="0" cy="0"/>
+          <a:chOff x="0" y="0"/>
+          <a:chExt cx="0" cy="0"/>
+        </a:xfrm>
+      </p:grpSpPr>
+      <p:sp>
+        <p:nvSpPr>
+          <p:cNvPr id="2" name="Τίτλος 1">
+            <a:extLst>
+              <a:ext uri="{FF2B5EF4-FFF2-40B4-BE49-F238E27FC236}">
+                <a16:creationId xmlns:a16="http://schemas.microsoft.com/office/drawing/2014/main" id="{05540B35-A2EB-F4B7-0D1B-6F15375C5D1A}"/>
+              </a:ext>
+            </a:extLst>
+          </p:cNvPr>
+          <p:cNvSpPr>
+            <a:spLocks noGrp="1"/>
+          </p:cNvSpPr>
+          <p:nvPr>
+            <p:ph type="title"/>
+          </p:nvPr>
+        </p:nvSpPr>
+        <p:spPr/>
+        <p:txBody>
+          <a:bodyPr/>
+          <a:lstStyle/>
+          <a:p>
+            <a:r>
+              <a:rPr lang="el-GR" dirty="0" err="1"/>
+              <a:t>ενα</a:t>
+            </a:r>
+            <a:r>
+              <a:rPr lang="el-GR" dirty="0"/>
+              <a:t> </a:t>
+            </a:r>
+            <a:r>
+              <a:rPr lang="el-GR" dirty="0" err="1"/>
+              <a:t>αλλο</a:t>
+            </a:r>
+            <a:r>
+              <a:rPr lang="el-GR" dirty="0"/>
+              <a:t> </a:t>
+            </a:r>
+            <a:r>
+              <a:rPr lang="el-GR" dirty="0" err="1"/>
+              <a:t>παραδειγμα</a:t>
+            </a:r>
+            <a:r>
+              <a:rPr lang="el-GR" dirty="0"/>
+              <a:t> από τη </a:t>
+            </a:r>
+            <a:r>
+              <a:rPr lang="el-GR" dirty="0" err="1"/>
+              <a:t>βιβλιογραφια</a:t>
+            </a:r>
+            <a:endParaRPr lang="en-US" dirty="0"/>
+          </a:p>
+        </p:txBody>
+      </p:sp>
+      <p:sp>
+        <p:nvSpPr>
+          <p:cNvPr id="3" name="Θέση κειμένου 2">
+            <a:extLst>
+              <a:ext uri="{FF2B5EF4-FFF2-40B4-BE49-F238E27FC236}">
+                <a16:creationId xmlns:a16="http://schemas.microsoft.com/office/drawing/2014/main" id="{3F5B8FC4-F692-845B-E7A7-80250454C2CF}"/>
+              </a:ext>
+            </a:extLst>
+          </p:cNvPr>
+          <p:cNvSpPr>
+            <a:spLocks noGrp="1"/>
+          </p:cNvSpPr>
+          <p:nvPr>
+            <p:ph type="body" idx="1"/>
+          </p:nvPr>
+        </p:nvSpPr>
+        <p:spPr/>
+        <p:txBody>
+          <a:bodyPr/>
+          <a:lstStyle/>
+          <a:p>
+            <a:endParaRPr lang="en-US" dirty="0"/>
+          </a:p>
+        </p:txBody>
+      </p:sp>
+    </p:spTree>
+    <p:extLst>
+      <p:ext uri="{BB962C8B-B14F-4D97-AF65-F5344CB8AC3E}">
+        <p14:creationId xmlns:p14="http://schemas.microsoft.com/office/powerpoint/2010/main" val="2406888754"/>
+      </p:ext>
+    </p:extLst>
+  </p:cSld>
+  <p:clrMapOvr>
+    <a:masterClrMapping/>
+  </p:clrMapOvr>
+</p:sld>
+</file>
+
 <file path=ppt/slides/slide2.xml><?xml version="1.0" encoding="utf-8"?>
 <p:sld xmlns:a="http://schemas.openxmlformats.org/drawingml/2006/main" xmlns:r="http://schemas.openxmlformats.org/officeDocument/2006/relationships" xmlns:p="http://schemas.openxmlformats.org/presentationml/2006/main">
   <p:cSld>
@@ -3988,7 +5349,7 @@
             </a:r>
             <a:r>
               <a:rPr lang="el-GR" dirty="0" err="1"/>
-              <a:t>ριπων</a:t>
+              <a:t>ρΥπων</a:t>
             </a:r>
             <a:r>
               <a:rPr lang="el-GR" dirty="0"/>
@@ -4030,6 +5391,610 @@
     <p:extLst>
       <p:ext uri="{BB962C8B-B14F-4D97-AF65-F5344CB8AC3E}">
         <p14:creationId xmlns:p14="http://schemas.microsoft.com/office/powerpoint/2010/main" val="4046604953"/>
+      </p:ext>
+    </p:extLst>
+  </p:cSld>
+  <p:clrMapOvr>
+    <a:masterClrMapping/>
+  </p:clrMapOvr>
+</p:sld>
+</file>
+
+<file path=ppt/slides/slide20.xml><?xml version="1.0" encoding="utf-8"?>
+<p:sld xmlns:a="http://schemas.openxmlformats.org/drawingml/2006/main" xmlns:r="http://schemas.openxmlformats.org/officeDocument/2006/relationships" xmlns:p="http://schemas.openxmlformats.org/presentationml/2006/main">
+  <p:cSld>
+    <p:spTree>
+      <p:nvGrpSpPr>
+        <p:cNvPr id="1" name="">
+          <a:extLst>
+            <a:ext uri="{FF2B5EF4-FFF2-40B4-BE49-F238E27FC236}">
+              <a16:creationId xmlns:a16="http://schemas.microsoft.com/office/drawing/2014/main" id="{71A0FE3D-B6E1-537F-1672-50539DDF5B38}"/>
+            </a:ext>
+          </a:extLst>
+        </p:cNvPr>
+        <p:cNvGrpSpPr/>
+        <p:nvPr/>
+      </p:nvGrpSpPr>
+      <p:grpSpPr>
+        <a:xfrm>
+          <a:off x="0" y="0"/>
+          <a:ext cx="0" cy="0"/>
+          <a:chOff x="0" y="0"/>
+          <a:chExt cx="0" cy="0"/>
+        </a:xfrm>
+      </p:grpSpPr>
+      <p:sp>
+        <p:nvSpPr>
+          <p:cNvPr id="2" name="Τίτλος 1">
+            <a:extLst>
+              <a:ext uri="{FF2B5EF4-FFF2-40B4-BE49-F238E27FC236}">
+                <a16:creationId xmlns:a16="http://schemas.microsoft.com/office/drawing/2014/main" id="{E9F9F255-A68E-9353-DAD2-520B9B10224A}"/>
+              </a:ext>
+            </a:extLst>
+          </p:cNvPr>
+          <p:cNvSpPr>
+            <a:spLocks noGrp="1"/>
+          </p:cNvSpPr>
+          <p:nvPr>
+            <p:ph type="title"/>
+          </p:nvPr>
+        </p:nvSpPr>
+        <p:spPr/>
+        <p:txBody>
+          <a:bodyPr/>
+          <a:lstStyle/>
+          <a:p>
+            <a:r>
+              <a:rPr lang="el-GR" dirty="0" err="1"/>
+              <a:t>ενα</a:t>
+            </a:r>
+            <a:r>
+              <a:rPr lang="el-GR" dirty="0"/>
+              <a:t> </a:t>
+            </a:r>
+            <a:r>
+              <a:rPr lang="el-GR" dirty="0" err="1"/>
+              <a:t>αλλο</a:t>
+            </a:r>
+            <a:r>
+              <a:rPr lang="el-GR" dirty="0"/>
+              <a:t> </a:t>
+            </a:r>
+            <a:r>
+              <a:rPr lang="el-GR" dirty="0" err="1"/>
+              <a:t>παραδειγμα</a:t>
+            </a:r>
+            <a:r>
+              <a:rPr lang="el-GR" dirty="0"/>
+              <a:t> από τη </a:t>
+            </a:r>
+            <a:r>
+              <a:rPr lang="el-GR" dirty="0" err="1"/>
+              <a:t>βιβλιογραφια</a:t>
+            </a:r>
+            <a:endParaRPr lang="en-US" dirty="0"/>
+          </a:p>
+        </p:txBody>
+      </p:sp>
+      <p:sp>
+        <p:nvSpPr>
+          <p:cNvPr id="4" name="Θέση περιεχομένου 3">
+            <a:extLst>
+              <a:ext uri="{FF2B5EF4-FFF2-40B4-BE49-F238E27FC236}">
+                <a16:creationId xmlns:a16="http://schemas.microsoft.com/office/drawing/2014/main" id="{BEF87080-D0CB-837A-4F42-1B7D74BE27E5}"/>
+              </a:ext>
+            </a:extLst>
+          </p:cNvPr>
+          <p:cNvSpPr txBox="1">
+            <a:spLocks noGrp="1"/>
+          </p:cNvSpPr>
+          <p:nvPr>
+            <p:ph idx="1"/>
+          </p:nvPr>
+        </p:nvSpPr>
+        <p:spPr>
+          <a:xfrm>
+            <a:off x="581025" y="3631007"/>
+            <a:ext cx="6774099" cy="778675"/>
+          </a:xfrm>
+          <a:prstGeom prst="rect">
+            <a:avLst/>
+          </a:prstGeom>
+          <a:noFill/>
+        </p:spPr>
+        <p:txBody>
+          <a:bodyPr wrap="none" rtlCol="0">
+            <a:spAutoFit/>
+          </a:bodyPr>
+          <a:lstStyle/>
+          <a:p>
+            <a:pPr marL="285750" indent="-285750">
+              <a:buFont typeface="Arial" panose="020B0604020202020204" pitchFamily="34" charset="0"/>
+              <a:buChar char="•"/>
+            </a:pPr>
+            <a:r>
+              <a:rPr lang="el-GR" dirty="0"/>
+              <a:t>Πιο πολλές απαιτήσεις. Αλλά πολύ πιο </a:t>
+            </a:r>
+            <a:r>
+              <a:rPr lang="el-GR" dirty="0" err="1"/>
+              <a:t>αναλυιτκά</a:t>
+            </a:r>
+            <a:r>
+              <a:rPr lang="el-GR" dirty="0"/>
+              <a:t> αποτελέσματα.</a:t>
+            </a:r>
+          </a:p>
+          <a:p>
+            <a:pPr marL="285750" indent="-285750">
+              <a:buFont typeface="Arial" panose="020B0604020202020204" pitchFamily="34" charset="0"/>
+              <a:buChar char="•"/>
+            </a:pPr>
+            <a:r>
+              <a:rPr lang="el-GR" dirty="0"/>
+              <a:t>Να η εξίσωση κέρδους.</a:t>
+            </a:r>
+            <a:endParaRPr lang="en-US" dirty="0"/>
+          </a:p>
+        </p:txBody>
+      </p:sp>
+    </p:spTree>
+    <p:extLst>
+      <p:ext uri="{BB962C8B-B14F-4D97-AF65-F5344CB8AC3E}">
+        <p14:creationId xmlns:p14="http://schemas.microsoft.com/office/powerpoint/2010/main" val="535488578"/>
+      </p:ext>
+    </p:extLst>
+  </p:cSld>
+  <p:clrMapOvr>
+    <a:masterClrMapping/>
+  </p:clrMapOvr>
+</p:sld>
+</file>
+
+<file path=ppt/slides/slide21.xml><?xml version="1.0" encoding="utf-8"?>
+<p:sld xmlns:a="http://schemas.openxmlformats.org/drawingml/2006/main" xmlns:r="http://schemas.openxmlformats.org/officeDocument/2006/relationships" xmlns:p="http://schemas.openxmlformats.org/presentationml/2006/main">
+  <p:cSld>
+    <p:spTree>
+      <p:nvGrpSpPr>
+        <p:cNvPr id="1" name="">
+          <a:extLst>
+            <a:ext uri="{FF2B5EF4-FFF2-40B4-BE49-F238E27FC236}">
+              <a16:creationId xmlns:a16="http://schemas.microsoft.com/office/drawing/2014/main" id="{149EFC1E-79A0-BF13-A0BF-1C87B9E6EF07}"/>
+            </a:ext>
+          </a:extLst>
+        </p:cNvPr>
+        <p:cNvGrpSpPr/>
+        <p:nvPr/>
+      </p:nvGrpSpPr>
+      <p:grpSpPr>
+        <a:xfrm>
+          <a:off x="0" y="0"/>
+          <a:ext cx="0" cy="0"/>
+          <a:chOff x="0" y="0"/>
+          <a:chExt cx="0" cy="0"/>
+        </a:xfrm>
+      </p:grpSpPr>
+      <p:sp>
+        <p:nvSpPr>
+          <p:cNvPr id="2" name="Τίτλος 1">
+            <a:extLst>
+              <a:ext uri="{FF2B5EF4-FFF2-40B4-BE49-F238E27FC236}">
+                <a16:creationId xmlns:a16="http://schemas.microsoft.com/office/drawing/2014/main" id="{139DC3B5-D409-DDD4-3E38-42A4DB0FED74}"/>
+              </a:ext>
+            </a:extLst>
+          </p:cNvPr>
+          <p:cNvSpPr>
+            <a:spLocks noGrp="1"/>
+          </p:cNvSpPr>
+          <p:nvPr>
+            <p:ph type="title"/>
+          </p:nvPr>
+        </p:nvSpPr>
+        <p:spPr/>
+        <p:txBody>
+          <a:bodyPr/>
+          <a:lstStyle/>
+          <a:p>
+            <a:r>
+              <a:rPr lang="el-GR" dirty="0" err="1"/>
+              <a:t>ενα</a:t>
+            </a:r>
+            <a:r>
+              <a:rPr lang="el-GR" dirty="0"/>
+              <a:t> </a:t>
+            </a:r>
+            <a:r>
+              <a:rPr lang="el-GR" dirty="0" err="1"/>
+              <a:t>αλλο</a:t>
+            </a:r>
+            <a:r>
+              <a:rPr lang="el-GR" dirty="0"/>
+              <a:t> </a:t>
+            </a:r>
+            <a:r>
+              <a:rPr lang="el-GR" dirty="0" err="1"/>
+              <a:t>παραδειγμα</a:t>
+            </a:r>
+            <a:r>
+              <a:rPr lang="el-GR" dirty="0"/>
+              <a:t> από τη </a:t>
+            </a:r>
+            <a:r>
+              <a:rPr lang="el-GR" dirty="0" err="1"/>
+              <a:t>βιβλιογραφια</a:t>
+            </a:r>
+            <a:endParaRPr lang="en-US" dirty="0"/>
+          </a:p>
+        </p:txBody>
+      </p:sp>
+      <p:sp>
+        <p:nvSpPr>
+          <p:cNvPr id="4" name="Θέση περιεχομένου 3">
+            <a:extLst>
+              <a:ext uri="{FF2B5EF4-FFF2-40B4-BE49-F238E27FC236}">
+                <a16:creationId xmlns:a16="http://schemas.microsoft.com/office/drawing/2014/main" id="{0C3745D7-5D4E-0961-A5F2-D09926E77EDE}"/>
+              </a:ext>
+            </a:extLst>
+          </p:cNvPr>
+          <p:cNvSpPr txBox="1">
+            <a:spLocks noGrp="1"/>
+          </p:cNvSpPr>
+          <p:nvPr>
+            <p:ph idx="1"/>
+          </p:nvPr>
+        </p:nvSpPr>
+        <p:spPr>
+          <a:xfrm>
+            <a:off x="581025" y="3835678"/>
+            <a:ext cx="2266711" cy="369332"/>
+          </a:xfrm>
+          <a:prstGeom prst="rect">
+            <a:avLst/>
+          </a:prstGeom>
+          <a:noFill/>
+        </p:spPr>
+        <p:txBody>
+          <a:bodyPr wrap="none" rtlCol="0">
+            <a:spAutoFit/>
+          </a:bodyPr>
+          <a:lstStyle/>
+          <a:p>
+            <a:pPr marL="285750" indent="-285750">
+              <a:buFont typeface="Arial" panose="020B0604020202020204" pitchFamily="34" charset="0"/>
+              <a:buChar char="•"/>
+            </a:pPr>
+            <a:r>
+              <a:rPr lang="el-GR" dirty="0"/>
+              <a:t>Αποτελέσματα 3-4</a:t>
+            </a:r>
+            <a:endParaRPr lang="en-US" dirty="0"/>
+          </a:p>
+        </p:txBody>
+      </p:sp>
+    </p:spTree>
+    <p:extLst>
+      <p:ext uri="{BB962C8B-B14F-4D97-AF65-F5344CB8AC3E}">
+        <p14:creationId xmlns:p14="http://schemas.microsoft.com/office/powerpoint/2010/main" val="3199948228"/>
+      </p:ext>
+    </p:extLst>
+  </p:cSld>
+  <p:clrMapOvr>
+    <a:masterClrMapping/>
+  </p:clrMapOvr>
+</p:sld>
+</file>
+
+<file path=ppt/slides/slide22.xml><?xml version="1.0" encoding="utf-8"?>
+<p:sld xmlns:a="http://schemas.openxmlformats.org/drawingml/2006/main" xmlns:r="http://schemas.openxmlformats.org/officeDocument/2006/relationships" xmlns:p="http://schemas.openxmlformats.org/presentationml/2006/main">
+  <p:cSld>
+    <p:spTree>
+      <p:nvGrpSpPr>
+        <p:cNvPr id="1" name="">
+          <a:extLst>
+            <a:ext uri="{FF2B5EF4-FFF2-40B4-BE49-F238E27FC236}">
+              <a16:creationId xmlns:a16="http://schemas.microsoft.com/office/drawing/2014/main" id="{AB5F2570-73BA-9587-F8CC-8FBD6F287EA6}"/>
+            </a:ext>
+          </a:extLst>
+        </p:cNvPr>
+        <p:cNvGrpSpPr/>
+        <p:nvPr/>
+      </p:nvGrpSpPr>
+      <p:grpSpPr>
+        <a:xfrm>
+          <a:off x="0" y="0"/>
+          <a:ext cx="0" cy="0"/>
+          <a:chOff x="0" y="0"/>
+          <a:chExt cx="0" cy="0"/>
+        </a:xfrm>
+      </p:grpSpPr>
+      <p:sp>
+        <p:nvSpPr>
+          <p:cNvPr id="2" name="Τίτλος 1">
+            <a:extLst>
+              <a:ext uri="{FF2B5EF4-FFF2-40B4-BE49-F238E27FC236}">
+                <a16:creationId xmlns:a16="http://schemas.microsoft.com/office/drawing/2014/main" id="{ECAD72A9-171F-1F89-5726-5F9D29B3CE6F}"/>
+              </a:ext>
+            </a:extLst>
+          </p:cNvPr>
+          <p:cNvSpPr>
+            <a:spLocks noGrp="1"/>
+          </p:cNvSpPr>
+          <p:nvPr>
+            <p:ph type="title"/>
+          </p:nvPr>
+        </p:nvSpPr>
+        <p:spPr/>
+        <p:txBody>
+          <a:bodyPr/>
+          <a:lstStyle/>
+          <a:p>
+            <a:r>
+              <a:rPr lang="el-GR" dirty="0" err="1"/>
+              <a:t>Συγκριση</a:t>
+            </a:r>
+            <a:r>
+              <a:rPr lang="el-GR" dirty="0"/>
+              <a:t> των δυο</a:t>
+            </a:r>
+            <a:endParaRPr lang="en-US" dirty="0"/>
+          </a:p>
+        </p:txBody>
+      </p:sp>
+      <p:sp>
+        <p:nvSpPr>
+          <p:cNvPr id="3" name="Θέση κειμένου 2">
+            <a:extLst>
+              <a:ext uri="{FF2B5EF4-FFF2-40B4-BE49-F238E27FC236}">
+                <a16:creationId xmlns:a16="http://schemas.microsoft.com/office/drawing/2014/main" id="{BDEF407F-B41B-90BF-A3D2-D02BC524C5CF}"/>
+              </a:ext>
+            </a:extLst>
+          </p:cNvPr>
+          <p:cNvSpPr>
+            <a:spLocks noGrp="1"/>
+          </p:cNvSpPr>
+          <p:nvPr>
+            <p:ph type="body" idx="1"/>
+          </p:nvPr>
+        </p:nvSpPr>
+        <p:spPr/>
+        <p:txBody>
+          <a:bodyPr/>
+          <a:lstStyle/>
+          <a:p>
+            <a:endParaRPr lang="en-US" dirty="0"/>
+          </a:p>
+        </p:txBody>
+      </p:sp>
+    </p:spTree>
+    <p:extLst>
+      <p:ext uri="{BB962C8B-B14F-4D97-AF65-F5344CB8AC3E}">
+        <p14:creationId xmlns:p14="http://schemas.microsoft.com/office/powerpoint/2010/main" val="555581949"/>
+      </p:ext>
+    </p:extLst>
+  </p:cSld>
+  <p:clrMapOvr>
+    <a:masterClrMapping/>
+  </p:clrMapOvr>
+</p:sld>
+</file>
+
+<file path=ppt/slides/slide23.xml><?xml version="1.0" encoding="utf-8"?>
+<p:sld xmlns:a="http://schemas.openxmlformats.org/drawingml/2006/main" xmlns:r="http://schemas.openxmlformats.org/officeDocument/2006/relationships" xmlns:p="http://schemas.openxmlformats.org/presentationml/2006/main">
+  <p:cSld>
+    <p:spTree>
+      <p:nvGrpSpPr>
+        <p:cNvPr id="1" name="">
+          <a:extLst>
+            <a:ext uri="{FF2B5EF4-FFF2-40B4-BE49-F238E27FC236}">
+              <a16:creationId xmlns:a16="http://schemas.microsoft.com/office/drawing/2014/main" id="{424FB21F-9E92-744C-F0E0-6E3BBED06FC9}"/>
+            </a:ext>
+          </a:extLst>
+        </p:cNvPr>
+        <p:cNvGrpSpPr/>
+        <p:nvPr/>
+      </p:nvGrpSpPr>
+      <p:grpSpPr>
+        <a:xfrm>
+          <a:off x="0" y="0"/>
+          <a:ext cx="0" cy="0"/>
+          <a:chOff x="0" y="0"/>
+          <a:chExt cx="0" cy="0"/>
+        </a:xfrm>
+      </p:grpSpPr>
+      <p:sp>
+        <p:nvSpPr>
+          <p:cNvPr id="2" name="Τίτλος 1">
+            <a:extLst>
+              <a:ext uri="{FF2B5EF4-FFF2-40B4-BE49-F238E27FC236}">
+                <a16:creationId xmlns:a16="http://schemas.microsoft.com/office/drawing/2014/main" id="{F5FB2DB0-2DDE-A8B6-FE05-FCC30DF76E28}"/>
+              </a:ext>
+            </a:extLst>
+          </p:cNvPr>
+          <p:cNvSpPr>
+            <a:spLocks noGrp="1"/>
+          </p:cNvSpPr>
+          <p:nvPr>
+            <p:ph type="title"/>
+          </p:nvPr>
+        </p:nvSpPr>
+        <p:spPr/>
+        <p:txBody>
+          <a:bodyPr/>
+          <a:lstStyle/>
+          <a:p>
+            <a:r>
+              <a:rPr lang="el-GR" dirty="0" err="1"/>
+              <a:t>Συγκριση</a:t>
+            </a:r>
+            <a:r>
+              <a:rPr lang="el-GR" dirty="0"/>
+              <a:t> των δυο</a:t>
+            </a:r>
+            <a:endParaRPr lang="en-US" dirty="0"/>
+          </a:p>
+        </p:txBody>
+      </p:sp>
+      <p:sp>
+        <p:nvSpPr>
+          <p:cNvPr id="4" name="Θέση περιεχομένου 3">
+            <a:extLst>
+              <a:ext uri="{FF2B5EF4-FFF2-40B4-BE49-F238E27FC236}">
+                <a16:creationId xmlns:a16="http://schemas.microsoft.com/office/drawing/2014/main" id="{0338863F-306F-0543-48EE-4835CEB4F8BD}"/>
+              </a:ext>
+            </a:extLst>
+          </p:cNvPr>
+          <p:cNvSpPr txBox="1">
+            <a:spLocks noGrp="1"/>
+          </p:cNvSpPr>
+          <p:nvPr>
+            <p:ph idx="1"/>
+          </p:nvPr>
+        </p:nvSpPr>
+        <p:spPr>
+          <a:xfrm>
+            <a:off x="581025" y="3835678"/>
+            <a:ext cx="2581476" cy="369332"/>
+          </a:xfrm>
+          <a:prstGeom prst="rect">
+            <a:avLst/>
+          </a:prstGeom>
+          <a:noFill/>
+        </p:spPr>
+        <p:txBody>
+          <a:bodyPr wrap="none" rtlCol="0">
+            <a:spAutoFit/>
+          </a:bodyPr>
+          <a:lstStyle/>
+          <a:p>
+            <a:pPr marL="285750" indent="-285750">
+              <a:buFont typeface="Arial" panose="020B0604020202020204" pitchFamily="34" charset="0"/>
+              <a:buChar char="•"/>
+            </a:pPr>
+            <a:r>
+              <a:rPr lang="el-GR" dirty="0"/>
+              <a:t>Παρουσίαση παικτών</a:t>
+            </a:r>
+            <a:endParaRPr lang="en-US" dirty="0"/>
+          </a:p>
+        </p:txBody>
+      </p:sp>
+    </p:spTree>
+    <p:extLst>
+      <p:ext uri="{BB962C8B-B14F-4D97-AF65-F5344CB8AC3E}">
+        <p14:creationId xmlns:p14="http://schemas.microsoft.com/office/powerpoint/2010/main" val="1832200537"/>
+      </p:ext>
+    </p:extLst>
+  </p:cSld>
+  <p:clrMapOvr>
+    <a:masterClrMapping/>
+  </p:clrMapOvr>
+</p:sld>
+</file>
+
+<file path=ppt/slides/slide24.xml><?xml version="1.0" encoding="utf-8"?>
+<p:sld xmlns:a="http://schemas.openxmlformats.org/drawingml/2006/main" xmlns:r="http://schemas.openxmlformats.org/officeDocument/2006/relationships" xmlns:p="http://schemas.openxmlformats.org/presentationml/2006/main">
+  <p:cSld>
+    <p:spTree>
+      <p:nvGrpSpPr>
+        <p:cNvPr id="1" name="">
+          <a:extLst>
+            <a:ext uri="{FF2B5EF4-FFF2-40B4-BE49-F238E27FC236}">
+              <a16:creationId xmlns:a16="http://schemas.microsoft.com/office/drawing/2014/main" id="{3B400F30-1B5D-1908-CBD1-6CB67C037898}"/>
+            </a:ext>
+          </a:extLst>
+        </p:cNvPr>
+        <p:cNvGrpSpPr/>
+        <p:nvPr/>
+      </p:nvGrpSpPr>
+      <p:grpSpPr>
+        <a:xfrm>
+          <a:off x="0" y="0"/>
+          <a:ext cx="0" cy="0"/>
+          <a:chOff x="0" y="0"/>
+          <a:chExt cx="0" cy="0"/>
+        </a:xfrm>
+      </p:grpSpPr>
+      <p:sp>
+        <p:nvSpPr>
+          <p:cNvPr id="2" name="Τίτλος 1">
+            <a:extLst>
+              <a:ext uri="{FF2B5EF4-FFF2-40B4-BE49-F238E27FC236}">
+                <a16:creationId xmlns:a16="http://schemas.microsoft.com/office/drawing/2014/main" id="{1E8F4FA9-C021-72B8-A314-191DAA009349}"/>
+              </a:ext>
+            </a:extLst>
+          </p:cNvPr>
+          <p:cNvSpPr>
+            <a:spLocks noGrp="1"/>
+          </p:cNvSpPr>
+          <p:nvPr>
+            <p:ph type="title"/>
+          </p:nvPr>
+        </p:nvSpPr>
+        <p:spPr/>
+        <p:txBody>
+          <a:bodyPr/>
+          <a:lstStyle/>
+          <a:p>
+            <a:r>
+              <a:rPr lang="el-GR" dirty="0" err="1"/>
+              <a:t>Συγκριση</a:t>
+            </a:r>
+            <a:r>
+              <a:rPr lang="el-GR" dirty="0"/>
+              <a:t> των δυο</a:t>
+            </a:r>
+            <a:endParaRPr lang="en-US" dirty="0"/>
+          </a:p>
+        </p:txBody>
+      </p:sp>
+      <p:sp>
+        <p:nvSpPr>
+          <p:cNvPr id="4" name="Θέση περιεχομένου 3">
+            <a:extLst>
+              <a:ext uri="{FF2B5EF4-FFF2-40B4-BE49-F238E27FC236}">
+                <a16:creationId xmlns:a16="http://schemas.microsoft.com/office/drawing/2014/main" id="{911E170D-250D-E455-23EC-0CD3926DFE40}"/>
+              </a:ext>
+            </a:extLst>
+          </p:cNvPr>
+          <p:cNvSpPr txBox="1">
+            <a:spLocks noGrp="1"/>
+          </p:cNvSpPr>
+          <p:nvPr>
+            <p:ph idx="1"/>
+          </p:nvPr>
+        </p:nvSpPr>
+        <p:spPr>
+          <a:xfrm>
+            <a:off x="581025" y="3835678"/>
+            <a:ext cx="3210815" cy="369332"/>
+          </a:xfrm>
+          <a:prstGeom prst="rect">
+            <a:avLst/>
+          </a:prstGeom>
+          <a:noFill/>
+        </p:spPr>
+        <p:txBody>
+          <a:bodyPr wrap="none" rtlCol="0">
+            <a:spAutoFit/>
+          </a:bodyPr>
+          <a:lstStyle/>
+          <a:p>
+            <a:pPr marL="285750" indent="-285750">
+              <a:buFont typeface="Arial" panose="020B0604020202020204" pitchFamily="34" charset="0"/>
+              <a:buChar char="•"/>
+            </a:pPr>
+            <a:r>
+              <a:rPr lang="el-GR" dirty="0"/>
+              <a:t>Παρουσίαση διαγραμμάτων</a:t>
+            </a:r>
+            <a:endParaRPr lang="en-US" dirty="0"/>
+          </a:p>
+        </p:txBody>
+      </p:sp>
+    </p:spTree>
+    <p:extLst>
+      <p:ext uri="{BB962C8B-B14F-4D97-AF65-F5344CB8AC3E}">
+        <p14:creationId xmlns:p14="http://schemas.microsoft.com/office/powerpoint/2010/main" val="1095683697"/>
       </p:ext>
     </p:extLst>
   </p:cSld>
@@ -4087,7 +6052,7 @@
             </a:r>
             <a:r>
               <a:rPr lang="el-GR" dirty="0" err="1"/>
-              <a:t>Ριπων</a:t>
+              <a:t>ΡΥπων</a:t>
             </a:r>
             <a:r>
               <a:rPr lang="el-GR" dirty="0"/>
@@ -4823,7 +6788,7 @@
             </a:pPr>
             <a:r>
               <a:rPr lang="el-GR" dirty="0"/>
-              <a:t>Καταλληλόλητα+. </a:t>
+              <a:t>Καταλληλόλητα </a:t>
             </a:r>
           </a:p>
         </p:txBody>
@@ -4832,6 +6797,365 @@
     <p:extLst>
       <p:ext uri="{BB962C8B-B14F-4D97-AF65-F5344CB8AC3E}">
         <p14:creationId xmlns:p14="http://schemas.microsoft.com/office/powerpoint/2010/main" val="607856915"/>
+      </p:ext>
+    </p:extLst>
+  </p:cSld>
+  <p:clrMapOvr>
+    <a:masterClrMapping/>
+  </p:clrMapOvr>
+</p:sld>
+</file>
+
+<file path=ppt/slides/slide7.xml><?xml version="1.0" encoding="utf-8"?>
+<p:sld xmlns:a="http://schemas.openxmlformats.org/drawingml/2006/main" xmlns:r="http://schemas.openxmlformats.org/officeDocument/2006/relationships" xmlns:p="http://schemas.openxmlformats.org/presentationml/2006/main">
+  <p:cSld>
+    <p:spTree>
+      <p:nvGrpSpPr>
+        <p:cNvPr id="1" name="">
+          <a:extLst>
+            <a:ext uri="{FF2B5EF4-FFF2-40B4-BE49-F238E27FC236}">
+              <a16:creationId xmlns:a16="http://schemas.microsoft.com/office/drawing/2014/main" id="{66A52555-3D9B-9BD2-3E36-3CD4E9D2480D}"/>
+            </a:ext>
+          </a:extLst>
+        </p:cNvPr>
+        <p:cNvGrpSpPr/>
+        <p:nvPr/>
+      </p:nvGrpSpPr>
+      <p:grpSpPr>
+        <a:xfrm>
+          <a:off x="0" y="0"/>
+          <a:ext cx="0" cy="0"/>
+          <a:chOff x="0" y="0"/>
+          <a:chExt cx="0" cy="0"/>
+        </a:xfrm>
+      </p:grpSpPr>
+      <p:sp>
+        <p:nvSpPr>
+          <p:cNvPr id="2" name="Τίτλος 1">
+            <a:extLst>
+              <a:ext uri="{FF2B5EF4-FFF2-40B4-BE49-F238E27FC236}">
+                <a16:creationId xmlns:a16="http://schemas.microsoft.com/office/drawing/2014/main" id="{62FF9AFD-A7C7-1F94-FEED-F2E687E01C71}"/>
+              </a:ext>
+            </a:extLst>
+          </p:cNvPr>
+          <p:cNvSpPr>
+            <a:spLocks noGrp="1"/>
+          </p:cNvSpPr>
+          <p:nvPr>
+            <p:ph type="title"/>
+          </p:nvPr>
+        </p:nvSpPr>
+        <p:spPr/>
+        <p:txBody>
+          <a:bodyPr/>
+          <a:lstStyle/>
+          <a:p>
+            <a:r>
+              <a:rPr lang="el-GR" dirty="0" err="1"/>
+              <a:t>Μοιραζοντας</a:t>
+            </a:r>
+            <a:r>
+              <a:rPr lang="el-GR" dirty="0"/>
+              <a:t> </a:t>
+            </a:r>
+            <a:r>
+              <a:rPr lang="el-GR" dirty="0" err="1"/>
+              <a:t>δικαια</a:t>
+            </a:r>
+            <a:r>
+              <a:rPr lang="en-US" dirty="0"/>
+              <a:t> – </a:t>
+            </a:r>
+            <a:r>
+              <a:rPr lang="el-GR" dirty="0" err="1"/>
+              <a:t>Παραδειγμα</a:t>
+            </a:r>
+            <a:r>
+              <a:rPr lang="el-GR" dirty="0"/>
+              <a:t> (</a:t>
+            </a:r>
+            <a:r>
+              <a:rPr lang="en-US" dirty="0"/>
+              <a:t>Herve Moulin</a:t>
+            </a:r>
+            <a:r>
+              <a:rPr lang="el-GR" dirty="0"/>
+              <a:t>)</a:t>
+            </a:r>
+            <a:endParaRPr lang="en-US" dirty="0"/>
+          </a:p>
+        </p:txBody>
+      </p:sp>
+      <p:sp>
+        <p:nvSpPr>
+          <p:cNvPr id="4" name="TextBox 3">
+            <a:extLst>
+              <a:ext uri="{FF2B5EF4-FFF2-40B4-BE49-F238E27FC236}">
+                <a16:creationId xmlns:a16="http://schemas.microsoft.com/office/drawing/2014/main" id="{67CDBE86-C65F-4EB1-4E4B-37A22C9209EA}"/>
+              </a:ext>
+            </a:extLst>
+          </p:cNvPr>
+          <p:cNvSpPr txBox="1"/>
+          <p:nvPr/>
+        </p:nvSpPr>
+        <p:spPr>
+          <a:xfrm>
+            <a:off x="492369" y="2277208"/>
+            <a:ext cx="8781891" cy="1477328"/>
+          </a:xfrm>
+          <a:prstGeom prst="rect">
+            <a:avLst/>
+          </a:prstGeom>
+          <a:noFill/>
+        </p:spPr>
+        <p:txBody>
+          <a:bodyPr wrap="none" rtlCol="0">
+            <a:spAutoFit/>
+          </a:bodyPr>
+          <a:lstStyle/>
+          <a:p>
+            <a:pPr marL="285750" indent="-285750">
+              <a:buFont typeface="Arial" panose="020B0604020202020204" pitchFamily="34" charset="0"/>
+              <a:buChar char="•"/>
+            </a:pPr>
+            <a:r>
+              <a:rPr lang="el-GR" dirty="0"/>
+              <a:t>Όλες οι άνθρωποι έχουν ίσο δικαίωμα στο να ρυπαίνουν τον πλανήτη. </a:t>
+            </a:r>
+          </a:p>
+          <a:p>
+            <a:endParaRPr lang="el-GR" dirty="0"/>
+          </a:p>
+          <a:p>
+            <a:pPr marL="285750" indent="-285750">
+              <a:buFont typeface="Arial" panose="020B0604020202020204" pitchFamily="34" charset="0"/>
+              <a:buChar char="•"/>
+            </a:pPr>
+            <a:r>
+              <a:rPr lang="el-GR" dirty="0"/>
+              <a:t>Είναι λογικό πιο αποδοτικές χώρες να λαμβάνουν περισσότερες άδειες.</a:t>
+            </a:r>
+          </a:p>
+          <a:p>
+            <a:endParaRPr lang="el-GR" dirty="0"/>
+          </a:p>
+          <a:p>
+            <a:pPr marL="285750" indent="-285750">
+              <a:buFont typeface="Arial" panose="020B0604020202020204" pitchFamily="34" charset="0"/>
+              <a:buChar char="•"/>
+            </a:pPr>
+            <a:r>
+              <a:rPr lang="el-GR" dirty="0"/>
+              <a:t>Χώρες με χαμηλό ακαθάριστο προϊόν κατά κεφαλήν είναι πρέπει να </a:t>
+            </a:r>
+            <a:r>
+              <a:rPr lang="el-GR" dirty="0" err="1"/>
+              <a:t>πριμοδοτούνται</a:t>
+            </a:r>
+            <a:r>
+              <a:rPr lang="el-GR" dirty="0"/>
+              <a:t>. </a:t>
+            </a:r>
+          </a:p>
+        </p:txBody>
+      </p:sp>
+    </p:spTree>
+    <p:extLst>
+      <p:ext uri="{BB962C8B-B14F-4D97-AF65-F5344CB8AC3E}">
+        <p14:creationId xmlns:p14="http://schemas.microsoft.com/office/powerpoint/2010/main" val="871652522"/>
+      </p:ext>
+    </p:extLst>
+  </p:cSld>
+  <p:clrMapOvr>
+    <a:masterClrMapping/>
+  </p:clrMapOvr>
+</p:sld>
+</file>
+
+<file path=ppt/slides/slide8.xml><?xml version="1.0" encoding="utf-8"?>
+<p:sld xmlns:a="http://schemas.openxmlformats.org/drawingml/2006/main" xmlns:r="http://schemas.openxmlformats.org/officeDocument/2006/relationships" xmlns:p="http://schemas.openxmlformats.org/presentationml/2006/main">
+  <p:cSld>
+    <p:spTree>
+      <p:nvGrpSpPr>
+        <p:cNvPr id="1" name="">
+          <a:extLst>
+            <a:ext uri="{FF2B5EF4-FFF2-40B4-BE49-F238E27FC236}">
+              <a16:creationId xmlns:a16="http://schemas.microsoft.com/office/drawing/2014/main" id="{A302F1E4-9C25-C06D-14A0-3A4688572F04}"/>
+            </a:ext>
+          </a:extLst>
+        </p:cNvPr>
+        <p:cNvGrpSpPr/>
+        <p:nvPr/>
+      </p:nvGrpSpPr>
+      <p:grpSpPr>
+        <a:xfrm>
+          <a:off x="0" y="0"/>
+          <a:ext cx="0" cy="0"/>
+          <a:chOff x="0" y="0"/>
+          <a:chExt cx="0" cy="0"/>
+        </a:xfrm>
+      </p:grpSpPr>
+      <p:sp>
+        <p:nvSpPr>
+          <p:cNvPr id="2" name="Τίτλος 1">
+            <a:extLst>
+              <a:ext uri="{FF2B5EF4-FFF2-40B4-BE49-F238E27FC236}">
+                <a16:creationId xmlns:a16="http://schemas.microsoft.com/office/drawing/2014/main" id="{0FAFBFEE-6949-2858-7E3A-BE3F7D1FEBCC}"/>
+              </a:ext>
+            </a:extLst>
+          </p:cNvPr>
+          <p:cNvSpPr>
+            <a:spLocks noGrp="1"/>
+          </p:cNvSpPr>
+          <p:nvPr>
+            <p:ph type="title"/>
+          </p:nvPr>
+        </p:nvSpPr>
+        <p:spPr/>
+        <p:txBody>
+          <a:bodyPr/>
+          <a:lstStyle/>
+          <a:p>
+            <a:r>
+              <a:rPr lang="el-GR" dirty="0" err="1"/>
+              <a:t>Πηγεσ</a:t>
+            </a:r>
+            <a:r>
+              <a:rPr lang="el-GR" dirty="0"/>
+              <a:t> και ΔΕΔΟΜΕΝΑ</a:t>
+            </a:r>
+            <a:endParaRPr lang="en-US" dirty="0"/>
+          </a:p>
+        </p:txBody>
+      </p:sp>
+      <p:sp>
+        <p:nvSpPr>
+          <p:cNvPr id="3" name="Θέση κειμένου 2">
+            <a:extLst>
+              <a:ext uri="{FF2B5EF4-FFF2-40B4-BE49-F238E27FC236}">
+                <a16:creationId xmlns:a16="http://schemas.microsoft.com/office/drawing/2014/main" id="{56D6E9B7-4460-C26C-C9C4-B969BE668159}"/>
+              </a:ext>
+            </a:extLst>
+          </p:cNvPr>
+          <p:cNvSpPr>
+            <a:spLocks noGrp="1"/>
+          </p:cNvSpPr>
+          <p:nvPr>
+            <p:ph type="body" idx="1"/>
+          </p:nvPr>
+        </p:nvSpPr>
+        <p:spPr/>
+        <p:txBody>
+          <a:bodyPr/>
+          <a:lstStyle/>
+          <a:p>
+            <a:endParaRPr lang="en-US" dirty="0"/>
+          </a:p>
+        </p:txBody>
+      </p:sp>
+    </p:spTree>
+    <p:extLst>
+      <p:ext uri="{BB962C8B-B14F-4D97-AF65-F5344CB8AC3E}">
+        <p14:creationId xmlns:p14="http://schemas.microsoft.com/office/powerpoint/2010/main" val="62616224"/>
+      </p:ext>
+    </p:extLst>
+  </p:cSld>
+  <p:clrMapOvr>
+    <a:masterClrMapping/>
+  </p:clrMapOvr>
+</p:sld>
+</file>
+
+<file path=ppt/slides/slide9.xml><?xml version="1.0" encoding="utf-8"?>
+<p:sld xmlns:a="http://schemas.openxmlformats.org/drawingml/2006/main" xmlns:r="http://schemas.openxmlformats.org/officeDocument/2006/relationships" xmlns:p="http://schemas.openxmlformats.org/presentationml/2006/main">
+  <p:cSld>
+    <p:spTree>
+      <p:nvGrpSpPr>
+        <p:cNvPr id="1" name=""/>
+        <p:cNvGrpSpPr/>
+        <p:nvPr/>
+      </p:nvGrpSpPr>
+      <p:grpSpPr>
+        <a:xfrm>
+          <a:off x="0" y="0"/>
+          <a:ext cx="0" cy="0"/>
+          <a:chOff x="0" y="0"/>
+          <a:chExt cx="0" cy="0"/>
+        </a:xfrm>
+      </p:grpSpPr>
+      <p:sp>
+        <p:nvSpPr>
+          <p:cNvPr id="2" name="Τίτλος 1">
+            <a:extLst>
+              <a:ext uri="{FF2B5EF4-FFF2-40B4-BE49-F238E27FC236}">
+                <a16:creationId xmlns:a16="http://schemas.microsoft.com/office/drawing/2014/main" id="{883EC2C5-F369-E0EB-DDAC-773EAA8990D6}"/>
+              </a:ext>
+            </a:extLst>
+          </p:cNvPr>
+          <p:cNvSpPr>
+            <a:spLocks noGrp="1"/>
+          </p:cNvSpPr>
+          <p:nvPr>
+            <p:ph type="title"/>
+          </p:nvPr>
+        </p:nvSpPr>
+        <p:spPr/>
+        <p:txBody>
+          <a:bodyPr/>
+          <a:lstStyle/>
+          <a:p>
+            <a:r>
+              <a:rPr lang="el-GR" dirty="0" err="1"/>
+              <a:t>Οριζοντια</a:t>
+            </a:r>
+            <a:r>
+              <a:rPr lang="el-GR" dirty="0"/>
+              <a:t> </a:t>
+            </a:r>
+            <a:r>
+              <a:rPr lang="el-GR" dirty="0" err="1"/>
+              <a:t>ισοτητα</a:t>
+            </a:r>
+            <a:r>
+              <a:rPr lang="el-GR" dirty="0"/>
+              <a:t> στο </a:t>
+            </a:r>
+            <a:r>
+              <a:rPr lang="en-US" dirty="0"/>
+              <a:t>EU ETS</a:t>
+            </a:r>
+          </a:p>
+        </p:txBody>
+      </p:sp>
+      <p:sp>
+        <p:nvSpPr>
+          <p:cNvPr id="3" name="Θέση κειμένου 2">
+            <a:extLst>
+              <a:ext uri="{FF2B5EF4-FFF2-40B4-BE49-F238E27FC236}">
+                <a16:creationId xmlns:a16="http://schemas.microsoft.com/office/drawing/2014/main" id="{2C6C1008-46F9-D657-6D85-9FF9D0C13500}"/>
+              </a:ext>
+            </a:extLst>
+          </p:cNvPr>
+          <p:cNvSpPr>
+            <a:spLocks noGrp="1"/>
+          </p:cNvSpPr>
+          <p:nvPr>
+            <p:ph type="body" idx="1"/>
+          </p:nvPr>
+        </p:nvSpPr>
+        <p:spPr/>
+        <p:txBody>
+          <a:bodyPr/>
+          <a:lstStyle/>
+          <a:p>
+            <a:endParaRPr lang="en-US" dirty="0"/>
+          </a:p>
+        </p:txBody>
+      </p:sp>
+    </p:spTree>
+    <p:extLst>
+      <p:ext uri="{BB962C8B-B14F-4D97-AF65-F5344CB8AC3E}">
+        <p14:creationId xmlns:p14="http://schemas.microsoft.com/office/powerpoint/2010/main" val="782094152"/>
       </p:ext>
     </p:extLst>
   </p:cSld>

--- a/Thesis/Παρουσίαση.pptx
+++ b/Thesis/Παρουσίαση.pptx
@@ -4523,7 +4523,7 @@
         <p:spPr>
           <a:xfrm>
             <a:off x="2490987" y="3960120"/>
-            <a:ext cx="7173956" cy="1200329"/>
+            <a:ext cx="7173956" cy="1477328"/>
           </a:xfrm>
           <a:prstGeom prst="rect">
             <a:avLst/>
@@ -4581,6 +4581,20 @@
               </a:rPr>
               <a:t>, Καθηγητής ΕΜΠ</a:t>
             </a:r>
+            <a:endParaRPr lang="en-US">
+              <a:solidFill>
+                <a:schemeClr val="bg1"/>
+              </a:solidFill>
+              <a:latin typeface="Georgia" panose="02040502050405020303" pitchFamily="18" charset="0"/>
+            </a:endParaRPr>
+          </a:p>
+          <a:p>
+            <a:endParaRPr lang="el-GR" dirty="0">
+              <a:solidFill>
+                <a:schemeClr val="bg1"/>
+              </a:solidFill>
+              <a:latin typeface="Georgia" panose="02040502050405020303" pitchFamily="18" charset="0"/>
+            </a:endParaRPr>
           </a:p>
           <a:p>
             <a:r>

--- a/Thesis/Παρουσίαση.pptx
+++ b/Thesis/Παρουσίαση.pptx
@@ -4581,7 +4581,7 @@
               </a:rPr>
               <a:t>, Καθηγητής ΕΜΠ</a:t>
             </a:r>
-            <a:endParaRPr lang="en-US">
+            <a:endParaRPr lang="en-US" dirty="0">
               <a:solidFill>
                 <a:schemeClr val="bg1"/>
               </a:solidFill>

--- a/Thesis/Παρουσίαση.pptx
+++ b/Thesis/Παρουσίαση.pptx
@@ -5,7 +5,7 @@
     <p:sldMasterId id="2147483785" r:id="rId1"/>
   </p:sldMasterIdLst>
   <p:notesMasterIdLst>
-    <p:notesMasterId r:id="rId38"/>
+    <p:notesMasterId r:id="rId42"/>
   </p:notesMasterIdLst>
   <p:sldIdLst>
     <p:sldId id="256" r:id="rId2"/>
@@ -15,35 +15,39 @@
     <p:sldId id="262" r:id="rId6"/>
     <p:sldId id="263" r:id="rId7"/>
     <p:sldId id="264" r:id="rId8"/>
-    <p:sldId id="267" r:id="rId9"/>
-    <p:sldId id="283" r:id="rId10"/>
-    <p:sldId id="265" r:id="rId11"/>
-    <p:sldId id="266" r:id="rId12"/>
-    <p:sldId id="284" r:id="rId13"/>
-    <p:sldId id="268" r:id="rId14"/>
-    <p:sldId id="285" r:id="rId15"/>
-    <p:sldId id="269" r:id="rId16"/>
-    <p:sldId id="270" r:id="rId17"/>
-    <p:sldId id="271" r:id="rId18"/>
-    <p:sldId id="272" r:id="rId19"/>
-    <p:sldId id="286" r:id="rId20"/>
-    <p:sldId id="287" r:id="rId21"/>
-    <p:sldId id="289" r:id="rId22"/>
-    <p:sldId id="273" r:id="rId23"/>
-    <p:sldId id="274" r:id="rId24"/>
-    <p:sldId id="275" r:id="rId25"/>
-    <p:sldId id="276" r:id="rId26"/>
-    <p:sldId id="277" r:id="rId27"/>
-    <p:sldId id="278" r:id="rId28"/>
-    <p:sldId id="290" r:id="rId29"/>
-    <p:sldId id="279" r:id="rId30"/>
-    <p:sldId id="280" r:id="rId31"/>
-    <p:sldId id="291" r:id="rId32"/>
-    <p:sldId id="292" r:id="rId33"/>
-    <p:sldId id="281" r:id="rId34"/>
-    <p:sldId id="293" r:id="rId35"/>
-    <p:sldId id="294" r:id="rId36"/>
-    <p:sldId id="295" r:id="rId37"/>
+    <p:sldId id="296" r:id="rId9"/>
+    <p:sldId id="267" r:id="rId10"/>
+    <p:sldId id="283" r:id="rId11"/>
+    <p:sldId id="265" r:id="rId12"/>
+    <p:sldId id="266" r:id="rId13"/>
+    <p:sldId id="284" r:id="rId14"/>
+    <p:sldId id="268" r:id="rId15"/>
+    <p:sldId id="285" r:id="rId16"/>
+    <p:sldId id="269" r:id="rId17"/>
+    <p:sldId id="270" r:id="rId18"/>
+    <p:sldId id="271" r:id="rId19"/>
+    <p:sldId id="272" r:id="rId20"/>
+    <p:sldId id="286" r:id="rId21"/>
+    <p:sldId id="287" r:id="rId22"/>
+    <p:sldId id="289" r:id="rId23"/>
+    <p:sldId id="273" r:id="rId24"/>
+    <p:sldId id="274" r:id="rId25"/>
+    <p:sldId id="275" r:id="rId26"/>
+    <p:sldId id="276" r:id="rId27"/>
+    <p:sldId id="277" r:id="rId28"/>
+    <p:sldId id="299" r:id="rId29"/>
+    <p:sldId id="278" r:id="rId30"/>
+    <p:sldId id="290" r:id="rId31"/>
+    <p:sldId id="279" r:id="rId32"/>
+    <p:sldId id="280" r:id="rId33"/>
+    <p:sldId id="291" r:id="rId34"/>
+    <p:sldId id="292" r:id="rId35"/>
+    <p:sldId id="281" r:id="rId36"/>
+    <p:sldId id="293" r:id="rId37"/>
+    <p:sldId id="294" r:id="rId38"/>
+    <p:sldId id="295" r:id="rId39"/>
+    <p:sldId id="297" r:id="rId40"/>
+    <p:sldId id="298" r:id="rId41"/>
   </p:sldIdLst>
   <p:sldSz cx="12192000" cy="6858000"/>
   <p:notesSz cx="6858000" cy="9144000"/>
@@ -237,7 +241,7 @@
             <a:fld id="{0F18141F-A1E1-41D1-A9B0-569FAF5C8607}" type="datetimeFigureOut">
               <a:rPr lang="en-US" smtClean="0"/>
               <a:pPr/>
-              <a:t>11/26/2024</a:t>
+              <a:t>12/3/2024</a:t>
             </a:fld>
             <a:endParaRPr lang="en-US" dirty="0"/>
           </a:p>
@@ -839,7 +843,7 @@
           <a:p>
             <a:fld id="{B41EBE0E-46F1-4465-82F9-9D674364B9F2}" type="datetimeFigureOut">
               <a:rPr lang="en-US" smtClean="0"/>
-              <a:t>11/26/2024</a:t>
+              <a:t>12/3/2024</a:t>
             </a:fld>
             <a:endParaRPr lang="en-US"/>
           </a:p>
@@ -1101,7 +1105,7 @@
           <a:p>
             <a:fld id="{B41EBE0E-46F1-4465-82F9-9D674364B9F2}" type="datetimeFigureOut">
               <a:rPr lang="en-US" smtClean="0"/>
-              <a:t>11/26/2024</a:t>
+              <a:t>12/3/2024</a:t>
             </a:fld>
             <a:endParaRPr lang="en-US"/>
           </a:p>
@@ -1336,7 +1340,7 @@
           <a:p>
             <a:fld id="{B41EBE0E-46F1-4465-82F9-9D674364B9F2}" type="datetimeFigureOut">
               <a:rPr lang="en-US" smtClean="0"/>
-              <a:t>11/26/2024</a:t>
+              <a:t>12/3/2024</a:t>
             </a:fld>
             <a:endParaRPr lang="en-US"/>
           </a:p>
@@ -1576,7 +1580,7 @@
           <a:p>
             <a:fld id="{B41EBE0E-46F1-4465-82F9-9D674364B9F2}" type="datetimeFigureOut">
               <a:rPr lang="en-US" smtClean="0"/>
-              <a:t>11/26/2024</a:t>
+              <a:t>12/3/2024</a:t>
             </a:fld>
             <a:endParaRPr lang="en-US"/>
           </a:p>
@@ -1883,7 +1887,7 @@
           <a:p>
             <a:fld id="{B41EBE0E-46F1-4465-82F9-9D674364B9F2}" type="datetimeFigureOut">
               <a:rPr lang="en-US" smtClean="0"/>
-              <a:t>11/26/2024</a:t>
+              <a:t>12/3/2024</a:t>
             </a:fld>
             <a:endParaRPr lang="en-US"/>
           </a:p>
@@ -2185,7 +2189,7 @@
           <a:p>
             <a:fld id="{B41EBE0E-46F1-4465-82F9-9D674364B9F2}" type="datetimeFigureOut">
               <a:rPr lang="en-US" smtClean="0"/>
-              <a:t>11/26/2024</a:t>
+              <a:t>12/3/2024</a:t>
             </a:fld>
             <a:endParaRPr lang="en-US"/>
           </a:p>
@@ -2607,7 +2611,7 @@
           <a:p>
             <a:fld id="{B41EBE0E-46F1-4465-82F9-9D674364B9F2}" type="datetimeFigureOut">
               <a:rPr lang="en-US" smtClean="0"/>
-              <a:t>11/26/2024</a:t>
+              <a:t>12/3/2024</a:t>
             </a:fld>
             <a:endParaRPr lang="en-US"/>
           </a:p>
@@ -2769,7 +2773,7 @@
           <a:p>
             <a:fld id="{B41EBE0E-46F1-4465-82F9-9D674364B9F2}" type="datetimeFigureOut">
               <a:rPr lang="en-US" smtClean="0"/>
-              <a:t>11/26/2024</a:t>
+              <a:t>12/3/2024</a:t>
             </a:fld>
             <a:endParaRPr lang="en-US"/>
           </a:p>
@@ -2864,7 +2868,7 @@
           <a:p>
             <a:fld id="{B41EBE0E-46F1-4465-82F9-9D674364B9F2}" type="datetimeFigureOut">
               <a:rPr lang="en-US" smtClean="0"/>
-              <a:t>11/26/2024</a:t>
+              <a:t>12/3/2024</a:t>
             </a:fld>
             <a:endParaRPr lang="en-US"/>
           </a:p>
@@ -3242,7 +3246,7 @@
           <a:p>
             <a:fld id="{B41EBE0E-46F1-4465-82F9-9D674364B9F2}" type="datetimeFigureOut">
               <a:rPr lang="en-US" smtClean="0"/>
-              <a:t>11/26/2024</a:t>
+              <a:t>12/3/2024</a:t>
             </a:fld>
             <a:endParaRPr lang="en-US"/>
           </a:p>
@@ -3531,7 +3535,7 @@
           <a:p>
             <a:fld id="{B41EBE0E-46F1-4465-82F9-9D674364B9F2}" type="datetimeFigureOut">
               <a:rPr lang="en-US" smtClean="0"/>
-              <a:t>11/26/2024</a:t>
+              <a:t>12/3/2024</a:t>
             </a:fld>
             <a:endParaRPr lang="en-US"/>
           </a:p>
@@ -3744,7 +3748,7 @@
             <a:fld id="{B41EBE0E-46F1-4465-82F9-9D674364B9F2}" type="datetimeFigureOut">
               <a:rPr lang="en-US" smtClean="0"/>
               <a:pPr/>
-              <a:t>11/26/2024</a:t>
+              <a:t>12/3/2024</a:t>
             </a:fld>
             <a:endParaRPr lang="en-US" dirty="0"/>
           </a:p>
@@ -4921,16 +4925,32 @@
           </a:lstStyle>
           <a:p>
             <a:r>
+              <a:rPr lang="el-GR" sz="1400" dirty="0" err="1">
+                <a:solidFill>
+                  <a:schemeClr val="bg1"/>
+                </a:solidFill>
+                <a:latin typeface="Georgia" panose="02040502050405020303" pitchFamily="18" charset="0"/>
+              </a:rPr>
+              <a:t>Εθνικο</a:t>
+            </a:r>
+            <a:r>
               <a:rPr lang="el-GR" sz="1400" dirty="0">
                 <a:solidFill>
                   <a:schemeClr val="bg1"/>
                 </a:solidFill>
                 <a:latin typeface="Georgia" panose="02040502050405020303" pitchFamily="18" charset="0"/>
               </a:rPr>
-              <a:t>Εθνικό Μετσόβιο Πολυτεχνείο</a:t>
-            </a:r>
-          </a:p>
-          <a:p>
+              <a:t> </a:t>
+            </a:r>
+            <a:r>
+              <a:rPr lang="el-GR" sz="1400" dirty="0" err="1">
+                <a:solidFill>
+                  <a:schemeClr val="bg1"/>
+                </a:solidFill>
+                <a:latin typeface="Georgia" panose="02040502050405020303" pitchFamily="18" charset="0"/>
+              </a:rPr>
+              <a:t>Μετσοβιο</a:t>
+            </a:r>
             <a:r>
               <a:rPr lang="el-GR" sz="1400" dirty="0">
                 <a:solidFill>
@@ -4938,7 +4958,69 @@
                 </a:solidFill>
                 <a:latin typeface="Georgia" panose="02040502050405020303" pitchFamily="18" charset="0"/>
               </a:rPr>
-              <a:t>Σχολή Ηλεκτρολόγων Μηχανικών</a:t>
+              <a:t> </a:t>
+            </a:r>
+            <a:r>
+              <a:rPr lang="el-GR" sz="1400" dirty="0" err="1">
+                <a:solidFill>
+                  <a:schemeClr val="bg1"/>
+                </a:solidFill>
+                <a:latin typeface="Georgia" panose="02040502050405020303" pitchFamily="18" charset="0"/>
+              </a:rPr>
+              <a:t>Πολυτεχνειο</a:t>
+            </a:r>
+            <a:endParaRPr lang="el-GR" sz="1400" dirty="0">
+              <a:solidFill>
+                <a:schemeClr val="bg1"/>
+              </a:solidFill>
+              <a:latin typeface="Georgia" panose="02040502050405020303" pitchFamily="18" charset="0"/>
+            </a:endParaRPr>
+          </a:p>
+          <a:p>
+            <a:r>
+              <a:rPr lang="el-GR" sz="1400" dirty="0" err="1">
+                <a:solidFill>
+                  <a:schemeClr val="bg1"/>
+                </a:solidFill>
+                <a:latin typeface="Georgia" panose="02040502050405020303" pitchFamily="18" charset="0"/>
+              </a:rPr>
+              <a:t>Σχολη</a:t>
+            </a:r>
+            <a:r>
+              <a:rPr lang="el-GR" sz="1400" dirty="0">
+                <a:solidFill>
+                  <a:schemeClr val="bg1"/>
+                </a:solidFill>
+                <a:latin typeface="Georgia" panose="02040502050405020303" pitchFamily="18" charset="0"/>
+              </a:rPr>
+              <a:t> </a:t>
+            </a:r>
+            <a:r>
+              <a:rPr lang="el-GR" sz="1400" dirty="0" err="1">
+                <a:solidFill>
+                  <a:schemeClr val="bg1"/>
+                </a:solidFill>
+                <a:latin typeface="Georgia" panose="02040502050405020303" pitchFamily="18" charset="0"/>
+              </a:rPr>
+              <a:t>Ηλεκτρολογων</a:t>
+            </a:r>
+            <a:r>
+              <a:rPr lang="el-GR" sz="1400" dirty="0">
+                <a:solidFill>
+                  <a:schemeClr val="bg1"/>
+                </a:solidFill>
+                <a:latin typeface="Georgia" panose="02040502050405020303" pitchFamily="18" charset="0"/>
+              </a:rPr>
+              <a:t> </a:t>
+            </a:r>
+            <a:r>
+              <a:rPr lang="el-GR" sz="1400" dirty="0" err="1">
+                <a:solidFill>
+                  <a:schemeClr val="bg1"/>
+                </a:solidFill>
+                <a:latin typeface="Georgia" panose="02040502050405020303" pitchFamily="18" charset="0"/>
+              </a:rPr>
+              <a:t>Μηχανικων</a:t>
             </a:r>
             <a:r>
               <a:rPr lang="en-US" sz="1400" dirty="0">
@@ -4956,7 +5038,52 @@
                 </a:solidFill>
                 <a:latin typeface="Georgia" panose="02040502050405020303" pitchFamily="18" charset="0"/>
               </a:rPr>
-              <a:t>και Μηχανικών Ηλεκτρονικών Υπολογιστών</a:t>
+              <a:t>και </a:t>
+            </a:r>
+            <a:r>
+              <a:rPr lang="el-GR" sz="1400" dirty="0" err="1">
+                <a:solidFill>
+                  <a:schemeClr val="bg1"/>
+                </a:solidFill>
+                <a:latin typeface="Georgia" panose="02040502050405020303" pitchFamily="18" charset="0"/>
+              </a:rPr>
+              <a:t>Μηχανικων</a:t>
+            </a:r>
+            <a:r>
+              <a:rPr lang="el-GR" sz="1400" dirty="0">
+                <a:solidFill>
+                  <a:schemeClr val="bg1"/>
+                </a:solidFill>
+                <a:latin typeface="Georgia" panose="02040502050405020303" pitchFamily="18" charset="0"/>
+              </a:rPr>
+              <a:t> </a:t>
+            </a:r>
+            <a:r>
+              <a:rPr lang="el-GR" sz="1400" dirty="0" err="1">
+                <a:solidFill>
+                  <a:schemeClr val="bg1"/>
+                </a:solidFill>
+                <a:latin typeface="Georgia" panose="02040502050405020303" pitchFamily="18" charset="0"/>
+              </a:rPr>
+              <a:t>Ηλεκτρονικων</a:t>
+            </a:r>
+            <a:r>
+              <a:rPr lang="el-GR" sz="1400" dirty="0">
+                <a:solidFill>
+                  <a:schemeClr val="bg1"/>
+                </a:solidFill>
+                <a:latin typeface="Georgia" panose="02040502050405020303" pitchFamily="18" charset="0"/>
+              </a:rPr>
+              <a:t> </a:t>
+            </a:r>
+            <a:r>
+              <a:rPr lang="el-GR" sz="1400" dirty="0" err="1">
+                <a:solidFill>
+                  <a:schemeClr val="bg1"/>
+                </a:solidFill>
+                <a:latin typeface="Georgia" panose="02040502050405020303" pitchFamily="18" charset="0"/>
+              </a:rPr>
+              <a:t>Υπολογιστων</a:t>
             </a:r>
             <a:endParaRPr lang="en-US" sz="1400" dirty="0">
               <a:solidFill>
@@ -5002,7 +5129,7 @@
           <p:cNvPr id="2" name="Τίτλος 1">
             <a:extLst>
               <a:ext uri="{FF2B5EF4-FFF2-40B4-BE49-F238E27FC236}">
-                <a16:creationId xmlns:a16="http://schemas.microsoft.com/office/drawing/2014/main" id="{883EC2C5-F369-E0EB-DDAC-773EAA8990D6}"/>
+                <a16:creationId xmlns:a16="http://schemas.microsoft.com/office/drawing/2014/main" id="{A2D41951-2723-3037-ED11-F3F889FF75CA}"/>
               </a:ext>
             </a:extLst>
           </p:cNvPr>
@@ -5019,59 +5146,875 @@
           <a:lstStyle/>
           <a:p>
             <a:r>
+              <a:rPr lang="el-GR" dirty="0" err="1"/>
+              <a:t>Πηγεσ</a:t>
+            </a:r>
+            <a:r>
+              <a:rPr lang="el-GR" dirty="0"/>
+              <a:t> </a:t>
+            </a:r>
+            <a:r>
               <a:rPr lang="el-GR" dirty="0" err="1">
                 <a:latin typeface="Georgia" panose="02040502050405020303" pitchFamily="18" charset="0"/>
               </a:rPr>
-              <a:t>Οριζοντια</a:t>
-            </a:r>
-            <a:r>
-              <a:rPr lang="el-GR" dirty="0"/>
-              <a:t> </a:t>
-            </a:r>
-            <a:r>
-              <a:rPr lang="el-GR" dirty="0" err="1"/>
-              <a:t>ισοτητα</a:t>
-            </a:r>
-            <a:r>
-              <a:rPr lang="el-GR" dirty="0"/>
-              <a:t> στο </a:t>
-            </a:r>
-            <a:r>
-              <a:rPr lang="en-US" dirty="0"/>
-              <a:t>EU ETS</a:t>
-            </a:r>
+              <a:t>Δεδομενων</a:t>
+            </a:r>
+            <a:endParaRPr lang="en-US" dirty="0">
+              <a:latin typeface="Georgia" panose="02040502050405020303" pitchFamily="18" charset="0"/>
+            </a:endParaRPr>
           </a:p>
         </p:txBody>
       </p:sp>
-      <p:sp>
-        <p:nvSpPr>
-          <p:cNvPr id="3" name="Θέση κειμένου 2">
+      <p:graphicFrame>
+        <p:nvGraphicFramePr>
+          <p:cNvPr id="5" name="Θέση περιεχομένου 4">
             <a:extLst>
               <a:ext uri="{FF2B5EF4-FFF2-40B4-BE49-F238E27FC236}">
-                <a16:creationId xmlns:a16="http://schemas.microsoft.com/office/drawing/2014/main" id="{2C6C1008-46F9-D657-6D85-9FF9D0C13500}"/>
+                <a16:creationId xmlns:a16="http://schemas.microsoft.com/office/drawing/2014/main" id="{4E3D359A-8640-051E-974A-5E2E0D4DF7E1}"/>
               </a:ext>
             </a:extLst>
           </p:cNvPr>
-          <p:cNvSpPr>
-            <a:spLocks noGrp="1"/>
-          </p:cNvSpPr>
+          <p:cNvGraphicFramePr>
+            <a:graphicFrameLocks noGrp="1"/>
+          </p:cNvGraphicFramePr>
           <p:nvPr>
-            <p:ph type="body" idx="1"/>
+            <p:ph sz="half" idx="1"/>
+            <p:extLst>
+              <p:ext uri="{D42A27DB-BD31-4B8C-83A1-F6EECF244321}">
+                <p14:modId xmlns:p14="http://schemas.microsoft.com/office/powerpoint/2010/main" val="3641229166"/>
+              </p:ext>
+            </p:extLst>
           </p:nvPr>
-        </p:nvSpPr>
-        <p:spPr/>
-        <p:txBody>
-          <a:bodyPr/>
-          <a:lstStyle/>
-          <a:p>
-            <a:endParaRPr lang="en-US" dirty="0"/>
-          </a:p>
-        </p:txBody>
-      </p:sp>
+        </p:nvGraphicFramePr>
+        <p:xfrm>
+          <a:off x="581025" y="2227263"/>
+          <a:ext cx="5422900" cy="3307080"/>
+        </p:xfrm>
+        <a:graphic>
+          <a:graphicData uri="http://schemas.openxmlformats.org/drawingml/2006/table">
+            <a:tbl>
+              <a:tblPr firstRow="1" bandRow="1">
+                <a:tableStyleId>{5C22544A-7EE6-4342-B048-85BDC9FD1C3A}</a:tableStyleId>
+              </a:tblPr>
+              <a:tblGrid>
+                <a:gridCol w="2711450">
+                  <a:extLst>
+                    <a:ext uri="{9D8B030D-6E8A-4147-A177-3AD203B41FA5}">
+                      <a16:colId xmlns:a16="http://schemas.microsoft.com/office/drawing/2014/main" val="4002248494"/>
+                    </a:ext>
+                  </a:extLst>
+                </a:gridCol>
+                <a:gridCol w="2711450">
+                  <a:extLst>
+                    <a:ext uri="{9D8B030D-6E8A-4147-A177-3AD203B41FA5}">
+                      <a16:colId xmlns:a16="http://schemas.microsoft.com/office/drawing/2014/main" val="1110672931"/>
+                    </a:ext>
+                  </a:extLst>
+                </a:gridCol>
+              </a:tblGrid>
+              <a:tr h="370840">
+                <a:tc>
+                  <a:txBody>
+                    <a:bodyPr/>
+                    <a:lstStyle/>
+                    <a:p>
+                      <a:r>
+                        <a:rPr lang="el-GR" dirty="0">
+                          <a:latin typeface="Georgia" panose="02040502050405020303" pitchFamily="18" charset="0"/>
+                        </a:rPr>
+                        <a:t>Δεδομένο</a:t>
+                      </a:r>
+                      <a:endParaRPr lang="en-US" dirty="0">
+                        <a:latin typeface="Georgia" panose="02040502050405020303" pitchFamily="18" charset="0"/>
+                      </a:endParaRPr>
+                    </a:p>
+                  </a:txBody>
+                  <a:tcPr/>
+                </a:tc>
+                <a:tc>
+                  <a:txBody>
+                    <a:bodyPr/>
+                    <a:lstStyle/>
+                    <a:p>
+                      <a:r>
+                        <a:rPr lang="el-GR" dirty="0">
+                          <a:latin typeface="Georgia" panose="02040502050405020303" pitchFamily="18" charset="0"/>
+                        </a:rPr>
+                        <a:t>Πηγή</a:t>
+                      </a:r>
+                      <a:endParaRPr lang="en-US" dirty="0">
+                        <a:latin typeface="Georgia" panose="02040502050405020303" pitchFamily="18" charset="0"/>
+                      </a:endParaRPr>
+                    </a:p>
+                  </a:txBody>
+                  <a:tcPr/>
+                </a:tc>
+                <a:extLst>
+                  <a:ext uri="{0D108BD9-81ED-4DB2-BD59-A6C34878D82A}">
+                    <a16:rowId xmlns:a16="http://schemas.microsoft.com/office/drawing/2014/main" val="1061718114"/>
+                  </a:ext>
+                </a:extLst>
+              </a:tr>
+              <a:tr h="370840">
+                <a:tc>
+                  <a:txBody>
+                    <a:bodyPr/>
+                    <a:lstStyle/>
+                    <a:p>
+                      <a:r>
+                        <a:rPr lang="el-GR" dirty="0">
+                          <a:latin typeface="Georgia" panose="02040502050405020303" pitchFamily="18" charset="0"/>
+                        </a:rPr>
+                        <a:t>Πληθωρισμός</a:t>
+                      </a:r>
+                      <a:endParaRPr lang="en-US" dirty="0">
+                        <a:latin typeface="Georgia" panose="02040502050405020303" pitchFamily="18" charset="0"/>
+                      </a:endParaRPr>
+                    </a:p>
+                  </a:txBody>
+                  <a:tcPr/>
+                </a:tc>
+                <a:tc>
+                  <a:txBody>
+                    <a:bodyPr/>
+                    <a:lstStyle/>
+                    <a:p>
+                      <a:pPr marL="0" marR="0" lvl="0" indent="0" algn="l" defTabSz="457200" rtl="0" eaLnBrk="1" fontAlgn="auto" latinLnBrk="0" hangingPunct="1">
+                        <a:lnSpc>
+                          <a:spcPct val="100000"/>
+                        </a:lnSpc>
+                        <a:spcBef>
+                          <a:spcPts val="0"/>
+                        </a:spcBef>
+                        <a:spcAft>
+                          <a:spcPts val="0"/>
+                        </a:spcAft>
+                        <a:buClrTx/>
+                        <a:buSzTx/>
+                        <a:buFontTx/>
+                        <a:buNone/>
+                        <a:tabLst/>
+                        <a:defRPr/>
+                      </a:pPr>
+                      <a:r>
+                        <a:rPr lang="en-US" dirty="0">
+                          <a:latin typeface="Georgia" panose="02040502050405020303" pitchFamily="18" charset="0"/>
+                        </a:rPr>
+                        <a:t>databank.worldbank.org</a:t>
+                      </a:r>
+                    </a:p>
+                  </a:txBody>
+                  <a:tcPr/>
+                </a:tc>
+                <a:extLst>
+                  <a:ext uri="{0D108BD9-81ED-4DB2-BD59-A6C34878D82A}">
+                    <a16:rowId xmlns:a16="http://schemas.microsoft.com/office/drawing/2014/main" val="346274608"/>
+                  </a:ext>
+                </a:extLst>
+              </a:tr>
+              <a:tr h="370840">
+                <a:tc>
+                  <a:txBody>
+                    <a:bodyPr/>
+                    <a:lstStyle/>
+                    <a:p>
+                      <a:r>
+                        <a:rPr lang="el-GR" dirty="0">
+                          <a:latin typeface="Georgia" panose="02040502050405020303" pitchFamily="18" charset="0"/>
+                        </a:rPr>
+                        <a:t>Πληθυσμός</a:t>
+                      </a:r>
+                      <a:endParaRPr lang="en-US" dirty="0">
+                        <a:latin typeface="Georgia" panose="02040502050405020303" pitchFamily="18" charset="0"/>
+                      </a:endParaRPr>
+                    </a:p>
+                  </a:txBody>
+                  <a:tcPr/>
+                </a:tc>
+                <a:tc>
+                  <a:txBody>
+                    <a:bodyPr/>
+                    <a:lstStyle/>
+                    <a:p>
+                      <a:pPr marL="0" marR="0" lvl="0" indent="0" algn="l" defTabSz="457200" rtl="0" eaLnBrk="1" fontAlgn="auto" latinLnBrk="0" hangingPunct="1">
+                        <a:lnSpc>
+                          <a:spcPct val="100000"/>
+                        </a:lnSpc>
+                        <a:spcBef>
+                          <a:spcPts val="0"/>
+                        </a:spcBef>
+                        <a:spcAft>
+                          <a:spcPts val="0"/>
+                        </a:spcAft>
+                        <a:buClrTx/>
+                        <a:buSzTx/>
+                        <a:buFontTx/>
+                        <a:buNone/>
+                        <a:tabLst/>
+                        <a:defRPr/>
+                      </a:pPr>
+                      <a:r>
+                        <a:rPr lang="en-US" dirty="0">
+                          <a:latin typeface="Georgia" panose="02040502050405020303" pitchFamily="18" charset="0"/>
+                        </a:rPr>
+                        <a:t>databank.worldbank.org</a:t>
+                      </a:r>
+                    </a:p>
+                  </a:txBody>
+                  <a:tcPr/>
+                </a:tc>
+                <a:extLst>
+                  <a:ext uri="{0D108BD9-81ED-4DB2-BD59-A6C34878D82A}">
+                    <a16:rowId xmlns:a16="http://schemas.microsoft.com/office/drawing/2014/main" val="3226850136"/>
+                  </a:ext>
+                </a:extLst>
+              </a:tr>
+              <a:tr h="370840">
+                <a:tc>
+                  <a:txBody>
+                    <a:bodyPr/>
+                    <a:lstStyle/>
+                    <a:p>
+                      <a:pPr marL="0" marR="0" lvl="0" indent="0" algn="l" defTabSz="457200" rtl="0" eaLnBrk="1" fontAlgn="auto" latinLnBrk="0" hangingPunct="1">
+                        <a:lnSpc>
+                          <a:spcPct val="100000"/>
+                        </a:lnSpc>
+                        <a:spcBef>
+                          <a:spcPts val="0"/>
+                        </a:spcBef>
+                        <a:spcAft>
+                          <a:spcPts val="0"/>
+                        </a:spcAft>
+                        <a:buClrTx/>
+                        <a:buSzTx/>
+                        <a:buFontTx/>
+                        <a:buNone/>
+                        <a:tabLst/>
+                        <a:defRPr/>
+                      </a:pPr>
+                      <a:r>
+                        <a:rPr lang="el-GR" dirty="0">
+                          <a:latin typeface="Georgia" panose="02040502050405020303" pitchFamily="18" charset="0"/>
+                        </a:rPr>
+                        <a:t>Ποσοστό Αγροτικής παραγωγής στο ΑΕΠ</a:t>
+                      </a:r>
+                      <a:endParaRPr lang="en-US" dirty="0">
+                        <a:latin typeface="Georgia" panose="02040502050405020303" pitchFamily="18" charset="0"/>
+                      </a:endParaRPr>
+                    </a:p>
+                  </a:txBody>
+                  <a:tcPr/>
+                </a:tc>
+                <a:tc>
+                  <a:txBody>
+                    <a:bodyPr/>
+                    <a:lstStyle/>
+                    <a:p>
+                      <a:pPr marL="0" marR="0" lvl="0" indent="0" algn="l" defTabSz="457200" rtl="0" eaLnBrk="1" fontAlgn="auto" latinLnBrk="0" hangingPunct="1">
+                        <a:lnSpc>
+                          <a:spcPct val="100000"/>
+                        </a:lnSpc>
+                        <a:spcBef>
+                          <a:spcPts val="0"/>
+                        </a:spcBef>
+                        <a:spcAft>
+                          <a:spcPts val="0"/>
+                        </a:spcAft>
+                        <a:buClrTx/>
+                        <a:buSzTx/>
+                        <a:buFontTx/>
+                        <a:buNone/>
+                        <a:tabLst/>
+                        <a:defRPr/>
+                      </a:pPr>
+                      <a:r>
+                        <a:rPr lang="en-US" dirty="0">
+                          <a:latin typeface="Georgia" panose="02040502050405020303" pitchFamily="18" charset="0"/>
+                        </a:rPr>
+                        <a:t>databank.worldbank.org</a:t>
+                      </a:r>
+                    </a:p>
+                    <a:p>
+                      <a:endParaRPr lang="en-US" dirty="0">
+                        <a:latin typeface="Georgia" panose="02040502050405020303" pitchFamily="18" charset="0"/>
+                      </a:endParaRPr>
+                    </a:p>
+                  </a:txBody>
+                  <a:tcPr/>
+                </a:tc>
+                <a:extLst>
+                  <a:ext uri="{0D108BD9-81ED-4DB2-BD59-A6C34878D82A}">
+                    <a16:rowId xmlns:a16="http://schemas.microsoft.com/office/drawing/2014/main" val="3160263595"/>
+                  </a:ext>
+                </a:extLst>
+              </a:tr>
+              <a:tr h="370840">
+                <a:tc>
+                  <a:txBody>
+                    <a:bodyPr/>
+                    <a:lstStyle/>
+                    <a:p>
+                      <a:pPr marL="0" marR="0" lvl="0" indent="0" algn="l" defTabSz="457200" rtl="0" eaLnBrk="1" fontAlgn="auto" latinLnBrk="0" hangingPunct="1">
+                        <a:lnSpc>
+                          <a:spcPct val="100000"/>
+                        </a:lnSpc>
+                        <a:spcBef>
+                          <a:spcPts val="0"/>
+                        </a:spcBef>
+                        <a:spcAft>
+                          <a:spcPts val="0"/>
+                        </a:spcAft>
+                        <a:buClrTx/>
+                        <a:buSzTx/>
+                        <a:buFontTx/>
+                        <a:buNone/>
+                        <a:tabLst/>
+                        <a:defRPr/>
+                      </a:pPr>
+                      <a:r>
+                        <a:rPr lang="el-GR" dirty="0">
+                          <a:latin typeface="Georgia" panose="02040502050405020303" pitchFamily="18" charset="0"/>
+                        </a:rPr>
+                        <a:t>Ποσοστό Βιομηχανίας στο ΑΕΠ</a:t>
+                      </a:r>
+                      <a:r>
+                        <a:rPr lang="en-US" dirty="0">
+                          <a:latin typeface="Georgia" panose="02040502050405020303" pitchFamily="18" charset="0"/>
+                        </a:rPr>
+                        <a:t> (Industry)</a:t>
+                      </a:r>
+                    </a:p>
+                  </a:txBody>
+                  <a:tcPr/>
+                </a:tc>
+                <a:tc>
+                  <a:txBody>
+                    <a:bodyPr/>
+                    <a:lstStyle/>
+                    <a:p>
+                      <a:pPr marL="0" marR="0" lvl="0" indent="0" algn="l" defTabSz="457200" rtl="0" eaLnBrk="1" fontAlgn="auto" latinLnBrk="0" hangingPunct="1">
+                        <a:lnSpc>
+                          <a:spcPct val="100000"/>
+                        </a:lnSpc>
+                        <a:spcBef>
+                          <a:spcPts val="0"/>
+                        </a:spcBef>
+                        <a:spcAft>
+                          <a:spcPts val="0"/>
+                        </a:spcAft>
+                        <a:buClrTx/>
+                        <a:buSzTx/>
+                        <a:buFontTx/>
+                        <a:buNone/>
+                        <a:tabLst/>
+                        <a:defRPr/>
+                      </a:pPr>
+                      <a:r>
+                        <a:rPr lang="en-US" dirty="0">
+                          <a:latin typeface="Georgia" panose="02040502050405020303" pitchFamily="18" charset="0"/>
+                        </a:rPr>
+                        <a:t>databank.worldbank.org</a:t>
+                      </a:r>
+                    </a:p>
+                    <a:p>
+                      <a:endParaRPr lang="en-US" dirty="0">
+                        <a:latin typeface="Georgia" panose="02040502050405020303" pitchFamily="18" charset="0"/>
+                      </a:endParaRPr>
+                    </a:p>
+                  </a:txBody>
+                  <a:tcPr/>
+                </a:tc>
+                <a:extLst>
+                  <a:ext uri="{0D108BD9-81ED-4DB2-BD59-A6C34878D82A}">
+                    <a16:rowId xmlns:a16="http://schemas.microsoft.com/office/drawing/2014/main" val="3009276888"/>
+                  </a:ext>
+                </a:extLst>
+              </a:tr>
+              <a:tr h="370840">
+                <a:tc>
+                  <a:txBody>
+                    <a:bodyPr/>
+                    <a:lstStyle/>
+                    <a:p>
+                      <a:pPr marL="0" marR="0" lvl="0" indent="0" algn="l" defTabSz="457200" rtl="0" eaLnBrk="1" fontAlgn="auto" latinLnBrk="0" hangingPunct="1">
+                        <a:lnSpc>
+                          <a:spcPct val="100000"/>
+                        </a:lnSpc>
+                        <a:spcBef>
+                          <a:spcPts val="0"/>
+                        </a:spcBef>
+                        <a:spcAft>
+                          <a:spcPts val="0"/>
+                        </a:spcAft>
+                        <a:buClrTx/>
+                        <a:buSzTx/>
+                        <a:buFontTx/>
+                        <a:buNone/>
+                        <a:tabLst/>
+                        <a:defRPr/>
+                      </a:pPr>
+                      <a:r>
+                        <a:rPr lang="el-GR" dirty="0">
+                          <a:latin typeface="Georgia" panose="02040502050405020303" pitchFamily="18" charset="0"/>
+                        </a:rPr>
+                        <a:t>Ποσοστό Παραγωγής  στο ΑΕΠ (</a:t>
+                      </a:r>
+                      <a:r>
+                        <a:rPr lang="en-US" dirty="0">
+                          <a:latin typeface="Georgia" panose="02040502050405020303" pitchFamily="18" charset="0"/>
+                        </a:rPr>
+                        <a:t>Manufacturing)</a:t>
+                      </a:r>
+                    </a:p>
+                  </a:txBody>
+                  <a:tcPr/>
+                </a:tc>
+                <a:tc>
+                  <a:txBody>
+                    <a:bodyPr/>
+                    <a:lstStyle/>
+                    <a:p>
+                      <a:pPr marL="0" marR="0" lvl="0" indent="0" algn="l" defTabSz="457200" rtl="0" eaLnBrk="1" fontAlgn="auto" latinLnBrk="0" hangingPunct="1">
+                        <a:lnSpc>
+                          <a:spcPct val="100000"/>
+                        </a:lnSpc>
+                        <a:spcBef>
+                          <a:spcPts val="0"/>
+                        </a:spcBef>
+                        <a:spcAft>
+                          <a:spcPts val="0"/>
+                        </a:spcAft>
+                        <a:buClrTx/>
+                        <a:buSzTx/>
+                        <a:buFontTx/>
+                        <a:buNone/>
+                        <a:tabLst/>
+                        <a:defRPr/>
+                      </a:pPr>
+                      <a:r>
+                        <a:rPr lang="en-US" dirty="0">
+                          <a:latin typeface="Georgia" panose="02040502050405020303" pitchFamily="18" charset="0"/>
+                        </a:rPr>
+                        <a:t>databank.worldbank.org</a:t>
+                      </a:r>
+                    </a:p>
+                    <a:p>
+                      <a:endParaRPr lang="en-US" dirty="0">
+                        <a:latin typeface="Georgia" panose="02040502050405020303" pitchFamily="18" charset="0"/>
+                      </a:endParaRPr>
+                    </a:p>
+                  </a:txBody>
+                  <a:tcPr/>
+                </a:tc>
+                <a:extLst>
+                  <a:ext uri="{0D108BD9-81ED-4DB2-BD59-A6C34878D82A}">
+                    <a16:rowId xmlns:a16="http://schemas.microsoft.com/office/drawing/2014/main" val="1619288542"/>
+                  </a:ext>
+                </a:extLst>
+              </a:tr>
+            </a:tbl>
+          </a:graphicData>
+        </a:graphic>
+      </p:graphicFrame>
+      <p:graphicFrame>
+        <p:nvGraphicFramePr>
+          <p:cNvPr id="6" name="Θέση περιεχομένου 4">
+            <a:extLst>
+              <a:ext uri="{FF2B5EF4-FFF2-40B4-BE49-F238E27FC236}">
+                <a16:creationId xmlns:a16="http://schemas.microsoft.com/office/drawing/2014/main" id="{2F567F98-8212-4506-F184-F2D60915356A}"/>
+              </a:ext>
+            </a:extLst>
+          </p:cNvPr>
+          <p:cNvGraphicFramePr>
+            <a:graphicFrameLocks/>
+          </p:cNvGraphicFramePr>
+          <p:nvPr>
+            <p:extLst>
+              <p:ext uri="{D42A27DB-BD31-4B8C-83A1-F6EECF244321}">
+                <p14:modId xmlns:p14="http://schemas.microsoft.com/office/powerpoint/2010/main" val="2881226806"/>
+              </p:ext>
+            </p:extLst>
+          </p:nvPr>
+        </p:nvGraphicFramePr>
+        <p:xfrm>
+          <a:off x="6188163" y="2227264"/>
+          <a:ext cx="5422900" cy="3074183"/>
+        </p:xfrm>
+        <a:graphic>
+          <a:graphicData uri="http://schemas.openxmlformats.org/drawingml/2006/table">
+            <a:tbl>
+              <a:tblPr firstRow="1" bandRow="1">
+                <a:tableStyleId>{5C22544A-7EE6-4342-B048-85BDC9FD1C3A}</a:tableStyleId>
+              </a:tblPr>
+              <a:tblGrid>
+                <a:gridCol w="2711450">
+                  <a:extLst>
+                    <a:ext uri="{9D8B030D-6E8A-4147-A177-3AD203B41FA5}">
+                      <a16:colId xmlns:a16="http://schemas.microsoft.com/office/drawing/2014/main" val="4002248494"/>
+                    </a:ext>
+                  </a:extLst>
+                </a:gridCol>
+                <a:gridCol w="2711450">
+                  <a:extLst>
+                    <a:ext uri="{9D8B030D-6E8A-4147-A177-3AD203B41FA5}">
+                      <a16:colId xmlns:a16="http://schemas.microsoft.com/office/drawing/2014/main" val="1110672931"/>
+                    </a:ext>
+                  </a:extLst>
+                </a:gridCol>
+              </a:tblGrid>
+              <a:tr h="330589">
+                <a:tc>
+                  <a:txBody>
+                    <a:bodyPr/>
+                    <a:lstStyle/>
+                    <a:p>
+                      <a:r>
+                        <a:rPr lang="el-GR" dirty="0">
+                          <a:latin typeface="Georgia" panose="02040502050405020303" pitchFamily="18" charset="0"/>
+                        </a:rPr>
+                        <a:t>Δεδομένο</a:t>
+                      </a:r>
+                      <a:endParaRPr lang="en-US" dirty="0">
+                        <a:latin typeface="Georgia" panose="02040502050405020303" pitchFamily="18" charset="0"/>
+                      </a:endParaRPr>
+                    </a:p>
+                  </a:txBody>
+                  <a:tcPr/>
+                </a:tc>
+                <a:tc>
+                  <a:txBody>
+                    <a:bodyPr/>
+                    <a:lstStyle/>
+                    <a:p>
+                      <a:r>
+                        <a:rPr lang="el-GR" dirty="0">
+                          <a:latin typeface="Georgia" panose="02040502050405020303" pitchFamily="18" charset="0"/>
+                        </a:rPr>
+                        <a:t>Πηγή</a:t>
+                      </a:r>
+                      <a:endParaRPr lang="en-US" dirty="0">
+                        <a:latin typeface="Georgia" panose="02040502050405020303" pitchFamily="18" charset="0"/>
+                      </a:endParaRPr>
+                    </a:p>
+                  </a:txBody>
+                  <a:tcPr/>
+                </a:tc>
+                <a:extLst>
+                  <a:ext uri="{0D108BD9-81ED-4DB2-BD59-A6C34878D82A}">
+                    <a16:rowId xmlns:a16="http://schemas.microsoft.com/office/drawing/2014/main" val="1061718114"/>
+                  </a:ext>
+                </a:extLst>
+              </a:tr>
+              <a:tr h="578530">
+                <a:tc>
+                  <a:txBody>
+                    <a:bodyPr/>
+                    <a:lstStyle/>
+                    <a:p>
+                      <a:r>
+                        <a:rPr lang="el-GR" dirty="0">
+                          <a:latin typeface="Georgia" panose="02040502050405020303" pitchFamily="18" charset="0"/>
+                        </a:rPr>
+                        <a:t>Εκπομπές ρύπων</a:t>
+                      </a:r>
+                      <a:endParaRPr lang="en-US" dirty="0">
+                        <a:latin typeface="Georgia" panose="02040502050405020303" pitchFamily="18" charset="0"/>
+                      </a:endParaRPr>
+                    </a:p>
+                  </a:txBody>
+                  <a:tcPr/>
+                </a:tc>
+                <a:tc>
+                  <a:txBody>
+                    <a:bodyPr/>
+                    <a:lstStyle/>
+                    <a:p>
+                      <a:pPr marL="0" marR="0" lvl="0" indent="0" algn="l" defTabSz="457200" rtl="0" eaLnBrk="1" fontAlgn="auto" latinLnBrk="0" hangingPunct="1">
+                        <a:lnSpc>
+                          <a:spcPct val="100000"/>
+                        </a:lnSpc>
+                        <a:spcBef>
+                          <a:spcPts val="0"/>
+                        </a:spcBef>
+                        <a:spcAft>
+                          <a:spcPts val="0"/>
+                        </a:spcAft>
+                        <a:buClrTx/>
+                        <a:buSzTx/>
+                        <a:buFontTx/>
+                        <a:buNone/>
+                        <a:tabLst/>
+                        <a:defRPr/>
+                      </a:pPr>
+                      <a:r>
+                        <a:rPr lang="el-GR" dirty="0">
+                          <a:latin typeface="Georgia" panose="02040502050405020303" pitchFamily="18" charset="0"/>
+                        </a:rPr>
+                        <a:t>Βάση δεδομένων </a:t>
+                      </a:r>
+                      <a:r>
+                        <a:rPr lang="en-US" dirty="0">
+                          <a:latin typeface="Georgia" panose="02040502050405020303" pitchFamily="18" charset="0"/>
+                        </a:rPr>
+                        <a:t>ETS &amp; Eurostat</a:t>
+                      </a:r>
+                    </a:p>
+                  </a:txBody>
+                  <a:tcPr/>
+                </a:tc>
+                <a:extLst>
+                  <a:ext uri="{0D108BD9-81ED-4DB2-BD59-A6C34878D82A}">
+                    <a16:rowId xmlns:a16="http://schemas.microsoft.com/office/drawing/2014/main" val="346274608"/>
+                  </a:ext>
+                </a:extLst>
+              </a:tr>
+              <a:tr h="578530">
+                <a:tc>
+                  <a:txBody>
+                    <a:bodyPr/>
+                    <a:lstStyle/>
+                    <a:p>
+                      <a:r>
+                        <a:rPr lang="el-GR" dirty="0">
+                          <a:latin typeface="Georgia" panose="02040502050405020303" pitchFamily="18" charset="0"/>
+                        </a:rPr>
+                        <a:t>Δωρεάν άδειες</a:t>
+                      </a:r>
+                      <a:endParaRPr lang="en-US" dirty="0">
+                        <a:latin typeface="Georgia" panose="02040502050405020303" pitchFamily="18" charset="0"/>
+                      </a:endParaRPr>
+                    </a:p>
+                  </a:txBody>
+                  <a:tcPr/>
+                </a:tc>
+                <a:tc>
+                  <a:txBody>
+                    <a:bodyPr/>
+                    <a:lstStyle/>
+                    <a:p>
+                      <a:pPr marL="0" marR="0" lvl="0" indent="0" algn="l" defTabSz="457200" rtl="0" eaLnBrk="1" fontAlgn="auto" latinLnBrk="0" hangingPunct="1">
+                        <a:lnSpc>
+                          <a:spcPct val="100000"/>
+                        </a:lnSpc>
+                        <a:spcBef>
+                          <a:spcPts val="0"/>
+                        </a:spcBef>
+                        <a:spcAft>
+                          <a:spcPts val="0"/>
+                        </a:spcAft>
+                        <a:buClrTx/>
+                        <a:buSzTx/>
+                        <a:buFontTx/>
+                        <a:buNone/>
+                        <a:tabLst/>
+                        <a:defRPr/>
+                      </a:pPr>
+                      <a:r>
+                        <a:rPr lang="el-GR" dirty="0">
+                          <a:latin typeface="Georgia" panose="02040502050405020303" pitchFamily="18" charset="0"/>
+                        </a:rPr>
+                        <a:t>Βάση δεδομένων </a:t>
+                      </a:r>
+                      <a:r>
+                        <a:rPr lang="en-US" dirty="0">
+                          <a:latin typeface="Georgia" panose="02040502050405020303" pitchFamily="18" charset="0"/>
+                        </a:rPr>
+                        <a:t>ETS &amp; Eurostat</a:t>
+                      </a:r>
+                    </a:p>
+                  </a:txBody>
+                  <a:tcPr/>
+                </a:tc>
+                <a:extLst>
+                  <a:ext uri="{0D108BD9-81ED-4DB2-BD59-A6C34878D82A}">
+                    <a16:rowId xmlns:a16="http://schemas.microsoft.com/office/drawing/2014/main" val="3226850136"/>
+                  </a:ext>
+                </a:extLst>
+              </a:tr>
+              <a:tr h="578530">
+                <a:tc>
+                  <a:txBody>
+                    <a:bodyPr/>
+                    <a:lstStyle/>
+                    <a:p>
+                      <a:pPr marL="0" marR="0" lvl="0" indent="0" algn="l" defTabSz="457200" rtl="0" eaLnBrk="1" fontAlgn="auto" latinLnBrk="0" hangingPunct="1">
+                        <a:lnSpc>
+                          <a:spcPct val="100000"/>
+                        </a:lnSpc>
+                        <a:spcBef>
+                          <a:spcPts val="0"/>
+                        </a:spcBef>
+                        <a:spcAft>
+                          <a:spcPts val="0"/>
+                        </a:spcAft>
+                        <a:buClrTx/>
+                        <a:buSzTx/>
+                        <a:buFontTx/>
+                        <a:buNone/>
+                        <a:tabLst/>
+                        <a:defRPr/>
+                      </a:pPr>
+                      <a:r>
+                        <a:rPr lang="el-GR" dirty="0">
+                          <a:latin typeface="Georgia" panose="02040502050405020303" pitchFamily="18" charset="0"/>
+                        </a:rPr>
+                        <a:t>Συνολική κατανάλωση ενέργειας</a:t>
+                      </a:r>
+                      <a:endParaRPr lang="en-US" dirty="0">
+                        <a:latin typeface="Georgia" panose="02040502050405020303" pitchFamily="18" charset="0"/>
+                      </a:endParaRPr>
+                    </a:p>
+                  </a:txBody>
+                  <a:tcPr/>
+                </a:tc>
+                <a:tc>
+                  <a:txBody>
+                    <a:bodyPr/>
+                    <a:lstStyle/>
+                    <a:p>
+                      <a:pPr marL="0" marR="0" lvl="0" indent="0" algn="l" defTabSz="457200" rtl="0" eaLnBrk="1" fontAlgn="auto" latinLnBrk="0" hangingPunct="1">
+                        <a:lnSpc>
+                          <a:spcPct val="100000"/>
+                        </a:lnSpc>
+                        <a:spcBef>
+                          <a:spcPts val="0"/>
+                        </a:spcBef>
+                        <a:spcAft>
+                          <a:spcPts val="0"/>
+                        </a:spcAft>
+                        <a:buClrTx/>
+                        <a:buSzTx/>
+                        <a:buFontTx/>
+                        <a:buNone/>
+                        <a:tabLst/>
+                        <a:defRPr/>
+                      </a:pPr>
+                      <a:r>
+                        <a:rPr lang="en-US" dirty="0">
+                          <a:latin typeface="Georgia" panose="02040502050405020303" pitchFamily="18" charset="0"/>
+                        </a:rPr>
+                        <a:t>Eurostat</a:t>
+                      </a:r>
+                    </a:p>
+                    <a:p>
+                      <a:endParaRPr lang="en-US" dirty="0">
+                        <a:latin typeface="Georgia" panose="02040502050405020303" pitchFamily="18" charset="0"/>
+                      </a:endParaRPr>
+                    </a:p>
+                  </a:txBody>
+                  <a:tcPr/>
+                </a:tc>
+                <a:extLst>
+                  <a:ext uri="{0D108BD9-81ED-4DB2-BD59-A6C34878D82A}">
+                    <a16:rowId xmlns:a16="http://schemas.microsoft.com/office/drawing/2014/main" val="3160263595"/>
+                  </a:ext>
+                </a:extLst>
+              </a:tr>
+              <a:tr h="330589">
+                <a:tc>
+                  <a:txBody>
+                    <a:bodyPr/>
+                    <a:lstStyle/>
+                    <a:p>
+                      <a:r>
+                        <a:rPr lang="en-US" dirty="0">
+                          <a:latin typeface="Georgia" panose="02040502050405020303" pitchFamily="18" charset="0"/>
+                        </a:rPr>
+                        <a:t>Energy Intensity </a:t>
+                      </a:r>
+                    </a:p>
+                  </a:txBody>
+                  <a:tcPr/>
+                </a:tc>
+                <a:tc>
+                  <a:txBody>
+                    <a:bodyPr/>
+                    <a:lstStyle/>
+                    <a:p>
+                      <a:r>
+                        <a:rPr lang="en-US" dirty="0">
+                          <a:latin typeface="Georgia" panose="02040502050405020303" pitchFamily="18" charset="0"/>
+                        </a:rPr>
+                        <a:t>Eurostat</a:t>
+                      </a:r>
+                    </a:p>
+                  </a:txBody>
+                  <a:tcPr/>
+                </a:tc>
+                <a:extLst>
+                  <a:ext uri="{0D108BD9-81ED-4DB2-BD59-A6C34878D82A}">
+                    <a16:rowId xmlns:a16="http://schemas.microsoft.com/office/drawing/2014/main" val="3009276888"/>
+                  </a:ext>
+                </a:extLst>
+              </a:tr>
+              <a:tr h="422423">
+                <a:tc>
+                  <a:txBody>
+                    <a:bodyPr/>
+                    <a:lstStyle/>
+                    <a:p>
+                      <a:pPr marL="0" marR="0" lvl="0" indent="0" algn="l" defTabSz="457200" rtl="0" eaLnBrk="1" fontAlgn="auto" latinLnBrk="0" hangingPunct="1">
+                        <a:lnSpc>
+                          <a:spcPct val="100000"/>
+                        </a:lnSpc>
+                        <a:spcBef>
+                          <a:spcPts val="0"/>
+                        </a:spcBef>
+                        <a:spcAft>
+                          <a:spcPts val="0"/>
+                        </a:spcAft>
+                        <a:buClrTx/>
+                        <a:buSzTx/>
+                        <a:buFontTx/>
+                        <a:buNone/>
+                        <a:tabLst/>
+                        <a:defRPr/>
+                      </a:pPr>
+                      <a:r>
+                        <a:rPr lang="el-GR" dirty="0">
+                          <a:latin typeface="Georgia" panose="02040502050405020303" pitchFamily="18" charset="0"/>
+                        </a:rPr>
+                        <a:t>Συντελεστής </a:t>
+                      </a:r>
+                      <a:r>
+                        <a:rPr lang="en-US" dirty="0">
+                          <a:latin typeface="Georgia" panose="02040502050405020303" pitchFamily="18" charset="0"/>
+                        </a:rPr>
+                        <a:t>PPS</a:t>
+                      </a:r>
+                    </a:p>
+                  </a:txBody>
+                  <a:tcPr/>
+                </a:tc>
+                <a:tc>
+                  <a:txBody>
+                    <a:bodyPr/>
+                    <a:lstStyle/>
+                    <a:p>
+                      <a:r>
+                        <a:rPr lang="en-US" dirty="0">
+                          <a:latin typeface="Georgia" panose="02040502050405020303" pitchFamily="18" charset="0"/>
+                        </a:rPr>
+                        <a:t>Eurostat</a:t>
+                      </a:r>
+                    </a:p>
+                  </a:txBody>
+                  <a:tcPr/>
+                </a:tc>
+                <a:extLst>
+                  <a:ext uri="{0D108BD9-81ED-4DB2-BD59-A6C34878D82A}">
+                    <a16:rowId xmlns:a16="http://schemas.microsoft.com/office/drawing/2014/main" val="1619288542"/>
+                  </a:ext>
+                </a:extLst>
+              </a:tr>
+            </a:tbl>
+          </a:graphicData>
+        </a:graphic>
+      </p:graphicFrame>
     </p:spTree>
     <p:extLst>
       <p:ext uri="{BB962C8B-B14F-4D97-AF65-F5344CB8AC3E}">
-        <p14:creationId xmlns:p14="http://schemas.microsoft.com/office/powerpoint/2010/main" val="782094152"/>
+        <p14:creationId xmlns:p14="http://schemas.microsoft.com/office/powerpoint/2010/main" val="2231047381"/>
       </p:ext>
     </p:extLst>
   </p:cSld>
@@ -5084,14 +6027,6 @@
 <file path=ppt/slides/slide11.xml><?xml version="1.0" encoding="utf-8"?>
 <p:sld xmlns:a="http://schemas.openxmlformats.org/drawingml/2006/main" xmlns:r="http://schemas.openxmlformats.org/officeDocument/2006/relationships" xmlns:p="http://schemas.openxmlformats.org/presentationml/2006/main">
   <p:cSld>
-    <p:bg>
-      <p:bgPr>
-        <a:solidFill>
-          <a:schemeClr val="bg1"/>
-        </a:solidFill>
-        <a:effectLst/>
-      </p:bgPr>
-    </p:bg>
     <p:spTree>
       <p:nvGrpSpPr>
         <p:cNvPr id="1" name=""/>
@@ -5111,7 +6046,7 @@
           <p:cNvPr id="2" name="Τίτλος 1">
             <a:extLst>
               <a:ext uri="{FF2B5EF4-FFF2-40B4-BE49-F238E27FC236}">
-                <a16:creationId xmlns:a16="http://schemas.microsoft.com/office/drawing/2014/main" id="{D4692F50-EFC7-CD5D-3C1C-154750E1576E}"/>
+                <a16:creationId xmlns:a16="http://schemas.microsoft.com/office/drawing/2014/main" id="{883EC2C5-F369-E0EB-DDAC-773EAA8990D6}"/>
               </a:ext>
             </a:extLst>
           </p:cNvPr>
@@ -5122,339 +6057,65 @@
             <p:ph type="title"/>
           </p:nvPr>
         </p:nvSpPr>
-        <p:spPr>
-          <a:xfrm>
-            <a:off x="581192" y="702156"/>
-            <a:ext cx="11029616" cy="1013800"/>
-          </a:xfrm>
-        </p:spPr>
+        <p:spPr/>
         <p:txBody>
-          <a:bodyPr>
-            <a:normAutofit/>
-          </a:bodyPr>
+          <a:bodyPr/>
           <a:lstStyle/>
           <a:p>
             <a:r>
               <a:rPr lang="el-GR" dirty="0" err="1">
-                <a:solidFill>
-                  <a:srgbClr val="FFFFFF"/>
-                </a:solidFill>
                 <a:latin typeface="Georgia" panose="02040502050405020303" pitchFamily="18" charset="0"/>
               </a:rPr>
               <a:t>Οριζοντια</a:t>
             </a:r>
             <a:r>
-              <a:rPr lang="el-GR" dirty="0">
-                <a:solidFill>
-                  <a:srgbClr val="FFFFFF"/>
-                </a:solidFill>
-                <a:latin typeface="Georgia" panose="02040502050405020303" pitchFamily="18" charset="0"/>
-              </a:rPr>
+              <a:rPr lang="el-GR" dirty="0"/>
               <a:t> </a:t>
             </a:r>
             <a:r>
-              <a:rPr lang="el-GR" dirty="0" err="1">
-                <a:solidFill>
-                  <a:srgbClr val="FFFFFF"/>
-                </a:solidFill>
-                <a:latin typeface="Georgia" panose="02040502050405020303" pitchFamily="18" charset="0"/>
-              </a:rPr>
+              <a:rPr lang="el-GR" dirty="0" err="1"/>
               <a:t>ισοτητα</a:t>
             </a:r>
             <a:r>
-              <a:rPr lang="el-GR" dirty="0">
-                <a:solidFill>
-                  <a:srgbClr val="FFFFFF"/>
-                </a:solidFill>
-                <a:latin typeface="Georgia" panose="02040502050405020303" pitchFamily="18" charset="0"/>
-              </a:rPr>
+              <a:rPr lang="el-GR" dirty="0"/>
               <a:t> στο </a:t>
             </a:r>
             <a:r>
-              <a:rPr lang="en-US" dirty="0">
-                <a:solidFill>
-                  <a:srgbClr val="FFFFFF"/>
-                </a:solidFill>
-                <a:latin typeface="Georgia" panose="02040502050405020303" pitchFamily="18" charset="0"/>
-              </a:rPr>
-              <a:t>EU ETS </a:t>
-            </a:r>
-            <a:br>
-              <a:rPr lang="el-GR" dirty="0">
-                <a:solidFill>
-                  <a:srgbClr val="FFFFFF"/>
-                </a:solidFill>
-                <a:latin typeface="Georgia" panose="02040502050405020303" pitchFamily="18" charset="0"/>
-              </a:rPr>
-            </a:br>
-            <a:r>
-              <a:rPr lang="el-GR" dirty="0">
-                <a:solidFill>
-                  <a:srgbClr val="FFFFFF"/>
-                </a:solidFill>
-                <a:latin typeface="Georgia" panose="02040502050405020303" pitchFamily="18" charset="0"/>
-              </a:rPr>
-              <a:t> </a:t>
-            </a:r>
-            <a:r>
-              <a:rPr lang="el-GR" dirty="0" err="1">
-                <a:solidFill>
-                  <a:srgbClr val="FFFFFF"/>
-                </a:solidFill>
-                <a:latin typeface="Georgia" panose="02040502050405020303" pitchFamily="18" charset="0"/>
-              </a:rPr>
-              <a:t>πειραμα</a:t>
-            </a:r>
-            <a:r>
-              <a:rPr lang="el-GR" dirty="0">
-                <a:solidFill>
-                  <a:srgbClr val="FFFFFF"/>
-                </a:solidFill>
-                <a:latin typeface="Georgia" panose="02040502050405020303" pitchFamily="18" charset="0"/>
-              </a:rPr>
-              <a:t> 1</a:t>
-            </a:r>
-            <a:endParaRPr lang="en-US" dirty="0">
-              <a:solidFill>
-                <a:srgbClr val="FFFFFF"/>
-              </a:solidFill>
-              <a:latin typeface="Georgia" panose="02040502050405020303" pitchFamily="18" charset="0"/>
-            </a:endParaRPr>
-          </a:p>
-        </p:txBody>
-      </p:sp>
-      <p:sp useBgFill="1">
-        <p:nvSpPr>
-          <p:cNvPr id="35" name="Rectangle 34">
-            <a:extLst>
-              <a:ext uri="{FF2B5EF4-FFF2-40B4-BE49-F238E27FC236}">
-                <a16:creationId xmlns:a16="http://schemas.microsoft.com/office/drawing/2014/main" id="{9E661D03-4DD4-45E7-A047-ED722E826D59}"/>
-              </a:ext>
-              <a:ext uri="{C183D7F6-B498-43B3-948B-1728B52AA6E4}">
-                <adec:decorative xmlns:adec="http://schemas.microsoft.com/office/drawing/2017/decorative" val="1"/>
-              </a:ext>
-            </a:extLst>
-          </p:cNvPr>
-          <p:cNvSpPr>
-            <a:spLocks noGrp="1" noRot="1" noChangeAspect="1" noMove="1" noResize="1" noEditPoints="1" noAdjustHandles="1" noChangeArrowheads="1" noChangeShapeType="1" noTextEdit="1"/>
-          </p:cNvSpPr>
-          <p:nvPr>
-            <p:extLst>
-              <p:ext uri="{386F3935-93C4-4BCD-93E2-E3B085C9AB24}">
-                <p16:designElem xmlns:p16="http://schemas.microsoft.com/office/powerpoint/2015/main" val="1"/>
-              </p:ext>
-            </p:extLst>
-          </p:nvPr>
-        </p:nvSpPr>
-        <p:spPr>
-          <a:xfrm>
-            <a:off x="446533" y="2180496"/>
-            <a:ext cx="5404639" cy="4045683"/>
-          </a:xfrm>
-          <a:prstGeom prst="rect">
-            <a:avLst/>
-          </a:prstGeom>
-          <a:ln w="38100">
-            <a:solidFill>
-              <a:schemeClr val="accent1"/>
-            </a:solidFill>
-          </a:ln>
-        </p:spPr>
-        <p:style>
-          <a:lnRef idx="2">
-            <a:schemeClr val="accent1">
-              <a:shade val="50000"/>
-            </a:schemeClr>
-          </a:lnRef>
-          <a:fillRef idx="1">
-            <a:schemeClr val="accent1"/>
-          </a:fillRef>
-          <a:effectRef idx="0">
-            <a:schemeClr val="accent1"/>
-          </a:effectRef>
-          <a:fontRef idx="minor">
-            <a:schemeClr val="lt1"/>
-          </a:fontRef>
-        </p:style>
-        <p:txBody>
-          <a:bodyPr rtlCol="0" anchor="ctr"/>
-          <a:lstStyle/>
-          <a:p>
-            <a:pPr algn="ctr"/>
-            <a:endParaRPr lang="en-US" dirty="0">
-              <a:latin typeface="Abadi" panose="020B0604020104020204" pitchFamily="34" charset="0"/>
-            </a:endParaRPr>
-          </a:p>
-        </p:txBody>
-      </p:sp>
-      <p:pic>
-        <p:nvPicPr>
-          <p:cNvPr id="28" name="Θέση περιεχομένου 27">
-            <a:extLst>
-              <a:ext uri="{FF2B5EF4-FFF2-40B4-BE49-F238E27FC236}">
-                <a16:creationId xmlns:a16="http://schemas.microsoft.com/office/drawing/2014/main" id="{ABF3357F-E59E-E4A6-FAE8-7C2B9C8EA327}"/>
-              </a:ext>
-            </a:extLst>
-          </p:cNvPr>
-          <p:cNvPicPr>
-            <a:picLocks noChangeAspect="1"/>
-          </p:cNvPicPr>
-          <p:nvPr/>
-        </p:nvPicPr>
-        <p:blipFill>
-          <a:blip r:embed="rId2">
-            <a:extLst>
-              <a:ext uri="{96DAC541-7B7A-43D3-8B79-37D633B846F1}">
-                <asvg:svgBlip xmlns:asvg="http://schemas.microsoft.com/office/drawing/2016/SVG/main" r:embed="rId3"/>
-              </a:ext>
-            </a:extLst>
-          </a:blip>
-          <a:stretch>
-            <a:fillRect/>
-          </a:stretch>
-        </p:blipFill>
-        <p:spPr>
-          <a:xfrm>
-            <a:off x="1313878" y="2361056"/>
-            <a:ext cx="3649219" cy="3649219"/>
-          </a:xfrm>
-          <a:prstGeom prst="rect">
-            <a:avLst/>
-          </a:prstGeom>
-        </p:spPr>
-      </p:pic>
-      <p:pic>
-        <p:nvPicPr>
-          <p:cNvPr id="34" name="Θέση περιεχομένου 33" descr="Εικόνα που περιέχει στιγμιότυπο οθόνης, γραμμή, νύχτα&#10;&#10;Περιγραφή που δημιουργήθηκε αυτόματα">
-            <a:extLst>
-              <a:ext uri="{FF2B5EF4-FFF2-40B4-BE49-F238E27FC236}">
-                <a16:creationId xmlns:a16="http://schemas.microsoft.com/office/drawing/2014/main" id="{6BA1FEB6-E480-A54B-4E6C-7C2191BDAA20}"/>
-              </a:ext>
-            </a:extLst>
-          </p:cNvPr>
-          <p:cNvPicPr>
-            <a:picLocks noGrp="1" noChangeAspect="1"/>
-          </p:cNvPicPr>
-          <p:nvPr>
-            <p:ph idx="1"/>
-          </p:nvPr>
-        </p:nvPicPr>
-        <p:blipFill>
-          <a:blip r:embed="rId4">
-            <a:extLst>
-              <a:ext uri="{28A0092B-C50C-407E-A947-70E740481C1C}">
-                <a14:useLocalDpi xmlns:a14="http://schemas.microsoft.com/office/drawing/2010/main" val="0"/>
-              </a:ext>
-            </a:extLst>
-          </a:blip>
-          <a:stretch>
-            <a:fillRect/>
-          </a:stretch>
-        </p:blipFill>
-        <p:spPr>
-          <a:xfrm>
-            <a:off x="6950869" y="2181225"/>
-            <a:ext cx="4044950" cy="4044950"/>
-          </a:xfrm>
-        </p:spPr>
-      </p:pic>
-      <p:sp>
-        <p:nvSpPr>
-          <p:cNvPr id="36" name="Ορθογώνιο 35">
-            <a:extLst>
-              <a:ext uri="{FF2B5EF4-FFF2-40B4-BE49-F238E27FC236}">
-                <a16:creationId xmlns:a16="http://schemas.microsoft.com/office/drawing/2014/main" id="{980F9FAD-FBB5-B5EC-3059-E952BA5434A4}"/>
-              </a:ext>
-            </a:extLst>
-          </p:cNvPr>
-          <p:cNvSpPr/>
-          <p:nvPr/>
-        </p:nvSpPr>
-        <p:spPr>
-          <a:xfrm>
-            <a:off x="6340830" y="2163190"/>
-            <a:ext cx="5404639" cy="4044950"/>
-          </a:xfrm>
-          <a:prstGeom prst="rect">
-            <a:avLst/>
-          </a:prstGeom>
-          <a:noFill/>
-          <a:ln w="38100">
-            <a:solidFill>
-              <a:srgbClr val="4D1434"/>
-            </a:solidFill>
-          </a:ln>
-        </p:spPr>
-        <p:style>
-          <a:lnRef idx="2">
-            <a:schemeClr val="accent1">
-              <a:shade val="15000"/>
-            </a:schemeClr>
-          </a:lnRef>
-          <a:fillRef idx="1">
-            <a:schemeClr val="accent1"/>
-          </a:fillRef>
-          <a:effectRef idx="0">
-            <a:schemeClr val="accent1"/>
-          </a:effectRef>
-          <a:fontRef idx="minor">
-            <a:schemeClr val="lt1"/>
-          </a:fontRef>
-        </p:style>
-        <p:txBody>
-          <a:bodyPr rtlCol="0" anchor="ctr"/>
-          <a:lstStyle/>
-          <a:p>
-            <a:pPr algn="ctr"/>
-            <a:endParaRPr lang="en-US" dirty="0">
-              <a:noFill/>
-              <a:latin typeface="Abadi" panose="020B0604020104020204" pitchFamily="34" charset="0"/>
-            </a:endParaRPr>
+              <a:rPr lang="en-US" dirty="0"/>
+              <a:t>EU ETS</a:t>
+            </a:r>
           </a:p>
         </p:txBody>
       </p:sp>
       <p:sp>
         <p:nvSpPr>
-          <p:cNvPr id="38" name="TextBox 37">
+          <p:cNvPr id="3" name="Θέση κειμένου 2">
             <a:extLst>
               <a:ext uri="{FF2B5EF4-FFF2-40B4-BE49-F238E27FC236}">
-                <a16:creationId xmlns:a16="http://schemas.microsoft.com/office/drawing/2014/main" id="{94BF5D20-ACBF-0DCE-B263-C488991BC931}"/>
+                <a16:creationId xmlns:a16="http://schemas.microsoft.com/office/drawing/2014/main" id="{2C6C1008-46F9-D657-6D85-9FF9D0C13500}"/>
               </a:ext>
             </a:extLst>
           </p:cNvPr>
-          <p:cNvSpPr txBox="1"/>
-          <p:nvPr/>
+          <p:cNvSpPr>
+            <a:spLocks noGrp="1"/>
+          </p:cNvSpPr>
+          <p:nvPr>
+            <p:ph type="body" idx="1"/>
+          </p:nvPr>
         </p:nvSpPr>
-        <p:spPr>
-          <a:xfrm>
-            <a:off x="5713356" y="6327135"/>
-            <a:ext cx="765288" cy="369332"/>
-          </a:xfrm>
-          <a:prstGeom prst="rect">
-            <a:avLst/>
-          </a:prstGeom>
-          <a:noFill/>
-        </p:spPr>
+        <p:spPr/>
         <p:txBody>
-          <a:bodyPr wrap="square" rtlCol="0">
-            <a:spAutoFit/>
-          </a:bodyPr>
+          <a:bodyPr/>
           <a:lstStyle/>
           <a:p>
-            <a:pPr algn="ctr"/>
-            <a:r>
-              <a:rPr lang="en-US" dirty="0">
-                <a:latin typeface="Abadi" panose="020B0604020104020204" pitchFamily="34" charset="0"/>
-              </a:rPr>
-              <a:t>2018</a:t>
-            </a:r>
+            <a:endParaRPr lang="en-US" dirty="0"/>
           </a:p>
         </p:txBody>
       </p:sp>
     </p:spTree>
     <p:extLst>
       <p:ext uri="{BB962C8B-B14F-4D97-AF65-F5344CB8AC3E}">
-        <p14:creationId xmlns:p14="http://schemas.microsoft.com/office/powerpoint/2010/main" val="3596734323"/>
+        <p14:creationId xmlns:p14="http://schemas.microsoft.com/office/powerpoint/2010/main" val="782094152"/>
       </p:ext>
     </p:extLst>
   </p:cSld>
@@ -5491,6 +6152,389 @@
       </p:grpSpPr>
       <p:sp>
         <p:nvSpPr>
+          <p:cNvPr id="2" name="Τίτλος 1">
+            <a:extLst>
+              <a:ext uri="{FF2B5EF4-FFF2-40B4-BE49-F238E27FC236}">
+                <a16:creationId xmlns:a16="http://schemas.microsoft.com/office/drawing/2014/main" id="{D4692F50-EFC7-CD5D-3C1C-154750E1576E}"/>
+              </a:ext>
+            </a:extLst>
+          </p:cNvPr>
+          <p:cNvSpPr>
+            <a:spLocks noGrp="1"/>
+          </p:cNvSpPr>
+          <p:nvPr>
+            <p:ph type="title"/>
+          </p:nvPr>
+        </p:nvSpPr>
+        <p:spPr>
+          <a:xfrm>
+            <a:off x="581192" y="702156"/>
+            <a:ext cx="11029616" cy="1013800"/>
+          </a:xfrm>
+        </p:spPr>
+        <p:txBody>
+          <a:bodyPr>
+            <a:normAutofit/>
+          </a:bodyPr>
+          <a:lstStyle/>
+          <a:p>
+            <a:r>
+              <a:rPr lang="el-GR" dirty="0" err="1">
+                <a:solidFill>
+                  <a:srgbClr val="FFFFFF"/>
+                </a:solidFill>
+                <a:latin typeface="Georgia" panose="02040502050405020303" pitchFamily="18" charset="0"/>
+              </a:rPr>
+              <a:t>Οριζοντια</a:t>
+            </a:r>
+            <a:r>
+              <a:rPr lang="el-GR" dirty="0">
+                <a:solidFill>
+                  <a:srgbClr val="FFFFFF"/>
+                </a:solidFill>
+                <a:latin typeface="Georgia" panose="02040502050405020303" pitchFamily="18" charset="0"/>
+              </a:rPr>
+              <a:t> </a:t>
+            </a:r>
+            <a:r>
+              <a:rPr lang="el-GR" dirty="0" err="1">
+                <a:solidFill>
+                  <a:srgbClr val="FFFFFF"/>
+                </a:solidFill>
+                <a:latin typeface="Georgia" panose="02040502050405020303" pitchFamily="18" charset="0"/>
+              </a:rPr>
+              <a:t>ισοτητα</a:t>
+            </a:r>
+            <a:r>
+              <a:rPr lang="el-GR" dirty="0">
+                <a:solidFill>
+                  <a:srgbClr val="FFFFFF"/>
+                </a:solidFill>
+                <a:latin typeface="Georgia" panose="02040502050405020303" pitchFamily="18" charset="0"/>
+              </a:rPr>
+              <a:t> στο </a:t>
+            </a:r>
+            <a:r>
+              <a:rPr lang="en-US" dirty="0">
+                <a:solidFill>
+                  <a:srgbClr val="FFFFFF"/>
+                </a:solidFill>
+                <a:latin typeface="Georgia" panose="02040502050405020303" pitchFamily="18" charset="0"/>
+              </a:rPr>
+              <a:t>EU ETS </a:t>
+            </a:r>
+            <a:br>
+              <a:rPr lang="el-GR" dirty="0">
+                <a:solidFill>
+                  <a:srgbClr val="FFFFFF"/>
+                </a:solidFill>
+                <a:latin typeface="Georgia" panose="02040502050405020303" pitchFamily="18" charset="0"/>
+              </a:rPr>
+            </a:br>
+            <a:r>
+              <a:rPr lang="el-GR" dirty="0">
+                <a:solidFill>
+                  <a:srgbClr val="FFFFFF"/>
+                </a:solidFill>
+                <a:latin typeface="Georgia" panose="02040502050405020303" pitchFamily="18" charset="0"/>
+              </a:rPr>
+              <a:t> </a:t>
+            </a:r>
+            <a:r>
+              <a:rPr lang="el-GR" dirty="0" err="1">
+                <a:solidFill>
+                  <a:srgbClr val="FFFFFF"/>
+                </a:solidFill>
+                <a:latin typeface="Georgia" panose="02040502050405020303" pitchFamily="18" charset="0"/>
+              </a:rPr>
+              <a:t>πειραμα</a:t>
+            </a:r>
+            <a:r>
+              <a:rPr lang="el-GR" dirty="0">
+                <a:solidFill>
+                  <a:srgbClr val="FFFFFF"/>
+                </a:solidFill>
+                <a:latin typeface="Georgia" panose="02040502050405020303" pitchFamily="18" charset="0"/>
+              </a:rPr>
+              <a:t> 1</a:t>
+            </a:r>
+            <a:endParaRPr lang="en-US" dirty="0">
+              <a:solidFill>
+                <a:srgbClr val="FFFFFF"/>
+              </a:solidFill>
+              <a:latin typeface="Georgia" panose="02040502050405020303" pitchFamily="18" charset="0"/>
+            </a:endParaRPr>
+          </a:p>
+        </p:txBody>
+      </p:sp>
+      <p:sp useBgFill="1">
+        <p:nvSpPr>
+          <p:cNvPr id="35" name="Rectangle 34">
+            <a:extLst>
+              <a:ext uri="{FF2B5EF4-FFF2-40B4-BE49-F238E27FC236}">
+                <a16:creationId xmlns:a16="http://schemas.microsoft.com/office/drawing/2014/main" id="{9E661D03-4DD4-45E7-A047-ED722E826D59}"/>
+              </a:ext>
+              <a:ext uri="{C183D7F6-B498-43B3-948B-1728B52AA6E4}">
+                <adec:decorative xmlns:adec="http://schemas.microsoft.com/office/drawing/2017/decorative" val="1"/>
+              </a:ext>
+            </a:extLst>
+          </p:cNvPr>
+          <p:cNvSpPr>
+            <a:spLocks noGrp="1" noRot="1" noChangeAspect="1" noMove="1" noResize="1" noEditPoints="1" noAdjustHandles="1" noChangeArrowheads="1" noChangeShapeType="1" noTextEdit="1"/>
+          </p:cNvSpPr>
+          <p:nvPr>
+            <p:extLst>
+              <p:ext uri="{386F3935-93C4-4BCD-93E2-E3B085C9AB24}">
+                <p16:designElem xmlns:p16="http://schemas.microsoft.com/office/powerpoint/2015/main" val="1"/>
+              </p:ext>
+            </p:extLst>
+          </p:nvPr>
+        </p:nvSpPr>
+        <p:spPr>
+          <a:xfrm>
+            <a:off x="446533" y="2180496"/>
+            <a:ext cx="5404639" cy="4045683"/>
+          </a:xfrm>
+          <a:prstGeom prst="rect">
+            <a:avLst/>
+          </a:prstGeom>
+          <a:ln w="38100">
+            <a:solidFill>
+              <a:schemeClr val="accent1"/>
+            </a:solidFill>
+          </a:ln>
+        </p:spPr>
+        <p:style>
+          <a:lnRef idx="2">
+            <a:schemeClr val="accent1">
+              <a:shade val="50000"/>
+            </a:schemeClr>
+          </a:lnRef>
+          <a:fillRef idx="1">
+            <a:schemeClr val="accent1"/>
+          </a:fillRef>
+          <a:effectRef idx="0">
+            <a:schemeClr val="accent1"/>
+          </a:effectRef>
+          <a:fontRef idx="minor">
+            <a:schemeClr val="lt1"/>
+          </a:fontRef>
+        </p:style>
+        <p:txBody>
+          <a:bodyPr rtlCol="0" anchor="ctr"/>
+          <a:lstStyle/>
+          <a:p>
+            <a:pPr algn="ctr"/>
+            <a:endParaRPr lang="en-US" dirty="0">
+              <a:latin typeface="Abadi" panose="020B0604020104020204" pitchFamily="34" charset="0"/>
+            </a:endParaRPr>
+          </a:p>
+        </p:txBody>
+      </p:sp>
+      <p:pic>
+        <p:nvPicPr>
+          <p:cNvPr id="28" name="Θέση περιεχομένου 27">
+            <a:extLst>
+              <a:ext uri="{FF2B5EF4-FFF2-40B4-BE49-F238E27FC236}">
+                <a16:creationId xmlns:a16="http://schemas.microsoft.com/office/drawing/2014/main" id="{ABF3357F-E59E-E4A6-FAE8-7C2B9C8EA327}"/>
+              </a:ext>
+            </a:extLst>
+          </p:cNvPr>
+          <p:cNvPicPr>
+            <a:picLocks noChangeAspect="1"/>
+          </p:cNvPicPr>
+          <p:nvPr/>
+        </p:nvPicPr>
+        <p:blipFill>
+          <a:blip r:embed="rId2">
+            <a:extLst>
+              <a:ext uri="{96DAC541-7B7A-43D3-8B79-37D633B846F1}">
+                <asvg:svgBlip xmlns:asvg="http://schemas.microsoft.com/office/drawing/2016/SVG/main" r:embed="rId3"/>
+              </a:ext>
+            </a:extLst>
+          </a:blip>
+          <a:stretch>
+            <a:fillRect/>
+          </a:stretch>
+        </p:blipFill>
+        <p:spPr>
+          <a:xfrm>
+            <a:off x="1313878" y="2361056"/>
+            <a:ext cx="3649219" cy="3649219"/>
+          </a:xfrm>
+          <a:prstGeom prst="rect">
+            <a:avLst/>
+          </a:prstGeom>
+        </p:spPr>
+      </p:pic>
+      <p:pic>
+        <p:nvPicPr>
+          <p:cNvPr id="34" name="Θέση περιεχομένου 33" descr="Εικόνα που περιέχει στιγμιότυπο οθόνης, γραμμή, νύχτα&#10;&#10;Περιγραφή που δημιουργήθηκε αυτόματα">
+            <a:extLst>
+              <a:ext uri="{FF2B5EF4-FFF2-40B4-BE49-F238E27FC236}">
+                <a16:creationId xmlns:a16="http://schemas.microsoft.com/office/drawing/2014/main" id="{6BA1FEB6-E480-A54B-4E6C-7C2191BDAA20}"/>
+              </a:ext>
+            </a:extLst>
+          </p:cNvPr>
+          <p:cNvPicPr>
+            <a:picLocks noGrp="1" noChangeAspect="1"/>
+          </p:cNvPicPr>
+          <p:nvPr>
+            <p:ph idx="1"/>
+          </p:nvPr>
+        </p:nvPicPr>
+        <p:blipFill>
+          <a:blip r:embed="rId4">
+            <a:extLst>
+              <a:ext uri="{28A0092B-C50C-407E-A947-70E740481C1C}">
+                <a14:useLocalDpi xmlns:a14="http://schemas.microsoft.com/office/drawing/2010/main" val="0"/>
+              </a:ext>
+            </a:extLst>
+          </a:blip>
+          <a:stretch>
+            <a:fillRect/>
+          </a:stretch>
+        </p:blipFill>
+        <p:spPr>
+          <a:xfrm>
+            <a:off x="6950869" y="2181225"/>
+            <a:ext cx="4044950" cy="4044950"/>
+          </a:xfrm>
+        </p:spPr>
+      </p:pic>
+      <p:sp>
+        <p:nvSpPr>
+          <p:cNvPr id="36" name="Ορθογώνιο 35">
+            <a:extLst>
+              <a:ext uri="{FF2B5EF4-FFF2-40B4-BE49-F238E27FC236}">
+                <a16:creationId xmlns:a16="http://schemas.microsoft.com/office/drawing/2014/main" id="{980F9FAD-FBB5-B5EC-3059-E952BA5434A4}"/>
+              </a:ext>
+            </a:extLst>
+          </p:cNvPr>
+          <p:cNvSpPr/>
+          <p:nvPr/>
+        </p:nvSpPr>
+        <p:spPr>
+          <a:xfrm>
+            <a:off x="6340830" y="2163190"/>
+            <a:ext cx="5404639" cy="4044950"/>
+          </a:xfrm>
+          <a:prstGeom prst="rect">
+            <a:avLst/>
+          </a:prstGeom>
+          <a:noFill/>
+          <a:ln w="38100">
+            <a:solidFill>
+              <a:srgbClr val="4D1434"/>
+            </a:solidFill>
+          </a:ln>
+        </p:spPr>
+        <p:style>
+          <a:lnRef idx="2">
+            <a:schemeClr val="accent1">
+              <a:shade val="15000"/>
+            </a:schemeClr>
+          </a:lnRef>
+          <a:fillRef idx="1">
+            <a:schemeClr val="accent1"/>
+          </a:fillRef>
+          <a:effectRef idx="0">
+            <a:schemeClr val="accent1"/>
+          </a:effectRef>
+          <a:fontRef idx="minor">
+            <a:schemeClr val="lt1"/>
+          </a:fontRef>
+        </p:style>
+        <p:txBody>
+          <a:bodyPr rtlCol="0" anchor="ctr"/>
+          <a:lstStyle/>
+          <a:p>
+            <a:pPr algn="ctr"/>
+            <a:endParaRPr lang="en-US" dirty="0">
+              <a:noFill/>
+              <a:latin typeface="Abadi" panose="020B0604020104020204" pitchFamily="34" charset="0"/>
+            </a:endParaRPr>
+          </a:p>
+        </p:txBody>
+      </p:sp>
+      <p:sp>
+        <p:nvSpPr>
+          <p:cNvPr id="38" name="TextBox 37">
+            <a:extLst>
+              <a:ext uri="{FF2B5EF4-FFF2-40B4-BE49-F238E27FC236}">
+                <a16:creationId xmlns:a16="http://schemas.microsoft.com/office/drawing/2014/main" id="{94BF5D20-ACBF-0DCE-B263-C488991BC931}"/>
+              </a:ext>
+            </a:extLst>
+          </p:cNvPr>
+          <p:cNvSpPr txBox="1"/>
+          <p:nvPr/>
+        </p:nvSpPr>
+        <p:spPr>
+          <a:xfrm>
+            <a:off x="5713356" y="6327135"/>
+            <a:ext cx="765288" cy="369332"/>
+          </a:xfrm>
+          <a:prstGeom prst="rect">
+            <a:avLst/>
+          </a:prstGeom>
+          <a:noFill/>
+        </p:spPr>
+        <p:txBody>
+          <a:bodyPr wrap="square" rtlCol="0">
+            <a:spAutoFit/>
+          </a:bodyPr>
+          <a:lstStyle/>
+          <a:p>
+            <a:pPr algn="ctr"/>
+            <a:r>
+              <a:rPr lang="en-US" dirty="0">
+                <a:latin typeface="Abadi" panose="020B0604020104020204" pitchFamily="34" charset="0"/>
+              </a:rPr>
+              <a:t>2018</a:t>
+            </a:r>
+          </a:p>
+        </p:txBody>
+      </p:sp>
+    </p:spTree>
+    <p:extLst>
+      <p:ext uri="{BB962C8B-B14F-4D97-AF65-F5344CB8AC3E}">
+        <p14:creationId xmlns:p14="http://schemas.microsoft.com/office/powerpoint/2010/main" val="3596734323"/>
+      </p:ext>
+    </p:extLst>
+  </p:cSld>
+  <p:clrMapOvr>
+    <a:masterClrMapping/>
+  </p:clrMapOvr>
+</p:sld>
+</file>
+
+<file path=ppt/slides/slide13.xml><?xml version="1.0" encoding="utf-8"?>
+<p:sld xmlns:a="http://schemas.openxmlformats.org/drawingml/2006/main" xmlns:r="http://schemas.openxmlformats.org/officeDocument/2006/relationships" xmlns:p="http://schemas.openxmlformats.org/presentationml/2006/main">
+  <p:cSld>
+    <p:bg>
+      <p:bgPr>
+        <a:solidFill>
+          <a:schemeClr val="bg1"/>
+        </a:solidFill>
+        <a:effectLst/>
+      </p:bgPr>
+    </p:bg>
+    <p:spTree>
+      <p:nvGrpSpPr>
+        <p:cNvPr id="1" name=""/>
+        <p:cNvGrpSpPr/>
+        <p:nvPr/>
+      </p:nvGrpSpPr>
+      <p:grpSpPr>
+        <a:xfrm>
+          <a:off x="0" y="0"/>
+          <a:ext cx="0" cy="0"/>
+          <a:chOff x="0" y="0"/>
+          <a:chExt cx="0" cy="0"/>
+        </a:xfrm>
+      </p:grpSpPr>
+      <p:sp>
+        <p:nvSpPr>
           <p:cNvPr id="29" name="Rectangle 28">
             <a:extLst>
               <a:ext uri="{FF2B5EF4-FFF2-40B4-BE49-F238E27FC236}">
@@ -6016,6 +7060,57 @@
           </a:p>
         </p:txBody>
       </p:sp>
+      <p:sp>
+        <p:nvSpPr>
+          <p:cNvPr id="2" name="Ορθογώνιο 1">
+            <a:extLst>
+              <a:ext uri="{FF2B5EF4-FFF2-40B4-BE49-F238E27FC236}">
+                <a16:creationId xmlns:a16="http://schemas.microsoft.com/office/drawing/2014/main" id="{E6624A12-EE2E-F755-D3F3-F36F7DAB7ED6}"/>
+              </a:ext>
+            </a:extLst>
+          </p:cNvPr>
+          <p:cNvSpPr/>
+          <p:nvPr/>
+        </p:nvSpPr>
+        <p:spPr>
+          <a:xfrm>
+            <a:off x="0" y="0"/>
+            <a:ext cx="12192000" cy="6858000"/>
+          </a:xfrm>
+          <a:prstGeom prst="rect">
+            <a:avLst/>
+          </a:prstGeom>
+          <a:solidFill>
+            <a:srgbClr val="4D1434">
+              <a:alpha val="30196"/>
+            </a:srgbClr>
+          </a:solidFill>
+        </p:spPr>
+        <p:style>
+          <a:lnRef idx="2">
+            <a:schemeClr val="accent1">
+              <a:shade val="15000"/>
+            </a:schemeClr>
+          </a:lnRef>
+          <a:fillRef idx="1">
+            <a:schemeClr val="accent1"/>
+          </a:fillRef>
+          <a:effectRef idx="0">
+            <a:schemeClr val="accent1"/>
+          </a:effectRef>
+          <a:fontRef idx="minor">
+            <a:schemeClr val="lt1"/>
+          </a:fontRef>
+        </p:style>
+        <p:txBody>
+          <a:bodyPr rtlCol="0" anchor="ctr"/>
+          <a:lstStyle/>
+          <a:p>
+            <a:pPr algn="ctr"/>
+            <a:endParaRPr lang="en-US" dirty="0"/>
+          </a:p>
+        </p:txBody>
+      </p:sp>
     </p:spTree>
     <p:extLst>
       <p:ext uri="{BB962C8B-B14F-4D97-AF65-F5344CB8AC3E}">
@@ -6029,7 +7124,7 @@
 </p:sld>
 </file>
 
-<file path=ppt/slides/slide13.xml><?xml version="1.0" encoding="utf-8"?>
+<file path=ppt/slides/slide14.xml><?xml version="1.0" encoding="utf-8"?>
 <p:sld xmlns:a="http://schemas.openxmlformats.org/drawingml/2006/main" xmlns:r="http://schemas.openxmlformats.org/officeDocument/2006/relationships" xmlns:p="http://schemas.openxmlformats.org/presentationml/2006/main">
   <p:cSld>
     <p:bg>
@@ -6546,6 +7641,57 @@
           </a:p>
         </p:txBody>
       </p:sp>
+      <p:sp>
+        <p:nvSpPr>
+          <p:cNvPr id="3" name="Ορθογώνιο 2">
+            <a:extLst>
+              <a:ext uri="{FF2B5EF4-FFF2-40B4-BE49-F238E27FC236}">
+                <a16:creationId xmlns:a16="http://schemas.microsoft.com/office/drawing/2014/main" id="{F6806781-A084-221B-D692-49416637645B}"/>
+              </a:ext>
+            </a:extLst>
+          </p:cNvPr>
+          <p:cNvSpPr/>
+          <p:nvPr/>
+        </p:nvSpPr>
+        <p:spPr>
+          <a:xfrm>
+            <a:off x="0" y="17584"/>
+            <a:ext cx="12192000" cy="6858000"/>
+          </a:xfrm>
+          <a:prstGeom prst="rect">
+            <a:avLst/>
+          </a:prstGeom>
+          <a:solidFill>
+            <a:srgbClr val="4D1434">
+              <a:alpha val="30196"/>
+            </a:srgbClr>
+          </a:solidFill>
+        </p:spPr>
+        <p:style>
+          <a:lnRef idx="2">
+            <a:schemeClr val="accent1">
+              <a:shade val="15000"/>
+            </a:schemeClr>
+          </a:lnRef>
+          <a:fillRef idx="1">
+            <a:schemeClr val="accent1"/>
+          </a:fillRef>
+          <a:effectRef idx="0">
+            <a:schemeClr val="accent1"/>
+          </a:effectRef>
+          <a:fontRef idx="minor">
+            <a:schemeClr val="lt1"/>
+          </a:fontRef>
+        </p:style>
+        <p:txBody>
+          <a:bodyPr rtlCol="0" anchor="ctr"/>
+          <a:lstStyle/>
+          <a:p>
+            <a:pPr algn="ctr"/>
+            <a:endParaRPr lang="en-US" dirty="0"/>
+          </a:p>
+        </p:txBody>
+      </p:sp>
     </p:spTree>
     <p:extLst>
       <p:ext uri="{BB962C8B-B14F-4D97-AF65-F5344CB8AC3E}">
@@ -6559,7 +7705,7 @@
 </p:sld>
 </file>
 
-<file path=ppt/slides/slide14.xml><?xml version="1.0" encoding="utf-8"?>
+<file path=ppt/slides/slide15.xml><?xml version="1.0" encoding="utf-8"?>
 <p:sld xmlns:a="http://schemas.openxmlformats.org/drawingml/2006/main" xmlns:r="http://schemas.openxmlformats.org/officeDocument/2006/relationships" xmlns:p="http://schemas.openxmlformats.org/presentationml/2006/main">
   <p:cSld>
     <p:bg>
@@ -7076,6 +8222,57 @@
           </a:p>
         </p:txBody>
       </p:sp>
+      <p:sp>
+        <p:nvSpPr>
+          <p:cNvPr id="3" name="Ορθογώνιο 2">
+            <a:extLst>
+              <a:ext uri="{FF2B5EF4-FFF2-40B4-BE49-F238E27FC236}">
+                <a16:creationId xmlns:a16="http://schemas.microsoft.com/office/drawing/2014/main" id="{7B62E757-D13C-B96E-B2C9-5242D1C9A289}"/>
+              </a:ext>
+            </a:extLst>
+          </p:cNvPr>
+          <p:cNvSpPr/>
+          <p:nvPr/>
+        </p:nvSpPr>
+        <p:spPr>
+          <a:xfrm>
+            <a:off x="0" y="0"/>
+            <a:ext cx="12192000" cy="6858000"/>
+          </a:xfrm>
+          <a:prstGeom prst="rect">
+            <a:avLst/>
+          </a:prstGeom>
+          <a:solidFill>
+            <a:srgbClr val="4D1434">
+              <a:alpha val="30196"/>
+            </a:srgbClr>
+          </a:solidFill>
+        </p:spPr>
+        <p:style>
+          <a:lnRef idx="2">
+            <a:schemeClr val="accent1">
+              <a:shade val="15000"/>
+            </a:schemeClr>
+          </a:lnRef>
+          <a:fillRef idx="1">
+            <a:schemeClr val="accent1"/>
+          </a:fillRef>
+          <a:effectRef idx="0">
+            <a:schemeClr val="accent1"/>
+          </a:effectRef>
+          <a:fontRef idx="minor">
+            <a:schemeClr val="lt1"/>
+          </a:fontRef>
+        </p:style>
+        <p:txBody>
+          <a:bodyPr rtlCol="0" anchor="ctr"/>
+          <a:lstStyle/>
+          <a:p>
+            <a:pPr algn="ctr"/>
+            <a:endParaRPr lang="en-US" dirty="0"/>
+          </a:p>
+        </p:txBody>
+      </p:sp>
     </p:spTree>
     <p:extLst>
       <p:ext uri="{BB962C8B-B14F-4D97-AF65-F5344CB8AC3E}">
@@ -7089,7 +8286,7 @@
 </p:sld>
 </file>
 
-<file path=ppt/slides/slide15.xml><?xml version="1.0" encoding="utf-8"?>
+<file path=ppt/slides/slide16.xml><?xml version="1.0" encoding="utf-8"?>
 <p:sld xmlns:a="http://schemas.openxmlformats.org/drawingml/2006/main" xmlns:r="http://schemas.openxmlformats.org/officeDocument/2006/relationships" xmlns:p="http://schemas.openxmlformats.org/presentationml/2006/main">
   <p:cSld>
     <p:bg>
@@ -7523,7 +8720,7 @@
 </p:sld>
 </file>
 
-<file path=ppt/slides/slide16.xml><?xml version="1.0" encoding="utf-8"?>
+<file path=ppt/slides/slide17.xml><?xml version="1.0" encoding="utf-8"?>
 <p:sld xmlns:a="http://schemas.openxmlformats.org/drawingml/2006/main" xmlns:r="http://schemas.openxmlformats.org/officeDocument/2006/relationships" xmlns:p="http://schemas.openxmlformats.org/presentationml/2006/main">
   <p:cSld>
     <p:spTree>
@@ -7653,7 +8850,7 @@
 </p:sld>
 </file>
 
-<file path=ppt/slides/slide17.xml><?xml version="1.0" encoding="utf-8"?>
+<file path=ppt/slides/slide18.xml><?xml version="1.0" encoding="utf-8"?>
 <p:sld xmlns:a="http://schemas.openxmlformats.org/drawingml/2006/main" xmlns:r="http://schemas.openxmlformats.org/officeDocument/2006/relationships" xmlns:p="http://schemas.openxmlformats.org/presentationml/2006/main">
   <p:cSld>
     <p:bg>
@@ -8332,7 +9529,7 @@
 </p:sld>
 </file>
 
-<file path=ppt/slides/slide18.xml><?xml version="1.0" encoding="utf-8"?>
+<file path=ppt/slides/slide19.xml><?xml version="1.0" encoding="utf-8"?>
 <p:sld xmlns:a="http://schemas.openxmlformats.org/drawingml/2006/main" xmlns:r="http://schemas.openxmlformats.org/officeDocument/2006/relationships" xmlns:p="http://schemas.openxmlformats.org/presentationml/2006/main">
   <p:cSld>
     <p:spTree>
@@ -8496,7 +9693,7 @@
           <p:nvPr>
             <p:extLst>
               <p:ext uri="{D42A27DB-BD31-4B8C-83A1-F6EECF244321}">
-                <p14:modId xmlns:p14="http://schemas.microsoft.com/office/powerpoint/2010/main" val="1835780056"/>
+                <p14:modId xmlns:p14="http://schemas.microsoft.com/office/powerpoint/2010/main" val="2854016349"/>
               </p:ext>
             </p:extLst>
           </p:nvPr>
@@ -8600,11 +9797,17 @@
                     <a:p>
                       <a:r>
                         <a:rPr lang="el-GR" dirty="0">
+                          <a:solidFill>
+                            <a:srgbClr val="D72F26"/>
+                          </a:solidFill>
                           <a:latin typeface="Georgia" panose="02040502050405020303" pitchFamily="18" charset="0"/>
                         </a:rPr>
                         <a:t>Συστάδα 1</a:t>
                       </a:r>
                       <a:endParaRPr lang="en-US" dirty="0">
+                        <a:solidFill>
+                          <a:srgbClr val="D72F26"/>
+                        </a:solidFill>
                         <a:latin typeface="Georgia" panose="02040502050405020303" pitchFamily="18" charset="0"/>
                       </a:endParaRPr>
                     </a:p>
@@ -8618,11 +9821,17 @@
                     <a:p>
                       <a:r>
                         <a:rPr lang="el-GR" dirty="0">
+                          <a:solidFill>
+                            <a:srgbClr val="32A02A"/>
+                          </a:solidFill>
                           <a:latin typeface="Georgia" panose="02040502050405020303" pitchFamily="18" charset="0"/>
                         </a:rPr>
                         <a:t>Συστάδα 2 </a:t>
                       </a:r>
                       <a:endParaRPr lang="en-US" dirty="0">
+                        <a:solidFill>
+                          <a:srgbClr val="32A02A"/>
+                        </a:solidFill>
                         <a:latin typeface="Georgia" panose="02040502050405020303" pitchFamily="18" charset="0"/>
                       </a:endParaRPr>
                     </a:p>
@@ -8636,11 +9845,17 @@
                     <a:p>
                       <a:r>
                         <a:rPr lang="el-GR" dirty="0">
+                          <a:solidFill>
+                            <a:srgbClr val="1C91C0"/>
+                          </a:solidFill>
                           <a:latin typeface="Georgia" panose="02040502050405020303" pitchFamily="18" charset="0"/>
                         </a:rPr>
                         <a:t>Συστάδα 3</a:t>
                       </a:r>
                       <a:endParaRPr lang="en-US" dirty="0">
+                        <a:solidFill>
+                          <a:srgbClr val="1C91C0"/>
+                        </a:solidFill>
                         <a:latin typeface="Georgia" panose="02040502050405020303" pitchFamily="18" charset="0"/>
                       </a:endParaRPr>
                     </a:p>
@@ -8722,7 +9937,116 @@
 </p:sld>
 </file>
 
-<file path=ppt/slides/slide19.xml><?xml version="1.0" encoding="utf-8"?>
+<file path=ppt/slides/slide2.xml><?xml version="1.0" encoding="utf-8"?>
+<p:sld xmlns:a="http://schemas.openxmlformats.org/drawingml/2006/main" xmlns:r="http://schemas.openxmlformats.org/officeDocument/2006/relationships" xmlns:p="http://schemas.openxmlformats.org/presentationml/2006/main">
+  <p:cSld>
+    <p:spTree>
+      <p:nvGrpSpPr>
+        <p:cNvPr id="1" name=""/>
+        <p:cNvGrpSpPr/>
+        <p:nvPr/>
+      </p:nvGrpSpPr>
+      <p:grpSpPr>
+        <a:xfrm>
+          <a:off x="0" y="0"/>
+          <a:ext cx="0" cy="0"/>
+          <a:chOff x="0" y="0"/>
+          <a:chExt cx="0" cy="0"/>
+        </a:xfrm>
+      </p:grpSpPr>
+      <p:sp>
+        <p:nvSpPr>
+          <p:cNvPr id="2" name="Τίτλος 1">
+            <a:extLst>
+              <a:ext uri="{FF2B5EF4-FFF2-40B4-BE49-F238E27FC236}">
+                <a16:creationId xmlns:a16="http://schemas.microsoft.com/office/drawing/2014/main" id="{61164D26-F92F-B739-502B-845DC80254C3}"/>
+              </a:ext>
+            </a:extLst>
+          </p:cNvPr>
+          <p:cNvSpPr>
+            <a:spLocks noGrp="1"/>
+          </p:cNvSpPr>
+          <p:nvPr>
+            <p:ph type="title"/>
+          </p:nvPr>
+        </p:nvSpPr>
+        <p:spPr/>
+        <p:txBody>
+          <a:bodyPr/>
+          <a:lstStyle/>
+          <a:p>
+            <a:r>
+              <a:rPr lang="el-GR" dirty="0" err="1">
+                <a:latin typeface="Georgia" panose="02040502050405020303" pitchFamily="18" charset="0"/>
+              </a:rPr>
+              <a:t>Εμποριο</a:t>
+            </a:r>
+            <a:r>
+              <a:rPr lang="el-GR" dirty="0">
+                <a:latin typeface="Georgia" panose="02040502050405020303" pitchFamily="18" charset="0"/>
+              </a:rPr>
+              <a:t> </a:t>
+            </a:r>
+            <a:r>
+              <a:rPr lang="el-GR" dirty="0" err="1">
+                <a:latin typeface="Georgia" panose="02040502050405020303" pitchFamily="18" charset="0"/>
+              </a:rPr>
+              <a:t>ρΥπων</a:t>
+            </a:r>
+            <a:r>
+              <a:rPr lang="el-GR" dirty="0">
+                <a:latin typeface="Georgia" panose="02040502050405020303" pitchFamily="18" charset="0"/>
+              </a:rPr>
+              <a:t> - </a:t>
+            </a:r>
+            <a:r>
+              <a:rPr lang="en-US" dirty="0">
+                <a:latin typeface="Georgia" panose="02040502050405020303" pitchFamily="18" charset="0"/>
+              </a:rPr>
+              <a:t>EU ETS </a:t>
+            </a:r>
+          </a:p>
+        </p:txBody>
+      </p:sp>
+      <p:sp>
+        <p:nvSpPr>
+          <p:cNvPr id="3" name="Θέση κειμένου 2">
+            <a:extLst>
+              <a:ext uri="{FF2B5EF4-FFF2-40B4-BE49-F238E27FC236}">
+                <a16:creationId xmlns:a16="http://schemas.microsoft.com/office/drawing/2014/main" id="{F045C538-716A-2AB9-BA3A-52F6CC6BA7C4}"/>
+              </a:ext>
+            </a:extLst>
+          </p:cNvPr>
+          <p:cNvSpPr>
+            <a:spLocks noGrp="1"/>
+          </p:cNvSpPr>
+          <p:nvPr>
+            <p:ph type="body" idx="1"/>
+          </p:nvPr>
+        </p:nvSpPr>
+        <p:spPr/>
+        <p:txBody>
+          <a:bodyPr/>
+          <a:lstStyle/>
+          <a:p>
+            <a:endParaRPr lang="en-US" dirty="0"/>
+          </a:p>
+        </p:txBody>
+      </p:sp>
+    </p:spTree>
+    <p:extLst>
+      <p:ext uri="{BB962C8B-B14F-4D97-AF65-F5344CB8AC3E}">
+        <p14:creationId xmlns:p14="http://schemas.microsoft.com/office/powerpoint/2010/main" val="4046604953"/>
+      </p:ext>
+    </p:extLst>
+  </p:cSld>
+  <p:clrMapOvr>
+    <a:masterClrMapping/>
+  </p:clrMapOvr>
+</p:sld>
+</file>
+
+<file path=ppt/slides/slide20.xml><?xml version="1.0" encoding="utf-8"?>
 <p:sld xmlns:a="http://schemas.openxmlformats.org/drawingml/2006/main" xmlns:r="http://schemas.openxmlformats.org/officeDocument/2006/relationships" xmlns:p="http://schemas.openxmlformats.org/presentationml/2006/main">
   <p:cSld>
     <p:spTree>
@@ -8899,7 +10223,7 @@
           <p:nvPr>
             <p:extLst>
               <p:ext uri="{D42A27DB-BD31-4B8C-83A1-F6EECF244321}">
-                <p14:modId xmlns:p14="http://schemas.microsoft.com/office/powerpoint/2010/main" val="234734770"/>
+                <p14:modId xmlns:p14="http://schemas.microsoft.com/office/powerpoint/2010/main" val="484871970"/>
               </p:ext>
             </p:extLst>
           </p:nvPr>
@@ -9003,11 +10327,17 @@
                     <a:p>
                       <a:r>
                         <a:rPr lang="el-GR" dirty="0">
+                          <a:solidFill>
+                            <a:srgbClr val="D72F26"/>
+                          </a:solidFill>
                           <a:latin typeface="Georgia" panose="02040502050405020303" pitchFamily="18" charset="0"/>
                         </a:rPr>
                         <a:t>Συστάδα 1</a:t>
                       </a:r>
                       <a:endParaRPr lang="en-US" dirty="0">
+                        <a:solidFill>
+                          <a:srgbClr val="D72F26"/>
+                        </a:solidFill>
                         <a:latin typeface="Georgia" panose="02040502050405020303" pitchFamily="18" charset="0"/>
                       </a:endParaRPr>
                     </a:p>
@@ -9021,11 +10351,17 @@
                     <a:p>
                       <a:r>
                         <a:rPr lang="el-GR" dirty="0">
+                          <a:solidFill>
+                            <a:srgbClr val="32A02A"/>
+                          </a:solidFill>
                           <a:latin typeface="Georgia" panose="02040502050405020303" pitchFamily="18" charset="0"/>
                         </a:rPr>
                         <a:t>Συστάδα 2 </a:t>
                       </a:r>
                       <a:endParaRPr lang="en-US" dirty="0">
+                        <a:solidFill>
+                          <a:srgbClr val="32A02A"/>
+                        </a:solidFill>
                         <a:latin typeface="Georgia" panose="02040502050405020303" pitchFamily="18" charset="0"/>
                       </a:endParaRPr>
                     </a:p>
@@ -9039,11 +10375,17 @@
                     <a:p>
                       <a:r>
                         <a:rPr lang="el-GR" dirty="0">
+                          <a:solidFill>
+                            <a:srgbClr val="1C91C0"/>
+                          </a:solidFill>
                           <a:latin typeface="Georgia" panose="02040502050405020303" pitchFamily="18" charset="0"/>
                         </a:rPr>
                         <a:t>Συστάδα 3</a:t>
                       </a:r>
                       <a:endParaRPr lang="en-US" dirty="0">
+                        <a:solidFill>
+                          <a:srgbClr val="1C91C0"/>
+                        </a:solidFill>
                         <a:latin typeface="Georgia" panose="02040502050405020303" pitchFamily="18" charset="0"/>
                       </a:endParaRPr>
                     </a:p>
@@ -9125,116 +10467,7 @@
 </p:sld>
 </file>
 
-<file path=ppt/slides/slide2.xml><?xml version="1.0" encoding="utf-8"?>
-<p:sld xmlns:a="http://schemas.openxmlformats.org/drawingml/2006/main" xmlns:r="http://schemas.openxmlformats.org/officeDocument/2006/relationships" xmlns:p="http://schemas.openxmlformats.org/presentationml/2006/main">
-  <p:cSld>
-    <p:spTree>
-      <p:nvGrpSpPr>
-        <p:cNvPr id="1" name=""/>
-        <p:cNvGrpSpPr/>
-        <p:nvPr/>
-      </p:nvGrpSpPr>
-      <p:grpSpPr>
-        <a:xfrm>
-          <a:off x="0" y="0"/>
-          <a:ext cx="0" cy="0"/>
-          <a:chOff x="0" y="0"/>
-          <a:chExt cx="0" cy="0"/>
-        </a:xfrm>
-      </p:grpSpPr>
-      <p:sp>
-        <p:nvSpPr>
-          <p:cNvPr id="2" name="Τίτλος 1">
-            <a:extLst>
-              <a:ext uri="{FF2B5EF4-FFF2-40B4-BE49-F238E27FC236}">
-                <a16:creationId xmlns:a16="http://schemas.microsoft.com/office/drawing/2014/main" id="{61164D26-F92F-B739-502B-845DC80254C3}"/>
-              </a:ext>
-            </a:extLst>
-          </p:cNvPr>
-          <p:cNvSpPr>
-            <a:spLocks noGrp="1"/>
-          </p:cNvSpPr>
-          <p:nvPr>
-            <p:ph type="title"/>
-          </p:nvPr>
-        </p:nvSpPr>
-        <p:spPr/>
-        <p:txBody>
-          <a:bodyPr/>
-          <a:lstStyle/>
-          <a:p>
-            <a:r>
-              <a:rPr lang="el-GR" dirty="0" err="1">
-                <a:latin typeface="Georgia" panose="02040502050405020303" pitchFamily="18" charset="0"/>
-              </a:rPr>
-              <a:t>Εμποριο</a:t>
-            </a:r>
-            <a:r>
-              <a:rPr lang="el-GR" dirty="0">
-                <a:latin typeface="Georgia" panose="02040502050405020303" pitchFamily="18" charset="0"/>
-              </a:rPr>
-              <a:t> </a:t>
-            </a:r>
-            <a:r>
-              <a:rPr lang="el-GR" dirty="0" err="1">
-                <a:latin typeface="Georgia" panose="02040502050405020303" pitchFamily="18" charset="0"/>
-              </a:rPr>
-              <a:t>ρΥπων</a:t>
-            </a:r>
-            <a:r>
-              <a:rPr lang="el-GR" dirty="0">
-                <a:latin typeface="Georgia" panose="02040502050405020303" pitchFamily="18" charset="0"/>
-              </a:rPr>
-              <a:t> - </a:t>
-            </a:r>
-            <a:r>
-              <a:rPr lang="en-US" dirty="0">
-                <a:latin typeface="Georgia" panose="02040502050405020303" pitchFamily="18" charset="0"/>
-              </a:rPr>
-              <a:t>EU ETS </a:t>
-            </a:r>
-          </a:p>
-        </p:txBody>
-      </p:sp>
-      <p:sp>
-        <p:nvSpPr>
-          <p:cNvPr id="3" name="Θέση κειμένου 2">
-            <a:extLst>
-              <a:ext uri="{FF2B5EF4-FFF2-40B4-BE49-F238E27FC236}">
-                <a16:creationId xmlns:a16="http://schemas.microsoft.com/office/drawing/2014/main" id="{F045C538-716A-2AB9-BA3A-52F6CC6BA7C4}"/>
-              </a:ext>
-            </a:extLst>
-          </p:cNvPr>
-          <p:cNvSpPr>
-            <a:spLocks noGrp="1"/>
-          </p:cNvSpPr>
-          <p:nvPr>
-            <p:ph type="body" idx="1"/>
-          </p:nvPr>
-        </p:nvSpPr>
-        <p:spPr/>
-        <p:txBody>
-          <a:bodyPr/>
-          <a:lstStyle/>
-          <a:p>
-            <a:endParaRPr lang="en-US" dirty="0"/>
-          </a:p>
-        </p:txBody>
-      </p:sp>
-    </p:spTree>
-    <p:extLst>
-      <p:ext uri="{BB962C8B-B14F-4D97-AF65-F5344CB8AC3E}">
-        <p14:creationId xmlns:p14="http://schemas.microsoft.com/office/powerpoint/2010/main" val="4046604953"/>
-      </p:ext>
-    </p:extLst>
-  </p:cSld>
-  <p:clrMapOvr>
-    <a:masterClrMapping/>
-  </p:clrMapOvr>
-</p:sld>
-</file>
-
-<file path=ppt/slides/slide20.xml><?xml version="1.0" encoding="utf-8"?>
+<file path=ppt/slides/slide21.xml><?xml version="1.0" encoding="utf-8"?>
 <p:sld xmlns:a="http://schemas.openxmlformats.org/drawingml/2006/main" xmlns:r="http://schemas.openxmlformats.org/officeDocument/2006/relationships" xmlns:p="http://schemas.openxmlformats.org/presentationml/2006/main">
   <p:cSld>
     <p:spTree>
@@ -9411,7 +10644,7 @@
           <p:nvPr>
             <p:extLst>
               <p:ext uri="{D42A27DB-BD31-4B8C-83A1-F6EECF244321}">
-                <p14:modId xmlns:p14="http://schemas.microsoft.com/office/powerpoint/2010/main" val="1102887411"/>
+                <p14:modId xmlns:p14="http://schemas.microsoft.com/office/powerpoint/2010/main" val="3094147964"/>
               </p:ext>
             </p:extLst>
           </p:nvPr>
@@ -9515,11 +10748,17 @@
                     <a:p>
                       <a:r>
                         <a:rPr lang="el-GR" dirty="0">
+                          <a:solidFill>
+                            <a:srgbClr val="D72F26"/>
+                          </a:solidFill>
                           <a:latin typeface="Georgia" panose="02040502050405020303" pitchFamily="18" charset="0"/>
                         </a:rPr>
                         <a:t>Συστάδα 1</a:t>
                       </a:r>
                       <a:endParaRPr lang="en-US" dirty="0">
+                        <a:solidFill>
+                          <a:srgbClr val="D72F26"/>
+                        </a:solidFill>
                         <a:latin typeface="Georgia" panose="02040502050405020303" pitchFamily="18" charset="0"/>
                       </a:endParaRPr>
                     </a:p>
@@ -9533,11 +10772,17 @@
                     <a:p>
                       <a:r>
                         <a:rPr lang="el-GR" dirty="0">
+                          <a:solidFill>
+                            <a:srgbClr val="32A02A"/>
+                          </a:solidFill>
                           <a:latin typeface="Georgia" panose="02040502050405020303" pitchFamily="18" charset="0"/>
                         </a:rPr>
                         <a:t>Συστάδα 2 </a:t>
                       </a:r>
                       <a:endParaRPr lang="en-US" dirty="0">
+                        <a:solidFill>
+                          <a:srgbClr val="32A02A"/>
+                        </a:solidFill>
                         <a:latin typeface="Georgia" panose="02040502050405020303" pitchFamily="18" charset="0"/>
                       </a:endParaRPr>
                     </a:p>
@@ -9551,11 +10796,17 @@
                     <a:p>
                       <a:r>
                         <a:rPr lang="el-GR" dirty="0">
+                          <a:solidFill>
+                            <a:srgbClr val="1C91C0"/>
+                          </a:solidFill>
                           <a:latin typeface="Georgia" panose="02040502050405020303" pitchFamily="18" charset="0"/>
                         </a:rPr>
                         <a:t>Συστάδα 3</a:t>
                       </a:r>
                       <a:endParaRPr lang="en-US" dirty="0">
+                        <a:solidFill>
+                          <a:srgbClr val="1C91C0"/>
+                        </a:solidFill>
                         <a:latin typeface="Georgia" panose="02040502050405020303" pitchFamily="18" charset="0"/>
                       </a:endParaRPr>
                     </a:p>
@@ -9637,7 +10888,7 @@
 </p:sld>
 </file>
 
-<file path=ppt/slides/slide21.xml><?xml version="1.0" encoding="utf-8"?>
+<file path=ppt/slides/slide22.xml><?xml version="1.0" encoding="utf-8"?>
 <p:sld xmlns:a="http://schemas.openxmlformats.org/drawingml/2006/main" xmlns:r="http://schemas.openxmlformats.org/officeDocument/2006/relationships" xmlns:p="http://schemas.openxmlformats.org/presentationml/2006/main">
   <p:cSld>
     <p:spTree>
@@ -9814,7 +11065,7 @@
           <p:nvPr>
             <p:extLst>
               <p:ext uri="{D42A27DB-BD31-4B8C-83A1-F6EECF244321}">
-                <p14:modId xmlns:p14="http://schemas.microsoft.com/office/powerpoint/2010/main" val="1898869416"/>
+                <p14:modId xmlns:p14="http://schemas.microsoft.com/office/powerpoint/2010/main" val="892278679"/>
               </p:ext>
             </p:extLst>
           </p:nvPr>
@@ -9930,11 +11181,17 @@
                     <a:p>
                       <a:r>
                         <a:rPr lang="el-GR" dirty="0">
+                          <a:solidFill>
+                            <a:srgbClr val="D72F26"/>
+                          </a:solidFill>
                           <a:latin typeface="Georgia" panose="02040502050405020303" pitchFamily="18" charset="0"/>
                         </a:rPr>
                         <a:t>Συστάδα 1</a:t>
                       </a:r>
                       <a:endParaRPr lang="en-US" dirty="0">
+                        <a:solidFill>
+                          <a:srgbClr val="D72F26"/>
+                        </a:solidFill>
                         <a:latin typeface="Georgia" panose="02040502050405020303" pitchFamily="18" charset="0"/>
                       </a:endParaRPr>
                     </a:p>
@@ -9948,11 +11205,17 @@
                     <a:p>
                       <a:r>
                         <a:rPr lang="el-GR" dirty="0">
+                          <a:solidFill>
+                            <a:srgbClr val="32A02A"/>
+                          </a:solidFill>
                           <a:latin typeface="Georgia" panose="02040502050405020303" pitchFamily="18" charset="0"/>
                         </a:rPr>
                         <a:t>Συστάδα 2 </a:t>
                       </a:r>
                       <a:endParaRPr lang="en-US" dirty="0">
+                        <a:solidFill>
+                          <a:srgbClr val="32A02A"/>
+                        </a:solidFill>
                         <a:latin typeface="Georgia" panose="02040502050405020303" pitchFamily="18" charset="0"/>
                       </a:endParaRPr>
                     </a:p>
@@ -9966,11 +11229,17 @@
                     <a:p>
                       <a:r>
                         <a:rPr lang="el-GR" dirty="0">
+                          <a:solidFill>
+                            <a:srgbClr val="1C91C0"/>
+                          </a:solidFill>
                           <a:latin typeface="Georgia" panose="02040502050405020303" pitchFamily="18" charset="0"/>
                         </a:rPr>
                         <a:t>Συστάδα 3</a:t>
                       </a:r>
                       <a:endParaRPr lang="en-US" dirty="0">
+                        <a:solidFill>
+                          <a:srgbClr val="1C91C0"/>
+                        </a:solidFill>
                         <a:latin typeface="Georgia" panose="02040502050405020303" pitchFamily="18" charset="0"/>
                       </a:endParaRPr>
                     </a:p>
@@ -10039,6 +11308,57 @@
           </a:graphicData>
         </a:graphic>
       </p:graphicFrame>
+      <p:sp>
+        <p:nvSpPr>
+          <p:cNvPr id="3" name="Ορθογώνιο 2">
+            <a:extLst>
+              <a:ext uri="{FF2B5EF4-FFF2-40B4-BE49-F238E27FC236}">
+                <a16:creationId xmlns:a16="http://schemas.microsoft.com/office/drawing/2014/main" id="{65302A86-C303-6200-67FC-056944CCD15A}"/>
+              </a:ext>
+            </a:extLst>
+          </p:cNvPr>
+          <p:cNvSpPr/>
+          <p:nvPr/>
+        </p:nvSpPr>
+        <p:spPr>
+          <a:xfrm>
+            <a:off x="0" y="-1"/>
+            <a:ext cx="12192000" cy="6858000"/>
+          </a:xfrm>
+          <a:prstGeom prst="rect">
+            <a:avLst/>
+          </a:prstGeom>
+          <a:solidFill>
+            <a:srgbClr val="4D1434">
+              <a:alpha val="30196"/>
+            </a:srgbClr>
+          </a:solidFill>
+        </p:spPr>
+        <p:style>
+          <a:lnRef idx="2">
+            <a:schemeClr val="accent1">
+              <a:shade val="15000"/>
+            </a:schemeClr>
+          </a:lnRef>
+          <a:fillRef idx="1">
+            <a:schemeClr val="accent1"/>
+          </a:fillRef>
+          <a:effectRef idx="0">
+            <a:schemeClr val="accent1"/>
+          </a:effectRef>
+          <a:fontRef idx="minor">
+            <a:schemeClr val="lt1"/>
+          </a:fontRef>
+        </p:style>
+        <p:txBody>
+          <a:bodyPr rtlCol="0" anchor="ctr"/>
+          <a:lstStyle/>
+          <a:p>
+            <a:pPr algn="ctr"/>
+            <a:endParaRPr lang="en-US" dirty="0"/>
+          </a:p>
+        </p:txBody>
+      </p:sp>
     </p:spTree>
     <p:extLst>
       <p:ext uri="{BB962C8B-B14F-4D97-AF65-F5344CB8AC3E}">
@@ -10052,7 +11372,7 @@
 </p:sld>
 </file>
 
-<file path=ppt/slides/slide22.xml><?xml version="1.0" encoding="utf-8"?>
+<file path=ppt/slides/slide23.xml><?xml version="1.0" encoding="utf-8"?>
 <p:sld xmlns:a="http://schemas.openxmlformats.org/drawingml/2006/main" xmlns:r="http://schemas.openxmlformats.org/officeDocument/2006/relationships" xmlns:p="http://schemas.openxmlformats.org/presentationml/2006/main">
   <p:cSld>
     <p:spTree>
@@ -10162,7 +11482,7 @@
 </p:sld>
 </file>
 
-<file path=ppt/slides/slide23.xml><?xml version="1.0" encoding="utf-8"?>
+<file path=ppt/slides/slide24.xml><?xml version="1.0" encoding="utf-8"?>
 <p:sld xmlns:a="http://schemas.openxmlformats.org/drawingml/2006/main" xmlns:r="http://schemas.openxmlformats.org/officeDocument/2006/relationships" xmlns:p="http://schemas.openxmlformats.org/presentationml/2006/main">
   <p:cSld>
     <p:spTree>
@@ -10320,6 +11640,151 @@
           </a:p>
         </p:txBody>
       </p:sp>
+      <p:sp>
+        <p:nvSpPr>
+          <p:cNvPr id="3" name="TextBox 2">
+            <a:extLst>
+              <a:ext uri="{FF2B5EF4-FFF2-40B4-BE49-F238E27FC236}">
+                <a16:creationId xmlns:a16="http://schemas.microsoft.com/office/drawing/2014/main" id="{866465D7-66EA-A863-DDBA-97B255CF527D}"/>
+              </a:ext>
+            </a:extLst>
+          </p:cNvPr>
+          <p:cNvSpPr txBox="1"/>
+          <p:nvPr/>
+        </p:nvSpPr>
+        <p:spPr>
+          <a:xfrm>
+            <a:off x="9804323" y="2551837"/>
+            <a:ext cx="2038916" cy="369332"/>
+          </a:xfrm>
+          <a:prstGeom prst="rect">
+            <a:avLst/>
+          </a:prstGeom>
+          <a:noFill/>
+        </p:spPr>
+        <p:txBody>
+          <a:bodyPr wrap="square" rtlCol="0">
+            <a:spAutoFit/>
+          </a:bodyPr>
+          <a:lstStyle/>
+          <a:p>
+            <a:r>
+              <a:rPr lang="el-GR" dirty="0">
+                <a:latin typeface="Georgia" panose="02040502050405020303" pitchFamily="18" charset="0"/>
+              </a:rPr>
+              <a:t>(</a:t>
+            </a:r>
+            <a:r>
+              <a:rPr lang="el-GR" dirty="0" err="1">
+                <a:latin typeface="Georgia" panose="02040502050405020303" pitchFamily="18" charset="0"/>
+              </a:rPr>
+              <a:t>Καταλληλότητα</a:t>
+            </a:r>
+            <a:r>
+              <a:rPr lang="el-GR" dirty="0">
+                <a:latin typeface="Georgia" panose="02040502050405020303" pitchFamily="18" charset="0"/>
+              </a:rPr>
+              <a:t>)</a:t>
+            </a:r>
+          </a:p>
+        </p:txBody>
+      </p:sp>
+      <p:sp>
+        <p:nvSpPr>
+          <p:cNvPr id="4" name="Αριστερό άγκιστρο 3">
+            <a:extLst>
+              <a:ext uri="{FF2B5EF4-FFF2-40B4-BE49-F238E27FC236}">
+                <a16:creationId xmlns:a16="http://schemas.microsoft.com/office/drawing/2014/main" id="{FEB8EB16-98B1-B900-A120-29D17A3233E6}"/>
+              </a:ext>
+            </a:extLst>
+          </p:cNvPr>
+          <p:cNvSpPr/>
+          <p:nvPr/>
+        </p:nvSpPr>
+        <p:spPr>
+          <a:xfrm rot="16200000">
+            <a:off x="7972425" y="1996576"/>
+            <a:ext cx="281354" cy="2782766"/>
+          </a:xfrm>
+          <a:prstGeom prst="leftBrace">
+            <a:avLst/>
+          </a:prstGeom>
+        </p:spPr>
+        <p:style>
+          <a:lnRef idx="1">
+            <a:schemeClr val="accent1"/>
+          </a:lnRef>
+          <a:fillRef idx="0">
+            <a:schemeClr val="accent1"/>
+          </a:fillRef>
+          <a:effectRef idx="0">
+            <a:schemeClr val="accent1"/>
+          </a:effectRef>
+          <a:fontRef idx="minor">
+            <a:schemeClr val="tx1"/>
+          </a:fontRef>
+        </p:style>
+        <p:txBody>
+          <a:bodyPr rtlCol="0" anchor="ctr"/>
+          <a:lstStyle/>
+          <a:p>
+            <a:pPr algn="ctr"/>
+            <a:endParaRPr lang="en-US"/>
+          </a:p>
+        </p:txBody>
+      </p:sp>
+      <p:sp>
+        <p:nvSpPr>
+          <p:cNvPr id="5" name="TextBox 4">
+            <a:extLst>
+              <a:ext uri="{FF2B5EF4-FFF2-40B4-BE49-F238E27FC236}">
+                <a16:creationId xmlns:a16="http://schemas.microsoft.com/office/drawing/2014/main" id="{3588D82C-8F0B-B1F3-686F-F17A7848008D}"/>
+              </a:ext>
+            </a:extLst>
+          </p:cNvPr>
+          <p:cNvSpPr txBox="1"/>
+          <p:nvPr/>
+        </p:nvSpPr>
+        <p:spPr>
+          <a:xfrm>
+            <a:off x="6721719" y="3528636"/>
+            <a:ext cx="2782766" cy="523220"/>
+          </a:xfrm>
+          <a:prstGeom prst="rect">
+            <a:avLst/>
+          </a:prstGeom>
+          <a:noFill/>
+        </p:spPr>
+        <p:txBody>
+          <a:bodyPr wrap="square" rtlCol="0">
+            <a:spAutoFit/>
+          </a:bodyPr>
+          <a:lstStyle/>
+          <a:p>
+            <a:r>
+              <a:rPr lang="el-GR" sz="1400" dirty="0">
+                <a:latin typeface="Georgia" panose="02040502050405020303" pitchFamily="18" charset="0"/>
+              </a:rPr>
+              <a:t>Απόδοση</a:t>
+            </a:r>
+            <a:r>
+              <a:rPr lang="en-US" sz="1400" dirty="0">
+                <a:latin typeface="Georgia" panose="02040502050405020303" pitchFamily="18" charset="0"/>
+              </a:rPr>
+              <a:t>:</a:t>
+            </a:r>
+            <a:r>
+              <a:rPr lang="el-GR" sz="1400" dirty="0">
+                <a:latin typeface="Georgia" panose="02040502050405020303" pitchFamily="18" charset="0"/>
+              </a:rPr>
+              <a:t> αγοραστική δύναμη για κάθε μονάδα ρύπων.</a:t>
+            </a:r>
+            <a:endParaRPr lang="en-US" sz="1400" dirty="0">
+              <a:latin typeface="Georgia" panose="02040502050405020303" pitchFamily="18" charset="0"/>
+            </a:endParaRPr>
+          </a:p>
+        </p:txBody>
+      </p:sp>
     </p:spTree>
     <p:extLst>
       <p:ext uri="{BB962C8B-B14F-4D97-AF65-F5344CB8AC3E}">
@@ -10333,7 +11798,7 @@
 </p:sld>
 </file>
 
-<file path=ppt/slides/slide24.xml><?xml version="1.0" encoding="utf-8"?>
+<file path=ppt/slides/slide25.xml><?xml version="1.0" encoding="utf-8"?>
 <p:sld xmlns:a="http://schemas.openxmlformats.org/drawingml/2006/main" xmlns:r="http://schemas.openxmlformats.org/officeDocument/2006/relationships" xmlns:p="http://schemas.openxmlformats.org/presentationml/2006/main">
   <p:cSld>
     <p:spTree>
@@ -11199,7 +12664,7 @@
 </p:sld>
 </file>
 
-<file path=ppt/slides/slide25.xml><?xml version="1.0" encoding="utf-8"?>
+<file path=ppt/slides/slide26.xml><?xml version="1.0" encoding="utf-8"?>
 <p:sld xmlns:a="http://schemas.openxmlformats.org/drawingml/2006/main" xmlns:r="http://schemas.openxmlformats.org/officeDocument/2006/relationships" xmlns:p="http://schemas.openxmlformats.org/presentationml/2006/main">
   <p:cSld>
     <p:spTree>
@@ -11245,7 +12710,7 @@
           <a:p>
             <a:r>
               <a:rPr lang="el-GR" dirty="0" err="1"/>
-              <a:t>ενα</a:t>
+              <a:t>Επισκοπηση</a:t>
             </a:r>
             <a:r>
               <a:rPr lang="el-GR" dirty="0"/>
@@ -11253,17 +12718,15 @@
             </a:r>
             <a:r>
               <a:rPr lang="el-GR" dirty="0" err="1"/>
-              <a:t>αλλο</a:t>
+              <a:t>μιασ</a:t>
             </a:r>
             <a:r>
               <a:rPr lang="el-GR" dirty="0"/>
               <a:t> </a:t>
             </a:r>
             <a:r>
-              <a:rPr lang="el-GR" dirty="0" err="1">
-                <a:latin typeface="Georgia" panose="02040502050405020303" pitchFamily="18" charset="0"/>
-              </a:rPr>
-              <a:t>παραδειγμα</a:t>
+              <a:rPr lang="el-GR" dirty="0" err="1"/>
+              <a:t>διαφορετικης</a:t>
             </a:r>
             <a:r>
               <a:rPr lang="el-GR" dirty="0"/>
@@ -11271,17 +12734,17 @@
             </a:r>
             <a:r>
               <a:rPr lang="el-GR" dirty="0" err="1"/>
-              <a:t>απο</a:t>
+              <a:t>δουλειασ</a:t>
             </a:r>
             <a:r>
               <a:rPr lang="el-GR" dirty="0"/>
-              <a:t> τη </a:t>
-            </a:r>
-            <a:r>
-              <a:rPr lang="el-GR" dirty="0" err="1"/>
-              <a:t>βιβλιογραφια</a:t>
-            </a:r>
-            <a:endParaRPr lang="en-US" dirty="0"/>
+              <a:t> του </a:t>
+            </a:r>
+            <a:r>
+              <a:rPr lang="el-GR" b="1" dirty="0"/>
+              <a:t>2023</a:t>
+            </a:r>
+            <a:endParaRPr lang="en-US" b="1" dirty="0"/>
           </a:p>
         </p:txBody>
       </p:sp>
@@ -11334,7 +12797,7 @@
 </p:sld>
 </file>
 
-<file path=ppt/slides/slide26.xml><?xml version="1.0" encoding="utf-8"?>
+<file path=ppt/slides/slide27.xml><?xml version="1.0" encoding="utf-8"?>
 <p:sld xmlns:a="http://schemas.openxmlformats.org/drawingml/2006/main" xmlns:r="http://schemas.openxmlformats.org/officeDocument/2006/relationships" xmlns:p="http://schemas.openxmlformats.org/presentationml/2006/main">
   <p:cSld>
     <p:spTree>
@@ -11379,43 +12842,13 @@
           <a:lstStyle/>
           <a:p>
             <a:r>
-              <a:rPr lang="el-GR" dirty="0" err="1"/>
-              <a:t>ενα</a:t>
-            </a:r>
-            <a:r>
-              <a:rPr lang="el-GR" dirty="0"/>
-              <a:t> </a:t>
-            </a:r>
-            <a:r>
-              <a:rPr lang="el-GR" dirty="0" err="1"/>
-              <a:t>αλλο</a:t>
-            </a:r>
-            <a:r>
-              <a:rPr lang="el-GR" dirty="0"/>
-              <a:t> </a:t>
-            </a:r>
-            <a:r>
-              <a:rPr lang="el-GR" dirty="0" err="1"/>
-              <a:t>παραδειγμα</a:t>
-            </a:r>
-            <a:r>
-              <a:rPr lang="el-GR" dirty="0"/>
-              <a:t> </a:t>
-            </a:r>
-            <a:r>
-              <a:rPr lang="el-GR" dirty="0" err="1"/>
-              <a:t>απο</a:t>
-            </a:r>
-            <a:r>
-              <a:rPr lang="el-GR" dirty="0"/>
-              <a:t> τη </a:t>
-            </a:r>
-            <a:r>
-              <a:rPr lang="el-GR" dirty="0" err="1"/>
-              <a:t>βιβλιογραφια</a:t>
-            </a:r>
-            <a:r>
-              <a:rPr lang="en-US" dirty="0"/>
+              <a:rPr lang="en-US" sz="2800" b="0" i="0" u="none" strike="noStrike" baseline="0">
+                <a:latin typeface="Georgia" panose="02040502050405020303" pitchFamily="18" charset="0"/>
+              </a:rPr>
+              <a:t>Allocating Emission Permits Efficiently via Uniform Linear Mechanisms</a:t>
+            </a:r>
+            <a:r>
+              <a:rPr lang="en-US"/>
               <a:t>, </a:t>
             </a:r>
             <a:r>
@@ -11428,165 +12861,400 @@
           </a:p>
         </p:txBody>
       </p:sp>
-      <p:pic>
-        <p:nvPicPr>
-          <p:cNvPr id="9" name="Εικόνα 8" descr="Εικόνα που περιέχει κείμενο, γραμματοσειρά, λευκό, καλλιγραφία&#10;&#10;Περιγραφή που δημιουργήθηκε αυτόματα">
-            <a:extLst>
-              <a:ext uri="{FF2B5EF4-FFF2-40B4-BE49-F238E27FC236}">
-                <a16:creationId xmlns:a16="http://schemas.microsoft.com/office/drawing/2014/main" id="{43808AB2-683B-1006-1A1A-50D1184DA0D6}"/>
-              </a:ext>
-            </a:extLst>
-          </p:cNvPr>
-          <p:cNvPicPr>
-            <a:picLocks noChangeAspect="1"/>
-          </p:cNvPicPr>
-          <p:nvPr/>
-        </p:nvPicPr>
-        <p:blipFill>
-          <a:blip r:embed="rId2">
-            <a:extLst>
-              <a:ext uri="{28A0092B-C50C-407E-A947-70E740481C1C}">
-                <a14:useLocalDpi xmlns:a14="http://schemas.microsoft.com/office/drawing/2010/main" val="0"/>
-              </a:ext>
-            </a:extLst>
-          </a:blip>
-          <a:stretch>
-            <a:fillRect/>
-          </a:stretch>
-        </p:blipFill>
-        <p:spPr>
-          <a:xfrm>
-            <a:off x="2254250" y="2427340"/>
-            <a:ext cx="7683500" cy="1105161"/>
-          </a:xfrm>
-          <a:prstGeom prst="rect">
-            <a:avLst/>
-          </a:prstGeom>
-        </p:spPr>
-      </p:pic>
-      <p:sp>
-        <p:nvSpPr>
-          <p:cNvPr id="10" name="TextBox 9">
-            <a:extLst>
-              <a:ext uri="{FF2B5EF4-FFF2-40B4-BE49-F238E27FC236}">
-                <a16:creationId xmlns:a16="http://schemas.microsoft.com/office/drawing/2014/main" id="{5B5F829E-05B2-5EF0-D496-98D362A80778}"/>
-              </a:ext>
-            </a:extLst>
-          </p:cNvPr>
-          <p:cNvSpPr txBox="1"/>
-          <p:nvPr/>
-        </p:nvSpPr>
-        <p:spPr>
-          <a:xfrm>
-            <a:off x="581192" y="2305566"/>
-            <a:ext cx="3165308" cy="369332"/>
-          </a:xfrm>
-          <a:prstGeom prst="rect">
-            <a:avLst/>
-          </a:prstGeom>
-          <a:noFill/>
-        </p:spPr>
-        <p:txBody>
-          <a:bodyPr wrap="square" rtlCol="0">
-            <a:spAutoFit/>
-          </a:bodyPr>
-          <a:lstStyle/>
-          <a:p>
-            <a:r>
-              <a:rPr lang="el-GR" dirty="0">
-                <a:latin typeface="Georgia" panose="02040502050405020303" pitchFamily="18" charset="0"/>
-              </a:rPr>
-              <a:t>Για κάθε εταιρεία:</a:t>
-            </a:r>
-            <a:endParaRPr lang="en-US" dirty="0">
-              <a:latin typeface="Georgia" panose="02040502050405020303" pitchFamily="18" charset="0"/>
-            </a:endParaRPr>
-          </a:p>
-        </p:txBody>
-      </p:sp>
-      <p:sp>
-        <p:nvSpPr>
-          <p:cNvPr id="11" name="TextBox 10">
-            <a:extLst>
-              <a:ext uri="{FF2B5EF4-FFF2-40B4-BE49-F238E27FC236}">
-                <a16:creationId xmlns:a16="http://schemas.microsoft.com/office/drawing/2014/main" id="{90A3671C-41F6-C33C-FEDA-847C4DD3ED14}"/>
-              </a:ext>
-            </a:extLst>
-          </p:cNvPr>
-          <p:cNvSpPr txBox="1"/>
-          <p:nvPr/>
-        </p:nvSpPr>
-        <p:spPr>
-          <a:xfrm>
-            <a:off x="581192" y="3429000"/>
-            <a:ext cx="11029616" cy="369332"/>
-          </a:xfrm>
-          <a:prstGeom prst="rect">
-            <a:avLst/>
-          </a:prstGeom>
-          <a:noFill/>
-        </p:spPr>
-        <p:txBody>
-          <a:bodyPr wrap="square" rtlCol="0">
-            <a:spAutoFit/>
-          </a:bodyPr>
-          <a:lstStyle/>
-          <a:p>
-            <a:r>
-              <a:rPr lang="el-GR" dirty="0">
-                <a:latin typeface="Georgia" panose="02040502050405020303" pitchFamily="18" charset="0"/>
-              </a:rPr>
-              <a:t>Η ρυθμιστική αρχή προσπαθεί να μεγιστοποιήσει το καταναλωτικό πλεόνασμα.</a:t>
-            </a:r>
-            <a:endParaRPr lang="en-US" dirty="0">
-              <a:latin typeface="Georgia" panose="02040502050405020303" pitchFamily="18" charset="0"/>
-            </a:endParaRPr>
-          </a:p>
-        </p:txBody>
-      </p:sp>
-      <p:sp>
-        <p:nvSpPr>
-          <p:cNvPr id="12" name="TextBox 11">
-            <a:extLst>
-              <a:ext uri="{FF2B5EF4-FFF2-40B4-BE49-F238E27FC236}">
-                <a16:creationId xmlns:a16="http://schemas.microsoft.com/office/drawing/2014/main" id="{0D2CC7E1-A7AF-5B58-7B59-F9F1EB16F409}"/>
-              </a:ext>
-            </a:extLst>
-          </p:cNvPr>
-          <p:cNvSpPr txBox="1"/>
-          <p:nvPr/>
-        </p:nvSpPr>
-        <p:spPr>
-          <a:xfrm>
-            <a:off x="581192" y="4430660"/>
-            <a:ext cx="11029616" cy="369332"/>
-          </a:xfrm>
-          <a:prstGeom prst="rect">
-            <a:avLst/>
-          </a:prstGeom>
-          <a:noFill/>
-        </p:spPr>
-        <p:txBody>
-          <a:bodyPr wrap="square" rtlCol="0">
-            <a:spAutoFit/>
-          </a:bodyPr>
-          <a:lstStyle/>
-          <a:p>
-            <a:r>
-              <a:rPr lang="el-GR" dirty="0">
-                <a:latin typeface="Georgia" panose="02040502050405020303" pitchFamily="18" charset="0"/>
-              </a:rPr>
-              <a:t>Αποδεικνύουν ότι η βέλτιστη Φ είναι γραμμική ως προς το </a:t>
-            </a:r>
-            <a:r>
-              <a:rPr lang="en-US" dirty="0">
-                <a:latin typeface="Georgia" panose="02040502050405020303" pitchFamily="18" charset="0"/>
-              </a:rPr>
-              <a:t>q. </a:t>
-            </a:r>
-          </a:p>
-        </p:txBody>
-      </p:sp>
+      <mc:AlternateContent xmlns:mc="http://schemas.openxmlformats.org/markup-compatibility/2006">
+        <mc:Choice xmlns:a14="http://schemas.microsoft.com/office/drawing/2010/main" Requires="a14">
+          <p:sp>
+            <p:nvSpPr>
+              <p:cNvPr id="10" name="TextBox 9">
+                <a:extLst>
+                  <a:ext uri="{FF2B5EF4-FFF2-40B4-BE49-F238E27FC236}">
+                    <a16:creationId xmlns:a16="http://schemas.microsoft.com/office/drawing/2014/main" id="{5B5F829E-05B2-5EF0-D496-98D362A80778}"/>
+                  </a:ext>
+                </a:extLst>
+              </p:cNvPr>
+              <p:cNvSpPr txBox="1"/>
+              <p:nvPr/>
+            </p:nvSpPr>
+            <p:spPr>
+              <a:xfrm>
+                <a:off x="448408" y="2305566"/>
+                <a:ext cx="11254153" cy="3416320"/>
+              </a:xfrm>
+              <a:prstGeom prst="rect">
+                <a:avLst/>
+              </a:prstGeom>
+              <a:noFill/>
+            </p:spPr>
+            <p:txBody>
+              <a:bodyPr wrap="square" rtlCol="0">
+                <a:spAutoFit/>
+              </a:bodyPr>
+              <a:lstStyle/>
+              <a:p>
+                <a:pPr marL="342900" indent="-342900">
+                  <a:buFont typeface="+mj-lt"/>
+                  <a:buAutoNum type="arabicPeriod"/>
+                </a:pPr>
+                <a:r>
+                  <a:rPr lang="el-GR" b="1" dirty="0">
+                    <a:latin typeface="Georgia" panose="02040502050405020303" pitchFamily="18" charset="0"/>
+                  </a:rPr>
+                  <a:t>Παίκτες</a:t>
+                </a:r>
+                <a:r>
+                  <a:rPr lang="el-GR" dirty="0">
+                    <a:latin typeface="Georgia" panose="02040502050405020303" pitchFamily="18" charset="0"/>
+                  </a:rPr>
+                  <a:t>:</a:t>
+                </a:r>
+              </a:p>
+              <a:p>
+                <a:pPr marL="742950" lvl="1" indent="-285750">
+                  <a:buFont typeface="Arial" panose="020B0604020202020204" pitchFamily="34" charset="0"/>
+                  <a:buChar char="•"/>
+                </a:pPr>
+                <a:r>
+                  <a:rPr lang="el-GR" dirty="0">
+                    <a:latin typeface="Georgia" panose="02040502050405020303" pitchFamily="18" charset="0"/>
+                  </a:rPr>
+                  <a:t>Ρυθμιστική Αρχή</a:t>
+                </a:r>
+              </a:p>
+              <a:p>
+                <a:pPr marL="742950" lvl="1" indent="-285750">
+                  <a:buFont typeface="Arial" panose="020B0604020202020204" pitchFamily="34" charset="0"/>
+                  <a:buChar char="•"/>
+                </a:pPr>
+                <a:r>
+                  <a:rPr lang="el-GR" dirty="0" err="1">
+                    <a:latin typeface="Georgia" panose="02040502050405020303" pitchFamily="18" charset="0"/>
+                  </a:rPr>
+                  <a:t>Ρυπαίνουσες</a:t>
+                </a:r>
+                <a:r>
+                  <a:rPr lang="el-GR" dirty="0">
+                    <a:latin typeface="Georgia" panose="02040502050405020303" pitchFamily="18" charset="0"/>
+                  </a:rPr>
+                  <a:t> Εταιρείες</a:t>
+                </a:r>
+              </a:p>
+              <a:p>
+                <a:pPr marL="742950" lvl="1" indent="-285750">
+                  <a:buFont typeface="Arial" panose="020B0604020202020204" pitchFamily="34" charset="0"/>
+                  <a:buChar char="•"/>
+                </a:pPr>
+                <a:endParaRPr lang="el-GR" dirty="0">
+                  <a:latin typeface="Georgia" panose="02040502050405020303" pitchFamily="18" charset="0"/>
+                </a:endParaRPr>
+              </a:p>
+              <a:p>
+                <a:pPr marL="342900" indent="-342900">
+                  <a:buFont typeface="+mj-lt"/>
+                  <a:buAutoNum type="arabicPeriod"/>
+                </a:pPr>
+                <a:r>
+                  <a:rPr lang="el-GR" b="1" dirty="0">
+                    <a:latin typeface="Georgia" panose="02040502050405020303" pitchFamily="18" charset="0"/>
+                  </a:rPr>
+                  <a:t>Στρατηγικές</a:t>
+                </a:r>
+                <a:r>
+                  <a:rPr lang="el-GR" dirty="0">
+                    <a:latin typeface="Georgia" panose="02040502050405020303" pitchFamily="18" charset="0"/>
+                  </a:rPr>
+                  <a:t>:</a:t>
+                </a:r>
+              </a:p>
+              <a:p>
+                <a:pPr marL="800100" lvl="1" indent="-342900">
+                  <a:buFont typeface="Arial" panose="020B0604020202020204" pitchFamily="34" charset="0"/>
+                  <a:buChar char="•"/>
+                </a:pPr>
+                <a:r>
+                  <a:rPr lang="el-GR" b="1" dirty="0">
+                    <a:latin typeface="Georgia" panose="02040502050405020303" pitchFamily="18" charset="0"/>
+                  </a:rPr>
+                  <a:t>Ρυθμιστική Αρχή</a:t>
+                </a:r>
+                <a:r>
+                  <a:rPr lang="el-GR" dirty="0">
+                    <a:latin typeface="Georgia" panose="02040502050405020303" pitchFamily="18" charset="0"/>
+                  </a:rPr>
+                  <a:t>: Διαλέγει τον αλγόριθμο διαμοιρασμού αδειών</a:t>
+                </a:r>
+                <a:r>
+                  <a:rPr lang="en-US" dirty="0">
+                    <a:latin typeface="Georgia" panose="02040502050405020303" pitchFamily="18" charset="0"/>
+                  </a:rPr>
+                  <a:t> (</a:t>
+                </a:r>
+                <a:r>
+                  <a:rPr lang="el-GR" dirty="0">
+                    <a:latin typeface="Georgia" panose="02040502050405020303" pitchFamily="18" charset="0"/>
+                  </a:rPr>
+                  <a:t>εφ’ άπαξ, γραμμικά με την </a:t>
+                </a:r>
+                <a:r>
+                  <a:rPr lang="el-GR" dirty="0" err="1">
+                    <a:latin typeface="Georgia" panose="02040502050405020303" pitchFamily="18" charset="0"/>
+                  </a:rPr>
+                  <a:t>παραγωγλη</a:t>
+                </a:r>
+                <a:r>
+                  <a:rPr lang="el-GR" dirty="0">
+                    <a:latin typeface="Georgia" panose="02040502050405020303" pitchFamily="18" charset="0"/>
+                  </a:rPr>
+                  <a:t> κλπ.) </a:t>
+                </a:r>
+                <a:endParaRPr lang="en-US" dirty="0">
+                  <a:latin typeface="Georgia" panose="02040502050405020303" pitchFamily="18" charset="0"/>
+                </a:endParaRPr>
+              </a:p>
+              <a:p>
+                <a:pPr marL="800100" lvl="1" indent="-342900">
+                  <a:buFont typeface="Arial" panose="020B0604020202020204" pitchFamily="34" charset="0"/>
+                  <a:buChar char="•"/>
+                </a:pPr>
+                <a:r>
+                  <a:rPr lang="el-GR" b="1" dirty="0">
+                    <a:latin typeface="Georgia" panose="02040502050405020303" pitchFamily="18" charset="0"/>
+                  </a:rPr>
+                  <a:t>Εταιρείες</a:t>
+                </a:r>
+                <a:r>
+                  <a:rPr lang="el-GR" dirty="0">
+                    <a:latin typeface="Georgia" panose="02040502050405020303" pitchFamily="18" charset="0"/>
+                  </a:rPr>
+                  <a:t>: Επιλέγουν παραγωγή </a:t>
+                </a:r>
+                <a14:m>
+                  <m:oMath xmlns:m="http://schemas.openxmlformats.org/officeDocument/2006/math">
+                    <m:sSub>
+                      <m:sSubPr>
+                        <m:ctrlPr>
+                          <a:rPr lang="el-GR" i="1" smtClean="0">
+                            <a:latin typeface="Cambria Math" panose="02040503050406030204" pitchFamily="18" charset="0"/>
+                          </a:rPr>
+                        </m:ctrlPr>
+                      </m:sSubPr>
+                      <m:e>
+                        <m:r>
+                          <a:rPr lang="en-US" b="0" i="1" smtClean="0">
+                            <a:latin typeface="Cambria Math" panose="02040503050406030204" pitchFamily="18" charset="0"/>
+                          </a:rPr>
+                          <m:t>𝑞</m:t>
+                        </m:r>
+                      </m:e>
+                      <m:sub>
+                        <m:r>
+                          <a:rPr lang="en-US" b="0" i="1" smtClean="0">
+                            <a:latin typeface="Cambria Math" panose="02040503050406030204" pitchFamily="18" charset="0"/>
+                          </a:rPr>
+                          <m:t>𝑖</m:t>
+                        </m:r>
+                      </m:sub>
+                    </m:sSub>
+                  </m:oMath>
+                </a14:m>
+                <a:r>
+                  <a:rPr lang="en-US" dirty="0">
+                    <a:latin typeface="Georgia" panose="02040502050405020303" pitchFamily="18" charset="0"/>
+                  </a:rPr>
+                  <a:t> </a:t>
+                </a:r>
+                <a:r>
+                  <a:rPr lang="el-GR" dirty="0">
+                    <a:latin typeface="Georgia" panose="02040502050405020303" pitchFamily="18" charset="0"/>
+                  </a:rPr>
+                  <a:t>και ρύπους </a:t>
+                </a:r>
+                <a14:m>
+                  <m:oMath xmlns:m="http://schemas.openxmlformats.org/officeDocument/2006/math">
+                    <m:sSub>
+                      <m:sSubPr>
+                        <m:ctrlPr>
+                          <a:rPr lang="el-GR" i="1">
+                            <a:latin typeface="Cambria Math" panose="02040503050406030204" pitchFamily="18" charset="0"/>
+                          </a:rPr>
+                        </m:ctrlPr>
+                      </m:sSubPr>
+                      <m:e>
+                        <m:r>
+                          <a:rPr lang="en-US" b="0" i="1" smtClean="0">
+                            <a:latin typeface="Cambria Math" panose="02040503050406030204" pitchFamily="18" charset="0"/>
+                          </a:rPr>
+                          <m:t>𝑥</m:t>
+                        </m:r>
+                      </m:e>
+                      <m:sub>
+                        <m:r>
+                          <a:rPr lang="en-US" i="1">
+                            <a:latin typeface="Cambria Math" panose="02040503050406030204" pitchFamily="18" charset="0"/>
+                          </a:rPr>
+                          <m:t>𝑖</m:t>
+                        </m:r>
+                      </m:sub>
+                    </m:sSub>
+                    <m:r>
+                      <a:rPr lang="el-GR" b="0" i="1" smtClean="0">
+                        <a:latin typeface="Cambria Math" panose="02040503050406030204" pitchFamily="18" charset="0"/>
+                      </a:rPr>
+                      <m:t>.</m:t>
+                    </m:r>
+                  </m:oMath>
+                </a14:m>
+                <a:endParaRPr lang="el-GR" dirty="0">
+                  <a:latin typeface="Georgia" panose="02040502050405020303" pitchFamily="18" charset="0"/>
+                </a:endParaRPr>
+              </a:p>
+              <a:p>
+                <a:pPr marL="800100" lvl="1" indent="-342900">
+                  <a:buFont typeface="Arial" panose="020B0604020202020204" pitchFamily="34" charset="0"/>
+                  <a:buChar char="•"/>
+                </a:pPr>
+                <a:endParaRPr lang="el-GR" dirty="0">
+                  <a:latin typeface="Georgia" panose="02040502050405020303" pitchFamily="18" charset="0"/>
+                </a:endParaRPr>
+              </a:p>
+              <a:p>
+                <a:pPr marL="342900" indent="-342900">
+                  <a:buFont typeface="+mj-lt"/>
+                  <a:buAutoNum type="arabicPeriod"/>
+                </a:pPr>
+                <a:r>
+                  <a:rPr lang="el-GR" b="1" dirty="0">
+                    <a:latin typeface="Georgia" panose="02040502050405020303" pitchFamily="18" charset="0"/>
+                  </a:rPr>
+                  <a:t>Αποδόσεις</a:t>
+                </a:r>
+                <a:r>
+                  <a:rPr lang="el-GR" dirty="0">
+                    <a:latin typeface="Georgia" panose="02040502050405020303" pitchFamily="18" charset="0"/>
+                  </a:rPr>
+                  <a:t>:</a:t>
+                </a:r>
+              </a:p>
+              <a:p>
+                <a:pPr marL="800100" lvl="1" indent="-342900">
+                  <a:buFont typeface="Arial" panose="020B0604020202020204" pitchFamily="34" charset="0"/>
+                  <a:buChar char="•"/>
+                </a:pPr>
+                <a:r>
+                  <a:rPr lang="el-GR" b="1" dirty="0">
+                    <a:latin typeface="Georgia" panose="02040502050405020303" pitchFamily="18" charset="0"/>
+                  </a:rPr>
+                  <a:t>Ρυθμιστική Αρχή</a:t>
+                </a:r>
+                <a:r>
+                  <a:rPr lang="el-GR" dirty="0">
+                    <a:latin typeface="Georgia" panose="02040502050405020303" pitchFamily="18" charset="0"/>
+                  </a:rPr>
+                  <a:t>: </a:t>
+                </a:r>
+                <a:r>
+                  <a:rPr lang="el-GR" dirty="0"/>
+                  <a:t>Κέρδος</a:t>
+                </a:r>
+                <a:r>
+                  <a:rPr lang="en-US" dirty="0"/>
+                  <a:t> = </a:t>
+                </a:r>
+                <a:r>
+                  <a:rPr lang="el-GR" dirty="0"/>
+                  <a:t>Πωλήσεις</a:t>
+                </a:r>
+                <a:r>
+                  <a:rPr lang="en-US" dirty="0"/>
+                  <a:t> − </a:t>
+                </a:r>
+                <a:r>
+                  <a:rPr lang="el-GR" dirty="0"/>
+                  <a:t>Κόστη (παραγωγής, μείωσης ρύπων, αγορά αδειών)</a:t>
+                </a:r>
+                <a:r>
+                  <a:rPr lang="en-US" dirty="0"/>
+                  <a:t> </a:t>
+                </a:r>
+                <a:r>
+                  <a:rPr lang="el-GR" b="1" dirty="0">
+                    <a:latin typeface="Georgia" panose="02040502050405020303" pitchFamily="18" charset="0"/>
+                  </a:rPr>
+                  <a:t>Εταιρείες</a:t>
+                </a:r>
+                <a:r>
+                  <a:rPr lang="el-GR" dirty="0">
+                    <a:latin typeface="Georgia" panose="02040502050405020303" pitchFamily="18" charset="0"/>
+                  </a:rPr>
+                  <a:t>: Κοινωνική Ευημερία </a:t>
+                </a:r>
+                <a:r>
+                  <a:rPr lang="en-US" dirty="0"/>
+                  <a:t>=</a:t>
+                </a:r>
+                <a:r>
+                  <a:rPr lang="el-GR" dirty="0"/>
+                  <a:t> Καταναλωτικό πλεόνασμα</a:t>
+                </a:r>
+                <a:r>
+                  <a:rPr lang="en-US" dirty="0"/>
+                  <a:t> − </a:t>
+                </a:r>
+                <a:r>
+                  <a:rPr lang="el-GR" dirty="0"/>
+                  <a:t>Περιβαλλοντική ζημιά.</a:t>
+                </a:r>
+                <a:endParaRPr lang="en-US" dirty="0">
+                  <a:latin typeface="Georgia" panose="02040502050405020303" pitchFamily="18" charset="0"/>
+                </a:endParaRPr>
+              </a:p>
+            </p:txBody>
+          </p:sp>
+        </mc:Choice>
+        <mc:Fallback>
+          <p:sp>
+            <p:nvSpPr>
+              <p:cNvPr id="10" name="TextBox 9">
+                <a:extLst>
+                  <a:ext uri="{FF2B5EF4-FFF2-40B4-BE49-F238E27FC236}">
+                    <a16:creationId xmlns:a16="http://schemas.microsoft.com/office/drawing/2014/main" id="{5B5F829E-05B2-5EF0-D496-98D362A80778}"/>
+                  </a:ext>
+                </a:extLst>
+              </p:cNvPr>
+              <p:cNvSpPr txBox="1">
+                <a:spLocks noRot="1" noChangeAspect="1" noMove="1" noResize="1" noEditPoints="1" noAdjustHandles="1" noChangeArrowheads="1" noChangeShapeType="1" noTextEdit="1"/>
+              </p:cNvSpPr>
+              <p:nvPr/>
+            </p:nvSpPr>
+            <p:spPr>
+              <a:xfrm>
+                <a:off x="448408" y="2305566"/>
+                <a:ext cx="11254153" cy="3416320"/>
+              </a:xfrm>
+              <a:prstGeom prst="rect">
+                <a:avLst/>
+              </a:prstGeom>
+              <a:blipFill>
+                <a:blip r:embed="rId2"/>
+                <a:stretch>
+                  <a:fillRect l="-379" t="-891" b="-1783"/>
+                </a:stretch>
+              </a:blipFill>
+            </p:spPr>
+            <p:txBody>
+              <a:bodyPr/>
+              <a:lstStyle/>
+              <a:p>
+                <a:r>
+                  <a:rPr lang="en-US">
+                    <a:noFill/>
+                  </a:rPr>
+                  <a:t> </a:t>
+                </a:r>
+              </a:p>
+            </p:txBody>
+          </p:sp>
+        </mc:Fallback>
+      </mc:AlternateContent>
     </p:spTree>
     <p:extLst>
       <p:ext uri="{BB962C8B-B14F-4D97-AF65-F5344CB8AC3E}">
@@ -11600,7 +13268,117 @@
 </p:sld>
 </file>
 
-<file path=ppt/slides/slide27.xml><?xml version="1.0" encoding="utf-8"?>
+<file path=ppt/slides/slide28.xml><?xml version="1.0" encoding="utf-8"?>
+<p:sld xmlns:a="http://schemas.openxmlformats.org/drawingml/2006/main" xmlns:r="http://schemas.openxmlformats.org/officeDocument/2006/relationships" xmlns:p="http://schemas.openxmlformats.org/presentationml/2006/main">
+  <p:cSld>
+    <p:spTree>
+      <p:nvGrpSpPr>
+        <p:cNvPr id="1" name=""/>
+        <p:cNvGrpSpPr/>
+        <p:nvPr/>
+      </p:nvGrpSpPr>
+      <p:grpSpPr>
+        <a:xfrm>
+          <a:off x="0" y="0"/>
+          <a:ext cx="0" cy="0"/>
+          <a:chOff x="0" y="0"/>
+          <a:chExt cx="0" cy="0"/>
+        </a:xfrm>
+      </p:grpSpPr>
+      <p:sp>
+        <p:nvSpPr>
+          <p:cNvPr id="2" name="Τίτλος 1">
+            <a:extLst>
+              <a:ext uri="{FF2B5EF4-FFF2-40B4-BE49-F238E27FC236}">
+                <a16:creationId xmlns:a16="http://schemas.microsoft.com/office/drawing/2014/main" id="{96E3F940-CED8-A56F-0A28-FB215ECCDDA6}"/>
+              </a:ext>
+            </a:extLst>
+          </p:cNvPr>
+          <p:cNvSpPr>
+            <a:spLocks noGrp="1"/>
+          </p:cNvSpPr>
+          <p:nvPr>
+            <p:ph type="title"/>
+          </p:nvPr>
+        </p:nvSpPr>
+        <p:spPr/>
+        <p:txBody>
+          <a:bodyPr/>
+          <a:lstStyle/>
+          <a:p>
+            <a:endParaRPr lang="en-US"/>
+          </a:p>
+        </p:txBody>
+      </p:sp>
+      <p:sp>
+        <p:nvSpPr>
+          <p:cNvPr id="3" name="Θέση περιεχομένου 2">
+            <a:extLst>
+              <a:ext uri="{FF2B5EF4-FFF2-40B4-BE49-F238E27FC236}">
+                <a16:creationId xmlns:a16="http://schemas.microsoft.com/office/drawing/2014/main" id="{7481F06A-7D1F-4C74-4553-FE8B8CB2D248}"/>
+              </a:ext>
+            </a:extLst>
+          </p:cNvPr>
+          <p:cNvSpPr>
+            <a:spLocks noGrp="1"/>
+          </p:cNvSpPr>
+          <p:nvPr>
+            <p:ph idx="1"/>
+          </p:nvPr>
+        </p:nvSpPr>
+        <p:spPr/>
+        <p:txBody>
+          <a:bodyPr/>
+          <a:lstStyle/>
+          <a:p>
+            <a:endParaRPr lang="en-US"/>
+          </a:p>
+        </p:txBody>
+      </p:sp>
+      <p:pic>
+        <p:nvPicPr>
+          <p:cNvPr id="4" name="Εικόνα 3">
+            <a:extLst>
+              <a:ext uri="{FF2B5EF4-FFF2-40B4-BE49-F238E27FC236}">
+                <a16:creationId xmlns:a16="http://schemas.microsoft.com/office/drawing/2014/main" id="{1A55353E-77BD-8F3D-F429-305CC37F9E42}"/>
+              </a:ext>
+            </a:extLst>
+          </p:cNvPr>
+          <p:cNvPicPr>
+            <a:picLocks noChangeAspect="1"/>
+          </p:cNvPicPr>
+          <p:nvPr/>
+        </p:nvPicPr>
+        <p:blipFill>
+          <a:blip r:embed="rId2"/>
+          <a:stretch>
+            <a:fillRect/>
+          </a:stretch>
+        </p:blipFill>
+        <p:spPr>
+          <a:xfrm>
+            <a:off x="1034830" y="5432320"/>
+            <a:ext cx="8601539" cy="537166"/>
+          </a:xfrm>
+          <a:prstGeom prst="rect">
+            <a:avLst/>
+          </a:prstGeom>
+        </p:spPr>
+      </p:pic>
+    </p:spTree>
+    <p:extLst>
+      <p:ext uri="{BB962C8B-B14F-4D97-AF65-F5344CB8AC3E}">
+        <p14:creationId xmlns:p14="http://schemas.microsoft.com/office/powerpoint/2010/main" val="1699412914"/>
+      </p:ext>
+    </p:extLst>
+  </p:cSld>
+  <p:clrMapOvr>
+    <a:masterClrMapping/>
+  </p:clrMapOvr>
+</p:sld>
+</file>
+
+<file path=ppt/slides/slide29.xml><?xml version="1.0" encoding="utf-8"?>
 <p:sld xmlns:a="http://schemas.openxmlformats.org/drawingml/2006/main" xmlns:r="http://schemas.openxmlformats.org/officeDocument/2006/relationships" xmlns:p="http://schemas.openxmlformats.org/presentationml/2006/main">
   <p:cSld>
     <p:bg>
@@ -12177,7 +13955,668 @@
 </p:sld>
 </file>
 
-<file path=ppt/slides/slide28.xml><?xml version="1.0" encoding="utf-8"?>
+<file path=ppt/slides/slide3.xml><?xml version="1.0" encoding="utf-8"?>
+<p:sld xmlns:a="http://schemas.openxmlformats.org/drawingml/2006/main" xmlns:r="http://schemas.openxmlformats.org/officeDocument/2006/relationships" xmlns:p="http://schemas.openxmlformats.org/presentationml/2006/main">
+  <p:cSld>
+    <p:spTree>
+      <p:nvGrpSpPr>
+        <p:cNvPr id="1" name=""/>
+        <p:cNvGrpSpPr/>
+        <p:nvPr/>
+      </p:nvGrpSpPr>
+      <p:grpSpPr>
+        <a:xfrm>
+          <a:off x="0" y="0"/>
+          <a:ext cx="0" cy="0"/>
+          <a:chOff x="0" y="0"/>
+          <a:chExt cx="0" cy="0"/>
+        </a:xfrm>
+      </p:grpSpPr>
+      <p:sp>
+        <p:nvSpPr>
+          <p:cNvPr id="2" name="Τίτλος 1">
+            <a:extLst>
+              <a:ext uri="{FF2B5EF4-FFF2-40B4-BE49-F238E27FC236}">
+                <a16:creationId xmlns:a16="http://schemas.microsoft.com/office/drawing/2014/main" id="{2035A1C4-2171-56FE-0AE1-8CA080E46E33}"/>
+              </a:ext>
+            </a:extLst>
+          </p:cNvPr>
+          <p:cNvSpPr>
+            <a:spLocks noGrp="1"/>
+          </p:cNvSpPr>
+          <p:nvPr>
+            <p:ph type="title"/>
+          </p:nvPr>
+        </p:nvSpPr>
+        <p:spPr/>
+        <p:txBody>
+          <a:bodyPr/>
+          <a:lstStyle/>
+          <a:p>
+            <a:r>
+              <a:rPr lang="el-GR" dirty="0" err="1">
+                <a:latin typeface="Georgia" panose="02040502050405020303" pitchFamily="18" charset="0"/>
+              </a:rPr>
+              <a:t>Εμποριο</a:t>
+            </a:r>
+            <a:r>
+              <a:rPr lang="el-GR" dirty="0">
+                <a:latin typeface="Georgia" panose="02040502050405020303" pitchFamily="18" charset="0"/>
+              </a:rPr>
+              <a:t> </a:t>
+            </a:r>
+            <a:r>
+              <a:rPr lang="el-GR" dirty="0" err="1">
+                <a:latin typeface="Georgia" panose="02040502050405020303" pitchFamily="18" charset="0"/>
+              </a:rPr>
+              <a:t>ΡΥπων</a:t>
+            </a:r>
+            <a:r>
+              <a:rPr lang="el-GR" dirty="0">
+                <a:latin typeface="Georgia" panose="02040502050405020303" pitchFamily="18" charset="0"/>
+              </a:rPr>
+              <a:t> </a:t>
+            </a:r>
+            <a:r>
+              <a:rPr lang="en-US" dirty="0">
+                <a:latin typeface="Georgia" panose="02040502050405020303" pitchFamily="18" charset="0"/>
+              </a:rPr>
+              <a:t>EU ETS</a:t>
+            </a:r>
+          </a:p>
+        </p:txBody>
+      </p:sp>
+      <p:sp>
+        <p:nvSpPr>
+          <p:cNvPr id="3" name="TextBox 2">
+            <a:extLst>
+              <a:ext uri="{FF2B5EF4-FFF2-40B4-BE49-F238E27FC236}">
+                <a16:creationId xmlns:a16="http://schemas.microsoft.com/office/drawing/2014/main" id="{881DCFF8-ECD3-CE78-4546-F59A7F1D6BA0}"/>
+              </a:ext>
+            </a:extLst>
+          </p:cNvPr>
+          <p:cNvSpPr txBox="1"/>
+          <p:nvPr/>
+        </p:nvSpPr>
+        <p:spPr>
+          <a:xfrm>
+            <a:off x="492369" y="2277208"/>
+            <a:ext cx="6590266" cy="1477328"/>
+          </a:xfrm>
+          <a:prstGeom prst="rect">
+            <a:avLst/>
+          </a:prstGeom>
+          <a:noFill/>
+        </p:spPr>
+        <p:txBody>
+          <a:bodyPr wrap="none" rtlCol="0">
+            <a:spAutoFit/>
+          </a:bodyPr>
+          <a:lstStyle/>
+          <a:p>
+            <a:pPr marL="742950" lvl="1" indent="-285750">
+              <a:buFont typeface="Arial" panose="020B0604020202020204" pitchFamily="34" charset="0"/>
+              <a:buChar char="•"/>
+            </a:pPr>
+            <a:r>
+              <a:rPr lang="el-GR" dirty="0">
+                <a:latin typeface="Georgia" panose="02040502050405020303" pitchFamily="18" charset="0"/>
+              </a:rPr>
+              <a:t>Όριο ρύπων για κάθε χρόνο.</a:t>
+            </a:r>
+            <a:endParaRPr lang="en-US" dirty="0">
+              <a:latin typeface="Georgia" panose="02040502050405020303" pitchFamily="18" charset="0"/>
+            </a:endParaRPr>
+          </a:p>
+          <a:p>
+            <a:pPr marL="742950" lvl="1" indent="-285750">
+              <a:buFont typeface="Arial" panose="020B0604020202020204" pitchFamily="34" charset="0"/>
+              <a:buChar char="•"/>
+            </a:pPr>
+            <a:r>
+              <a:rPr lang="el-GR" dirty="0">
+                <a:latin typeface="Georgia" panose="02040502050405020303" pitchFamily="18" charset="0"/>
+              </a:rPr>
+              <a:t>1 Άδεια = τόνος διοξειδίου ή ισοδύναμων ρύπων</a:t>
+            </a:r>
+          </a:p>
+          <a:p>
+            <a:pPr marL="742950" lvl="1" indent="-285750">
+              <a:buFont typeface="Arial" panose="020B0604020202020204" pitchFamily="34" charset="0"/>
+              <a:buChar char="•"/>
+            </a:pPr>
+            <a:r>
+              <a:rPr lang="en-US" dirty="0">
+                <a:latin typeface="Georgia" panose="02040502050405020303" pitchFamily="18" charset="0"/>
+              </a:rPr>
+              <a:t>31 </a:t>
+            </a:r>
+            <a:r>
+              <a:rPr lang="el-GR" dirty="0">
+                <a:latin typeface="Georgia" panose="02040502050405020303" pitchFamily="18" charset="0"/>
+              </a:rPr>
+              <a:t>Χώρες, 12.000 εγκαταστάσεις.</a:t>
+            </a:r>
+            <a:endParaRPr lang="en-US" dirty="0">
+              <a:latin typeface="Georgia" panose="02040502050405020303" pitchFamily="18" charset="0"/>
+            </a:endParaRPr>
+          </a:p>
+          <a:p>
+            <a:pPr marL="742950" lvl="1" indent="-285750">
+              <a:buFont typeface="Arial" panose="020B0604020202020204" pitchFamily="34" charset="0"/>
+              <a:buChar char="•"/>
+            </a:pPr>
+            <a:r>
+              <a:rPr lang="el-GR" dirty="0">
+                <a:latin typeface="Georgia" panose="02040502050405020303" pitchFamily="18" charset="0"/>
+              </a:rPr>
+              <a:t>Στόχος 55% μείωση σε σχέση με το 1990 μέχρι το 2030.</a:t>
+            </a:r>
+            <a:endParaRPr lang="en-US" dirty="0">
+              <a:latin typeface="Georgia" panose="02040502050405020303" pitchFamily="18" charset="0"/>
+            </a:endParaRPr>
+          </a:p>
+          <a:p>
+            <a:pPr marL="742950" lvl="1" indent="-285750">
+              <a:buFont typeface="Arial" panose="020B0604020202020204" pitchFamily="34" charset="0"/>
+              <a:buChar char="•"/>
+            </a:pPr>
+            <a:r>
+              <a:rPr lang="el-GR" dirty="0">
+                <a:latin typeface="Georgia" panose="02040502050405020303" pitchFamily="18" charset="0"/>
+              </a:rPr>
+              <a:t>Οι άδειες  δίνονται δωρεάν και με πλειστηριασμούς. </a:t>
+            </a:r>
+          </a:p>
+        </p:txBody>
+      </p:sp>
+      <p:graphicFrame>
+        <p:nvGraphicFramePr>
+          <p:cNvPr id="4" name="Πίνακας 3">
+            <a:extLst>
+              <a:ext uri="{FF2B5EF4-FFF2-40B4-BE49-F238E27FC236}">
+                <a16:creationId xmlns:a16="http://schemas.microsoft.com/office/drawing/2014/main" id="{7CE19E47-61E5-BA21-BEA9-A2DA6B73D0BA}"/>
+              </a:ext>
+            </a:extLst>
+          </p:cNvPr>
+          <p:cNvGraphicFramePr>
+            <a:graphicFrameLocks noGrp="1"/>
+          </p:cNvGraphicFramePr>
+          <p:nvPr>
+            <p:extLst>
+              <p:ext uri="{D42A27DB-BD31-4B8C-83A1-F6EECF244321}">
+                <p14:modId xmlns:p14="http://schemas.microsoft.com/office/powerpoint/2010/main" val="2362875218"/>
+              </p:ext>
+            </p:extLst>
+          </p:nvPr>
+        </p:nvGraphicFramePr>
+        <p:xfrm>
+          <a:off x="999956" y="3754536"/>
+          <a:ext cx="10181491" cy="1854200"/>
+        </p:xfrm>
+        <a:graphic>
+          <a:graphicData uri="http://schemas.openxmlformats.org/drawingml/2006/table">
+            <a:tbl>
+              <a:tblPr firstRow="1" bandRow="1">
+                <a:tableStyleId>{5C22544A-7EE6-4342-B048-85BDC9FD1C3A}</a:tableStyleId>
+              </a:tblPr>
+              <a:tblGrid>
+                <a:gridCol w="994471">
+                  <a:extLst>
+                    <a:ext uri="{9D8B030D-6E8A-4147-A177-3AD203B41FA5}">
+                      <a16:colId xmlns:a16="http://schemas.microsoft.com/office/drawing/2014/main" val="1119176903"/>
+                    </a:ext>
+                  </a:extLst>
+                </a:gridCol>
+                <a:gridCol w="1222513">
+                  <a:extLst>
+                    <a:ext uri="{9D8B030D-6E8A-4147-A177-3AD203B41FA5}">
+                      <a16:colId xmlns:a16="http://schemas.microsoft.com/office/drawing/2014/main" val="725390209"/>
+                    </a:ext>
+                  </a:extLst>
+                </a:gridCol>
+                <a:gridCol w="3105844">
+                  <a:extLst>
+                    <a:ext uri="{9D8B030D-6E8A-4147-A177-3AD203B41FA5}">
+                      <a16:colId xmlns:a16="http://schemas.microsoft.com/office/drawing/2014/main" val="1623685057"/>
+                    </a:ext>
+                  </a:extLst>
+                </a:gridCol>
+                <a:gridCol w="4858663">
+                  <a:extLst>
+                    <a:ext uri="{9D8B030D-6E8A-4147-A177-3AD203B41FA5}">
+                      <a16:colId xmlns:a16="http://schemas.microsoft.com/office/drawing/2014/main" val="2965195116"/>
+                    </a:ext>
+                  </a:extLst>
+                </a:gridCol>
+              </a:tblGrid>
+              <a:tr h="370840">
+                <a:tc>
+                  <a:txBody>
+                    <a:bodyPr/>
+                    <a:lstStyle/>
+                    <a:p>
+                      <a:r>
+                        <a:rPr lang="el-GR" sz="1600" dirty="0">
+                          <a:latin typeface="Georgia" panose="02040502050405020303" pitchFamily="18" charset="0"/>
+                        </a:rPr>
+                        <a:t>Φάση</a:t>
+                      </a:r>
+                      <a:endParaRPr lang="en-US" sz="1600" dirty="0">
+                        <a:latin typeface="Georgia" panose="02040502050405020303" pitchFamily="18" charset="0"/>
+                      </a:endParaRPr>
+                    </a:p>
+                  </a:txBody>
+                  <a:tcPr/>
+                </a:tc>
+                <a:tc>
+                  <a:txBody>
+                    <a:bodyPr/>
+                    <a:lstStyle/>
+                    <a:p>
+                      <a:r>
+                        <a:rPr lang="el-GR" sz="1600" dirty="0">
+                          <a:latin typeface="Georgia" panose="02040502050405020303" pitchFamily="18" charset="0"/>
+                        </a:rPr>
+                        <a:t>Χρονιές</a:t>
+                      </a:r>
+                      <a:endParaRPr lang="en-US" sz="1600" dirty="0">
+                        <a:latin typeface="Georgia" panose="02040502050405020303" pitchFamily="18" charset="0"/>
+                      </a:endParaRPr>
+                    </a:p>
+                  </a:txBody>
+                  <a:tcPr/>
+                </a:tc>
+                <a:tc>
+                  <a:txBody>
+                    <a:bodyPr/>
+                    <a:lstStyle/>
+                    <a:p>
+                      <a:r>
+                        <a:rPr lang="el-GR" sz="1600" dirty="0">
+                          <a:latin typeface="Georgia" panose="02040502050405020303" pitchFamily="18" charset="0"/>
+                        </a:rPr>
+                        <a:t>Ρυθμός μείωσης ορίου</a:t>
+                      </a:r>
+                      <a:endParaRPr lang="en-US" sz="1600" dirty="0">
+                        <a:latin typeface="Georgia" panose="02040502050405020303" pitchFamily="18" charset="0"/>
+                      </a:endParaRPr>
+                    </a:p>
+                  </a:txBody>
+                  <a:tcPr/>
+                </a:tc>
+                <a:tc>
+                  <a:txBody>
+                    <a:bodyPr/>
+                    <a:lstStyle/>
+                    <a:p>
+                      <a:r>
+                        <a:rPr lang="el-GR" sz="1600" dirty="0">
+                          <a:latin typeface="Georgia" panose="02040502050405020303" pitchFamily="18" charset="0"/>
+                        </a:rPr>
+                        <a:t>Διανομή δωρεάν</a:t>
+                      </a:r>
+                      <a:endParaRPr lang="en-US" sz="1600" dirty="0">
+                        <a:latin typeface="Georgia" panose="02040502050405020303" pitchFamily="18" charset="0"/>
+                      </a:endParaRPr>
+                    </a:p>
+                  </a:txBody>
+                  <a:tcPr/>
+                </a:tc>
+                <a:extLst>
+                  <a:ext uri="{0D108BD9-81ED-4DB2-BD59-A6C34878D82A}">
+                    <a16:rowId xmlns:a16="http://schemas.microsoft.com/office/drawing/2014/main" val="1248876860"/>
+                  </a:ext>
+                </a:extLst>
+              </a:tr>
+              <a:tr h="370840">
+                <a:tc>
+                  <a:txBody>
+                    <a:bodyPr/>
+                    <a:lstStyle/>
+                    <a:p>
+                      <a:r>
+                        <a:rPr lang="el-GR" sz="1600" dirty="0">
+                          <a:latin typeface="Georgia" panose="02040502050405020303" pitchFamily="18" charset="0"/>
+                        </a:rPr>
+                        <a:t>Ι</a:t>
+                      </a:r>
+                      <a:endParaRPr lang="en-US" sz="1600" dirty="0">
+                        <a:latin typeface="Georgia" panose="02040502050405020303" pitchFamily="18" charset="0"/>
+                      </a:endParaRPr>
+                    </a:p>
+                  </a:txBody>
+                  <a:tcPr/>
+                </a:tc>
+                <a:tc>
+                  <a:txBody>
+                    <a:bodyPr/>
+                    <a:lstStyle/>
+                    <a:p>
+                      <a:r>
+                        <a:rPr lang="el-GR" sz="1600" dirty="0">
+                          <a:latin typeface="Georgia" panose="02040502050405020303" pitchFamily="18" charset="0"/>
+                        </a:rPr>
+                        <a:t>2005-2007</a:t>
+                      </a:r>
+                      <a:endParaRPr lang="en-US" sz="1600" dirty="0">
+                        <a:latin typeface="Georgia" panose="02040502050405020303" pitchFamily="18" charset="0"/>
+                      </a:endParaRPr>
+                    </a:p>
+                  </a:txBody>
+                  <a:tcPr/>
+                </a:tc>
+                <a:tc>
+                  <a:txBody>
+                    <a:bodyPr/>
+                    <a:lstStyle/>
+                    <a:p>
+                      <a:r>
+                        <a:rPr lang="el-GR" sz="1600" dirty="0">
+                          <a:latin typeface="Georgia" panose="02040502050405020303" pitchFamily="18" charset="0"/>
+                        </a:rPr>
+                        <a:t>1.74%</a:t>
+                      </a:r>
+                      <a:endParaRPr lang="en-US" sz="1600" dirty="0">
+                        <a:latin typeface="Georgia" panose="02040502050405020303" pitchFamily="18" charset="0"/>
+                      </a:endParaRPr>
+                    </a:p>
+                  </a:txBody>
+                  <a:tcPr/>
+                </a:tc>
+                <a:tc>
+                  <a:txBody>
+                    <a:bodyPr/>
+                    <a:lstStyle/>
+                    <a:p>
+                      <a:r>
+                        <a:rPr lang="el-GR" sz="1600" dirty="0">
+                          <a:latin typeface="Georgia" panose="02040502050405020303" pitchFamily="18" charset="0"/>
+                        </a:rPr>
+                        <a:t>Με βάση στοιχεία για τους ρίπους (1990-2005)</a:t>
+                      </a:r>
+                      <a:endParaRPr lang="en-US" sz="1600" dirty="0">
+                        <a:latin typeface="Georgia" panose="02040502050405020303" pitchFamily="18" charset="0"/>
+                      </a:endParaRPr>
+                    </a:p>
+                  </a:txBody>
+                  <a:tcPr/>
+                </a:tc>
+                <a:extLst>
+                  <a:ext uri="{0D108BD9-81ED-4DB2-BD59-A6C34878D82A}">
+                    <a16:rowId xmlns:a16="http://schemas.microsoft.com/office/drawing/2014/main" val="3116714551"/>
+                  </a:ext>
+                </a:extLst>
+              </a:tr>
+              <a:tr h="370840">
+                <a:tc>
+                  <a:txBody>
+                    <a:bodyPr/>
+                    <a:lstStyle/>
+                    <a:p>
+                      <a:r>
+                        <a:rPr lang="el-GR" sz="1600" dirty="0">
+                          <a:latin typeface="Georgia" panose="02040502050405020303" pitchFamily="18" charset="0"/>
+                        </a:rPr>
+                        <a:t>ΙΙ</a:t>
+                      </a:r>
+                      <a:endParaRPr lang="en-US" sz="1600" dirty="0">
+                        <a:latin typeface="Georgia" panose="02040502050405020303" pitchFamily="18" charset="0"/>
+                      </a:endParaRPr>
+                    </a:p>
+                  </a:txBody>
+                  <a:tcPr/>
+                </a:tc>
+                <a:tc>
+                  <a:txBody>
+                    <a:bodyPr/>
+                    <a:lstStyle/>
+                    <a:p>
+                      <a:r>
+                        <a:rPr lang="el-GR" sz="1600" dirty="0">
+                          <a:latin typeface="Georgia" panose="02040502050405020303" pitchFamily="18" charset="0"/>
+                        </a:rPr>
+                        <a:t>2008-2012</a:t>
+                      </a:r>
+                      <a:endParaRPr lang="en-US" sz="1600" dirty="0">
+                        <a:latin typeface="Georgia" panose="02040502050405020303" pitchFamily="18" charset="0"/>
+                      </a:endParaRPr>
+                    </a:p>
+                  </a:txBody>
+                  <a:tcPr/>
+                </a:tc>
+                <a:tc>
+                  <a:txBody>
+                    <a:bodyPr/>
+                    <a:lstStyle/>
+                    <a:p>
+                      <a:r>
+                        <a:rPr lang="el-GR" sz="1600" dirty="0">
+                          <a:latin typeface="Georgia" panose="02040502050405020303" pitchFamily="18" charset="0"/>
+                        </a:rPr>
+                        <a:t>1.74%</a:t>
+                      </a:r>
+                      <a:endParaRPr lang="en-US" sz="1600" dirty="0">
+                        <a:latin typeface="Georgia" panose="02040502050405020303" pitchFamily="18" charset="0"/>
+                      </a:endParaRPr>
+                    </a:p>
+                  </a:txBody>
+                  <a:tcPr/>
+                </a:tc>
+                <a:tc>
+                  <a:txBody>
+                    <a:bodyPr/>
+                    <a:lstStyle/>
+                    <a:p>
+                      <a:pPr marL="0" marR="0" lvl="0" indent="0" algn="l" defTabSz="457200" rtl="0" eaLnBrk="1" fontAlgn="auto" latinLnBrk="0" hangingPunct="1">
+                        <a:lnSpc>
+                          <a:spcPct val="100000"/>
+                        </a:lnSpc>
+                        <a:spcBef>
+                          <a:spcPts val="0"/>
+                        </a:spcBef>
+                        <a:spcAft>
+                          <a:spcPts val="0"/>
+                        </a:spcAft>
+                        <a:buClrTx/>
+                        <a:buSzTx/>
+                        <a:buFontTx/>
+                        <a:buNone/>
+                        <a:tabLst/>
+                        <a:defRPr/>
+                      </a:pPr>
+                      <a:r>
+                        <a:rPr lang="el-GR" sz="1600" dirty="0">
+                          <a:latin typeface="Georgia" panose="02040502050405020303" pitchFamily="18" charset="0"/>
+                        </a:rPr>
+                        <a:t>Με βάση στοιχεία για τους ρίπους (2005-2007)</a:t>
+                      </a:r>
+                      <a:endParaRPr lang="en-US" sz="1600" dirty="0">
+                        <a:latin typeface="Georgia" panose="02040502050405020303" pitchFamily="18" charset="0"/>
+                      </a:endParaRPr>
+                    </a:p>
+                  </a:txBody>
+                  <a:tcPr/>
+                </a:tc>
+                <a:extLst>
+                  <a:ext uri="{0D108BD9-81ED-4DB2-BD59-A6C34878D82A}">
+                    <a16:rowId xmlns:a16="http://schemas.microsoft.com/office/drawing/2014/main" val="2047177936"/>
+                  </a:ext>
+                </a:extLst>
+              </a:tr>
+              <a:tr h="370840">
+                <a:tc>
+                  <a:txBody>
+                    <a:bodyPr/>
+                    <a:lstStyle/>
+                    <a:p>
+                      <a:r>
+                        <a:rPr lang="el-GR" sz="1600" dirty="0">
+                          <a:latin typeface="Georgia" panose="02040502050405020303" pitchFamily="18" charset="0"/>
+                        </a:rPr>
+                        <a:t>ΙΙΙ</a:t>
+                      </a:r>
+                      <a:endParaRPr lang="en-US" sz="1600" dirty="0">
+                        <a:latin typeface="Georgia" panose="02040502050405020303" pitchFamily="18" charset="0"/>
+                      </a:endParaRPr>
+                    </a:p>
+                  </a:txBody>
+                  <a:tcPr/>
+                </a:tc>
+                <a:tc>
+                  <a:txBody>
+                    <a:bodyPr/>
+                    <a:lstStyle/>
+                    <a:p>
+                      <a:r>
+                        <a:rPr lang="el-GR" sz="1600" dirty="0">
+                          <a:latin typeface="Georgia" panose="02040502050405020303" pitchFamily="18" charset="0"/>
+                        </a:rPr>
+                        <a:t>2013-2020</a:t>
+                      </a:r>
+                      <a:endParaRPr lang="en-US" sz="1600" dirty="0">
+                        <a:latin typeface="Georgia" panose="02040502050405020303" pitchFamily="18" charset="0"/>
+                      </a:endParaRPr>
+                    </a:p>
+                  </a:txBody>
+                  <a:tcPr/>
+                </a:tc>
+                <a:tc>
+                  <a:txBody>
+                    <a:bodyPr/>
+                    <a:lstStyle/>
+                    <a:p>
+                      <a:r>
+                        <a:rPr lang="el-GR" sz="1600" dirty="0">
+                          <a:latin typeface="Georgia" panose="02040502050405020303" pitchFamily="18" charset="0"/>
+                        </a:rPr>
+                        <a:t>1.74%</a:t>
+                      </a:r>
+                      <a:endParaRPr lang="en-US" sz="1600" dirty="0">
+                        <a:latin typeface="Georgia" panose="02040502050405020303" pitchFamily="18" charset="0"/>
+                      </a:endParaRPr>
+                    </a:p>
+                  </a:txBody>
+                  <a:tcPr/>
+                </a:tc>
+                <a:tc>
+                  <a:txBody>
+                    <a:bodyPr/>
+                    <a:lstStyle/>
+                    <a:p>
+                      <a:r>
+                        <a:rPr lang="el-GR" sz="1600" dirty="0">
+                          <a:latin typeface="Georgia" panose="02040502050405020303" pitchFamily="18" charset="0"/>
+                        </a:rPr>
+                        <a:t>Με βάση αλγόριθμο </a:t>
+                      </a:r>
+                      <a:r>
+                        <a:rPr lang="en-US" sz="1600" dirty="0">
+                          <a:latin typeface="Georgia" panose="02040502050405020303" pitchFamily="18" charset="0"/>
+                        </a:rPr>
+                        <a:t>benchmarking</a:t>
+                      </a:r>
+                    </a:p>
+                  </a:txBody>
+                  <a:tcPr/>
+                </a:tc>
+                <a:extLst>
+                  <a:ext uri="{0D108BD9-81ED-4DB2-BD59-A6C34878D82A}">
+                    <a16:rowId xmlns:a16="http://schemas.microsoft.com/office/drawing/2014/main" val="2762855743"/>
+                  </a:ext>
+                </a:extLst>
+              </a:tr>
+              <a:tr h="370840">
+                <a:tc>
+                  <a:txBody>
+                    <a:bodyPr/>
+                    <a:lstStyle/>
+                    <a:p>
+                      <a:r>
+                        <a:rPr lang="en-US" sz="1600" dirty="0">
+                          <a:latin typeface="Georgia" panose="02040502050405020303" pitchFamily="18" charset="0"/>
+                        </a:rPr>
+                        <a:t>IV</a:t>
+                      </a:r>
+                    </a:p>
+                  </a:txBody>
+                  <a:tcPr/>
+                </a:tc>
+                <a:tc>
+                  <a:txBody>
+                    <a:bodyPr/>
+                    <a:lstStyle/>
+                    <a:p>
+                      <a:r>
+                        <a:rPr lang="en-US" sz="1600" dirty="0">
+                          <a:latin typeface="Georgia" panose="02040502050405020303" pitchFamily="18" charset="0"/>
+                        </a:rPr>
+                        <a:t>2020-2030</a:t>
+                      </a:r>
+                    </a:p>
+                  </a:txBody>
+                  <a:tcPr/>
+                </a:tc>
+                <a:tc>
+                  <a:txBody>
+                    <a:bodyPr/>
+                    <a:lstStyle/>
+                    <a:p>
+                      <a:r>
+                        <a:rPr lang="en-US" sz="1600" dirty="0">
+                          <a:latin typeface="Georgia" panose="02040502050405020303" pitchFamily="18" charset="0"/>
+                        </a:rPr>
+                        <a:t>2.2-4.4%</a:t>
+                      </a:r>
+                    </a:p>
+                  </a:txBody>
+                  <a:tcPr/>
+                </a:tc>
+                <a:tc>
+                  <a:txBody>
+                    <a:bodyPr/>
+                    <a:lstStyle/>
+                    <a:p>
+                      <a:r>
+                        <a:rPr lang="el-GR" sz="1600" dirty="0">
+                          <a:latin typeface="Georgia" panose="02040502050405020303" pitchFamily="18" charset="0"/>
+                        </a:rPr>
+                        <a:t>Με βάση αλγόριθμο </a:t>
+                      </a:r>
+                      <a:r>
+                        <a:rPr lang="en-US" sz="1600" dirty="0">
+                          <a:latin typeface="Georgia" panose="02040502050405020303" pitchFamily="18" charset="0"/>
+                        </a:rPr>
+                        <a:t>benchmarking</a:t>
+                      </a:r>
+                    </a:p>
+                  </a:txBody>
+                  <a:tcPr/>
+                </a:tc>
+                <a:extLst>
+                  <a:ext uri="{0D108BD9-81ED-4DB2-BD59-A6C34878D82A}">
+                    <a16:rowId xmlns:a16="http://schemas.microsoft.com/office/drawing/2014/main" val="3190207537"/>
+                  </a:ext>
+                </a:extLst>
+              </a:tr>
+            </a:tbl>
+          </a:graphicData>
+        </a:graphic>
+      </p:graphicFrame>
+    </p:spTree>
+    <p:extLst>
+      <p:ext uri="{BB962C8B-B14F-4D97-AF65-F5344CB8AC3E}">
+        <p14:creationId xmlns:p14="http://schemas.microsoft.com/office/powerpoint/2010/main" val="476818829"/>
+      </p:ext>
+    </p:extLst>
+  </p:cSld>
+  <p:clrMapOvr>
+    <a:masterClrMapping/>
+  </p:clrMapOvr>
+</p:sld>
+</file>
+
+<file path=ppt/slides/slide30.xml><?xml version="1.0" encoding="utf-8"?>
 <p:sld xmlns:a="http://schemas.openxmlformats.org/drawingml/2006/main" xmlns:r="http://schemas.openxmlformats.org/officeDocument/2006/relationships" xmlns:p="http://schemas.openxmlformats.org/presentationml/2006/main">
   <p:cSld>
     <p:bg>
@@ -12731,7 +15170,7 @@
 </p:sld>
 </file>
 
-<file path=ppt/slides/slide29.xml><?xml version="1.0" encoding="utf-8"?>
+<file path=ppt/slides/slide31.xml><?xml version="1.0" encoding="utf-8"?>
 <p:sld xmlns:a="http://schemas.openxmlformats.org/drawingml/2006/main" xmlns:r="http://schemas.openxmlformats.org/officeDocument/2006/relationships" xmlns:p="http://schemas.openxmlformats.org/presentationml/2006/main">
   <p:cSld>
     <p:spTree>
@@ -12806,309 +15245,7 @@
 </p:sld>
 </file>
 
-<file path=ppt/slides/slide3.xml><?xml version="1.0" encoding="utf-8"?>
-<p:sld xmlns:a="http://schemas.openxmlformats.org/drawingml/2006/main" xmlns:r="http://schemas.openxmlformats.org/officeDocument/2006/relationships" xmlns:p="http://schemas.openxmlformats.org/presentationml/2006/main">
-  <p:cSld>
-    <p:spTree>
-      <p:nvGrpSpPr>
-        <p:cNvPr id="1" name=""/>
-        <p:cNvGrpSpPr/>
-        <p:nvPr/>
-      </p:nvGrpSpPr>
-      <p:grpSpPr>
-        <a:xfrm>
-          <a:off x="0" y="0"/>
-          <a:ext cx="0" cy="0"/>
-          <a:chOff x="0" y="0"/>
-          <a:chExt cx="0" cy="0"/>
-        </a:xfrm>
-      </p:grpSpPr>
-      <p:sp>
-        <p:nvSpPr>
-          <p:cNvPr id="2" name="Τίτλος 1">
-            <a:extLst>
-              <a:ext uri="{FF2B5EF4-FFF2-40B4-BE49-F238E27FC236}">
-                <a16:creationId xmlns:a16="http://schemas.microsoft.com/office/drawing/2014/main" id="{2035A1C4-2171-56FE-0AE1-8CA080E46E33}"/>
-              </a:ext>
-            </a:extLst>
-          </p:cNvPr>
-          <p:cNvSpPr>
-            <a:spLocks noGrp="1"/>
-          </p:cNvSpPr>
-          <p:nvPr>
-            <p:ph type="title"/>
-          </p:nvPr>
-        </p:nvSpPr>
-        <p:spPr/>
-        <p:txBody>
-          <a:bodyPr/>
-          <a:lstStyle/>
-          <a:p>
-            <a:r>
-              <a:rPr lang="el-GR" dirty="0" err="1">
-                <a:latin typeface="Georgia" panose="02040502050405020303" pitchFamily="18" charset="0"/>
-              </a:rPr>
-              <a:t>Εμποριο</a:t>
-            </a:r>
-            <a:r>
-              <a:rPr lang="el-GR" dirty="0">
-                <a:latin typeface="Georgia" panose="02040502050405020303" pitchFamily="18" charset="0"/>
-              </a:rPr>
-              <a:t> </a:t>
-            </a:r>
-            <a:r>
-              <a:rPr lang="el-GR" dirty="0" err="1">
-                <a:latin typeface="Georgia" panose="02040502050405020303" pitchFamily="18" charset="0"/>
-              </a:rPr>
-              <a:t>ΡΥπων</a:t>
-            </a:r>
-            <a:r>
-              <a:rPr lang="el-GR" dirty="0">
-                <a:latin typeface="Georgia" panose="02040502050405020303" pitchFamily="18" charset="0"/>
-              </a:rPr>
-              <a:t> </a:t>
-            </a:r>
-            <a:r>
-              <a:rPr lang="en-US" dirty="0">
-                <a:latin typeface="Georgia" panose="02040502050405020303" pitchFamily="18" charset="0"/>
-              </a:rPr>
-              <a:t>EU ETS</a:t>
-            </a:r>
-          </a:p>
-        </p:txBody>
-      </p:sp>
-      <p:sp>
-        <p:nvSpPr>
-          <p:cNvPr id="3" name="TextBox 2">
-            <a:extLst>
-              <a:ext uri="{FF2B5EF4-FFF2-40B4-BE49-F238E27FC236}">
-                <a16:creationId xmlns:a16="http://schemas.microsoft.com/office/drawing/2014/main" id="{881DCFF8-ECD3-CE78-4546-F59A7F1D6BA0}"/>
-              </a:ext>
-            </a:extLst>
-          </p:cNvPr>
-          <p:cNvSpPr txBox="1"/>
-          <p:nvPr/>
-        </p:nvSpPr>
-        <p:spPr>
-          <a:xfrm>
-            <a:off x="492369" y="2277208"/>
-            <a:ext cx="9318577" cy="3139321"/>
-          </a:xfrm>
-          <a:prstGeom prst="rect">
-            <a:avLst/>
-          </a:prstGeom>
-          <a:noFill/>
-        </p:spPr>
-        <p:txBody>
-          <a:bodyPr wrap="none" rtlCol="0">
-            <a:spAutoFit/>
-          </a:bodyPr>
-          <a:lstStyle/>
-          <a:p>
-            <a:pPr marL="742950" lvl="1" indent="-285750">
-              <a:buFont typeface="Arial" panose="020B0604020202020204" pitchFamily="34" charset="0"/>
-              <a:buChar char="•"/>
-            </a:pPr>
-            <a:r>
-              <a:rPr lang="el-GR" dirty="0">
-                <a:latin typeface="Georgia" panose="02040502050405020303" pitchFamily="18" charset="0"/>
-              </a:rPr>
-              <a:t>Όριο ρύπων για κάθε χρόνο.</a:t>
-            </a:r>
-            <a:endParaRPr lang="en-US" dirty="0">
-              <a:latin typeface="Georgia" panose="02040502050405020303" pitchFamily="18" charset="0"/>
-            </a:endParaRPr>
-          </a:p>
-          <a:p>
-            <a:pPr marL="742950" lvl="1" indent="-285750">
-              <a:buFont typeface="Arial" panose="020B0604020202020204" pitchFamily="34" charset="0"/>
-              <a:buChar char="•"/>
-            </a:pPr>
-            <a:r>
-              <a:rPr lang="el-GR" dirty="0">
-                <a:latin typeface="Georgia" panose="02040502050405020303" pitchFamily="18" charset="0"/>
-              </a:rPr>
-              <a:t>1 Άδεια = τόνος διοξειδίου ή ισοδύναμων ρύπων</a:t>
-            </a:r>
-          </a:p>
-          <a:p>
-            <a:pPr marL="742950" lvl="1" indent="-285750">
-              <a:buFont typeface="Arial" panose="020B0604020202020204" pitchFamily="34" charset="0"/>
-              <a:buChar char="•"/>
-            </a:pPr>
-            <a:r>
-              <a:rPr lang="en-US" dirty="0">
-                <a:latin typeface="Georgia" panose="02040502050405020303" pitchFamily="18" charset="0"/>
-              </a:rPr>
-              <a:t>31 </a:t>
-            </a:r>
-            <a:r>
-              <a:rPr lang="el-GR" dirty="0">
-                <a:latin typeface="Georgia" panose="02040502050405020303" pitchFamily="18" charset="0"/>
-              </a:rPr>
-              <a:t>Χώρες, 12.000 εγκαταστάσεις.</a:t>
-            </a:r>
-            <a:endParaRPr lang="en-US" dirty="0">
-              <a:latin typeface="Georgia" panose="02040502050405020303" pitchFamily="18" charset="0"/>
-            </a:endParaRPr>
-          </a:p>
-          <a:p>
-            <a:pPr marL="742950" lvl="1" indent="-285750">
-              <a:buFont typeface="Arial" panose="020B0604020202020204" pitchFamily="34" charset="0"/>
-              <a:buChar char="•"/>
-            </a:pPr>
-            <a:r>
-              <a:rPr lang="el-GR" dirty="0">
-                <a:latin typeface="Georgia" panose="02040502050405020303" pitchFamily="18" charset="0"/>
-              </a:rPr>
-              <a:t>Στόχος 55% μείωση σε σχέση με το 1990 μέχρι το 2030.</a:t>
-            </a:r>
-          </a:p>
-          <a:p>
-            <a:pPr marL="742950" lvl="1" indent="-285750">
-              <a:buFont typeface="Arial" panose="020B0604020202020204" pitchFamily="34" charset="0"/>
-              <a:buChar char="•"/>
-            </a:pPr>
-            <a:r>
-              <a:rPr lang="el-GR" dirty="0">
-                <a:latin typeface="Georgia" panose="02040502050405020303" pitchFamily="18" charset="0"/>
-              </a:rPr>
-              <a:t>Φάση Ι 2005-2007, Φάση ΙΙ 2008-1012, Φάση ΙΙΙ 2013-2020, Φάση </a:t>
-            </a:r>
-            <a:r>
-              <a:rPr lang="en-US" dirty="0">
-                <a:latin typeface="Georgia" panose="02040502050405020303" pitchFamily="18" charset="0"/>
-              </a:rPr>
-              <a:t>IV </a:t>
-            </a:r>
-            <a:r>
-              <a:rPr lang="el-GR" dirty="0">
-                <a:latin typeface="Georgia" panose="02040502050405020303" pitchFamily="18" charset="0"/>
-              </a:rPr>
-              <a:t>2021-2030</a:t>
-            </a:r>
-          </a:p>
-          <a:p>
-            <a:pPr marL="742950" lvl="1" indent="-285750">
-              <a:buFont typeface="Arial" panose="020B0604020202020204" pitchFamily="34" charset="0"/>
-              <a:buChar char="•"/>
-            </a:pPr>
-            <a:r>
-              <a:rPr lang="el-GR" dirty="0">
-                <a:latin typeface="Georgia" panose="02040502050405020303" pitchFamily="18" charset="0"/>
-              </a:rPr>
-              <a:t>1.74%</a:t>
-            </a:r>
-            <a:r>
-              <a:rPr lang="en-US" dirty="0">
-                <a:latin typeface="Georgia" panose="02040502050405020303" pitchFamily="18" charset="0"/>
-              </a:rPr>
-              <a:t> 2020-</a:t>
-            </a:r>
-            <a:r>
-              <a:rPr lang="el-GR" dirty="0">
-                <a:latin typeface="Georgia" panose="02040502050405020303" pitchFamily="18" charset="0"/>
-              </a:rPr>
-              <a:t>, </a:t>
-            </a:r>
-            <a:r>
-              <a:rPr lang="en-US" dirty="0">
-                <a:latin typeface="Georgia" panose="02040502050405020303" pitchFamily="18" charset="0"/>
-              </a:rPr>
-              <a:t>2.2</a:t>
-            </a:r>
-            <a:r>
-              <a:rPr lang="el-GR" dirty="0">
-                <a:latin typeface="Georgia" panose="02040502050405020303" pitchFamily="18" charset="0"/>
-              </a:rPr>
-              <a:t>%</a:t>
-            </a:r>
-            <a:r>
-              <a:rPr lang="en-US" dirty="0">
-                <a:latin typeface="Georgia" panose="02040502050405020303" pitchFamily="18" charset="0"/>
-              </a:rPr>
-              <a:t> 2021-2023, 4.3% 2024-2027, 4.4% 2028+</a:t>
-            </a:r>
-            <a:endParaRPr lang="el-GR" dirty="0">
-              <a:latin typeface="Georgia" panose="02040502050405020303" pitchFamily="18" charset="0"/>
-            </a:endParaRPr>
-          </a:p>
-          <a:p>
-            <a:pPr marL="742950" lvl="1" indent="-285750">
-              <a:buFont typeface="Arial" panose="020B0604020202020204" pitchFamily="34" charset="0"/>
-              <a:buChar char="•"/>
-            </a:pPr>
-            <a:r>
-              <a:rPr lang="el-GR" dirty="0">
-                <a:latin typeface="Georgia" panose="02040502050405020303" pitchFamily="18" charset="0"/>
-              </a:rPr>
-              <a:t>Προβλήματα:</a:t>
-            </a:r>
-          </a:p>
-          <a:p>
-            <a:pPr marL="1200150" lvl="2" indent="-285750">
-              <a:buFont typeface="Arial" panose="020B0604020202020204" pitchFamily="34" charset="0"/>
-              <a:buChar char="•"/>
-            </a:pPr>
-            <a:r>
-              <a:rPr lang="el-GR" dirty="0">
-                <a:latin typeface="Georgia" panose="02040502050405020303" pitchFamily="18" charset="0"/>
-              </a:rPr>
-              <a:t>Εποπτεία; Ακρίβεια ελεγκτικών φορέων; </a:t>
-            </a:r>
-          </a:p>
-          <a:p>
-            <a:pPr marL="1200150" lvl="2" indent="-285750">
-              <a:buFont typeface="Arial" panose="020B0604020202020204" pitchFamily="34" charset="0"/>
-              <a:buChar char="•"/>
-            </a:pPr>
-            <a:r>
-              <a:rPr lang="el-GR" dirty="0">
-                <a:latin typeface="Georgia" panose="02040502050405020303" pitchFamily="18" charset="0"/>
-              </a:rPr>
-              <a:t>Περίεργα κίνητρα;</a:t>
-            </a:r>
-          </a:p>
-          <a:p>
-            <a:pPr marL="1200150" lvl="2" indent="-285750">
-              <a:buFont typeface="Arial" panose="020B0604020202020204" pitchFamily="34" charset="0"/>
-              <a:buChar char="•"/>
-            </a:pPr>
-            <a:r>
-              <a:rPr lang="el-GR" dirty="0">
-                <a:latin typeface="Georgia" panose="02040502050405020303" pitchFamily="18" charset="0"/>
-              </a:rPr>
-              <a:t>Διαρροή Διοξειδίου</a:t>
-            </a:r>
-          </a:p>
-          <a:p>
-            <a:pPr marL="742950" lvl="1" indent="-285750">
-              <a:buFont typeface="Arial" panose="020B0604020202020204" pitchFamily="34" charset="0"/>
-              <a:buChar char="•"/>
-            </a:pPr>
-            <a:r>
-              <a:rPr lang="el-GR" dirty="0">
-                <a:latin typeface="Georgia" panose="02040502050405020303" pitchFamily="18" charset="0"/>
-              </a:rPr>
-              <a:t>Κάποιες από τις άδειες δίνονται δωρεάν.</a:t>
-            </a:r>
-          </a:p>
-        </p:txBody>
-      </p:sp>
-    </p:spTree>
-    <p:extLst>
-      <p:ext uri="{BB962C8B-B14F-4D97-AF65-F5344CB8AC3E}">
-        <p14:creationId xmlns:p14="http://schemas.microsoft.com/office/powerpoint/2010/main" val="476818829"/>
-      </p:ext>
-    </p:extLst>
-  </p:cSld>
-  <p:clrMapOvr>
-    <a:masterClrMapping/>
-  </p:clrMapOvr>
-</p:sld>
-</file>
-
-<file path=ppt/slides/slide30.xml><?xml version="1.0" encoding="utf-8"?>
+<file path=ppt/slides/slide32.xml><?xml version="1.0" encoding="utf-8"?>
 <p:sld xmlns:a="http://schemas.openxmlformats.org/drawingml/2006/main" xmlns:r="http://schemas.openxmlformats.org/officeDocument/2006/relationships" xmlns:p="http://schemas.openxmlformats.org/presentationml/2006/main">
   <p:cSld>
     <p:bg>
@@ -13743,7 +15880,7 @@
 </p:sld>
 </file>
 
-<file path=ppt/slides/slide31.xml><?xml version="1.0" encoding="utf-8"?>
+<file path=ppt/slides/slide33.xml><?xml version="1.0" encoding="utf-8"?>
 <p:sld xmlns:a="http://schemas.openxmlformats.org/drawingml/2006/main" xmlns:r="http://schemas.openxmlformats.org/officeDocument/2006/relationships" xmlns:p="http://schemas.openxmlformats.org/presentationml/2006/main">
   <p:cSld>
     <p:bg>
@@ -14286,7 +16423,7 @@
 </p:sld>
 </file>
 
-<file path=ppt/slides/slide32.xml><?xml version="1.0" encoding="utf-8"?>
+<file path=ppt/slides/slide34.xml><?xml version="1.0" encoding="utf-8"?>
 <p:sld xmlns:a="http://schemas.openxmlformats.org/drawingml/2006/main" xmlns:r="http://schemas.openxmlformats.org/officeDocument/2006/relationships" xmlns:p="http://schemas.openxmlformats.org/presentationml/2006/main">
   <p:cSld>
     <p:bg>
@@ -15470,7 +17607,7 @@
 </p:sld>
 </file>
 
-<file path=ppt/slides/slide33.xml><?xml version="1.0" encoding="utf-8"?>
+<file path=ppt/slides/slide35.xml><?xml version="1.0" encoding="utf-8"?>
 <p:sld xmlns:a="http://schemas.openxmlformats.org/drawingml/2006/main" xmlns:r="http://schemas.openxmlformats.org/officeDocument/2006/relationships" xmlns:p="http://schemas.openxmlformats.org/presentationml/2006/main">
   <p:cSld>
     <p:bg>
@@ -16373,7 +18510,7 @@
 </p:sld>
 </file>
 
-<file path=ppt/slides/slide34.xml><?xml version="1.0" encoding="utf-8"?>
+<file path=ppt/slides/slide36.xml><?xml version="1.0" encoding="utf-8"?>
 <p:sld xmlns:a="http://schemas.openxmlformats.org/drawingml/2006/main" xmlns:r="http://schemas.openxmlformats.org/officeDocument/2006/relationships" xmlns:p="http://schemas.openxmlformats.org/presentationml/2006/main">
   <p:cSld>
     <p:bg>
@@ -17139,7 +19276,7 @@
 </p:sld>
 </file>
 
-<file path=ppt/slides/slide35.xml><?xml version="1.0" encoding="utf-8"?>
+<file path=ppt/slides/slide37.xml><?xml version="1.0" encoding="utf-8"?>
 <p:sld xmlns:a="http://schemas.openxmlformats.org/drawingml/2006/main" xmlns:r="http://schemas.openxmlformats.org/officeDocument/2006/relationships" xmlns:p="http://schemas.openxmlformats.org/presentationml/2006/main">
   <p:cSld>
     <p:spTree>
@@ -17259,7 +19396,7 @@
 </p:sld>
 </file>
 
-<file path=ppt/slides/slide36.xml><?xml version="1.0" encoding="utf-8"?>
+<file path=ppt/slides/slide38.xml><?xml version="1.0" encoding="utf-8"?>
 <p:sld xmlns:a="http://schemas.openxmlformats.org/drawingml/2006/main" xmlns:r="http://schemas.openxmlformats.org/officeDocument/2006/relationships" xmlns:p="http://schemas.openxmlformats.org/presentationml/2006/main">
   <p:cSld>
     <p:spTree>
@@ -17368,6 +19505,1517 @@
     <p:extLst>
       <p:ext uri="{BB962C8B-B14F-4D97-AF65-F5344CB8AC3E}">
         <p14:creationId xmlns:p14="http://schemas.microsoft.com/office/powerpoint/2010/main" val="3295667571"/>
+      </p:ext>
+    </p:extLst>
+  </p:cSld>
+  <p:clrMapOvr>
+    <a:masterClrMapping/>
+  </p:clrMapOvr>
+</p:sld>
+</file>
+
+<file path=ppt/slides/slide39.xml><?xml version="1.0" encoding="utf-8"?>
+<p:sld xmlns:a="http://schemas.openxmlformats.org/drawingml/2006/main" xmlns:r="http://schemas.openxmlformats.org/officeDocument/2006/relationships" xmlns:p="http://schemas.openxmlformats.org/presentationml/2006/main">
+  <p:cSld>
+    <p:spTree>
+      <p:nvGrpSpPr>
+        <p:cNvPr id="1" name=""/>
+        <p:cNvGrpSpPr/>
+        <p:nvPr/>
+      </p:nvGrpSpPr>
+      <p:grpSpPr>
+        <a:xfrm>
+          <a:off x="0" y="0"/>
+          <a:ext cx="0" cy="0"/>
+          <a:chOff x="0" y="0"/>
+          <a:chExt cx="0" cy="0"/>
+        </a:xfrm>
+      </p:grpSpPr>
+      <p:sp>
+        <p:nvSpPr>
+          <p:cNvPr id="2" name="Τίτλος 1">
+            <a:extLst>
+              <a:ext uri="{FF2B5EF4-FFF2-40B4-BE49-F238E27FC236}">
+                <a16:creationId xmlns:a16="http://schemas.microsoft.com/office/drawing/2014/main" id="{BB2AC4F4-A8E2-454E-8AAA-F19FA0EFA2CE}"/>
+              </a:ext>
+            </a:extLst>
+          </p:cNvPr>
+          <p:cNvSpPr>
+            <a:spLocks noGrp="1"/>
+          </p:cNvSpPr>
+          <p:nvPr>
+            <p:ph type="title"/>
+          </p:nvPr>
+        </p:nvSpPr>
+        <p:spPr/>
+        <p:txBody>
+          <a:bodyPr/>
+          <a:lstStyle/>
+          <a:p>
+            <a:r>
+              <a:rPr lang="el-GR" dirty="0" err="1">
+                <a:latin typeface="Georgia" panose="02040502050405020303" pitchFamily="18" charset="0"/>
+              </a:rPr>
+              <a:t>Αριστοτελησ</a:t>
+            </a:r>
+            <a:r>
+              <a:rPr lang="el-GR" dirty="0">
+                <a:latin typeface="Georgia" panose="02040502050405020303" pitchFamily="18" charset="0"/>
+              </a:rPr>
+              <a:t> </a:t>
+            </a:r>
+            <a:r>
+              <a:rPr lang="el-GR" dirty="0" err="1">
+                <a:latin typeface="Georgia" panose="02040502050405020303" pitchFamily="18" charset="0"/>
+              </a:rPr>
+              <a:t>ηθικα</a:t>
+            </a:r>
+            <a:r>
+              <a:rPr lang="el-GR" dirty="0">
+                <a:latin typeface="Georgia" panose="02040502050405020303" pitchFamily="18" charset="0"/>
+              </a:rPr>
+              <a:t> </a:t>
+            </a:r>
+            <a:r>
+              <a:rPr lang="el-GR" dirty="0" err="1">
+                <a:latin typeface="Georgia" panose="02040502050405020303" pitchFamily="18" charset="0"/>
+              </a:rPr>
+              <a:t>νικομαχεια</a:t>
+            </a:r>
+            <a:endParaRPr lang="en-US" dirty="0">
+              <a:latin typeface="Georgia" panose="02040502050405020303" pitchFamily="18" charset="0"/>
+            </a:endParaRPr>
+          </a:p>
+        </p:txBody>
+      </p:sp>
+      <p:sp>
+        <p:nvSpPr>
+          <p:cNvPr id="3" name="Θέση περιεχομένου 2">
+            <a:extLst>
+              <a:ext uri="{FF2B5EF4-FFF2-40B4-BE49-F238E27FC236}">
+                <a16:creationId xmlns:a16="http://schemas.microsoft.com/office/drawing/2014/main" id="{1DB83CC2-4C7D-B4D5-C9C4-2956E438C482}"/>
+              </a:ext>
+            </a:extLst>
+          </p:cNvPr>
+          <p:cNvSpPr>
+            <a:spLocks noGrp="1"/>
+          </p:cNvSpPr>
+          <p:nvPr>
+            <p:ph idx="1"/>
+          </p:nvPr>
+        </p:nvSpPr>
+        <p:spPr/>
+        <p:txBody>
+          <a:bodyPr/>
+          <a:lstStyle/>
+          <a:p>
+            <a:r>
+              <a:rPr lang="en-US" dirty="0">
+                <a:latin typeface="Microsoft JhengHei" panose="020B0604030504040204" pitchFamily="34" charset="-120"/>
+                <a:ea typeface="Microsoft JhengHei" panose="020B0604030504040204" pitchFamily="34" charset="-120"/>
+              </a:rPr>
+              <a:t>“</a:t>
+            </a:r>
+            <a:r>
+              <a:rPr lang="el-GR" dirty="0" err="1">
+                <a:latin typeface="Microsoft JhengHei" panose="020B0604030504040204" pitchFamily="34" charset="-120"/>
+                <a:ea typeface="Microsoft JhengHei" panose="020B0604030504040204" pitchFamily="34" charset="-120"/>
+              </a:rPr>
+              <a:t>οἷς</a:t>
+            </a:r>
+            <a:r>
+              <a:rPr lang="el-GR" dirty="0">
+                <a:latin typeface="Microsoft JhengHei" panose="020B0604030504040204" pitchFamily="34" charset="-120"/>
+                <a:ea typeface="Microsoft JhengHei" panose="020B0604030504040204" pitchFamily="34" charset="-120"/>
+              </a:rPr>
+              <a:t> τε </a:t>
+            </a:r>
+            <a:r>
+              <a:rPr lang="el-GR" dirty="0" err="1">
+                <a:latin typeface="Microsoft JhengHei" panose="020B0604030504040204" pitchFamily="34" charset="-120"/>
+                <a:ea typeface="Microsoft JhengHei" panose="020B0604030504040204" pitchFamily="34" charset="-120"/>
+              </a:rPr>
+              <a:t>γὰρ</a:t>
+            </a:r>
+            <a:r>
+              <a:rPr lang="el-GR" dirty="0">
+                <a:latin typeface="Microsoft JhengHei" panose="020B0604030504040204" pitchFamily="34" charset="-120"/>
+                <a:ea typeface="Microsoft JhengHei" panose="020B0604030504040204" pitchFamily="34" charset="-120"/>
+              </a:rPr>
+              <a:t> δίκαιον τυγχάνει </a:t>
+            </a:r>
+            <a:r>
+              <a:rPr lang="el-GR" dirty="0" err="1">
+                <a:latin typeface="Microsoft JhengHei" panose="020B0604030504040204" pitchFamily="34" charset="-120"/>
+                <a:ea typeface="Microsoft JhengHei" panose="020B0604030504040204" pitchFamily="34" charset="-120"/>
+              </a:rPr>
+              <a:t>ὄν</a:t>
+            </a:r>
+            <a:r>
+              <a:rPr lang="el-GR" dirty="0">
+                <a:latin typeface="Microsoft JhengHei" panose="020B0604030504040204" pitchFamily="34" charset="-120"/>
+                <a:ea typeface="Microsoft JhengHei" panose="020B0604030504040204" pitchFamily="34" charset="-120"/>
+              </a:rPr>
+              <a:t>, δύο </a:t>
+            </a:r>
+            <a:r>
+              <a:rPr lang="el-GR" dirty="0" err="1">
+                <a:latin typeface="Microsoft JhengHei" panose="020B0604030504040204" pitchFamily="34" charset="-120"/>
+                <a:ea typeface="Microsoft JhengHei" panose="020B0604030504040204" pitchFamily="34" charset="-120"/>
+              </a:rPr>
+              <a:t>ἐστί</a:t>
+            </a:r>
+            <a:r>
+              <a:rPr lang="el-GR" dirty="0">
+                <a:latin typeface="Microsoft JhengHei" panose="020B0604030504040204" pitchFamily="34" charset="-120"/>
+                <a:ea typeface="Microsoft JhengHei" panose="020B0604030504040204" pitchFamily="34" charset="-120"/>
+              </a:rPr>
+              <a:t>, </a:t>
+            </a:r>
+            <a:r>
+              <a:rPr lang="el-GR" dirty="0" err="1">
+                <a:latin typeface="Microsoft JhengHei" panose="020B0604030504040204" pitchFamily="34" charset="-120"/>
+                <a:ea typeface="Microsoft JhengHei" panose="020B0604030504040204" pitchFamily="34" charset="-120"/>
+              </a:rPr>
+              <a:t>καὶ</a:t>
+            </a:r>
+            <a:r>
+              <a:rPr lang="el-GR" dirty="0">
+                <a:latin typeface="Microsoft JhengHei" panose="020B0604030504040204" pitchFamily="34" charset="-120"/>
+                <a:ea typeface="Microsoft JhengHei" panose="020B0604030504040204" pitchFamily="34" charset="-120"/>
+              </a:rPr>
+              <a:t> </a:t>
+            </a:r>
+            <a:r>
+              <a:rPr lang="el-GR" dirty="0" err="1">
+                <a:latin typeface="Microsoft JhengHei" panose="020B0604030504040204" pitchFamily="34" charset="-120"/>
+                <a:ea typeface="Microsoft JhengHei" panose="020B0604030504040204" pitchFamily="34" charset="-120"/>
+              </a:rPr>
+              <a:t>ἐν</a:t>
+            </a:r>
+            <a:r>
+              <a:rPr lang="el-GR" dirty="0">
+                <a:latin typeface="Microsoft JhengHei" panose="020B0604030504040204" pitchFamily="34" charset="-120"/>
+                <a:ea typeface="Microsoft JhengHei" panose="020B0604030504040204" pitchFamily="34" charset="-120"/>
+              </a:rPr>
+              <a:t> </a:t>
+            </a:r>
+            <a:r>
+              <a:rPr lang="el-GR" dirty="0" err="1">
+                <a:latin typeface="Microsoft JhengHei" panose="020B0604030504040204" pitchFamily="34" charset="-120"/>
+                <a:ea typeface="Microsoft JhengHei" panose="020B0604030504040204" pitchFamily="34" charset="-120"/>
+              </a:rPr>
+              <a:t>οἷς</a:t>
+            </a:r>
+            <a:r>
+              <a:rPr lang="el-GR" dirty="0">
+                <a:latin typeface="Microsoft JhengHei" panose="020B0604030504040204" pitchFamily="34" charset="-120"/>
+                <a:ea typeface="Microsoft JhengHei" panose="020B0604030504040204" pitchFamily="34" charset="-120"/>
+              </a:rPr>
+              <a:t>, </a:t>
+            </a:r>
+            <a:r>
+              <a:rPr lang="el-GR" dirty="0" err="1">
+                <a:latin typeface="Microsoft JhengHei" panose="020B0604030504040204" pitchFamily="34" charset="-120"/>
+                <a:ea typeface="Microsoft JhengHei" panose="020B0604030504040204" pitchFamily="34" charset="-120"/>
+              </a:rPr>
+              <a:t>τὰ</a:t>
+            </a:r>
+            <a:r>
+              <a:rPr lang="el-GR" dirty="0">
+                <a:latin typeface="Microsoft JhengHei" panose="020B0604030504040204" pitchFamily="34" charset="-120"/>
+                <a:ea typeface="Microsoft JhengHei" panose="020B0604030504040204" pitchFamily="34" charset="-120"/>
+              </a:rPr>
+              <a:t> πράγματα, δύο. </a:t>
+            </a:r>
+            <a:r>
+              <a:rPr lang="el-GR" dirty="0" err="1">
+                <a:latin typeface="Microsoft JhengHei" panose="020B0604030504040204" pitchFamily="34" charset="-120"/>
+                <a:ea typeface="Microsoft JhengHei" panose="020B0604030504040204" pitchFamily="34" charset="-120"/>
+              </a:rPr>
+              <a:t>καὶ</a:t>
+            </a:r>
+            <a:r>
+              <a:rPr lang="el-GR" dirty="0">
+                <a:latin typeface="Microsoft JhengHei" panose="020B0604030504040204" pitchFamily="34" charset="-120"/>
+                <a:ea typeface="Microsoft JhengHei" panose="020B0604030504040204" pitchFamily="34" charset="-120"/>
+              </a:rPr>
+              <a:t> ἡ </a:t>
+            </a:r>
+            <a:r>
+              <a:rPr lang="el-GR" dirty="0" err="1">
+                <a:latin typeface="Microsoft JhengHei" panose="020B0604030504040204" pitchFamily="34" charset="-120"/>
+                <a:ea typeface="Microsoft JhengHei" panose="020B0604030504040204" pitchFamily="34" charset="-120"/>
+              </a:rPr>
+              <a:t>αὐτὴ</a:t>
+            </a:r>
+            <a:r>
+              <a:rPr lang="el-GR" dirty="0">
+                <a:latin typeface="Microsoft JhengHei" panose="020B0604030504040204" pitchFamily="34" charset="-120"/>
+                <a:ea typeface="Microsoft JhengHei" panose="020B0604030504040204" pitchFamily="34" charset="-120"/>
+              </a:rPr>
+              <a:t> </a:t>
+            </a:r>
+            <a:r>
+              <a:rPr lang="el-GR" dirty="0" err="1">
+                <a:latin typeface="Microsoft JhengHei" panose="020B0604030504040204" pitchFamily="34" charset="-120"/>
+                <a:ea typeface="Microsoft JhengHei" panose="020B0604030504040204" pitchFamily="34" charset="-120"/>
+              </a:rPr>
+              <a:t>ἔσται</a:t>
+            </a:r>
+            <a:r>
+              <a:rPr lang="el-GR" dirty="0">
+                <a:latin typeface="Microsoft JhengHei" panose="020B0604030504040204" pitchFamily="34" charset="-120"/>
+                <a:ea typeface="Microsoft JhengHei" panose="020B0604030504040204" pitchFamily="34" charset="-120"/>
+              </a:rPr>
+              <a:t> </a:t>
+            </a:r>
+            <a:r>
+              <a:rPr lang="el-GR" dirty="0" err="1">
+                <a:latin typeface="Microsoft JhengHei" panose="020B0604030504040204" pitchFamily="34" charset="-120"/>
+                <a:ea typeface="Microsoft JhengHei" panose="020B0604030504040204" pitchFamily="34" charset="-120"/>
+              </a:rPr>
+              <a:t>ἰσότης</a:t>
+            </a:r>
+            <a:r>
+              <a:rPr lang="el-GR" dirty="0">
+                <a:latin typeface="Microsoft JhengHei" panose="020B0604030504040204" pitchFamily="34" charset="-120"/>
+                <a:ea typeface="Microsoft JhengHei" panose="020B0604030504040204" pitchFamily="34" charset="-120"/>
+              </a:rPr>
+              <a:t>, </a:t>
+            </a:r>
+            <a:r>
+              <a:rPr lang="el-GR" dirty="0" err="1">
+                <a:latin typeface="Microsoft JhengHei" panose="020B0604030504040204" pitchFamily="34" charset="-120"/>
+                <a:ea typeface="Microsoft JhengHei" panose="020B0604030504040204" pitchFamily="34" charset="-120"/>
+              </a:rPr>
+              <a:t>οἷς</a:t>
+            </a:r>
+            <a:r>
+              <a:rPr lang="el-GR" dirty="0">
+                <a:latin typeface="Microsoft JhengHei" panose="020B0604030504040204" pitchFamily="34" charset="-120"/>
+                <a:ea typeface="Microsoft JhengHei" panose="020B0604030504040204" pitchFamily="34" charset="-120"/>
+              </a:rPr>
+              <a:t> </a:t>
+            </a:r>
+            <a:r>
+              <a:rPr lang="el-GR" dirty="0" err="1">
+                <a:latin typeface="Microsoft JhengHei" panose="020B0604030504040204" pitchFamily="34" charset="-120"/>
+                <a:ea typeface="Microsoft JhengHei" panose="020B0604030504040204" pitchFamily="34" charset="-120"/>
+              </a:rPr>
+              <a:t>καὶ</a:t>
+            </a:r>
+            <a:r>
+              <a:rPr lang="el-GR" dirty="0">
+                <a:latin typeface="Microsoft JhengHei" panose="020B0604030504040204" pitchFamily="34" charset="-120"/>
+                <a:ea typeface="Microsoft JhengHei" panose="020B0604030504040204" pitchFamily="34" charset="-120"/>
+              </a:rPr>
+              <a:t> </a:t>
+            </a:r>
+            <a:r>
+              <a:rPr lang="el-GR" dirty="0" err="1">
+                <a:latin typeface="Microsoft JhengHei" panose="020B0604030504040204" pitchFamily="34" charset="-120"/>
+                <a:ea typeface="Microsoft JhengHei" panose="020B0604030504040204" pitchFamily="34" charset="-120"/>
+              </a:rPr>
+              <a:t>ἐν</a:t>
+            </a:r>
+            <a:r>
+              <a:rPr lang="el-GR" dirty="0">
+                <a:latin typeface="Microsoft JhengHei" panose="020B0604030504040204" pitchFamily="34" charset="-120"/>
+                <a:ea typeface="Microsoft JhengHei" panose="020B0604030504040204" pitchFamily="34" charset="-120"/>
+              </a:rPr>
+              <a:t> </a:t>
+            </a:r>
+            <a:r>
+              <a:rPr lang="el-GR" dirty="0" err="1">
+                <a:latin typeface="Microsoft JhengHei" panose="020B0604030504040204" pitchFamily="34" charset="-120"/>
+                <a:ea typeface="Microsoft JhengHei" panose="020B0604030504040204" pitchFamily="34" charset="-120"/>
+              </a:rPr>
+              <a:t>οἷς</a:t>
+            </a:r>
+            <a:r>
+              <a:rPr lang="el-GR" dirty="0">
+                <a:latin typeface="Microsoft JhengHei" panose="020B0604030504040204" pitchFamily="34" charset="-120"/>
+                <a:ea typeface="Microsoft JhengHei" panose="020B0604030504040204" pitchFamily="34" charset="-120"/>
+              </a:rPr>
+              <a:t>: </a:t>
+            </a:r>
+            <a:r>
+              <a:rPr lang="el-GR" dirty="0" err="1">
+                <a:latin typeface="Microsoft JhengHei" panose="020B0604030504040204" pitchFamily="34" charset="-120"/>
+                <a:ea typeface="Microsoft JhengHei" panose="020B0604030504040204" pitchFamily="34" charset="-120"/>
+              </a:rPr>
+              <a:t>ὡς</a:t>
+            </a:r>
+            <a:r>
+              <a:rPr lang="el-GR" dirty="0">
+                <a:latin typeface="Microsoft JhengHei" panose="020B0604030504040204" pitchFamily="34" charset="-120"/>
+                <a:ea typeface="Microsoft JhengHei" panose="020B0604030504040204" pitchFamily="34" charset="-120"/>
+              </a:rPr>
+              <a:t> </a:t>
+            </a:r>
+            <a:r>
+              <a:rPr lang="el-GR" dirty="0" err="1">
+                <a:latin typeface="Microsoft JhengHei" panose="020B0604030504040204" pitchFamily="34" charset="-120"/>
+                <a:ea typeface="Microsoft JhengHei" panose="020B0604030504040204" pitchFamily="34" charset="-120"/>
+              </a:rPr>
+              <a:t>γὰρ</a:t>
+            </a:r>
+            <a:r>
+              <a:rPr lang="el-GR" dirty="0">
+                <a:latin typeface="Microsoft JhengHei" panose="020B0604030504040204" pitchFamily="34" charset="-120"/>
+                <a:ea typeface="Microsoft JhengHei" panose="020B0604030504040204" pitchFamily="34" charset="-120"/>
+              </a:rPr>
+              <a:t> </a:t>
+            </a:r>
+            <a:r>
+              <a:rPr lang="el-GR" dirty="0" err="1">
+                <a:latin typeface="Microsoft JhengHei" panose="020B0604030504040204" pitchFamily="34" charset="-120"/>
+                <a:ea typeface="Microsoft JhengHei" panose="020B0604030504040204" pitchFamily="34" charset="-120"/>
+              </a:rPr>
+              <a:t>ἐκεῖνα</a:t>
+            </a:r>
+            <a:r>
+              <a:rPr lang="el-GR" dirty="0">
+                <a:latin typeface="Microsoft JhengHei" panose="020B0604030504040204" pitchFamily="34" charset="-120"/>
+                <a:ea typeface="Microsoft JhengHei" panose="020B0604030504040204" pitchFamily="34" charset="-120"/>
+              </a:rPr>
+              <a:t> </a:t>
+            </a:r>
+            <a:r>
+              <a:rPr lang="el-GR" dirty="0" err="1">
+                <a:latin typeface="Microsoft JhengHei" panose="020B0604030504040204" pitchFamily="34" charset="-120"/>
+                <a:ea typeface="Microsoft JhengHei" panose="020B0604030504040204" pitchFamily="34" charset="-120"/>
+              </a:rPr>
+              <a:t>ἔχει</a:t>
+            </a:r>
+            <a:r>
+              <a:rPr lang="el-GR" dirty="0">
+                <a:latin typeface="Microsoft JhengHei" panose="020B0604030504040204" pitchFamily="34" charset="-120"/>
+                <a:ea typeface="Microsoft JhengHei" panose="020B0604030504040204" pitchFamily="34" charset="-120"/>
+              </a:rPr>
+              <a:t>, </a:t>
+            </a:r>
+            <a:r>
+              <a:rPr lang="el-GR" dirty="0" err="1">
+                <a:latin typeface="Microsoft JhengHei" panose="020B0604030504040204" pitchFamily="34" charset="-120"/>
+                <a:ea typeface="Microsoft JhengHei" panose="020B0604030504040204" pitchFamily="34" charset="-120"/>
+              </a:rPr>
+              <a:t>τὰ</a:t>
+            </a:r>
+            <a:r>
+              <a:rPr lang="el-GR" dirty="0">
+                <a:latin typeface="Microsoft JhengHei" panose="020B0604030504040204" pitchFamily="34" charset="-120"/>
+                <a:ea typeface="Microsoft JhengHei" panose="020B0604030504040204" pitchFamily="34" charset="-120"/>
+              </a:rPr>
+              <a:t> </a:t>
+            </a:r>
+            <a:r>
+              <a:rPr lang="el-GR" dirty="0" err="1">
+                <a:latin typeface="Microsoft JhengHei" panose="020B0604030504040204" pitchFamily="34" charset="-120"/>
+                <a:ea typeface="Microsoft JhengHei" panose="020B0604030504040204" pitchFamily="34" charset="-120"/>
+              </a:rPr>
+              <a:t>ἐν</a:t>
+            </a:r>
+            <a:r>
+              <a:rPr lang="el-GR" dirty="0">
+                <a:latin typeface="Microsoft JhengHei" panose="020B0604030504040204" pitchFamily="34" charset="-120"/>
+                <a:ea typeface="Microsoft JhengHei" panose="020B0604030504040204" pitchFamily="34" charset="-120"/>
+              </a:rPr>
+              <a:t> </a:t>
+            </a:r>
+            <a:r>
+              <a:rPr lang="el-GR" dirty="0" err="1">
+                <a:latin typeface="Microsoft JhengHei" panose="020B0604030504040204" pitchFamily="34" charset="-120"/>
+                <a:ea typeface="Microsoft JhengHei" panose="020B0604030504040204" pitchFamily="34" charset="-120"/>
+              </a:rPr>
+              <a:t>οἷς</a:t>
+            </a:r>
+            <a:r>
+              <a:rPr lang="el-GR" dirty="0">
+                <a:latin typeface="Microsoft JhengHei" panose="020B0604030504040204" pitchFamily="34" charset="-120"/>
+                <a:ea typeface="Microsoft JhengHei" panose="020B0604030504040204" pitchFamily="34" charset="-120"/>
+              </a:rPr>
+              <a:t>, </a:t>
+            </a:r>
+            <a:r>
+              <a:rPr lang="el-GR" dirty="0" err="1">
+                <a:latin typeface="Microsoft JhengHei" panose="020B0604030504040204" pitchFamily="34" charset="-120"/>
+                <a:ea typeface="Microsoft JhengHei" panose="020B0604030504040204" pitchFamily="34" charset="-120"/>
+              </a:rPr>
+              <a:t>οὕτω</a:t>
+            </a:r>
+            <a:r>
+              <a:rPr lang="el-GR" dirty="0">
+                <a:latin typeface="Microsoft JhengHei" panose="020B0604030504040204" pitchFamily="34" charset="-120"/>
+                <a:ea typeface="Microsoft JhengHei" panose="020B0604030504040204" pitchFamily="34" charset="-120"/>
+              </a:rPr>
+              <a:t> </a:t>
+            </a:r>
+            <a:r>
+              <a:rPr lang="el-GR" dirty="0" err="1">
+                <a:latin typeface="Microsoft JhengHei" panose="020B0604030504040204" pitchFamily="34" charset="-120"/>
+                <a:ea typeface="Microsoft JhengHei" panose="020B0604030504040204" pitchFamily="34" charset="-120"/>
+              </a:rPr>
+              <a:t>κἀκεῖνα</a:t>
+            </a:r>
+            <a:r>
+              <a:rPr lang="el-GR" dirty="0">
+                <a:latin typeface="Microsoft JhengHei" panose="020B0604030504040204" pitchFamily="34" charset="-120"/>
+                <a:ea typeface="Microsoft JhengHei" panose="020B0604030504040204" pitchFamily="34" charset="-120"/>
+              </a:rPr>
+              <a:t> </a:t>
+            </a:r>
+            <a:r>
+              <a:rPr lang="el-GR" dirty="0" err="1">
+                <a:latin typeface="Microsoft JhengHei" panose="020B0604030504040204" pitchFamily="34" charset="-120"/>
+                <a:ea typeface="Microsoft JhengHei" panose="020B0604030504040204" pitchFamily="34" charset="-120"/>
+              </a:rPr>
+              <a:t>ἔχει</a:t>
+            </a:r>
+            <a:r>
+              <a:rPr lang="el-GR" dirty="0">
+                <a:latin typeface="Microsoft JhengHei" panose="020B0604030504040204" pitchFamily="34" charset="-120"/>
+                <a:ea typeface="Microsoft JhengHei" panose="020B0604030504040204" pitchFamily="34" charset="-120"/>
+              </a:rPr>
+              <a:t>: </a:t>
+            </a:r>
+            <a:r>
+              <a:rPr lang="el-GR" dirty="0" err="1">
+                <a:latin typeface="Microsoft JhengHei" panose="020B0604030504040204" pitchFamily="34" charset="-120"/>
+                <a:ea typeface="Microsoft JhengHei" panose="020B0604030504040204" pitchFamily="34" charset="-120"/>
+              </a:rPr>
+              <a:t>εἰ</a:t>
+            </a:r>
+            <a:r>
+              <a:rPr lang="el-GR" dirty="0">
+                <a:latin typeface="Microsoft JhengHei" panose="020B0604030504040204" pitchFamily="34" charset="-120"/>
+                <a:ea typeface="Microsoft JhengHei" panose="020B0604030504040204" pitchFamily="34" charset="-120"/>
+              </a:rPr>
+              <a:t> </a:t>
+            </a:r>
+            <a:r>
+              <a:rPr lang="el-GR" dirty="0" err="1">
+                <a:latin typeface="Microsoft JhengHei" panose="020B0604030504040204" pitchFamily="34" charset="-120"/>
+                <a:ea typeface="Microsoft JhengHei" panose="020B0604030504040204" pitchFamily="34" charset="-120"/>
+              </a:rPr>
+              <a:t>γὰρ</a:t>
+            </a:r>
+            <a:r>
+              <a:rPr lang="el-GR" dirty="0">
+                <a:latin typeface="Microsoft JhengHei" panose="020B0604030504040204" pitchFamily="34" charset="-120"/>
+                <a:ea typeface="Microsoft JhengHei" panose="020B0604030504040204" pitchFamily="34" charset="-120"/>
+              </a:rPr>
+              <a:t> </a:t>
+            </a:r>
+            <a:r>
+              <a:rPr lang="el-GR" dirty="0" err="1">
+                <a:latin typeface="Microsoft JhengHei" panose="020B0604030504040204" pitchFamily="34" charset="-120"/>
+                <a:ea typeface="Microsoft JhengHei" panose="020B0604030504040204" pitchFamily="34" charset="-120"/>
+              </a:rPr>
+              <a:t>μὴ</a:t>
+            </a:r>
+            <a:r>
+              <a:rPr lang="el-GR" dirty="0">
+                <a:latin typeface="Microsoft JhengHei" panose="020B0604030504040204" pitchFamily="34" charset="-120"/>
+                <a:ea typeface="Microsoft JhengHei" panose="020B0604030504040204" pitchFamily="34" charset="-120"/>
+              </a:rPr>
+              <a:t> </a:t>
+            </a:r>
+            <a:r>
+              <a:rPr lang="el-GR" dirty="0" err="1">
+                <a:latin typeface="Microsoft JhengHei" panose="020B0604030504040204" pitchFamily="34" charset="-120"/>
+                <a:ea typeface="Microsoft JhengHei" panose="020B0604030504040204" pitchFamily="34" charset="-120"/>
+              </a:rPr>
+              <a:t>ἴσοι</a:t>
+            </a:r>
+            <a:r>
+              <a:rPr lang="el-GR" dirty="0">
+                <a:latin typeface="Microsoft JhengHei" panose="020B0604030504040204" pitchFamily="34" charset="-120"/>
+                <a:ea typeface="Microsoft JhengHei" panose="020B0604030504040204" pitchFamily="34" charset="-120"/>
+              </a:rPr>
+              <a:t>, </a:t>
+            </a:r>
+            <a:r>
+              <a:rPr lang="el-GR" dirty="0" err="1">
+                <a:latin typeface="Microsoft JhengHei" panose="020B0604030504040204" pitchFamily="34" charset="-120"/>
+                <a:ea typeface="Microsoft JhengHei" panose="020B0604030504040204" pitchFamily="34" charset="-120"/>
+              </a:rPr>
+              <a:t>οὐκ</a:t>
+            </a:r>
+            <a:r>
+              <a:rPr lang="el-GR" dirty="0">
+                <a:latin typeface="Microsoft JhengHei" panose="020B0604030504040204" pitchFamily="34" charset="-120"/>
+                <a:ea typeface="Microsoft JhengHei" panose="020B0604030504040204" pitchFamily="34" charset="-120"/>
+              </a:rPr>
+              <a:t> </a:t>
+            </a:r>
+            <a:r>
+              <a:rPr lang="el-GR" dirty="0" err="1">
+                <a:latin typeface="Microsoft JhengHei" panose="020B0604030504040204" pitchFamily="34" charset="-120"/>
+                <a:ea typeface="Microsoft JhengHei" panose="020B0604030504040204" pitchFamily="34" charset="-120"/>
+              </a:rPr>
+              <a:t>ἴσα</a:t>
+            </a:r>
+            <a:r>
+              <a:rPr lang="el-GR" dirty="0">
+                <a:latin typeface="Microsoft JhengHei" panose="020B0604030504040204" pitchFamily="34" charset="-120"/>
+                <a:ea typeface="Microsoft JhengHei" panose="020B0604030504040204" pitchFamily="34" charset="-120"/>
+              </a:rPr>
+              <a:t> </a:t>
+            </a:r>
+            <a:r>
+              <a:rPr lang="el-GR" dirty="0" err="1">
+                <a:latin typeface="Microsoft JhengHei" panose="020B0604030504040204" pitchFamily="34" charset="-120"/>
+                <a:ea typeface="Microsoft JhengHei" panose="020B0604030504040204" pitchFamily="34" charset="-120"/>
+              </a:rPr>
+              <a:t>ἕξουσιν</a:t>
+            </a:r>
+            <a:r>
+              <a:rPr lang="el-GR" dirty="0">
+                <a:latin typeface="Microsoft JhengHei" panose="020B0604030504040204" pitchFamily="34" charset="-120"/>
+                <a:ea typeface="Microsoft JhengHei" panose="020B0604030504040204" pitchFamily="34" charset="-120"/>
+              </a:rPr>
+              <a:t>, </a:t>
+            </a:r>
+            <a:r>
+              <a:rPr lang="el-GR" dirty="0" err="1">
+                <a:latin typeface="Microsoft JhengHei" panose="020B0604030504040204" pitchFamily="34" charset="-120"/>
+                <a:ea typeface="Microsoft JhengHei" panose="020B0604030504040204" pitchFamily="34" charset="-120"/>
+              </a:rPr>
+              <a:t>ἀλλ</a:t>
+            </a:r>
+            <a:r>
+              <a:rPr lang="el-GR" dirty="0">
+                <a:latin typeface="Microsoft JhengHei" panose="020B0604030504040204" pitchFamily="34" charset="-120"/>
+                <a:ea typeface="Microsoft JhengHei" panose="020B0604030504040204" pitchFamily="34" charset="-120"/>
+              </a:rPr>
+              <a:t>᾽ </a:t>
+            </a:r>
+            <a:r>
+              <a:rPr lang="el-GR" dirty="0" err="1">
+                <a:latin typeface="Microsoft JhengHei" panose="020B0604030504040204" pitchFamily="34" charset="-120"/>
+                <a:ea typeface="Microsoft JhengHei" panose="020B0604030504040204" pitchFamily="34" charset="-120"/>
+              </a:rPr>
+              <a:t>ἐντεῦθεν</a:t>
+            </a:r>
+            <a:r>
+              <a:rPr lang="el-GR" dirty="0">
+                <a:latin typeface="Microsoft JhengHei" panose="020B0604030504040204" pitchFamily="34" charset="-120"/>
+                <a:ea typeface="Microsoft JhengHei" panose="020B0604030504040204" pitchFamily="34" charset="-120"/>
+              </a:rPr>
+              <a:t> </a:t>
+            </a:r>
+            <a:r>
+              <a:rPr lang="el-GR" dirty="0" err="1">
+                <a:latin typeface="Microsoft JhengHei" panose="020B0604030504040204" pitchFamily="34" charset="-120"/>
+                <a:ea typeface="Microsoft JhengHei" panose="020B0604030504040204" pitchFamily="34" charset="-120"/>
+              </a:rPr>
+              <a:t>αἱ</a:t>
+            </a:r>
+            <a:r>
+              <a:rPr lang="el-GR" dirty="0">
+                <a:latin typeface="Microsoft JhengHei" panose="020B0604030504040204" pitchFamily="34" charset="-120"/>
+                <a:ea typeface="Microsoft JhengHei" panose="020B0604030504040204" pitchFamily="34" charset="-120"/>
+              </a:rPr>
+              <a:t> </a:t>
+            </a:r>
+            <a:r>
+              <a:rPr lang="el-GR" dirty="0" err="1">
+                <a:latin typeface="Microsoft JhengHei" panose="020B0604030504040204" pitchFamily="34" charset="-120"/>
+                <a:ea typeface="Microsoft JhengHei" panose="020B0604030504040204" pitchFamily="34" charset="-120"/>
+              </a:rPr>
+              <a:t>μάχαι</a:t>
+            </a:r>
+            <a:r>
+              <a:rPr lang="el-GR" dirty="0">
+                <a:latin typeface="Microsoft JhengHei" panose="020B0604030504040204" pitchFamily="34" charset="-120"/>
+                <a:ea typeface="Microsoft JhengHei" panose="020B0604030504040204" pitchFamily="34" charset="-120"/>
+              </a:rPr>
+              <a:t> </a:t>
+            </a:r>
+            <a:r>
+              <a:rPr lang="el-GR" dirty="0" err="1">
+                <a:latin typeface="Microsoft JhengHei" panose="020B0604030504040204" pitchFamily="34" charset="-120"/>
+                <a:ea typeface="Microsoft JhengHei" panose="020B0604030504040204" pitchFamily="34" charset="-120"/>
+              </a:rPr>
+              <a:t>καὶ</a:t>
+            </a:r>
+            <a:r>
+              <a:rPr lang="el-GR" dirty="0">
+                <a:latin typeface="Microsoft JhengHei" panose="020B0604030504040204" pitchFamily="34" charset="-120"/>
+                <a:ea typeface="Microsoft JhengHei" panose="020B0604030504040204" pitchFamily="34" charset="-120"/>
+              </a:rPr>
+              <a:t> </a:t>
+            </a:r>
+            <a:r>
+              <a:rPr lang="el-GR" dirty="0" err="1">
+                <a:latin typeface="Microsoft JhengHei" panose="020B0604030504040204" pitchFamily="34" charset="-120"/>
+                <a:ea typeface="Microsoft JhengHei" panose="020B0604030504040204" pitchFamily="34" charset="-120"/>
+              </a:rPr>
+              <a:t>τὰ</a:t>
+            </a:r>
+            <a:r>
+              <a:rPr lang="el-GR" dirty="0">
+                <a:latin typeface="Microsoft JhengHei" panose="020B0604030504040204" pitchFamily="34" charset="-120"/>
+                <a:ea typeface="Microsoft JhengHei" panose="020B0604030504040204" pitchFamily="34" charset="-120"/>
+              </a:rPr>
+              <a:t> </a:t>
+            </a:r>
+            <a:r>
+              <a:rPr lang="el-GR" dirty="0" err="1">
+                <a:latin typeface="Microsoft JhengHei" panose="020B0604030504040204" pitchFamily="34" charset="-120"/>
+                <a:ea typeface="Microsoft JhengHei" panose="020B0604030504040204" pitchFamily="34" charset="-120"/>
+              </a:rPr>
+              <a:t>ἐγκλήματα</a:t>
+            </a:r>
+            <a:r>
+              <a:rPr lang="el-GR" dirty="0">
+                <a:latin typeface="Microsoft JhengHei" panose="020B0604030504040204" pitchFamily="34" charset="-120"/>
+                <a:ea typeface="Microsoft JhengHei" panose="020B0604030504040204" pitchFamily="34" charset="-120"/>
+              </a:rPr>
+              <a:t>, </a:t>
+            </a:r>
+            <a:r>
+              <a:rPr lang="el-GR" dirty="0" err="1">
+                <a:latin typeface="Microsoft JhengHei" panose="020B0604030504040204" pitchFamily="34" charset="-120"/>
+                <a:ea typeface="Microsoft JhengHei" panose="020B0604030504040204" pitchFamily="34" charset="-120"/>
+              </a:rPr>
+              <a:t>ὅταν</a:t>
+            </a:r>
+            <a:r>
+              <a:rPr lang="el-GR" dirty="0">
+                <a:latin typeface="Microsoft JhengHei" panose="020B0604030504040204" pitchFamily="34" charset="-120"/>
+                <a:ea typeface="Microsoft JhengHei" panose="020B0604030504040204" pitchFamily="34" charset="-120"/>
+              </a:rPr>
+              <a:t> ἢ </a:t>
+            </a:r>
+            <a:r>
+              <a:rPr lang="el-GR" dirty="0" err="1">
+                <a:latin typeface="Microsoft JhengHei" panose="020B0604030504040204" pitchFamily="34" charset="-120"/>
+                <a:ea typeface="Microsoft JhengHei" panose="020B0604030504040204" pitchFamily="34" charset="-120"/>
+              </a:rPr>
+              <a:t>μὴ</a:t>
+            </a:r>
+            <a:r>
+              <a:rPr lang="el-GR" dirty="0">
+                <a:latin typeface="Microsoft JhengHei" panose="020B0604030504040204" pitchFamily="34" charset="-120"/>
+                <a:ea typeface="Microsoft JhengHei" panose="020B0604030504040204" pitchFamily="34" charset="-120"/>
+              </a:rPr>
+              <a:t> </a:t>
+            </a:r>
+            <a:r>
+              <a:rPr lang="el-GR" dirty="0" err="1">
+                <a:latin typeface="Microsoft JhengHei" panose="020B0604030504040204" pitchFamily="34" charset="-120"/>
+                <a:ea typeface="Microsoft JhengHei" panose="020B0604030504040204" pitchFamily="34" charset="-120"/>
+              </a:rPr>
+              <a:t>ἴσα</a:t>
+            </a:r>
+            <a:r>
+              <a:rPr lang="el-GR" dirty="0">
+                <a:latin typeface="Microsoft JhengHei" panose="020B0604030504040204" pitchFamily="34" charset="-120"/>
+                <a:ea typeface="Microsoft JhengHei" panose="020B0604030504040204" pitchFamily="34" charset="-120"/>
+              </a:rPr>
+              <a:t> </a:t>
+            </a:r>
+            <a:r>
+              <a:rPr lang="el-GR" dirty="0" err="1">
+                <a:latin typeface="Microsoft JhengHei" panose="020B0604030504040204" pitchFamily="34" charset="-120"/>
+                <a:ea typeface="Microsoft JhengHei" panose="020B0604030504040204" pitchFamily="34" charset="-120"/>
+              </a:rPr>
+              <a:t>ἴσοι</a:t>
+            </a:r>
+            <a:r>
+              <a:rPr lang="el-GR" dirty="0">
+                <a:latin typeface="Microsoft JhengHei" panose="020B0604030504040204" pitchFamily="34" charset="-120"/>
+                <a:ea typeface="Microsoft JhengHei" panose="020B0604030504040204" pitchFamily="34" charset="-120"/>
+              </a:rPr>
+              <a:t> ἢ </a:t>
+            </a:r>
+            <a:r>
+              <a:rPr lang="el-GR" dirty="0" err="1">
+                <a:latin typeface="Microsoft JhengHei" panose="020B0604030504040204" pitchFamily="34" charset="-120"/>
+                <a:ea typeface="Microsoft JhengHei" panose="020B0604030504040204" pitchFamily="34" charset="-120"/>
+              </a:rPr>
+              <a:t>μὴ</a:t>
+            </a:r>
+            <a:r>
+              <a:rPr lang="el-GR" dirty="0">
+                <a:latin typeface="Microsoft JhengHei" panose="020B0604030504040204" pitchFamily="34" charset="-120"/>
+                <a:ea typeface="Microsoft JhengHei" panose="020B0604030504040204" pitchFamily="34" charset="-120"/>
+              </a:rPr>
+              <a:t> </a:t>
+            </a:r>
+            <a:r>
+              <a:rPr lang="el-GR" dirty="0" err="1">
+                <a:latin typeface="Microsoft JhengHei" panose="020B0604030504040204" pitchFamily="34" charset="-120"/>
+                <a:ea typeface="Microsoft JhengHei" panose="020B0604030504040204" pitchFamily="34" charset="-120"/>
+              </a:rPr>
+              <a:t>ἴσοι</a:t>
+            </a:r>
+            <a:r>
+              <a:rPr lang="el-GR" dirty="0">
+                <a:latin typeface="Microsoft JhengHei" panose="020B0604030504040204" pitchFamily="34" charset="-120"/>
+                <a:ea typeface="Microsoft JhengHei" panose="020B0604030504040204" pitchFamily="34" charset="-120"/>
+              </a:rPr>
+              <a:t> </a:t>
+            </a:r>
+            <a:r>
+              <a:rPr lang="el-GR" dirty="0" err="1">
+                <a:latin typeface="Microsoft JhengHei" panose="020B0604030504040204" pitchFamily="34" charset="-120"/>
+                <a:ea typeface="Microsoft JhengHei" panose="020B0604030504040204" pitchFamily="34" charset="-120"/>
+              </a:rPr>
+              <a:t>ἴσα</a:t>
+            </a:r>
+            <a:r>
+              <a:rPr lang="el-GR" dirty="0">
+                <a:latin typeface="Microsoft JhengHei" panose="020B0604030504040204" pitchFamily="34" charset="-120"/>
+                <a:ea typeface="Microsoft JhengHei" panose="020B0604030504040204" pitchFamily="34" charset="-120"/>
+              </a:rPr>
+              <a:t> </a:t>
+            </a:r>
+            <a:r>
+              <a:rPr lang="el-GR" dirty="0" err="1">
+                <a:latin typeface="Microsoft JhengHei" panose="020B0604030504040204" pitchFamily="34" charset="-120"/>
+                <a:ea typeface="Microsoft JhengHei" panose="020B0604030504040204" pitchFamily="34" charset="-120"/>
+              </a:rPr>
+              <a:t>ἔχωσι</a:t>
+            </a:r>
+            <a:r>
+              <a:rPr lang="el-GR" dirty="0">
+                <a:latin typeface="Microsoft JhengHei" panose="020B0604030504040204" pitchFamily="34" charset="-120"/>
+                <a:ea typeface="Microsoft JhengHei" panose="020B0604030504040204" pitchFamily="34" charset="-120"/>
+              </a:rPr>
+              <a:t> </a:t>
+            </a:r>
+            <a:r>
+              <a:rPr lang="el-GR" dirty="0" err="1">
+                <a:latin typeface="Microsoft JhengHei" panose="020B0604030504040204" pitchFamily="34" charset="-120"/>
+                <a:ea typeface="Microsoft JhengHei" panose="020B0604030504040204" pitchFamily="34" charset="-120"/>
+              </a:rPr>
+              <a:t>καὶ</a:t>
+            </a:r>
+            <a:r>
+              <a:rPr lang="el-GR" dirty="0">
+                <a:latin typeface="Microsoft JhengHei" panose="020B0604030504040204" pitchFamily="34" charset="-120"/>
+                <a:ea typeface="Microsoft JhengHei" panose="020B0604030504040204" pitchFamily="34" charset="-120"/>
+              </a:rPr>
+              <a:t> </a:t>
+            </a:r>
+            <a:r>
+              <a:rPr lang="el-GR" dirty="0" err="1">
+                <a:latin typeface="Microsoft JhengHei" panose="020B0604030504040204" pitchFamily="34" charset="-120"/>
+                <a:ea typeface="Microsoft JhengHei" panose="020B0604030504040204" pitchFamily="34" charset="-120"/>
+              </a:rPr>
+              <a:t>νέμωνται</a:t>
+            </a:r>
+            <a:r>
+              <a:rPr lang="el-GR" dirty="0">
+                <a:latin typeface="Microsoft JhengHei" panose="020B0604030504040204" pitchFamily="34" charset="-120"/>
+                <a:ea typeface="Microsoft JhengHei" panose="020B0604030504040204" pitchFamily="34" charset="-120"/>
+              </a:rPr>
+              <a:t>. </a:t>
+            </a:r>
+            <a:r>
+              <a:rPr lang="el-GR" dirty="0" err="1">
+                <a:latin typeface="Microsoft JhengHei" panose="020B0604030504040204" pitchFamily="34" charset="-120"/>
+                <a:ea typeface="Microsoft JhengHei" panose="020B0604030504040204" pitchFamily="34" charset="-120"/>
+              </a:rPr>
+              <a:t>ἔτι</a:t>
+            </a:r>
+            <a:r>
+              <a:rPr lang="el-GR" dirty="0">
+                <a:latin typeface="Microsoft JhengHei" panose="020B0604030504040204" pitchFamily="34" charset="-120"/>
+                <a:ea typeface="Microsoft JhengHei" panose="020B0604030504040204" pitchFamily="34" charset="-120"/>
+              </a:rPr>
+              <a:t> </a:t>
+            </a:r>
+            <a:r>
+              <a:rPr lang="el-GR" dirty="0" err="1">
+                <a:latin typeface="Microsoft JhengHei" panose="020B0604030504040204" pitchFamily="34" charset="-120"/>
+                <a:ea typeface="Microsoft JhengHei" panose="020B0604030504040204" pitchFamily="34" charset="-120"/>
+              </a:rPr>
+              <a:t>ἐκ</a:t>
+            </a:r>
+            <a:r>
+              <a:rPr lang="el-GR" dirty="0">
+                <a:latin typeface="Microsoft JhengHei" panose="020B0604030504040204" pitchFamily="34" charset="-120"/>
+                <a:ea typeface="Microsoft JhengHei" panose="020B0604030504040204" pitchFamily="34" charset="-120"/>
+              </a:rPr>
+              <a:t> </a:t>
+            </a:r>
+            <a:r>
+              <a:rPr lang="el-GR" dirty="0" err="1">
+                <a:latin typeface="Microsoft JhengHei" panose="020B0604030504040204" pitchFamily="34" charset="-120"/>
+                <a:ea typeface="Microsoft JhengHei" panose="020B0604030504040204" pitchFamily="34" charset="-120"/>
+              </a:rPr>
+              <a:t>τοῦ</a:t>
+            </a:r>
+            <a:r>
+              <a:rPr lang="el-GR" dirty="0">
+                <a:latin typeface="Microsoft JhengHei" panose="020B0604030504040204" pitchFamily="34" charset="-120"/>
+                <a:ea typeface="Microsoft JhengHei" panose="020B0604030504040204" pitchFamily="34" charset="-120"/>
+              </a:rPr>
+              <a:t> </a:t>
+            </a:r>
+            <a:r>
+              <a:rPr lang="el-GR" dirty="0" err="1">
+                <a:latin typeface="Microsoft JhengHei" panose="020B0604030504040204" pitchFamily="34" charset="-120"/>
+                <a:ea typeface="Microsoft JhengHei" panose="020B0604030504040204" pitchFamily="34" charset="-120"/>
+              </a:rPr>
+              <a:t>κατ</a:t>
+            </a:r>
+            <a:r>
+              <a:rPr lang="el-GR" dirty="0">
+                <a:latin typeface="Microsoft JhengHei" panose="020B0604030504040204" pitchFamily="34" charset="-120"/>
+                <a:ea typeface="Microsoft JhengHei" panose="020B0604030504040204" pitchFamily="34" charset="-120"/>
+              </a:rPr>
+              <a:t>᾽ </a:t>
+            </a:r>
+            <a:r>
+              <a:rPr lang="el-GR" dirty="0" err="1">
+                <a:latin typeface="Microsoft JhengHei" panose="020B0604030504040204" pitchFamily="34" charset="-120"/>
+                <a:ea typeface="Microsoft JhengHei" panose="020B0604030504040204" pitchFamily="34" charset="-120"/>
+              </a:rPr>
+              <a:t>ἀξίαν</a:t>
+            </a:r>
+            <a:r>
+              <a:rPr lang="el-GR" dirty="0">
+                <a:latin typeface="Microsoft JhengHei" panose="020B0604030504040204" pitchFamily="34" charset="-120"/>
+                <a:ea typeface="Microsoft JhengHei" panose="020B0604030504040204" pitchFamily="34" charset="-120"/>
+              </a:rPr>
+              <a:t> </a:t>
+            </a:r>
+            <a:r>
+              <a:rPr lang="el-GR" dirty="0" err="1">
+                <a:latin typeface="Microsoft JhengHei" panose="020B0604030504040204" pitchFamily="34" charset="-120"/>
+                <a:ea typeface="Microsoft JhengHei" panose="020B0604030504040204" pitchFamily="34" charset="-120"/>
+              </a:rPr>
+              <a:t>τοῦτο</a:t>
+            </a:r>
+            <a:r>
+              <a:rPr lang="el-GR" dirty="0">
+                <a:latin typeface="Microsoft JhengHei" panose="020B0604030504040204" pitchFamily="34" charset="-120"/>
+                <a:ea typeface="Microsoft JhengHei" panose="020B0604030504040204" pitchFamily="34" charset="-120"/>
+              </a:rPr>
+              <a:t> </a:t>
+            </a:r>
+            <a:r>
+              <a:rPr lang="el-GR" dirty="0" err="1">
+                <a:latin typeface="Microsoft JhengHei" panose="020B0604030504040204" pitchFamily="34" charset="-120"/>
+                <a:ea typeface="Microsoft JhengHei" panose="020B0604030504040204" pitchFamily="34" charset="-120"/>
+              </a:rPr>
+              <a:t>δῆλον</a:t>
+            </a:r>
+            <a:r>
+              <a:rPr lang="el-GR" dirty="0">
+                <a:latin typeface="Microsoft JhengHei" panose="020B0604030504040204" pitchFamily="34" charset="-120"/>
+                <a:ea typeface="Microsoft JhengHei" panose="020B0604030504040204" pitchFamily="34" charset="-120"/>
+              </a:rPr>
+              <a:t>: </a:t>
+            </a:r>
+            <a:r>
+              <a:rPr lang="el-GR" dirty="0" err="1">
+                <a:latin typeface="Microsoft JhengHei" panose="020B0604030504040204" pitchFamily="34" charset="-120"/>
+                <a:ea typeface="Microsoft JhengHei" panose="020B0604030504040204" pitchFamily="34" charset="-120"/>
+              </a:rPr>
+              <a:t>τὸ</a:t>
+            </a:r>
+            <a:r>
+              <a:rPr lang="el-GR" dirty="0">
+                <a:latin typeface="Microsoft JhengHei" panose="020B0604030504040204" pitchFamily="34" charset="-120"/>
+                <a:ea typeface="Microsoft JhengHei" panose="020B0604030504040204" pitchFamily="34" charset="-120"/>
+              </a:rPr>
+              <a:t> </a:t>
+            </a:r>
+            <a:r>
+              <a:rPr lang="el-GR" dirty="0" err="1">
+                <a:latin typeface="Microsoft JhengHei" panose="020B0604030504040204" pitchFamily="34" charset="-120"/>
+                <a:ea typeface="Microsoft JhengHei" panose="020B0604030504040204" pitchFamily="34" charset="-120"/>
+              </a:rPr>
+              <a:t>γὰρ</a:t>
+            </a:r>
+            <a:r>
+              <a:rPr lang="el-GR" dirty="0">
+                <a:latin typeface="Microsoft JhengHei" panose="020B0604030504040204" pitchFamily="34" charset="-120"/>
+                <a:ea typeface="Microsoft JhengHei" panose="020B0604030504040204" pitchFamily="34" charset="-120"/>
+              </a:rPr>
+              <a:t> δίκαιον </a:t>
+            </a:r>
+            <a:r>
+              <a:rPr lang="el-GR" dirty="0" err="1">
+                <a:latin typeface="Microsoft JhengHei" panose="020B0604030504040204" pitchFamily="34" charset="-120"/>
+                <a:ea typeface="Microsoft JhengHei" panose="020B0604030504040204" pitchFamily="34" charset="-120"/>
+              </a:rPr>
+              <a:t>ἐν</a:t>
+            </a:r>
+            <a:r>
+              <a:rPr lang="el-GR" dirty="0">
+                <a:latin typeface="Microsoft JhengHei" panose="020B0604030504040204" pitchFamily="34" charset="-120"/>
+                <a:ea typeface="Microsoft JhengHei" panose="020B0604030504040204" pitchFamily="34" charset="-120"/>
+              </a:rPr>
+              <a:t> </a:t>
+            </a:r>
+            <a:r>
+              <a:rPr lang="el-GR" dirty="0" err="1">
+                <a:latin typeface="Microsoft JhengHei" panose="020B0604030504040204" pitchFamily="34" charset="-120"/>
+                <a:ea typeface="Microsoft JhengHei" panose="020B0604030504040204" pitchFamily="34" charset="-120"/>
+              </a:rPr>
+              <a:t>ταῖς</a:t>
+            </a:r>
+            <a:r>
+              <a:rPr lang="el-GR" dirty="0">
+                <a:latin typeface="Microsoft JhengHei" panose="020B0604030504040204" pitchFamily="34" charset="-120"/>
+                <a:ea typeface="Microsoft JhengHei" panose="020B0604030504040204" pitchFamily="34" charset="-120"/>
+              </a:rPr>
+              <a:t> </a:t>
+            </a:r>
+            <a:r>
+              <a:rPr lang="el-GR" dirty="0" err="1">
+                <a:latin typeface="Microsoft JhengHei" panose="020B0604030504040204" pitchFamily="34" charset="-120"/>
+                <a:ea typeface="Microsoft JhengHei" panose="020B0604030504040204" pitchFamily="34" charset="-120"/>
+              </a:rPr>
+              <a:t>νομαῖς</a:t>
+            </a:r>
+            <a:r>
+              <a:rPr lang="el-GR" dirty="0">
+                <a:latin typeface="Microsoft JhengHei" panose="020B0604030504040204" pitchFamily="34" charset="-120"/>
+                <a:ea typeface="Microsoft JhengHei" panose="020B0604030504040204" pitchFamily="34" charset="-120"/>
+              </a:rPr>
+              <a:t> </a:t>
+            </a:r>
+            <a:r>
+              <a:rPr lang="el-GR" dirty="0" err="1">
+                <a:latin typeface="Microsoft JhengHei" panose="020B0604030504040204" pitchFamily="34" charset="-120"/>
+                <a:ea typeface="Microsoft JhengHei" panose="020B0604030504040204" pitchFamily="34" charset="-120"/>
+              </a:rPr>
+              <a:t>ὁμολογοῦσι</a:t>
+            </a:r>
+            <a:r>
+              <a:rPr lang="el-GR" dirty="0">
+                <a:latin typeface="Microsoft JhengHei" panose="020B0604030504040204" pitchFamily="34" charset="-120"/>
+                <a:ea typeface="Microsoft JhengHei" panose="020B0604030504040204" pitchFamily="34" charset="-120"/>
+              </a:rPr>
+              <a:t> πάντες </a:t>
+            </a:r>
+            <a:r>
+              <a:rPr lang="el-GR" dirty="0" err="1">
+                <a:latin typeface="Microsoft JhengHei" panose="020B0604030504040204" pitchFamily="34" charset="-120"/>
+                <a:ea typeface="Microsoft JhengHei" panose="020B0604030504040204" pitchFamily="34" charset="-120"/>
+              </a:rPr>
+              <a:t>κατ</a:t>
+            </a:r>
+            <a:r>
+              <a:rPr lang="el-GR" dirty="0">
+                <a:latin typeface="Microsoft JhengHei" panose="020B0604030504040204" pitchFamily="34" charset="-120"/>
+                <a:ea typeface="Microsoft JhengHei" panose="020B0604030504040204" pitchFamily="34" charset="-120"/>
+              </a:rPr>
+              <a:t>᾽ </a:t>
+            </a:r>
+            <a:r>
+              <a:rPr lang="el-GR" dirty="0" err="1">
+                <a:latin typeface="Microsoft JhengHei" panose="020B0604030504040204" pitchFamily="34" charset="-120"/>
+                <a:ea typeface="Microsoft JhengHei" panose="020B0604030504040204" pitchFamily="34" charset="-120"/>
+              </a:rPr>
+              <a:t>ἀξίαν</a:t>
+            </a:r>
+            <a:r>
+              <a:rPr lang="el-GR" dirty="0">
+                <a:latin typeface="Microsoft JhengHei" panose="020B0604030504040204" pitchFamily="34" charset="-120"/>
+                <a:ea typeface="Microsoft JhengHei" panose="020B0604030504040204" pitchFamily="34" charset="-120"/>
+              </a:rPr>
+              <a:t> </a:t>
+            </a:r>
+            <a:r>
+              <a:rPr lang="el-GR" dirty="0" err="1">
+                <a:latin typeface="Microsoft JhengHei" panose="020B0604030504040204" pitchFamily="34" charset="-120"/>
+                <a:ea typeface="Microsoft JhengHei" panose="020B0604030504040204" pitchFamily="34" charset="-120"/>
+              </a:rPr>
+              <a:t>τινὰ</a:t>
+            </a:r>
+            <a:r>
+              <a:rPr lang="el-GR" dirty="0">
+                <a:latin typeface="Microsoft JhengHei" panose="020B0604030504040204" pitchFamily="34" charset="-120"/>
+                <a:ea typeface="Microsoft JhengHei" panose="020B0604030504040204" pitchFamily="34" charset="-120"/>
+              </a:rPr>
+              <a:t> </a:t>
+            </a:r>
+            <a:r>
+              <a:rPr lang="el-GR" dirty="0" err="1">
+                <a:latin typeface="Microsoft JhengHei" panose="020B0604030504040204" pitchFamily="34" charset="-120"/>
+                <a:ea typeface="Microsoft JhengHei" panose="020B0604030504040204" pitchFamily="34" charset="-120"/>
+              </a:rPr>
+              <a:t>δεῖν</a:t>
+            </a:r>
+            <a:r>
+              <a:rPr lang="el-GR" dirty="0">
+                <a:latin typeface="Microsoft JhengHei" panose="020B0604030504040204" pitchFamily="34" charset="-120"/>
+                <a:ea typeface="Microsoft JhengHei" panose="020B0604030504040204" pitchFamily="34" charset="-120"/>
+              </a:rPr>
+              <a:t> </a:t>
+            </a:r>
+            <a:r>
+              <a:rPr lang="el-GR" dirty="0" err="1">
+                <a:latin typeface="Microsoft JhengHei" panose="020B0604030504040204" pitchFamily="34" charset="-120"/>
+                <a:ea typeface="Microsoft JhengHei" panose="020B0604030504040204" pitchFamily="34" charset="-120"/>
+              </a:rPr>
+              <a:t>εἶναι</a:t>
+            </a:r>
+            <a:r>
+              <a:rPr lang="el-GR" dirty="0">
+                <a:latin typeface="Microsoft JhengHei" panose="020B0604030504040204" pitchFamily="34" charset="-120"/>
+                <a:ea typeface="Microsoft JhengHei" panose="020B0604030504040204" pitchFamily="34" charset="-120"/>
+              </a:rPr>
+              <a:t>, </a:t>
+            </a:r>
+            <a:r>
+              <a:rPr lang="el-GR" dirty="0" err="1">
+                <a:latin typeface="Microsoft JhengHei" panose="020B0604030504040204" pitchFamily="34" charset="-120"/>
+                <a:ea typeface="Microsoft JhengHei" panose="020B0604030504040204" pitchFamily="34" charset="-120"/>
+              </a:rPr>
+              <a:t>τὴν</a:t>
+            </a:r>
+            <a:r>
+              <a:rPr lang="el-GR" dirty="0">
+                <a:latin typeface="Microsoft JhengHei" panose="020B0604030504040204" pitchFamily="34" charset="-120"/>
+                <a:ea typeface="Microsoft JhengHei" panose="020B0604030504040204" pitchFamily="34" charset="-120"/>
+              </a:rPr>
+              <a:t> </a:t>
+            </a:r>
+            <a:r>
+              <a:rPr lang="el-GR" dirty="0" err="1">
+                <a:latin typeface="Microsoft JhengHei" panose="020B0604030504040204" pitchFamily="34" charset="-120"/>
+                <a:ea typeface="Microsoft JhengHei" panose="020B0604030504040204" pitchFamily="34" charset="-120"/>
+              </a:rPr>
+              <a:t>μέντοι</a:t>
+            </a:r>
+            <a:r>
+              <a:rPr lang="el-GR" dirty="0">
+                <a:latin typeface="Microsoft JhengHei" panose="020B0604030504040204" pitchFamily="34" charset="-120"/>
+                <a:ea typeface="Microsoft JhengHei" panose="020B0604030504040204" pitchFamily="34" charset="-120"/>
+              </a:rPr>
+              <a:t> </a:t>
+            </a:r>
+            <a:r>
+              <a:rPr lang="el-GR" dirty="0" err="1">
+                <a:latin typeface="Microsoft JhengHei" panose="020B0604030504040204" pitchFamily="34" charset="-120"/>
+                <a:ea typeface="Microsoft JhengHei" panose="020B0604030504040204" pitchFamily="34" charset="-120"/>
+              </a:rPr>
+              <a:t>ἀξίαν</a:t>
+            </a:r>
+            <a:r>
+              <a:rPr lang="el-GR" dirty="0">
+                <a:latin typeface="Microsoft JhengHei" panose="020B0604030504040204" pitchFamily="34" charset="-120"/>
+                <a:ea typeface="Microsoft JhengHei" panose="020B0604030504040204" pitchFamily="34" charset="-120"/>
+              </a:rPr>
+              <a:t> </a:t>
+            </a:r>
+            <a:r>
+              <a:rPr lang="el-GR" dirty="0" err="1">
+                <a:latin typeface="Microsoft JhengHei" panose="020B0604030504040204" pitchFamily="34" charset="-120"/>
+                <a:ea typeface="Microsoft JhengHei" panose="020B0604030504040204" pitchFamily="34" charset="-120"/>
+              </a:rPr>
+              <a:t>οὐ</a:t>
+            </a:r>
+            <a:r>
+              <a:rPr lang="el-GR" dirty="0">
+                <a:latin typeface="Microsoft JhengHei" panose="020B0604030504040204" pitchFamily="34" charset="-120"/>
+                <a:ea typeface="Microsoft JhengHei" panose="020B0604030504040204" pitchFamily="34" charset="-120"/>
+              </a:rPr>
+              <a:t> </a:t>
+            </a:r>
+            <a:r>
+              <a:rPr lang="el-GR" dirty="0" err="1">
+                <a:latin typeface="Microsoft JhengHei" panose="020B0604030504040204" pitchFamily="34" charset="-120"/>
+                <a:ea typeface="Microsoft JhengHei" panose="020B0604030504040204" pitchFamily="34" charset="-120"/>
+              </a:rPr>
+              <a:t>τὴν</a:t>
+            </a:r>
+            <a:r>
+              <a:rPr lang="el-GR" dirty="0">
+                <a:latin typeface="Microsoft JhengHei" panose="020B0604030504040204" pitchFamily="34" charset="-120"/>
+                <a:ea typeface="Microsoft JhengHei" panose="020B0604030504040204" pitchFamily="34" charset="-120"/>
+              </a:rPr>
+              <a:t> </a:t>
+            </a:r>
+            <a:r>
+              <a:rPr lang="el-GR" dirty="0" err="1">
+                <a:latin typeface="Microsoft JhengHei" panose="020B0604030504040204" pitchFamily="34" charset="-120"/>
+                <a:ea typeface="Microsoft JhengHei" panose="020B0604030504040204" pitchFamily="34" charset="-120"/>
+              </a:rPr>
+              <a:t>αὐτὴν</a:t>
+            </a:r>
+            <a:r>
+              <a:rPr lang="el-GR" dirty="0">
+                <a:latin typeface="Microsoft JhengHei" panose="020B0604030504040204" pitchFamily="34" charset="-120"/>
+                <a:ea typeface="Microsoft JhengHei" panose="020B0604030504040204" pitchFamily="34" charset="-120"/>
+              </a:rPr>
+              <a:t> </a:t>
+            </a:r>
+            <a:r>
+              <a:rPr lang="el-GR" dirty="0" err="1">
+                <a:latin typeface="Microsoft JhengHei" panose="020B0604030504040204" pitchFamily="34" charset="-120"/>
+                <a:ea typeface="Microsoft JhengHei" panose="020B0604030504040204" pitchFamily="34" charset="-120"/>
+              </a:rPr>
+              <a:t>λέγουσι</a:t>
+            </a:r>
+            <a:r>
+              <a:rPr lang="el-GR" dirty="0">
+                <a:latin typeface="Microsoft JhengHei" panose="020B0604030504040204" pitchFamily="34" charset="-120"/>
+                <a:ea typeface="Microsoft JhengHei" panose="020B0604030504040204" pitchFamily="34" charset="-120"/>
+              </a:rPr>
+              <a:t> πάντες </a:t>
+            </a:r>
+            <a:r>
+              <a:rPr lang="el-GR" dirty="0" err="1">
+                <a:latin typeface="Microsoft JhengHei" panose="020B0604030504040204" pitchFamily="34" charset="-120"/>
+                <a:ea typeface="Microsoft JhengHei" panose="020B0604030504040204" pitchFamily="34" charset="-120"/>
+              </a:rPr>
+              <a:t>ὑπάρχειν</a:t>
+            </a:r>
+            <a:r>
+              <a:rPr lang="el-GR" dirty="0">
+                <a:latin typeface="Microsoft JhengHei" panose="020B0604030504040204" pitchFamily="34" charset="-120"/>
+                <a:ea typeface="Microsoft JhengHei" panose="020B0604030504040204" pitchFamily="34" charset="-120"/>
+              </a:rPr>
+              <a:t>, </a:t>
+            </a:r>
+            <a:r>
+              <a:rPr lang="el-GR" dirty="0" err="1">
+                <a:latin typeface="Microsoft JhengHei" panose="020B0604030504040204" pitchFamily="34" charset="-120"/>
+                <a:ea typeface="Microsoft JhengHei" panose="020B0604030504040204" pitchFamily="34" charset="-120"/>
+              </a:rPr>
+              <a:t>ἀλλ</a:t>
+            </a:r>
+            <a:r>
+              <a:rPr lang="el-GR" dirty="0">
+                <a:latin typeface="Microsoft JhengHei" panose="020B0604030504040204" pitchFamily="34" charset="-120"/>
+                <a:ea typeface="Microsoft JhengHei" panose="020B0604030504040204" pitchFamily="34" charset="-120"/>
+              </a:rPr>
+              <a:t>᾽ </a:t>
+            </a:r>
+            <a:r>
+              <a:rPr lang="el-GR" dirty="0" err="1">
+                <a:latin typeface="Microsoft JhengHei" panose="020B0604030504040204" pitchFamily="34" charset="-120"/>
+                <a:ea typeface="Microsoft JhengHei" panose="020B0604030504040204" pitchFamily="34" charset="-120"/>
+              </a:rPr>
+              <a:t>οἱ</a:t>
+            </a:r>
+            <a:r>
+              <a:rPr lang="el-GR" dirty="0">
+                <a:latin typeface="Microsoft JhengHei" panose="020B0604030504040204" pitchFamily="34" charset="-120"/>
+                <a:ea typeface="Microsoft JhengHei" panose="020B0604030504040204" pitchFamily="34" charset="-120"/>
+              </a:rPr>
+              <a:t> </a:t>
+            </a:r>
+            <a:r>
+              <a:rPr lang="el-GR" dirty="0" err="1">
+                <a:latin typeface="Microsoft JhengHei" panose="020B0604030504040204" pitchFamily="34" charset="-120"/>
+                <a:ea typeface="Microsoft JhengHei" panose="020B0604030504040204" pitchFamily="34" charset="-120"/>
+              </a:rPr>
+              <a:t>μὲν</a:t>
+            </a:r>
+            <a:r>
+              <a:rPr lang="el-GR" dirty="0">
+                <a:latin typeface="Microsoft JhengHei" panose="020B0604030504040204" pitchFamily="34" charset="-120"/>
+                <a:ea typeface="Microsoft JhengHei" panose="020B0604030504040204" pitchFamily="34" charset="-120"/>
+              </a:rPr>
+              <a:t> </a:t>
+            </a:r>
+            <a:r>
+              <a:rPr lang="el-GR" dirty="0" err="1">
+                <a:latin typeface="Microsoft JhengHei" panose="020B0604030504040204" pitchFamily="34" charset="-120"/>
+                <a:ea typeface="Microsoft JhengHei" panose="020B0604030504040204" pitchFamily="34" charset="-120"/>
+              </a:rPr>
+              <a:t>δημοκρατικοὶ</a:t>
+            </a:r>
+            <a:r>
+              <a:rPr lang="el-GR" dirty="0">
+                <a:latin typeface="Microsoft JhengHei" panose="020B0604030504040204" pitchFamily="34" charset="-120"/>
+                <a:ea typeface="Microsoft JhengHei" panose="020B0604030504040204" pitchFamily="34" charset="-120"/>
+              </a:rPr>
+              <a:t> </a:t>
+            </a:r>
+            <a:r>
+              <a:rPr lang="el-GR" dirty="0" err="1">
+                <a:latin typeface="Microsoft JhengHei" panose="020B0604030504040204" pitchFamily="34" charset="-120"/>
+                <a:ea typeface="Microsoft JhengHei" panose="020B0604030504040204" pitchFamily="34" charset="-120"/>
+              </a:rPr>
+              <a:t>ἐλευθερίαν</a:t>
+            </a:r>
+            <a:r>
+              <a:rPr lang="el-GR" dirty="0">
+                <a:latin typeface="Microsoft JhengHei" panose="020B0604030504040204" pitchFamily="34" charset="-120"/>
+                <a:ea typeface="Microsoft JhengHei" panose="020B0604030504040204" pitchFamily="34" charset="-120"/>
+              </a:rPr>
+              <a:t>, </a:t>
+            </a:r>
+            <a:r>
+              <a:rPr lang="el-GR" dirty="0" err="1">
+                <a:latin typeface="Microsoft JhengHei" panose="020B0604030504040204" pitchFamily="34" charset="-120"/>
+                <a:ea typeface="Microsoft JhengHei" panose="020B0604030504040204" pitchFamily="34" charset="-120"/>
+              </a:rPr>
+              <a:t>οἱ</a:t>
+            </a:r>
+            <a:r>
+              <a:rPr lang="el-GR" dirty="0">
+                <a:latin typeface="Microsoft JhengHei" panose="020B0604030504040204" pitchFamily="34" charset="-120"/>
+                <a:ea typeface="Microsoft JhengHei" panose="020B0604030504040204" pitchFamily="34" charset="-120"/>
+              </a:rPr>
+              <a:t> δ᾽ </a:t>
+            </a:r>
+            <a:r>
+              <a:rPr lang="el-GR" dirty="0" err="1">
+                <a:latin typeface="Microsoft JhengHei" panose="020B0604030504040204" pitchFamily="34" charset="-120"/>
+                <a:ea typeface="Microsoft JhengHei" panose="020B0604030504040204" pitchFamily="34" charset="-120"/>
+              </a:rPr>
+              <a:t>ὀλιγαρχικοὶ</a:t>
+            </a:r>
+            <a:r>
+              <a:rPr lang="el-GR" dirty="0">
+                <a:latin typeface="Microsoft JhengHei" panose="020B0604030504040204" pitchFamily="34" charset="-120"/>
+                <a:ea typeface="Microsoft JhengHei" panose="020B0604030504040204" pitchFamily="34" charset="-120"/>
+              </a:rPr>
+              <a:t> </a:t>
+            </a:r>
+            <a:r>
+              <a:rPr lang="el-GR" dirty="0" err="1">
+                <a:latin typeface="Microsoft JhengHei" panose="020B0604030504040204" pitchFamily="34" charset="-120"/>
+                <a:ea typeface="Microsoft JhengHei" panose="020B0604030504040204" pitchFamily="34" charset="-120"/>
+              </a:rPr>
+              <a:t>πλοῦτον</a:t>
+            </a:r>
+            <a:r>
+              <a:rPr lang="el-GR" dirty="0">
+                <a:latin typeface="Microsoft JhengHei" panose="020B0604030504040204" pitchFamily="34" charset="-120"/>
+                <a:ea typeface="Microsoft JhengHei" panose="020B0604030504040204" pitchFamily="34" charset="-120"/>
+              </a:rPr>
+              <a:t>, </a:t>
+            </a:r>
+            <a:r>
+              <a:rPr lang="el-GR" dirty="0" err="1">
+                <a:latin typeface="Microsoft JhengHei" panose="020B0604030504040204" pitchFamily="34" charset="-120"/>
+                <a:ea typeface="Microsoft JhengHei" panose="020B0604030504040204" pitchFamily="34" charset="-120"/>
+              </a:rPr>
+              <a:t>οἳ</a:t>
+            </a:r>
+            <a:r>
+              <a:rPr lang="el-GR" dirty="0">
+                <a:latin typeface="Microsoft JhengHei" panose="020B0604030504040204" pitchFamily="34" charset="-120"/>
+                <a:ea typeface="Microsoft JhengHei" panose="020B0604030504040204" pitchFamily="34" charset="-120"/>
+              </a:rPr>
+              <a:t> δ᾽ </a:t>
+            </a:r>
+            <a:r>
+              <a:rPr lang="el-GR" dirty="0" err="1">
+                <a:latin typeface="Microsoft JhengHei" panose="020B0604030504040204" pitchFamily="34" charset="-120"/>
+                <a:ea typeface="Microsoft JhengHei" panose="020B0604030504040204" pitchFamily="34" charset="-120"/>
+              </a:rPr>
+              <a:t>εὐγένειαν</a:t>
+            </a:r>
+            <a:r>
+              <a:rPr lang="el-GR" dirty="0">
+                <a:latin typeface="Microsoft JhengHei" panose="020B0604030504040204" pitchFamily="34" charset="-120"/>
+                <a:ea typeface="Microsoft JhengHei" panose="020B0604030504040204" pitchFamily="34" charset="-120"/>
+              </a:rPr>
+              <a:t>, </a:t>
+            </a:r>
+            <a:r>
+              <a:rPr lang="el-GR" dirty="0" err="1">
+                <a:latin typeface="Microsoft JhengHei" panose="020B0604030504040204" pitchFamily="34" charset="-120"/>
+                <a:ea typeface="Microsoft JhengHei" panose="020B0604030504040204" pitchFamily="34" charset="-120"/>
+              </a:rPr>
+              <a:t>οἱ</a:t>
+            </a:r>
+            <a:r>
+              <a:rPr lang="el-GR" dirty="0">
+                <a:latin typeface="Microsoft JhengHei" panose="020B0604030504040204" pitchFamily="34" charset="-120"/>
+                <a:ea typeface="Microsoft JhengHei" panose="020B0604030504040204" pitchFamily="34" charset="-120"/>
+              </a:rPr>
+              <a:t> δ᾽ </a:t>
+            </a:r>
+            <a:r>
+              <a:rPr lang="el-GR" dirty="0" err="1">
+                <a:latin typeface="Microsoft JhengHei" panose="020B0604030504040204" pitchFamily="34" charset="-120"/>
+                <a:ea typeface="Microsoft JhengHei" panose="020B0604030504040204" pitchFamily="34" charset="-120"/>
+              </a:rPr>
+              <a:t>ἀριστοκρατικοὶ</a:t>
+            </a:r>
+            <a:r>
+              <a:rPr lang="el-GR" dirty="0">
+                <a:latin typeface="Microsoft JhengHei" panose="020B0604030504040204" pitchFamily="34" charset="-120"/>
+                <a:ea typeface="Microsoft JhengHei" panose="020B0604030504040204" pitchFamily="34" charset="-120"/>
+              </a:rPr>
+              <a:t> </a:t>
+            </a:r>
+            <a:r>
+              <a:rPr lang="el-GR" dirty="0" err="1">
+                <a:latin typeface="Microsoft JhengHei" panose="020B0604030504040204" pitchFamily="34" charset="-120"/>
+                <a:ea typeface="Microsoft JhengHei" panose="020B0604030504040204" pitchFamily="34" charset="-120"/>
+              </a:rPr>
+              <a:t>ἀρετήν</a:t>
+            </a:r>
+            <a:r>
+              <a:rPr lang="el-GR" dirty="0">
+                <a:latin typeface="Microsoft JhengHei" panose="020B0604030504040204" pitchFamily="34" charset="-120"/>
+                <a:ea typeface="Microsoft JhengHei" panose="020B0604030504040204" pitchFamily="34" charset="-120"/>
+              </a:rPr>
+              <a:t>. </a:t>
+            </a:r>
+            <a:r>
+              <a:rPr lang="el-GR" dirty="0" err="1">
+                <a:latin typeface="Microsoft JhengHei" panose="020B0604030504040204" pitchFamily="34" charset="-120"/>
+                <a:ea typeface="Microsoft JhengHei" panose="020B0604030504040204" pitchFamily="34" charset="-120"/>
+              </a:rPr>
+              <a:t>ἔστιν</a:t>
+            </a:r>
+            <a:r>
+              <a:rPr lang="el-GR" dirty="0">
+                <a:latin typeface="Microsoft JhengHei" panose="020B0604030504040204" pitchFamily="34" charset="-120"/>
+                <a:ea typeface="Microsoft JhengHei" panose="020B0604030504040204" pitchFamily="34" charset="-120"/>
+              </a:rPr>
+              <a:t> </a:t>
+            </a:r>
+            <a:r>
+              <a:rPr lang="el-GR" dirty="0" err="1">
+                <a:latin typeface="Microsoft JhengHei" panose="020B0604030504040204" pitchFamily="34" charset="-120"/>
+                <a:ea typeface="Microsoft JhengHei" panose="020B0604030504040204" pitchFamily="34" charset="-120"/>
+              </a:rPr>
+              <a:t>ἄρα</a:t>
+            </a:r>
+            <a:r>
+              <a:rPr lang="el-GR" dirty="0">
+                <a:latin typeface="Microsoft JhengHei" panose="020B0604030504040204" pitchFamily="34" charset="-120"/>
+                <a:ea typeface="Microsoft JhengHei" panose="020B0604030504040204" pitchFamily="34" charset="-120"/>
+              </a:rPr>
+              <a:t> </a:t>
+            </a:r>
+            <a:r>
+              <a:rPr lang="el-GR" dirty="0" err="1">
+                <a:latin typeface="Microsoft JhengHei" panose="020B0604030504040204" pitchFamily="34" charset="-120"/>
+                <a:ea typeface="Microsoft JhengHei" panose="020B0604030504040204" pitchFamily="34" charset="-120"/>
+              </a:rPr>
+              <a:t>τὸ</a:t>
+            </a:r>
+            <a:r>
+              <a:rPr lang="el-GR" dirty="0">
+                <a:latin typeface="Microsoft JhengHei" panose="020B0604030504040204" pitchFamily="34" charset="-120"/>
+                <a:ea typeface="Microsoft JhengHei" panose="020B0604030504040204" pitchFamily="34" charset="-120"/>
+              </a:rPr>
+              <a:t> δίκαιον </a:t>
+            </a:r>
+            <a:r>
+              <a:rPr lang="el-GR" dirty="0" err="1">
+                <a:latin typeface="Microsoft JhengHei" panose="020B0604030504040204" pitchFamily="34" charset="-120"/>
+                <a:ea typeface="Microsoft JhengHei" panose="020B0604030504040204" pitchFamily="34" charset="-120"/>
+              </a:rPr>
+              <a:t>ἀνάλογόν</a:t>
+            </a:r>
+            <a:r>
+              <a:rPr lang="el-GR" dirty="0">
+                <a:latin typeface="Microsoft JhengHei" panose="020B0604030504040204" pitchFamily="34" charset="-120"/>
+                <a:ea typeface="Microsoft JhengHei" panose="020B0604030504040204" pitchFamily="34" charset="-120"/>
+              </a:rPr>
+              <a:t> τι</a:t>
+            </a:r>
+            <a:r>
+              <a:rPr lang="en-US" dirty="0">
+                <a:latin typeface="Microsoft JhengHei" panose="020B0604030504040204" pitchFamily="34" charset="-120"/>
+                <a:ea typeface="Microsoft JhengHei" panose="020B0604030504040204" pitchFamily="34" charset="-120"/>
+              </a:rPr>
+              <a:t>”</a:t>
+            </a:r>
+            <a:r>
+              <a:rPr lang="el-GR" dirty="0">
+                <a:latin typeface="Microsoft JhengHei" panose="020B0604030504040204" pitchFamily="34" charset="-120"/>
+                <a:ea typeface="Microsoft JhengHei" panose="020B0604030504040204" pitchFamily="34" charset="-120"/>
+              </a:rPr>
+              <a:t> </a:t>
+            </a:r>
+            <a:endParaRPr lang="en-US" dirty="0">
+              <a:latin typeface="Microsoft JhengHei" panose="020B0604030504040204" pitchFamily="34" charset="-120"/>
+              <a:ea typeface="Microsoft JhengHei" panose="020B0604030504040204" pitchFamily="34" charset="-120"/>
+            </a:endParaRPr>
+          </a:p>
+          <a:p>
+            <a:pPr marL="0" indent="0">
+              <a:buNone/>
+            </a:pPr>
+            <a:r>
+              <a:rPr lang="en-US" dirty="0">
+                <a:latin typeface="Microsoft JhengHei" panose="020B0604030504040204" pitchFamily="34" charset="-120"/>
+                <a:ea typeface="Microsoft JhengHei" panose="020B0604030504040204" pitchFamily="34" charset="-120"/>
+              </a:rPr>
+              <a:t>EN V 6, 1131a 18-29) . </a:t>
+            </a:r>
+            <a:r>
+              <a:rPr lang="el-GR" b="0" i="0" dirty="0" err="1">
+                <a:solidFill>
+                  <a:srgbClr val="333333"/>
+                </a:solidFill>
+                <a:effectLst/>
+                <a:latin typeface="Microsoft JhengHei" panose="020B0604030504040204" pitchFamily="34" charset="-120"/>
+                <a:ea typeface="Microsoft JhengHei" panose="020B0604030504040204" pitchFamily="34" charset="-120"/>
+              </a:rPr>
+              <a:t>Ἠθικὰ</a:t>
+            </a:r>
+            <a:r>
+              <a:rPr lang="el-GR" b="0" i="0" dirty="0">
+                <a:solidFill>
+                  <a:srgbClr val="333333"/>
+                </a:solidFill>
+                <a:effectLst/>
+                <a:latin typeface="Microsoft JhengHei" panose="020B0604030504040204" pitchFamily="34" charset="-120"/>
+                <a:ea typeface="Microsoft JhengHei" panose="020B0604030504040204" pitchFamily="34" charset="-120"/>
+              </a:rPr>
+              <a:t> </a:t>
+            </a:r>
+            <a:r>
+              <a:rPr lang="el-GR" b="0" i="0" dirty="0" err="1">
+                <a:solidFill>
+                  <a:srgbClr val="333333"/>
+                </a:solidFill>
+                <a:effectLst/>
+                <a:latin typeface="Microsoft JhengHei" panose="020B0604030504040204" pitchFamily="34" charset="-120"/>
+                <a:ea typeface="Microsoft JhengHei" panose="020B0604030504040204" pitchFamily="34" charset="-120"/>
+              </a:rPr>
+              <a:t>Νικομάχεια</a:t>
+            </a:r>
+            <a:r>
+              <a:rPr lang="el-GR" b="0" i="0" dirty="0">
+                <a:solidFill>
+                  <a:srgbClr val="333333"/>
+                </a:solidFill>
+                <a:effectLst/>
+                <a:latin typeface="Microsoft JhengHei" panose="020B0604030504040204" pitchFamily="34" charset="-120"/>
+                <a:ea typeface="Microsoft JhengHei" panose="020B0604030504040204" pitchFamily="34" charset="-120"/>
+              </a:rPr>
+              <a:t> (1131</a:t>
+            </a:r>
+            <a:r>
+              <a:rPr lang="en-US" b="0" i="0" dirty="0">
+                <a:solidFill>
+                  <a:srgbClr val="333333"/>
+                </a:solidFill>
+                <a:effectLst/>
+                <a:latin typeface="Microsoft JhengHei" panose="020B0604030504040204" pitchFamily="34" charset="-120"/>
+                <a:ea typeface="Microsoft JhengHei" panose="020B0604030504040204" pitchFamily="34" charset="-120"/>
+              </a:rPr>
+              <a:t>a-1131b)</a:t>
+            </a:r>
+          </a:p>
+          <a:p>
+            <a:endParaRPr lang="en-US" dirty="0">
+              <a:latin typeface="Microsoft JhengHei" panose="020B0604030504040204" pitchFamily="34" charset="-120"/>
+              <a:ea typeface="Microsoft JhengHei" panose="020B0604030504040204" pitchFamily="34" charset="-120"/>
+            </a:endParaRPr>
+          </a:p>
+        </p:txBody>
+      </p:sp>
+    </p:spTree>
+    <p:extLst>
+      <p:ext uri="{BB962C8B-B14F-4D97-AF65-F5344CB8AC3E}">
+        <p14:creationId xmlns:p14="http://schemas.microsoft.com/office/powerpoint/2010/main" val="2841792284"/>
       </p:ext>
     </p:extLst>
   </p:cSld>
@@ -17462,6 +21110,340 @@
     <p:extLst>
       <p:ext uri="{BB962C8B-B14F-4D97-AF65-F5344CB8AC3E}">
         <p14:creationId xmlns:p14="http://schemas.microsoft.com/office/powerpoint/2010/main" val="284151725"/>
+      </p:ext>
+    </p:extLst>
+  </p:cSld>
+  <p:clrMapOvr>
+    <a:masterClrMapping/>
+  </p:clrMapOvr>
+</p:sld>
+</file>
+
+<file path=ppt/slides/slide40.xml><?xml version="1.0" encoding="utf-8"?>
+<p:sld xmlns:a="http://schemas.openxmlformats.org/drawingml/2006/main" xmlns:r="http://schemas.openxmlformats.org/officeDocument/2006/relationships" xmlns:p="http://schemas.openxmlformats.org/presentationml/2006/main">
+  <p:cSld>
+    <p:spTree>
+      <p:nvGrpSpPr>
+        <p:cNvPr id="1" name="">
+          <a:extLst>
+            <a:ext uri="{FF2B5EF4-FFF2-40B4-BE49-F238E27FC236}">
+              <a16:creationId xmlns:a16="http://schemas.microsoft.com/office/drawing/2014/main" id="{895FFE04-40AF-54EB-3132-B4827E91BCB9}"/>
+            </a:ext>
+          </a:extLst>
+        </p:cNvPr>
+        <p:cNvGrpSpPr/>
+        <p:nvPr/>
+      </p:nvGrpSpPr>
+      <p:grpSpPr>
+        <a:xfrm>
+          <a:off x="0" y="0"/>
+          <a:ext cx="0" cy="0"/>
+          <a:chOff x="0" y="0"/>
+          <a:chExt cx="0" cy="0"/>
+        </a:xfrm>
+      </p:grpSpPr>
+      <p:sp>
+        <p:nvSpPr>
+          <p:cNvPr id="2" name="Τίτλος 1">
+            <a:extLst>
+              <a:ext uri="{FF2B5EF4-FFF2-40B4-BE49-F238E27FC236}">
+                <a16:creationId xmlns:a16="http://schemas.microsoft.com/office/drawing/2014/main" id="{8FAE32D0-092F-2606-130D-FF8CF2549C1F}"/>
+              </a:ext>
+            </a:extLst>
+          </p:cNvPr>
+          <p:cNvSpPr>
+            <a:spLocks noGrp="1"/>
+          </p:cNvSpPr>
+          <p:nvPr>
+            <p:ph type="title"/>
+          </p:nvPr>
+        </p:nvSpPr>
+        <p:spPr/>
+        <p:txBody>
+          <a:bodyPr/>
+          <a:lstStyle/>
+          <a:p>
+            <a:r>
+              <a:rPr lang="en-US" dirty="0">
+                <a:latin typeface="Georgia" panose="02040502050405020303" pitchFamily="18" charset="0"/>
+              </a:rPr>
+              <a:t>Energy intensity x Total energy Supply</a:t>
+            </a:r>
+          </a:p>
+        </p:txBody>
+      </p:sp>
+      <mc:AlternateContent xmlns:mc="http://schemas.openxmlformats.org/markup-compatibility/2006" xmlns:a14="http://schemas.microsoft.com/office/drawing/2010/main">
+        <mc:Choice Requires="a14">
+          <p:sp>
+            <p:nvSpPr>
+              <p:cNvPr id="3" name="Θέση περιεχομένου 2">
+                <a:extLst>
+                  <a:ext uri="{FF2B5EF4-FFF2-40B4-BE49-F238E27FC236}">
+                    <a16:creationId xmlns:a16="http://schemas.microsoft.com/office/drawing/2014/main" id="{350A861C-EBF6-148F-566A-05093338A19D}"/>
+                  </a:ext>
+                </a:extLst>
+              </p:cNvPr>
+              <p:cNvSpPr>
+                <a:spLocks noGrp="1"/>
+              </p:cNvSpPr>
+              <p:nvPr>
+                <p:ph idx="1"/>
+              </p:nvPr>
+            </p:nvSpPr>
+            <p:spPr>
+              <a:xfrm>
+                <a:off x="581192" y="2180496"/>
+                <a:ext cx="6364731" cy="3678303"/>
+              </a:xfrm>
+            </p:spPr>
+            <p:txBody>
+              <a:bodyPr>
+                <a:normAutofit lnSpcReduction="10000"/>
+              </a:bodyPr>
+              <a:lstStyle/>
+              <a:p>
+                <a:r>
+                  <a:rPr lang="en-US" b="1" i="0" dirty="0">
+                    <a:solidFill>
+                      <a:srgbClr val="515560"/>
+                    </a:solidFill>
+                    <a:effectLst/>
+                    <a:latin typeface="Georgia" panose="02040502050405020303" pitchFamily="18" charset="0"/>
+                  </a:rPr>
+                  <a:t>Total energy supply </a:t>
+                </a:r>
+                <a:r>
+                  <a:rPr lang="en-US" b="0" i="0" dirty="0">
+                    <a:solidFill>
+                      <a:srgbClr val="515560"/>
+                    </a:solidFill>
+                    <a:effectLst/>
+                    <a:latin typeface="Georgia" panose="02040502050405020303" pitchFamily="18" charset="0"/>
+                  </a:rPr>
+                  <a:t>= Primary production + Recovered &amp; Recycled products + Imports – Export + Stock changes – International maritime bunkers – International aviation</a:t>
+                </a:r>
+                <a:endParaRPr lang="en-US" b="1" i="0" dirty="0">
+                  <a:solidFill>
+                    <a:srgbClr val="515560"/>
+                  </a:solidFill>
+                  <a:effectLst/>
+                  <a:latin typeface="Georgia" panose="02040502050405020303" pitchFamily="18" charset="0"/>
+                </a:endParaRPr>
+              </a:p>
+              <a:p>
+                <a:r>
+                  <a:rPr lang="en-US" b="1" i="0" dirty="0">
+                    <a:solidFill>
+                      <a:srgbClr val="515560"/>
+                    </a:solidFill>
+                    <a:effectLst/>
+                    <a:latin typeface="Georgia" panose="02040502050405020303" pitchFamily="18" charset="0"/>
+                  </a:rPr>
+                  <a:t>Final energy consumption</a:t>
+                </a:r>
+                <a:r>
+                  <a:rPr lang="en-US" b="0" i="0" dirty="0">
+                    <a:solidFill>
+                      <a:srgbClr val="515560"/>
+                    </a:solidFill>
+                    <a:effectLst/>
+                    <a:latin typeface="Georgia" panose="02040502050405020303" pitchFamily="18" charset="0"/>
+                  </a:rPr>
+                  <a:t> is the total energy consumed by end users, such as households, industry and agriculture. It is the energy which reaches the final consumer's door and excludes that which is used by the energy sector itself.</a:t>
+                </a:r>
+              </a:p>
+              <a:p>
+                <a:r>
+                  <a:rPr lang="en-US" dirty="0">
+                    <a:solidFill>
+                      <a:srgbClr val="515560"/>
+                    </a:solidFill>
+                    <a:latin typeface="Georgia" panose="02040502050405020303" pitchFamily="18" charset="0"/>
+                  </a:rPr>
+                  <a:t>EI x Total Energy Supply = </a:t>
+                </a:r>
+                <a14:m>
+                  <m:oMath xmlns:m="http://schemas.openxmlformats.org/officeDocument/2006/math">
+                    <m:f>
+                      <m:fPr>
+                        <m:ctrlPr>
+                          <a:rPr lang="en-US" i="1" smtClean="0">
+                            <a:solidFill>
+                              <a:srgbClr val="515560"/>
+                            </a:solidFill>
+                            <a:latin typeface="Cambria Math" panose="02040503050406030204" pitchFamily="18" charset="0"/>
+                          </a:rPr>
+                        </m:ctrlPr>
+                      </m:fPr>
+                      <m:num>
+                        <m:sSup>
+                          <m:sSupPr>
+                            <m:ctrlPr>
+                              <a:rPr lang="en-US" b="0" i="1" smtClean="0">
+                                <a:solidFill>
+                                  <a:srgbClr val="515560"/>
+                                </a:solidFill>
+                                <a:latin typeface="Cambria Math" panose="02040503050406030204" pitchFamily="18" charset="0"/>
+                              </a:rPr>
+                            </m:ctrlPr>
+                          </m:sSupPr>
+                          <m:e>
+                            <m:r>
+                              <a:rPr lang="en-US" b="0" i="1" smtClean="0">
+                                <a:solidFill>
+                                  <a:srgbClr val="515560"/>
+                                </a:solidFill>
+                                <a:latin typeface="Cambria Math" panose="02040503050406030204" pitchFamily="18" charset="0"/>
+                              </a:rPr>
+                              <m:t>𝐸𝑛𝑒𝑟𝑔𝑦</m:t>
+                            </m:r>
+                          </m:e>
+                          <m:sup>
+                            <m:r>
+                              <a:rPr lang="en-US" b="0" i="1" smtClean="0">
+                                <a:solidFill>
+                                  <a:srgbClr val="515560"/>
+                                </a:solidFill>
+                                <a:latin typeface="Cambria Math" panose="02040503050406030204" pitchFamily="18" charset="0"/>
+                              </a:rPr>
+                              <m:t>2</m:t>
+                            </m:r>
+                          </m:sup>
+                        </m:sSup>
+                      </m:num>
+                      <m:den>
+                        <m:r>
+                          <a:rPr lang="en-US" b="0" i="1" smtClean="0">
+                            <a:solidFill>
+                              <a:srgbClr val="515560"/>
+                            </a:solidFill>
+                            <a:latin typeface="Cambria Math" panose="02040503050406030204" pitchFamily="18" charset="0"/>
+                          </a:rPr>
+                          <m:t>𝐺𝐷𝑃</m:t>
+                        </m:r>
+                      </m:den>
+                    </m:f>
+                  </m:oMath>
+                </a14:m>
+                <a:endParaRPr lang="en-US" b="0" i="0" dirty="0">
+                  <a:solidFill>
+                    <a:srgbClr val="515560"/>
+                  </a:solidFill>
+                  <a:effectLst/>
+                  <a:latin typeface="Georgia" panose="02040502050405020303" pitchFamily="18" charset="0"/>
+                </a:endParaRPr>
+              </a:p>
+              <a:p>
+                <a:r>
+                  <a:rPr lang="el-GR" dirty="0">
+                    <a:latin typeface="Georgia" panose="02040502050405020303" pitchFamily="18" charset="0"/>
+                    <a:ea typeface="Microsoft JhengHei" panose="020B0604030504040204" pitchFamily="34" charset="-120"/>
+                  </a:rPr>
+                  <a:t>Ουσιαστικά είναι ένας δείκτης που μετρά πιο αυστηρή απόδοση.</a:t>
+                </a:r>
+                <a:endParaRPr lang="en-US" dirty="0">
+                  <a:latin typeface="Georgia" panose="02040502050405020303" pitchFamily="18" charset="0"/>
+                  <a:ea typeface="Microsoft JhengHei" panose="020B0604030504040204" pitchFamily="34" charset="-120"/>
+                </a:endParaRPr>
+              </a:p>
+            </p:txBody>
+          </p:sp>
+        </mc:Choice>
+        <mc:Fallback xmlns="">
+          <p:sp>
+            <p:nvSpPr>
+              <p:cNvPr id="3" name="Θέση περιεχομένου 2">
+                <a:extLst>
+                  <a:ext uri="{FF2B5EF4-FFF2-40B4-BE49-F238E27FC236}">
+                    <a16:creationId xmlns:a16="http://schemas.microsoft.com/office/drawing/2014/main" id="{350A861C-EBF6-148F-566A-05093338A19D}"/>
+                  </a:ext>
+                </a:extLst>
+              </p:cNvPr>
+              <p:cNvSpPr>
+                <a:spLocks noGrp="1" noRot="1" noChangeAspect="1" noMove="1" noResize="1" noEditPoints="1" noAdjustHandles="1" noChangeArrowheads="1" noChangeShapeType="1" noTextEdit="1"/>
+              </p:cNvSpPr>
+              <p:nvPr>
+                <p:ph idx="1"/>
+              </p:nvPr>
+            </p:nvSpPr>
+            <p:spPr>
+              <a:xfrm>
+                <a:off x="581192" y="2180496"/>
+                <a:ext cx="6364731" cy="3678303"/>
+              </a:xfrm>
+              <a:blipFill>
+                <a:blip r:embed="rId2"/>
+                <a:stretch>
+                  <a:fillRect l="-383" t="-829" r="-862" b="-1990"/>
+                </a:stretch>
+              </a:blipFill>
+            </p:spPr>
+            <p:txBody>
+              <a:bodyPr/>
+              <a:lstStyle/>
+              <a:p>
+                <a:r>
+                  <a:rPr lang="en-US">
+                    <a:noFill/>
+                  </a:rPr>
+                  <a:t> </a:t>
+                </a:r>
+              </a:p>
+            </p:txBody>
+          </p:sp>
+        </mc:Fallback>
+      </mc:AlternateContent>
+      <p:pic>
+        <p:nvPicPr>
+          <p:cNvPr id="1026" name="Picture 2">
+            <a:extLst>
+              <a:ext uri="{FF2B5EF4-FFF2-40B4-BE49-F238E27FC236}">
+                <a16:creationId xmlns:a16="http://schemas.microsoft.com/office/drawing/2014/main" id="{DD999ACE-B8A7-4918-DB72-E19DFD5712D0}"/>
+              </a:ext>
+            </a:extLst>
+          </p:cNvPr>
+          <p:cNvPicPr>
+            <a:picLocks noChangeAspect="1" noChangeArrowheads="1"/>
+          </p:cNvPicPr>
+          <p:nvPr/>
+        </p:nvPicPr>
+        <p:blipFill>
+          <a:blip r:embed="rId3">
+            <a:extLst>
+              <a:ext uri="{28A0092B-C50C-407E-A947-70E740481C1C}">
+                <a14:useLocalDpi xmlns:a14="http://schemas.microsoft.com/office/drawing/2010/main" val="0"/>
+              </a:ext>
+            </a:extLst>
+          </a:blip>
+          <a:srcRect/>
+          <a:stretch>
+            <a:fillRect/>
+          </a:stretch>
+        </p:blipFill>
+        <p:spPr bwMode="auto">
+          <a:xfrm>
+            <a:off x="7191207" y="2113084"/>
+            <a:ext cx="4419601" cy="4419601"/>
+          </a:xfrm>
+          <a:prstGeom prst="rect">
+            <a:avLst/>
+          </a:prstGeom>
+          <a:noFill/>
+          <a:extLst>
+            <a:ext uri="{909E8E84-426E-40DD-AFC4-6F175D3DCCD1}">
+              <a14:hiddenFill xmlns:a14="http://schemas.microsoft.com/office/drawing/2010/main">
+                <a:solidFill>
+                  <a:srgbClr val="FFFFFF"/>
+                </a:solidFill>
+              </a14:hiddenFill>
+            </a:ext>
+          </a:extLst>
+        </p:spPr>
+      </p:pic>
+    </p:spTree>
+    <p:extLst>
+      <p:ext uri="{BB962C8B-B14F-4D97-AF65-F5344CB8AC3E}">
+        <p14:creationId xmlns:p14="http://schemas.microsoft.com/office/powerpoint/2010/main" val="2270849242"/>
       </p:ext>
     </p:extLst>
   </p:cSld>
@@ -18209,6 +22191,180 @@
   <p:cSld>
     <p:spTree>
       <p:nvGrpSpPr>
+        <p:cNvPr id="1" name=""/>
+        <p:cNvGrpSpPr/>
+        <p:nvPr/>
+      </p:nvGrpSpPr>
+      <p:grpSpPr>
+        <a:xfrm>
+          <a:off x="0" y="0"/>
+          <a:ext cx="0" cy="0"/>
+          <a:chOff x="0" y="0"/>
+          <a:chExt cx="0" cy="0"/>
+        </a:xfrm>
+      </p:grpSpPr>
+      <p:sp>
+        <p:nvSpPr>
+          <p:cNvPr id="2" name="Τίτλος 1">
+            <a:extLst>
+              <a:ext uri="{FF2B5EF4-FFF2-40B4-BE49-F238E27FC236}">
+                <a16:creationId xmlns:a16="http://schemas.microsoft.com/office/drawing/2014/main" id="{68517589-33DD-7D4E-CA33-D489CCD5C09D}"/>
+              </a:ext>
+            </a:extLst>
+          </p:cNvPr>
+          <p:cNvSpPr>
+            <a:spLocks noGrp="1"/>
+          </p:cNvSpPr>
+          <p:nvPr>
+            <p:ph type="title"/>
+          </p:nvPr>
+        </p:nvSpPr>
+        <p:spPr/>
+        <p:txBody>
+          <a:bodyPr/>
+          <a:lstStyle/>
+          <a:p>
+            <a:r>
+              <a:rPr lang="el-GR" dirty="0" err="1">
+                <a:latin typeface="Georgia" panose="02040502050405020303" pitchFamily="18" charset="0"/>
+              </a:rPr>
+              <a:t>Περιεχομενα</a:t>
+            </a:r>
+            <a:r>
+              <a:rPr lang="el-GR" dirty="0">
+                <a:latin typeface="Georgia" panose="02040502050405020303" pitchFamily="18" charset="0"/>
+              </a:rPr>
+              <a:t> </a:t>
+            </a:r>
+            <a:r>
+              <a:rPr lang="el-GR" dirty="0" err="1">
+                <a:latin typeface="Georgia" panose="02040502050405020303" pitchFamily="18" charset="0"/>
+              </a:rPr>
+              <a:t>παρουσιασησ</a:t>
+            </a:r>
+            <a:endParaRPr lang="en-US" dirty="0">
+              <a:latin typeface="Georgia" panose="02040502050405020303" pitchFamily="18" charset="0"/>
+            </a:endParaRPr>
+          </a:p>
+        </p:txBody>
+      </p:sp>
+      <p:sp>
+        <p:nvSpPr>
+          <p:cNvPr id="3" name="Θέση περιεχομένου 2">
+            <a:extLst>
+              <a:ext uri="{FF2B5EF4-FFF2-40B4-BE49-F238E27FC236}">
+                <a16:creationId xmlns:a16="http://schemas.microsoft.com/office/drawing/2014/main" id="{8FD80C58-D01D-2DE5-041E-6E65EE54E2C8}"/>
+              </a:ext>
+            </a:extLst>
+          </p:cNvPr>
+          <p:cNvSpPr>
+            <a:spLocks noGrp="1"/>
+          </p:cNvSpPr>
+          <p:nvPr>
+            <p:ph sz="half" idx="1"/>
+          </p:nvPr>
+        </p:nvSpPr>
+        <p:spPr>
+          <a:xfrm>
+            <a:off x="581193" y="2228003"/>
+            <a:ext cx="11029616" cy="3633047"/>
+          </a:xfrm>
+        </p:spPr>
+        <p:txBody>
+          <a:bodyPr/>
+          <a:lstStyle/>
+          <a:p>
+            <a:r>
+              <a:rPr lang="el-GR" dirty="0">
+                <a:latin typeface="Georgia" panose="02040502050405020303" pitchFamily="18" charset="0"/>
+              </a:rPr>
+              <a:t>Πηγές δεδομένων.</a:t>
+            </a:r>
+          </a:p>
+          <a:p>
+            <a:r>
+              <a:rPr lang="el-GR" dirty="0">
+                <a:latin typeface="Georgia" panose="02040502050405020303" pitchFamily="18" charset="0"/>
+              </a:rPr>
+              <a:t>Εξερεύνηση οριζόντιας ισότητας από την πλευρά των χωρών. </a:t>
+            </a:r>
+          </a:p>
+          <a:p>
+            <a:r>
+              <a:rPr lang="el-GR" dirty="0">
+                <a:latin typeface="Georgia" panose="02040502050405020303" pitchFamily="18" charset="0"/>
+              </a:rPr>
+              <a:t>Εξερεύνηση μία πιο χαλαρής </a:t>
+            </a:r>
+            <a:r>
+              <a:rPr lang="el-GR" dirty="0" err="1">
+                <a:latin typeface="Georgia" panose="02040502050405020303" pitchFamily="18" charset="0"/>
+              </a:rPr>
+              <a:t>οριζόντας</a:t>
+            </a:r>
+            <a:r>
+              <a:rPr lang="el-GR" dirty="0">
+                <a:latin typeface="Georgia" panose="02040502050405020303" pitchFamily="18" charset="0"/>
+              </a:rPr>
+              <a:t> ισότητας από την σκοπιά των χωρών.</a:t>
+            </a:r>
+          </a:p>
+          <a:p>
+            <a:r>
+              <a:rPr lang="el-GR" dirty="0">
+                <a:latin typeface="Georgia" panose="02040502050405020303" pitchFamily="18" charset="0"/>
+              </a:rPr>
+              <a:t>Πρόταση ενός Γραμμικού προβλήματος για τον </a:t>
+            </a:r>
+            <a:r>
+              <a:rPr lang="el-GR" dirty="0" err="1">
+                <a:latin typeface="Georgia" panose="02040502050405020303" pitchFamily="18" charset="0"/>
+              </a:rPr>
+              <a:t>μοιρασμό</a:t>
+            </a:r>
+            <a:r>
+              <a:rPr lang="el-GR" dirty="0">
+                <a:latin typeface="Georgia" panose="02040502050405020303" pitchFamily="18" charset="0"/>
+              </a:rPr>
+              <a:t> των αδειών.</a:t>
+            </a:r>
+          </a:p>
+          <a:p>
+            <a:r>
+              <a:rPr lang="el-GR" dirty="0">
+                <a:latin typeface="Georgia" panose="02040502050405020303" pitchFamily="18" charset="0"/>
+              </a:rPr>
+              <a:t>Επισκόπηση μίας άλλης προσέγγισης.</a:t>
+            </a:r>
+          </a:p>
+          <a:p>
+            <a:r>
+              <a:rPr lang="el-GR" dirty="0">
+                <a:latin typeface="Georgia" panose="02040502050405020303" pitchFamily="18" charset="0"/>
+              </a:rPr>
+              <a:t>Σύγκριση των δύο προσεγγίσεων.  </a:t>
+            </a:r>
+          </a:p>
+        </p:txBody>
+      </p:sp>
+    </p:spTree>
+    <p:extLst>
+      <p:ext uri="{BB962C8B-B14F-4D97-AF65-F5344CB8AC3E}">
+        <p14:creationId xmlns:p14="http://schemas.microsoft.com/office/powerpoint/2010/main" val="3369007481"/>
+      </p:ext>
+    </p:extLst>
+  </p:cSld>
+  <p:clrMapOvr>
+    <a:masterClrMapping/>
+  </p:clrMapOvr>
+</p:sld>
+</file>
+
+<file path=ppt/slides/slide9.xml><?xml version="1.0" encoding="utf-8"?>
+<p:sld xmlns:a="http://schemas.openxmlformats.org/drawingml/2006/main" xmlns:r="http://schemas.openxmlformats.org/officeDocument/2006/relationships" xmlns:p="http://schemas.openxmlformats.org/presentationml/2006/main">
+  <p:cSld>
+    <p:spTree>
+      <p:nvGrpSpPr>
         <p:cNvPr id="1" name="">
           <a:extLst>
             <a:ext uri="{FF2B5EF4-FFF2-40B4-BE49-F238E27FC236}">
@@ -18293,923 +22449,6 @@
     <p:extLst>
       <p:ext uri="{BB962C8B-B14F-4D97-AF65-F5344CB8AC3E}">
         <p14:creationId xmlns:p14="http://schemas.microsoft.com/office/powerpoint/2010/main" val="62616224"/>
-      </p:ext>
-    </p:extLst>
-  </p:cSld>
-  <p:clrMapOvr>
-    <a:masterClrMapping/>
-  </p:clrMapOvr>
-</p:sld>
-</file>
-
-<file path=ppt/slides/slide9.xml><?xml version="1.0" encoding="utf-8"?>
-<p:sld xmlns:a="http://schemas.openxmlformats.org/drawingml/2006/main" xmlns:r="http://schemas.openxmlformats.org/officeDocument/2006/relationships" xmlns:p="http://schemas.openxmlformats.org/presentationml/2006/main">
-  <p:cSld>
-    <p:spTree>
-      <p:nvGrpSpPr>
-        <p:cNvPr id="1" name=""/>
-        <p:cNvGrpSpPr/>
-        <p:nvPr/>
-      </p:nvGrpSpPr>
-      <p:grpSpPr>
-        <a:xfrm>
-          <a:off x="0" y="0"/>
-          <a:ext cx="0" cy="0"/>
-          <a:chOff x="0" y="0"/>
-          <a:chExt cx="0" cy="0"/>
-        </a:xfrm>
-      </p:grpSpPr>
-      <p:sp>
-        <p:nvSpPr>
-          <p:cNvPr id="2" name="Τίτλος 1">
-            <a:extLst>
-              <a:ext uri="{FF2B5EF4-FFF2-40B4-BE49-F238E27FC236}">
-                <a16:creationId xmlns:a16="http://schemas.microsoft.com/office/drawing/2014/main" id="{A2D41951-2723-3037-ED11-F3F889FF75CA}"/>
-              </a:ext>
-            </a:extLst>
-          </p:cNvPr>
-          <p:cNvSpPr>
-            <a:spLocks noGrp="1"/>
-          </p:cNvSpPr>
-          <p:nvPr>
-            <p:ph type="title"/>
-          </p:nvPr>
-        </p:nvSpPr>
-        <p:spPr/>
-        <p:txBody>
-          <a:bodyPr/>
-          <a:lstStyle/>
-          <a:p>
-            <a:r>
-              <a:rPr lang="el-GR" dirty="0" err="1"/>
-              <a:t>Πηγεσ</a:t>
-            </a:r>
-            <a:r>
-              <a:rPr lang="el-GR" dirty="0"/>
-              <a:t> </a:t>
-            </a:r>
-            <a:r>
-              <a:rPr lang="el-GR" dirty="0" err="1">
-                <a:latin typeface="Georgia" panose="02040502050405020303" pitchFamily="18" charset="0"/>
-              </a:rPr>
-              <a:t>Δεδομενων</a:t>
-            </a:r>
-            <a:endParaRPr lang="en-US" dirty="0">
-              <a:latin typeface="Georgia" panose="02040502050405020303" pitchFamily="18" charset="0"/>
-            </a:endParaRPr>
-          </a:p>
-        </p:txBody>
-      </p:sp>
-      <p:graphicFrame>
-        <p:nvGraphicFramePr>
-          <p:cNvPr id="5" name="Θέση περιεχομένου 4">
-            <a:extLst>
-              <a:ext uri="{FF2B5EF4-FFF2-40B4-BE49-F238E27FC236}">
-                <a16:creationId xmlns:a16="http://schemas.microsoft.com/office/drawing/2014/main" id="{4E3D359A-8640-051E-974A-5E2E0D4DF7E1}"/>
-              </a:ext>
-            </a:extLst>
-          </p:cNvPr>
-          <p:cNvGraphicFramePr>
-            <a:graphicFrameLocks noGrp="1"/>
-          </p:cNvGraphicFramePr>
-          <p:nvPr>
-            <p:ph sz="half" idx="1"/>
-            <p:extLst>
-              <p:ext uri="{D42A27DB-BD31-4B8C-83A1-F6EECF244321}">
-                <p14:modId xmlns:p14="http://schemas.microsoft.com/office/powerpoint/2010/main" val="3641229166"/>
-              </p:ext>
-            </p:extLst>
-          </p:nvPr>
-        </p:nvGraphicFramePr>
-        <p:xfrm>
-          <a:off x="581025" y="2227263"/>
-          <a:ext cx="5422900" cy="3307080"/>
-        </p:xfrm>
-        <a:graphic>
-          <a:graphicData uri="http://schemas.openxmlformats.org/drawingml/2006/table">
-            <a:tbl>
-              <a:tblPr firstRow="1" bandRow="1">
-                <a:tableStyleId>{5C22544A-7EE6-4342-B048-85BDC9FD1C3A}</a:tableStyleId>
-              </a:tblPr>
-              <a:tblGrid>
-                <a:gridCol w="2711450">
-                  <a:extLst>
-                    <a:ext uri="{9D8B030D-6E8A-4147-A177-3AD203B41FA5}">
-                      <a16:colId xmlns:a16="http://schemas.microsoft.com/office/drawing/2014/main" val="4002248494"/>
-                    </a:ext>
-                  </a:extLst>
-                </a:gridCol>
-                <a:gridCol w="2711450">
-                  <a:extLst>
-                    <a:ext uri="{9D8B030D-6E8A-4147-A177-3AD203B41FA5}">
-                      <a16:colId xmlns:a16="http://schemas.microsoft.com/office/drawing/2014/main" val="1110672931"/>
-                    </a:ext>
-                  </a:extLst>
-                </a:gridCol>
-              </a:tblGrid>
-              <a:tr h="370840">
-                <a:tc>
-                  <a:txBody>
-                    <a:bodyPr/>
-                    <a:lstStyle/>
-                    <a:p>
-                      <a:r>
-                        <a:rPr lang="el-GR" dirty="0">
-                          <a:latin typeface="Georgia" panose="02040502050405020303" pitchFamily="18" charset="0"/>
-                        </a:rPr>
-                        <a:t>Δεδομένο</a:t>
-                      </a:r>
-                      <a:endParaRPr lang="en-US" dirty="0">
-                        <a:latin typeface="Georgia" panose="02040502050405020303" pitchFamily="18" charset="0"/>
-                      </a:endParaRPr>
-                    </a:p>
-                  </a:txBody>
-                  <a:tcPr/>
-                </a:tc>
-                <a:tc>
-                  <a:txBody>
-                    <a:bodyPr/>
-                    <a:lstStyle/>
-                    <a:p>
-                      <a:r>
-                        <a:rPr lang="el-GR" dirty="0">
-                          <a:latin typeface="Georgia" panose="02040502050405020303" pitchFamily="18" charset="0"/>
-                        </a:rPr>
-                        <a:t>Πηγή</a:t>
-                      </a:r>
-                      <a:endParaRPr lang="en-US" dirty="0">
-                        <a:latin typeface="Georgia" panose="02040502050405020303" pitchFamily="18" charset="0"/>
-                      </a:endParaRPr>
-                    </a:p>
-                  </a:txBody>
-                  <a:tcPr/>
-                </a:tc>
-                <a:extLst>
-                  <a:ext uri="{0D108BD9-81ED-4DB2-BD59-A6C34878D82A}">
-                    <a16:rowId xmlns:a16="http://schemas.microsoft.com/office/drawing/2014/main" val="1061718114"/>
-                  </a:ext>
-                </a:extLst>
-              </a:tr>
-              <a:tr h="370840">
-                <a:tc>
-                  <a:txBody>
-                    <a:bodyPr/>
-                    <a:lstStyle/>
-                    <a:p>
-                      <a:r>
-                        <a:rPr lang="el-GR" dirty="0">
-                          <a:latin typeface="Georgia" panose="02040502050405020303" pitchFamily="18" charset="0"/>
-                        </a:rPr>
-                        <a:t>Πληθωρισμός</a:t>
-                      </a:r>
-                      <a:endParaRPr lang="en-US" dirty="0">
-                        <a:latin typeface="Georgia" panose="02040502050405020303" pitchFamily="18" charset="0"/>
-                      </a:endParaRPr>
-                    </a:p>
-                  </a:txBody>
-                  <a:tcPr/>
-                </a:tc>
-                <a:tc>
-                  <a:txBody>
-                    <a:bodyPr/>
-                    <a:lstStyle/>
-                    <a:p>
-                      <a:pPr marL="0" marR="0" lvl="0" indent="0" algn="l" defTabSz="457200" rtl="0" eaLnBrk="1" fontAlgn="auto" latinLnBrk="0" hangingPunct="1">
-                        <a:lnSpc>
-                          <a:spcPct val="100000"/>
-                        </a:lnSpc>
-                        <a:spcBef>
-                          <a:spcPts val="0"/>
-                        </a:spcBef>
-                        <a:spcAft>
-                          <a:spcPts val="0"/>
-                        </a:spcAft>
-                        <a:buClrTx/>
-                        <a:buSzTx/>
-                        <a:buFontTx/>
-                        <a:buNone/>
-                        <a:tabLst/>
-                        <a:defRPr/>
-                      </a:pPr>
-                      <a:r>
-                        <a:rPr lang="en-US" dirty="0">
-                          <a:latin typeface="Georgia" panose="02040502050405020303" pitchFamily="18" charset="0"/>
-                        </a:rPr>
-                        <a:t>databank.worldbank.org</a:t>
-                      </a:r>
-                    </a:p>
-                  </a:txBody>
-                  <a:tcPr/>
-                </a:tc>
-                <a:extLst>
-                  <a:ext uri="{0D108BD9-81ED-4DB2-BD59-A6C34878D82A}">
-                    <a16:rowId xmlns:a16="http://schemas.microsoft.com/office/drawing/2014/main" val="346274608"/>
-                  </a:ext>
-                </a:extLst>
-              </a:tr>
-              <a:tr h="370840">
-                <a:tc>
-                  <a:txBody>
-                    <a:bodyPr/>
-                    <a:lstStyle/>
-                    <a:p>
-                      <a:r>
-                        <a:rPr lang="el-GR" dirty="0">
-                          <a:latin typeface="Georgia" panose="02040502050405020303" pitchFamily="18" charset="0"/>
-                        </a:rPr>
-                        <a:t>Πληθυσμός</a:t>
-                      </a:r>
-                      <a:endParaRPr lang="en-US" dirty="0">
-                        <a:latin typeface="Georgia" panose="02040502050405020303" pitchFamily="18" charset="0"/>
-                      </a:endParaRPr>
-                    </a:p>
-                  </a:txBody>
-                  <a:tcPr/>
-                </a:tc>
-                <a:tc>
-                  <a:txBody>
-                    <a:bodyPr/>
-                    <a:lstStyle/>
-                    <a:p>
-                      <a:pPr marL="0" marR="0" lvl="0" indent="0" algn="l" defTabSz="457200" rtl="0" eaLnBrk="1" fontAlgn="auto" latinLnBrk="0" hangingPunct="1">
-                        <a:lnSpc>
-                          <a:spcPct val="100000"/>
-                        </a:lnSpc>
-                        <a:spcBef>
-                          <a:spcPts val="0"/>
-                        </a:spcBef>
-                        <a:spcAft>
-                          <a:spcPts val="0"/>
-                        </a:spcAft>
-                        <a:buClrTx/>
-                        <a:buSzTx/>
-                        <a:buFontTx/>
-                        <a:buNone/>
-                        <a:tabLst/>
-                        <a:defRPr/>
-                      </a:pPr>
-                      <a:r>
-                        <a:rPr lang="en-US" dirty="0">
-                          <a:latin typeface="Georgia" panose="02040502050405020303" pitchFamily="18" charset="0"/>
-                        </a:rPr>
-                        <a:t>databank.worldbank.org</a:t>
-                      </a:r>
-                    </a:p>
-                  </a:txBody>
-                  <a:tcPr/>
-                </a:tc>
-                <a:extLst>
-                  <a:ext uri="{0D108BD9-81ED-4DB2-BD59-A6C34878D82A}">
-                    <a16:rowId xmlns:a16="http://schemas.microsoft.com/office/drawing/2014/main" val="3226850136"/>
-                  </a:ext>
-                </a:extLst>
-              </a:tr>
-              <a:tr h="370840">
-                <a:tc>
-                  <a:txBody>
-                    <a:bodyPr/>
-                    <a:lstStyle/>
-                    <a:p>
-                      <a:pPr marL="0" marR="0" lvl="0" indent="0" algn="l" defTabSz="457200" rtl="0" eaLnBrk="1" fontAlgn="auto" latinLnBrk="0" hangingPunct="1">
-                        <a:lnSpc>
-                          <a:spcPct val="100000"/>
-                        </a:lnSpc>
-                        <a:spcBef>
-                          <a:spcPts val="0"/>
-                        </a:spcBef>
-                        <a:spcAft>
-                          <a:spcPts val="0"/>
-                        </a:spcAft>
-                        <a:buClrTx/>
-                        <a:buSzTx/>
-                        <a:buFontTx/>
-                        <a:buNone/>
-                        <a:tabLst/>
-                        <a:defRPr/>
-                      </a:pPr>
-                      <a:r>
-                        <a:rPr lang="el-GR" dirty="0">
-                          <a:latin typeface="Georgia" panose="02040502050405020303" pitchFamily="18" charset="0"/>
-                        </a:rPr>
-                        <a:t>Ποσοστό Αγροτικής παραγωγής στο ΑΕΠ</a:t>
-                      </a:r>
-                      <a:endParaRPr lang="en-US" dirty="0">
-                        <a:latin typeface="Georgia" panose="02040502050405020303" pitchFamily="18" charset="0"/>
-                      </a:endParaRPr>
-                    </a:p>
-                  </a:txBody>
-                  <a:tcPr/>
-                </a:tc>
-                <a:tc>
-                  <a:txBody>
-                    <a:bodyPr/>
-                    <a:lstStyle/>
-                    <a:p>
-                      <a:pPr marL="0" marR="0" lvl="0" indent="0" algn="l" defTabSz="457200" rtl="0" eaLnBrk="1" fontAlgn="auto" latinLnBrk="0" hangingPunct="1">
-                        <a:lnSpc>
-                          <a:spcPct val="100000"/>
-                        </a:lnSpc>
-                        <a:spcBef>
-                          <a:spcPts val="0"/>
-                        </a:spcBef>
-                        <a:spcAft>
-                          <a:spcPts val="0"/>
-                        </a:spcAft>
-                        <a:buClrTx/>
-                        <a:buSzTx/>
-                        <a:buFontTx/>
-                        <a:buNone/>
-                        <a:tabLst/>
-                        <a:defRPr/>
-                      </a:pPr>
-                      <a:r>
-                        <a:rPr lang="en-US" dirty="0">
-                          <a:latin typeface="Georgia" panose="02040502050405020303" pitchFamily="18" charset="0"/>
-                        </a:rPr>
-                        <a:t>databank.worldbank.org</a:t>
-                      </a:r>
-                    </a:p>
-                    <a:p>
-                      <a:endParaRPr lang="en-US" dirty="0">
-                        <a:latin typeface="Georgia" panose="02040502050405020303" pitchFamily="18" charset="0"/>
-                      </a:endParaRPr>
-                    </a:p>
-                  </a:txBody>
-                  <a:tcPr/>
-                </a:tc>
-                <a:extLst>
-                  <a:ext uri="{0D108BD9-81ED-4DB2-BD59-A6C34878D82A}">
-                    <a16:rowId xmlns:a16="http://schemas.microsoft.com/office/drawing/2014/main" val="3160263595"/>
-                  </a:ext>
-                </a:extLst>
-              </a:tr>
-              <a:tr h="370840">
-                <a:tc>
-                  <a:txBody>
-                    <a:bodyPr/>
-                    <a:lstStyle/>
-                    <a:p>
-                      <a:pPr marL="0" marR="0" lvl="0" indent="0" algn="l" defTabSz="457200" rtl="0" eaLnBrk="1" fontAlgn="auto" latinLnBrk="0" hangingPunct="1">
-                        <a:lnSpc>
-                          <a:spcPct val="100000"/>
-                        </a:lnSpc>
-                        <a:spcBef>
-                          <a:spcPts val="0"/>
-                        </a:spcBef>
-                        <a:spcAft>
-                          <a:spcPts val="0"/>
-                        </a:spcAft>
-                        <a:buClrTx/>
-                        <a:buSzTx/>
-                        <a:buFontTx/>
-                        <a:buNone/>
-                        <a:tabLst/>
-                        <a:defRPr/>
-                      </a:pPr>
-                      <a:r>
-                        <a:rPr lang="el-GR" dirty="0">
-                          <a:latin typeface="Georgia" panose="02040502050405020303" pitchFamily="18" charset="0"/>
-                        </a:rPr>
-                        <a:t>Ποσοστό Βιομηχανίας στο ΑΕΠ</a:t>
-                      </a:r>
-                      <a:r>
-                        <a:rPr lang="en-US" dirty="0">
-                          <a:latin typeface="Georgia" panose="02040502050405020303" pitchFamily="18" charset="0"/>
-                        </a:rPr>
-                        <a:t> (Industry)</a:t>
-                      </a:r>
-                    </a:p>
-                  </a:txBody>
-                  <a:tcPr/>
-                </a:tc>
-                <a:tc>
-                  <a:txBody>
-                    <a:bodyPr/>
-                    <a:lstStyle/>
-                    <a:p>
-                      <a:pPr marL="0" marR="0" lvl="0" indent="0" algn="l" defTabSz="457200" rtl="0" eaLnBrk="1" fontAlgn="auto" latinLnBrk="0" hangingPunct="1">
-                        <a:lnSpc>
-                          <a:spcPct val="100000"/>
-                        </a:lnSpc>
-                        <a:spcBef>
-                          <a:spcPts val="0"/>
-                        </a:spcBef>
-                        <a:spcAft>
-                          <a:spcPts val="0"/>
-                        </a:spcAft>
-                        <a:buClrTx/>
-                        <a:buSzTx/>
-                        <a:buFontTx/>
-                        <a:buNone/>
-                        <a:tabLst/>
-                        <a:defRPr/>
-                      </a:pPr>
-                      <a:r>
-                        <a:rPr lang="en-US" dirty="0">
-                          <a:latin typeface="Georgia" panose="02040502050405020303" pitchFamily="18" charset="0"/>
-                        </a:rPr>
-                        <a:t>databank.worldbank.org</a:t>
-                      </a:r>
-                    </a:p>
-                    <a:p>
-                      <a:endParaRPr lang="en-US" dirty="0">
-                        <a:latin typeface="Georgia" panose="02040502050405020303" pitchFamily="18" charset="0"/>
-                      </a:endParaRPr>
-                    </a:p>
-                  </a:txBody>
-                  <a:tcPr/>
-                </a:tc>
-                <a:extLst>
-                  <a:ext uri="{0D108BD9-81ED-4DB2-BD59-A6C34878D82A}">
-                    <a16:rowId xmlns:a16="http://schemas.microsoft.com/office/drawing/2014/main" val="3009276888"/>
-                  </a:ext>
-                </a:extLst>
-              </a:tr>
-              <a:tr h="370840">
-                <a:tc>
-                  <a:txBody>
-                    <a:bodyPr/>
-                    <a:lstStyle/>
-                    <a:p>
-                      <a:pPr marL="0" marR="0" lvl="0" indent="0" algn="l" defTabSz="457200" rtl="0" eaLnBrk="1" fontAlgn="auto" latinLnBrk="0" hangingPunct="1">
-                        <a:lnSpc>
-                          <a:spcPct val="100000"/>
-                        </a:lnSpc>
-                        <a:spcBef>
-                          <a:spcPts val="0"/>
-                        </a:spcBef>
-                        <a:spcAft>
-                          <a:spcPts val="0"/>
-                        </a:spcAft>
-                        <a:buClrTx/>
-                        <a:buSzTx/>
-                        <a:buFontTx/>
-                        <a:buNone/>
-                        <a:tabLst/>
-                        <a:defRPr/>
-                      </a:pPr>
-                      <a:r>
-                        <a:rPr lang="el-GR" dirty="0">
-                          <a:latin typeface="Georgia" panose="02040502050405020303" pitchFamily="18" charset="0"/>
-                        </a:rPr>
-                        <a:t>Ποσοστό Παραγωγής  στο ΑΕΠ (</a:t>
-                      </a:r>
-                      <a:r>
-                        <a:rPr lang="en-US" dirty="0">
-                          <a:latin typeface="Georgia" panose="02040502050405020303" pitchFamily="18" charset="0"/>
-                        </a:rPr>
-                        <a:t>Manufacturing)</a:t>
-                      </a:r>
-                    </a:p>
-                  </a:txBody>
-                  <a:tcPr/>
-                </a:tc>
-                <a:tc>
-                  <a:txBody>
-                    <a:bodyPr/>
-                    <a:lstStyle/>
-                    <a:p>
-                      <a:pPr marL="0" marR="0" lvl="0" indent="0" algn="l" defTabSz="457200" rtl="0" eaLnBrk="1" fontAlgn="auto" latinLnBrk="0" hangingPunct="1">
-                        <a:lnSpc>
-                          <a:spcPct val="100000"/>
-                        </a:lnSpc>
-                        <a:spcBef>
-                          <a:spcPts val="0"/>
-                        </a:spcBef>
-                        <a:spcAft>
-                          <a:spcPts val="0"/>
-                        </a:spcAft>
-                        <a:buClrTx/>
-                        <a:buSzTx/>
-                        <a:buFontTx/>
-                        <a:buNone/>
-                        <a:tabLst/>
-                        <a:defRPr/>
-                      </a:pPr>
-                      <a:r>
-                        <a:rPr lang="en-US" dirty="0">
-                          <a:latin typeface="Georgia" panose="02040502050405020303" pitchFamily="18" charset="0"/>
-                        </a:rPr>
-                        <a:t>databank.worldbank.org</a:t>
-                      </a:r>
-                    </a:p>
-                    <a:p>
-                      <a:endParaRPr lang="en-US" dirty="0">
-                        <a:latin typeface="Georgia" panose="02040502050405020303" pitchFamily="18" charset="0"/>
-                      </a:endParaRPr>
-                    </a:p>
-                  </a:txBody>
-                  <a:tcPr/>
-                </a:tc>
-                <a:extLst>
-                  <a:ext uri="{0D108BD9-81ED-4DB2-BD59-A6C34878D82A}">
-                    <a16:rowId xmlns:a16="http://schemas.microsoft.com/office/drawing/2014/main" val="1619288542"/>
-                  </a:ext>
-                </a:extLst>
-              </a:tr>
-            </a:tbl>
-          </a:graphicData>
-        </a:graphic>
-      </p:graphicFrame>
-      <p:graphicFrame>
-        <p:nvGraphicFramePr>
-          <p:cNvPr id="6" name="Θέση περιεχομένου 4">
-            <a:extLst>
-              <a:ext uri="{FF2B5EF4-FFF2-40B4-BE49-F238E27FC236}">
-                <a16:creationId xmlns:a16="http://schemas.microsoft.com/office/drawing/2014/main" id="{2F567F98-8212-4506-F184-F2D60915356A}"/>
-              </a:ext>
-            </a:extLst>
-          </p:cNvPr>
-          <p:cNvGraphicFramePr>
-            <a:graphicFrameLocks/>
-          </p:cNvGraphicFramePr>
-          <p:nvPr>
-            <p:extLst>
-              <p:ext uri="{D42A27DB-BD31-4B8C-83A1-F6EECF244321}">
-                <p14:modId xmlns:p14="http://schemas.microsoft.com/office/powerpoint/2010/main" val="2881226806"/>
-              </p:ext>
-            </p:extLst>
-          </p:nvPr>
-        </p:nvGraphicFramePr>
-        <p:xfrm>
-          <a:off x="6188163" y="2227264"/>
-          <a:ext cx="5422900" cy="3074183"/>
-        </p:xfrm>
-        <a:graphic>
-          <a:graphicData uri="http://schemas.openxmlformats.org/drawingml/2006/table">
-            <a:tbl>
-              <a:tblPr firstRow="1" bandRow="1">
-                <a:tableStyleId>{5C22544A-7EE6-4342-B048-85BDC9FD1C3A}</a:tableStyleId>
-              </a:tblPr>
-              <a:tblGrid>
-                <a:gridCol w="2711450">
-                  <a:extLst>
-                    <a:ext uri="{9D8B030D-6E8A-4147-A177-3AD203B41FA5}">
-                      <a16:colId xmlns:a16="http://schemas.microsoft.com/office/drawing/2014/main" val="4002248494"/>
-                    </a:ext>
-                  </a:extLst>
-                </a:gridCol>
-                <a:gridCol w="2711450">
-                  <a:extLst>
-                    <a:ext uri="{9D8B030D-6E8A-4147-A177-3AD203B41FA5}">
-                      <a16:colId xmlns:a16="http://schemas.microsoft.com/office/drawing/2014/main" val="1110672931"/>
-                    </a:ext>
-                  </a:extLst>
-                </a:gridCol>
-              </a:tblGrid>
-              <a:tr h="330589">
-                <a:tc>
-                  <a:txBody>
-                    <a:bodyPr/>
-                    <a:lstStyle/>
-                    <a:p>
-                      <a:r>
-                        <a:rPr lang="el-GR" dirty="0">
-                          <a:latin typeface="Georgia" panose="02040502050405020303" pitchFamily="18" charset="0"/>
-                        </a:rPr>
-                        <a:t>Δεδομένο</a:t>
-                      </a:r>
-                      <a:endParaRPr lang="en-US" dirty="0">
-                        <a:latin typeface="Georgia" panose="02040502050405020303" pitchFamily="18" charset="0"/>
-                      </a:endParaRPr>
-                    </a:p>
-                  </a:txBody>
-                  <a:tcPr/>
-                </a:tc>
-                <a:tc>
-                  <a:txBody>
-                    <a:bodyPr/>
-                    <a:lstStyle/>
-                    <a:p>
-                      <a:r>
-                        <a:rPr lang="el-GR" dirty="0">
-                          <a:latin typeface="Georgia" panose="02040502050405020303" pitchFamily="18" charset="0"/>
-                        </a:rPr>
-                        <a:t>Πηγή</a:t>
-                      </a:r>
-                      <a:endParaRPr lang="en-US" dirty="0">
-                        <a:latin typeface="Georgia" panose="02040502050405020303" pitchFamily="18" charset="0"/>
-                      </a:endParaRPr>
-                    </a:p>
-                  </a:txBody>
-                  <a:tcPr/>
-                </a:tc>
-                <a:extLst>
-                  <a:ext uri="{0D108BD9-81ED-4DB2-BD59-A6C34878D82A}">
-                    <a16:rowId xmlns:a16="http://schemas.microsoft.com/office/drawing/2014/main" val="1061718114"/>
-                  </a:ext>
-                </a:extLst>
-              </a:tr>
-              <a:tr h="578530">
-                <a:tc>
-                  <a:txBody>
-                    <a:bodyPr/>
-                    <a:lstStyle/>
-                    <a:p>
-                      <a:r>
-                        <a:rPr lang="el-GR" dirty="0">
-                          <a:latin typeface="Georgia" panose="02040502050405020303" pitchFamily="18" charset="0"/>
-                        </a:rPr>
-                        <a:t>Εκπομπές ρύπων</a:t>
-                      </a:r>
-                      <a:endParaRPr lang="en-US" dirty="0">
-                        <a:latin typeface="Georgia" panose="02040502050405020303" pitchFamily="18" charset="0"/>
-                      </a:endParaRPr>
-                    </a:p>
-                  </a:txBody>
-                  <a:tcPr/>
-                </a:tc>
-                <a:tc>
-                  <a:txBody>
-                    <a:bodyPr/>
-                    <a:lstStyle/>
-                    <a:p>
-                      <a:pPr marL="0" marR="0" lvl="0" indent="0" algn="l" defTabSz="457200" rtl="0" eaLnBrk="1" fontAlgn="auto" latinLnBrk="0" hangingPunct="1">
-                        <a:lnSpc>
-                          <a:spcPct val="100000"/>
-                        </a:lnSpc>
-                        <a:spcBef>
-                          <a:spcPts val="0"/>
-                        </a:spcBef>
-                        <a:spcAft>
-                          <a:spcPts val="0"/>
-                        </a:spcAft>
-                        <a:buClrTx/>
-                        <a:buSzTx/>
-                        <a:buFontTx/>
-                        <a:buNone/>
-                        <a:tabLst/>
-                        <a:defRPr/>
-                      </a:pPr>
-                      <a:r>
-                        <a:rPr lang="el-GR" dirty="0">
-                          <a:latin typeface="Georgia" panose="02040502050405020303" pitchFamily="18" charset="0"/>
-                        </a:rPr>
-                        <a:t>Βάση δεδομένων </a:t>
-                      </a:r>
-                      <a:r>
-                        <a:rPr lang="en-US" dirty="0">
-                          <a:latin typeface="Georgia" panose="02040502050405020303" pitchFamily="18" charset="0"/>
-                        </a:rPr>
-                        <a:t>ETS &amp; Eurostat</a:t>
-                      </a:r>
-                    </a:p>
-                  </a:txBody>
-                  <a:tcPr/>
-                </a:tc>
-                <a:extLst>
-                  <a:ext uri="{0D108BD9-81ED-4DB2-BD59-A6C34878D82A}">
-                    <a16:rowId xmlns:a16="http://schemas.microsoft.com/office/drawing/2014/main" val="346274608"/>
-                  </a:ext>
-                </a:extLst>
-              </a:tr>
-              <a:tr h="578530">
-                <a:tc>
-                  <a:txBody>
-                    <a:bodyPr/>
-                    <a:lstStyle/>
-                    <a:p>
-                      <a:r>
-                        <a:rPr lang="el-GR" dirty="0">
-                          <a:latin typeface="Georgia" panose="02040502050405020303" pitchFamily="18" charset="0"/>
-                        </a:rPr>
-                        <a:t>Δωρεάν άδειες</a:t>
-                      </a:r>
-                      <a:endParaRPr lang="en-US" dirty="0">
-                        <a:latin typeface="Georgia" panose="02040502050405020303" pitchFamily="18" charset="0"/>
-                      </a:endParaRPr>
-                    </a:p>
-                  </a:txBody>
-                  <a:tcPr/>
-                </a:tc>
-                <a:tc>
-                  <a:txBody>
-                    <a:bodyPr/>
-                    <a:lstStyle/>
-                    <a:p>
-                      <a:pPr marL="0" marR="0" lvl="0" indent="0" algn="l" defTabSz="457200" rtl="0" eaLnBrk="1" fontAlgn="auto" latinLnBrk="0" hangingPunct="1">
-                        <a:lnSpc>
-                          <a:spcPct val="100000"/>
-                        </a:lnSpc>
-                        <a:spcBef>
-                          <a:spcPts val="0"/>
-                        </a:spcBef>
-                        <a:spcAft>
-                          <a:spcPts val="0"/>
-                        </a:spcAft>
-                        <a:buClrTx/>
-                        <a:buSzTx/>
-                        <a:buFontTx/>
-                        <a:buNone/>
-                        <a:tabLst/>
-                        <a:defRPr/>
-                      </a:pPr>
-                      <a:r>
-                        <a:rPr lang="el-GR" dirty="0">
-                          <a:latin typeface="Georgia" panose="02040502050405020303" pitchFamily="18" charset="0"/>
-                        </a:rPr>
-                        <a:t>Βάση δεδομένων </a:t>
-                      </a:r>
-                      <a:r>
-                        <a:rPr lang="en-US" dirty="0">
-                          <a:latin typeface="Georgia" panose="02040502050405020303" pitchFamily="18" charset="0"/>
-                        </a:rPr>
-                        <a:t>ETS &amp; Eurostat</a:t>
-                      </a:r>
-                    </a:p>
-                  </a:txBody>
-                  <a:tcPr/>
-                </a:tc>
-                <a:extLst>
-                  <a:ext uri="{0D108BD9-81ED-4DB2-BD59-A6C34878D82A}">
-                    <a16:rowId xmlns:a16="http://schemas.microsoft.com/office/drawing/2014/main" val="3226850136"/>
-                  </a:ext>
-                </a:extLst>
-              </a:tr>
-              <a:tr h="578530">
-                <a:tc>
-                  <a:txBody>
-                    <a:bodyPr/>
-                    <a:lstStyle/>
-                    <a:p>
-                      <a:pPr marL="0" marR="0" lvl="0" indent="0" algn="l" defTabSz="457200" rtl="0" eaLnBrk="1" fontAlgn="auto" latinLnBrk="0" hangingPunct="1">
-                        <a:lnSpc>
-                          <a:spcPct val="100000"/>
-                        </a:lnSpc>
-                        <a:spcBef>
-                          <a:spcPts val="0"/>
-                        </a:spcBef>
-                        <a:spcAft>
-                          <a:spcPts val="0"/>
-                        </a:spcAft>
-                        <a:buClrTx/>
-                        <a:buSzTx/>
-                        <a:buFontTx/>
-                        <a:buNone/>
-                        <a:tabLst/>
-                        <a:defRPr/>
-                      </a:pPr>
-                      <a:r>
-                        <a:rPr lang="el-GR" dirty="0">
-                          <a:latin typeface="Georgia" panose="02040502050405020303" pitchFamily="18" charset="0"/>
-                        </a:rPr>
-                        <a:t>Συνολική κατανάλωση ενέργειας</a:t>
-                      </a:r>
-                      <a:endParaRPr lang="en-US" dirty="0">
-                        <a:latin typeface="Georgia" panose="02040502050405020303" pitchFamily="18" charset="0"/>
-                      </a:endParaRPr>
-                    </a:p>
-                  </a:txBody>
-                  <a:tcPr/>
-                </a:tc>
-                <a:tc>
-                  <a:txBody>
-                    <a:bodyPr/>
-                    <a:lstStyle/>
-                    <a:p>
-                      <a:pPr marL="0" marR="0" lvl="0" indent="0" algn="l" defTabSz="457200" rtl="0" eaLnBrk="1" fontAlgn="auto" latinLnBrk="0" hangingPunct="1">
-                        <a:lnSpc>
-                          <a:spcPct val="100000"/>
-                        </a:lnSpc>
-                        <a:spcBef>
-                          <a:spcPts val="0"/>
-                        </a:spcBef>
-                        <a:spcAft>
-                          <a:spcPts val="0"/>
-                        </a:spcAft>
-                        <a:buClrTx/>
-                        <a:buSzTx/>
-                        <a:buFontTx/>
-                        <a:buNone/>
-                        <a:tabLst/>
-                        <a:defRPr/>
-                      </a:pPr>
-                      <a:r>
-                        <a:rPr lang="en-US" dirty="0">
-                          <a:latin typeface="Georgia" panose="02040502050405020303" pitchFamily="18" charset="0"/>
-                        </a:rPr>
-                        <a:t>Eurostat</a:t>
-                      </a:r>
-                    </a:p>
-                    <a:p>
-                      <a:endParaRPr lang="en-US" dirty="0">
-                        <a:latin typeface="Georgia" panose="02040502050405020303" pitchFamily="18" charset="0"/>
-                      </a:endParaRPr>
-                    </a:p>
-                  </a:txBody>
-                  <a:tcPr/>
-                </a:tc>
-                <a:extLst>
-                  <a:ext uri="{0D108BD9-81ED-4DB2-BD59-A6C34878D82A}">
-                    <a16:rowId xmlns:a16="http://schemas.microsoft.com/office/drawing/2014/main" val="3160263595"/>
-                  </a:ext>
-                </a:extLst>
-              </a:tr>
-              <a:tr h="330589">
-                <a:tc>
-                  <a:txBody>
-                    <a:bodyPr/>
-                    <a:lstStyle/>
-                    <a:p>
-                      <a:r>
-                        <a:rPr lang="en-US" dirty="0">
-                          <a:latin typeface="Georgia" panose="02040502050405020303" pitchFamily="18" charset="0"/>
-                        </a:rPr>
-                        <a:t>Energy Intensity </a:t>
-                      </a:r>
-                    </a:p>
-                  </a:txBody>
-                  <a:tcPr/>
-                </a:tc>
-                <a:tc>
-                  <a:txBody>
-                    <a:bodyPr/>
-                    <a:lstStyle/>
-                    <a:p>
-                      <a:r>
-                        <a:rPr lang="en-US" dirty="0">
-                          <a:latin typeface="Georgia" panose="02040502050405020303" pitchFamily="18" charset="0"/>
-                        </a:rPr>
-                        <a:t>Eurostat</a:t>
-                      </a:r>
-                    </a:p>
-                  </a:txBody>
-                  <a:tcPr/>
-                </a:tc>
-                <a:extLst>
-                  <a:ext uri="{0D108BD9-81ED-4DB2-BD59-A6C34878D82A}">
-                    <a16:rowId xmlns:a16="http://schemas.microsoft.com/office/drawing/2014/main" val="3009276888"/>
-                  </a:ext>
-                </a:extLst>
-              </a:tr>
-              <a:tr h="422423">
-                <a:tc>
-                  <a:txBody>
-                    <a:bodyPr/>
-                    <a:lstStyle/>
-                    <a:p>
-                      <a:pPr marL="0" marR="0" lvl="0" indent="0" algn="l" defTabSz="457200" rtl="0" eaLnBrk="1" fontAlgn="auto" latinLnBrk="0" hangingPunct="1">
-                        <a:lnSpc>
-                          <a:spcPct val="100000"/>
-                        </a:lnSpc>
-                        <a:spcBef>
-                          <a:spcPts val="0"/>
-                        </a:spcBef>
-                        <a:spcAft>
-                          <a:spcPts val="0"/>
-                        </a:spcAft>
-                        <a:buClrTx/>
-                        <a:buSzTx/>
-                        <a:buFontTx/>
-                        <a:buNone/>
-                        <a:tabLst/>
-                        <a:defRPr/>
-                      </a:pPr>
-                      <a:r>
-                        <a:rPr lang="el-GR" dirty="0">
-                          <a:latin typeface="Georgia" panose="02040502050405020303" pitchFamily="18" charset="0"/>
-                        </a:rPr>
-                        <a:t>Συντελεστής </a:t>
-                      </a:r>
-                      <a:r>
-                        <a:rPr lang="en-US" dirty="0">
-                          <a:latin typeface="Georgia" panose="02040502050405020303" pitchFamily="18" charset="0"/>
-                        </a:rPr>
-                        <a:t>PPS</a:t>
-                      </a:r>
-                    </a:p>
-                  </a:txBody>
-                  <a:tcPr/>
-                </a:tc>
-                <a:tc>
-                  <a:txBody>
-                    <a:bodyPr/>
-                    <a:lstStyle/>
-                    <a:p>
-                      <a:r>
-                        <a:rPr lang="en-US" dirty="0">
-                          <a:latin typeface="Georgia" panose="02040502050405020303" pitchFamily="18" charset="0"/>
-                        </a:rPr>
-                        <a:t>Eurostat</a:t>
-                      </a:r>
-                    </a:p>
-                  </a:txBody>
-                  <a:tcPr/>
-                </a:tc>
-                <a:extLst>
-                  <a:ext uri="{0D108BD9-81ED-4DB2-BD59-A6C34878D82A}">
-                    <a16:rowId xmlns:a16="http://schemas.microsoft.com/office/drawing/2014/main" val="1619288542"/>
-                  </a:ext>
-                </a:extLst>
-              </a:tr>
-            </a:tbl>
-          </a:graphicData>
-        </a:graphic>
-      </p:graphicFrame>
-    </p:spTree>
-    <p:extLst>
-      <p:ext uri="{BB962C8B-B14F-4D97-AF65-F5344CB8AC3E}">
-        <p14:creationId xmlns:p14="http://schemas.microsoft.com/office/powerpoint/2010/main" val="2231047381"/>
       </p:ext>
     </p:extLst>
   </p:cSld>

--- a/Thesis/Παρουσίαση.pptx
+++ b/Thesis/Παρουσίαση.pptx
@@ -5,7 +5,7 @@
     <p:sldMasterId id="2147483785" r:id="rId1"/>
   </p:sldMasterIdLst>
   <p:notesMasterIdLst>
-    <p:notesMasterId r:id="rId42"/>
+    <p:notesMasterId r:id="rId43"/>
   </p:notesMasterIdLst>
   <p:sldIdLst>
     <p:sldId id="256" r:id="rId2"/>
@@ -35,19 +35,20 @@
     <p:sldId id="275" r:id="rId26"/>
     <p:sldId id="276" r:id="rId27"/>
     <p:sldId id="277" r:id="rId28"/>
-    <p:sldId id="299" r:id="rId29"/>
+    <p:sldId id="300" r:id="rId29"/>
     <p:sldId id="278" r:id="rId30"/>
     <p:sldId id="290" r:id="rId31"/>
     <p:sldId id="279" r:id="rId32"/>
     <p:sldId id="280" r:id="rId33"/>
-    <p:sldId id="291" r:id="rId34"/>
-    <p:sldId id="292" r:id="rId35"/>
-    <p:sldId id="281" r:id="rId36"/>
-    <p:sldId id="293" r:id="rId37"/>
-    <p:sldId id="294" r:id="rId38"/>
-    <p:sldId id="295" r:id="rId39"/>
-    <p:sldId id="297" r:id="rId40"/>
-    <p:sldId id="298" r:id="rId41"/>
+    <p:sldId id="301" r:id="rId34"/>
+    <p:sldId id="291" r:id="rId35"/>
+    <p:sldId id="292" r:id="rId36"/>
+    <p:sldId id="281" r:id="rId37"/>
+    <p:sldId id="293" r:id="rId38"/>
+    <p:sldId id="294" r:id="rId39"/>
+    <p:sldId id="295" r:id="rId40"/>
+    <p:sldId id="297" r:id="rId41"/>
+    <p:sldId id="298" r:id="rId42"/>
   </p:sldIdLst>
   <p:sldSz cx="12192000" cy="6858000"/>
   <p:notesSz cx="6858000" cy="9144000"/>
@@ -13175,6 +13176,13 @@
                   <a:rPr lang="en-US" dirty="0"/>
                   <a:t> </a:t>
                 </a:r>
+                <a:endParaRPr lang="el-GR" dirty="0"/>
+              </a:p>
+              <a:p>
+                <a:pPr marL="800100" lvl="1" indent="-342900">
+                  <a:buFont typeface="Arial" panose="020B0604020202020204" pitchFamily="34" charset="0"/>
+                  <a:buChar char="•"/>
+                </a:pPr>
                 <a:r>
                   <a:rPr lang="el-GR" b="1" dirty="0">
                     <a:latin typeface="Georgia" panose="02040502050405020303" pitchFamily="18" charset="0"/>
@@ -13273,7 +13281,13 @@
   <p:cSld>
     <p:spTree>
       <p:nvGrpSpPr>
-        <p:cNvPr id="1" name=""/>
+        <p:cNvPr id="1" name="">
+          <a:extLst>
+            <a:ext uri="{FF2B5EF4-FFF2-40B4-BE49-F238E27FC236}">
+              <a16:creationId xmlns:a16="http://schemas.microsoft.com/office/drawing/2014/main" id="{77EBF601-4370-CDE7-037E-49B3506E4553}"/>
+            </a:ext>
+          </a:extLst>
+        </p:cNvPr>
         <p:cNvGrpSpPr/>
         <p:nvPr/>
       </p:nvGrpSpPr>
@@ -13290,7 +13304,7 @@
           <p:cNvPr id="2" name="Τίτλος 1">
             <a:extLst>
               <a:ext uri="{FF2B5EF4-FFF2-40B4-BE49-F238E27FC236}">
-                <a16:creationId xmlns:a16="http://schemas.microsoft.com/office/drawing/2014/main" id="{96E3F940-CED8-A56F-0A28-FB215ECCDDA6}"/>
+                <a16:creationId xmlns:a16="http://schemas.microsoft.com/office/drawing/2014/main" id="{B36412ED-7F95-778F-613A-28C2923F4719}"/>
               </a:ext>
             </a:extLst>
           </p:cNvPr>
@@ -13306,41 +13320,449 @@
           <a:bodyPr/>
           <a:lstStyle/>
           <a:p>
-            <a:endParaRPr lang="en-US"/>
+            <a:r>
+              <a:rPr lang="en-US" sz="2800" b="0" i="0" u="none" strike="noStrike" baseline="0">
+                <a:latin typeface="Georgia" panose="02040502050405020303" pitchFamily="18" charset="0"/>
+              </a:rPr>
+              <a:t>Allocating Emission Permits Efficiently via Uniform Linear Mechanisms</a:t>
+            </a:r>
+            <a:r>
+              <a:rPr lang="en-US"/>
+              <a:t>, </a:t>
+            </a:r>
+            <a:r>
+              <a:rPr lang="en-US" sz="2800" b="0" i="0" u="none" strike="noStrike" baseline="0" dirty="0">
+                <a:latin typeface="Georgia" panose="02040502050405020303" pitchFamily="18" charset="0"/>
+              </a:rPr>
+              <a:t>(X. Lin and J. Lu 2023)</a:t>
+            </a:r>
+            <a:endParaRPr lang="en-US" dirty="0"/>
           </a:p>
         </p:txBody>
       </p:sp>
-      <p:sp>
-        <p:nvSpPr>
-          <p:cNvPr id="3" name="Θέση περιεχομένου 2">
-            <a:extLst>
-              <a:ext uri="{FF2B5EF4-FFF2-40B4-BE49-F238E27FC236}">
-                <a16:creationId xmlns:a16="http://schemas.microsoft.com/office/drawing/2014/main" id="{7481F06A-7D1F-4C74-4553-FE8B8CB2D248}"/>
-              </a:ext>
-            </a:extLst>
-          </p:cNvPr>
-          <p:cNvSpPr>
-            <a:spLocks noGrp="1"/>
-          </p:cNvSpPr>
-          <p:nvPr>
-            <p:ph idx="1"/>
-          </p:nvPr>
-        </p:nvSpPr>
-        <p:spPr/>
-        <p:txBody>
-          <a:bodyPr/>
-          <a:lstStyle/>
-          <a:p>
-            <a:endParaRPr lang="en-US"/>
-          </a:p>
-        </p:txBody>
-      </p:sp>
+      <mc:AlternateContent xmlns:mc="http://schemas.openxmlformats.org/markup-compatibility/2006">
+        <mc:Choice xmlns:a14="http://schemas.microsoft.com/office/drawing/2010/main" Requires="a14">
+          <p:sp>
+            <p:nvSpPr>
+              <p:cNvPr id="10" name="TextBox 9">
+                <a:extLst>
+                  <a:ext uri="{FF2B5EF4-FFF2-40B4-BE49-F238E27FC236}">
+                    <a16:creationId xmlns:a16="http://schemas.microsoft.com/office/drawing/2014/main" id="{981A28BC-EE38-7560-8C5F-DF98AEAF84A2}"/>
+                  </a:ext>
+                </a:extLst>
+              </p:cNvPr>
+              <p:cNvSpPr txBox="1"/>
+              <p:nvPr/>
+            </p:nvSpPr>
+            <p:spPr>
+              <a:xfrm>
+                <a:off x="448408" y="2305566"/>
+                <a:ext cx="11254153" cy="3416320"/>
+              </a:xfrm>
+              <a:prstGeom prst="rect">
+                <a:avLst/>
+              </a:prstGeom>
+              <a:noFill/>
+            </p:spPr>
+            <p:txBody>
+              <a:bodyPr wrap="square" rtlCol="0">
+                <a:spAutoFit/>
+              </a:bodyPr>
+              <a:lstStyle/>
+              <a:p>
+                <a:pPr marL="342900" indent="-342900">
+                  <a:buFont typeface="+mj-lt"/>
+                  <a:buAutoNum type="arabicPeriod"/>
+                </a:pPr>
+                <a:r>
+                  <a:rPr lang="el-GR" b="1" dirty="0">
+                    <a:latin typeface="Georgia" panose="02040502050405020303" pitchFamily="18" charset="0"/>
+                  </a:rPr>
+                  <a:t>Απόδοση Ρυθμιστικής Αρχής</a:t>
+                </a:r>
+                <a:r>
+                  <a:rPr lang="el-GR" dirty="0">
+                    <a:latin typeface="Georgia" panose="02040502050405020303" pitchFamily="18" charset="0"/>
+                  </a:rPr>
+                  <a:t>:</a:t>
+                </a:r>
+              </a:p>
+              <a:p>
+                <a:pPr marL="742950" lvl="1" indent="-285750">
+                  <a:buFont typeface="Arial" panose="020B0604020202020204" pitchFamily="34" charset="0"/>
+                  <a:buChar char="•"/>
+                </a:pPr>
+                <a:endParaRPr lang="en-US" dirty="0">
+                  <a:latin typeface="Georgia" panose="02040502050405020303" pitchFamily="18" charset="0"/>
+                </a:endParaRPr>
+              </a:p>
+              <a:p>
+                <a:pPr lvl="1"/>
+                <a14:m>
+                  <m:oMathPara xmlns:m="http://schemas.openxmlformats.org/officeDocument/2006/math">
+                    <m:oMathParaPr>
+                      <m:jc m:val="centerGroup"/>
+                    </m:oMathParaPr>
+                    <m:oMath xmlns:m="http://schemas.openxmlformats.org/officeDocument/2006/math">
+                      <m:func>
+                        <m:funcPr>
+                          <m:ctrlPr>
+                            <a:rPr lang="en-US" b="0" i="1" smtClean="0">
+                              <a:latin typeface="Cambria Math" panose="02040503050406030204" pitchFamily="18" charset="0"/>
+                            </a:rPr>
+                          </m:ctrlPr>
+                        </m:funcPr>
+                        <m:fName>
+                          <m:r>
+                            <m:rPr>
+                              <m:sty m:val="p"/>
+                            </m:rPr>
+                            <a:rPr lang="en-US" b="0" i="0" smtClean="0">
+                              <a:latin typeface="Cambria Math" panose="02040503050406030204" pitchFamily="18" charset="0"/>
+                            </a:rPr>
+                            <m:t>max</m:t>
+                          </m:r>
+                        </m:fName>
+                        <m:e>
+                          <m:r>
+                            <a:rPr lang="el-GR" b="0" i="1" smtClean="0">
+                              <a:latin typeface="Cambria Math" panose="02040503050406030204" pitchFamily="18" charset="0"/>
+                            </a:rPr>
+                            <m:t>(</m:t>
+                          </m:r>
+                          <m:r>
+                            <a:rPr lang="en-US" b="0" i="1" smtClean="0">
+                              <a:latin typeface="Cambria Math" panose="02040503050406030204" pitchFamily="18" charset="0"/>
+                            </a:rPr>
+                            <m:t>𝐶𝑜𝑛𝑠𝑢𝑚𝑒𝑟</m:t>
+                          </m:r>
+                          <m:r>
+                            <a:rPr lang="en-US" b="0" i="1" smtClean="0">
+                              <a:latin typeface="Cambria Math" panose="02040503050406030204" pitchFamily="18" charset="0"/>
+                            </a:rPr>
+                            <m:t> </m:t>
+                          </m:r>
+                          <m:r>
+                            <a:rPr lang="en-US" b="0" i="1" smtClean="0">
+                              <a:latin typeface="Cambria Math" panose="02040503050406030204" pitchFamily="18" charset="0"/>
+                            </a:rPr>
+                            <m:t>𝑆𝑢𝑟𝑝𝑙𝑢𝑠</m:t>
+                          </m:r>
+                          <m:d>
+                            <m:dPr>
+                              <m:ctrlPr>
+                                <a:rPr lang="en-US" b="0" i="1" smtClean="0">
+                                  <a:latin typeface="Cambria Math" panose="02040503050406030204" pitchFamily="18" charset="0"/>
+                                </a:rPr>
+                              </m:ctrlPr>
+                            </m:dPr>
+                            <m:e>
+                              <m:r>
+                                <a:rPr lang="en-US" b="0" i="1" smtClean="0">
+                                  <a:latin typeface="Cambria Math" panose="02040503050406030204" pitchFamily="18" charset="0"/>
+                                </a:rPr>
+                                <m:t>𝑄</m:t>
+                              </m:r>
+                            </m:e>
+                          </m:d>
+                          <m:r>
+                            <a:rPr lang="en-US" b="0" i="1" smtClean="0">
+                              <a:latin typeface="Cambria Math" panose="02040503050406030204" pitchFamily="18" charset="0"/>
+                            </a:rPr>
+                            <m:t> −</m:t>
+                          </m:r>
+                          <m:r>
+                            <a:rPr lang="en-US" b="0" i="1" smtClean="0">
+                              <a:latin typeface="Cambria Math" panose="02040503050406030204" pitchFamily="18" charset="0"/>
+                            </a:rPr>
+                            <m:t>𝑆𝑜𝑐𝑖𝑎𝑙</m:t>
+                          </m:r>
+                          <m:r>
+                            <a:rPr lang="en-US" b="0" i="1" smtClean="0">
+                              <a:latin typeface="Cambria Math" panose="02040503050406030204" pitchFamily="18" charset="0"/>
+                            </a:rPr>
+                            <m:t> </m:t>
+                          </m:r>
+                          <m:r>
+                            <a:rPr lang="en-US" b="0" i="1" smtClean="0">
+                              <a:latin typeface="Cambria Math" panose="02040503050406030204" pitchFamily="18" charset="0"/>
+                            </a:rPr>
+                            <m:t>𝐷𝑎𝑚𝑎𝑔𝑒</m:t>
+                          </m:r>
+                          <m:d>
+                            <m:dPr>
+                              <m:ctrlPr>
+                                <a:rPr lang="en-US" b="0" i="1" smtClean="0">
+                                  <a:latin typeface="Cambria Math" panose="02040503050406030204" pitchFamily="18" charset="0"/>
+                                </a:rPr>
+                              </m:ctrlPr>
+                            </m:dPr>
+                            <m:e>
+                              <m:r>
+                                <a:rPr lang="en-US" b="0" i="1" smtClean="0">
+                                  <a:latin typeface="Cambria Math" panose="02040503050406030204" pitchFamily="18" charset="0"/>
+                                </a:rPr>
+                                <m:t>𝐾</m:t>
+                              </m:r>
+                            </m:e>
+                          </m:d>
+                          <m:r>
+                            <a:rPr lang="el-GR" b="0" i="1" smtClean="0">
+                              <a:latin typeface="Cambria Math" panose="02040503050406030204" pitchFamily="18" charset="0"/>
+                            </a:rPr>
+                            <m:t>)</m:t>
+                          </m:r>
+                        </m:e>
+                      </m:func>
+                    </m:oMath>
+                  </m:oMathPara>
+                </a14:m>
+                <a:endParaRPr lang="en-US" dirty="0">
+                  <a:latin typeface="Georgia" panose="02040502050405020303" pitchFamily="18" charset="0"/>
+                </a:endParaRPr>
+              </a:p>
+              <a:p>
+                <a:pPr lvl="1"/>
+                <a:endParaRPr lang="el-GR" dirty="0">
+                  <a:latin typeface="Georgia" panose="02040502050405020303" pitchFamily="18" charset="0"/>
+                </a:endParaRPr>
+              </a:p>
+              <a:p>
+                <a:pPr marL="342900" indent="-342900">
+                  <a:buFont typeface="+mj-lt"/>
+                  <a:buAutoNum type="arabicPeriod"/>
+                </a:pPr>
+                <a:r>
+                  <a:rPr lang="el-GR" b="1" dirty="0">
+                    <a:latin typeface="Georgia" panose="02040502050405020303" pitchFamily="18" charset="0"/>
+                  </a:rPr>
+                  <a:t>Απόδοση Εταιρειών</a:t>
+                </a:r>
+                <a:r>
+                  <a:rPr lang="el-GR" dirty="0">
+                    <a:latin typeface="Georgia" panose="02040502050405020303" pitchFamily="18" charset="0"/>
+                  </a:rPr>
+                  <a:t>:</a:t>
+                </a:r>
+              </a:p>
+              <a:p>
+                <a:pPr marL="800100" lvl="1" indent="-342900">
+                  <a:buFont typeface="Arial" panose="020B0604020202020204" pitchFamily="34" charset="0"/>
+                  <a:buChar char="•"/>
+                </a:pPr>
+                <a:endParaRPr lang="el-GR" dirty="0">
+                  <a:latin typeface="Georgia" panose="02040502050405020303" pitchFamily="18" charset="0"/>
+                </a:endParaRPr>
+              </a:p>
+              <a:p>
+                <a:pPr marL="1257300" lvl="2" indent="-342900">
+                  <a:buFont typeface="Arial" panose="020B0604020202020204" pitchFamily="34" charset="0"/>
+                  <a:buChar char="•"/>
+                </a:pPr>
+                <a:endParaRPr lang="el-GR" dirty="0">
+                  <a:latin typeface="Georgia" panose="02040502050405020303" pitchFamily="18" charset="0"/>
+                </a:endParaRPr>
+              </a:p>
+              <a:p>
+                <a:pPr marL="1257300" lvl="2" indent="-342900">
+                  <a:buFont typeface="Arial" panose="020B0604020202020204" pitchFamily="34" charset="0"/>
+                  <a:buChar char="•"/>
+                </a:pPr>
+                <a:endParaRPr lang="el-GR" dirty="0">
+                  <a:latin typeface="Georgia" panose="02040502050405020303" pitchFamily="18" charset="0"/>
+                </a:endParaRPr>
+              </a:p>
+              <a:p>
+                <a:pPr lvl="2"/>
+                <a:endParaRPr lang="el-GR" dirty="0">
+                  <a:latin typeface="Georgia" panose="02040502050405020303" pitchFamily="18" charset="0"/>
+                </a:endParaRPr>
+              </a:p>
+              <a:p>
+                <a:pPr marL="342900" indent="-342900">
+                  <a:buFont typeface="+mj-lt"/>
+                  <a:buAutoNum type="arabicPeriod"/>
+                </a:pPr>
+                <a:r>
+                  <a:rPr lang="el-GR" b="1" dirty="0">
+                    <a:latin typeface="Georgia" panose="02040502050405020303" pitchFamily="18" charset="0"/>
+                  </a:rPr>
+                  <a:t>Ισορροπία (που μεγιστοποιεί την Κοινωνική Ευημερία)</a:t>
+                </a:r>
+                <a:r>
+                  <a:rPr lang="el-GR" dirty="0">
+                    <a:latin typeface="Georgia" panose="02040502050405020303" pitchFamily="18" charset="0"/>
+                  </a:rPr>
+                  <a:t>:</a:t>
+                </a:r>
+              </a:p>
+              <a:p>
+                <a:pPr marL="342900" indent="-342900">
+                  <a:buFont typeface="+mj-lt"/>
+                  <a:buAutoNum type="arabicPeriod"/>
+                </a:pPr>
+                <a:endParaRPr lang="el-GR" dirty="0">
+                  <a:latin typeface="Georgia" panose="02040502050405020303" pitchFamily="18" charset="0"/>
+                </a:endParaRPr>
+              </a:p>
+              <a:p>
+                <a:pPr lvl="1"/>
+                <a14:m>
+                  <m:oMathPara xmlns:m="http://schemas.openxmlformats.org/officeDocument/2006/math">
+                    <m:oMathParaPr>
+                      <m:jc m:val="centerGroup"/>
+                    </m:oMathParaPr>
+                    <m:oMath xmlns:m="http://schemas.openxmlformats.org/officeDocument/2006/math">
+                      <m:sSub>
+                        <m:sSubPr>
+                          <m:ctrlPr>
+                            <a:rPr lang="en-US" b="0" i="1" smtClean="0">
+                              <a:latin typeface="Cambria Math" panose="02040503050406030204" pitchFamily="18" charset="0"/>
+                            </a:rPr>
+                          </m:ctrlPr>
+                        </m:sSubPr>
+                        <m:e>
+                          <m:r>
+                            <m:rPr>
+                              <m:sty m:val="p"/>
+                            </m:rPr>
+                            <a:rPr lang="en-US" b="0" i="0" smtClean="0">
+                              <a:latin typeface="Cambria Math" panose="02040503050406030204" pitchFamily="18" charset="0"/>
+                            </a:rPr>
+                            <m:t>Φ</m:t>
+                          </m:r>
+                        </m:e>
+                        <m:sub>
+                          <m:r>
+                            <a:rPr lang="en-US" b="0" i="1" smtClean="0">
+                              <a:latin typeface="Cambria Math" panose="02040503050406030204" pitchFamily="18" charset="0"/>
+                            </a:rPr>
+                            <m:t>𝑖</m:t>
+                          </m:r>
+                        </m:sub>
+                      </m:sSub>
+                      <m:r>
+                        <a:rPr lang="en-US" b="0" i="1" smtClean="0">
+                          <a:latin typeface="Cambria Math" panose="02040503050406030204" pitchFamily="18" charset="0"/>
+                        </a:rPr>
+                        <m:t>=</m:t>
+                      </m:r>
+                      <m:r>
+                        <a:rPr lang="en-US" b="0" i="1" smtClean="0">
+                          <a:latin typeface="Cambria Math" panose="02040503050406030204" pitchFamily="18" charset="0"/>
+                        </a:rPr>
+                        <m:t>𝑎</m:t>
+                      </m:r>
+                      <m:r>
+                        <a:rPr lang="en-US" b="0" i="1" smtClean="0">
+                          <a:latin typeface="Cambria Math" panose="02040503050406030204" pitchFamily="18" charset="0"/>
+                        </a:rPr>
+                        <m:t>⋅</m:t>
+                      </m:r>
+                      <m:sSub>
+                        <m:sSubPr>
+                          <m:ctrlPr>
+                            <a:rPr lang="en-US" b="0" i="1" smtClean="0">
+                              <a:latin typeface="Cambria Math" panose="02040503050406030204" pitchFamily="18" charset="0"/>
+                            </a:rPr>
+                          </m:ctrlPr>
+                        </m:sSubPr>
+                        <m:e>
+                          <m:r>
+                            <a:rPr lang="en-US" b="0" i="1" smtClean="0">
+                              <a:latin typeface="Cambria Math" panose="02040503050406030204" pitchFamily="18" charset="0"/>
+                            </a:rPr>
+                            <m:t>𝑞</m:t>
+                          </m:r>
+                        </m:e>
+                        <m:sub>
+                          <m:r>
+                            <a:rPr lang="en-US" b="0" i="1" smtClean="0">
+                              <a:latin typeface="Cambria Math" panose="02040503050406030204" pitchFamily="18" charset="0"/>
+                            </a:rPr>
+                            <m:t>𝑖</m:t>
+                          </m:r>
+                        </m:sub>
+                      </m:sSub>
+                      <m:r>
+                        <a:rPr lang="en-US" b="0" i="1" smtClean="0">
+                          <a:latin typeface="Cambria Math" panose="02040503050406030204" pitchFamily="18" charset="0"/>
+                        </a:rPr>
+                        <m:t>, </m:t>
+                      </m:r>
+                      <m:r>
+                        <a:rPr lang="en-US" b="0" i="1" smtClean="0">
+                          <a:latin typeface="Cambria Math" panose="02040503050406030204" pitchFamily="18" charset="0"/>
+                        </a:rPr>
+                        <m:t>𝑎</m:t>
+                      </m:r>
+                      <m:r>
+                        <a:rPr lang="en-US" b="0" i="1" smtClean="0">
+                          <a:latin typeface="Cambria Math" panose="02040503050406030204" pitchFamily="18" charset="0"/>
+                        </a:rPr>
+                        <m:t>∈[0,1]</m:t>
+                      </m:r>
+                    </m:oMath>
+                  </m:oMathPara>
+                </a14:m>
+                <a:endParaRPr lang="el-GR" dirty="0">
+                  <a:latin typeface="Georgia" panose="02040502050405020303" pitchFamily="18" charset="0"/>
+                </a:endParaRPr>
+              </a:p>
+            </p:txBody>
+          </p:sp>
+        </mc:Choice>
+        <mc:Fallback>
+          <p:sp>
+            <p:nvSpPr>
+              <p:cNvPr id="10" name="TextBox 9">
+                <a:extLst>
+                  <a:ext uri="{FF2B5EF4-FFF2-40B4-BE49-F238E27FC236}">
+                    <a16:creationId xmlns:a16="http://schemas.microsoft.com/office/drawing/2014/main" id="{981A28BC-EE38-7560-8C5F-DF98AEAF84A2}"/>
+                  </a:ext>
+                </a:extLst>
+              </p:cNvPr>
+              <p:cNvSpPr txBox="1">
+                <a:spLocks noRot="1" noChangeAspect="1" noMove="1" noResize="1" noEditPoints="1" noAdjustHandles="1" noChangeArrowheads="1" noChangeShapeType="1" noTextEdit="1"/>
+              </p:cNvSpPr>
+              <p:nvPr/>
+            </p:nvSpPr>
+            <p:spPr>
+              <a:xfrm>
+                <a:off x="448408" y="2305566"/>
+                <a:ext cx="11254153" cy="3416320"/>
+              </a:xfrm>
+              <a:prstGeom prst="rect">
+                <a:avLst/>
+              </a:prstGeom>
+              <a:blipFill>
+                <a:blip r:embed="rId2"/>
+                <a:stretch>
+                  <a:fillRect l="-379" t="-891" b="-891"/>
+                </a:stretch>
+              </a:blipFill>
+            </p:spPr>
+            <p:txBody>
+              <a:bodyPr/>
+              <a:lstStyle/>
+              <a:p>
+                <a:r>
+                  <a:rPr lang="en-US">
+                    <a:noFill/>
+                  </a:rPr>
+                  <a:t> </a:t>
+                </a:r>
+              </a:p>
+            </p:txBody>
+          </p:sp>
+        </mc:Fallback>
+      </mc:AlternateContent>
       <p:pic>
         <p:nvPicPr>
           <p:cNvPr id="4" name="Εικόνα 3">
             <a:extLst>
               <a:ext uri="{FF2B5EF4-FFF2-40B4-BE49-F238E27FC236}">
-                <a16:creationId xmlns:a16="http://schemas.microsoft.com/office/drawing/2014/main" id="{1A55353E-77BD-8F3D-F429-305CC37F9E42}"/>
+                <a16:creationId xmlns:a16="http://schemas.microsoft.com/office/drawing/2014/main" id="{C0012367-77D9-CFF2-7D51-C661B0BAED43}"/>
               </a:ext>
             </a:extLst>
           </p:cNvPr>
@@ -13350,14 +13772,44 @@
           <p:nvPr/>
         </p:nvPicPr>
         <p:blipFill>
-          <a:blip r:embed="rId2"/>
+          <a:blip r:embed="rId3"/>
           <a:stretch>
             <a:fillRect/>
           </a:stretch>
         </p:blipFill>
         <p:spPr>
           <a:xfrm>
-            <a:off x="1034830" y="5432320"/>
+            <a:off x="2954215" y="3774048"/>
+            <a:ext cx="5574324" cy="989310"/>
+          </a:xfrm>
+          <a:prstGeom prst="rect">
+            <a:avLst/>
+          </a:prstGeom>
+        </p:spPr>
+      </p:pic>
+      <p:pic>
+        <p:nvPicPr>
+          <p:cNvPr id="5" name="Εικόνα 4">
+            <a:extLst>
+              <a:ext uri="{FF2B5EF4-FFF2-40B4-BE49-F238E27FC236}">
+                <a16:creationId xmlns:a16="http://schemas.microsoft.com/office/drawing/2014/main" id="{1A55353E-77BD-8F3D-F429-305CC37F9E42}"/>
+              </a:ext>
+            </a:extLst>
+          </p:cNvPr>
+          <p:cNvPicPr>
+            <a:picLocks noChangeAspect="1"/>
+          </p:cNvPicPr>
+          <p:nvPr/>
+        </p:nvPicPr>
+        <p:blipFill>
+          <a:blip r:embed="rId4"/>
+          <a:stretch>
+            <a:fillRect/>
+          </a:stretch>
+        </p:blipFill>
+        <p:spPr>
+          <a:xfrm>
+            <a:off x="12192000" y="2305566"/>
             <a:ext cx="8601539" cy="537166"/>
           </a:xfrm>
           <a:prstGeom prst="rect">
@@ -13365,10 +13817,91 @@
           </a:prstGeom>
         </p:spPr>
       </p:pic>
+      <p:sp>
+        <p:nvSpPr>
+          <p:cNvPr id="6" name="Δεξί άγκιστρο 5">
+            <a:extLst>
+              <a:ext uri="{FF2B5EF4-FFF2-40B4-BE49-F238E27FC236}">
+                <a16:creationId xmlns:a16="http://schemas.microsoft.com/office/drawing/2014/main" id="{FB64F091-E90A-D7EA-1C6B-A41E0390587A}"/>
+              </a:ext>
+            </a:extLst>
+          </p:cNvPr>
+          <p:cNvSpPr/>
+          <p:nvPr/>
+        </p:nvSpPr>
+        <p:spPr>
+          <a:xfrm rot="5400000">
+            <a:off x="5438140" y="5633151"/>
+            <a:ext cx="294805" cy="472275"/>
+          </a:xfrm>
+          <a:prstGeom prst="rightBrace">
+            <a:avLst/>
+          </a:prstGeom>
+        </p:spPr>
+        <p:style>
+          <a:lnRef idx="1">
+            <a:schemeClr val="accent1"/>
+          </a:lnRef>
+          <a:fillRef idx="0">
+            <a:schemeClr val="accent1"/>
+          </a:fillRef>
+          <a:effectRef idx="0">
+            <a:schemeClr val="accent1"/>
+          </a:effectRef>
+          <a:fontRef idx="minor">
+            <a:schemeClr val="tx1"/>
+          </a:fontRef>
+        </p:style>
+        <p:txBody>
+          <a:bodyPr rtlCol="0" anchor="ctr"/>
+          <a:lstStyle/>
+          <a:p>
+            <a:pPr algn="ctr"/>
+            <a:endParaRPr lang="en-US"/>
+          </a:p>
+        </p:txBody>
+      </p:sp>
+      <p:sp>
+        <p:nvSpPr>
+          <p:cNvPr id="7" name="TextBox 6">
+            <a:extLst>
+              <a:ext uri="{FF2B5EF4-FFF2-40B4-BE49-F238E27FC236}">
+                <a16:creationId xmlns:a16="http://schemas.microsoft.com/office/drawing/2014/main" id="{E24208EE-90EC-6BFA-2479-D06A462B1DD8}"/>
+              </a:ext>
+            </a:extLst>
+          </p:cNvPr>
+          <p:cNvSpPr txBox="1"/>
+          <p:nvPr/>
+        </p:nvSpPr>
+        <p:spPr>
+          <a:xfrm>
+            <a:off x="4178746" y="6047174"/>
+            <a:ext cx="2813591" cy="369332"/>
+          </a:xfrm>
+          <a:prstGeom prst="rect">
+            <a:avLst/>
+          </a:prstGeom>
+          <a:noFill/>
+        </p:spPr>
+        <p:txBody>
+          <a:bodyPr wrap="none" rtlCol="0">
+            <a:spAutoFit/>
+          </a:bodyPr>
+          <a:lstStyle/>
+          <a:p>
+            <a:r>
+              <a:rPr lang="en-US" dirty="0">
+                <a:latin typeface="Georgia" panose="02040502050405020303" pitchFamily="18" charset="0"/>
+              </a:rPr>
+              <a:t>Proportionality &amp; Reward</a:t>
+            </a:r>
+          </a:p>
+        </p:txBody>
+      </p:sp>
     </p:spTree>
     <p:extLst>
       <p:ext uri="{BB962C8B-B14F-4D97-AF65-F5344CB8AC3E}">
-        <p14:creationId xmlns:p14="http://schemas.microsoft.com/office/powerpoint/2010/main" val="1699412914"/>
+        <p14:creationId xmlns:p14="http://schemas.microsoft.com/office/powerpoint/2010/main" val="470724808"/>
       </p:ext>
     </p:extLst>
   </p:cSld>
@@ -14041,7 +14574,7 @@
         <p:spPr>
           <a:xfrm>
             <a:off x="492369" y="2277208"/>
-            <a:ext cx="6590266" cy="1477328"/>
+            <a:ext cx="6865982" cy="1477328"/>
           </a:xfrm>
           <a:prstGeom prst="rect">
             <a:avLst/>
@@ -14059,10 +14592,16 @@
               <a:buChar char="•"/>
             </a:pPr>
             <a:r>
+              <a:rPr lang="en-US" dirty="0">
+                <a:latin typeface="Georgia" panose="02040502050405020303" pitchFamily="18" charset="0"/>
+              </a:rPr>
+              <a:t>Cap And Trade. </a:t>
+            </a:r>
+            <a:r>
               <a:rPr lang="el-GR" dirty="0">
                 <a:latin typeface="Georgia" panose="02040502050405020303" pitchFamily="18" charset="0"/>
               </a:rPr>
-              <a:t>Όριο ρύπων για κάθε χρόνο.</a:t>
+              <a:t>Κάθε χρόνο υπάρχει όριο για τους ρύπους.</a:t>
             </a:r>
             <a:endParaRPr lang="en-US" dirty="0">
               <a:latin typeface="Georgia" panose="02040502050405020303" pitchFamily="18" charset="0"/>
@@ -14145,14 +14684,14 @@
           <p:nvPr>
             <p:extLst>
               <p:ext uri="{D42A27DB-BD31-4B8C-83A1-F6EECF244321}">
-                <p14:modId xmlns:p14="http://schemas.microsoft.com/office/powerpoint/2010/main" val="2362875218"/>
+                <p14:modId xmlns:p14="http://schemas.microsoft.com/office/powerpoint/2010/main" val="2198958074"/>
               </p:ext>
             </p:extLst>
           </p:nvPr>
         </p:nvGraphicFramePr>
         <p:xfrm>
-          <a:off x="999956" y="3754536"/>
-          <a:ext cx="10181491" cy="1854200"/>
+          <a:off x="999956" y="4044682"/>
+          <a:ext cx="10181491" cy="2270760"/>
         </p:xfrm>
         <a:graphic>
           <a:graphicData uri="http://schemas.openxmlformats.org/drawingml/2006/table">
@@ -14335,9 +14874,12 @@
                         </a:rPr>
                         <a:t>Με βάση στοιχεία για τους ρίπους (1990-2005)</a:t>
                       </a:r>
-                      <a:endParaRPr lang="en-US" sz="1600" dirty="0">
-                        <a:latin typeface="Georgia" panose="02040502050405020303" pitchFamily="18" charset="0"/>
-                      </a:endParaRPr>
+                      <a:r>
+                        <a:rPr lang="en-US" sz="1600" dirty="0">
+                          <a:latin typeface="Georgia" panose="02040502050405020303" pitchFamily="18" charset="0"/>
+                        </a:rPr>
+                        <a:t>, grandfathering</a:t>
+                      </a:r>
                     </a:p>
                   </a:txBody>
                   <a:tcPr/>
@@ -14431,9 +14973,12 @@
                         </a:rPr>
                         <a:t>Με βάση στοιχεία για τους ρίπους (2005-2007)</a:t>
                       </a:r>
-                      <a:endParaRPr lang="en-US" sz="1600" dirty="0">
-                        <a:latin typeface="Georgia" panose="02040502050405020303" pitchFamily="18" charset="0"/>
-                      </a:endParaRPr>
+                      <a:r>
+                        <a:rPr lang="en-US" sz="1600" dirty="0">
+                          <a:latin typeface="Georgia" panose="02040502050405020303" pitchFamily="18" charset="0"/>
+                        </a:rPr>
+                        <a:t>, grandfathering</a:t>
+                      </a:r>
                     </a:p>
                   </a:txBody>
                   <a:tcPr/>
@@ -14508,7 +15053,7 @@
                         <a:rPr lang="el-GR" sz="1600" dirty="0">
                           <a:latin typeface="Georgia" panose="02040502050405020303" pitchFamily="18" charset="0"/>
                         </a:rPr>
-                        <a:t>Με βάση αλγόριθμο </a:t>
+                        <a:t>Χρησιμοποιώντας μετροπρόγραμμα, </a:t>
                       </a:r>
                       <a:r>
                         <a:rPr lang="en-US" sz="1600" dirty="0">
@@ -14581,7 +15126,7 @@
                         <a:rPr lang="el-GR" sz="1600" dirty="0">
                           <a:latin typeface="Georgia" panose="02040502050405020303" pitchFamily="18" charset="0"/>
                         </a:rPr>
-                        <a:t>Με βάση αλγόριθμο </a:t>
+                        <a:t>Χρησιμοποιώντας μετροπρόγραμμα, </a:t>
                       </a:r>
                       <a:r>
                         <a:rPr lang="en-US" sz="1600" dirty="0">
@@ -15353,12 +15898,282 @@
           </a:p>
         </p:txBody>
       </p:sp>
+      <p:sp>
+        <p:nvSpPr>
+          <p:cNvPr id="4" name="Θέση περιεχομένου 3">
+            <a:extLst>
+              <a:ext uri="{FF2B5EF4-FFF2-40B4-BE49-F238E27FC236}">
+                <a16:creationId xmlns:a16="http://schemas.microsoft.com/office/drawing/2014/main" id="{D6FBB4CC-1CA6-EBA2-1C34-696EDDDF09B9}"/>
+              </a:ext>
+            </a:extLst>
+          </p:cNvPr>
+          <p:cNvSpPr>
+            <a:spLocks noGrp="1"/>
+          </p:cNvSpPr>
+          <p:nvPr>
+            <p:ph idx="1"/>
+          </p:nvPr>
+        </p:nvSpPr>
+        <p:spPr/>
+        <p:txBody>
+          <a:bodyPr/>
+          <a:lstStyle/>
+          <a:p>
+            <a:r>
+              <a:rPr lang="el-GR" b="1" dirty="0">
+                <a:latin typeface="Georgia" panose="02040502050405020303" pitchFamily="18" charset="0"/>
+              </a:rPr>
+              <a:t>Χαρακτηριστικά</a:t>
+            </a:r>
+            <a:r>
+              <a:rPr lang="el-GR" dirty="0">
+                <a:latin typeface="Georgia" panose="02040502050405020303" pitchFamily="18" charset="0"/>
+              </a:rPr>
+              <a:t>:</a:t>
+            </a:r>
+          </a:p>
+          <a:p>
+            <a:r>
+              <a:rPr lang="el-GR" dirty="0">
+                <a:latin typeface="Georgia" panose="02040502050405020303" pitchFamily="18" charset="0"/>
+              </a:rPr>
+              <a:t>1) </a:t>
+            </a:r>
+            <a:r>
+              <a:rPr lang="el-GR" b="1" dirty="0">
+                <a:latin typeface="Georgia" panose="02040502050405020303" pitchFamily="18" charset="0"/>
+              </a:rPr>
+              <a:t>Κοινά</a:t>
+            </a:r>
+            <a:r>
+              <a:rPr lang="el-GR" dirty="0">
+                <a:latin typeface="Georgia" panose="02040502050405020303" pitchFamily="18" charset="0"/>
+              </a:rPr>
+              <a:t> συνθετικά δεδομένα. </a:t>
+            </a:r>
+          </a:p>
+          <a:p>
+            <a:r>
+              <a:rPr lang="el-GR" dirty="0">
+                <a:latin typeface="Georgia" panose="02040502050405020303" pitchFamily="18" charset="0"/>
+              </a:rPr>
+              <a:t>2) </a:t>
+            </a:r>
+            <a:r>
+              <a:rPr lang="el-GR" b="1" dirty="0">
+                <a:latin typeface="Georgia" panose="02040502050405020303" pitchFamily="18" charset="0"/>
+              </a:rPr>
+              <a:t>Κοινό όριο </a:t>
+            </a:r>
+            <a:r>
+              <a:rPr lang="en-US" b="1" dirty="0">
+                <a:latin typeface="Georgia" panose="02040502050405020303" pitchFamily="18" charset="0"/>
+              </a:rPr>
+              <a:t>K = </a:t>
+            </a:r>
+            <a:r>
+              <a:rPr lang="el-GR" b="1" dirty="0">
+                <a:latin typeface="Georgia" panose="02040502050405020303" pitchFamily="18" charset="0"/>
+              </a:rPr>
+              <a:t>80</a:t>
+            </a:r>
+            <a:r>
+              <a:rPr lang="el-GR" dirty="0">
+                <a:latin typeface="Georgia" panose="02040502050405020303" pitchFamily="18" charset="0"/>
+              </a:rPr>
+              <a:t>% της υφιστάμενης κατάστασης.</a:t>
+            </a:r>
+          </a:p>
+          <a:p>
+            <a:r>
+              <a:rPr lang="el-GR" dirty="0">
+                <a:latin typeface="Georgia" panose="02040502050405020303" pitchFamily="18" charset="0"/>
+              </a:rPr>
+              <a:t>3) </a:t>
+            </a:r>
+            <a:r>
+              <a:rPr lang="el-GR" b="1" dirty="0">
+                <a:latin typeface="Georgia" panose="02040502050405020303" pitchFamily="18" charset="0"/>
+              </a:rPr>
+              <a:t>Δωρεάν</a:t>
+            </a:r>
+            <a:r>
+              <a:rPr lang="el-GR" dirty="0">
+                <a:latin typeface="Georgia" panose="02040502050405020303" pitchFamily="18" charset="0"/>
+              </a:rPr>
+              <a:t> δίνεται το </a:t>
+            </a:r>
+            <a:r>
+              <a:rPr lang="el-GR" b="1" dirty="0">
+                <a:latin typeface="Georgia" panose="02040502050405020303" pitchFamily="18" charset="0"/>
+              </a:rPr>
+              <a:t>40</a:t>
+            </a:r>
+            <a:r>
+              <a:rPr lang="el-GR" dirty="0">
+                <a:latin typeface="Georgia" panose="02040502050405020303" pitchFamily="18" charset="0"/>
+              </a:rPr>
+              <a:t>% του ορίου.</a:t>
+            </a:r>
+          </a:p>
+          <a:p>
+            <a:r>
+              <a:rPr lang="el-GR" dirty="0">
+                <a:latin typeface="Georgia" panose="02040502050405020303" pitchFamily="18" charset="0"/>
+              </a:rPr>
+              <a:t>4) </a:t>
+            </a:r>
+            <a:r>
+              <a:rPr lang="el-GR" b="1" dirty="0">
+                <a:latin typeface="Georgia" panose="02040502050405020303" pitchFamily="18" charset="0"/>
+              </a:rPr>
+              <a:t>Κοινό Περιβαλλοντικό αποτύπωμα</a:t>
+            </a:r>
+            <a:r>
+              <a:rPr lang="el-GR" dirty="0">
+                <a:latin typeface="Georgia" panose="02040502050405020303" pitchFamily="18" charset="0"/>
+              </a:rPr>
+              <a:t>, άρα μπορεί να συγκριθεί η Κοινωνική Ευημερία των δύο.</a:t>
+            </a:r>
+            <a:endParaRPr lang="en-US" dirty="0">
+              <a:latin typeface="Georgia" panose="02040502050405020303" pitchFamily="18" charset="0"/>
+            </a:endParaRPr>
+          </a:p>
+        </p:txBody>
+      </p:sp>
+    </p:spTree>
+    <p:extLst>
+      <p:ext uri="{BB962C8B-B14F-4D97-AF65-F5344CB8AC3E}">
+        <p14:creationId xmlns:p14="http://schemas.microsoft.com/office/powerpoint/2010/main" val="1832200537"/>
+      </p:ext>
+    </p:extLst>
+  </p:cSld>
+  <p:clrMapOvr>
+    <a:masterClrMapping/>
+  </p:clrMapOvr>
+</p:sld>
+</file>
+
+<file path=ppt/slides/slide33.xml><?xml version="1.0" encoding="utf-8"?>
+<p:sld xmlns:a="http://schemas.openxmlformats.org/drawingml/2006/main" xmlns:r="http://schemas.openxmlformats.org/officeDocument/2006/relationships" xmlns:p="http://schemas.openxmlformats.org/presentationml/2006/main">
+  <p:cSld>
+    <p:spTree>
+      <p:nvGrpSpPr>
+        <p:cNvPr id="1" name="">
+          <a:extLst>
+            <a:ext uri="{FF2B5EF4-FFF2-40B4-BE49-F238E27FC236}">
+              <a16:creationId xmlns:a16="http://schemas.microsoft.com/office/drawing/2014/main" id="{6A0EBEAD-4D17-1A2A-092A-A2081D955BCC}"/>
+            </a:ext>
+          </a:extLst>
+        </p:cNvPr>
+        <p:cNvGrpSpPr/>
+        <p:nvPr/>
+      </p:nvGrpSpPr>
+      <p:grpSpPr>
+        <a:xfrm>
+          <a:off x="0" y="0"/>
+          <a:ext cx="0" cy="0"/>
+          <a:chOff x="0" y="0"/>
+          <a:chExt cx="0" cy="0"/>
+        </a:xfrm>
+      </p:grpSpPr>
+      <p:sp>
+        <p:nvSpPr>
+          <p:cNvPr id="2" name="Τίτλος 1">
+            <a:extLst>
+              <a:ext uri="{FF2B5EF4-FFF2-40B4-BE49-F238E27FC236}">
+                <a16:creationId xmlns:a16="http://schemas.microsoft.com/office/drawing/2014/main" id="{D4D1B369-DDD1-BB26-4463-7C8D86E86DE7}"/>
+              </a:ext>
+            </a:extLst>
+          </p:cNvPr>
+          <p:cNvSpPr>
+            <a:spLocks noGrp="1"/>
+          </p:cNvSpPr>
+          <p:nvPr>
+            <p:ph type="title"/>
+          </p:nvPr>
+        </p:nvSpPr>
+        <p:spPr>
+          <a:xfrm>
+            <a:off x="581192" y="702156"/>
+            <a:ext cx="11029616" cy="1013800"/>
+          </a:xfrm>
+        </p:spPr>
+        <p:txBody>
+          <a:bodyPr>
+            <a:normAutofit/>
+          </a:bodyPr>
+          <a:lstStyle/>
+          <a:p>
+            <a:r>
+              <a:rPr lang="el-GR" dirty="0" err="1">
+                <a:solidFill>
+                  <a:srgbClr val="FFFEFF"/>
+                </a:solidFill>
+                <a:latin typeface="Georgia" panose="02040502050405020303" pitchFamily="18" charset="0"/>
+              </a:rPr>
+              <a:t>Συγκριση</a:t>
+            </a:r>
+            <a:r>
+              <a:rPr lang="el-GR" dirty="0">
+                <a:solidFill>
+                  <a:srgbClr val="FFFEFF"/>
+                </a:solidFill>
+                <a:latin typeface="Georgia" panose="02040502050405020303" pitchFamily="18" charset="0"/>
+              </a:rPr>
+              <a:t> των δυο</a:t>
+            </a:r>
+            <a:r>
+              <a:rPr lang="en-US" dirty="0">
+                <a:solidFill>
+                  <a:srgbClr val="FFFEFF"/>
+                </a:solidFill>
+                <a:latin typeface="Georgia" panose="02040502050405020303" pitchFamily="18" charset="0"/>
+              </a:rPr>
+              <a:t> – </a:t>
+            </a:r>
+            <a:r>
+              <a:rPr lang="el-GR" dirty="0" err="1">
+                <a:solidFill>
+                  <a:srgbClr val="FFFEFF"/>
+                </a:solidFill>
+                <a:latin typeface="Georgia" panose="02040502050405020303" pitchFamily="18" charset="0"/>
+              </a:rPr>
+              <a:t>Συνθετικα</a:t>
+            </a:r>
+            <a:r>
+              <a:rPr lang="el-GR" dirty="0">
+                <a:solidFill>
+                  <a:srgbClr val="FFFEFF"/>
+                </a:solidFill>
+                <a:latin typeface="Georgia" panose="02040502050405020303" pitchFamily="18" charset="0"/>
+              </a:rPr>
+              <a:t> </a:t>
+            </a:r>
+            <a:r>
+              <a:rPr lang="el-GR" dirty="0" err="1">
+                <a:solidFill>
+                  <a:srgbClr val="FFFEFF"/>
+                </a:solidFill>
+                <a:latin typeface="Georgia" panose="02040502050405020303" pitchFamily="18" charset="0"/>
+              </a:rPr>
+              <a:t>δεδομενα</a:t>
+            </a:r>
+            <a:endParaRPr lang="en-US" dirty="0">
+              <a:solidFill>
+                <a:srgbClr val="FFFEFF"/>
+              </a:solidFill>
+              <a:latin typeface="Georgia" panose="02040502050405020303" pitchFamily="18" charset="0"/>
+            </a:endParaRPr>
+          </a:p>
+        </p:txBody>
+      </p:sp>
       <p:graphicFrame>
         <p:nvGraphicFramePr>
           <p:cNvPr id="9" name="Θέση περιεχομένου 8">
             <a:extLst>
               <a:ext uri="{FF2B5EF4-FFF2-40B4-BE49-F238E27FC236}">
-                <a16:creationId xmlns:a16="http://schemas.microsoft.com/office/drawing/2014/main" id="{B1B35B54-6FBB-31AD-CA1F-A5DDC33550DD}"/>
+                <a16:creationId xmlns:a16="http://schemas.microsoft.com/office/drawing/2014/main" id="{FD65D70D-F399-B403-0F07-06F37A8F820F}"/>
               </a:ext>
             </a:extLst>
           </p:cNvPr>
@@ -15369,7 +16184,7 @@
             <p:ph idx="1"/>
             <p:extLst>
               <p:ext uri="{D42A27DB-BD31-4B8C-83A1-F6EECF244321}">
-                <p14:modId xmlns:p14="http://schemas.microsoft.com/office/powerpoint/2010/main" val="920222465"/>
+                <p14:modId xmlns:p14="http://schemas.microsoft.com/office/powerpoint/2010/main" val="1835455109"/>
               </p:ext>
             </p:extLst>
           </p:nvPr>
@@ -15417,6 +16232,7 @@
                       <a:r>
                         <a:rPr lang="el-GR" sz="2500" u="none" strike="noStrike" dirty="0">
                           <a:effectLst/>
+                          <a:latin typeface="Georgia" panose="02040502050405020303" pitchFamily="18" charset="0"/>
                         </a:rPr>
                         <a:t>Χώρα</a:t>
                       </a:r>
@@ -15425,7 +16241,7 @@
                           <a:srgbClr val="000000"/>
                         </a:solidFill>
                         <a:effectLst/>
-                        <a:latin typeface="Aptos Narrow" panose="020B0004020202020204" pitchFamily="34" charset="0"/>
+                        <a:latin typeface="Georgia" panose="02040502050405020303" pitchFamily="18" charset="0"/>
                       </a:endParaRPr>
                     </a:p>
                   </a:txBody>
@@ -15440,6 +16256,7 @@
                       <a:r>
                         <a:rPr lang="el-GR" sz="2500" u="none" strike="noStrike">
                           <a:effectLst/>
+                          <a:latin typeface="Georgia" panose="02040502050405020303" pitchFamily="18" charset="0"/>
                         </a:rPr>
                         <a:t>ΑΕΠ ανά Κάτοικο</a:t>
                       </a:r>
@@ -15448,7 +16265,7 @@
                           <a:srgbClr val="000000"/>
                         </a:solidFill>
                         <a:effectLst/>
-                        <a:latin typeface="Aptos Narrow" panose="020B0004020202020204" pitchFamily="34" charset="0"/>
+                        <a:latin typeface="Georgia" panose="02040502050405020303" pitchFamily="18" charset="0"/>
                       </a:endParaRPr>
                     </a:p>
                   </a:txBody>
@@ -15463,6 +16280,7 @@
                       <a:r>
                         <a:rPr lang="el-GR" sz="2500" u="none" strike="noStrike">
                           <a:effectLst/>
+                          <a:latin typeface="Georgia" panose="02040502050405020303" pitchFamily="18" charset="0"/>
                         </a:rPr>
                         <a:t>Ποσοστό Βιομηχανίας (%)</a:t>
                       </a:r>
@@ -15471,7 +16289,7 @@
                           <a:srgbClr val="000000"/>
                         </a:solidFill>
                         <a:effectLst/>
-                        <a:latin typeface="Aptos Narrow" panose="020B0004020202020204" pitchFamily="34" charset="0"/>
+                        <a:latin typeface="Georgia" panose="02040502050405020303" pitchFamily="18" charset="0"/>
                       </a:endParaRPr>
                     </a:p>
                   </a:txBody>
@@ -15493,6 +16311,7 @@
                       <a:r>
                         <a:rPr lang="el-GR" sz="2500" u="none" strike="noStrike">
                           <a:effectLst/>
+                          <a:latin typeface="Georgia" panose="02040502050405020303" pitchFamily="18" charset="0"/>
                         </a:rPr>
                         <a:t>Ατλαντίδα</a:t>
                       </a:r>
@@ -15501,7 +16320,7 @@
                           <a:srgbClr val="000000"/>
                         </a:solidFill>
                         <a:effectLst/>
-                        <a:latin typeface="Aptos Narrow" panose="020B0004020202020204" pitchFamily="34" charset="0"/>
+                        <a:latin typeface="Georgia" panose="02040502050405020303" pitchFamily="18" charset="0"/>
                       </a:endParaRPr>
                     </a:p>
                   </a:txBody>
@@ -15516,6 +16335,7 @@
                       <a:r>
                         <a:rPr lang="en-US" sz="2500" u="none" strike="noStrike">
                           <a:effectLst/>
+                          <a:latin typeface="Georgia" panose="02040502050405020303" pitchFamily="18" charset="0"/>
                         </a:rPr>
                         <a:t>400</a:t>
                       </a:r>
@@ -15524,7 +16344,7 @@
                           <a:srgbClr val="000000"/>
                         </a:solidFill>
                         <a:effectLst/>
-                        <a:latin typeface="Aptos Narrow" panose="020B0004020202020204" pitchFamily="34" charset="0"/>
+                        <a:latin typeface="Georgia" panose="02040502050405020303" pitchFamily="18" charset="0"/>
                       </a:endParaRPr>
                     </a:p>
                   </a:txBody>
@@ -15539,6 +16359,7 @@
                       <a:r>
                         <a:rPr lang="en-US" sz="2500" u="none" strike="noStrike">
                           <a:effectLst/>
+                          <a:latin typeface="Georgia" panose="02040502050405020303" pitchFamily="18" charset="0"/>
                         </a:rPr>
                         <a:t>30</a:t>
                       </a:r>
@@ -15547,7 +16368,7 @@
                           <a:srgbClr val="000000"/>
                         </a:solidFill>
                         <a:effectLst/>
-                        <a:latin typeface="Aptos Narrow" panose="020B0004020202020204" pitchFamily="34" charset="0"/>
+                        <a:latin typeface="Georgia" panose="02040502050405020303" pitchFamily="18" charset="0"/>
                       </a:endParaRPr>
                     </a:p>
                   </a:txBody>
@@ -15569,6 +16390,7 @@
                       <a:r>
                         <a:rPr lang="el-GR" sz="2500" u="none" strike="noStrike">
                           <a:effectLst/>
+                          <a:latin typeface="Georgia" panose="02040502050405020303" pitchFamily="18" charset="0"/>
                         </a:rPr>
                         <a:t>Ομάσου</a:t>
                       </a:r>
@@ -15577,7 +16399,7 @@
                           <a:srgbClr val="000000"/>
                         </a:solidFill>
                         <a:effectLst/>
-                        <a:latin typeface="Aptos Narrow" panose="020B0004020202020204" pitchFamily="34" charset="0"/>
+                        <a:latin typeface="Georgia" panose="02040502050405020303" pitchFamily="18" charset="0"/>
                       </a:endParaRPr>
                     </a:p>
                   </a:txBody>
@@ -15592,6 +16414,7 @@
                       <a:r>
                         <a:rPr lang="en-US" sz="2500" u="none" strike="noStrike">
                           <a:effectLst/>
+                          <a:latin typeface="Georgia" panose="02040502050405020303" pitchFamily="18" charset="0"/>
                         </a:rPr>
                         <a:t>350</a:t>
                       </a:r>
@@ -15600,7 +16423,7 @@
                           <a:srgbClr val="000000"/>
                         </a:solidFill>
                         <a:effectLst/>
-                        <a:latin typeface="Aptos Narrow" panose="020B0004020202020204" pitchFamily="34" charset="0"/>
+                        <a:latin typeface="Georgia" panose="02040502050405020303" pitchFamily="18" charset="0"/>
                       </a:endParaRPr>
                     </a:p>
                   </a:txBody>
@@ -15615,6 +16438,7 @@
                       <a:r>
                         <a:rPr lang="en-US" sz="2500" u="none" strike="noStrike">
                           <a:effectLst/>
+                          <a:latin typeface="Georgia" panose="02040502050405020303" pitchFamily="18" charset="0"/>
                         </a:rPr>
                         <a:t>25</a:t>
                       </a:r>
@@ -15623,7 +16447,7 @@
                           <a:srgbClr val="000000"/>
                         </a:solidFill>
                         <a:effectLst/>
-                        <a:latin typeface="Aptos Narrow" panose="020B0004020202020204" pitchFamily="34" charset="0"/>
+                        <a:latin typeface="Georgia" panose="02040502050405020303" pitchFamily="18" charset="0"/>
                       </a:endParaRPr>
                     </a:p>
                   </a:txBody>
@@ -15645,6 +16469,7 @@
                       <a:r>
                         <a:rPr lang="el-GR" sz="2500" u="none" strike="noStrike">
                           <a:effectLst/>
+                          <a:latin typeface="Georgia" panose="02040502050405020303" pitchFamily="18" charset="0"/>
                         </a:rPr>
                         <a:t>Χόγκσμιντ</a:t>
                       </a:r>
@@ -15653,7 +16478,7 @@
                           <a:srgbClr val="000000"/>
                         </a:solidFill>
                         <a:effectLst/>
-                        <a:latin typeface="Aptos Narrow" panose="020B0004020202020204" pitchFamily="34" charset="0"/>
+                        <a:latin typeface="Georgia" panose="02040502050405020303" pitchFamily="18" charset="0"/>
                       </a:endParaRPr>
                     </a:p>
                   </a:txBody>
@@ -15668,6 +16493,7 @@
                       <a:r>
                         <a:rPr lang="en-US" sz="2500" u="none" strike="noStrike">
                           <a:effectLst/>
+                          <a:latin typeface="Georgia" panose="02040502050405020303" pitchFamily="18" charset="0"/>
                         </a:rPr>
                         <a:t>450</a:t>
                       </a:r>
@@ -15676,7 +16502,7 @@
                           <a:srgbClr val="000000"/>
                         </a:solidFill>
                         <a:effectLst/>
-                        <a:latin typeface="Aptos Narrow" panose="020B0004020202020204" pitchFamily="34" charset="0"/>
+                        <a:latin typeface="Georgia" panose="02040502050405020303" pitchFamily="18" charset="0"/>
                       </a:endParaRPr>
                     </a:p>
                   </a:txBody>
@@ -15691,6 +16517,7 @@
                       <a:r>
                         <a:rPr lang="en-US" sz="2500" u="none" strike="noStrike">
                           <a:effectLst/>
+                          <a:latin typeface="Georgia" panose="02040502050405020303" pitchFamily="18" charset="0"/>
                         </a:rPr>
                         <a:t>20</a:t>
                       </a:r>
@@ -15699,7 +16526,7 @@
                           <a:srgbClr val="000000"/>
                         </a:solidFill>
                         <a:effectLst/>
-                        <a:latin typeface="Aptos Narrow" panose="020B0004020202020204" pitchFamily="34" charset="0"/>
+                        <a:latin typeface="Georgia" panose="02040502050405020303" pitchFamily="18" charset="0"/>
                       </a:endParaRPr>
                     </a:p>
                   </a:txBody>
@@ -15721,6 +16548,7 @@
                       <a:r>
                         <a:rPr lang="el-GR" sz="2500" u="none" strike="noStrike" dirty="0">
                           <a:effectLst/>
+                          <a:latin typeface="Georgia" panose="02040502050405020303" pitchFamily="18" charset="0"/>
                         </a:rPr>
                         <a:t>Η Αυλή των Θαυμάτων</a:t>
                       </a:r>
@@ -15729,7 +16557,7 @@
                           <a:srgbClr val="000000"/>
                         </a:solidFill>
                         <a:effectLst/>
-                        <a:latin typeface="Aptos Narrow" panose="020B0004020202020204" pitchFamily="34" charset="0"/>
+                        <a:latin typeface="Georgia" panose="02040502050405020303" pitchFamily="18" charset="0"/>
                       </a:endParaRPr>
                     </a:p>
                   </a:txBody>
@@ -15744,6 +16572,7 @@
                       <a:r>
                         <a:rPr lang="en-US" sz="2500" u="none" strike="noStrike">
                           <a:effectLst/>
+                          <a:latin typeface="Georgia" panose="02040502050405020303" pitchFamily="18" charset="0"/>
                         </a:rPr>
                         <a:t>300</a:t>
                       </a:r>
@@ -15752,7 +16581,7 @@
                           <a:srgbClr val="000000"/>
                         </a:solidFill>
                         <a:effectLst/>
-                        <a:latin typeface="Aptos Narrow" panose="020B0004020202020204" pitchFamily="34" charset="0"/>
+                        <a:latin typeface="Georgia" panose="02040502050405020303" pitchFamily="18" charset="0"/>
                       </a:endParaRPr>
                     </a:p>
                   </a:txBody>
@@ -15767,6 +16596,7 @@
                       <a:r>
                         <a:rPr lang="en-US" sz="2500" u="none" strike="noStrike">
                           <a:effectLst/>
+                          <a:latin typeface="Georgia" panose="02040502050405020303" pitchFamily="18" charset="0"/>
                         </a:rPr>
                         <a:t>15</a:t>
                       </a:r>
@@ -15775,7 +16605,7 @@
                           <a:srgbClr val="000000"/>
                         </a:solidFill>
                         <a:effectLst/>
-                        <a:latin typeface="Aptos Narrow" panose="020B0004020202020204" pitchFamily="34" charset="0"/>
+                        <a:latin typeface="Georgia" panose="02040502050405020303" pitchFamily="18" charset="0"/>
                       </a:endParaRPr>
                     </a:p>
                   </a:txBody>
@@ -15797,6 +16627,7 @@
                       <a:r>
                         <a:rPr lang="el-GR" sz="2500" u="none" strike="noStrike">
                           <a:effectLst/>
+                          <a:latin typeface="Georgia" panose="02040502050405020303" pitchFamily="18" charset="0"/>
                         </a:rPr>
                         <a:t>Λιλιπούπολη</a:t>
                       </a:r>
@@ -15805,7 +16636,7 @@
                           <a:srgbClr val="000000"/>
                         </a:solidFill>
                         <a:effectLst/>
-                        <a:latin typeface="Aptos Narrow" panose="020B0004020202020204" pitchFamily="34" charset="0"/>
+                        <a:latin typeface="Georgia" panose="02040502050405020303" pitchFamily="18" charset="0"/>
                       </a:endParaRPr>
                     </a:p>
                   </a:txBody>
@@ -15820,6 +16651,7 @@
                       <a:r>
                         <a:rPr lang="en-US" sz="2500" u="none" strike="noStrike">
                           <a:effectLst/>
+                          <a:latin typeface="Georgia" panose="02040502050405020303" pitchFamily="18" charset="0"/>
                         </a:rPr>
                         <a:t>250</a:t>
                       </a:r>
@@ -15828,7 +16660,7 @@
                           <a:srgbClr val="000000"/>
                         </a:solidFill>
                         <a:effectLst/>
-                        <a:latin typeface="Aptos Narrow" panose="020B0004020202020204" pitchFamily="34" charset="0"/>
+                        <a:latin typeface="Georgia" panose="02040502050405020303" pitchFamily="18" charset="0"/>
                       </a:endParaRPr>
                     </a:p>
                   </a:txBody>
@@ -15843,6 +16675,7 @@
                       <a:r>
                         <a:rPr lang="en-US" sz="2500" u="none" strike="noStrike" dirty="0">
                           <a:effectLst/>
+                          <a:latin typeface="Georgia" panose="02040502050405020303" pitchFamily="18" charset="0"/>
                         </a:rPr>
                         <a:t>10</a:t>
                       </a:r>
@@ -15851,7 +16684,7 @@
                           <a:srgbClr val="000000"/>
                         </a:solidFill>
                         <a:effectLst/>
-                        <a:latin typeface="Aptos Narrow" panose="020B0004020202020204" pitchFamily="34" charset="0"/>
+                        <a:latin typeface="Georgia" panose="02040502050405020303" pitchFamily="18" charset="0"/>
                       </a:endParaRPr>
                     </a:p>
                   </a:txBody>
@@ -15870,7 +16703,7 @@
     </p:spTree>
     <p:extLst>
       <p:ext uri="{BB962C8B-B14F-4D97-AF65-F5344CB8AC3E}">
-        <p14:creationId xmlns:p14="http://schemas.microsoft.com/office/powerpoint/2010/main" val="1832200537"/>
+        <p14:creationId xmlns:p14="http://schemas.microsoft.com/office/powerpoint/2010/main" val="1305697015"/>
       </p:ext>
     </p:extLst>
   </p:cSld>
@@ -15880,7 +16713,7 @@
 </p:sld>
 </file>
 
-<file path=ppt/slides/slide33.xml><?xml version="1.0" encoding="utf-8"?>
+<file path=ppt/slides/slide34.xml><?xml version="1.0" encoding="utf-8"?>
 <p:sld xmlns:a="http://schemas.openxmlformats.org/drawingml/2006/main" xmlns:r="http://schemas.openxmlformats.org/officeDocument/2006/relationships" xmlns:p="http://schemas.openxmlformats.org/presentationml/2006/main">
   <p:cSld>
     <p:bg>
@@ -15940,50 +16773,64 @@
           <a:lstStyle/>
           <a:p>
             <a:r>
-              <a:rPr lang="el-GR">
+              <a:rPr lang="el-GR" dirty="0" err="1">
                 <a:solidFill>
                   <a:srgbClr val="FFFEFF"/>
                 </a:solidFill>
-              </a:rPr>
-              <a:t>Συγκριση </a:t>
-            </a:r>
-            <a:r>
-              <a:rPr lang="el-GR">
+                <a:latin typeface="Georgia" panose="02040502050405020303" pitchFamily="18" charset="0"/>
+              </a:rPr>
+              <a:t>Συγκριση</a:t>
+            </a:r>
+            <a:r>
+              <a:rPr lang="el-GR" dirty="0">
                 <a:solidFill>
                   <a:srgbClr val="FFFEFF"/>
                 </a:solidFill>
                 <a:latin typeface="Georgia" panose="02040502050405020303" pitchFamily="18" charset="0"/>
               </a:rPr>
-              <a:t>των</a:t>
-            </a:r>
-            <a:r>
-              <a:rPr lang="el-GR">
+              <a:t> των δυο</a:t>
+            </a:r>
+            <a:r>
+              <a:rPr lang="en-US" dirty="0">
                 <a:solidFill>
                   <a:srgbClr val="FFFEFF"/>
                 </a:solidFill>
-              </a:rPr>
-              <a:t> δυο</a:t>
-            </a:r>
-            <a:r>
-              <a:rPr lang="en-US">
+                <a:latin typeface="Georgia" panose="02040502050405020303" pitchFamily="18" charset="0"/>
+              </a:rPr>
+              <a:t> – </a:t>
+            </a:r>
+            <a:r>
+              <a:rPr lang="el-GR" dirty="0" err="1">
                 <a:solidFill>
                   <a:srgbClr val="FFFEFF"/>
                 </a:solidFill>
-              </a:rPr>
-              <a:t> – </a:t>
-            </a:r>
-            <a:r>
-              <a:rPr lang="el-GR">
+                <a:latin typeface="Georgia" panose="02040502050405020303" pitchFamily="18" charset="0"/>
+              </a:rPr>
+              <a:t>Συνθετικα</a:t>
+            </a:r>
+            <a:r>
+              <a:rPr lang="el-GR" dirty="0">
                 <a:solidFill>
                   <a:srgbClr val="FFFEFF"/>
                 </a:solidFill>
-              </a:rPr>
-              <a:t>Συνθετικα δεδομενα</a:t>
-            </a:r>
-            <a:endParaRPr lang="en-US">
+                <a:latin typeface="Georgia" panose="02040502050405020303" pitchFamily="18" charset="0"/>
+              </a:rPr>
+              <a:t> </a:t>
+            </a:r>
+            <a:r>
+              <a:rPr lang="el-GR" dirty="0" err="1">
+                <a:solidFill>
+                  <a:srgbClr val="FFFEFF"/>
+                </a:solidFill>
+                <a:latin typeface="Georgia" panose="02040502050405020303" pitchFamily="18" charset="0"/>
+              </a:rPr>
+              <a:t>δεδομενα</a:t>
+            </a:r>
+            <a:endParaRPr lang="en-US" dirty="0">
               <a:solidFill>
                 <a:srgbClr val="FFFEFF"/>
               </a:solidFill>
+              <a:latin typeface="Georgia" panose="02040502050405020303" pitchFamily="18" charset="0"/>
             </a:endParaRPr>
           </a:p>
         </p:txBody>
@@ -16004,7 +16851,7 @@
             <p:ph idx="1"/>
             <p:extLst>
               <p:ext uri="{D42A27DB-BD31-4B8C-83A1-F6EECF244321}">
-                <p14:modId xmlns:p14="http://schemas.microsoft.com/office/powerpoint/2010/main" val="2242414444"/>
+                <p14:modId xmlns:p14="http://schemas.microsoft.com/office/powerpoint/2010/main" val="2535541429"/>
               </p:ext>
             </p:extLst>
           </p:nvPr>
@@ -16045,6 +16892,7 @@
                       <a:r>
                         <a:rPr lang="el-GR" sz="2400" u="none" strike="noStrike" dirty="0">
                           <a:effectLst/>
+                          <a:latin typeface="Georgia" panose="02040502050405020303" pitchFamily="18" charset="0"/>
                         </a:rPr>
                         <a:t>Όνομα Τομέα</a:t>
                       </a:r>
@@ -16053,7 +16901,7 @@
                           <a:srgbClr val="000000"/>
                         </a:solidFill>
                         <a:effectLst/>
-                        <a:latin typeface="Aptos Narrow" panose="020B0004020202020204" pitchFamily="34" charset="0"/>
+                        <a:latin typeface="Georgia" panose="02040502050405020303" pitchFamily="18" charset="0"/>
                       </a:endParaRPr>
                     </a:p>
                   </a:txBody>
@@ -16068,6 +16916,7 @@
                       <a:r>
                         <a:rPr lang="el-GR" sz="2400" u="none" strike="noStrike">
                           <a:effectLst/>
+                          <a:latin typeface="Georgia" panose="02040502050405020303" pitchFamily="18" charset="0"/>
                         </a:rPr>
                         <a:t>Συνάρτηση Τιμής-Ζήτησης</a:t>
                       </a:r>
@@ -16076,7 +16925,7 @@
                           <a:srgbClr val="000000"/>
                         </a:solidFill>
                         <a:effectLst/>
-                        <a:latin typeface="Aptos Narrow" panose="020B0004020202020204" pitchFamily="34" charset="0"/>
+                        <a:latin typeface="Georgia" panose="02040502050405020303" pitchFamily="18" charset="0"/>
                       </a:endParaRPr>
                     </a:p>
                   </a:txBody>
@@ -16098,6 +16947,7 @@
                       <a:r>
                         <a:rPr lang="el-GR" sz="2400" u="none" strike="noStrike">
                           <a:effectLst/>
+                          <a:latin typeface="Georgia" panose="02040502050405020303" pitchFamily="18" charset="0"/>
                         </a:rPr>
                         <a:t>Χάλυβας</a:t>
                       </a:r>
@@ -16106,7 +16956,7 @@
                           <a:srgbClr val="000000"/>
                         </a:solidFill>
                         <a:effectLst/>
-                        <a:latin typeface="Aptos Narrow" panose="020B0004020202020204" pitchFamily="34" charset="0"/>
+                        <a:latin typeface="Georgia" panose="02040502050405020303" pitchFamily="18" charset="0"/>
                       </a:endParaRPr>
                     </a:p>
                   </a:txBody>
@@ -16121,6 +16971,7 @@
                       <a:r>
                         <a:rPr lang="en-US" sz="2400" u="none" strike="noStrike">
                           <a:effectLst/>
+                          <a:latin typeface="Georgia" panose="02040502050405020303" pitchFamily="18" charset="0"/>
                         </a:rPr>
                         <a:t>p(x) = 200 − 0.1x</a:t>
                       </a:r>
@@ -16129,7 +16980,7 @@
                           <a:srgbClr val="000000"/>
                         </a:solidFill>
                         <a:effectLst/>
-                        <a:latin typeface="Aptos Narrow" panose="020B0004020202020204" pitchFamily="34" charset="0"/>
+                        <a:latin typeface="Georgia" panose="02040502050405020303" pitchFamily="18" charset="0"/>
                       </a:endParaRPr>
                     </a:p>
                   </a:txBody>
@@ -16151,6 +17002,7 @@
                       <a:r>
                         <a:rPr lang="el-GR" sz="2400" u="none" strike="noStrike">
                           <a:effectLst/>
+                          <a:latin typeface="Georgia" panose="02040502050405020303" pitchFamily="18" charset="0"/>
                         </a:rPr>
                         <a:t>Τσιμέντο</a:t>
                       </a:r>
@@ -16159,7 +17011,7 @@
                           <a:srgbClr val="000000"/>
                         </a:solidFill>
                         <a:effectLst/>
-                        <a:latin typeface="Aptos Narrow" panose="020B0004020202020204" pitchFamily="34" charset="0"/>
+                        <a:latin typeface="Georgia" panose="02040502050405020303" pitchFamily="18" charset="0"/>
                       </a:endParaRPr>
                     </a:p>
                   </a:txBody>
@@ -16174,6 +17026,7 @@
                       <a:r>
                         <a:rPr lang="en-US" sz="2400" u="none" strike="noStrike">
                           <a:effectLst/>
+                          <a:latin typeface="Georgia" panose="02040502050405020303" pitchFamily="18" charset="0"/>
                         </a:rPr>
                         <a:t>p(x) = 150 − 0.05x</a:t>
                       </a:r>
@@ -16182,7 +17035,7 @@
                           <a:srgbClr val="000000"/>
                         </a:solidFill>
                         <a:effectLst/>
-                        <a:latin typeface="Aptos Narrow" panose="020B0004020202020204" pitchFamily="34" charset="0"/>
+                        <a:latin typeface="Georgia" panose="02040502050405020303" pitchFamily="18" charset="0"/>
                       </a:endParaRPr>
                     </a:p>
                   </a:txBody>
@@ -16204,6 +17057,7 @@
                       <a:r>
                         <a:rPr lang="el-GR" sz="2400" u="none" strike="noStrike">
                           <a:effectLst/>
+                          <a:latin typeface="Georgia" panose="02040502050405020303" pitchFamily="18" charset="0"/>
                         </a:rPr>
                         <a:t>Χαρτί</a:t>
                       </a:r>
@@ -16212,7 +17066,7 @@
                           <a:srgbClr val="000000"/>
                         </a:solidFill>
                         <a:effectLst/>
-                        <a:latin typeface="Aptos Narrow" panose="020B0004020202020204" pitchFamily="34" charset="0"/>
+                        <a:latin typeface="Georgia" panose="02040502050405020303" pitchFamily="18" charset="0"/>
                       </a:endParaRPr>
                     </a:p>
                   </a:txBody>
@@ -16227,6 +17081,7 @@
                       <a:r>
                         <a:rPr lang="en-US" sz="2400" u="none" strike="noStrike">
                           <a:effectLst/>
+                          <a:latin typeface="Georgia" panose="02040502050405020303" pitchFamily="18" charset="0"/>
                         </a:rPr>
                         <a:t>p(x) = 100 − 0.02x</a:t>
                       </a:r>
@@ -16235,7 +17090,7 @@
                           <a:srgbClr val="000000"/>
                         </a:solidFill>
                         <a:effectLst/>
-                        <a:latin typeface="Aptos Narrow" panose="020B0004020202020204" pitchFamily="34" charset="0"/>
+                        <a:latin typeface="Georgia" panose="02040502050405020303" pitchFamily="18" charset="0"/>
                       </a:endParaRPr>
                     </a:p>
                   </a:txBody>
@@ -16257,6 +17112,7 @@
                       <a:r>
                         <a:rPr lang="el-GR" sz="2400" u="none" strike="noStrike">
                           <a:effectLst/>
+                          <a:latin typeface="Georgia" panose="02040502050405020303" pitchFamily="18" charset="0"/>
                         </a:rPr>
                         <a:t>Χημικά</a:t>
                       </a:r>
@@ -16265,7 +17121,7 @@
                           <a:srgbClr val="000000"/>
                         </a:solidFill>
                         <a:effectLst/>
-                        <a:latin typeface="Aptos Narrow" panose="020B0004020202020204" pitchFamily="34" charset="0"/>
+                        <a:latin typeface="Georgia" panose="02040502050405020303" pitchFamily="18" charset="0"/>
                       </a:endParaRPr>
                     </a:p>
                   </a:txBody>
@@ -16280,6 +17136,7 @@
                       <a:r>
                         <a:rPr lang="en-US" sz="2400" u="none" strike="noStrike">
                           <a:effectLst/>
+                          <a:latin typeface="Georgia" panose="02040502050405020303" pitchFamily="18" charset="0"/>
                         </a:rPr>
                         <a:t>p(x) = 250 − 0.15x</a:t>
                       </a:r>
@@ -16288,7 +17145,7 @@
                           <a:srgbClr val="000000"/>
                         </a:solidFill>
                         <a:effectLst/>
-                        <a:latin typeface="Aptos Narrow" panose="020B0004020202020204" pitchFamily="34" charset="0"/>
+                        <a:latin typeface="Georgia" panose="02040502050405020303" pitchFamily="18" charset="0"/>
                       </a:endParaRPr>
                     </a:p>
                   </a:txBody>
@@ -16310,6 +17167,7 @@
                       <a:r>
                         <a:rPr lang="el-GR" sz="2400" u="none" strike="noStrike">
                           <a:effectLst/>
+                          <a:latin typeface="Georgia" panose="02040502050405020303" pitchFamily="18" charset="0"/>
                         </a:rPr>
                         <a:t>Αυτοκινητοβιομηχανία</a:t>
                       </a:r>
@@ -16318,7 +17176,7 @@
                           <a:srgbClr val="000000"/>
                         </a:solidFill>
                         <a:effectLst/>
-                        <a:latin typeface="Aptos Narrow" panose="020B0004020202020204" pitchFamily="34" charset="0"/>
+                        <a:latin typeface="Georgia" panose="02040502050405020303" pitchFamily="18" charset="0"/>
                       </a:endParaRPr>
                     </a:p>
                   </a:txBody>
@@ -16333,6 +17191,7 @@
                       <a:r>
                         <a:rPr lang="en-US" sz="2400" u="none" strike="noStrike">
                           <a:effectLst/>
+                          <a:latin typeface="Georgia" panose="02040502050405020303" pitchFamily="18" charset="0"/>
                         </a:rPr>
                         <a:t>p(x) = 300 − 0.2x</a:t>
                       </a:r>
@@ -16341,7 +17200,7 @@
                           <a:srgbClr val="000000"/>
                         </a:solidFill>
                         <a:effectLst/>
-                        <a:latin typeface="Aptos Narrow" panose="020B0004020202020204" pitchFamily="34" charset="0"/>
+                        <a:latin typeface="Georgia" panose="02040502050405020303" pitchFamily="18" charset="0"/>
                       </a:endParaRPr>
                     </a:p>
                   </a:txBody>
@@ -16363,6 +17222,7 @@
                       <a:r>
                         <a:rPr lang="el-GR" sz="2400" u="none" strike="noStrike">
                           <a:effectLst/>
+                          <a:latin typeface="Georgia" panose="02040502050405020303" pitchFamily="18" charset="0"/>
                         </a:rPr>
                         <a:t>Κλωστοϋφαντουργία</a:t>
                       </a:r>
@@ -16371,7 +17231,7 @@
                           <a:srgbClr val="000000"/>
                         </a:solidFill>
                         <a:effectLst/>
-                        <a:latin typeface="Aptos Narrow" panose="020B0004020202020204" pitchFamily="34" charset="0"/>
+                        <a:latin typeface="Georgia" panose="02040502050405020303" pitchFamily="18" charset="0"/>
                       </a:endParaRPr>
                     </a:p>
                   </a:txBody>
@@ -16386,6 +17246,7 @@
                       <a:r>
                         <a:rPr lang="en-US" sz="2400" u="none" strike="noStrike" dirty="0">
                           <a:effectLst/>
+                          <a:latin typeface="Georgia" panose="02040502050405020303" pitchFamily="18" charset="0"/>
                         </a:rPr>
                         <a:t>p(x) = 80 − 0.01x</a:t>
                       </a:r>
@@ -16394,7 +17255,7 @@
                           <a:srgbClr val="000000"/>
                         </a:solidFill>
                         <a:effectLst/>
-                        <a:latin typeface="Aptos Narrow" panose="020B0004020202020204" pitchFamily="34" charset="0"/>
+                        <a:latin typeface="Georgia" panose="02040502050405020303" pitchFamily="18" charset="0"/>
                       </a:endParaRPr>
                     </a:p>
                   </a:txBody>
@@ -16423,7 +17284,7 @@
 </p:sld>
 </file>
 
-<file path=ppt/slides/slide34.xml><?xml version="1.0" encoding="utf-8"?>
+<file path=ppt/slides/slide35.xml><?xml version="1.0" encoding="utf-8"?>
 <p:sld xmlns:a="http://schemas.openxmlformats.org/drawingml/2006/main" xmlns:r="http://schemas.openxmlformats.org/officeDocument/2006/relationships" xmlns:p="http://schemas.openxmlformats.org/presentationml/2006/main">
   <p:cSld>
     <p:bg>
@@ -16853,13 +17714,76 @@
               </a:lnSpc>
             </a:pPr>
             <a:r>
-              <a:rPr lang="en-US" sz="3600">
+              <a:rPr lang="en-US" sz="3600" dirty="0" err="1">
                 <a:solidFill>
                   <a:srgbClr val="FFFFFF"/>
                 </a:solidFill>
-                <a:latin typeface="+mj-lt"/>
-              </a:rPr>
-              <a:t>Συγκριση των δυο – Συνθετικα δεδομενα</a:t>
+                <a:latin typeface="Georgia" panose="02040502050405020303" pitchFamily="18" charset="0"/>
+              </a:rPr>
+              <a:t>Συγκριση</a:t>
+            </a:r>
+            <a:r>
+              <a:rPr lang="en-US" sz="3600" dirty="0">
+                <a:solidFill>
+                  <a:srgbClr val="FFFFFF"/>
+                </a:solidFill>
+                <a:latin typeface="Georgia" panose="02040502050405020303" pitchFamily="18" charset="0"/>
+              </a:rPr>
+              <a:t> </a:t>
+            </a:r>
+            <a:r>
+              <a:rPr lang="en-US" sz="3600" dirty="0" err="1">
+                <a:solidFill>
+                  <a:srgbClr val="FFFFFF"/>
+                </a:solidFill>
+                <a:latin typeface="Georgia" panose="02040502050405020303" pitchFamily="18" charset="0"/>
+              </a:rPr>
+              <a:t>των</a:t>
+            </a:r>
+            <a:r>
+              <a:rPr lang="en-US" sz="3600" dirty="0">
+                <a:solidFill>
+                  <a:srgbClr val="FFFFFF"/>
+                </a:solidFill>
+                <a:latin typeface="Georgia" panose="02040502050405020303" pitchFamily="18" charset="0"/>
+              </a:rPr>
+              <a:t> </a:t>
+            </a:r>
+            <a:r>
+              <a:rPr lang="en-US" sz="3600" dirty="0" err="1">
+                <a:solidFill>
+                  <a:srgbClr val="FFFFFF"/>
+                </a:solidFill>
+                <a:latin typeface="Georgia" panose="02040502050405020303" pitchFamily="18" charset="0"/>
+              </a:rPr>
+              <a:t>δυο</a:t>
+            </a:r>
+            <a:r>
+              <a:rPr lang="en-US" sz="3600" dirty="0">
+                <a:solidFill>
+                  <a:srgbClr val="FFFFFF"/>
+                </a:solidFill>
+                <a:latin typeface="Georgia" panose="02040502050405020303" pitchFamily="18" charset="0"/>
+              </a:rPr>
+              <a:t> – </a:t>
+            </a:r>
+            <a:r>
+              <a:rPr lang="en-US" sz="3600" dirty="0" err="1">
+                <a:solidFill>
+                  <a:srgbClr val="FFFFFF"/>
+                </a:solidFill>
+                <a:latin typeface="Georgia" panose="02040502050405020303" pitchFamily="18" charset="0"/>
+              </a:rPr>
+              <a:t>Συνθετικ</a:t>
+            </a:r>
+            <a:r>
+              <a:rPr lang="en-US" sz="3600" dirty="0">
+                <a:solidFill>
+                  <a:srgbClr val="FFFFFF"/>
+                </a:solidFill>
+                <a:latin typeface="Georgia" panose="02040502050405020303" pitchFamily="18" charset="0"/>
+              </a:rPr>
+              <a:t>α δεδομενα</a:t>
             </a:r>
           </a:p>
         </p:txBody>
@@ -16879,14 +17803,14 @@
           <p:nvPr>
             <p:extLst>
               <p:ext uri="{D42A27DB-BD31-4B8C-83A1-F6EECF244321}">
-                <p14:modId xmlns:p14="http://schemas.microsoft.com/office/powerpoint/2010/main" val="966156725"/>
+                <p14:modId xmlns:p14="http://schemas.microsoft.com/office/powerpoint/2010/main" val="406380591"/>
               </p:ext>
             </p:extLst>
           </p:nvPr>
         </p:nvGraphicFramePr>
         <p:xfrm>
           <a:off x="956163" y="1829791"/>
-          <a:ext cx="6465066" cy="3896158"/>
+          <a:ext cx="6465066" cy="4104690"/>
         </p:xfrm>
         <a:graphic>
           <a:graphicData uri="http://schemas.openxmlformats.org/drawingml/2006/table">
@@ -16937,6 +17861,7 @@
                             <a:schemeClr val="bg1"/>
                           </a:solidFill>
                           <a:effectLst/>
+                          <a:latin typeface="Georgia" panose="02040502050405020303" pitchFamily="18" charset="0"/>
                         </a:rPr>
                         <a:t>Όνομα Εταιρείας</a:t>
                       </a:r>
@@ -16945,7 +17870,7 @@
                           <a:schemeClr val="bg1"/>
                         </a:solidFill>
                         <a:effectLst/>
-                        <a:latin typeface="Aptos Narrow" panose="020B0004020202020204" pitchFamily="34" charset="0"/>
+                        <a:latin typeface="Georgia" panose="02040502050405020303" pitchFamily="18" charset="0"/>
                       </a:endParaRPr>
                     </a:p>
                   </a:txBody>
@@ -16963,6 +17888,7 @@
                             <a:schemeClr val="bg1"/>
                           </a:solidFill>
                           <a:effectLst/>
+                          <a:latin typeface="Georgia" panose="02040502050405020303" pitchFamily="18" charset="0"/>
                         </a:rPr>
                         <a:t>Τομέας</a:t>
                       </a:r>
@@ -16971,7 +17897,7 @@
                           <a:schemeClr val="bg1"/>
                         </a:solidFill>
                         <a:effectLst/>
-                        <a:latin typeface="Aptos Narrow" panose="020B0004020202020204" pitchFamily="34" charset="0"/>
+                        <a:latin typeface="Georgia" panose="02040502050405020303" pitchFamily="18" charset="0"/>
                       </a:endParaRPr>
                     </a:p>
                   </a:txBody>
@@ -16989,6 +17915,7 @@
                             <a:schemeClr val="bg1"/>
                           </a:solidFill>
                           <a:effectLst/>
+                          <a:latin typeface="Georgia" panose="02040502050405020303" pitchFamily="18" charset="0"/>
                         </a:rPr>
                         <a:t>Χώρα</a:t>
                       </a:r>
@@ -16997,7 +17924,7 @@
                           <a:schemeClr val="bg1"/>
                         </a:solidFill>
                         <a:effectLst/>
-                        <a:latin typeface="Aptos Narrow" panose="020B0004020202020204" pitchFamily="34" charset="0"/>
+                        <a:latin typeface="Georgia" panose="02040502050405020303" pitchFamily="18" charset="0"/>
                       </a:endParaRPr>
                     </a:p>
                   </a:txBody>
@@ -17015,6 +17942,7 @@
                             <a:schemeClr val="bg1"/>
                           </a:solidFill>
                           <a:effectLst/>
+                          <a:latin typeface="Georgia" panose="02040502050405020303" pitchFamily="18" charset="0"/>
                         </a:rPr>
                         <a:t>Συνάρτηση Κόστους Μείωσης</a:t>
                       </a:r>
@@ -17023,7 +17951,7 @@
                           <a:schemeClr val="bg1"/>
                         </a:solidFill>
                         <a:effectLst/>
-                        <a:latin typeface="Aptos Narrow" panose="020B0004020202020204" pitchFamily="34" charset="0"/>
+                        <a:latin typeface="Georgia" panose="02040502050405020303" pitchFamily="18" charset="0"/>
                       </a:endParaRPr>
                     </a:p>
                   </a:txBody>
@@ -17048,6 +17976,7 @@
                             <a:schemeClr val="tx1"/>
                           </a:solidFill>
                           <a:effectLst/>
+                          <a:latin typeface="Georgia" panose="02040502050405020303" pitchFamily="18" charset="0"/>
                         </a:rPr>
                         <a:t>S1_F1</a:t>
                       </a:r>
@@ -17056,7 +17985,7 @@
                           <a:schemeClr val="tx1"/>
                         </a:solidFill>
                         <a:effectLst/>
-                        <a:latin typeface="Aptos Narrow" panose="020B0004020202020204" pitchFamily="34" charset="0"/>
+                        <a:latin typeface="Georgia" panose="02040502050405020303" pitchFamily="18" charset="0"/>
                       </a:endParaRPr>
                     </a:p>
                   </a:txBody>
@@ -17074,6 +18003,7 @@
                             <a:schemeClr val="tx1"/>
                           </a:solidFill>
                           <a:effectLst/>
+                          <a:latin typeface="Georgia" panose="02040502050405020303" pitchFamily="18" charset="0"/>
                         </a:rPr>
                         <a:t>Χάλυβας</a:t>
                       </a:r>
@@ -17082,7 +18012,7 @@
                           <a:schemeClr val="tx1"/>
                         </a:solidFill>
                         <a:effectLst/>
-                        <a:latin typeface="Aptos Narrow" panose="020B0004020202020204" pitchFamily="34" charset="0"/>
+                        <a:latin typeface="Georgia" panose="02040502050405020303" pitchFamily="18" charset="0"/>
                       </a:endParaRPr>
                     </a:p>
                   </a:txBody>
@@ -17100,6 +18030,7 @@
                             <a:schemeClr val="tx1"/>
                           </a:solidFill>
                           <a:effectLst/>
+                          <a:latin typeface="Georgia" panose="02040502050405020303" pitchFamily="18" charset="0"/>
                         </a:rPr>
                         <a:t>Ατλαντίδα</a:t>
                       </a:r>
@@ -17108,7 +18039,7 @@
                           <a:schemeClr val="tx1"/>
                         </a:solidFill>
                         <a:effectLst/>
-                        <a:latin typeface="Aptos Narrow" panose="020B0004020202020204" pitchFamily="34" charset="0"/>
+                        <a:latin typeface="Georgia" panose="02040502050405020303" pitchFamily="18" charset="0"/>
                       </a:endParaRPr>
                     </a:p>
                   </a:txBody>
@@ -17126,6 +18057,7 @@
                             <a:schemeClr val="tx1"/>
                           </a:solidFill>
                           <a:effectLst/>
+                          <a:latin typeface="Georgia" panose="02040502050405020303" pitchFamily="18" charset="0"/>
                         </a:rPr>
                         <a:t>2x + 3x^2 + x^3</a:t>
                       </a:r>
@@ -17134,7 +18066,7 @@
                           <a:schemeClr val="tx1"/>
                         </a:solidFill>
                         <a:effectLst/>
-                        <a:latin typeface="Aptos Narrow" panose="020B0004020202020204" pitchFamily="34" charset="0"/>
+                        <a:latin typeface="Georgia" panose="02040502050405020303" pitchFamily="18" charset="0"/>
                       </a:endParaRPr>
                     </a:p>
                   </a:txBody>
@@ -17159,6 +18091,7 @@
                             <a:schemeClr val="tx1"/>
                           </a:solidFill>
                           <a:effectLst/>
+                          <a:latin typeface="Georgia" panose="02040502050405020303" pitchFamily="18" charset="0"/>
                         </a:rPr>
                         <a:t>S1_F2</a:t>
                       </a:r>
@@ -17167,7 +18100,7 @@
                           <a:schemeClr val="tx1"/>
                         </a:solidFill>
                         <a:effectLst/>
-                        <a:latin typeface="Aptos Narrow" panose="020B0004020202020204" pitchFamily="34" charset="0"/>
+                        <a:latin typeface="Georgia" panose="02040502050405020303" pitchFamily="18" charset="0"/>
                       </a:endParaRPr>
                     </a:p>
                   </a:txBody>
@@ -17185,6 +18118,7 @@
                             <a:schemeClr val="tx1"/>
                           </a:solidFill>
                           <a:effectLst/>
+                          <a:latin typeface="Georgia" panose="02040502050405020303" pitchFamily="18" charset="0"/>
                         </a:rPr>
                         <a:t>Χάλυβας</a:t>
                       </a:r>
@@ -17193,7 +18127,7 @@
                           <a:schemeClr val="tx1"/>
                         </a:solidFill>
                         <a:effectLst/>
-                        <a:latin typeface="Aptos Narrow" panose="020B0004020202020204" pitchFamily="34" charset="0"/>
+                        <a:latin typeface="Georgia" panose="02040502050405020303" pitchFamily="18" charset="0"/>
                       </a:endParaRPr>
                     </a:p>
                   </a:txBody>
@@ -17211,6 +18145,7 @@
                             <a:schemeClr val="tx1"/>
                           </a:solidFill>
                           <a:effectLst/>
+                          <a:latin typeface="Georgia" panose="02040502050405020303" pitchFamily="18" charset="0"/>
                         </a:rPr>
                         <a:t>Ατλαντίδα</a:t>
                       </a:r>
@@ -17219,7 +18154,7 @@
                           <a:schemeClr val="tx1"/>
                         </a:solidFill>
                         <a:effectLst/>
-                        <a:latin typeface="Aptos Narrow" panose="020B0004020202020204" pitchFamily="34" charset="0"/>
+                        <a:latin typeface="Georgia" panose="02040502050405020303" pitchFamily="18" charset="0"/>
                       </a:endParaRPr>
                     </a:p>
                   </a:txBody>
@@ -17237,6 +18172,7 @@
                             <a:schemeClr val="tx1"/>
                           </a:solidFill>
                           <a:effectLst/>
+                          <a:latin typeface="Georgia" panose="02040502050405020303" pitchFamily="18" charset="0"/>
                         </a:rPr>
                         <a:t>3x + 2x^2 + 2x^3</a:t>
                       </a:r>
@@ -17245,7 +18181,7 @@
                           <a:schemeClr val="tx1"/>
                         </a:solidFill>
                         <a:effectLst/>
-                        <a:latin typeface="Aptos Narrow" panose="020B0004020202020204" pitchFamily="34" charset="0"/>
+                        <a:latin typeface="Georgia" panose="02040502050405020303" pitchFamily="18" charset="0"/>
                       </a:endParaRPr>
                     </a:p>
                   </a:txBody>
@@ -17270,6 +18206,7 @@
                             <a:schemeClr val="tx1"/>
                           </a:solidFill>
                           <a:effectLst/>
+                          <a:latin typeface="Georgia" panose="02040502050405020303" pitchFamily="18" charset="0"/>
                         </a:rPr>
                         <a:t>S1_F3</a:t>
                       </a:r>
@@ -17278,7 +18215,7 @@
                           <a:schemeClr val="tx1"/>
                         </a:solidFill>
                         <a:effectLst/>
-                        <a:latin typeface="Aptos Narrow" panose="020B0004020202020204" pitchFamily="34" charset="0"/>
+                        <a:latin typeface="Georgia" panose="02040502050405020303" pitchFamily="18" charset="0"/>
                       </a:endParaRPr>
                     </a:p>
                   </a:txBody>
@@ -17296,6 +18233,7 @@
                             <a:schemeClr val="tx1"/>
                           </a:solidFill>
                           <a:effectLst/>
+                          <a:latin typeface="Georgia" panose="02040502050405020303" pitchFamily="18" charset="0"/>
                         </a:rPr>
                         <a:t>Χάλυβας</a:t>
                       </a:r>
@@ -17304,7 +18242,7 @@
                           <a:schemeClr val="tx1"/>
                         </a:solidFill>
                         <a:effectLst/>
-                        <a:latin typeface="Aptos Narrow" panose="020B0004020202020204" pitchFamily="34" charset="0"/>
+                        <a:latin typeface="Georgia" panose="02040502050405020303" pitchFamily="18" charset="0"/>
                       </a:endParaRPr>
                     </a:p>
                   </a:txBody>
@@ -17322,6 +18260,7 @@
                             <a:schemeClr val="tx1"/>
                           </a:solidFill>
                           <a:effectLst/>
+                          <a:latin typeface="Georgia" panose="02040502050405020303" pitchFamily="18" charset="0"/>
                         </a:rPr>
                         <a:t>Ομάσου</a:t>
                       </a:r>
@@ -17330,7 +18269,7 @@
                           <a:schemeClr val="tx1"/>
                         </a:solidFill>
                         <a:effectLst/>
-                        <a:latin typeface="Aptos Narrow" panose="020B0004020202020204" pitchFamily="34" charset="0"/>
+                        <a:latin typeface="Georgia" panose="02040502050405020303" pitchFamily="18" charset="0"/>
                       </a:endParaRPr>
                     </a:p>
                   </a:txBody>
@@ -17348,6 +18287,7 @@
                             <a:schemeClr val="tx1"/>
                           </a:solidFill>
                           <a:effectLst/>
+                          <a:latin typeface="Georgia" panose="02040502050405020303" pitchFamily="18" charset="0"/>
                         </a:rPr>
                         <a:t>4x + x^2 + 3x^3</a:t>
                       </a:r>
@@ -17356,7 +18296,7 @@
                           <a:schemeClr val="tx1"/>
                         </a:solidFill>
                         <a:effectLst/>
-                        <a:latin typeface="Aptos Narrow" panose="020B0004020202020204" pitchFamily="34" charset="0"/>
+                        <a:latin typeface="Georgia" panose="02040502050405020303" pitchFamily="18" charset="0"/>
                       </a:endParaRPr>
                     </a:p>
                   </a:txBody>
@@ -17381,6 +18321,7 @@
                             <a:schemeClr val="tx1"/>
                           </a:solidFill>
                           <a:effectLst/>
+                          <a:latin typeface="Georgia" panose="02040502050405020303" pitchFamily="18" charset="0"/>
                         </a:rPr>
                         <a:t>S1_F4</a:t>
                       </a:r>
@@ -17389,7 +18330,7 @@
                           <a:schemeClr val="tx1"/>
                         </a:solidFill>
                         <a:effectLst/>
-                        <a:latin typeface="Aptos Narrow" panose="020B0004020202020204" pitchFamily="34" charset="0"/>
+                        <a:latin typeface="Georgia" panose="02040502050405020303" pitchFamily="18" charset="0"/>
                       </a:endParaRPr>
                     </a:p>
                   </a:txBody>
@@ -17407,6 +18348,7 @@
                             <a:schemeClr val="tx1"/>
                           </a:solidFill>
                           <a:effectLst/>
+                          <a:latin typeface="Georgia" panose="02040502050405020303" pitchFamily="18" charset="0"/>
                         </a:rPr>
                         <a:t>Χάλυβας</a:t>
                       </a:r>
@@ -17415,7 +18357,7 @@
                           <a:schemeClr val="tx1"/>
                         </a:solidFill>
                         <a:effectLst/>
-                        <a:latin typeface="Aptos Narrow" panose="020B0004020202020204" pitchFamily="34" charset="0"/>
+                        <a:latin typeface="Georgia" panose="02040502050405020303" pitchFamily="18" charset="0"/>
                       </a:endParaRPr>
                     </a:p>
                   </a:txBody>
@@ -17433,6 +18375,7 @@
                             <a:schemeClr val="tx1"/>
                           </a:solidFill>
                           <a:effectLst/>
+                          <a:latin typeface="Georgia" panose="02040502050405020303" pitchFamily="18" charset="0"/>
                         </a:rPr>
                         <a:t>Χόγκσμιντ</a:t>
                       </a:r>
@@ -17441,7 +18384,7 @@
                           <a:schemeClr val="tx1"/>
                         </a:solidFill>
                         <a:effectLst/>
-                        <a:latin typeface="Aptos Narrow" panose="020B0004020202020204" pitchFamily="34" charset="0"/>
+                        <a:latin typeface="Georgia" panose="02040502050405020303" pitchFamily="18" charset="0"/>
                       </a:endParaRPr>
                     </a:p>
                   </a:txBody>
@@ -17459,6 +18402,7 @@
                             <a:schemeClr val="tx1"/>
                           </a:solidFill>
                           <a:effectLst/>
+                          <a:latin typeface="Georgia" panose="02040502050405020303" pitchFamily="18" charset="0"/>
                         </a:rPr>
                         <a:t>2x + 2x^2 + 2x^3</a:t>
                       </a:r>
@@ -17467,7 +18411,7 @@
                           <a:schemeClr val="tx1"/>
                         </a:solidFill>
                         <a:effectLst/>
-                        <a:latin typeface="Aptos Narrow" panose="020B0004020202020204" pitchFamily="34" charset="0"/>
+                        <a:latin typeface="Georgia" panose="02040502050405020303" pitchFamily="18" charset="0"/>
                       </a:endParaRPr>
                     </a:p>
                   </a:txBody>
@@ -17492,6 +18436,7 @@
                             <a:schemeClr val="tx1"/>
                           </a:solidFill>
                           <a:effectLst/>
+                          <a:latin typeface="Georgia" panose="02040502050405020303" pitchFamily="18" charset="0"/>
                         </a:rPr>
                         <a:t>S1_F5</a:t>
                       </a:r>
@@ -17500,7 +18445,7 @@
                           <a:schemeClr val="tx1"/>
                         </a:solidFill>
                         <a:effectLst/>
-                        <a:latin typeface="Aptos Narrow" panose="020B0004020202020204" pitchFamily="34" charset="0"/>
+                        <a:latin typeface="Georgia" panose="02040502050405020303" pitchFamily="18" charset="0"/>
                       </a:endParaRPr>
                     </a:p>
                   </a:txBody>
@@ -17518,6 +18463,7 @@
                             <a:schemeClr val="tx1"/>
                           </a:solidFill>
                           <a:effectLst/>
+                          <a:latin typeface="Georgia" panose="02040502050405020303" pitchFamily="18" charset="0"/>
                         </a:rPr>
                         <a:t>Χάλυβας</a:t>
                       </a:r>
@@ -17526,7 +18472,7 @@
                           <a:schemeClr val="tx1"/>
                         </a:solidFill>
                         <a:effectLst/>
-                        <a:latin typeface="Aptos Narrow" panose="020B0004020202020204" pitchFamily="34" charset="0"/>
+                        <a:latin typeface="Georgia" panose="02040502050405020303" pitchFamily="18" charset="0"/>
                       </a:endParaRPr>
                     </a:p>
                   </a:txBody>
@@ -17544,6 +18490,7 @@
                             <a:schemeClr val="tx1"/>
                           </a:solidFill>
                           <a:effectLst/>
+                          <a:latin typeface="Georgia" panose="02040502050405020303" pitchFamily="18" charset="0"/>
                         </a:rPr>
                         <a:t>Η Αυλή των Θαυμάτων</a:t>
                       </a:r>
@@ -17552,7 +18499,7 @@
                           <a:schemeClr val="tx1"/>
                         </a:solidFill>
                         <a:effectLst/>
-                        <a:latin typeface="Aptos Narrow" panose="020B0004020202020204" pitchFamily="34" charset="0"/>
+                        <a:latin typeface="Georgia" panose="02040502050405020303" pitchFamily="18" charset="0"/>
                       </a:endParaRPr>
                     </a:p>
                   </a:txBody>
@@ -17570,6 +18517,7 @@
                             <a:schemeClr val="tx1"/>
                           </a:solidFill>
                           <a:effectLst/>
+                          <a:latin typeface="Georgia" panose="02040502050405020303" pitchFamily="18" charset="0"/>
                         </a:rPr>
                         <a:t>3x + 3x^2 + x^3</a:t>
                       </a:r>
@@ -17578,7 +18526,7 @@
                           <a:schemeClr val="tx1"/>
                         </a:solidFill>
                         <a:effectLst/>
-                        <a:latin typeface="Aptos Narrow" panose="020B0004020202020204" pitchFamily="34" charset="0"/>
+                        <a:latin typeface="Georgia" panose="02040502050405020303" pitchFamily="18" charset="0"/>
                       </a:endParaRPr>
                     </a:p>
                   </a:txBody>
@@ -17607,7 +18555,7 @@
 </p:sld>
 </file>
 
-<file path=ppt/slides/slide35.xml><?xml version="1.0" encoding="utf-8"?>
+<file path=ppt/slides/slide36.xml><?xml version="1.0" encoding="utf-8"?>
 <p:sld xmlns:a="http://schemas.openxmlformats.org/drawingml/2006/main" xmlns:r="http://schemas.openxmlformats.org/officeDocument/2006/relationships" xmlns:p="http://schemas.openxmlformats.org/presentationml/2006/main">
   <p:cSld>
     <p:bg>
@@ -18036,7 +18984,7 @@
                 <a:solidFill>
                   <a:srgbClr val="FFFFFF"/>
                 </a:solidFill>
-                <a:latin typeface="+mj-lt"/>
+                <a:latin typeface="Georgia" panose="02040502050405020303" pitchFamily="18" charset="0"/>
               </a:rPr>
               <a:t>Συγκριση</a:t>
             </a:r>
@@ -18045,7 +18993,7 @@
                 <a:solidFill>
                   <a:srgbClr val="FFFFFF"/>
                 </a:solidFill>
-                <a:latin typeface="+mj-lt"/>
+                <a:latin typeface="Georgia" panose="02040502050405020303" pitchFamily="18" charset="0"/>
               </a:rPr>
               <a:t> </a:t>
             </a:r>
@@ -18054,7 +19002,7 @@
                 <a:solidFill>
                   <a:srgbClr val="FFFFFF"/>
                 </a:solidFill>
-                <a:latin typeface="+mj-lt"/>
+                <a:latin typeface="Georgia" panose="02040502050405020303" pitchFamily="18" charset="0"/>
               </a:rPr>
               <a:t>των</a:t>
             </a:r>
@@ -18063,7 +19011,7 @@
                 <a:solidFill>
                   <a:srgbClr val="FFFFFF"/>
                 </a:solidFill>
-                <a:latin typeface="+mj-lt"/>
+                <a:latin typeface="Georgia" panose="02040502050405020303" pitchFamily="18" charset="0"/>
               </a:rPr>
               <a:t> </a:t>
             </a:r>
@@ -18510,7 +19458,7 @@
 </p:sld>
 </file>
 
-<file path=ppt/slides/slide36.xml><?xml version="1.0" encoding="utf-8"?>
+<file path=ppt/slides/slide37.xml><?xml version="1.0" encoding="utf-8"?>
 <p:sld xmlns:a="http://schemas.openxmlformats.org/drawingml/2006/main" xmlns:r="http://schemas.openxmlformats.org/officeDocument/2006/relationships" xmlns:p="http://schemas.openxmlformats.org/presentationml/2006/main">
   <p:cSld>
     <p:bg>
@@ -19014,7 +19962,7 @@
                 <a:solidFill>
                   <a:srgbClr val="FFFFFF"/>
                 </a:solidFill>
-                <a:latin typeface="+mj-lt"/>
+                <a:latin typeface="Georgia" panose="02040502050405020303" pitchFamily="18" charset="0"/>
               </a:rPr>
               <a:t> </a:t>
             </a:r>
@@ -19023,7 +19971,7 @@
                 <a:solidFill>
                   <a:srgbClr val="FFFFFF"/>
                 </a:solidFill>
-                <a:latin typeface="+mj-lt"/>
+                <a:latin typeface="Georgia" panose="02040502050405020303" pitchFamily="18" charset="0"/>
               </a:rPr>
               <a:t>των</a:t>
             </a:r>
@@ -19032,7 +19980,7 @@
                 <a:solidFill>
                   <a:srgbClr val="FFFFFF"/>
                 </a:solidFill>
-                <a:latin typeface="+mj-lt"/>
+                <a:latin typeface="Georgia" panose="02040502050405020303" pitchFamily="18" charset="0"/>
               </a:rPr>
               <a:t> </a:t>
             </a:r>
@@ -19041,7 +19989,7 @@
                 <a:solidFill>
                   <a:srgbClr val="FFFFFF"/>
                 </a:solidFill>
-                <a:latin typeface="+mj-lt"/>
+                <a:latin typeface="Georgia" panose="02040502050405020303" pitchFamily="18" charset="0"/>
               </a:rPr>
               <a:t>δυο</a:t>
             </a:r>
@@ -19049,7 +19997,7 @@
               <a:solidFill>
                 <a:srgbClr val="FFFFFF"/>
               </a:solidFill>
-              <a:latin typeface="+mj-lt"/>
+              <a:latin typeface="Georgia" panose="02040502050405020303" pitchFamily="18" charset="0"/>
             </a:endParaRPr>
           </a:p>
         </p:txBody>
@@ -19276,7 +20224,7 @@
 </p:sld>
 </file>
 
-<file path=ppt/slides/slide37.xml><?xml version="1.0" encoding="utf-8"?>
+<file path=ppt/slides/slide38.xml><?xml version="1.0" encoding="utf-8"?>
 <p:sld xmlns:a="http://schemas.openxmlformats.org/drawingml/2006/main" xmlns:r="http://schemas.openxmlformats.org/officeDocument/2006/relationships" xmlns:p="http://schemas.openxmlformats.org/presentationml/2006/main">
   <p:cSld>
     <p:spTree>
@@ -19359,12 +20307,23 @@
               </a:rPr>
               <a:t>Εξέταση του ζητήματος σε παραπάνω χρονιές.</a:t>
             </a:r>
+            <a:endParaRPr lang="en-US" dirty="0">
+              <a:latin typeface="Georgia" panose="02040502050405020303" pitchFamily="18" charset="0"/>
+            </a:endParaRPr>
           </a:p>
           <a:p>
             <a:r>
               <a:rPr lang="el-GR" dirty="0">
                 <a:latin typeface="Georgia" panose="02040502050405020303" pitchFamily="18" charset="0"/>
               </a:rPr>
+              <a:t>Προσθήκη ρεαλιστικών δεδομένων.</a:t>
+            </a:r>
+          </a:p>
+          <a:p>
+            <a:r>
+              <a:rPr lang="el-GR" dirty="0">
+                <a:latin typeface="Georgia" panose="02040502050405020303" pitchFamily="18" charset="0"/>
+              </a:rPr>
               <a:t>Προσθήκη κόστους παραγωγής.</a:t>
             </a:r>
           </a:p>
@@ -19374,6 +20333,14 @@
                 <a:latin typeface="Georgia" panose="02040502050405020303" pitchFamily="18" charset="0"/>
               </a:rPr>
               <a:t>Εξέταση παραπάνω περιορισμών. </a:t>
+            </a:r>
+          </a:p>
+          <a:p>
+            <a:r>
+              <a:rPr lang="el-GR" dirty="0">
+                <a:latin typeface="Georgia" panose="02040502050405020303" pitchFamily="18" charset="0"/>
+              </a:rPr>
+              <a:t>Προσθήκη δυνατότητας αποταμίευσης ή δανεισμού αδειών.</a:t>
             </a:r>
           </a:p>
           <a:p>
@@ -19387,124 +20354,6 @@
     <p:extLst>
       <p:ext uri="{BB962C8B-B14F-4D97-AF65-F5344CB8AC3E}">
         <p14:creationId xmlns:p14="http://schemas.microsoft.com/office/powerpoint/2010/main" val="3671513721"/>
-      </p:ext>
-    </p:extLst>
-  </p:cSld>
-  <p:clrMapOvr>
-    <a:masterClrMapping/>
-  </p:clrMapOvr>
-</p:sld>
-</file>
-
-<file path=ppt/slides/slide38.xml><?xml version="1.0" encoding="utf-8"?>
-<p:sld xmlns:a="http://schemas.openxmlformats.org/drawingml/2006/main" xmlns:r="http://schemas.openxmlformats.org/officeDocument/2006/relationships" xmlns:p="http://schemas.openxmlformats.org/presentationml/2006/main">
-  <p:cSld>
-    <p:spTree>
-      <p:nvGrpSpPr>
-        <p:cNvPr id="1" name=""/>
-        <p:cNvGrpSpPr/>
-        <p:nvPr/>
-      </p:nvGrpSpPr>
-      <p:grpSpPr>
-        <a:xfrm>
-          <a:off x="0" y="0"/>
-          <a:ext cx="0" cy="0"/>
-          <a:chOff x="0" y="0"/>
-          <a:chExt cx="0" cy="0"/>
-        </a:xfrm>
-      </p:grpSpPr>
-      <p:sp>
-        <p:nvSpPr>
-          <p:cNvPr id="2" name="Τίτλος 1">
-            <a:extLst>
-              <a:ext uri="{FF2B5EF4-FFF2-40B4-BE49-F238E27FC236}">
-                <a16:creationId xmlns:a16="http://schemas.microsoft.com/office/drawing/2014/main" id="{53251DBE-B55D-33CC-CF5E-28C2768FE5F6}"/>
-              </a:ext>
-            </a:extLst>
-          </p:cNvPr>
-          <p:cNvSpPr>
-            <a:spLocks noGrp="1"/>
-          </p:cNvSpPr>
-          <p:nvPr>
-            <p:ph type="ctrTitle"/>
-          </p:nvPr>
-        </p:nvSpPr>
-        <p:spPr/>
-        <p:txBody>
-          <a:bodyPr/>
-          <a:lstStyle/>
-          <a:p>
-            <a:r>
-              <a:rPr lang="el-GR" dirty="0" err="1">
-                <a:latin typeface="Georgia" panose="02040502050405020303" pitchFamily="18" charset="0"/>
-              </a:rPr>
-              <a:t>Ευχαριστω</a:t>
-            </a:r>
-            <a:r>
-              <a:rPr lang="el-GR" dirty="0">
-                <a:latin typeface="Georgia" panose="02040502050405020303" pitchFamily="18" charset="0"/>
-              </a:rPr>
-              <a:t> </a:t>
-            </a:r>
-            <a:r>
-              <a:rPr lang="el-GR" dirty="0" err="1">
-                <a:latin typeface="Georgia" panose="02040502050405020303" pitchFamily="18" charset="0"/>
-              </a:rPr>
-              <a:t>πολυ</a:t>
-            </a:r>
-            <a:r>
-              <a:rPr lang="el-GR" dirty="0">
-                <a:latin typeface="Georgia" panose="02040502050405020303" pitchFamily="18" charset="0"/>
-              </a:rPr>
-              <a:t> για τον </a:t>
-            </a:r>
-            <a:r>
-              <a:rPr lang="el-GR" dirty="0" err="1">
-                <a:latin typeface="Georgia" panose="02040502050405020303" pitchFamily="18" charset="0"/>
-              </a:rPr>
-              <a:t>χρονο</a:t>
-            </a:r>
-            <a:r>
-              <a:rPr lang="el-GR" dirty="0">
-                <a:latin typeface="Georgia" panose="02040502050405020303" pitchFamily="18" charset="0"/>
-              </a:rPr>
-              <a:t> σας.</a:t>
-            </a:r>
-            <a:endParaRPr lang="en-US" dirty="0">
-              <a:latin typeface="Georgia" panose="02040502050405020303" pitchFamily="18" charset="0"/>
-            </a:endParaRPr>
-          </a:p>
-        </p:txBody>
-      </p:sp>
-      <p:sp>
-        <p:nvSpPr>
-          <p:cNvPr id="3" name="Υπότιτλος 2">
-            <a:extLst>
-              <a:ext uri="{FF2B5EF4-FFF2-40B4-BE49-F238E27FC236}">
-                <a16:creationId xmlns:a16="http://schemas.microsoft.com/office/drawing/2014/main" id="{87B9DE99-2598-3767-0125-5E55000390A3}"/>
-              </a:ext>
-            </a:extLst>
-          </p:cNvPr>
-          <p:cNvSpPr>
-            <a:spLocks noGrp="1"/>
-          </p:cNvSpPr>
-          <p:nvPr>
-            <p:ph type="subTitle" idx="1"/>
-          </p:nvPr>
-        </p:nvSpPr>
-        <p:spPr/>
-        <p:txBody>
-          <a:bodyPr/>
-          <a:lstStyle/>
-          <a:p>
-            <a:endParaRPr lang="en-US"/>
-          </a:p>
-        </p:txBody>
-      </p:sp>
-    </p:spTree>
-    <p:extLst>
-      <p:ext uri="{BB962C8B-B14F-4D97-AF65-F5344CB8AC3E}">
-        <p14:creationId xmlns:p14="http://schemas.microsoft.com/office/powerpoint/2010/main" val="3295667571"/>
       </p:ext>
     </p:extLst>
   </p:cSld>
@@ -19536,7 +20385,7 @@
           <p:cNvPr id="2" name="Τίτλος 1">
             <a:extLst>
               <a:ext uri="{FF2B5EF4-FFF2-40B4-BE49-F238E27FC236}">
-                <a16:creationId xmlns:a16="http://schemas.microsoft.com/office/drawing/2014/main" id="{BB2AC4F4-A8E2-454E-8AAA-F19FA0EFA2CE}"/>
+                <a16:creationId xmlns:a16="http://schemas.microsoft.com/office/drawing/2014/main" id="{53251DBE-B55D-33CC-CF5E-28C2768FE5F6}"/>
               </a:ext>
             </a:extLst>
           </p:cNvPr>
@@ -19544,7 +20393,7 @@
             <a:spLocks noGrp="1"/>
           </p:cNvSpPr>
           <p:nvPr>
-            <p:ph type="title"/>
+            <p:ph type="ctrTitle"/>
           </p:nvPr>
         </p:nvSpPr>
         <p:spPr/>
@@ -19556,7 +20405,7 @@
               <a:rPr lang="el-GR" dirty="0" err="1">
                 <a:latin typeface="Georgia" panose="02040502050405020303" pitchFamily="18" charset="0"/>
               </a:rPr>
-              <a:t>Αριστοτελησ</a:t>
+              <a:t>Ευχαριστω</a:t>
             </a:r>
             <a:r>
               <a:rPr lang="el-GR" dirty="0">
@@ -19568,19 +20417,25 @@
               <a:rPr lang="el-GR" dirty="0" err="1">
                 <a:latin typeface="Georgia" panose="02040502050405020303" pitchFamily="18" charset="0"/>
               </a:rPr>
-              <a:t>ηθικα</a:t>
+              <a:t>πολυ</a:t>
             </a:r>
             <a:r>
               <a:rPr lang="el-GR" dirty="0">
                 <a:latin typeface="Georgia" panose="02040502050405020303" pitchFamily="18" charset="0"/>
               </a:rPr>
-              <a:t> </a:t>
+              <a:t> για τον </a:t>
             </a:r>
             <a:r>
               <a:rPr lang="el-GR" dirty="0" err="1">
                 <a:latin typeface="Georgia" panose="02040502050405020303" pitchFamily="18" charset="0"/>
               </a:rPr>
-              <a:t>νικομαχεια</a:t>
+              <a:t>χρονο</a:t>
+            </a:r>
+            <a:r>
+              <a:rPr lang="el-GR" dirty="0">
+                <a:latin typeface="Georgia" panose="02040502050405020303" pitchFamily="18" charset="0"/>
+              </a:rPr>
+              <a:t> σας.</a:t>
             </a:r>
             <a:endParaRPr lang="en-US" dirty="0">
               <a:latin typeface="Georgia" panose="02040502050405020303" pitchFamily="18" charset="0"/>
@@ -19590,10 +20445,10 @@
       </p:sp>
       <p:sp>
         <p:nvSpPr>
-          <p:cNvPr id="3" name="Θέση περιεχομένου 2">
+          <p:cNvPr id="3" name="Υπότιτλος 2">
             <a:extLst>
               <a:ext uri="{FF2B5EF4-FFF2-40B4-BE49-F238E27FC236}">
-                <a16:creationId xmlns:a16="http://schemas.microsoft.com/office/drawing/2014/main" id="{1DB83CC2-4C7D-B4D5-C9C4-2956E438C482}"/>
+                <a16:creationId xmlns:a16="http://schemas.microsoft.com/office/drawing/2014/main" id="{87B9DE99-2598-3767-0125-5E55000390A3}"/>
               </a:ext>
             </a:extLst>
           </p:cNvPr>
@@ -19601,7 +20456,7 @@
             <a:spLocks noGrp="1"/>
           </p:cNvSpPr>
           <p:nvPr>
-            <p:ph idx="1"/>
+            <p:ph type="subTitle" idx="1"/>
           </p:nvPr>
         </p:nvSpPr>
         <p:spPr/>
@@ -19609,1413 +20464,14 @@
           <a:bodyPr/>
           <a:lstStyle/>
           <a:p>
-            <a:r>
-              <a:rPr lang="en-US" dirty="0">
-                <a:latin typeface="Microsoft JhengHei" panose="020B0604030504040204" pitchFamily="34" charset="-120"/>
-                <a:ea typeface="Microsoft JhengHei" panose="020B0604030504040204" pitchFamily="34" charset="-120"/>
-              </a:rPr>
-              <a:t>“</a:t>
-            </a:r>
-            <a:r>
-              <a:rPr lang="el-GR" dirty="0" err="1">
-                <a:latin typeface="Microsoft JhengHei" panose="020B0604030504040204" pitchFamily="34" charset="-120"/>
-                <a:ea typeface="Microsoft JhengHei" panose="020B0604030504040204" pitchFamily="34" charset="-120"/>
-              </a:rPr>
-              <a:t>οἷς</a:t>
-            </a:r>
-            <a:r>
-              <a:rPr lang="el-GR" dirty="0">
-                <a:latin typeface="Microsoft JhengHei" panose="020B0604030504040204" pitchFamily="34" charset="-120"/>
-                <a:ea typeface="Microsoft JhengHei" panose="020B0604030504040204" pitchFamily="34" charset="-120"/>
-              </a:rPr>
-              <a:t> τε </a:t>
-            </a:r>
-            <a:r>
-              <a:rPr lang="el-GR" dirty="0" err="1">
-                <a:latin typeface="Microsoft JhengHei" panose="020B0604030504040204" pitchFamily="34" charset="-120"/>
-                <a:ea typeface="Microsoft JhengHei" panose="020B0604030504040204" pitchFamily="34" charset="-120"/>
-              </a:rPr>
-              <a:t>γὰρ</a:t>
-            </a:r>
-            <a:r>
-              <a:rPr lang="el-GR" dirty="0">
-                <a:latin typeface="Microsoft JhengHei" panose="020B0604030504040204" pitchFamily="34" charset="-120"/>
-                <a:ea typeface="Microsoft JhengHei" panose="020B0604030504040204" pitchFamily="34" charset="-120"/>
-              </a:rPr>
-              <a:t> δίκαιον τυγχάνει </a:t>
-            </a:r>
-            <a:r>
-              <a:rPr lang="el-GR" dirty="0" err="1">
-                <a:latin typeface="Microsoft JhengHei" panose="020B0604030504040204" pitchFamily="34" charset="-120"/>
-                <a:ea typeface="Microsoft JhengHei" panose="020B0604030504040204" pitchFamily="34" charset="-120"/>
-              </a:rPr>
-              <a:t>ὄν</a:t>
-            </a:r>
-            <a:r>
-              <a:rPr lang="el-GR" dirty="0">
-                <a:latin typeface="Microsoft JhengHei" panose="020B0604030504040204" pitchFamily="34" charset="-120"/>
-                <a:ea typeface="Microsoft JhengHei" panose="020B0604030504040204" pitchFamily="34" charset="-120"/>
-              </a:rPr>
-              <a:t>, δύο </a:t>
-            </a:r>
-            <a:r>
-              <a:rPr lang="el-GR" dirty="0" err="1">
-                <a:latin typeface="Microsoft JhengHei" panose="020B0604030504040204" pitchFamily="34" charset="-120"/>
-                <a:ea typeface="Microsoft JhengHei" panose="020B0604030504040204" pitchFamily="34" charset="-120"/>
-              </a:rPr>
-              <a:t>ἐστί</a:t>
-            </a:r>
-            <a:r>
-              <a:rPr lang="el-GR" dirty="0">
-                <a:latin typeface="Microsoft JhengHei" panose="020B0604030504040204" pitchFamily="34" charset="-120"/>
-                <a:ea typeface="Microsoft JhengHei" panose="020B0604030504040204" pitchFamily="34" charset="-120"/>
-              </a:rPr>
-              <a:t>, </a:t>
-            </a:r>
-            <a:r>
-              <a:rPr lang="el-GR" dirty="0" err="1">
-                <a:latin typeface="Microsoft JhengHei" panose="020B0604030504040204" pitchFamily="34" charset="-120"/>
-                <a:ea typeface="Microsoft JhengHei" panose="020B0604030504040204" pitchFamily="34" charset="-120"/>
-              </a:rPr>
-              <a:t>καὶ</a:t>
-            </a:r>
-            <a:r>
-              <a:rPr lang="el-GR" dirty="0">
-                <a:latin typeface="Microsoft JhengHei" panose="020B0604030504040204" pitchFamily="34" charset="-120"/>
-                <a:ea typeface="Microsoft JhengHei" panose="020B0604030504040204" pitchFamily="34" charset="-120"/>
-              </a:rPr>
-              <a:t> </a:t>
-            </a:r>
-            <a:r>
-              <a:rPr lang="el-GR" dirty="0" err="1">
-                <a:latin typeface="Microsoft JhengHei" panose="020B0604030504040204" pitchFamily="34" charset="-120"/>
-                <a:ea typeface="Microsoft JhengHei" panose="020B0604030504040204" pitchFamily="34" charset="-120"/>
-              </a:rPr>
-              <a:t>ἐν</a:t>
-            </a:r>
-            <a:r>
-              <a:rPr lang="el-GR" dirty="0">
-                <a:latin typeface="Microsoft JhengHei" panose="020B0604030504040204" pitchFamily="34" charset="-120"/>
-                <a:ea typeface="Microsoft JhengHei" panose="020B0604030504040204" pitchFamily="34" charset="-120"/>
-              </a:rPr>
-              <a:t> </a:t>
-            </a:r>
-            <a:r>
-              <a:rPr lang="el-GR" dirty="0" err="1">
-                <a:latin typeface="Microsoft JhengHei" panose="020B0604030504040204" pitchFamily="34" charset="-120"/>
-                <a:ea typeface="Microsoft JhengHei" panose="020B0604030504040204" pitchFamily="34" charset="-120"/>
-              </a:rPr>
-              <a:t>οἷς</a:t>
-            </a:r>
-            <a:r>
-              <a:rPr lang="el-GR" dirty="0">
-                <a:latin typeface="Microsoft JhengHei" panose="020B0604030504040204" pitchFamily="34" charset="-120"/>
-                <a:ea typeface="Microsoft JhengHei" panose="020B0604030504040204" pitchFamily="34" charset="-120"/>
-              </a:rPr>
-              <a:t>, </a:t>
-            </a:r>
-            <a:r>
-              <a:rPr lang="el-GR" dirty="0" err="1">
-                <a:latin typeface="Microsoft JhengHei" panose="020B0604030504040204" pitchFamily="34" charset="-120"/>
-                <a:ea typeface="Microsoft JhengHei" panose="020B0604030504040204" pitchFamily="34" charset="-120"/>
-              </a:rPr>
-              <a:t>τὰ</a:t>
-            </a:r>
-            <a:r>
-              <a:rPr lang="el-GR" dirty="0">
-                <a:latin typeface="Microsoft JhengHei" panose="020B0604030504040204" pitchFamily="34" charset="-120"/>
-                <a:ea typeface="Microsoft JhengHei" panose="020B0604030504040204" pitchFamily="34" charset="-120"/>
-              </a:rPr>
-              <a:t> πράγματα, δύο. </a:t>
-            </a:r>
-            <a:r>
-              <a:rPr lang="el-GR" dirty="0" err="1">
-                <a:latin typeface="Microsoft JhengHei" panose="020B0604030504040204" pitchFamily="34" charset="-120"/>
-                <a:ea typeface="Microsoft JhengHei" panose="020B0604030504040204" pitchFamily="34" charset="-120"/>
-              </a:rPr>
-              <a:t>καὶ</a:t>
-            </a:r>
-            <a:r>
-              <a:rPr lang="el-GR" dirty="0">
-                <a:latin typeface="Microsoft JhengHei" panose="020B0604030504040204" pitchFamily="34" charset="-120"/>
-                <a:ea typeface="Microsoft JhengHei" panose="020B0604030504040204" pitchFamily="34" charset="-120"/>
-              </a:rPr>
-              <a:t> ἡ </a:t>
-            </a:r>
-            <a:r>
-              <a:rPr lang="el-GR" dirty="0" err="1">
-                <a:latin typeface="Microsoft JhengHei" panose="020B0604030504040204" pitchFamily="34" charset="-120"/>
-                <a:ea typeface="Microsoft JhengHei" panose="020B0604030504040204" pitchFamily="34" charset="-120"/>
-              </a:rPr>
-              <a:t>αὐτὴ</a:t>
-            </a:r>
-            <a:r>
-              <a:rPr lang="el-GR" dirty="0">
-                <a:latin typeface="Microsoft JhengHei" panose="020B0604030504040204" pitchFamily="34" charset="-120"/>
-                <a:ea typeface="Microsoft JhengHei" panose="020B0604030504040204" pitchFamily="34" charset="-120"/>
-              </a:rPr>
-              <a:t> </a:t>
-            </a:r>
-            <a:r>
-              <a:rPr lang="el-GR" dirty="0" err="1">
-                <a:latin typeface="Microsoft JhengHei" panose="020B0604030504040204" pitchFamily="34" charset="-120"/>
-                <a:ea typeface="Microsoft JhengHei" panose="020B0604030504040204" pitchFamily="34" charset="-120"/>
-              </a:rPr>
-              <a:t>ἔσται</a:t>
-            </a:r>
-            <a:r>
-              <a:rPr lang="el-GR" dirty="0">
-                <a:latin typeface="Microsoft JhengHei" panose="020B0604030504040204" pitchFamily="34" charset="-120"/>
-                <a:ea typeface="Microsoft JhengHei" panose="020B0604030504040204" pitchFamily="34" charset="-120"/>
-              </a:rPr>
-              <a:t> </a:t>
-            </a:r>
-            <a:r>
-              <a:rPr lang="el-GR" dirty="0" err="1">
-                <a:latin typeface="Microsoft JhengHei" panose="020B0604030504040204" pitchFamily="34" charset="-120"/>
-                <a:ea typeface="Microsoft JhengHei" panose="020B0604030504040204" pitchFamily="34" charset="-120"/>
-              </a:rPr>
-              <a:t>ἰσότης</a:t>
-            </a:r>
-            <a:r>
-              <a:rPr lang="el-GR" dirty="0">
-                <a:latin typeface="Microsoft JhengHei" panose="020B0604030504040204" pitchFamily="34" charset="-120"/>
-                <a:ea typeface="Microsoft JhengHei" panose="020B0604030504040204" pitchFamily="34" charset="-120"/>
-              </a:rPr>
-              <a:t>, </a:t>
-            </a:r>
-            <a:r>
-              <a:rPr lang="el-GR" dirty="0" err="1">
-                <a:latin typeface="Microsoft JhengHei" panose="020B0604030504040204" pitchFamily="34" charset="-120"/>
-                <a:ea typeface="Microsoft JhengHei" panose="020B0604030504040204" pitchFamily="34" charset="-120"/>
-              </a:rPr>
-              <a:t>οἷς</a:t>
-            </a:r>
-            <a:r>
-              <a:rPr lang="el-GR" dirty="0">
-                <a:latin typeface="Microsoft JhengHei" panose="020B0604030504040204" pitchFamily="34" charset="-120"/>
-                <a:ea typeface="Microsoft JhengHei" panose="020B0604030504040204" pitchFamily="34" charset="-120"/>
-              </a:rPr>
-              <a:t> </a:t>
-            </a:r>
-            <a:r>
-              <a:rPr lang="el-GR" dirty="0" err="1">
-                <a:latin typeface="Microsoft JhengHei" panose="020B0604030504040204" pitchFamily="34" charset="-120"/>
-                <a:ea typeface="Microsoft JhengHei" panose="020B0604030504040204" pitchFamily="34" charset="-120"/>
-              </a:rPr>
-              <a:t>καὶ</a:t>
-            </a:r>
-            <a:r>
-              <a:rPr lang="el-GR" dirty="0">
-                <a:latin typeface="Microsoft JhengHei" panose="020B0604030504040204" pitchFamily="34" charset="-120"/>
-                <a:ea typeface="Microsoft JhengHei" panose="020B0604030504040204" pitchFamily="34" charset="-120"/>
-              </a:rPr>
-              <a:t> </a:t>
-            </a:r>
-            <a:r>
-              <a:rPr lang="el-GR" dirty="0" err="1">
-                <a:latin typeface="Microsoft JhengHei" panose="020B0604030504040204" pitchFamily="34" charset="-120"/>
-                <a:ea typeface="Microsoft JhengHei" panose="020B0604030504040204" pitchFamily="34" charset="-120"/>
-              </a:rPr>
-              <a:t>ἐν</a:t>
-            </a:r>
-            <a:r>
-              <a:rPr lang="el-GR" dirty="0">
-                <a:latin typeface="Microsoft JhengHei" panose="020B0604030504040204" pitchFamily="34" charset="-120"/>
-                <a:ea typeface="Microsoft JhengHei" panose="020B0604030504040204" pitchFamily="34" charset="-120"/>
-              </a:rPr>
-              <a:t> </a:t>
-            </a:r>
-            <a:r>
-              <a:rPr lang="el-GR" dirty="0" err="1">
-                <a:latin typeface="Microsoft JhengHei" panose="020B0604030504040204" pitchFamily="34" charset="-120"/>
-                <a:ea typeface="Microsoft JhengHei" panose="020B0604030504040204" pitchFamily="34" charset="-120"/>
-              </a:rPr>
-              <a:t>οἷς</a:t>
-            </a:r>
-            <a:r>
-              <a:rPr lang="el-GR" dirty="0">
-                <a:latin typeface="Microsoft JhengHei" panose="020B0604030504040204" pitchFamily="34" charset="-120"/>
-                <a:ea typeface="Microsoft JhengHei" panose="020B0604030504040204" pitchFamily="34" charset="-120"/>
-              </a:rPr>
-              <a:t>: </a:t>
-            </a:r>
-            <a:r>
-              <a:rPr lang="el-GR" dirty="0" err="1">
-                <a:latin typeface="Microsoft JhengHei" panose="020B0604030504040204" pitchFamily="34" charset="-120"/>
-                <a:ea typeface="Microsoft JhengHei" panose="020B0604030504040204" pitchFamily="34" charset="-120"/>
-              </a:rPr>
-              <a:t>ὡς</a:t>
-            </a:r>
-            <a:r>
-              <a:rPr lang="el-GR" dirty="0">
-                <a:latin typeface="Microsoft JhengHei" panose="020B0604030504040204" pitchFamily="34" charset="-120"/>
-                <a:ea typeface="Microsoft JhengHei" panose="020B0604030504040204" pitchFamily="34" charset="-120"/>
-              </a:rPr>
-              <a:t> </a:t>
-            </a:r>
-            <a:r>
-              <a:rPr lang="el-GR" dirty="0" err="1">
-                <a:latin typeface="Microsoft JhengHei" panose="020B0604030504040204" pitchFamily="34" charset="-120"/>
-                <a:ea typeface="Microsoft JhengHei" panose="020B0604030504040204" pitchFamily="34" charset="-120"/>
-              </a:rPr>
-              <a:t>γὰρ</a:t>
-            </a:r>
-            <a:r>
-              <a:rPr lang="el-GR" dirty="0">
-                <a:latin typeface="Microsoft JhengHei" panose="020B0604030504040204" pitchFamily="34" charset="-120"/>
-                <a:ea typeface="Microsoft JhengHei" panose="020B0604030504040204" pitchFamily="34" charset="-120"/>
-              </a:rPr>
-              <a:t> </a:t>
-            </a:r>
-            <a:r>
-              <a:rPr lang="el-GR" dirty="0" err="1">
-                <a:latin typeface="Microsoft JhengHei" panose="020B0604030504040204" pitchFamily="34" charset="-120"/>
-                <a:ea typeface="Microsoft JhengHei" panose="020B0604030504040204" pitchFamily="34" charset="-120"/>
-              </a:rPr>
-              <a:t>ἐκεῖνα</a:t>
-            </a:r>
-            <a:r>
-              <a:rPr lang="el-GR" dirty="0">
-                <a:latin typeface="Microsoft JhengHei" panose="020B0604030504040204" pitchFamily="34" charset="-120"/>
-                <a:ea typeface="Microsoft JhengHei" panose="020B0604030504040204" pitchFamily="34" charset="-120"/>
-              </a:rPr>
-              <a:t> </a:t>
-            </a:r>
-            <a:r>
-              <a:rPr lang="el-GR" dirty="0" err="1">
-                <a:latin typeface="Microsoft JhengHei" panose="020B0604030504040204" pitchFamily="34" charset="-120"/>
-                <a:ea typeface="Microsoft JhengHei" panose="020B0604030504040204" pitchFamily="34" charset="-120"/>
-              </a:rPr>
-              <a:t>ἔχει</a:t>
-            </a:r>
-            <a:r>
-              <a:rPr lang="el-GR" dirty="0">
-                <a:latin typeface="Microsoft JhengHei" panose="020B0604030504040204" pitchFamily="34" charset="-120"/>
-                <a:ea typeface="Microsoft JhengHei" panose="020B0604030504040204" pitchFamily="34" charset="-120"/>
-              </a:rPr>
-              <a:t>, </a:t>
-            </a:r>
-            <a:r>
-              <a:rPr lang="el-GR" dirty="0" err="1">
-                <a:latin typeface="Microsoft JhengHei" panose="020B0604030504040204" pitchFamily="34" charset="-120"/>
-                <a:ea typeface="Microsoft JhengHei" panose="020B0604030504040204" pitchFamily="34" charset="-120"/>
-              </a:rPr>
-              <a:t>τὰ</a:t>
-            </a:r>
-            <a:r>
-              <a:rPr lang="el-GR" dirty="0">
-                <a:latin typeface="Microsoft JhengHei" panose="020B0604030504040204" pitchFamily="34" charset="-120"/>
-                <a:ea typeface="Microsoft JhengHei" panose="020B0604030504040204" pitchFamily="34" charset="-120"/>
-              </a:rPr>
-              <a:t> </a:t>
-            </a:r>
-            <a:r>
-              <a:rPr lang="el-GR" dirty="0" err="1">
-                <a:latin typeface="Microsoft JhengHei" panose="020B0604030504040204" pitchFamily="34" charset="-120"/>
-                <a:ea typeface="Microsoft JhengHei" panose="020B0604030504040204" pitchFamily="34" charset="-120"/>
-              </a:rPr>
-              <a:t>ἐν</a:t>
-            </a:r>
-            <a:r>
-              <a:rPr lang="el-GR" dirty="0">
-                <a:latin typeface="Microsoft JhengHei" panose="020B0604030504040204" pitchFamily="34" charset="-120"/>
-                <a:ea typeface="Microsoft JhengHei" panose="020B0604030504040204" pitchFamily="34" charset="-120"/>
-              </a:rPr>
-              <a:t> </a:t>
-            </a:r>
-            <a:r>
-              <a:rPr lang="el-GR" dirty="0" err="1">
-                <a:latin typeface="Microsoft JhengHei" panose="020B0604030504040204" pitchFamily="34" charset="-120"/>
-                <a:ea typeface="Microsoft JhengHei" panose="020B0604030504040204" pitchFamily="34" charset="-120"/>
-              </a:rPr>
-              <a:t>οἷς</a:t>
-            </a:r>
-            <a:r>
-              <a:rPr lang="el-GR" dirty="0">
-                <a:latin typeface="Microsoft JhengHei" panose="020B0604030504040204" pitchFamily="34" charset="-120"/>
-                <a:ea typeface="Microsoft JhengHei" panose="020B0604030504040204" pitchFamily="34" charset="-120"/>
-              </a:rPr>
-              <a:t>, </a:t>
-            </a:r>
-            <a:r>
-              <a:rPr lang="el-GR" dirty="0" err="1">
-                <a:latin typeface="Microsoft JhengHei" panose="020B0604030504040204" pitchFamily="34" charset="-120"/>
-                <a:ea typeface="Microsoft JhengHei" panose="020B0604030504040204" pitchFamily="34" charset="-120"/>
-              </a:rPr>
-              <a:t>οὕτω</a:t>
-            </a:r>
-            <a:r>
-              <a:rPr lang="el-GR" dirty="0">
-                <a:latin typeface="Microsoft JhengHei" panose="020B0604030504040204" pitchFamily="34" charset="-120"/>
-                <a:ea typeface="Microsoft JhengHei" panose="020B0604030504040204" pitchFamily="34" charset="-120"/>
-              </a:rPr>
-              <a:t> </a:t>
-            </a:r>
-            <a:r>
-              <a:rPr lang="el-GR" dirty="0" err="1">
-                <a:latin typeface="Microsoft JhengHei" panose="020B0604030504040204" pitchFamily="34" charset="-120"/>
-                <a:ea typeface="Microsoft JhengHei" panose="020B0604030504040204" pitchFamily="34" charset="-120"/>
-              </a:rPr>
-              <a:t>κἀκεῖνα</a:t>
-            </a:r>
-            <a:r>
-              <a:rPr lang="el-GR" dirty="0">
-                <a:latin typeface="Microsoft JhengHei" panose="020B0604030504040204" pitchFamily="34" charset="-120"/>
-                <a:ea typeface="Microsoft JhengHei" panose="020B0604030504040204" pitchFamily="34" charset="-120"/>
-              </a:rPr>
-              <a:t> </a:t>
-            </a:r>
-            <a:r>
-              <a:rPr lang="el-GR" dirty="0" err="1">
-                <a:latin typeface="Microsoft JhengHei" panose="020B0604030504040204" pitchFamily="34" charset="-120"/>
-                <a:ea typeface="Microsoft JhengHei" panose="020B0604030504040204" pitchFamily="34" charset="-120"/>
-              </a:rPr>
-              <a:t>ἔχει</a:t>
-            </a:r>
-            <a:r>
-              <a:rPr lang="el-GR" dirty="0">
-                <a:latin typeface="Microsoft JhengHei" panose="020B0604030504040204" pitchFamily="34" charset="-120"/>
-                <a:ea typeface="Microsoft JhengHei" panose="020B0604030504040204" pitchFamily="34" charset="-120"/>
-              </a:rPr>
-              <a:t>: </a:t>
-            </a:r>
-            <a:r>
-              <a:rPr lang="el-GR" dirty="0" err="1">
-                <a:latin typeface="Microsoft JhengHei" panose="020B0604030504040204" pitchFamily="34" charset="-120"/>
-                <a:ea typeface="Microsoft JhengHei" panose="020B0604030504040204" pitchFamily="34" charset="-120"/>
-              </a:rPr>
-              <a:t>εἰ</a:t>
-            </a:r>
-            <a:r>
-              <a:rPr lang="el-GR" dirty="0">
-                <a:latin typeface="Microsoft JhengHei" panose="020B0604030504040204" pitchFamily="34" charset="-120"/>
-                <a:ea typeface="Microsoft JhengHei" panose="020B0604030504040204" pitchFamily="34" charset="-120"/>
-              </a:rPr>
-              <a:t> </a:t>
-            </a:r>
-            <a:r>
-              <a:rPr lang="el-GR" dirty="0" err="1">
-                <a:latin typeface="Microsoft JhengHei" panose="020B0604030504040204" pitchFamily="34" charset="-120"/>
-                <a:ea typeface="Microsoft JhengHei" panose="020B0604030504040204" pitchFamily="34" charset="-120"/>
-              </a:rPr>
-              <a:t>γὰρ</a:t>
-            </a:r>
-            <a:r>
-              <a:rPr lang="el-GR" dirty="0">
-                <a:latin typeface="Microsoft JhengHei" panose="020B0604030504040204" pitchFamily="34" charset="-120"/>
-                <a:ea typeface="Microsoft JhengHei" panose="020B0604030504040204" pitchFamily="34" charset="-120"/>
-              </a:rPr>
-              <a:t> </a:t>
-            </a:r>
-            <a:r>
-              <a:rPr lang="el-GR" dirty="0" err="1">
-                <a:latin typeface="Microsoft JhengHei" panose="020B0604030504040204" pitchFamily="34" charset="-120"/>
-                <a:ea typeface="Microsoft JhengHei" panose="020B0604030504040204" pitchFamily="34" charset="-120"/>
-              </a:rPr>
-              <a:t>μὴ</a:t>
-            </a:r>
-            <a:r>
-              <a:rPr lang="el-GR" dirty="0">
-                <a:latin typeface="Microsoft JhengHei" panose="020B0604030504040204" pitchFamily="34" charset="-120"/>
-                <a:ea typeface="Microsoft JhengHei" panose="020B0604030504040204" pitchFamily="34" charset="-120"/>
-              </a:rPr>
-              <a:t> </a:t>
-            </a:r>
-            <a:r>
-              <a:rPr lang="el-GR" dirty="0" err="1">
-                <a:latin typeface="Microsoft JhengHei" panose="020B0604030504040204" pitchFamily="34" charset="-120"/>
-                <a:ea typeface="Microsoft JhengHei" panose="020B0604030504040204" pitchFamily="34" charset="-120"/>
-              </a:rPr>
-              <a:t>ἴσοι</a:t>
-            </a:r>
-            <a:r>
-              <a:rPr lang="el-GR" dirty="0">
-                <a:latin typeface="Microsoft JhengHei" panose="020B0604030504040204" pitchFamily="34" charset="-120"/>
-                <a:ea typeface="Microsoft JhengHei" panose="020B0604030504040204" pitchFamily="34" charset="-120"/>
-              </a:rPr>
-              <a:t>, </a:t>
-            </a:r>
-            <a:r>
-              <a:rPr lang="el-GR" dirty="0" err="1">
-                <a:latin typeface="Microsoft JhengHei" panose="020B0604030504040204" pitchFamily="34" charset="-120"/>
-                <a:ea typeface="Microsoft JhengHei" panose="020B0604030504040204" pitchFamily="34" charset="-120"/>
-              </a:rPr>
-              <a:t>οὐκ</a:t>
-            </a:r>
-            <a:r>
-              <a:rPr lang="el-GR" dirty="0">
-                <a:latin typeface="Microsoft JhengHei" panose="020B0604030504040204" pitchFamily="34" charset="-120"/>
-                <a:ea typeface="Microsoft JhengHei" panose="020B0604030504040204" pitchFamily="34" charset="-120"/>
-              </a:rPr>
-              <a:t> </a:t>
-            </a:r>
-            <a:r>
-              <a:rPr lang="el-GR" dirty="0" err="1">
-                <a:latin typeface="Microsoft JhengHei" panose="020B0604030504040204" pitchFamily="34" charset="-120"/>
-                <a:ea typeface="Microsoft JhengHei" panose="020B0604030504040204" pitchFamily="34" charset="-120"/>
-              </a:rPr>
-              <a:t>ἴσα</a:t>
-            </a:r>
-            <a:r>
-              <a:rPr lang="el-GR" dirty="0">
-                <a:latin typeface="Microsoft JhengHei" panose="020B0604030504040204" pitchFamily="34" charset="-120"/>
-                <a:ea typeface="Microsoft JhengHei" panose="020B0604030504040204" pitchFamily="34" charset="-120"/>
-              </a:rPr>
-              <a:t> </a:t>
-            </a:r>
-            <a:r>
-              <a:rPr lang="el-GR" dirty="0" err="1">
-                <a:latin typeface="Microsoft JhengHei" panose="020B0604030504040204" pitchFamily="34" charset="-120"/>
-                <a:ea typeface="Microsoft JhengHei" panose="020B0604030504040204" pitchFamily="34" charset="-120"/>
-              </a:rPr>
-              <a:t>ἕξουσιν</a:t>
-            </a:r>
-            <a:r>
-              <a:rPr lang="el-GR" dirty="0">
-                <a:latin typeface="Microsoft JhengHei" panose="020B0604030504040204" pitchFamily="34" charset="-120"/>
-                <a:ea typeface="Microsoft JhengHei" panose="020B0604030504040204" pitchFamily="34" charset="-120"/>
-              </a:rPr>
-              <a:t>, </a:t>
-            </a:r>
-            <a:r>
-              <a:rPr lang="el-GR" dirty="0" err="1">
-                <a:latin typeface="Microsoft JhengHei" panose="020B0604030504040204" pitchFamily="34" charset="-120"/>
-                <a:ea typeface="Microsoft JhengHei" panose="020B0604030504040204" pitchFamily="34" charset="-120"/>
-              </a:rPr>
-              <a:t>ἀλλ</a:t>
-            </a:r>
-            <a:r>
-              <a:rPr lang="el-GR" dirty="0">
-                <a:latin typeface="Microsoft JhengHei" panose="020B0604030504040204" pitchFamily="34" charset="-120"/>
-                <a:ea typeface="Microsoft JhengHei" panose="020B0604030504040204" pitchFamily="34" charset="-120"/>
-              </a:rPr>
-              <a:t>᾽ </a:t>
-            </a:r>
-            <a:r>
-              <a:rPr lang="el-GR" dirty="0" err="1">
-                <a:latin typeface="Microsoft JhengHei" panose="020B0604030504040204" pitchFamily="34" charset="-120"/>
-                <a:ea typeface="Microsoft JhengHei" panose="020B0604030504040204" pitchFamily="34" charset="-120"/>
-              </a:rPr>
-              <a:t>ἐντεῦθεν</a:t>
-            </a:r>
-            <a:r>
-              <a:rPr lang="el-GR" dirty="0">
-                <a:latin typeface="Microsoft JhengHei" panose="020B0604030504040204" pitchFamily="34" charset="-120"/>
-                <a:ea typeface="Microsoft JhengHei" panose="020B0604030504040204" pitchFamily="34" charset="-120"/>
-              </a:rPr>
-              <a:t> </a:t>
-            </a:r>
-            <a:r>
-              <a:rPr lang="el-GR" dirty="0" err="1">
-                <a:latin typeface="Microsoft JhengHei" panose="020B0604030504040204" pitchFamily="34" charset="-120"/>
-                <a:ea typeface="Microsoft JhengHei" panose="020B0604030504040204" pitchFamily="34" charset="-120"/>
-              </a:rPr>
-              <a:t>αἱ</a:t>
-            </a:r>
-            <a:r>
-              <a:rPr lang="el-GR" dirty="0">
-                <a:latin typeface="Microsoft JhengHei" panose="020B0604030504040204" pitchFamily="34" charset="-120"/>
-                <a:ea typeface="Microsoft JhengHei" panose="020B0604030504040204" pitchFamily="34" charset="-120"/>
-              </a:rPr>
-              <a:t> </a:t>
-            </a:r>
-            <a:r>
-              <a:rPr lang="el-GR" dirty="0" err="1">
-                <a:latin typeface="Microsoft JhengHei" panose="020B0604030504040204" pitchFamily="34" charset="-120"/>
-                <a:ea typeface="Microsoft JhengHei" panose="020B0604030504040204" pitchFamily="34" charset="-120"/>
-              </a:rPr>
-              <a:t>μάχαι</a:t>
-            </a:r>
-            <a:r>
-              <a:rPr lang="el-GR" dirty="0">
-                <a:latin typeface="Microsoft JhengHei" panose="020B0604030504040204" pitchFamily="34" charset="-120"/>
-                <a:ea typeface="Microsoft JhengHei" panose="020B0604030504040204" pitchFamily="34" charset="-120"/>
-              </a:rPr>
-              <a:t> </a:t>
-            </a:r>
-            <a:r>
-              <a:rPr lang="el-GR" dirty="0" err="1">
-                <a:latin typeface="Microsoft JhengHei" panose="020B0604030504040204" pitchFamily="34" charset="-120"/>
-                <a:ea typeface="Microsoft JhengHei" panose="020B0604030504040204" pitchFamily="34" charset="-120"/>
-              </a:rPr>
-              <a:t>καὶ</a:t>
-            </a:r>
-            <a:r>
-              <a:rPr lang="el-GR" dirty="0">
-                <a:latin typeface="Microsoft JhengHei" panose="020B0604030504040204" pitchFamily="34" charset="-120"/>
-                <a:ea typeface="Microsoft JhengHei" panose="020B0604030504040204" pitchFamily="34" charset="-120"/>
-              </a:rPr>
-              <a:t> </a:t>
-            </a:r>
-            <a:r>
-              <a:rPr lang="el-GR" dirty="0" err="1">
-                <a:latin typeface="Microsoft JhengHei" panose="020B0604030504040204" pitchFamily="34" charset="-120"/>
-                <a:ea typeface="Microsoft JhengHei" panose="020B0604030504040204" pitchFamily="34" charset="-120"/>
-              </a:rPr>
-              <a:t>τὰ</a:t>
-            </a:r>
-            <a:r>
-              <a:rPr lang="el-GR" dirty="0">
-                <a:latin typeface="Microsoft JhengHei" panose="020B0604030504040204" pitchFamily="34" charset="-120"/>
-                <a:ea typeface="Microsoft JhengHei" panose="020B0604030504040204" pitchFamily="34" charset="-120"/>
-              </a:rPr>
-              <a:t> </a:t>
-            </a:r>
-            <a:r>
-              <a:rPr lang="el-GR" dirty="0" err="1">
-                <a:latin typeface="Microsoft JhengHei" panose="020B0604030504040204" pitchFamily="34" charset="-120"/>
-                <a:ea typeface="Microsoft JhengHei" panose="020B0604030504040204" pitchFamily="34" charset="-120"/>
-              </a:rPr>
-              <a:t>ἐγκλήματα</a:t>
-            </a:r>
-            <a:r>
-              <a:rPr lang="el-GR" dirty="0">
-                <a:latin typeface="Microsoft JhengHei" panose="020B0604030504040204" pitchFamily="34" charset="-120"/>
-                <a:ea typeface="Microsoft JhengHei" panose="020B0604030504040204" pitchFamily="34" charset="-120"/>
-              </a:rPr>
-              <a:t>, </a:t>
-            </a:r>
-            <a:r>
-              <a:rPr lang="el-GR" dirty="0" err="1">
-                <a:latin typeface="Microsoft JhengHei" panose="020B0604030504040204" pitchFamily="34" charset="-120"/>
-                <a:ea typeface="Microsoft JhengHei" panose="020B0604030504040204" pitchFamily="34" charset="-120"/>
-              </a:rPr>
-              <a:t>ὅταν</a:t>
-            </a:r>
-            <a:r>
-              <a:rPr lang="el-GR" dirty="0">
-                <a:latin typeface="Microsoft JhengHei" panose="020B0604030504040204" pitchFamily="34" charset="-120"/>
-                <a:ea typeface="Microsoft JhengHei" panose="020B0604030504040204" pitchFamily="34" charset="-120"/>
-              </a:rPr>
-              <a:t> ἢ </a:t>
-            </a:r>
-            <a:r>
-              <a:rPr lang="el-GR" dirty="0" err="1">
-                <a:latin typeface="Microsoft JhengHei" panose="020B0604030504040204" pitchFamily="34" charset="-120"/>
-                <a:ea typeface="Microsoft JhengHei" panose="020B0604030504040204" pitchFamily="34" charset="-120"/>
-              </a:rPr>
-              <a:t>μὴ</a:t>
-            </a:r>
-            <a:r>
-              <a:rPr lang="el-GR" dirty="0">
-                <a:latin typeface="Microsoft JhengHei" panose="020B0604030504040204" pitchFamily="34" charset="-120"/>
-                <a:ea typeface="Microsoft JhengHei" panose="020B0604030504040204" pitchFamily="34" charset="-120"/>
-              </a:rPr>
-              <a:t> </a:t>
-            </a:r>
-            <a:r>
-              <a:rPr lang="el-GR" dirty="0" err="1">
-                <a:latin typeface="Microsoft JhengHei" panose="020B0604030504040204" pitchFamily="34" charset="-120"/>
-                <a:ea typeface="Microsoft JhengHei" panose="020B0604030504040204" pitchFamily="34" charset="-120"/>
-              </a:rPr>
-              <a:t>ἴσα</a:t>
-            </a:r>
-            <a:r>
-              <a:rPr lang="el-GR" dirty="0">
-                <a:latin typeface="Microsoft JhengHei" panose="020B0604030504040204" pitchFamily="34" charset="-120"/>
-                <a:ea typeface="Microsoft JhengHei" panose="020B0604030504040204" pitchFamily="34" charset="-120"/>
-              </a:rPr>
-              <a:t> </a:t>
-            </a:r>
-            <a:r>
-              <a:rPr lang="el-GR" dirty="0" err="1">
-                <a:latin typeface="Microsoft JhengHei" panose="020B0604030504040204" pitchFamily="34" charset="-120"/>
-                <a:ea typeface="Microsoft JhengHei" panose="020B0604030504040204" pitchFamily="34" charset="-120"/>
-              </a:rPr>
-              <a:t>ἴσοι</a:t>
-            </a:r>
-            <a:r>
-              <a:rPr lang="el-GR" dirty="0">
-                <a:latin typeface="Microsoft JhengHei" panose="020B0604030504040204" pitchFamily="34" charset="-120"/>
-                <a:ea typeface="Microsoft JhengHei" panose="020B0604030504040204" pitchFamily="34" charset="-120"/>
-              </a:rPr>
-              <a:t> ἢ </a:t>
-            </a:r>
-            <a:r>
-              <a:rPr lang="el-GR" dirty="0" err="1">
-                <a:latin typeface="Microsoft JhengHei" panose="020B0604030504040204" pitchFamily="34" charset="-120"/>
-                <a:ea typeface="Microsoft JhengHei" panose="020B0604030504040204" pitchFamily="34" charset="-120"/>
-              </a:rPr>
-              <a:t>μὴ</a:t>
-            </a:r>
-            <a:r>
-              <a:rPr lang="el-GR" dirty="0">
-                <a:latin typeface="Microsoft JhengHei" panose="020B0604030504040204" pitchFamily="34" charset="-120"/>
-                <a:ea typeface="Microsoft JhengHei" panose="020B0604030504040204" pitchFamily="34" charset="-120"/>
-              </a:rPr>
-              <a:t> </a:t>
-            </a:r>
-            <a:r>
-              <a:rPr lang="el-GR" dirty="0" err="1">
-                <a:latin typeface="Microsoft JhengHei" panose="020B0604030504040204" pitchFamily="34" charset="-120"/>
-                <a:ea typeface="Microsoft JhengHei" panose="020B0604030504040204" pitchFamily="34" charset="-120"/>
-              </a:rPr>
-              <a:t>ἴσοι</a:t>
-            </a:r>
-            <a:r>
-              <a:rPr lang="el-GR" dirty="0">
-                <a:latin typeface="Microsoft JhengHei" panose="020B0604030504040204" pitchFamily="34" charset="-120"/>
-                <a:ea typeface="Microsoft JhengHei" panose="020B0604030504040204" pitchFamily="34" charset="-120"/>
-              </a:rPr>
-              <a:t> </a:t>
-            </a:r>
-            <a:r>
-              <a:rPr lang="el-GR" dirty="0" err="1">
-                <a:latin typeface="Microsoft JhengHei" panose="020B0604030504040204" pitchFamily="34" charset="-120"/>
-                <a:ea typeface="Microsoft JhengHei" panose="020B0604030504040204" pitchFamily="34" charset="-120"/>
-              </a:rPr>
-              <a:t>ἴσα</a:t>
-            </a:r>
-            <a:r>
-              <a:rPr lang="el-GR" dirty="0">
-                <a:latin typeface="Microsoft JhengHei" panose="020B0604030504040204" pitchFamily="34" charset="-120"/>
-                <a:ea typeface="Microsoft JhengHei" panose="020B0604030504040204" pitchFamily="34" charset="-120"/>
-              </a:rPr>
-              <a:t> </a:t>
-            </a:r>
-            <a:r>
-              <a:rPr lang="el-GR" dirty="0" err="1">
-                <a:latin typeface="Microsoft JhengHei" panose="020B0604030504040204" pitchFamily="34" charset="-120"/>
-                <a:ea typeface="Microsoft JhengHei" panose="020B0604030504040204" pitchFamily="34" charset="-120"/>
-              </a:rPr>
-              <a:t>ἔχωσι</a:t>
-            </a:r>
-            <a:r>
-              <a:rPr lang="el-GR" dirty="0">
-                <a:latin typeface="Microsoft JhengHei" panose="020B0604030504040204" pitchFamily="34" charset="-120"/>
-                <a:ea typeface="Microsoft JhengHei" panose="020B0604030504040204" pitchFamily="34" charset="-120"/>
-              </a:rPr>
-              <a:t> </a:t>
-            </a:r>
-            <a:r>
-              <a:rPr lang="el-GR" dirty="0" err="1">
-                <a:latin typeface="Microsoft JhengHei" panose="020B0604030504040204" pitchFamily="34" charset="-120"/>
-                <a:ea typeface="Microsoft JhengHei" panose="020B0604030504040204" pitchFamily="34" charset="-120"/>
-              </a:rPr>
-              <a:t>καὶ</a:t>
-            </a:r>
-            <a:r>
-              <a:rPr lang="el-GR" dirty="0">
-                <a:latin typeface="Microsoft JhengHei" panose="020B0604030504040204" pitchFamily="34" charset="-120"/>
-                <a:ea typeface="Microsoft JhengHei" panose="020B0604030504040204" pitchFamily="34" charset="-120"/>
-              </a:rPr>
-              <a:t> </a:t>
-            </a:r>
-            <a:r>
-              <a:rPr lang="el-GR" dirty="0" err="1">
-                <a:latin typeface="Microsoft JhengHei" panose="020B0604030504040204" pitchFamily="34" charset="-120"/>
-                <a:ea typeface="Microsoft JhengHei" panose="020B0604030504040204" pitchFamily="34" charset="-120"/>
-              </a:rPr>
-              <a:t>νέμωνται</a:t>
-            </a:r>
-            <a:r>
-              <a:rPr lang="el-GR" dirty="0">
-                <a:latin typeface="Microsoft JhengHei" panose="020B0604030504040204" pitchFamily="34" charset="-120"/>
-                <a:ea typeface="Microsoft JhengHei" panose="020B0604030504040204" pitchFamily="34" charset="-120"/>
-              </a:rPr>
-              <a:t>. </a:t>
-            </a:r>
-            <a:r>
-              <a:rPr lang="el-GR" dirty="0" err="1">
-                <a:latin typeface="Microsoft JhengHei" panose="020B0604030504040204" pitchFamily="34" charset="-120"/>
-                <a:ea typeface="Microsoft JhengHei" panose="020B0604030504040204" pitchFamily="34" charset="-120"/>
-              </a:rPr>
-              <a:t>ἔτι</a:t>
-            </a:r>
-            <a:r>
-              <a:rPr lang="el-GR" dirty="0">
-                <a:latin typeface="Microsoft JhengHei" panose="020B0604030504040204" pitchFamily="34" charset="-120"/>
-                <a:ea typeface="Microsoft JhengHei" panose="020B0604030504040204" pitchFamily="34" charset="-120"/>
-              </a:rPr>
-              <a:t> </a:t>
-            </a:r>
-            <a:r>
-              <a:rPr lang="el-GR" dirty="0" err="1">
-                <a:latin typeface="Microsoft JhengHei" panose="020B0604030504040204" pitchFamily="34" charset="-120"/>
-                <a:ea typeface="Microsoft JhengHei" panose="020B0604030504040204" pitchFamily="34" charset="-120"/>
-              </a:rPr>
-              <a:t>ἐκ</a:t>
-            </a:r>
-            <a:r>
-              <a:rPr lang="el-GR" dirty="0">
-                <a:latin typeface="Microsoft JhengHei" panose="020B0604030504040204" pitchFamily="34" charset="-120"/>
-                <a:ea typeface="Microsoft JhengHei" panose="020B0604030504040204" pitchFamily="34" charset="-120"/>
-              </a:rPr>
-              <a:t> </a:t>
-            </a:r>
-            <a:r>
-              <a:rPr lang="el-GR" dirty="0" err="1">
-                <a:latin typeface="Microsoft JhengHei" panose="020B0604030504040204" pitchFamily="34" charset="-120"/>
-                <a:ea typeface="Microsoft JhengHei" panose="020B0604030504040204" pitchFamily="34" charset="-120"/>
-              </a:rPr>
-              <a:t>τοῦ</a:t>
-            </a:r>
-            <a:r>
-              <a:rPr lang="el-GR" dirty="0">
-                <a:latin typeface="Microsoft JhengHei" panose="020B0604030504040204" pitchFamily="34" charset="-120"/>
-                <a:ea typeface="Microsoft JhengHei" panose="020B0604030504040204" pitchFamily="34" charset="-120"/>
-              </a:rPr>
-              <a:t> </a:t>
-            </a:r>
-            <a:r>
-              <a:rPr lang="el-GR" dirty="0" err="1">
-                <a:latin typeface="Microsoft JhengHei" panose="020B0604030504040204" pitchFamily="34" charset="-120"/>
-                <a:ea typeface="Microsoft JhengHei" panose="020B0604030504040204" pitchFamily="34" charset="-120"/>
-              </a:rPr>
-              <a:t>κατ</a:t>
-            </a:r>
-            <a:r>
-              <a:rPr lang="el-GR" dirty="0">
-                <a:latin typeface="Microsoft JhengHei" panose="020B0604030504040204" pitchFamily="34" charset="-120"/>
-                <a:ea typeface="Microsoft JhengHei" panose="020B0604030504040204" pitchFamily="34" charset="-120"/>
-              </a:rPr>
-              <a:t>᾽ </a:t>
-            </a:r>
-            <a:r>
-              <a:rPr lang="el-GR" dirty="0" err="1">
-                <a:latin typeface="Microsoft JhengHei" panose="020B0604030504040204" pitchFamily="34" charset="-120"/>
-                <a:ea typeface="Microsoft JhengHei" panose="020B0604030504040204" pitchFamily="34" charset="-120"/>
-              </a:rPr>
-              <a:t>ἀξίαν</a:t>
-            </a:r>
-            <a:r>
-              <a:rPr lang="el-GR" dirty="0">
-                <a:latin typeface="Microsoft JhengHei" panose="020B0604030504040204" pitchFamily="34" charset="-120"/>
-                <a:ea typeface="Microsoft JhengHei" panose="020B0604030504040204" pitchFamily="34" charset="-120"/>
-              </a:rPr>
-              <a:t> </a:t>
-            </a:r>
-            <a:r>
-              <a:rPr lang="el-GR" dirty="0" err="1">
-                <a:latin typeface="Microsoft JhengHei" panose="020B0604030504040204" pitchFamily="34" charset="-120"/>
-                <a:ea typeface="Microsoft JhengHei" panose="020B0604030504040204" pitchFamily="34" charset="-120"/>
-              </a:rPr>
-              <a:t>τοῦτο</a:t>
-            </a:r>
-            <a:r>
-              <a:rPr lang="el-GR" dirty="0">
-                <a:latin typeface="Microsoft JhengHei" panose="020B0604030504040204" pitchFamily="34" charset="-120"/>
-                <a:ea typeface="Microsoft JhengHei" panose="020B0604030504040204" pitchFamily="34" charset="-120"/>
-              </a:rPr>
-              <a:t> </a:t>
-            </a:r>
-            <a:r>
-              <a:rPr lang="el-GR" dirty="0" err="1">
-                <a:latin typeface="Microsoft JhengHei" panose="020B0604030504040204" pitchFamily="34" charset="-120"/>
-                <a:ea typeface="Microsoft JhengHei" panose="020B0604030504040204" pitchFamily="34" charset="-120"/>
-              </a:rPr>
-              <a:t>δῆλον</a:t>
-            </a:r>
-            <a:r>
-              <a:rPr lang="el-GR" dirty="0">
-                <a:latin typeface="Microsoft JhengHei" panose="020B0604030504040204" pitchFamily="34" charset="-120"/>
-                <a:ea typeface="Microsoft JhengHei" panose="020B0604030504040204" pitchFamily="34" charset="-120"/>
-              </a:rPr>
-              <a:t>: </a:t>
-            </a:r>
-            <a:r>
-              <a:rPr lang="el-GR" dirty="0" err="1">
-                <a:latin typeface="Microsoft JhengHei" panose="020B0604030504040204" pitchFamily="34" charset="-120"/>
-                <a:ea typeface="Microsoft JhengHei" panose="020B0604030504040204" pitchFamily="34" charset="-120"/>
-              </a:rPr>
-              <a:t>τὸ</a:t>
-            </a:r>
-            <a:r>
-              <a:rPr lang="el-GR" dirty="0">
-                <a:latin typeface="Microsoft JhengHei" panose="020B0604030504040204" pitchFamily="34" charset="-120"/>
-                <a:ea typeface="Microsoft JhengHei" panose="020B0604030504040204" pitchFamily="34" charset="-120"/>
-              </a:rPr>
-              <a:t> </a:t>
-            </a:r>
-            <a:r>
-              <a:rPr lang="el-GR" dirty="0" err="1">
-                <a:latin typeface="Microsoft JhengHei" panose="020B0604030504040204" pitchFamily="34" charset="-120"/>
-                <a:ea typeface="Microsoft JhengHei" panose="020B0604030504040204" pitchFamily="34" charset="-120"/>
-              </a:rPr>
-              <a:t>γὰρ</a:t>
-            </a:r>
-            <a:r>
-              <a:rPr lang="el-GR" dirty="0">
-                <a:latin typeface="Microsoft JhengHei" panose="020B0604030504040204" pitchFamily="34" charset="-120"/>
-                <a:ea typeface="Microsoft JhengHei" panose="020B0604030504040204" pitchFamily="34" charset="-120"/>
-              </a:rPr>
-              <a:t> δίκαιον </a:t>
-            </a:r>
-            <a:r>
-              <a:rPr lang="el-GR" dirty="0" err="1">
-                <a:latin typeface="Microsoft JhengHei" panose="020B0604030504040204" pitchFamily="34" charset="-120"/>
-                <a:ea typeface="Microsoft JhengHei" panose="020B0604030504040204" pitchFamily="34" charset="-120"/>
-              </a:rPr>
-              <a:t>ἐν</a:t>
-            </a:r>
-            <a:r>
-              <a:rPr lang="el-GR" dirty="0">
-                <a:latin typeface="Microsoft JhengHei" panose="020B0604030504040204" pitchFamily="34" charset="-120"/>
-                <a:ea typeface="Microsoft JhengHei" panose="020B0604030504040204" pitchFamily="34" charset="-120"/>
-              </a:rPr>
-              <a:t> </a:t>
-            </a:r>
-            <a:r>
-              <a:rPr lang="el-GR" dirty="0" err="1">
-                <a:latin typeface="Microsoft JhengHei" panose="020B0604030504040204" pitchFamily="34" charset="-120"/>
-                <a:ea typeface="Microsoft JhengHei" panose="020B0604030504040204" pitchFamily="34" charset="-120"/>
-              </a:rPr>
-              <a:t>ταῖς</a:t>
-            </a:r>
-            <a:r>
-              <a:rPr lang="el-GR" dirty="0">
-                <a:latin typeface="Microsoft JhengHei" panose="020B0604030504040204" pitchFamily="34" charset="-120"/>
-                <a:ea typeface="Microsoft JhengHei" panose="020B0604030504040204" pitchFamily="34" charset="-120"/>
-              </a:rPr>
-              <a:t> </a:t>
-            </a:r>
-            <a:r>
-              <a:rPr lang="el-GR" dirty="0" err="1">
-                <a:latin typeface="Microsoft JhengHei" panose="020B0604030504040204" pitchFamily="34" charset="-120"/>
-                <a:ea typeface="Microsoft JhengHei" panose="020B0604030504040204" pitchFamily="34" charset="-120"/>
-              </a:rPr>
-              <a:t>νομαῖς</a:t>
-            </a:r>
-            <a:r>
-              <a:rPr lang="el-GR" dirty="0">
-                <a:latin typeface="Microsoft JhengHei" panose="020B0604030504040204" pitchFamily="34" charset="-120"/>
-                <a:ea typeface="Microsoft JhengHei" panose="020B0604030504040204" pitchFamily="34" charset="-120"/>
-              </a:rPr>
-              <a:t> </a:t>
-            </a:r>
-            <a:r>
-              <a:rPr lang="el-GR" dirty="0" err="1">
-                <a:latin typeface="Microsoft JhengHei" panose="020B0604030504040204" pitchFamily="34" charset="-120"/>
-                <a:ea typeface="Microsoft JhengHei" panose="020B0604030504040204" pitchFamily="34" charset="-120"/>
-              </a:rPr>
-              <a:t>ὁμολογοῦσι</a:t>
-            </a:r>
-            <a:r>
-              <a:rPr lang="el-GR" dirty="0">
-                <a:latin typeface="Microsoft JhengHei" panose="020B0604030504040204" pitchFamily="34" charset="-120"/>
-                <a:ea typeface="Microsoft JhengHei" panose="020B0604030504040204" pitchFamily="34" charset="-120"/>
-              </a:rPr>
-              <a:t> πάντες </a:t>
-            </a:r>
-            <a:r>
-              <a:rPr lang="el-GR" dirty="0" err="1">
-                <a:latin typeface="Microsoft JhengHei" panose="020B0604030504040204" pitchFamily="34" charset="-120"/>
-                <a:ea typeface="Microsoft JhengHei" panose="020B0604030504040204" pitchFamily="34" charset="-120"/>
-              </a:rPr>
-              <a:t>κατ</a:t>
-            </a:r>
-            <a:r>
-              <a:rPr lang="el-GR" dirty="0">
-                <a:latin typeface="Microsoft JhengHei" panose="020B0604030504040204" pitchFamily="34" charset="-120"/>
-                <a:ea typeface="Microsoft JhengHei" panose="020B0604030504040204" pitchFamily="34" charset="-120"/>
-              </a:rPr>
-              <a:t>᾽ </a:t>
-            </a:r>
-            <a:r>
-              <a:rPr lang="el-GR" dirty="0" err="1">
-                <a:latin typeface="Microsoft JhengHei" panose="020B0604030504040204" pitchFamily="34" charset="-120"/>
-                <a:ea typeface="Microsoft JhengHei" panose="020B0604030504040204" pitchFamily="34" charset="-120"/>
-              </a:rPr>
-              <a:t>ἀξίαν</a:t>
-            </a:r>
-            <a:r>
-              <a:rPr lang="el-GR" dirty="0">
-                <a:latin typeface="Microsoft JhengHei" panose="020B0604030504040204" pitchFamily="34" charset="-120"/>
-                <a:ea typeface="Microsoft JhengHei" panose="020B0604030504040204" pitchFamily="34" charset="-120"/>
-              </a:rPr>
-              <a:t> </a:t>
-            </a:r>
-            <a:r>
-              <a:rPr lang="el-GR" dirty="0" err="1">
-                <a:latin typeface="Microsoft JhengHei" panose="020B0604030504040204" pitchFamily="34" charset="-120"/>
-                <a:ea typeface="Microsoft JhengHei" panose="020B0604030504040204" pitchFamily="34" charset="-120"/>
-              </a:rPr>
-              <a:t>τινὰ</a:t>
-            </a:r>
-            <a:r>
-              <a:rPr lang="el-GR" dirty="0">
-                <a:latin typeface="Microsoft JhengHei" panose="020B0604030504040204" pitchFamily="34" charset="-120"/>
-                <a:ea typeface="Microsoft JhengHei" panose="020B0604030504040204" pitchFamily="34" charset="-120"/>
-              </a:rPr>
-              <a:t> </a:t>
-            </a:r>
-            <a:r>
-              <a:rPr lang="el-GR" dirty="0" err="1">
-                <a:latin typeface="Microsoft JhengHei" panose="020B0604030504040204" pitchFamily="34" charset="-120"/>
-                <a:ea typeface="Microsoft JhengHei" panose="020B0604030504040204" pitchFamily="34" charset="-120"/>
-              </a:rPr>
-              <a:t>δεῖν</a:t>
-            </a:r>
-            <a:r>
-              <a:rPr lang="el-GR" dirty="0">
-                <a:latin typeface="Microsoft JhengHei" panose="020B0604030504040204" pitchFamily="34" charset="-120"/>
-                <a:ea typeface="Microsoft JhengHei" panose="020B0604030504040204" pitchFamily="34" charset="-120"/>
-              </a:rPr>
-              <a:t> </a:t>
-            </a:r>
-            <a:r>
-              <a:rPr lang="el-GR" dirty="0" err="1">
-                <a:latin typeface="Microsoft JhengHei" panose="020B0604030504040204" pitchFamily="34" charset="-120"/>
-                <a:ea typeface="Microsoft JhengHei" panose="020B0604030504040204" pitchFamily="34" charset="-120"/>
-              </a:rPr>
-              <a:t>εἶναι</a:t>
-            </a:r>
-            <a:r>
-              <a:rPr lang="el-GR" dirty="0">
-                <a:latin typeface="Microsoft JhengHei" panose="020B0604030504040204" pitchFamily="34" charset="-120"/>
-                <a:ea typeface="Microsoft JhengHei" panose="020B0604030504040204" pitchFamily="34" charset="-120"/>
-              </a:rPr>
-              <a:t>, </a:t>
-            </a:r>
-            <a:r>
-              <a:rPr lang="el-GR" dirty="0" err="1">
-                <a:latin typeface="Microsoft JhengHei" panose="020B0604030504040204" pitchFamily="34" charset="-120"/>
-                <a:ea typeface="Microsoft JhengHei" panose="020B0604030504040204" pitchFamily="34" charset="-120"/>
-              </a:rPr>
-              <a:t>τὴν</a:t>
-            </a:r>
-            <a:r>
-              <a:rPr lang="el-GR" dirty="0">
-                <a:latin typeface="Microsoft JhengHei" panose="020B0604030504040204" pitchFamily="34" charset="-120"/>
-                <a:ea typeface="Microsoft JhengHei" panose="020B0604030504040204" pitchFamily="34" charset="-120"/>
-              </a:rPr>
-              <a:t> </a:t>
-            </a:r>
-            <a:r>
-              <a:rPr lang="el-GR" dirty="0" err="1">
-                <a:latin typeface="Microsoft JhengHei" panose="020B0604030504040204" pitchFamily="34" charset="-120"/>
-                <a:ea typeface="Microsoft JhengHei" panose="020B0604030504040204" pitchFamily="34" charset="-120"/>
-              </a:rPr>
-              <a:t>μέντοι</a:t>
-            </a:r>
-            <a:r>
-              <a:rPr lang="el-GR" dirty="0">
-                <a:latin typeface="Microsoft JhengHei" panose="020B0604030504040204" pitchFamily="34" charset="-120"/>
-                <a:ea typeface="Microsoft JhengHei" panose="020B0604030504040204" pitchFamily="34" charset="-120"/>
-              </a:rPr>
-              <a:t> </a:t>
-            </a:r>
-            <a:r>
-              <a:rPr lang="el-GR" dirty="0" err="1">
-                <a:latin typeface="Microsoft JhengHei" panose="020B0604030504040204" pitchFamily="34" charset="-120"/>
-                <a:ea typeface="Microsoft JhengHei" panose="020B0604030504040204" pitchFamily="34" charset="-120"/>
-              </a:rPr>
-              <a:t>ἀξίαν</a:t>
-            </a:r>
-            <a:r>
-              <a:rPr lang="el-GR" dirty="0">
-                <a:latin typeface="Microsoft JhengHei" panose="020B0604030504040204" pitchFamily="34" charset="-120"/>
-                <a:ea typeface="Microsoft JhengHei" panose="020B0604030504040204" pitchFamily="34" charset="-120"/>
-              </a:rPr>
-              <a:t> </a:t>
-            </a:r>
-            <a:r>
-              <a:rPr lang="el-GR" dirty="0" err="1">
-                <a:latin typeface="Microsoft JhengHei" panose="020B0604030504040204" pitchFamily="34" charset="-120"/>
-                <a:ea typeface="Microsoft JhengHei" panose="020B0604030504040204" pitchFamily="34" charset="-120"/>
-              </a:rPr>
-              <a:t>οὐ</a:t>
-            </a:r>
-            <a:r>
-              <a:rPr lang="el-GR" dirty="0">
-                <a:latin typeface="Microsoft JhengHei" panose="020B0604030504040204" pitchFamily="34" charset="-120"/>
-                <a:ea typeface="Microsoft JhengHei" panose="020B0604030504040204" pitchFamily="34" charset="-120"/>
-              </a:rPr>
-              <a:t> </a:t>
-            </a:r>
-            <a:r>
-              <a:rPr lang="el-GR" dirty="0" err="1">
-                <a:latin typeface="Microsoft JhengHei" panose="020B0604030504040204" pitchFamily="34" charset="-120"/>
-                <a:ea typeface="Microsoft JhengHei" panose="020B0604030504040204" pitchFamily="34" charset="-120"/>
-              </a:rPr>
-              <a:t>τὴν</a:t>
-            </a:r>
-            <a:r>
-              <a:rPr lang="el-GR" dirty="0">
-                <a:latin typeface="Microsoft JhengHei" panose="020B0604030504040204" pitchFamily="34" charset="-120"/>
-                <a:ea typeface="Microsoft JhengHei" panose="020B0604030504040204" pitchFamily="34" charset="-120"/>
-              </a:rPr>
-              <a:t> </a:t>
-            </a:r>
-            <a:r>
-              <a:rPr lang="el-GR" dirty="0" err="1">
-                <a:latin typeface="Microsoft JhengHei" panose="020B0604030504040204" pitchFamily="34" charset="-120"/>
-                <a:ea typeface="Microsoft JhengHei" panose="020B0604030504040204" pitchFamily="34" charset="-120"/>
-              </a:rPr>
-              <a:t>αὐτὴν</a:t>
-            </a:r>
-            <a:r>
-              <a:rPr lang="el-GR" dirty="0">
-                <a:latin typeface="Microsoft JhengHei" panose="020B0604030504040204" pitchFamily="34" charset="-120"/>
-                <a:ea typeface="Microsoft JhengHei" panose="020B0604030504040204" pitchFamily="34" charset="-120"/>
-              </a:rPr>
-              <a:t> </a:t>
-            </a:r>
-            <a:r>
-              <a:rPr lang="el-GR" dirty="0" err="1">
-                <a:latin typeface="Microsoft JhengHei" panose="020B0604030504040204" pitchFamily="34" charset="-120"/>
-                <a:ea typeface="Microsoft JhengHei" panose="020B0604030504040204" pitchFamily="34" charset="-120"/>
-              </a:rPr>
-              <a:t>λέγουσι</a:t>
-            </a:r>
-            <a:r>
-              <a:rPr lang="el-GR" dirty="0">
-                <a:latin typeface="Microsoft JhengHei" panose="020B0604030504040204" pitchFamily="34" charset="-120"/>
-                <a:ea typeface="Microsoft JhengHei" panose="020B0604030504040204" pitchFamily="34" charset="-120"/>
-              </a:rPr>
-              <a:t> πάντες </a:t>
-            </a:r>
-            <a:r>
-              <a:rPr lang="el-GR" dirty="0" err="1">
-                <a:latin typeface="Microsoft JhengHei" panose="020B0604030504040204" pitchFamily="34" charset="-120"/>
-                <a:ea typeface="Microsoft JhengHei" panose="020B0604030504040204" pitchFamily="34" charset="-120"/>
-              </a:rPr>
-              <a:t>ὑπάρχειν</a:t>
-            </a:r>
-            <a:r>
-              <a:rPr lang="el-GR" dirty="0">
-                <a:latin typeface="Microsoft JhengHei" panose="020B0604030504040204" pitchFamily="34" charset="-120"/>
-                <a:ea typeface="Microsoft JhengHei" panose="020B0604030504040204" pitchFamily="34" charset="-120"/>
-              </a:rPr>
-              <a:t>, </a:t>
-            </a:r>
-            <a:r>
-              <a:rPr lang="el-GR" dirty="0" err="1">
-                <a:latin typeface="Microsoft JhengHei" panose="020B0604030504040204" pitchFamily="34" charset="-120"/>
-                <a:ea typeface="Microsoft JhengHei" panose="020B0604030504040204" pitchFamily="34" charset="-120"/>
-              </a:rPr>
-              <a:t>ἀλλ</a:t>
-            </a:r>
-            <a:r>
-              <a:rPr lang="el-GR" dirty="0">
-                <a:latin typeface="Microsoft JhengHei" panose="020B0604030504040204" pitchFamily="34" charset="-120"/>
-                <a:ea typeface="Microsoft JhengHei" panose="020B0604030504040204" pitchFamily="34" charset="-120"/>
-              </a:rPr>
-              <a:t>᾽ </a:t>
-            </a:r>
-            <a:r>
-              <a:rPr lang="el-GR" dirty="0" err="1">
-                <a:latin typeface="Microsoft JhengHei" panose="020B0604030504040204" pitchFamily="34" charset="-120"/>
-                <a:ea typeface="Microsoft JhengHei" panose="020B0604030504040204" pitchFamily="34" charset="-120"/>
-              </a:rPr>
-              <a:t>οἱ</a:t>
-            </a:r>
-            <a:r>
-              <a:rPr lang="el-GR" dirty="0">
-                <a:latin typeface="Microsoft JhengHei" panose="020B0604030504040204" pitchFamily="34" charset="-120"/>
-                <a:ea typeface="Microsoft JhengHei" panose="020B0604030504040204" pitchFamily="34" charset="-120"/>
-              </a:rPr>
-              <a:t> </a:t>
-            </a:r>
-            <a:r>
-              <a:rPr lang="el-GR" dirty="0" err="1">
-                <a:latin typeface="Microsoft JhengHei" panose="020B0604030504040204" pitchFamily="34" charset="-120"/>
-                <a:ea typeface="Microsoft JhengHei" panose="020B0604030504040204" pitchFamily="34" charset="-120"/>
-              </a:rPr>
-              <a:t>μὲν</a:t>
-            </a:r>
-            <a:r>
-              <a:rPr lang="el-GR" dirty="0">
-                <a:latin typeface="Microsoft JhengHei" panose="020B0604030504040204" pitchFamily="34" charset="-120"/>
-                <a:ea typeface="Microsoft JhengHei" panose="020B0604030504040204" pitchFamily="34" charset="-120"/>
-              </a:rPr>
-              <a:t> </a:t>
-            </a:r>
-            <a:r>
-              <a:rPr lang="el-GR" dirty="0" err="1">
-                <a:latin typeface="Microsoft JhengHei" panose="020B0604030504040204" pitchFamily="34" charset="-120"/>
-                <a:ea typeface="Microsoft JhengHei" panose="020B0604030504040204" pitchFamily="34" charset="-120"/>
-              </a:rPr>
-              <a:t>δημοκρατικοὶ</a:t>
-            </a:r>
-            <a:r>
-              <a:rPr lang="el-GR" dirty="0">
-                <a:latin typeface="Microsoft JhengHei" panose="020B0604030504040204" pitchFamily="34" charset="-120"/>
-                <a:ea typeface="Microsoft JhengHei" panose="020B0604030504040204" pitchFamily="34" charset="-120"/>
-              </a:rPr>
-              <a:t> </a:t>
-            </a:r>
-            <a:r>
-              <a:rPr lang="el-GR" dirty="0" err="1">
-                <a:latin typeface="Microsoft JhengHei" panose="020B0604030504040204" pitchFamily="34" charset="-120"/>
-                <a:ea typeface="Microsoft JhengHei" panose="020B0604030504040204" pitchFamily="34" charset="-120"/>
-              </a:rPr>
-              <a:t>ἐλευθερίαν</a:t>
-            </a:r>
-            <a:r>
-              <a:rPr lang="el-GR" dirty="0">
-                <a:latin typeface="Microsoft JhengHei" panose="020B0604030504040204" pitchFamily="34" charset="-120"/>
-                <a:ea typeface="Microsoft JhengHei" panose="020B0604030504040204" pitchFamily="34" charset="-120"/>
-              </a:rPr>
-              <a:t>, </a:t>
-            </a:r>
-            <a:r>
-              <a:rPr lang="el-GR" dirty="0" err="1">
-                <a:latin typeface="Microsoft JhengHei" panose="020B0604030504040204" pitchFamily="34" charset="-120"/>
-                <a:ea typeface="Microsoft JhengHei" panose="020B0604030504040204" pitchFamily="34" charset="-120"/>
-              </a:rPr>
-              <a:t>οἱ</a:t>
-            </a:r>
-            <a:r>
-              <a:rPr lang="el-GR" dirty="0">
-                <a:latin typeface="Microsoft JhengHei" panose="020B0604030504040204" pitchFamily="34" charset="-120"/>
-                <a:ea typeface="Microsoft JhengHei" panose="020B0604030504040204" pitchFamily="34" charset="-120"/>
-              </a:rPr>
-              <a:t> δ᾽ </a:t>
-            </a:r>
-            <a:r>
-              <a:rPr lang="el-GR" dirty="0" err="1">
-                <a:latin typeface="Microsoft JhengHei" panose="020B0604030504040204" pitchFamily="34" charset="-120"/>
-                <a:ea typeface="Microsoft JhengHei" panose="020B0604030504040204" pitchFamily="34" charset="-120"/>
-              </a:rPr>
-              <a:t>ὀλιγαρχικοὶ</a:t>
-            </a:r>
-            <a:r>
-              <a:rPr lang="el-GR" dirty="0">
-                <a:latin typeface="Microsoft JhengHei" panose="020B0604030504040204" pitchFamily="34" charset="-120"/>
-                <a:ea typeface="Microsoft JhengHei" panose="020B0604030504040204" pitchFamily="34" charset="-120"/>
-              </a:rPr>
-              <a:t> </a:t>
-            </a:r>
-            <a:r>
-              <a:rPr lang="el-GR" dirty="0" err="1">
-                <a:latin typeface="Microsoft JhengHei" panose="020B0604030504040204" pitchFamily="34" charset="-120"/>
-                <a:ea typeface="Microsoft JhengHei" panose="020B0604030504040204" pitchFamily="34" charset="-120"/>
-              </a:rPr>
-              <a:t>πλοῦτον</a:t>
-            </a:r>
-            <a:r>
-              <a:rPr lang="el-GR" dirty="0">
-                <a:latin typeface="Microsoft JhengHei" panose="020B0604030504040204" pitchFamily="34" charset="-120"/>
-                <a:ea typeface="Microsoft JhengHei" panose="020B0604030504040204" pitchFamily="34" charset="-120"/>
-              </a:rPr>
-              <a:t>, </a:t>
-            </a:r>
-            <a:r>
-              <a:rPr lang="el-GR" dirty="0" err="1">
-                <a:latin typeface="Microsoft JhengHei" panose="020B0604030504040204" pitchFamily="34" charset="-120"/>
-                <a:ea typeface="Microsoft JhengHei" panose="020B0604030504040204" pitchFamily="34" charset="-120"/>
-              </a:rPr>
-              <a:t>οἳ</a:t>
-            </a:r>
-            <a:r>
-              <a:rPr lang="el-GR" dirty="0">
-                <a:latin typeface="Microsoft JhengHei" panose="020B0604030504040204" pitchFamily="34" charset="-120"/>
-                <a:ea typeface="Microsoft JhengHei" panose="020B0604030504040204" pitchFamily="34" charset="-120"/>
-              </a:rPr>
-              <a:t> δ᾽ </a:t>
-            </a:r>
-            <a:r>
-              <a:rPr lang="el-GR" dirty="0" err="1">
-                <a:latin typeface="Microsoft JhengHei" panose="020B0604030504040204" pitchFamily="34" charset="-120"/>
-                <a:ea typeface="Microsoft JhengHei" panose="020B0604030504040204" pitchFamily="34" charset="-120"/>
-              </a:rPr>
-              <a:t>εὐγένειαν</a:t>
-            </a:r>
-            <a:r>
-              <a:rPr lang="el-GR" dirty="0">
-                <a:latin typeface="Microsoft JhengHei" panose="020B0604030504040204" pitchFamily="34" charset="-120"/>
-                <a:ea typeface="Microsoft JhengHei" panose="020B0604030504040204" pitchFamily="34" charset="-120"/>
-              </a:rPr>
-              <a:t>, </a:t>
-            </a:r>
-            <a:r>
-              <a:rPr lang="el-GR" dirty="0" err="1">
-                <a:latin typeface="Microsoft JhengHei" panose="020B0604030504040204" pitchFamily="34" charset="-120"/>
-                <a:ea typeface="Microsoft JhengHei" panose="020B0604030504040204" pitchFamily="34" charset="-120"/>
-              </a:rPr>
-              <a:t>οἱ</a:t>
-            </a:r>
-            <a:r>
-              <a:rPr lang="el-GR" dirty="0">
-                <a:latin typeface="Microsoft JhengHei" panose="020B0604030504040204" pitchFamily="34" charset="-120"/>
-                <a:ea typeface="Microsoft JhengHei" panose="020B0604030504040204" pitchFamily="34" charset="-120"/>
-              </a:rPr>
-              <a:t> δ᾽ </a:t>
-            </a:r>
-            <a:r>
-              <a:rPr lang="el-GR" dirty="0" err="1">
-                <a:latin typeface="Microsoft JhengHei" panose="020B0604030504040204" pitchFamily="34" charset="-120"/>
-                <a:ea typeface="Microsoft JhengHei" panose="020B0604030504040204" pitchFamily="34" charset="-120"/>
-              </a:rPr>
-              <a:t>ἀριστοκρατικοὶ</a:t>
-            </a:r>
-            <a:r>
-              <a:rPr lang="el-GR" dirty="0">
-                <a:latin typeface="Microsoft JhengHei" panose="020B0604030504040204" pitchFamily="34" charset="-120"/>
-                <a:ea typeface="Microsoft JhengHei" panose="020B0604030504040204" pitchFamily="34" charset="-120"/>
-              </a:rPr>
-              <a:t> </a:t>
-            </a:r>
-            <a:r>
-              <a:rPr lang="el-GR" dirty="0" err="1">
-                <a:latin typeface="Microsoft JhengHei" panose="020B0604030504040204" pitchFamily="34" charset="-120"/>
-                <a:ea typeface="Microsoft JhengHei" panose="020B0604030504040204" pitchFamily="34" charset="-120"/>
-              </a:rPr>
-              <a:t>ἀρετήν</a:t>
-            </a:r>
-            <a:r>
-              <a:rPr lang="el-GR" dirty="0">
-                <a:latin typeface="Microsoft JhengHei" panose="020B0604030504040204" pitchFamily="34" charset="-120"/>
-                <a:ea typeface="Microsoft JhengHei" panose="020B0604030504040204" pitchFamily="34" charset="-120"/>
-              </a:rPr>
-              <a:t>. </a:t>
-            </a:r>
-            <a:r>
-              <a:rPr lang="el-GR" dirty="0" err="1">
-                <a:latin typeface="Microsoft JhengHei" panose="020B0604030504040204" pitchFamily="34" charset="-120"/>
-                <a:ea typeface="Microsoft JhengHei" panose="020B0604030504040204" pitchFamily="34" charset="-120"/>
-              </a:rPr>
-              <a:t>ἔστιν</a:t>
-            </a:r>
-            <a:r>
-              <a:rPr lang="el-GR" dirty="0">
-                <a:latin typeface="Microsoft JhengHei" panose="020B0604030504040204" pitchFamily="34" charset="-120"/>
-                <a:ea typeface="Microsoft JhengHei" panose="020B0604030504040204" pitchFamily="34" charset="-120"/>
-              </a:rPr>
-              <a:t> </a:t>
-            </a:r>
-            <a:r>
-              <a:rPr lang="el-GR" dirty="0" err="1">
-                <a:latin typeface="Microsoft JhengHei" panose="020B0604030504040204" pitchFamily="34" charset="-120"/>
-                <a:ea typeface="Microsoft JhengHei" panose="020B0604030504040204" pitchFamily="34" charset="-120"/>
-              </a:rPr>
-              <a:t>ἄρα</a:t>
-            </a:r>
-            <a:r>
-              <a:rPr lang="el-GR" dirty="0">
-                <a:latin typeface="Microsoft JhengHei" panose="020B0604030504040204" pitchFamily="34" charset="-120"/>
-                <a:ea typeface="Microsoft JhengHei" panose="020B0604030504040204" pitchFamily="34" charset="-120"/>
-              </a:rPr>
-              <a:t> </a:t>
-            </a:r>
-            <a:r>
-              <a:rPr lang="el-GR" dirty="0" err="1">
-                <a:latin typeface="Microsoft JhengHei" panose="020B0604030504040204" pitchFamily="34" charset="-120"/>
-                <a:ea typeface="Microsoft JhengHei" panose="020B0604030504040204" pitchFamily="34" charset="-120"/>
-              </a:rPr>
-              <a:t>τὸ</a:t>
-            </a:r>
-            <a:r>
-              <a:rPr lang="el-GR" dirty="0">
-                <a:latin typeface="Microsoft JhengHei" panose="020B0604030504040204" pitchFamily="34" charset="-120"/>
-                <a:ea typeface="Microsoft JhengHei" panose="020B0604030504040204" pitchFamily="34" charset="-120"/>
-              </a:rPr>
-              <a:t> δίκαιον </a:t>
-            </a:r>
-            <a:r>
-              <a:rPr lang="el-GR" dirty="0" err="1">
-                <a:latin typeface="Microsoft JhengHei" panose="020B0604030504040204" pitchFamily="34" charset="-120"/>
-                <a:ea typeface="Microsoft JhengHei" panose="020B0604030504040204" pitchFamily="34" charset="-120"/>
-              </a:rPr>
-              <a:t>ἀνάλογόν</a:t>
-            </a:r>
-            <a:r>
-              <a:rPr lang="el-GR" dirty="0">
-                <a:latin typeface="Microsoft JhengHei" panose="020B0604030504040204" pitchFamily="34" charset="-120"/>
-                <a:ea typeface="Microsoft JhengHei" panose="020B0604030504040204" pitchFamily="34" charset="-120"/>
-              </a:rPr>
-              <a:t> τι</a:t>
-            </a:r>
-            <a:r>
-              <a:rPr lang="en-US" dirty="0">
-                <a:latin typeface="Microsoft JhengHei" panose="020B0604030504040204" pitchFamily="34" charset="-120"/>
-                <a:ea typeface="Microsoft JhengHei" panose="020B0604030504040204" pitchFamily="34" charset="-120"/>
-              </a:rPr>
-              <a:t>”</a:t>
-            </a:r>
-            <a:r>
-              <a:rPr lang="el-GR" dirty="0">
-                <a:latin typeface="Microsoft JhengHei" panose="020B0604030504040204" pitchFamily="34" charset="-120"/>
-                <a:ea typeface="Microsoft JhengHei" panose="020B0604030504040204" pitchFamily="34" charset="-120"/>
-              </a:rPr>
-              <a:t> </a:t>
-            </a:r>
-            <a:endParaRPr lang="en-US" dirty="0">
-              <a:latin typeface="Microsoft JhengHei" panose="020B0604030504040204" pitchFamily="34" charset="-120"/>
-              <a:ea typeface="Microsoft JhengHei" panose="020B0604030504040204" pitchFamily="34" charset="-120"/>
-            </a:endParaRPr>
-          </a:p>
-          <a:p>
-            <a:pPr marL="0" indent="0">
-              <a:buNone/>
-            </a:pPr>
-            <a:r>
-              <a:rPr lang="en-US" dirty="0">
-                <a:latin typeface="Microsoft JhengHei" panose="020B0604030504040204" pitchFamily="34" charset="-120"/>
-                <a:ea typeface="Microsoft JhengHei" panose="020B0604030504040204" pitchFamily="34" charset="-120"/>
-              </a:rPr>
-              <a:t>EN V 6, 1131a 18-29) . </a:t>
-            </a:r>
-            <a:r>
-              <a:rPr lang="el-GR" b="0" i="0" dirty="0" err="1">
-                <a:solidFill>
-                  <a:srgbClr val="333333"/>
-                </a:solidFill>
-                <a:effectLst/>
-                <a:latin typeface="Microsoft JhengHei" panose="020B0604030504040204" pitchFamily="34" charset="-120"/>
-                <a:ea typeface="Microsoft JhengHei" panose="020B0604030504040204" pitchFamily="34" charset="-120"/>
-              </a:rPr>
-              <a:t>Ἠθικὰ</a:t>
-            </a:r>
-            <a:r>
-              <a:rPr lang="el-GR" b="0" i="0" dirty="0">
-                <a:solidFill>
-                  <a:srgbClr val="333333"/>
-                </a:solidFill>
-                <a:effectLst/>
-                <a:latin typeface="Microsoft JhengHei" panose="020B0604030504040204" pitchFamily="34" charset="-120"/>
-                <a:ea typeface="Microsoft JhengHei" panose="020B0604030504040204" pitchFamily="34" charset="-120"/>
-              </a:rPr>
-              <a:t> </a:t>
-            </a:r>
-            <a:r>
-              <a:rPr lang="el-GR" b="0" i="0" dirty="0" err="1">
-                <a:solidFill>
-                  <a:srgbClr val="333333"/>
-                </a:solidFill>
-                <a:effectLst/>
-                <a:latin typeface="Microsoft JhengHei" panose="020B0604030504040204" pitchFamily="34" charset="-120"/>
-                <a:ea typeface="Microsoft JhengHei" panose="020B0604030504040204" pitchFamily="34" charset="-120"/>
-              </a:rPr>
-              <a:t>Νικομάχεια</a:t>
-            </a:r>
-            <a:r>
-              <a:rPr lang="el-GR" b="0" i="0" dirty="0">
-                <a:solidFill>
-                  <a:srgbClr val="333333"/>
-                </a:solidFill>
-                <a:effectLst/>
-                <a:latin typeface="Microsoft JhengHei" panose="020B0604030504040204" pitchFamily="34" charset="-120"/>
-                <a:ea typeface="Microsoft JhengHei" panose="020B0604030504040204" pitchFamily="34" charset="-120"/>
-              </a:rPr>
-              <a:t> (1131</a:t>
-            </a:r>
-            <a:r>
-              <a:rPr lang="en-US" b="0" i="0" dirty="0">
-                <a:solidFill>
-                  <a:srgbClr val="333333"/>
-                </a:solidFill>
-                <a:effectLst/>
-                <a:latin typeface="Microsoft JhengHei" panose="020B0604030504040204" pitchFamily="34" charset="-120"/>
-                <a:ea typeface="Microsoft JhengHei" panose="020B0604030504040204" pitchFamily="34" charset="-120"/>
-              </a:rPr>
-              <a:t>a-1131b)</a:t>
-            </a:r>
-          </a:p>
-          <a:p>
-            <a:endParaRPr lang="en-US" dirty="0">
-              <a:latin typeface="Microsoft JhengHei" panose="020B0604030504040204" pitchFamily="34" charset="-120"/>
-              <a:ea typeface="Microsoft JhengHei" panose="020B0604030504040204" pitchFamily="34" charset="-120"/>
-            </a:endParaRPr>
+            <a:endParaRPr lang="en-US" dirty="0"/>
           </a:p>
         </p:txBody>
       </p:sp>
     </p:spTree>
     <p:extLst>
       <p:ext uri="{BB962C8B-B14F-4D97-AF65-F5344CB8AC3E}">
-        <p14:creationId xmlns:p14="http://schemas.microsoft.com/office/powerpoint/2010/main" val="2841792284"/>
+        <p14:creationId xmlns:p14="http://schemas.microsoft.com/office/powerpoint/2010/main" val="3295667571"/>
       </p:ext>
     </p:extLst>
   </p:cSld>
@@ -21120,6 +20576,1517 @@
 </file>
 
 <file path=ppt/slides/slide40.xml><?xml version="1.0" encoding="utf-8"?>
+<p:sld xmlns:a="http://schemas.openxmlformats.org/drawingml/2006/main" xmlns:r="http://schemas.openxmlformats.org/officeDocument/2006/relationships" xmlns:p="http://schemas.openxmlformats.org/presentationml/2006/main">
+  <p:cSld>
+    <p:spTree>
+      <p:nvGrpSpPr>
+        <p:cNvPr id="1" name=""/>
+        <p:cNvGrpSpPr/>
+        <p:nvPr/>
+      </p:nvGrpSpPr>
+      <p:grpSpPr>
+        <a:xfrm>
+          <a:off x="0" y="0"/>
+          <a:ext cx="0" cy="0"/>
+          <a:chOff x="0" y="0"/>
+          <a:chExt cx="0" cy="0"/>
+        </a:xfrm>
+      </p:grpSpPr>
+      <p:sp>
+        <p:nvSpPr>
+          <p:cNvPr id="2" name="Τίτλος 1">
+            <a:extLst>
+              <a:ext uri="{FF2B5EF4-FFF2-40B4-BE49-F238E27FC236}">
+                <a16:creationId xmlns:a16="http://schemas.microsoft.com/office/drawing/2014/main" id="{BB2AC4F4-A8E2-454E-8AAA-F19FA0EFA2CE}"/>
+              </a:ext>
+            </a:extLst>
+          </p:cNvPr>
+          <p:cNvSpPr>
+            <a:spLocks noGrp="1"/>
+          </p:cNvSpPr>
+          <p:nvPr>
+            <p:ph type="title"/>
+          </p:nvPr>
+        </p:nvSpPr>
+        <p:spPr/>
+        <p:txBody>
+          <a:bodyPr/>
+          <a:lstStyle/>
+          <a:p>
+            <a:r>
+              <a:rPr lang="el-GR" dirty="0" err="1">
+                <a:latin typeface="Georgia" panose="02040502050405020303" pitchFamily="18" charset="0"/>
+              </a:rPr>
+              <a:t>Αριστοτελησ</a:t>
+            </a:r>
+            <a:r>
+              <a:rPr lang="el-GR" dirty="0">
+                <a:latin typeface="Georgia" panose="02040502050405020303" pitchFamily="18" charset="0"/>
+              </a:rPr>
+              <a:t>, </a:t>
+            </a:r>
+            <a:r>
+              <a:rPr lang="el-GR" dirty="0" err="1">
+                <a:latin typeface="Georgia" panose="02040502050405020303" pitchFamily="18" charset="0"/>
+              </a:rPr>
+              <a:t>ηθικα</a:t>
+            </a:r>
+            <a:r>
+              <a:rPr lang="el-GR" dirty="0">
+                <a:latin typeface="Georgia" panose="02040502050405020303" pitchFamily="18" charset="0"/>
+              </a:rPr>
+              <a:t> </a:t>
+            </a:r>
+            <a:r>
+              <a:rPr lang="el-GR" dirty="0" err="1">
+                <a:latin typeface="Georgia" panose="02040502050405020303" pitchFamily="18" charset="0"/>
+              </a:rPr>
+              <a:t>νικομαχεια</a:t>
+            </a:r>
+            <a:endParaRPr lang="en-US" dirty="0">
+              <a:latin typeface="Georgia" panose="02040502050405020303" pitchFamily="18" charset="0"/>
+            </a:endParaRPr>
+          </a:p>
+        </p:txBody>
+      </p:sp>
+      <p:sp>
+        <p:nvSpPr>
+          <p:cNvPr id="3" name="Θέση περιεχομένου 2">
+            <a:extLst>
+              <a:ext uri="{FF2B5EF4-FFF2-40B4-BE49-F238E27FC236}">
+                <a16:creationId xmlns:a16="http://schemas.microsoft.com/office/drawing/2014/main" id="{1DB83CC2-4C7D-B4D5-C9C4-2956E438C482}"/>
+              </a:ext>
+            </a:extLst>
+          </p:cNvPr>
+          <p:cNvSpPr>
+            <a:spLocks noGrp="1"/>
+          </p:cNvSpPr>
+          <p:nvPr>
+            <p:ph idx="1"/>
+          </p:nvPr>
+        </p:nvSpPr>
+        <p:spPr/>
+        <p:txBody>
+          <a:bodyPr/>
+          <a:lstStyle/>
+          <a:p>
+            <a:r>
+              <a:rPr lang="en-US" dirty="0">
+                <a:latin typeface="Microsoft JhengHei" panose="020B0604030504040204" pitchFamily="34" charset="-120"/>
+                <a:ea typeface="Microsoft JhengHei" panose="020B0604030504040204" pitchFamily="34" charset="-120"/>
+              </a:rPr>
+              <a:t>“</a:t>
+            </a:r>
+            <a:r>
+              <a:rPr lang="el-GR" dirty="0" err="1">
+                <a:latin typeface="Microsoft JhengHei" panose="020B0604030504040204" pitchFamily="34" charset="-120"/>
+                <a:ea typeface="Microsoft JhengHei" panose="020B0604030504040204" pitchFamily="34" charset="-120"/>
+              </a:rPr>
+              <a:t>οἷς</a:t>
+            </a:r>
+            <a:r>
+              <a:rPr lang="el-GR" dirty="0">
+                <a:latin typeface="Microsoft JhengHei" panose="020B0604030504040204" pitchFamily="34" charset="-120"/>
+                <a:ea typeface="Microsoft JhengHei" panose="020B0604030504040204" pitchFamily="34" charset="-120"/>
+              </a:rPr>
+              <a:t> τε </a:t>
+            </a:r>
+            <a:r>
+              <a:rPr lang="el-GR" dirty="0" err="1">
+                <a:latin typeface="Microsoft JhengHei" panose="020B0604030504040204" pitchFamily="34" charset="-120"/>
+                <a:ea typeface="Microsoft JhengHei" panose="020B0604030504040204" pitchFamily="34" charset="-120"/>
+              </a:rPr>
+              <a:t>γὰρ</a:t>
+            </a:r>
+            <a:r>
+              <a:rPr lang="el-GR" dirty="0">
+                <a:latin typeface="Microsoft JhengHei" panose="020B0604030504040204" pitchFamily="34" charset="-120"/>
+                <a:ea typeface="Microsoft JhengHei" panose="020B0604030504040204" pitchFamily="34" charset="-120"/>
+              </a:rPr>
+              <a:t> δίκαιον τυγχάνει </a:t>
+            </a:r>
+            <a:r>
+              <a:rPr lang="el-GR" dirty="0" err="1">
+                <a:latin typeface="Microsoft JhengHei" panose="020B0604030504040204" pitchFamily="34" charset="-120"/>
+                <a:ea typeface="Microsoft JhengHei" panose="020B0604030504040204" pitchFamily="34" charset="-120"/>
+              </a:rPr>
+              <a:t>ὄν</a:t>
+            </a:r>
+            <a:r>
+              <a:rPr lang="el-GR" dirty="0">
+                <a:latin typeface="Microsoft JhengHei" panose="020B0604030504040204" pitchFamily="34" charset="-120"/>
+                <a:ea typeface="Microsoft JhengHei" panose="020B0604030504040204" pitchFamily="34" charset="-120"/>
+              </a:rPr>
+              <a:t>, δύο </a:t>
+            </a:r>
+            <a:r>
+              <a:rPr lang="el-GR" dirty="0" err="1">
+                <a:latin typeface="Microsoft JhengHei" panose="020B0604030504040204" pitchFamily="34" charset="-120"/>
+                <a:ea typeface="Microsoft JhengHei" panose="020B0604030504040204" pitchFamily="34" charset="-120"/>
+              </a:rPr>
+              <a:t>ἐστί</a:t>
+            </a:r>
+            <a:r>
+              <a:rPr lang="el-GR" dirty="0">
+                <a:latin typeface="Microsoft JhengHei" panose="020B0604030504040204" pitchFamily="34" charset="-120"/>
+                <a:ea typeface="Microsoft JhengHei" panose="020B0604030504040204" pitchFamily="34" charset="-120"/>
+              </a:rPr>
+              <a:t>, </a:t>
+            </a:r>
+            <a:r>
+              <a:rPr lang="el-GR" dirty="0" err="1">
+                <a:latin typeface="Microsoft JhengHei" panose="020B0604030504040204" pitchFamily="34" charset="-120"/>
+                <a:ea typeface="Microsoft JhengHei" panose="020B0604030504040204" pitchFamily="34" charset="-120"/>
+              </a:rPr>
+              <a:t>καὶ</a:t>
+            </a:r>
+            <a:r>
+              <a:rPr lang="el-GR" dirty="0">
+                <a:latin typeface="Microsoft JhengHei" panose="020B0604030504040204" pitchFamily="34" charset="-120"/>
+                <a:ea typeface="Microsoft JhengHei" panose="020B0604030504040204" pitchFamily="34" charset="-120"/>
+              </a:rPr>
+              <a:t> </a:t>
+            </a:r>
+            <a:r>
+              <a:rPr lang="el-GR" dirty="0" err="1">
+                <a:latin typeface="Microsoft JhengHei" panose="020B0604030504040204" pitchFamily="34" charset="-120"/>
+                <a:ea typeface="Microsoft JhengHei" panose="020B0604030504040204" pitchFamily="34" charset="-120"/>
+              </a:rPr>
+              <a:t>ἐν</a:t>
+            </a:r>
+            <a:r>
+              <a:rPr lang="el-GR" dirty="0">
+                <a:latin typeface="Microsoft JhengHei" panose="020B0604030504040204" pitchFamily="34" charset="-120"/>
+                <a:ea typeface="Microsoft JhengHei" panose="020B0604030504040204" pitchFamily="34" charset="-120"/>
+              </a:rPr>
+              <a:t> </a:t>
+            </a:r>
+            <a:r>
+              <a:rPr lang="el-GR" dirty="0" err="1">
+                <a:latin typeface="Microsoft JhengHei" panose="020B0604030504040204" pitchFamily="34" charset="-120"/>
+                <a:ea typeface="Microsoft JhengHei" panose="020B0604030504040204" pitchFamily="34" charset="-120"/>
+              </a:rPr>
+              <a:t>οἷς</a:t>
+            </a:r>
+            <a:r>
+              <a:rPr lang="el-GR" dirty="0">
+                <a:latin typeface="Microsoft JhengHei" panose="020B0604030504040204" pitchFamily="34" charset="-120"/>
+                <a:ea typeface="Microsoft JhengHei" panose="020B0604030504040204" pitchFamily="34" charset="-120"/>
+              </a:rPr>
+              <a:t>, </a:t>
+            </a:r>
+            <a:r>
+              <a:rPr lang="el-GR" dirty="0" err="1">
+                <a:latin typeface="Microsoft JhengHei" panose="020B0604030504040204" pitchFamily="34" charset="-120"/>
+                <a:ea typeface="Microsoft JhengHei" panose="020B0604030504040204" pitchFamily="34" charset="-120"/>
+              </a:rPr>
+              <a:t>τὰ</a:t>
+            </a:r>
+            <a:r>
+              <a:rPr lang="el-GR" dirty="0">
+                <a:latin typeface="Microsoft JhengHei" panose="020B0604030504040204" pitchFamily="34" charset="-120"/>
+                <a:ea typeface="Microsoft JhengHei" panose="020B0604030504040204" pitchFamily="34" charset="-120"/>
+              </a:rPr>
+              <a:t> πράγματα, δύο. </a:t>
+            </a:r>
+            <a:r>
+              <a:rPr lang="el-GR" dirty="0" err="1">
+                <a:latin typeface="Microsoft JhengHei" panose="020B0604030504040204" pitchFamily="34" charset="-120"/>
+                <a:ea typeface="Microsoft JhengHei" panose="020B0604030504040204" pitchFamily="34" charset="-120"/>
+              </a:rPr>
+              <a:t>καὶ</a:t>
+            </a:r>
+            <a:r>
+              <a:rPr lang="el-GR" dirty="0">
+                <a:latin typeface="Microsoft JhengHei" panose="020B0604030504040204" pitchFamily="34" charset="-120"/>
+                <a:ea typeface="Microsoft JhengHei" panose="020B0604030504040204" pitchFamily="34" charset="-120"/>
+              </a:rPr>
+              <a:t> ἡ </a:t>
+            </a:r>
+            <a:r>
+              <a:rPr lang="el-GR" dirty="0" err="1">
+                <a:latin typeface="Microsoft JhengHei" panose="020B0604030504040204" pitchFamily="34" charset="-120"/>
+                <a:ea typeface="Microsoft JhengHei" panose="020B0604030504040204" pitchFamily="34" charset="-120"/>
+              </a:rPr>
+              <a:t>αὐτὴ</a:t>
+            </a:r>
+            <a:r>
+              <a:rPr lang="el-GR" dirty="0">
+                <a:latin typeface="Microsoft JhengHei" panose="020B0604030504040204" pitchFamily="34" charset="-120"/>
+                <a:ea typeface="Microsoft JhengHei" panose="020B0604030504040204" pitchFamily="34" charset="-120"/>
+              </a:rPr>
+              <a:t> </a:t>
+            </a:r>
+            <a:r>
+              <a:rPr lang="el-GR" dirty="0" err="1">
+                <a:latin typeface="Microsoft JhengHei" panose="020B0604030504040204" pitchFamily="34" charset="-120"/>
+                <a:ea typeface="Microsoft JhengHei" panose="020B0604030504040204" pitchFamily="34" charset="-120"/>
+              </a:rPr>
+              <a:t>ἔσται</a:t>
+            </a:r>
+            <a:r>
+              <a:rPr lang="el-GR" dirty="0">
+                <a:latin typeface="Microsoft JhengHei" panose="020B0604030504040204" pitchFamily="34" charset="-120"/>
+                <a:ea typeface="Microsoft JhengHei" panose="020B0604030504040204" pitchFamily="34" charset="-120"/>
+              </a:rPr>
+              <a:t> </a:t>
+            </a:r>
+            <a:r>
+              <a:rPr lang="el-GR" dirty="0" err="1">
+                <a:latin typeface="Microsoft JhengHei" panose="020B0604030504040204" pitchFamily="34" charset="-120"/>
+                <a:ea typeface="Microsoft JhengHei" panose="020B0604030504040204" pitchFamily="34" charset="-120"/>
+              </a:rPr>
+              <a:t>ἰσότης</a:t>
+            </a:r>
+            <a:r>
+              <a:rPr lang="el-GR" dirty="0">
+                <a:latin typeface="Microsoft JhengHei" panose="020B0604030504040204" pitchFamily="34" charset="-120"/>
+                <a:ea typeface="Microsoft JhengHei" panose="020B0604030504040204" pitchFamily="34" charset="-120"/>
+              </a:rPr>
+              <a:t>, </a:t>
+            </a:r>
+            <a:r>
+              <a:rPr lang="el-GR" dirty="0" err="1">
+                <a:latin typeface="Microsoft JhengHei" panose="020B0604030504040204" pitchFamily="34" charset="-120"/>
+                <a:ea typeface="Microsoft JhengHei" panose="020B0604030504040204" pitchFamily="34" charset="-120"/>
+              </a:rPr>
+              <a:t>οἷς</a:t>
+            </a:r>
+            <a:r>
+              <a:rPr lang="el-GR" dirty="0">
+                <a:latin typeface="Microsoft JhengHei" panose="020B0604030504040204" pitchFamily="34" charset="-120"/>
+                <a:ea typeface="Microsoft JhengHei" panose="020B0604030504040204" pitchFamily="34" charset="-120"/>
+              </a:rPr>
+              <a:t> </a:t>
+            </a:r>
+            <a:r>
+              <a:rPr lang="el-GR" dirty="0" err="1">
+                <a:latin typeface="Microsoft JhengHei" panose="020B0604030504040204" pitchFamily="34" charset="-120"/>
+                <a:ea typeface="Microsoft JhengHei" panose="020B0604030504040204" pitchFamily="34" charset="-120"/>
+              </a:rPr>
+              <a:t>καὶ</a:t>
+            </a:r>
+            <a:r>
+              <a:rPr lang="el-GR" dirty="0">
+                <a:latin typeface="Microsoft JhengHei" panose="020B0604030504040204" pitchFamily="34" charset="-120"/>
+                <a:ea typeface="Microsoft JhengHei" panose="020B0604030504040204" pitchFamily="34" charset="-120"/>
+              </a:rPr>
+              <a:t> </a:t>
+            </a:r>
+            <a:r>
+              <a:rPr lang="el-GR" dirty="0" err="1">
+                <a:latin typeface="Microsoft JhengHei" panose="020B0604030504040204" pitchFamily="34" charset="-120"/>
+                <a:ea typeface="Microsoft JhengHei" panose="020B0604030504040204" pitchFamily="34" charset="-120"/>
+              </a:rPr>
+              <a:t>ἐν</a:t>
+            </a:r>
+            <a:r>
+              <a:rPr lang="el-GR" dirty="0">
+                <a:latin typeface="Microsoft JhengHei" panose="020B0604030504040204" pitchFamily="34" charset="-120"/>
+                <a:ea typeface="Microsoft JhengHei" panose="020B0604030504040204" pitchFamily="34" charset="-120"/>
+              </a:rPr>
+              <a:t> </a:t>
+            </a:r>
+            <a:r>
+              <a:rPr lang="el-GR" dirty="0" err="1">
+                <a:latin typeface="Microsoft JhengHei" panose="020B0604030504040204" pitchFamily="34" charset="-120"/>
+                <a:ea typeface="Microsoft JhengHei" panose="020B0604030504040204" pitchFamily="34" charset="-120"/>
+              </a:rPr>
+              <a:t>οἷς</a:t>
+            </a:r>
+            <a:r>
+              <a:rPr lang="el-GR" dirty="0">
+                <a:latin typeface="Microsoft JhengHei" panose="020B0604030504040204" pitchFamily="34" charset="-120"/>
+                <a:ea typeface="Microsoft JhengHei" panose="020B0604030504040204" pitchFamily="34" charset="-120"/>
+              </a:rPr>
+              <a:t>: </a:t>
+            </a:r>
+            <a:r>
+              <a:rPr lang="el-GR" dirty="0" err="1">
+                <a:latin typeface="Microsoft JhengHei" panose="020B0604030504040204" pitchFamily="34" charset="-120"/>
+                <a:ea typeface="Microsoft JhengHei" panose="020B0604030504040204" pitchFamily="34" charset="-120"/>
+              </a:rPr>
+              <a:t>ὡς</a:t>
+            </a:r>
+            <a:r>
+              <a:rPr lang="el-GR" dirty="0">
+                <a:latin typeface="Microsoft JhengHei" panose="020B0604030504040204" pitchFamily="34" charset="-120"/>
+                <a:ea typeface="Microsoft JhengHei" panose="020B0604030504040204" pitchFamily="34" charset="-120"/>
+              </a:rPr>
+              <a:t> </a:t>
+            </a:r>
+            <a:r>
+              <a:rPr lang="el-GR" dirty="0" err="1">
+                <a:latin typeface="Microsoft JhengHei" panose="020B0604030504040204" pitchFamily="34" charset="-120"/>
+                <a:ea typeface="Microsoft JhengHei" panose="020B0604030504040204" pitchFamily="34" charset="-120"/>
+              </a:rPr>
+              <a:t>γὰρ</a:t>
+            </a:r>
+            <a:r>
+              <a:rPr lang="el-GR" dirty="0">
+                <a:latin typeface="Microsoft JhengHei" panose="020B0604030504040204" pitchFamily="34" charset="-120"/>
+                <a:ea typeface="Microsoft JhengHei" panose="020B0604030504040204" pitchFamily="34" charset="-120"/>
+              </a:rPr>
+              <a:t> </a:t>
+            </a:r>
+            <a:r>
+              <a:rPr lang="el-GR" dirty="0" err="1">
+                <a:latin typeface="Microsoft JhengHei" panose="020B0604030504040204" pitchFamily="34" charset="-120"/>
+                <a:ea typeface="Microsoft JhengHei" panose="020B0604030504040204" pitchFamily="34" charset="-120"/>
+              </a:rPr>
+              <a:t>ἐκεῖνα</a:t>
+            </a:r>
+            <a:r>
+              <a:rPr lang="el-GR" dirty="0">
+                <a:latin typeface="Microsoft JhengHei" panose="020B0604030504040204" pitchFamily="34" charset="-120"/>
+                <a:ea typeface="Microsoft JhengHei" panose="020B0604030504040204" pitchFamily="34" charset="-120"/>
+              </a:rPr>
+              <a:t> </a:t>
+            </a:r>
+            <a:r>
+              <a:rPr lang="el-GR" dirty="0" err="1">
+                <a:latin typeface="Microsoft JhengHei" panose="020B0604030504040204" pitchFamily="34" charset="-120"/>
+                <a:ea typeface="Microsoft JhengHei" panose="020B0604030504040204" pitchFamily="34" charset="-120"/>
+              </a:rPr>
+              <a:t>ἔχει</a:t>
+            </a:r>
+            <a:r>
+              <a:rPr lang="el-GR" dirty="0">
+                <a:latin typeface="Microsoft JhengHei" panose="020B0604030504040204" pitchFamily="34" charset="-120"/>
+                <a:ea typeface="Microsoft JhengHei" panose="020B0604030504040204" pitchFamily="34" charset="-120"/>
+              </a:rPr>
+              <a:t>, </a:t>
+            </a:r>
+            <a:r>
+              <a:rPr lang="el-GR" dirty="0" err="1">
+                <a:latin typeface="Microsoft JhengHei" panose="020B0604030504040204" pitchFamily="34" charset="-120"/>
+                <a:ea typeface="Microsoft JhengHei" panose="020B0604030504040204" pitchFamily="34" charset="-120"/>
+              </a:rPr>
+              <a:t>τὰ</a:t>
+            </a:r>
+            <a:r>
+              <a:rPr lang="el-GR" dirty="0">
+                <a:latin typeface="Microsoft JhengHei" panose="020B0604030504040204" pitchFamily="34" charset="-120"/>
+                <a:ea typeface="Microsoft JhengHei" panose="020B0604030504040204" pitchFamily="34" charset="-120"/>
+              </a:rPr>
+              <a:t> </a:t>
+            </a:r>
+            <a:r>
+              <a:rPr lang="el-GR" dirty="0" err="1">
+                <a:latin typeface="Microsoft JhengHei" panose="020B0604030504040204" pitchFamily="34" charset="-120"/>
+                <a:ea typeface="Microsoft JhengHei" panose="020B0604030504040204" pitchFamily="34" charset="-120"/>
+              </a:rPr>
+              <a:t>ἐν</a:t>
+            </a:r>
+            <a:r>
+              <a:rPr lang="el-GR" dirty="0">
+                <a:latin typeface="Microsoft JhengHei" panose="020B0604030504040204" pitchFamily="34" charset="-120"/>
+                <a:ea typeface="Microsoft JhengHei" panose="020B0604030504040204" pitchFamily="34" charset="-120"/>
+              </a:rPr>
+              <a:t> </a:t>
+            </a:r>
+            <a:r>
+              <a:rPr lang="el-GR" dirty="0" err="1">
+                <a:latin typeface="Microsoft JhengHei" panose="020B0604030504040204" pitchFamily="34" charset="-120"/>
+                <a:ea typeface="Microsoft JhengHei" panose="020B0604030504040204" pitchFamily="34" charset="-120"/>
+              </a:rPr>
+              <a:t>οἷς</a:t>
+            </a:r>
+            <a:r>
+              <a:rPr lang="el-GR" dirty="0">
+                <a:latin typeface="Microsoft JhengHei" panose="020B0604030504040204" pitchFamily="34" charset="-120"/>
+                <a:ea typeface="Microsoft JhengHei" panose="020B0604030504040204" pitchFamily="34" charset="-120"/>
+              </a:rPr>
+              <a:t>, </a:t>
+            </a:r>
+            <a:r>
+              <a:rPr lang="el-GR" dirty="0" err="1">
+                <a:latin typeface="Microsoft JhengHei" panose="020B0604030504040204" pitchFamily="34" charset="-120"/>
+                <a:ea typeface="Microsoft JhengHei" panose="020B0604030504040204" pitchFamily="34" charset="-120"/>
+              </a:rPr>
+              <a:t>οὕτω</a:t>
+            </a:r>
+            <a:r>
+              <a:rPr lang="el-GR" dirty="0">
+                <a:latin typeface="Microsoft JhengHei" panose="020B0604030504040204" pitchFamily="34" charset="-120"/>
+                <a:ea typeface="Microsoft JhengHei" panose="020B0604030504040204" pitchFamily="34" charset="-120"/>
+              </a:rPr>
+              <a:t> </a:t>
+            </a:r>
+            <a:r>
+              <a:rPr lang="el-GR" dirty="0" err="1">
+                <a:latin typeface="Microsoft JhengHei" panose="020B0604030504040204" pitchFamily="34" charset="-120"/>
+                <a:ea typeface="Microsoft JhengHei" panose="020B0604030504040204" pitchFamily="34" charset="-120"/>
+              </a:rPr>
+              <a:t>κἀκεῖνα</a:t>
+            </a:r>
+            <a:r>
+              <a:rPr lang="el-GR" dirty="0">
+                <a:latin typeface="Microsoft JhengHei" panose="020B0604030504040204" pitchFamily="34" charset="-120"/>
+                <a:ea typeface="Microsoft JhengHei" panose="020B0604030504040204" pitchFamily="34" charset="-120"/>
+              </a:rPr>
+              <a:t> </a:t>
+            </a:r>
+            <a:r>
+              <a:rPr lang="el-GR" dirty="0" err="1">
+                <a:latin typeface="Microsoft JhengHei" panose="020B0604030504040204" pitchFamily="34" charset="-120"/>
+                <a:ea typeface="Microsoft JhengHei" panose="020B0604030504040204" pitchFamily="34" charset="-120"/>
+              </a:rPr>
+              <a:t>ἔχει</a:t>
+            </a:r>
+            <a:r>
+              <a:rPr lang="el-GR" dirty="0">
+                <a:latin typeface="Microsoft JhengHei" panose="020B0604030504040204" pitchFamily="34" charset="-120"/>
+                <a:ea typeface="Microsoft JhengHei" panose="020B0604030504040204" pitchFamily="34" charset="-120"/>
+              </a:rPr>
+              <a:t>: </a:t>
+            </a:r>
+            <a:r>
+              <a:rPr lang="el-GR" dirty="0" err="1">
+                <a:latin typeface="Microsoft JhengHei" panose="020B0604030504040204" pitchFamily="34" charset="-120"/>
+                <a:ea typeface="Microsoft JhengHei" panose="020B0604030504040204" pitchFamily="34" charset="-120"/>
+              </a:rPr>
+              <a:t>εἰ</a:t>
+            </a:r>
+            <a:r>
+              <a:rPr lang="el-GR" dirty="0">
+                <a:latin typeface="Microsoft JhengHei" panose="020B0604030504040204" pitchFamily="34" charset="-120"/>
+                <a:ea typeface="Microsoft JhengHei" panose="020B0604030504040204" pitchFamily="34" charset="-120"/>
+              </a:rPr>
+              <a:t> </a:t>
+            </a:r>
+            <a:r>
+              <a:rPr lang="el-GR" dirty="0" err="1">
+                <a:latin typeface="Microsoft JhengHei" panose="020B0604030504040204" pitchFamily="34" charset="-120"/>
+                <a:ea typeface="Microsoft JhengHei" panose="020B0604030504040204" pitchFamily="34" charset="-120"/>
+              </a:rPr>
+              <a:t>γὰρ</a:t>
+            </a:r>
+            <a:r>
+              <a:rPr lang="el-GR" dirty="0">
+                <a:latin typeface="Microsoft JhengHei" panose="020B0604030504040204" pitchFamily="34" charset="-120"/>
+                <a:ea typeface="Microsoft JhengHei" panose="020B0604030504040204" pitchFamily="34" charset="-120"/>
+              </a:rPr>
+              <a:t> </a:t>
+            </a:r>
+            <a:r>
+              <a:rPr lang="el-GR" dirty="0" err="1">
+                <a:latin typeface="Microsoft JhengHei" panose="020B0604030504040204" pitchFamily="34" charset="-120"/>
+                <a:ea typeface="Microsoft JhengHei" panose="020B0604030504040204" pitchFamily="34" charset="-120"/>
+              </a:rPr>
+              <a:t>μὴ</a:t>
+            </a:r>
+            <a:r>
+              <a:rPr lang="el-GR" dirty="0">
+                <a:latin typeface="Microsoft JhengHei" panose="020B0604030504040204" pitchFamily="34" charset="-120"/>
+                <a:ea typeface="Microsoft JhengHei" panose="020B0604030504040204" pitchFamily="34" charset="-120"/>
+              </a:rPr>
+              <a:t> </a:t>
+            </a:r>
+            <a:r>
+              <a:rPr lang="el-GR" dirty="0" err="1">
+                <a:latin typeface="Microsoft JhengHei" panose="020B0604030504040204" pitchFamily="34" charset="-120"/>
+                <a:ea typeface="Microsoft JhengHei" panose="020B0604030504040204" pitchFamily="34" charset="-120"/>
+              </a:rPr>
+              <a:t>ἴσοι</a:t>
+            </a:r>
+            <a:r>
+              <a:rPr lang="el-GR" dirty="0">
+                <a:latin typeface="Microsoft JhengHei" panose="020B0604030504040204" pitchFamily="34" charset="-120"/>
+                <a:ea typeface="Microsoft JhengHei" panose="020B0604030504040204" pitchFamily="34" charset="-120"/>
+              </a:rPr>
+              <a:t>, </a:t>
+            </a:r>
+            <a:r>
+              <a:rPr lang="el-GR" dirty="0" err="1">
+                <a:latin typeface="Microsoft JhengHei" panose="020B0604030504040204" pitchFamily="34" charset="-120"/>
+                <a:ea typeface="Microsoft JhengHei" panose="020B0604030504040204" pitchFamily="34" charset="-120"/>
+              </a:rPr>
+              <a:t>οὐκ</a:t>
+            </a:r>
+            <a:r>
+              <a:rPr lang="el-GR" dirty="0">
+                <a:latin typeface="Microsoft JhengHei" panose="020B0604030504040204" pitchFamily="34" charset="-120"/>
+                <a:ea typeface="Microsoft JhengHei" panose="020B0604030504040204" pitchFamily="34" charset="-120"/>
+              </a:rPr>
+              <a:t> </a:t>
+            </a:r>
+            <a:r>
+              <a:rPr lang="el-GR" dirty="0" err="1">
+                <a:latin typeface="Microsoft JhengHei" panose="020B0604030504040204" pitchFamily="34" charset="-120"/>
+                <a:ea typeface="Microsoft JhengHei" panose="020B0604030504040204" pitchFamily="34" charset="-120"/>
+              </a:rPr>
+              <a:t>ἴσα</a:t>
+            </a:r>
+            <a:r>
+              <a:rPr lang="el-GR" dirty="0">
+                <a:latin typeface="Microsoft JhengHei" panose="020B0604030504040204" pitchFamily="34" charset="-120"/>
+                <a:ea typeface="Microsoft JhengHei" panose="020B0604030504040204" pitchFamily="34" charset="-120"/>
+              </a:rPr>
+              <a:t> </a:t>
+            </a:r>
+            <a:r>
+              <a:rPr lang="el-GR" dirty="0" err="1">
+                <a:latin typeface="Microsoft JhengHei" panose="020B0604030504040204" pitchFamily="34" charset="-120"/>
+                <a:ea typeface="Microsoft JhengHei" panose="020B0604030504040204" pitchFamily="34" charset="-120"/>
+              </a:rPr>
+              <a:t>ἕξουσιν</a:t>
+            </a:r>
+            <a:r>
+              <a:rPr lang="el-GR" dirty="0">
+                <a:latin typeface="Microsoft JhengHei" panose="020B0604030504040204" pitchFamily="34" charset="-120"/>
+                <a:ea typeface="Microsoft JhengHei" panose="020B0604030504040204" pitchFamily="34" charset="-120"/>
+              </a:rPr>
+              <a:t>, </a:t>
+            </a:r>
+            <a:r>
+              <a:rPr lang="el-GR" dirty="0" err="1">
+                <a:latin typeface="Microsoft JhengHei" panose="020B0604030504040204" pitchFamily="34" charset="-120"/>
+                <a:ea typeface="Microsoft JhengHei" panose="020B0604030504040204" pitchFamily="34" charset="-120"/>
+              </a:rPr>
+              <a:t>ἀλλ</a:t>
+            </a:r>
+            <a:r>
+              <a:rPr lang="el-GR" dirty="0">
+                <a:latin typeface="Microsoft JhengHei" panose="020B0604030504040204" pitchFamily="34" charset="-120"/>
+                <a:ea typeface="Microsoft JhengHei" panose="020B0604030504040204" pitchFamily="34" charset="-120"/>
+              </a:rPr>
+              <a:t>᾽ </a:t>
+            </a:r>
+            <a:r>
+              <a:rPr lang="el-GR" dirty="0" err="1">
+                <a:latin typeface="Microsoft JhengHei" panose="020B0604030504040204" pitchFamily="34" charset="-120"/>
+                <a:ea typeface="Microsoft JhengHei" panose="020B0604030504040204" pitchFamily="34" charset="-120"/>
+              </a:rPr>
+              <a:t>ἐντεῦθεν</a:t>
+            </a:r>
+            <a:r>
+              <a:rPr lang="el-GR" dirty="0">
+                <a:latin typeface="Microsoft JhengHei" panose="020B0604030504040204" pitchFamily="34" charset="-120"/>
+                <a:ea typeface="Microsoft JhengHei" panose="020B0604030504040204" pitchFamily="34" charset="-120"/>
+              </a:rPr>
+              <a:t> </a:t>
+            </a:r>
+            <a:r>
+              <a:rPr lang="el-GR" dirty="0" err="1">
+                <a:latin typeface="Microsoft JhengHei" panose="020B0604030504040204" pitchFamily="34" charset="-120"/>
+                <a:ea typeface="Microsoft JhengHei" panose="020B0604030504040204" pitchFamily="34" charset="-120"/>
+              </a:rPr>
+              <a:t>αἱ</a:t>
+            </a:r>
+            <a:r>
+              <a:rPr lang="el-GR" dirty="0">
+                <a:latin typeface="Microsoft JhengHei" panose="020B0604030504040204" pitchFamily="34" charset="-120"/>
+                <a:ea typeface="Microsoft JhengHei" panose="020B0604030504040204" pitchFamily="34" charset="-120"/>
+              </a:rPr>
+              <a:t> </a:t>
+            </a:r>
+            <a:r>
+              <a:rPr lang="el-GR" dirty="0" err="1">
+                <a:latin typeface="Microsoft JhengHei" panose="020B0604030504040204" pitchFamily="34" charset="-120"/>
+                <a:ea typeface="Microsoft JhengHei" panose="020B0604030504040204" pitchFamily="34" charset="-120"/>
+              </a:rPr>
+              <a:t>μάχαι</a:t>
+            </a:r>
+            <a:r>
+              <a:rPr lang="el-GR" dirty="0">
+                <a:latin typeface="Microsoft JhengHei" panose="020B0604030504040204" pitchFamily="34" charset="-120"/>
+                <a:ea typeface="Microsoft JhengHei" panose="020B0604030504040204" pitchFamily="34" charset="-120"/>
+              </a:rPr>
+              <a:t> </a:t>
+            </a:r>
+            <a:r>
+              <a:rPr lang="el-GR" dirty="0" err="1">
+                <a:latin typeface="Microsoft JhengHei" panose="020B0604030504040204" pitchFamily="34" charset="-120"/>
+                <a:ea typeface="Microsoft JhengHei" panose="020B0604030504040204" pitchFamily="34" charset="-120"/>
+              </a:rPr>
+              <a:t>καὶ</a:t>
+            </a:r>
+            <a:r>
+              <a:rPr lang="el-GR" dirty="0">
+                <a:latin typeface="Microsoft JhengHei" panose="020B0604030504040204" pitchFamily="34" charset="-120"/>
+                <a:ea typeface="Microsoft JhengHei" panose="020B0604030504040204" pitchFamily="34" charset="-120"/>
+              </a:rPr>
+              <a:t> </a:t>
+            </a:r>
+            <a:r>
+              <a:rPr lang="el-GR" dirty="0" err="1">
+                <a:latin typeface="Microsoft JhengHei" panose="020B0604030504040204" pitchFamily="34" charset="-120"/>
+                <a:ea typeface="Microsoft JhengHei" panose="020B0604030504040204" pitchFamily="34" charset="-120"/>
+              </a:rPr>
+              <a:t>τὰ</a:t>
+            </a:r>
+            <a:r>
+              <a:rPr lang="el-GR" dirty="0">
+                <a:latin typeface="Microsoft JhengHei" panose="020B0604030504040204" pitchFamily="34" charset="-120"/>
+                <a:ea typeface="Microsoft JhengHei" panose="020B0604030504040204" pitchFamily="34" charset="-120"/>
+              </a:rPr>
+              <a:t> </a:t>
+            </a:r>
+            <a:r>
+              <a:rPr lang="el-GR" dirty="0" err="1">
+                <a:latin typeface="Microsoft JhengHei" panose="020B0604030504040204" pitchFamily="34" charset="-120"/>
+                <a:ea typeface="Microsoft JhengHei" panose="020B0604030504040204" pitchFamily="34" charset="-120"/>
+              </a:rPr>
+              <a:t>ἐγκλήματα</a:t>
+            </a:r>
+            <a:r>
+              <a:rPr lang="el-GR" dirty="0">
+                <a:latin typeface="Microsoft JhengHei" panose="020B0604030504040204" pitchFamily="34" charset="-120"/>
+                <a:ea typeface="Microsoft JhengHei" panose="020B0604030504040204" pitchFamily="34" charset="-120"/>
+              </a:rPr>
+              <a:t>, </a:t>
+            </a:r>
+            <a:r>
+              <a:rPr lang="el-GR" dirty="0" err="1">
+                <a:latin typeface="Microsoft JhengHei" panose="020B0604030504040204" pitchFamily="34" charset="-120"/>
+                <a:ea typeface="Microsoft JhengHei" panose="020B0604030504040204" pitchFamily="34" charset="-120"/>
+              </a:rPr>
+              <a:t>ὅταν</a:t>
+            </a:r>
+            <a:r>
+              <a:rPr lang="el-GR" dirty="0">
+                <a:latin typeface="Microsoft JhengHei" panose="020B0604030504040204" pitchFamily="34" charset="-120"/>
+                <a:ea typeface="Microsoft JhengHei" panose="020B0604030504040204" pitchFamily="34" charset="-120"/>
+              </a:rPr>
+              <a:t> ἢ </a:t>
+            </a:r>
+            <a:r>
+              <a:rPr lang="el-GR" dirty="0" err="1">
+                <a:latin typeface="Microsoft JhengHei" panose="020B0604030504040204" pitchFamily="34" charset="-120"/>
+                <a:ea typeface="Microsoft JhengHei" panose="020B0604030504040204" pitchFamily="34" charset="-120"/>
+              </a:rPr>
+              <a:t>μὴ</a:t>
+            </a:r>
+            <a:r>
+              <a:rPr lang="el-GR" dirty="0">
+                <a:latin typeface="Microsoft JhengHei" panose="020B0604030504040204" pitchFamily="34" charset="-120"/>
+                <a:ea typeface="Microsoft JhengHei" panose="020B0604030504040204" pitchFamily="34" charset="-120"/>
+              </a:rPr>
+              <a:t> </a:t>
+            </a:r>
+            <a:r>
+              <a:rPr lang="el-GR" dirty="0" err="1">
+                <a:latin typeface="Microsoft JhengHei" panose="020B0604030504040204" pitchFamily="34" charset="-120"/>
+                <a:ea typeface="Microsoft JhengHei" panose="020B0604030504040204" pitchFamily="34" charset="-120"/>
+              </a:rPr>
+              <a:t>ἴσα</a:t>
+            </a:r>
+            <a:r>
+              <a:rPr lang="el-GR" dirty="0">
+                <a:latin typeface="Microsoft JhengHei" panose="020B0604030504040204" pitchFamily="34" charset="-120"/>
+                <a:ea typeface="Microsoft JhengHei" panose="020B0604030504040204" pitchFamily="34" charset="-120"/>
+              </a:rPr>
+              <a:t> </a:t>
+            </a:r>
+            <a:r>
+              <a:rPr lang="el-GR" dirty="0" err="1">
+                <a:latin typeface="Microsoft JhengHei" panose="020B0604030504040204" pitchFamily="34" charset="-120"/>
+                <a:ea typeface="Microsoft JhengHei" panose="020B0604030504040204" pitchFamily="34" charset="-120"/>
+              </a:rPr>
+              <a:t>ἴσοι</a:t>
+            </a:r>
+            <a:r>
+              <a:rPr lang="el-GR" dirty="0">
+                <a:latin typeface="Microsoft JhengHei" panose="020B0604030504040204" pitchFamily="34" charset="-120"/>
+                <a:ea typeface="Microsoft JhengHei" panose="020B0604030504040204" pitchFamily="34" charset="-120"/>
+              </a:rPr>
+              <a:t> ἢ </a:t>
+            </a:r>
+            <a:r>
+              <a:rPr lang="el-GR" dirty="0" err="1">
+                <a:latin typeface="Microsoft JhengHei" panose="020B0604030504040204" pitchFamily="34" charset="-120"/>
+                <a:ea typeface="Microsoft JhengHei" panose="020B0604030504040204" pitchFamily="34" charset="-120"/>
+              </a:rPr>
+              <a:t>μὴ</a:t>
+            </a:r>
+            <a:r>
+              <a:rPr lang="el-GR" dirty="0">
+                <a:latin typeface="Microsoft JhengHei" panose="020B0604030504040204" pitchFamily="34" charset="-120"/>
+                <a:ea typeface="Microsoft JhengHei" panose="020B0604030504040204" pitchFamily="34" charset="-120"/>
+              </a:rPr>
+              <a:t> </a:t>
+            </a:r>
+            <a:r>
+              <a:rPr lang="el-GR" dirty="0" err="1">
+                <a:latin typeface="Microsoft JhengHei" panose="020B0604030504040204" pitchFamily="34" charset="-120"/>
+                <a:ea typeface="Microsoft JhengHei" panose="020B0604030504040204" pitchFamily="34" charset="-120"/>
+              </a:rPr>
+              <a:t>ἴσοι</a:t>
+            </a:r>
+            <a:r>
+              <a:rPr lang="el-GR" dirty="0">
+                <a:latin typeface="Microsoft JhengHei" panose="020B0604030504040204" pitchFamily="34" charset="-120"/>
+                <a:ea typeface="Microsoft JhengHei" panose="020B0604030504040204" pitchFamily="34" charset="-120"/>
+              </a:rPr>
+              <a:t> </a:t>
+            </a:r>
+            <a:r>
+              <a:rPr lang="el-GR" dirty="0" err="1">
+                <a:latin typeface="Microsoft JhengHei" panose="020B0604030504040204" pitchFamily="34" charset="-120"/>
+                <a:ea typeface="Microsoft JhengHei" panose="020B0604030504040204" pitchFamily="34" charset="-120"/>
+              </a:rPr>
+              <a:t>ἴσα</a:t>
+            </a:r>
+            <a:r>
+              <a:rPr lang="el-GR" dirty="0">
+                <a:latin typeface="Microsoft JhengHei" panose="020B0604030504040204" pitchFamily="34" charset="-120"/>
+                <a:ea typeface="Microsoft JhengHei" panose="020B0604030504040204" pitchFamily="34" charset="-120"/>
+              </a:rPr>
+              <a:t> </a:t>
+            </a:r>
+            <a:r>
+              <a:rPr lang="el-GR" dirty="0" err="1">
+                <a:latin typeface="Microsoft JhengHei" panose="020B0604030504040204" pitchFamily="34" charset="-120"/>
+                <a:ea typeface="Microsoft JhengHei" panose="020B0604030504040204" pitchFamily="34" charset="-120"/>
+              </a:rPr>
+              <a:t>ἔχωσι</a:t>
+            </a:r>
+            <a:r>
+              <a:rPr lang="el-GR" dirty="0">
+                <a:latin typeface="Microsoft JhengHei" panose="020B0604030504040204" pitchFamily="34" charset="-120"/>
+                <a:ea typeface="Microsoft JhengHei" panose="020B0604030504040204" pitchFamily="34" charset="-120"/>
+              </a:rPr>
+              <a:t> </a:t>
+            </a:r>
+            <a:r>
+              <a:rPr lang="el-GR" dirty="0" err="1">
+                <a:latin typeface="Microsoft JhengHei" panose="020B0604030504040204" pitchFamily="34" charset="-120"/>
+                <a:ea typeface="Microsoft JhengHei" panose="020B0604030504040204" pitchFamily="34" charset="-120"/>
+              </a:rPr>
+              <a:t>καὶ</a:t>
+            </a:r>
+            <a:r>
+              <a:rPr lang="el-GR" dirty="0">
+                <a:latin typeface="Microsoft JhengHei" panose="020B0604030504040204" pitchFamily="34" charset="-120"/>
+                <a:ea typeface="Microsoft JhengHei" panose="020B0604030504040204" pitchFamily="34" charset="-120"/>
+              </a:rPr>
+              <a:t> </a:t>
+            </a:r>
+            <a:r>
+              <a:rPr lang="el-GR" dirty="0" err="1">
+                <a:latin typeface="Microsoft JhengHei" panose="020B0604030504040204" pitchFamily="34" charset="-120"/>
+                <a:ea typeface="Microsoft JhengHei" panose="020B0604030504040204" pitchFamily="34" charset="-120"/>
+              </a:rPr>
+              <a:t>νέμωνται</a:t>
+            </a:r>
+            <a:r>
+              <a:rPr lang="el-GR" dirty="0">
+                <a:latin typeface="Microsoft JhengHei" panose="020B0604030504040204" pitchFamily="34" charset="-120"/>
+                <a:ea typeface="Microsoft JhengHei" panose="020B0604030504040204" pitchFamily="34" charset="-120"/>
+              </a:rPr>
+              <a:t>. </a:t>
+            </a:r>
+            <a:r>
+              <a:rPr lang="el-GR" dirty="0" err="1">
+                <a:latin typeface="Microsoft JhengHei" panose="020B0604030504040204" pitchFamily="34" charset="-120"/>
+                <a:ea typeface="Microsoft JhengHei" panose="020B0604030504040204" pitchFamily="34" charset="-120"/>
+              </a:rPr>
+              <a:t>ἔτι</a:t>
+            </a:r>
+            <a:r>
+              <a:rPr lang="el-GR" dirty="0">
+                <a:latin typeface="Microsoft JhengHei" panose="020B0604030504040204" pitchFamily="34" charset="-120"/>
+                <a:ea typeface="Microsoft JhengHei" panose="020B0604030504040204" pitchFamily="34" charset="-120"/>
+              </a:rPr>
+              <a:t> </a:t>
+            </a:r>
+            <a:r>
+              <a:rPr lang="el-GR" dirty="0" err="1">
+                <a:latin typeface="Microsoft JhengHei" panose="020B0604030504040204" pitchFamily="34" charset="-120"/>
+                <a:ea typeface="Microsoft JhengHei" panose="020B0604030504040204" pitchFamily="34" charset="-120"/>
+              </a:rPr>
+              <a:t>ἐκ</a:t>
+            </a:r>
+            <a:r>
+              <a:rPr lang="el-GR" dirty="0">
+                <a:latin typeface="Microsoft JhengHei" panose="020B0604030504040204" pitchFamily="34" charset="-120"/>
+                <a:ea typeface="Microsoft JhengHei" panose="020B0604030504040204" pitchFamily="34" charset="-120"/>
+              </a:rPr>
+              <a:t> </a:t>
+            </a:r>
+            <a:r>
+              <a:rPr lang="el-GR" dirty="0" err="1">
+                <a:latin typeface="Microsoft JhengHei" panose="020B0604030504040204" pitchFamily="34" charset="-120"/>
+                <a:ea typeface="Microsoft JhengHei" panose="020B0604030504040204" pitchFamily="34" charset="-120"/>
+              </a:rPr>
+              <a:t>τοῦ</a:t>
+            </a:r>
+            <a:r>
+              <a:rPr lang="el-GR" dirty="0">
+                <a:latin typeface="Microsoft JhengHei" panose="020B0604030504040204" pitchFamily="34" charset="-120"/>
+                <a:ea typeface="Microsoft JhengHei" panose="020B0604030504040204" pitchFamily="34" charset="-120"/>
+              </a:rPr>
+              <a:t> </a:t>
+            </a:r>
+            <a:r>
+              <a:rPr lang="el-GR" dirty="0" err="1">
+                <a:latin typeface="Microsoft JhengHei" panose="020B0604030504040204" pitchFamily="34" charset="-120"/>
+                <a:ea typeface="Microsoft JhengHei" panose="020B0604030504040204" pitchFamily="34" charset="-120"/>
+              </a:rPr>
+              <a:t>κατ</a:t>
+            </a:r>
+            <a:r>
+              <a:rPr lang="el-GR" dirty="0">
+                <a:latin typeface="Microsoft JhengHei" panose="020B0604030504040204" pitchFamily="34" charset="-120"/>
+                <a:ea typeface="Microsoft JhengHei" panose="020B0604030504040204" pitchFamily="34" charset="-120"/>
+              </a:rPr>
+              <a:t>᾽ </a:t>
+            </a:r>
+            <a:r>
+              <a:rPr lang="el-GR" dirty="0" err="1">
+                <a:latin typeface="Microsoft JhengHei" panose="020B0604030504040204" pitchFamily="34" charset="-120"/>
+                <a:ea typeface="Microsoft JhengHei" panose="020B0604030504040204" pitchFamily="34" charset="-120"/>
+              </a:rPr>
+              <a:t>ἀξίαν</a:t>
+            </a:r>
+            <a:r>
+              <a:rPr lang="el-GR" dirty="0">
+                <a:latin typeface="Microsoft JhengHei" panose="020B0604030504040204" pitchFamily="34" charset="-120"/>
+                <a:ea typeface="Microsoft JhengHei" panose="020B0604030504040204" pitchFamily="34" charset="-120"/>
+              </a:rPr>
+              <a:t> </a:t>
+            </a:r>
+            <a:r>
+              <a:rPr lang="el-GR" dirty="0" err="1">
+                <a:latin typeface="Microsoft JhengHei" panose="020B0604030504040204" pitchFamily="34" charset="-120"/>
+                <a:ea typeface="Microsoft JhengHei" panose="020B0604030504040204" pitchFamily="34" charset="-120"/>
+              </a:rPr>
+              <a:t>τοῦτο</a:t>
+            </a:r>
+            <a:r>
+              <a:rPr lang="el-GR" dirty="0">
+                <a:latin typeface="Microsoft JhengHei" panose="020B0604030504040204" pitchFamily="34" charset="-120"/>
+                <a:ea typeface="Microsoft JhengHei" panose="020B0604030504040204" pitchFamily="34" charset="-120"/>
+              </a:rPr>
+              <a:t> </a:t>
+            </a:r>
+            <a:r>
+              <a:rPr lang="el-GR" dirty="0" err="1">
+                <a:latin typeface="Microsoft JhengHei" panose="020B0604030504040204" pitchFamily="34" charset="-120"/>
+                <a:ea typeface="Microsoft JhengHei" panose="020B0604030504040204" pitchFamily="34" charset="-120"/>
+              </a:rPr>
+              <a:t>δῆλον</a:t>
+            </a:r>
+            <a:r>
+              <a:rPr lang="el-GR" dirty="0">
+                <a:latin typeface="Microsoft JhengHei" panose="020B0604030504040204" pitchFamily="34" charset="-120"/>
+                <a:ea typeface="Microsoft JhengHei" panose="020B0604030504040204" pitchFamily="34" charset="-120"/>
+              </a:rPr>
+              <a:t>: </a:t>
+            </a:r>
+            <a:r>
+              <a:rPr lang="el-GR" dirty="0" err="1">
+                <a:latin typeface="Microsoft JhengHei" panose="020B0604030504040204" pitchFamily="34" charset="-120"/>
+                <a:ea typeface="Microsoft JhengHei" panose="020B0604030504040204" pitchFamily="34" charset="-120"/>
+              </a:rPr>
+              <a:t>τὸ</a:t>
+            </a:r>
+            <a:r>
+              <a:rPr lang="el-GR" dirty="0">
+                <a:latin typeface="Microsoft JhengHei" panose="020B0604030504040204" pitchFamily="34" charset="-120"/>
+                <a:ea typeface="Microsoft JhengHei" panose="020B0604030504040204" pitchFamily="34" charset="-120"/>
+              </a:rPr>
+              <a:t> </a:t>
+            </a:r>
+            <a:r>
+              <a:rPr lang="el-GR" dirty="0" err="1">
+                <a:latin typeface="Microsoft JhengHei" panose="020B0604030504040204" pitchFamily="34" charset="-120"/>
+                <a:ea typeface="Microsoft JhengHei" panose="020B0604030504040204" pitchFamily="34" charset="-120"/>
+              </a:rPr>
+              <a:t>γὰρ</a:t>
+            </a:r>
+            <a:r>
+              <a:rPr lang="el-GR" dirty="0">
+                <a:latin typeface="Microsoft JhengHei" panose="020B0604030504040204" pitchFamily="34" charset="-120"/>
+                <a:ea typeface="Microsoft JhengHei" panose="020B0604030504040204" pitchFamily="34" charset="-120"/>
+              </a:rPr>
+              <a:t> δίκαιον </a:t>
+            </a:r>
+            <a:r>
+              <a:rPr lang="el-GR" dirty="0" err="1">
+                <a:latin typeface="Microsoft JhengHei" panose="020B0604030504040204" pitchFamily="34" charset="-120"/>
+                <a:ea typeface="Microsoft JhengHei" panose="020B0604030504040204" pitchFamily="34" charset="-120"/>
+              </a:rPr>
+              <a:t>ἐν</a:t>
+            </a:r>
+            <a:r>
+              <a:rPr lang="el-GR" dirty="0">
+                <a:latin typeface="Microsoft JhengHei" panose="020B0604030504040204" pitchFamily="34" charset="-120"/>
+                <a:ea typeface="Microsoft JhengHei" panose="020B0604030504040204" pitchFamily="34" charset="-120"/>
+              </a:rPr>
+              <a:t> </a:t>
+            </a:r>
+            <a:r>
+              <a:rPr lang="el-GR" dirty="0" err="1">
+                <a:latin typeface="Microsoft JhengHei" panose="020B0604030504040204" pitchFamily="34" charset="-120"/>
+                <a:ea typeface="Microsoft JhengHei" panose="020B0604030504040204" pitchFamily="34" charset="-120"/>
+              </a:rPr>
+              <a:t>ταῖς</a:t>
+            </a:r>
+            <a:r>
+              <a:rPr lang="el-GR" dirty="0">
+                <a:latin typeface="Microsoft JhengHei" panose="020B0604030504040204" pitchFamily="34" charset="-120"/>
+                <a:ea typeface="Microsoft JhengHei" panose="020B0604030504040204" pitchFamily="34" charset="-120"/>
+              </a:rPr>
+              <a:t> </a:t>
+            </a:r>
+            <a:r>
+              <a:rPr lang="el-GR" dirty="0" err="1">
+                <a:latin typeface="Microsoft JhengHei" panose="020B0604030504040204" pitchFamily="34" charset="-120"/>
+                <a:ea typeface="Microsoft JhengHei" panose="020B0604030504040204" pitchFamily="34" charset="-120"/>
+              </a:rPr>
+              <a:t>νομαῖς</a:t>
+            </a:r>
+            <a:r>
+              <a:rPr lang="el-GR" dirty="0">
+                <a:latin typeface="Microsoft JhengHei" panose="020B0604030504040204" pitchFamily="34" charset="-120"/>
+                <a:ea typeface="Microsoft JhengHei" panose="020B0604030504040204" pitchFamily="34" charset="-120"/>
+              </a:rPr>
+              <a:t> </a:t>
+            </a:r>
+            <a:r>
+              <a:rPr lang="el-GR" dirty="0" err="1">
+                <a:latin typeface="Microsoft JhengHei" panose="020B0604030504040204" pitchFamily="34" charset="-120"/>
+                <a:ea typeface="Microsoft JhengHei" panose="020B0604030504040204" pitchFamily="34" charset="-120"/>
+              </a:rPr>
+              <a:t>ὁμολογοῦσι</a:t>
+            </a:r>
+            <a:r>
+              <a:rPr lang="el-GR" dirty="0">
+                <a:latin typeface="Microsoft JhengHei" panose="020B0604030504040204" pitchFamily="34" charset="-120"/>
+                <a:ea typeface="Microsoft JhengHei" panose="020B0604030504040204" pitchFamily="34" charset="-120"/>
+              </a:rPr>
+              <a:t> πάντες </a:t>
+            </a:r>
+            <a:r>
+              <a:rPr lang="el-GR" dirty="0" err="1">
+                <a:latin typeface="Microsoft JhengHei" panose="020B0604030504040204" pitchFamily="34" charset="-120"/>
+                <a:ea typeface="Microsoft JhengHei" panose="020B0604030504040204" pitchFamily="34" charset="-120"/>
+              </a:rPr>
+              <a:t>κατ</a:t>
+            </a:r>
+            <a:r>
+              <a:rPr lang="el-GR" dirty="0">
+                <a:latin typeface="Microsoft JhengHei" panose="020B0604030504040204" pitchFamily="34" charset="-120"/>
+                <a:ea typeface="Microsoft JhengHei" panose="020B0604030504040204" pitchFamily="34" charset="-120"/>
+              </a:rPr>
+              <a:t>᾽ </a:t>
+            </a:r>
+            <a:r>
+              <a:rPr lang="el-GR" dirty="0" err="1">
+                <a:latin typeface="Microsoft JhengHei" panose="020B0604030504040204" pitchFamily="34" charset="-120"/>
+                <a:ea typeface="Microsoft JhengHei" panose="020B0604030504040204" pitchFamily="34" charset="-120"/>
+              </a:rPr>
+              <a:t>ἀξίαν</a:t>
+            </a:r>
+            <a:r>
+              <a:rPr lang="el-GR" dirty="0">
+                <a:latin typeface="Microsoft JhengHei" panose="020B0604030504040204" pitchFamily="34" charset="-120"/>
+                <a:ea typeface="Microsoft JhengHei" panose="020B0604030504040204" pitchFamily="34" charset="-120"/>
+              </a:rPr>
+              <a:t> </a:t>
+            </a:r>
+            <a:r>
+              <a:rPr lang="el-GR" dirty="0" err="1">
+                <a:latin typeface="Microsoft JhengHei" panose="020B0604030504040204" pitchFamily="34" charset="-120"/>
+                <a:ea typeface="Microsoft JhengHei" panose="020B0604030504040204" pitchFamily="34" charset="-120"/>
+              </a:rPr>
+              <a:t>τινὰ</a:t>
+            </a:r>
+            <a:r>
+              <a:rPr lang="el-GR" dirty="0">
+                <a:latin typeface="Microsoft JhengHei" panose="020B0604030504040204" pitchFamily="34" charset="-120"/>
+                <a:ea typeface="Microsoft JhengHei" panose="020B0604030504040204" pitchFamily="34" charset="-120"/>
+              </a:rPr>
+              <a:t> </a:t>
+            </a:r>
+            <a:r>
+              <a:rPr lang="el-GR" dirty="0" err="1">
+                <a:latin typeface="Microsoft JhengHei" panose="020B0604030504040204" pitchFamily="34" charset="-120"/>
+                <a:ea typeface="Microsoft JhengHei" panose="020B0604030504040204" pitchFamily="34" charset="-120"/>
+              </a:rPr>
+              <a:t>δεῖν</a:t>
+            </a:r>
+            <a:r>
+              <a:rPr lang="el-GR" dirty="0">
+                <a:latin typeface="Microsoft JhengHei" panose="020B0604030504040204" pitchFamily="34" charset="-120"/>
+                <a:ea typeface="Microsoft JhengHei" panose="020B0604030504040204" pitchFamily="34" charset="-120"/>
+              </a:rPr>
+              <a:t> </a:t>
+            </a:r>
+            <a:r>
+              <a:rPr lang="el-GR" dirty="0" err="1">
+                <a:latin typeface="Microsoft JhengHei" panose="020B0604030504040204" pitchFamily="34" charset="-120"/>
+                <a:ea typeface="Microsoft JhengHei" panose="020B0604030504040204" pitchFamily="34" charset="-120"/>
+              </a:rPr>
+              <a:t>εἶναι</a:t>
+            </a:r>
+            <a:r>
+              <a:rPr lang="el-GR" dirty="0">
+                <a:latin typeface="Microsoft JhengHei" panose="020B0604030504040204" pitchFamily="34" charset="-120"/>
+                <a:ea typeface="Microsoft JhengHei" panose="020B0604030504040204" pitchFamily="34" charset="-120"/>
+              </a:rPr>
+              <a:t>, </a:t>
+            </a:r>
+            <a:r>
+              <a:rPr lang="el-GR" dirty="0" err="1">
+                <a:latin typeface="Microsoft JhengHei" panose="020B0604030504040204" pitchFamily="34" charset="-120"/>
+                <a:ea typeface="Microsoft JhengHei" panose="020B0604030504040204" pitchFamily="34" charset="-120"/>
+              </a:rPr>
+              <a:t>τὴν</a:t>
+            </a:r>
+            <a:r>
+              <a:rPr lang="el-GR" dirty="0">
+                <a:latin typeface="Microsoft JhengHei" panose="020B0604030504040204" pitchFamily="34" charset="-120"/>
+                <a:ea typeface="Microsoft JhengHei" panose="020B0604030504040204" pitchFamily="34" charset="-120"/>
+              </a:rPr>
+              <a:t> </a:t>
+            </a:r>
+            <a:r>
+              <a:rPr lang="el-GR" dirty="0" err="1">
+                <a:latin typeface="Microsoft JhengHei" panose="020B0604030504040204" pitchFamily="34" charset="-120"/>
+                <a:ea typeface="Microsoft JhengHei" panose="020B0604030504040204" pitchFamily="34" charset="-120"/>
+              </a:rPr>
+              <a:t>μέντοι</a:t>
+            </a:r>
+            <a:r>
+              <a:rPr lang="el-GR" dirty="0">
+                <a:latin typeface="Microsoft JhengHei" panose="020B0604030504040204" pitchFamily="34" charset="-120"/>
+                <a:ea typeface="Microsoft JhengHei" panose="020B0604030504040204" pitchFamily="34" charset="-120"/>
+              </a:rPr>
+              <a:t> </a:t>
+            </a:r>
+            <a:r>
+              <a:rPr lang="el-GR" dirty="0" err="1">
+                <a:latin typeface="Microsoft JhengHei" panose="020B0604030504040204" pitchFamily="34" charset="-120"/>
+                <a:ea typeface="Microsoft JhengHei" panose="020B0604030504040204" pitchFamily="34" charset="-120"/>
+              </a:rPr>
+              <a:t>ἀξίαν</a:t>
+            </a:r>
+            <a:r>
+              <a:rPr lang="el-GR" dirty="0">
+                <a:latin typeface="Microsoft JhengHei" panose="020B0604030504040204" pitchFamily="34" charset="-120"/>
+                <a:ea typeface="Microsoft JhengHei" panose="020B0604030504040204" pitchFamily="34" charset="-120"/>
+              </a:rPr>
+              <a:t> </a:t>
+            </a:r>
+            <a:r>
+              <a:rPr lang="el-GR" dirty="0" err="1">
+                <a:latin typeface="Microsoft JhengHei" panose="020B0604030504040204" pitchFamily="34" charset="-120"/>
+                <a:ea typeface="Microsoft JhengHei" panose="020B0604030504040204" pitchFamily="34" charset="-120"/>
+              </a:rPr>
+              <a:t>οὐ</a:t>
+            </a:r>
+            <a:r>
+              <a:rPr lang="el-GR" dirty="0">
+                <a:latin typeface="Microsoft JhengHei" panose="020B0604030504040204" pitchFamily="34" charset="-120"/>
+                <a:ea typeface="Microsoft JhengHei" panose="020B0604030504040204" pitchFamily="34" charset="-120"/>
+              </a:rPr>
+              <a:t> </a:t>
+            </a:r>
+            <a:r>
+              <a:rPr lang="el-GR" dirty="0" err="1">
+                <a:latin typeface="Microsoft JhengHei" panose="020B0604030504040204" pitchFamily="34" charset="-120"/>
+                <a:ea typeface="Microsoft JhengHei" panose="020B0604030504040204" pitchFamily="34" charset="-120"/>
+              </a:rPr>
+              <a:t>τὴν</a:t>
+            </a:r>
+            <a:r>
+              <a:rPr lang="el-GR" dirty="0">
+                <a:latin typeface="Microsoft JhengHei" panose="020B0604030504040204" pitchFamily="34" charset="-120"/>
+                <a:ea typeface="Microsoft JhengHei" panose="020B0604030504040204" pitchFamily="34" charset="-120"/>
+              </a:rPr>
+              <a:t> </a:t>
+            </a:r>
+            <a:r>
+              <a:rPr lang="el-GR" dirty="0" err="1">
+                <a:latin typeface="Microsoft JhengHei" panose="020B0604030504040204" pitchFamily="34" charset="-120"/>
+                <a:ea typeface="Microsoft JhengHei" panose="020B0604030504040204" pitchFamily="34" charset="-120"/>
+              </a:rPr>
+              <a:t>αὐτὴν</a:t>
+            </a:r>
+            <a:r>
+              <a:rPr lang="el-GR" dirty="0">
+                <a:latin typeface="Microsoft JhengHei" panose="020B0604030504040204" pitchFamily="34" charset="-120"/>
+                <a:ea typeface="Microsoft JhengHei" panose="020B0604030504040204" pitchFamily="34" charset="-120"/>
+              </a:rPr>
+              <a:t> </a:t>
+            </a:r>
+            <a:r>
+              <a:rPr lang="el-GR" dirty="0" err="1">
+                <a:latin typeface="Microsoft JhengHei" panose="020B0604030504040204" pitchFamily="34" charset="-120"/>
+                <a:ea typeface="Microsoft JhengHei" panose="020B0604030504040204" pitchFamily="34" charset="-120"/>
+              </a:rPr>
+              <a:t>λέγουσι</a:t>
+            </a:r>
+            <a:r>
+              <a:rPr lang="el-GR" dirty="0">
+                <a:latin typeface="Microsoft JhengHei" panose="020B0604030504040204" pitchFamily="34" charset="-120"/>
+                <a:ea typeface="Microsoft JhengHei" panose="020B0604030504040204" pitchFamily="34" charset="-120"/>
+              </a:rPr>
+              <a:t> πάντες </a:t>
+            </a:r>
+            <a:r>
+              <a:rPr lang="el-GR" dirty="0" err="1">
+                <a:latin typeface="Microsoft JhengHei" panose="020B0604030504040204" pitchFamily="34" charset="-120"/>
+                <a:ea typeface="Microsoft JhengHei" panose="020B0604030504040204" pitchFamily="34" charset="-120"/>
+              </a:rPr>
+              <a:t>ὑπάρχειν</a:t>
+            </a:r>
+            <a:r>
+              <a:rPr lang="el-GR" dirty="0">
+                <a:latin typeface="Microsoft JhengHei" panose="020B0604030504040204" pitchFamily="34" charset="-120"/>
+                <a:ea typeface="Microsoft JhengHei" panose="020B0604030504040204" pitchFamily="34" charset="-120"/>
+              </a:rPr>
+              <a:t>, </a:t>
+            </a:r>
+            <a:r>
+              <a:rPr lang="el-GR" dirty="0" err="1">
+                <a:latin typeface="Microsoft JhengHei" panose="020B0604030504040204" pitchFamily="34" charset="-120"/>
+                <a:ea typeface="Microsoft JhengHei" panose="020B0604030504040204" pitchFamily="34" charset="-120"/>
+              </a:rPr>
+              <a:t>ἀλλ</a:t>
+            </a:r>
+            <a:r>
+              <a:rPr lang="el-GR" dirty="0">
+                <a:latin typeface="Microsoft JhengHei" panose="020B0604030504040204" pitchFamily="34" charset="-120"/>
+                <a:ea typeface="Microsoft JhengHei" panose="020B0604030504040204" pitchFamily="34" charset="-120"/>
+              </a:rPr>
+              <a:t>᾽ </a:t>
+            </a:r>
+            <a:r>
+              <a:rPr lang="el-GR" dirty="0" err="1">
+                <a:latin typeface="Microsoft JhengHei" panose="020B0604030504040204" pitchFamily="34" charset="-120"/>
+                <a:ea typeface="Microsoft JhengHei" panose="020B0604030504040204" pitchFamily="34" charset="-120"/>
+              </a:rPr>
+              <a:t>οἱ</a:t>
+            </a:r>
+            <a:r>
+              <a:rPr lang="el-GR" dirty="0">
+                <a:latin typeface="Microsoft JhengHei" panose="020B0604030504040204" pitchFamily="34" charset="-120"/>
+                <a:ea typeface="Microsoft JhengHei" panose="020B0604030504040204" pitchFamily="34" charset="-120"/>
+              </a:rPr>
+              <a:t> </a:t>
+            </a:r>
+            <a:r>
+              <a:rPr lang="el-GR" dirty="0" err="1">
+                <a:latin typeface="Microsoft JhengHei" panose="020B0604030504040204" pitchFamily="34" charset="-120"/>
+                <a:ea typeface="Microsoft JhengHei" panose="020B0604030504040204" pitchFamily="34" charset="-120"/>
+              </a:rPr>
+              <a:t>μὲν</a:t>
+            </a:r>
+            <a:r>
+              <a:rPr lang="el-GR" dirty="0">
+                <a:latin typeface="Microsoft JhengHei" panose="020B0604030504040204" pitchFamily="34" charset="-120"/>
+                <a:ea typeface="Microsoft JhengHei" panose="020B0604030504040204" pitchFamily="34" charset="-120"/>
+              </a:rPr>
+              <a:t> </a:t>
+            </a:r>
+            <a:r>
+              <a:rPr lang="el-GR" dirty="0" err="1">
+                <a:latin typeface="Microsoft JhengHei" panose="020B0604030504040204" pitchFamily="34" charset="-120"/>
+                <a:ea typeface="Microsoft JhengHei" panose="020B0604030504040204" pitchFamily="34" charset="-120"/>
+              </a:rPr>
+              <a:t>δημοκρατικοὶ</a:t>
+            </a:r>
+            <a:r>
+              <a:rPr lang="el-GR" dirty="0">
+                <a:latin typeface="Microsoft JhengHei" panose="020B0604030504040204" pitchFamily="34" charset="-120"/>
+                <a:ea typeface="Microsoft JhengHei" panose="020B0604030504040204" pitchFamily="34" charset="-120"/>
+              </a:rPr>
+              <a:t> </a:t>
+            </a:r>
+            <a:r>
+              <a:rPr lang="el-GR" dirty="0" err="1">
+                <a:latin typeface="Microsoft JhengHei" panose="020B0604030504040204" pitchFamily="34" charset="-120"/>
+                <a:ea typeface="Microsoft JhengHei" panose="020B0604030504040204" pitchFamily="34" charset="-120"/>
+              </a:rPr>
+              <a:t>ἐλευθερίαν</a:t>
+            </a:r>
+            <a:r>
+              <a:rPr lang="el-GR" dirty="0">
+                <a:latin typeface="Microsoft JhengHei" panose="020B0604030504040204" pitchFamily="34" charset="-120"/>
+                <a:ea typeface="Microsoft JhengHei" panose="020B0604030504040204" pitchFamily="34" charset="-120"/>
+              </a:rPr>
+              <a:t>, </a:t>
+            </a:r>
+            <a:r>
+              <a:rPr lang="el-GR" dirty="0" err="1">
+                <a:latin typeface="Microsoft JhengHei" panose="020B0604030504040204" pitchFamily="34" charset="-120"/>
+                <a:ea typeface="Microsoft JhengHei" panose="020B0604030504040204" pitchFamily="34" charset="-120"/>
+              </a:rPr>
+              <a:t>οἱ</a:t>
+            </a:r>
+            <a:r>
+              <a:rPr lang="el-GR" dirty="0">
+                <a:latin typeface="Microsoft JhengHei" panose="020B0604030504040204" pitchFamily="34" charset="-120"/>
+                <a:ea typeface="Microsoft JhengHei" panose="020B0604030504040204" pitchFamily="34" charset="-120"/>
+              </a:rPr>
+              <a:t> δ᾽ </a:t>
+            </a:r>
+            <a:r>
+              <a:rPr lang="el-GR" dirty="0" err="1">
+                <a:latin typeface="Microsoft JhengHei" panose="020B0604030504040204" pitchFamily="34" charset="-120"/>
+                <a:ea typeface="Microsoft JhengHei" panose="020B0604030504040204" pitchFamily="34" charset="-120"/>
+              </a:rPr>
+              <a:t>ὀλιγαρχικοὶ</a:t>
+            </a:r>
+            <a:r>
+              <a:rPr lang="el-GR" dirty="0">
+                <a:latin typeface="Microsoft JhengHei" panose="020B0604030504040204" pitchFamily="34" charset="-120"/>
+                <a:ea typeface="Microsoft JhengHei" panose="020B0604030504040204" pitchFamily="34" charset="-120"/>
+              </a:rPr>
+              <a:t> </a:t>
+            </a:r>
+            <a:r>
+              <a:rPr lang="el-GR" dirty="0" err="1">
+                <a:latin typeface="Microsoft JhengHei" panose="020B0604030504040204" pitchFamily="34" charset="-120"/>
+                <a:ea typeface="Microsoft JhengHei" panose="020B0604030504040204" pitchFamily="34" charset="-120"/>
+              </a:rPr>
+              <a:t>πλοῦτον</a:t>
+            </a:r>
+            <a:r>
+              <a:rPr lang="el-GR" dirty="0">
+                <a:latin typeface="Microsoft JhengHei" panose="020B0604030504040204" pitchFamily="34" charset="-120"/>
+                <a:ea typeface="Microsoft JhengHei" panose="020B0604030504040204" pitchFamily="34" charset="-120"/>
+              </a:rPr>
+              <a:t>, </a:t>
+            </a:r>
+            <a:r>
+              <a:rPr lang="el-GR" dirty="0" err="1">
+                <a:latin typeface="Microsoft JhengHei" panose="020B0604030504040204" pitchFamily="34" charset="-120"/>
+                <a:ea typeface="Microsoft JhengHei" panose="020B0604030504040204" pitchFamily="34" charset="-120"/>
+              </a:rPr>
+              <a:t>οἳ</a:t>
+            </a:r>
+            <a:r>
+              <a:rPr lang="el-GR" dirty="0">
+                <a:latin typeface="Microsoft JhengHei" panose="020B0604030504040204" pitchFamily="34" charset="-120"/>
+                <a:ea typeface="Microsoft JhengHei" panose="020B0604030504040204" pitchFamily="34" charset="-120"/>
+              </a:rPr>
+              <a:t> δ᾽ </a:t>
+            </a:r>
+            <a:r>
+              <a:rPr lang="el-GR" dirty="0" err="1">
+                <a:latin typeface="Microsoft JhengHei" panose="020B0604030504040204" pitchFamily="34" charset="-120"/>
+                <a:ea typeface="Microsoft JhengHei" panose="020B0604030504040204" pitchFamily="34" charset="-120"/>
+              </a:rPr>
+              <a:t>εὐγένειαν</a:t>
+            </a:r>
+            <a:r>
+              <a:rPr lang="el-GR" dirty="0">
+                <a:latin typeface="Microsoft JhengHei" panose="020B0604030504040204" pitchFamily="34" charset="-120"/>
+                <a:ea typeface="Microsoft JhengHei" panose="020B0604030504040204" pitchFamily="34" charset="-120"/>
+              </a:rPr>
+              <a:t>, </a:t>
+            </a:r>
+            <a:r>
+              <a:rPr lang="el-GR" dirty="0" err="1">
+                <a:latin typeface="Microsoft JhengHei" panose="020B0604030504040204" pitchFamily="34" charset="-120"/>
+                <a:ea typeface="Microsoft JhengHei" panose="020B0604030504040204" pitchFamily="34" charset="-120"/>
+              </a:rPr>
+              <a:t>οἱ</a:t>
+            </a:r>
+            <a:r>
+              <a:rPr lang="el-GR" dirty="0">
+                <a:latin typeface="Microsoft JhengHei" panose="020B0604030504040204" pitchFamily="34" charset="-120"/>
+                <a:ea typeface="Microsoft JhengHei" panose="020B0604030504040204" pitchFamily="34" charset="-120"/>
+              </a:rPr>
+              <a:t> δ᾽ </a:t>
+            </a:r>
+            <a:r>
+              <a:rPr lang="el-GR" dirty="0" err="1">
+                <a:latin typeface="Microsoft JhengHei" panose="020B0604030504040204" pitchFamily="34" charset="-120"/>
+                <a:ea typeface="Microsoft JhengHei" panose="020B0604030504040204" pitchFamily="34" charset="-120"/>
+              </a:rPr>
+              <a:t>ἀριστοκρατικοὶ</a:t>
+            </a:r>
+            <a:r>
+              <a:rPr lang="el-GR" dirty="0">
+                <a:latin typeface="Microsoft JhengHei" panose="020B0604030504040204" pitchFamily="34" charset="-120"/>
+                <a:ea typeface="Microsoft JhengHei" panose="020B0604030504040204" pitchFamily="34" charset="-120"/>
+              </a:rPr>
+              <a:t> </a:t>
+            </a:r>
+            <a:r>
+              <a:rPr lang="el-GR" dirty="0" err="1">
+                <a:latin typeface="Microsoft JhengHei" panose="020B0604030504040204" pitchFamily="34" charset="-120"/>
+                <a:ea typeface="Microsoft JhengHei" panose="020B0604030504040204" pitchFamily="34" charset="-120"/>
+              </a:rPr>
+              <a:t>ἀρετήν</a:t>
+            </a:r>
+            <a:r>
+              <a:rPr lang="el-GR" dirty="0">
+                <a:latin typeface="Microsoft JhengHei" panose="020B0604030504040204" pitchFamily="34" charset="-120"/>
+                <a:ea typeface="Microsoft JhengHei" panose="020B0604030504040204" pitchFamily="34" charset="-120"/>
+              </a:rPr>
+              <a:t>. </a:t>
+            </a:r>
+            <a:r>
+              <a:rPr lang="el-GR" dirty="0" err="1">
+                <a:latin typeface="Microsoft JhengHei" panose="020B0604030504040204" pitchFamily="34" charset="-120"/>
+                <a:ea typeface="Microsoft JhengHei" panose="020B0604030504040204" pitchFamily="34" charset="-120"/>
+              </a:rPr>
+              <a:t>ἔστιν</a:t>
+            </a:r>
+            <a:r>
+              <a:rPr lang="el-GR" dirty="0">
+                <a:latin typeface="Microsoft JhengHei" panose="020B0604030504040204" pitchFamily="34" charset="-120"/>
+                <a:ea typeface="Microsoft JhengHei" panose="020B0604030504040204" pitchFamily="34" charset="-120"/>
+              </a:rPr>
+              <a:t> </a:t>
+            </a:r>
+            <a:r>
+              <a:rPr lang="el-GR" dirty="0" err="1">
+                <a:latin typeface="Microsoft JhengHei" panose="020B0604030504040204" pitchFamily="34" charset="-120"/>
+                <a:ea typeface="Microsoft JhengHei" panose="020B0604030504040204" pitchFamily="34" charset="-120"/>
+              </a:rPr>
+              <a:t>ἄρα</a:t>
+            </a:r>
+            <a:r>
+              <a:rPr lang="el-GR" dirty="0">
+                <a:latin typeface="Microsoft JhengHei" panose="020B0604030504040204" pitchFamily="34" charset="-120"/>
+                <a:ea typeface="Microsoft JhengHei" panose="020B0604030504040204" pitchFamily="34" charset="-120"/>
+              </a:rPr>
+              <a:t> </a:t>
+            </a:r>
+            <a:r>
+              <a:rPr lang="el-GR" dirty="0" err="1">
+                <a:latin typeface="Microsoft JhengHei" panose="020B0604030504040204" pitchFamily="34" charset="-120"/>
+                <a:ea typeface="Microsoft JhengHei" panose="020B0604030504040204" pitchFamily="34" charset="-120"/>
+              </a:rPr>
+              <a:t>τὸ</a:t>
+            </a:r>
+            <a:r>
+              <a:rPr lang="el-GR" dirty="0">
+                <a:latin typeface="Microsoft JhengHei" panose="020B0604030504040204" pitchFamily="34" charset="-120"/>
+                <a:ea typeface="Microsoft JhengHei" panose="020B0604030504040204" pitchFamily="34" charset="-120"/>
+              </a:rPr>
+              <a:t> δίκαιον </a:t>
+            </a:r>
+            <a:r>
+              <a:rPr lang="el-GR" dirty="0" err="1">
+                <a:latin typeface="Microsoft JhengHei" panose="020B0604030504040204" pitchFamily="34" charset="-120"/>
+                <a:ea typeface="Microsoft JhengHei" panose="020B0604030504040204" pitchFamily="34" charset="-120"/>
+              </a:rPr>
+              <a:t>ἀνάλογόν</a:t>
+            </a:r>
+            <a:r>
+              <a:rPr lang="el-GR" dirty="0">
+                <a:latin typeface="Microsoft JhengHei" panose="020B0604030504040204" pitchFamily="34" charset="-120"/>
+                <a:ea typeface="Microsoft JhengHei" panose="020B0604030504040204" pitchFamily="34" charset="-120"/>
+              </a:rPr>
+              <a:t> τι</a:t>
+            </a:r>
+            <a:r>
+              <a:rPr lang="en-US" dirty="0">
+                <a:latin typeface="Microsoft JhengHei" panose="020B0604030504040204" pitchFamily="34" charset="-120"/>
+                <a:ea typeface="Microsoft JhengHei" panose="020B0604030504040204" pitchFamily="34" charset="-120"/>
+              </a:rPr>
+              <a:t>”</a:t>
+            </a:r>
+            <a:r>
+              <a:rPr lang="el-GR" dirty="0">
+                <a:latin typeface="Microsoft JhengHei" panose="020B0604030504040204" pitchFamily="34" charset="-120"/>
+                <a:ea typeface="Microsoft JhengHei" panose="020B0604030504040204" pitchFamily="34" charset="-120"/>
+              </a:rPr>
+              <a:t> </a:t>
+            </a:r>
+            <a:endParaRPr lang="en-US" dirty="0">
+              <a:latin typeface="Microsoft JhengHei" panose="020B0604030504040204" pitchFamily="34" charset="-120"/>
+              <a:ea typeface="Microsoft JhengHei" panose="020B0604030504040204" pitchFamily="34" charset="-120"/>
+            </a:endParaRPr>
+          </a:p>
+          <a:p>
+            <a:pPr marL="0" indent="0">
+              <a:buNone/>
+            </a:pPr>
+            <a:r>
+              <a:rPr lang="en-US" dirty="0">
+                <a:latin typeface="Microsoft JhengHei" panose="020B0604030504040204" pitchFamily="34" charset="-120"/>
+                <a:ea typeface="Microsoft JhengHei" panose="020B0604030504040204" pitchFamily="34" charset="-120"/>
+              </a:rPr>
+              <a:t>EN V 6, 1131a 18-29) . </a:t>
+            </a:r>
+            <a:r>
+              <a:rPr lang="el-GR" b="0" i="0" dirty="0" err="1">
+                <a:solidFill>
+                  <a:srgbClr val="333333"/>
+                </a:solidFill>
+                <a:effectLst/>
+                <a:latin typeface="Microsoft JhengHei" panose="020B0604030504040204" pitchFamily="34" charset="-120"/>
+                <a:ea typeface="Microsoft JhengHei" panose="020B0604030504040204" pitchFamily="34" charset="-120"/>
+              </a:rPr>
+              <a:t>Ἠθικὰ</a:t>
+            </a:r>
+            <a:r>
+              <a:rPr lang="el-GR" b="0" i="0" dirty="0">
+                <a:solidFill>
+                  <a:srgbClr val="333333"/>
+                </a:solidFill>
+                <a:effectLst/>
+                <a:latin typeface="Microsoft JhengHei" panose="020B0604030504040204" pitchFamily="34" charset="-120"/>
+                <a:ea typeface="Microsoft JhengHei" panose="020B0604030504040204" pitchFamily="34" charset="-120"/>
+              </a:rPr>
+              <a:t> </a:t>
+            </a:r>
+            <a:r>
+              <a:rPr lang="el-GR" b="0" i="0" dirty="0" err="1">
+                <a:solidFill>
+                  <a:srgbClr val="333333"/>
+                </a:solidFill>
+                <a:effectLst/>
+                <a:latin typeface="Microsoft JhengHei" panose="020B0604030504040204" pitchFamily="34" charset="-120"/>
+                <a:ea typeface="Microsoft JhengHei" panose="020B0604030504040204" pitchFamily="34" charset="-120"/>
+              </a:rPr>
+              <a:t>Νικομάχεια</a:t>
+            </a:r>
+            <a:r>
+              <a:rPr lang="el-GR" b="0" i="0" dirty="0">
+                <a:solidFill>
+                  <a:srgbClr val="333333"/>
+                </a:solidFill>
+                <a:effectLst/>
+                <a:latin typeface="Microsoft JhengHei" panose="020B0604030504040204" pitchFamily="34" charset="-120"/>
+                <a:ea typeface="Microsoft JhengHei" panose="020B0604030504040204" pitchFamily="34" charset="-120"/>
+              </a:rPr>
+              <a:t> (1131</a:t>
+            </a:r>
+            <a:r>
+              <a:rPr lang="en-US" b="0" i="0" dirty="0">
+                <a:solidFill>
+                  <a:srgbClr val="333333"/>
+                </a:solidFill>
+                <a:effectLst/>
+                <a:latin typeface="Microsoft JhengHei" panose="020B0604030504040204" pitchFamily="34" charset="-120"/>
+                <a:ea typeface="Microsoft JhengHei" panose="020B0604030504040204" pitchFamily="34" charset="-120"/>
+              </a:rPr>
+              <a:t>a-1131b)</a:t>
+            </a:r>
+          </a:p>
+          <a:p>
+            <a:endParaRPr lang="en-US" dirty="0">
+              <a:latin typeface="Microsoft JhengHei" panose="020B0604030504040204" pitchFamily="34" charset="-120"/>
+              <a:ea typeface="Microsoft JhengHei" panose="020B0604030504040204" pitchFamily="34" charset="-120"/>
+            </a:endParaRPr>
+          </a:p>
+        </p:txBody>
+      </p:sp>
+    </p:spTree>
+    <p:extLst>
+      <p:ext uri="{BB962C8B-B14F-4D97-AF65-F5344CB8AC3E}">
+        <p14:creationId xmlns:p14="http://schemas.microsoft.com/office/powerpoint/2010/main" val="2841792284"/>
+      </p:ext>
+    </p:extLst>
+  </p:cSld>
+  <p:clrMapOvr>
+    <a:masterClrMapping/>
+  </p:clrMapOvr>
+</p:sld>
+</file>
+
+<file path=ppt/slides/slide41.xml><?xml version="1.0" encoding="utf-8"?>
 <p:sld xmlns:a="http://schemas.openxmlformats.org/drawingml/2006/main" xmlns:r="http://schemas.openxmlformats.org/officeDocument/2006/relationships" xmlns:p="http://schemas.openxmlformats.org/presentationml/2006/main">
   <p:cSld>
     <p:spTree>
@@ -21530,7 +22497,7 @@
         <p:spPr>
           <a:xfrm>
             <a:off x="492369" y="2277208"/>
-            <a:ext cx="10754867" cy="3139321"/>
+            <a:ext cx="10976082" cy="3693319"/>
           </a:xfrm>
           <a:prstGeom prst="rect">
             <a:avLst/>
@@ -21543,23 +22510,73 @@
           </a:bodyPr>
           <a:lstStyle/>
           <a:p>
-            <a:pPr marL="285750" indent="-285750">
-              <a:buFont typeface="Arial" panose="020B0604020202020204" pitchFamily="34" charset="0"/>
-              <a:buChar char="•"/>
-            </a:pPr>
+            <a:r>
+              <a:rPr lang="el-GR" b="1" dirty="0">
+                <a:latin typeface="Georgia" panose="02040502050405020303" pitchFamily="18" charset="0"/>
+              </a:rPr>
+              <a:t>Κάποιος</a:t>
+            </a:r>
             <a:r>
               <a:rPr lang="el-GR" dirty="0">
                 <a:latin typeface="Georgia" panose="02040502050405020303" pitchFamily="18" charset="0"/>
               </a:rPr>
-              <a:t>Κάποιος, μοιράζει κάτι, σε κάποιους που επιθυμούν αυτό το κάτι, χρησιμοποιώντας έναν αλγόριθμο, </a:t>
-            </a:r>
-          </a:p>
-          <a:p>
+              <a:t>, μοιράζει </a:t>
+            </a:r>
+            <a:r>
+              <a:rPr lang="el-GR" b="1" dirty="0">
+                <a:latin typeface="Georgia" panose="02040502050405020303" pitchFamily="18" charset="0"/>
+              </a:rPr>
+              <a:t>κάτι</a:t>
+            </a:r>
             <a:r>
               <a:rPr lang="el-GR" dirty="0">
                 <a:latin typeface="Georgia" panose="02040502050405020303" pitchFamily="18" charset="0"/>
               </a:rPr>
-              <a:t>ο οποίος ακολουθεί κάποιο κριτήριο δικαίου. </a:t>
+              <a:t>, </a:t>
+            </a:r>
+            <a:r>
+              <a:rPr lang="el-GR" b="1" dirty="0">
+                <a:latin typeface="Georgia" panose="02040502050405020303" pitchFamily="18" charset="0"/>
+              </a:rPr>
+              <a:t>σε κάποιους </a:t>
+            </a:r>
+            <a:r>
+              <a:rPr lang="el-GR" dirty="0">
+                <a:latin typeface="Georgia" panose="02040502050405020303" pitchFamily="18" charset="0"/>
+              </a:rPr>
+              <a:t>που </a:t>
+            </a:r>
+            <a:r>
+              <a:rPr lang="el-GR" b="1" dirty="0">
+                <a:latin typeface="Georgia" panose="02040502050405020303" pitchFamily="18" charset="0"/>
+              </a:rPr>
+              <a:t>επιθυμούν</a:t>
+            </a:r>
+            <a:r>
+              <a:rPr lang="el-GR" dirty="0">
+                <a:latin typeface="Georgia" panose="02040502050405020303" pitchFamily="18" charset="0"/>
+              </a:rPr>
+              <a:t> αυτό το κάτι, χρησιμοποιώντας έναν αλγόριθμο, </a:t>
+            </a:r>
+          </a:p>
+          <a:p>
+            <a:r>
+              <a:rPr lang="el-GR" dirty="0">
+                <a:latin typeface="Georgia" panose="02040502050405020303" pitchFamily="18" charset="0"/>
+              </a:rPr>
+              <a:t>ο οποίος ακολουθεί κάποιο </a:t>
+            </a:r>
+            <a:r>
+              <a:rPr lang="el-GR" b="1" dirty="0">
+                <a:latin typeface="Georgia" panose="02040502050405020303" pitchFamily="18" charset="0"/>
+              </a:rPr>
+              <a:t>κριτήριο δικαίου</a:t>
+            </a:r>
+            <a:r>
+              <a:rPr lang="el-GR" dirty="0">
+                <a:latin typeface="Georgia" panose="02040502050405020303" pitchFamily="18" charset="0"/>
+              </a:rPr>
+              <a:t>. </a:t>
             </a:r>
           </a:p>
           <a:p>
@@ -21573,18 +22590,30 @@
               </a:rPr>
               <a:t>Ποιος κάποιος</a:t>
             </a:r>
+            <a:r>
+              <a:rPr lang="en-US" dirty="0">
+                <a:latin typeface="Georgia" panose="02040502050405020303" pitchFamily="18" charset="0"/>
+              </a:rPr>
+              <a:t>, </a:t>
+            </a:r>
+            <a:r>
+              <a:rPr lang="el-GR" dirty="0">
+                <a:latin typeface="Georgia" panose="02040502050405020303" pitchFamily="18" charset="0"/>
+              </a:rPr>
+              <a:t>σε ποιον κάποιον;</a:t>
+            </a:r>
+            <a:endParaRPr lang="en-US" dirty="0">
+              <a:latin typeface="Georgia" panose="02040502050405020303" pitchFamily="18" charset="0"/>
+            </a:endParaRPr>
           </a:p>
           <a:p>
             <a:pPr marL="742950" lvl="1" indent="-285750">
               <a:buFont typeface="Arial" panose="020B0604020202020204" pitchFamily="34" charset="0"/>
               <a:buChar char="•"/>
             </a:pPr>
-            <a:r>
-              <a:rPr lang="el-GR" dirty="0">
-                <a:latin typeface="Georgia" panose="02040502050405020303" pitchFamily="18" charset="0"/>
-              </a:rPr>
-              <a:t>Σε ποιον κάποιον</a:t>
-            </a:r>
+            <a:endParaRPr lang="el-GR" dirty="0">
+              <a:latin typeface="Georgia" panose="02040502050405020303" pitchFamily="18" charset="0"/>
+            </a:endParaRPr>
           </a:p>
           <a:p>
             <a:pPr marL="742950" lvl="1" indent="-285750">
@@ -21621,6 +22650,18 @@
               </a:rPr>
               <a:t>Ομοιόμορφο ή διαφέρει;</a:t>
             </a:r>
+            <a:endParaRPr lang="en-US" dirty="0">
+              <a:latin typeface="Georgia" panose="02040502050405020303" pitchFamily="18" charset="0"/>
+            </a:endParaRPr>
+          </a:p>
+          <a:p>
+            <a:pPr marL="1200150" lvl="2" indent="-285750">
+              <a:buFont typeface="Arial" panose="020B0604020202020204" pitchFamily="34" charset="0"/>
+              <a:buChar char="•"/>
+            </a:pPr>
+            <a:endParaRPr lang="el-GR" dirty="0">
+              <a:latin typeface="Georgia" panose="02040502050405020303" pitchFamily="18" charset="0"/>
+            </a:endParaRPr>
           </a:p>
           <a:p>
             <a:pPr marL="742950" lvl="1" indent="-285750">
@@ -21633,12 +22674,24 @@
               </a:rPr>
               <a:t>Πόσο επιθυμεί;</a:t>
             </a:r>
+            <a:endParaRPr lang="en-US" dirty="0">
+              <a:latin typeface="Georgia" panose="02040502050405020303" pitchFamily="18" charset="0"/>
+            </a:endParaRPr>
           </a:p>
           <a:p>
             <a:pPr marL="742950" lvl="1" indent="-285750">
               <a:buFont typeface="Arial" panose="020B0604020202020204" pitchFamily="34" charset="0"/>
               <a:buChar char="•"/>
             </a:pPr>
+            <a:endParaRPr lang="el-GR" dirty="0">
+              <a:latin typeface="Georgia" panose="02040502050405020303" pitchFamily="18" charset="0"/>
+            </a:endParaRPr>
+          </a:p>
+          <a:p>
+            <a:pPr marL="742950" lvl="1" indent="-285750">
+              <a:buFont typeface="Arial" panose="020B0604020202020204" pitchFamily="34" charset="0"/>
+              <a:buChar char="•"/>
+            </a:pPr>
             <a:r>
               <a:rPr lang="el-GR" dirty="0">
                 <a:latin typeface="Georgia" panose="02040502050405020303" pitchFamily="18" charset="0"/>
@@ -21655,8 +22708,17 @@
               <a:rPr lang="el-GR" dirty="0">
                 <a:latin typeface="Georgia" panose="02040502050405020303" pitchFamily="18" charset="0"/>
               </a:rPr>
-              <a:t>Εξισωτικά.</a:t>
-            </a:r>
+              <a:t>Εξισωτικά</a:t>
+            </a:r>
+            <a:r>
+              <a:rPr lang="en-US" dirty="0">
+                <a:latin typeface="Georgia" panose="02040502050405020303" pitchFamily="18" charset="0"/>
+              </a:rPr>
+              <a:t> (equitable).</a:t>
+            </a:r>
+            <a:endParaRPr lang="el-GR" dirty="0">
+              <a:latin typeface="Georgia" panose="02040502050405020303" pitchFamily="18" charset="0"/>
+            </a:endParaRPr>
           </a:p>
           <a:p>
             <a:pPr marL="1200150" lvl="2" indent="-285750">
@@ -21667,8 +22729,17 @@
               <a:rPr lang="el-GR" dirty="0">
                 <a:latin typeface="Georgia" panose="02040502050405020303" pitchFamily="18" charset="0"/>
               </a:rPr>
-              <a:t>Άνευ φθόνου</a:t>
-            </a:r>
+              <a:t>Άνευ φθόνου (</a:t>
+            </a:r>
+            <a:r>
+              <a:rPr lang="en-US" dirty="0">
+                <a:latin typeface="Georgia" panose="02040502050405020303" pitchFamily="18" charset="0"/>
+              </a:rPr>
+              <a:t>Envy-Free).</a:t>
+            </a:r>
+            <a:endParaRPr lang="el-GR" dirty="0">
+              <a:latin typeface="Georgia" panose="02040502050405020303" pitchFamily="18" charset="0"/>
+            </a:endParaRPr>
           </a:p>
         </p:txBody>
       </p:sp>
@@ -21762,7 +22833,7 @@
         <p:spPr>
           <a:xfrm>
             <a:off x="492369" y="2277208"/>
-            <a:ext cx="9163086" cy="3139321"/>
+            <a:ext cx="9297738" cy="1200329"/>
           </a:xfrm>
           <a:prstGeom prst="rect">
             <a:avLst/>
@@ -21775,128 +22846,544 @@
           </a:bodyPr>
           <a:lstStyle/>
           <a:p>
+            <a:r>
+              <a:rPr lang="el-GR" dirty="0">
+                <a:latin typeface="Georgia" panose="02040502050405020303" pitchFamily="18" charset="0"/>
+              </a:rPr>
+              <a:t>«Ίσοι πρέπει να αντιμετωπίζονται με ίδιο τρόπο και διαφορετικοί με διαφορετικό τρόπο, </a:t>
+            </a:r>
+          </a:p>
+          <a:p>
+            <a:r>
+              <a:rPr lang="el-GR" dirty="0">
+                <a:latin typeface="Georgia" panose="02040502050405020303" pitchFamily="18" charset="0"/>
+              </a:rPr>
+              <a:t>ανάλογα με την σχετικότητα των χαρακτηριστικών τους.» Αριστοτέλης</a:t>
+            </a:r>
+          </a:p>
+          <a:p>
+            <a:endParaRPr lang="el-GR" dirty="0">
+              <a:latin typeface="Georgia" panose="02040502050405020303" pitchFamily="18" charset="0"/>
+            </a:endParaRPr>
+          </a:p>
+          <a:p>
             <a:pPr marL="285750" indent="-285750">
               <a:buFont typeface="Arial" panose="020B0604020202020204" pitchFamily="34" charset="0"/>
               <a:buChar char="•"/>
             </a:pPr>
             <a:r>
+              <a:rPr lang="en-US" dirty="0">
+                <a:latin typeface="Georgia" panose="02040502050405020303" pitchFamily="18" charset="0"/>
+              </a:rPr>
+              <a:t>Herve Moulin:</a:t>
+            </a:r>
+          </a:p>
+        </p:txBody>
+      </p:sp>
+      <p:sp>
+        <p:nvSpPr>
+          <p:cNvPr id="4" name="Ορθογώνιο: Στρογγύλεμα γωνιών 3">
+            <a:extLst>
+              <a:ext uri="{FF2B5EF4-FFF2-40B4-BE49-F238E27FC236}">
+                <a16:creationId xmlns:a16="http://schemas.microsoft.com/office/drawing/2014/main" id="{AE0D8868-7049-69A9-AEA3-9B5F8FFE028A}"/>
+              </a:ext>
+            </a:extLst>
+          </p:cNvPr>
+          <p:cNvSpPr/>
+          <p:nvPr/>
+        </p:nvSpPr>
+        <p:spPr>
+          <a:xfrm>
+            <a:off x="3362013" y="3200400"/>
+            <a:ext cx="5019040" cy="457200"/>
+          </a:xfrm>
+          <a:prstGeom prst="roundRect">
+            <a:avLst/>
+          </a:prstGeom>
+        </p:spPr>
+        <p:style>
+          <a:lnRef idx="2">
+            <a:schemeClr val="accent1">
+              <a:shade val="15000"/>
+            </a:schemeClr>
+          </a:lnRef>
+          <a:fillRef idx="1">
+            <a:schemeClr val="accent1"/>
+          </a:fillRef>
+          <a:effectRef idx="0">
+            <a:schemeClr val="accent1"/>
+          </a:effectRef>
+          <a:fontRef idx="minor">
+            <a:schemeClr val="lt1"/>
+          </a:fontRef>
+        </p:style>
+        <p:txBody>
+          <a:bodyPr rtlCol="0" anchor="ctr"/>
+          <a:lstStyle/>
+          <a:p>
+            <a:pPr algn="ctr"/>
+            <a:r>
               <a:rPr lang="el-GR" dirty="0">
                 <a:latin typeface="Georgia" panose="02040502050405020303" pitchFamily="18" charset="0"/>
               </a:rPr>
-              <a:t>Αριστοτέλης:</a:t>
-            </a:r>
-          </a:p>
-          <a:p>
+              <a:t>Οι παίκτες διαφέρουν, ευθύνονται για αυτό;</a:t>
+            </a:r>
+            <a:endParaRPr lang="en-US" dirty="0">
+              <a:latin typeface="Georgia" panose="02040502050405020303" pitchFamily="18" charset="0"/>
+            </a:endParaRPr>
+          </a:p>
+        </p:txBody>
+      </p:sp>
+      <p:sp>
+        <p:nvSpPr>
+          <p:cNvPr id="5" name="Ορθογώνιο: Στρογγύλεμα γωνιών 4">
+            <a:extLst>
+              <a:ext uri="{FF2B5EF4-FFF2-40B4-BE49-F238E27FC236}">
+                <a16:creationId xmlns:a16="http://schemas.microsoft.com/office/drawing/2014/main" id="{7E178904-0382-D83C-667A-7A90EB0B2F47}"/>
+              </a:ext>
+            </a:extLst>
+          </p:cNvPr>
+          <p:cNvSpPr/>
+          <p:nvPr/>
+        </p:nvSpPr>
+        <p:spPr>
+          <a:xfrm>
+            <a:off x="2401893" y="4088963"/>
+            <a:ext cx="1920240" cy="457200"/>
+          </a:xfrm>
+          <a:prstGeom prst="roundRect">
+            <a:avLst/>
+          </a:prstGeom>
+        </p:spPr>
+        <p:style>
+          <a:lnRef idx="2">
+            <a:schemeClr val="accent1">
+              <a:shade val="15000"/>
+            </a:schemeClr>
+          </a:lnRef>
+          <a:fillRef idx="1">
+            <a:schemeClr val="accent1"/>
+          </a:fillRef>
+          <a:effectRef idx="0">
+            <a:schemeClr val="accent1"/>
+          </a:effectRef>
+          <a:fontRef idx="minor">
+            <a:schemeClr val="lt1"/>
+          </a:fontRef>
+        </p:style>
+        <p:txBody>
+          <a:bodyPr rtlCol="0" anchor="ctr"/>
+          <a:lstStyle/>
+          <a:p>
+            <a:pPr algn="ctr"/>
             <a:r>
               <a:rPr lang="el-GR" dirty="0">
                 <a:latin typeface="Georgia" panose="02040502050405020303" pitchFamily="18" charset="0"/>
               </a:rPr>
-              <a:t>Ίσοι πρέπει να αντιμετωπίζονται με ίδιο τρόπο και διαφορετικοί με διαφορετικό τρόπο, </a:t>
-            </a:r>
-          </a:p>
-          <a:p>
+              <a:t>Αποζημίωση</a:t>
+            </a:r>
+            <a:endParaRPr lang="en-US" dirty="0">
+              <a:latin typeface="Georgia" panose="02040502050405020303" pitchFamily="18" charset="0"/>
+            </a:endParaRPr>
+          </a:p>
+        </p:txBody>
+      </p:sp>
+      <p:sp>
+        <p:nvSpPr>
+          <p:cNvPr id="7" name="Ορθογώνιο: Στρογγύλεμα γωνιών 6">
+            <a:extLst>
+              <a:ext uri="{FF2B5EF4-FFF2-40B4-BE49-F238E27FC236}">
+                <a16:creationId xmlns:a16="http://schemas.microsoft.com/office/drawing/2014/main" id="{3CA74544-7907-0783-AF00-62B7D7BCEB63}"/>
+              </a:ext>
+            </a:extLst>
+          </p:cNvPr>
+          <p:cNvSpPr/>
+          <p:nvPr/>
+        </p:nvSpPr>
+        <p:spPr>
+          <a:xfrm>
+            <a:off x="7420933" y="4088963"/>
+            <a:ext cx="1920240" cy="457200"/>
+          </a:xfrm>
+          <a:prstGeom prst="roundRect">
+            <a:avLst/>
+          </a:prstGeom>
+        </p:spPr>
+        <p:style>
+          <a:lnRef idx="2">
+            <a:schemeClr val="accent1">
+              <a:shade val="15000"/>
+            </a:schemeClr>
+          </a:lnRef>
+          <a:fillRef idx="1">
+            <a:schemeClr val="accent1"/>
+          </a:fillRef>
+          <a:effectRef idx="0">
+            <a:schemeClr val="accent1"/>
+          </a:effectRef>
+          <a:fontRef idx="minor">
+            <a:schemeClr val="lt1"/>
+          </a:fontRef>
+        </p:style>
+        <p:txBody>
+          <a:bodyPr rtlCol="0" anchor="ctr"/>
+          <a:lstStyle/>
+          <a:p>
+            <a:pPr algn="ctr"/>
             <a:r>
               <a:rPr lang="el-GR" dirty="0">
                 <a:latin typeface="Georgia" panose="02040502050405020303" pitchFamily="18" charset="0"/>
               </a:rPr>
-              <a:t>ανάλογα με την σχετικότητα των χαρακτηριστικών τους.</a:t>
-            </a:r>
-          </a:p>
-          <a:p>
-            <a:pPr marL="285750" indent="-285750">
-              <a:buFont typeface="Arial" panose="020B0604020202020204" pitchFamily="34" charset="0"/>
-              <a:buChar char="•"/>
-            </a:pPr>
-            <a:r>
-              <a:rPr lang="en-US" dirty="0">
-                <a:latin typeface="Georgia" panose="02040502050405020303" pitchFamily="18" charset="0"/>
-              </a:rPr>
-              <a:t>Herve Moulin:</a:t>
-            </a:r>
-          </a:p>
-          <a:p>
-            <a:pPr marL="285750" indent="-285750">
-              <a:buFont typeface="Arial" panose="020B0604020202020204" pitchFamily="34" charset="0"/>
-              <a:buChar char="•"/>
-            </a:pPr>
+              <a:t>Επιβράβευση</a:t>
+            </a:r>
+            <a:endParaRPr lang="en-US" dirty="0">
+              <a:latin typeface="Georgia" panose="02040502050405020303" pitchFamily="18" charset="0"/>
+            </a:endParaRPr>
+          </a:p>
+        </p:txBody>
+      </p:sp>
+      <p:cxnSp>
+        <p:nvCxnSpPr>
+          <p:cNvPr id="9" name="Ευθύγραμμο βέλος σύνδεσης 8">
+            <a:extLst>
+              <a:ext uri="{FF2B5EF4-FFF2-40B4-BE49-F238E27FC236}">
+                <a16:creationId xmlns:a16="http://schemas.microsoft.com/office/drawing/2014/main" id="{706052A1-008E-8E23-7744-015A416D041E}"/>
+              </a:ext>
+            </a:extLst>
+          </p:cNvPr>
+          <p:cNvCxnSpPr>
+            <a:endCxn id="5" idx="3"/>
+          </p:cNvCxnSpPr>
+          <p:nvPr/>
+        </p:nvCxnSpPr>
+        <p:spPr>
+          <a:xfrm flipH="1">
+            <a:off x="4322133" y="3657600"/>
+            <a:ext cx="1549400" cy="659963"/>
+          </a:xfrm>
+          <a:prstGeom prst="straightConnector1">
+            <a:avLst/>
+          </a:prstGeom>
+          <a:ln>
+            <a:tailEnd type="triangle"/>
+          </a:ln>
+        </p:spPr>
+        <p:style>
+          <a:lnRef idx="1">
+            <a:schemeClr val="accent1"/>
+          </a:lnRef>
+          <a:fillRef idx="0">
+            <a:schemeClr val="accent1"/>
+          </a:fillRef>
+          <a:effectRef idx="0">
+            <a:schemeClr val="accent1"/>
+          </a:effectRef>
+          <a:fontRef idx="minor">
+            <a:schemeClr val="tx1"/>
+          </a:fontRef>
+        </p:style>
+      </p:cxnSp>
+      <p:cxnSp>
+        <p:nvCxnSpPr>
+          <p:cNvPr id="11" name="Ευθύγραμμο βέλος σύνδεσης 10">
+            <a:extLst>
+              <a:ext uri="{FF2B5EF4-FFF2-40B4-BE49-F238E27FC236}">
+                <a16:creationId xmlns:a16="http://schemas.microsoft.com/office/drawing/2014/main" id="{133A1A17-70FA-48DC-31B3-2D0C9BFD56B5}"/>
+              </a:ext>
+            </a:extLst>
+          </p:cNvPr>
+          <p:cNvCxnSpPr>
+            <a:stCxn id="4" idx="2"/>
+            <a:endCxn id="7" idx="1"/>
+          </p:cNvCxnSpPr>
+          <p:nvPr/>
+        </p:nvCxnSpPr>
+        <p:spPr>
+          <a:xfrm>
+            <a:off x="5871533" y="3657600"/>
+            <a:ext cx="1549400" cy="659963"/>
+          </a:xfrm>
+          <a:prstGeom prst="straightConnector1">
+            <a:avLst/>
+          </a:prstGeom>
+          <a:ln>
+            <a:tailEnd type="triangle"/>
+          </a:ln>
+        </p:spPr>
+        <p:style>
+          <a:lnRef idx="1">
+            <a:schemeClr val="accent1"/>
+          </a:lnRef>
+          <a:fillRef idx="0">
+            <a:schemeClr val="accent1"/>
+          </a:fillRef>
+          <a:effectRef idx="0">
+            <a:schemeClr val="accent1"/>
+          </a:effectRef>
+          <a:fontRef idx="minor">
+            <a:schemeClr val="tx1"/>
+          </a:fontRef>
+        </p:style>
+      </p:cxnSp>
+      <p:sp>
+        <p:nvSpPr>
+          <p:cNvPr id="12" name="Ορθογώνιο: Στρογγύλεμα γωνιών 11">
+            <a:extLst>
+              <a:ext uri="{FF2B5EF4-FFF2-40B4-BE49-F238E27FC236}">
+                <a16:creationId xmlns:a16="http://schemas.microsoft.com/office/drawing/2014/main" id="{9D5B3CCA-0BD8-0307-D172-11CC85EFD289}"/>
+              </a:ext>
+            </a:extLst>
+          </p:cNvPr>
+          <p:cNvSpPr/>
+          <p:nvPr/>
+        </p:nvSpPr>
+        <p:spPr>
+          <a:xfrm>
+            <a:off x="2401893" y="5764489"/>
+            <a:ext cx="2494280" cy="457200"/>
+          </a:xfrm>
+          <a:prstGeom prst="roundRect">
+            <a:avLst/>
+          </a:prstGeom>
+        </p:spPr>
+        <p:style>
+          <a:lnRef idx="2">
+            <a:schemeClr val="accent1">
+              <a:shade val="15000"/>
+            </a:schemeClr>
+          </a:lnRef>
+          <a:fillRef idx="1">
+            <a:schemeClr val="accent1"/>
+          </a:fillRef>
+          <a:effectRef idx="0">
+            <a:schemeClr val="accent1"/>
+          </a:effectRef>
+          <a:fontRef idx="minor">
+            <a:schemeClr val="lt1"/>
+          </a:fontRef>
+        </p:style>
+        <p:txBody>
+          <a:bodyPr rtlCol="0" anchor="ctr"/>
+          <a:lstStyle/>
+          <a:p>
+            <a:pPr algn="ctr"/>
             <a:r>
               <a:rPr lang="el-GR" dirty="0">
                 <a:latin typeface="Georgia" panose="02040502050405020303" pitchFamily="18" charset="0"/>
               </a:rPr>
-              <a:t>Όλοι είναι διαφορετικοί.</a:t>
-            </a:r>
-          </a:p>
-          <a:p>
-            <a:pPr marL="285750" indent="-285750">
-              <a:buFont typeface="Arial" panose="020B0604020202020204" pitchFamily="34" charset="0"/>
-              <a:buChar char="•"/>
-            </a:pPr>
+              <a:t>Εξωγενή δικαιώματα</a:t>
+            </a:r>
+            <a:endParaRPr lang="en-US" dirty="0">
+              <a:latin typeface="Georgia" panose="02040502050405020303" pitchFamily="18" charset="0"/>
+            </a:endParaRPr>
+          </a:p>
+        </p:txBody>
+      </p:sp>
+      <p:sp>
+        <p:nvSpPr>
+          <p:cNvPr id="14" name="Ορθογώνιο: Στρογγύλεμα γωνιών 13">
+            <a:extLst>
+              <a:ext uri="{FF2B5EF4-FFF2-40B4-BE49-F238E27FC236}">
+                <a16:creationId xmlns:a16="http://schemas.microsoft.com/office/drawing/2014/main" id="{5F0A3B10-A6E4-917B-67C9-F7DD67C924F4}"/>
+              </a:ext>
+            </a:extLst>
+          </p:cNvPr>
+          <p:cNvSpPr/>
+          <p:nvPr/>
+        </p:nvSpPr>
+        <p:spPr>
+          <a:xfrm>
+            <a:off x="7420933" y="5764489"/>
+            <a:ext cx="1920240" cy="457200"/>
+          </a:xfrm>
+          <a:prstGeom prst="roundRect">
+            <a:avLst/>
+          </a:prstGeom>
+        </p:spPr>
+        <p:style>
+          <a:lnRef idx="2">
+            <a:schemeClr val="accent1">
+              <a:shade val="15000"/>
+            </a:schemeClr>
+          </a:lnRef>
+          <a:fillRef idx="1">
+            <a:schemeClr val="accent1"/>
+          </a:fillRef>
+          <a:effectRef idx="0">
+            <a:schemeClr val="accent1"/>
+          </a:effectRef>
+          <a:fontRef idx="minor">
+            <a:schemeClr val="lt1"/>
+          </a:fontRef>
+        </p:style>
+        <p:txBody>
+          <a:bodyPr rtlCol="0" anchor="ctr"/>
+          <a:lstStyle/>
+          <a:p>
+            <a:pPr algn="ctr"/>
+            <a:r>
+              <a:rPr lang="el-GR" dirty="0" err="1">
+                <a:latin typeface="Georgia" panose="02040502050405020303" pitchFamily="18" charset="0"/>
+              </a:rPr>
+              <a:t>Καταλληλότητα</a:t>
+            </a:r>
+            <a:endParaRPr lang="en-US" dirty="0">
+              <a:latin typeface="Georgia" panose="02040502050405020303" pitchFamily="18" charset="0"/>
+            </a:endParaRPr>
+          </a:p>
+        </p:txBody>
+      </p:sp>
+      <p:sp>
+        <p:nvSpPr>
+          <p:cNvPr id="15" name="Ορθογώνιο: Στρογγύλεμα γωνιών 14">
+            <a:extLst>
+              <a:ext uri="{FF2B5EF4-FFF2-40B4-BE49-F238E27FC236}">
+                <a16:creationId xmlns:a16="http://schemas.microsoft.com/office/drawing/2014/main" id="{84B7DE63-2546-C3EB-8742-30C222E3BA1B}"/>
+              </a:ext>
+            </a:extLst>
+          </p:cNvPr>
+          <p:cNvSpPr/>
+          <p:nvPr/>
+        </p:nvSpPr>
+        <p:spPr>
+          <a:xfrm rot="20196826">
+            <a:off x="4640597" y="3911105"/>
+            <a:ext cx="660400" cy="251300"/>
+          </a:xfrm>
+          <a:prstGeom prst="roundRect">
+            <a:avLst/>
+          </a:prstGeom>
+        </p:spPr>
+        <p:style>
+          <a:lnRef idx="2">
+            <a:schemeClr val="accent1">
+              <a:shade val="15000"/>
+            </a:schemeClr>
+          </a:lnRef>
+          <a:fillRef idx="1">
+            <a:schemeClr val="accent1"/>
+          </a:fillRef>
+          <a:effectRef idx="0">
+            <a:schemeClr val="accent1"/>
+          </a:effectRef>
+          <a:fontRef idx="minor">
+            <a:schemeClr val="lt1"/>
+          </a:fontRef>
+        </p:style>
+        <p:txBody>
+          <a:bodyPr rtlCol="0" anchor="ctr"/>
+          <a:lstStyle/>
+          <a:p>
+            <a:pPr algn="ctr"/>
+            <a:r>
+              <a:rPr lang="el-GR" sz="1600" dirty="0"/>
+              <a:t>όχι</a:t>
+            </a:r>
+            <a:endParaRPr lang="en-US" sz="1600" dirty="0"/>
+          </a:p>
+        </p:txBody>
+      </p:sp>
+      <p:sp>
+        <p:nvSpPr>
+          <p:cNvPr id="16" name="Ορθογώνιο: Στρογγύλεμα γωνιών 15">
+            <a:extLst>
+              <a:ext uri="{FF2B5EF4-FFF2-40B4-BE49-F238E27FC236}">
+                <a16:creationId xmlns:a16="http://schemas.microsoft.com/office/drawing/2014/main" id="{5944CF50-1AA7-8D3F-AE4A-231112E8B2A5}"/>
+              </a:ext>
+            </a:extLst>
+          </p:cNvPr>
+          <p:cNvSpPr/>
+          <p:nvPr/>
+        </p:nvSpPr>
+        <p:spPr>
+          <a:xfrm rot="1433675">
+            <a:off x="6316033" y="3879435"/>
+            <a:ext cx="660400" cy="251300"/>
+          </a:xfrm>
+          <a:prstGeom prst="roundRect">
+            <a:avLst/>
+          </a:prstGeom>
+        </p:spPr>
+        <p:style>
+          <a:lnRef idx="2">
+            <a:schemeClr val="accent1">
+              <a:shade val="15000"/>
+            </a:schemeClr>
+          </a:lnRef>
+          <a:fillRef idx="1">
+            <a:schemeClr val="accent1"/>
+          </a:fillRef>
+          <a:effectRef idx="0">
+            <a:schemeClr val="accent1"/>
+          </a:effectRef>
+          <a:fontRef idx="minor">
+            <a:schemeClr val="lt1"/>
+          </a:fontRef>
+        </p:style>
+        <p:txBody>
+          <a:bodyPr rtlCol="0" anchor="ctr"/>
+          <a:lstStyle/>
+          <a:p>
+            <a:pPr algn="ctr"/>
+            <a:r>
+              <a:rPr lang="el-GR" sz="1600" dirty="0"/>
+              <a:t>ναι</a:t>
+            </a:r>
+            <a:endParaRPr lang="en-US" sz="1600" dirty="0"/>
+          </a:p>
+        </p:txBody>
+      </p:sp>
+      <p:sp>
+        <p:nvSpPr>
+          <p:cNvPr id="18" name="Ορθογώνιο: Στρογγύλεμα γωνιών 17">
+            <a:extLst>
+              <a:ext uri="{FF2B5EF4-FFF2-40B4-BE49-F238E27FC236}">
+                <a16:creationId xmlns:a16="http://schemas.microsoft.com/office/drawing/2014/main" id="{B5440153-0564-1736-A190-DA88BE35EE34}"/>
+              </a:ext>
+            </a:extLst>
+          </p:cNvPr>
+          <p:cNvSpPr/>
+          <p:nvPr/>
+        </p:nvSpPr>
+        <p:spPr>
+          <a:xfrm>
+            <a:off x="3362013" y="5069848"/>
+            <a:ext cx="5019040" cy="457200"/>
+          </a:xfrm>
+          <a:prstGeom prst="roundRect">
+            <a:avLst/>
+          </a:prstGeom>
+        </p:spPr>
+        <p:style>
+          <a:lnRef idx="2">
+            <a:schemeClr val="accent1">
+              <a:shade val="15000"/>
+            </a:schemeClr>
+          </a:lnRef>
+          <a:fillRef idx="1">
+            <a:schemeClr val="accent1"/>
+          </a:fillRef>
+          <a:effectRef idx="0">
+            <a:schemeClr val="accent1"/>
+          </a:effectRef>
+          <a:fontRef idx="minor">
+            <a:schemeClr val="lt1"/>
+          </a:fontRef>
+        </p:style>
+        <p:txBody>
+          <a:bodyPr rtlCol="0" anchor="ctr"/>
+          <a:lstStyle/>
+          <a:p>
+            <a:pPr algn="ctr"/>
             <a:r>
               <a:rPr lang="el-GR" dirty="0">
                 <a:latin typeface="Georgia" panose="02040502050405020303" pitchFamily="18" charset="0"/>
               </a:rPr>
-              <a:t>Είναι δική τους ευθύνη που διαφέρουν; </a:t>
-            </a:r>
-          </a:p>
-          <a:p>
-            <a:pPr marL="742950" lvl="1" indent="-285750">
-              <a:buFont typeface="Arial" panose="020B0604020202020204" pitchFamily="34" charset="0"/>
-              <a:buChar char="•"/>
-            </a:pPr>
-            <a:r>
-              <a:rPr lang="el-GR" dirty="0">
-                <a:latin typeface="Georgia" panose="02040502050405020303" pitchFamily="18" charset="0"/>
-              </a:rPr>
-              <a:t>Αποζημίωση</a:t>
-            </a:r>
-          </a:p>
-          <a:p>
-            <a:pPr marL="742950" lvl="1" indent="-285750">
-              <a:buFont typeface="Arial" panose="020B0604020202020204" pitchFamily="34" charset="0"/>
-              <a:buChar char="•"/>
-            </a:pPr>
-            <a:r>
-              <a:rPr lang="el-GR" dirty="0">
-                <a:latin typeface="Georgia" panose="02040502050405020303" pitchFamily="18" charset="0"/>
-              </a:rPr>
-              <a:t>Επιβράβευση.</a:t>
-            </a:r>
-          </a:p>
-          <a:p>
-            <a:pPr marL="285750" indent="-285750">
-              <a:buFont typeface="Arial" panose="020B0604020202020204" pitchFamily="34" charset="0"/>
-              <a:buChar char="•"/>
-            </a:pPr>
-            <a:r>
-              <a:rPr lang="el-GR" dirty="0">
-                <a:latin typeface="Georgia" panose="02040502050405020303" pitchFamily="18" charset="0"/>
-              </a:rPr>
-              <a:t>Άλλες μορφές δικαίου;</a:t>
-            </a:r>
-          </a:p>
-          <a:p>
-            <a:pPr marL="742950" lvl="1" indent="-285750">
-              <a:buFont typeface="Arial" panose="020B0604020202020204" pitchFamily="34" charset="0"/>
-              <a:buChar char="•"/>
-            </a:pPr>
-            <a:r>
-              <a:rPr lang="el-GR" dirty="0">
-                <a:latin typeface="Georgia" panose="02040502050405020303" pitchFamily="18" charset="0"/>
-              </a:rPr>
-              <a:t>Εξωγενή δικαιώματα.</a:t>
-            </a:r>
-          </a:p>
-          <a:p>
-            <a:pPr marL="742950" lvl="1" indent="-285750">
-              <a:buFont typeface="Arial" panose="020B0604020202020204" pitchFamily="34" charset="0"/>
-              <a:buChar char="•"/>
-            </a:pPr>
-            <a:r>
-              <a:rPr lang="el-GR" dirty="0">
-                <a:latin typeface="Georgia" panose="02040502050405020303" pitchFamily="18" charset="0"/>
-              </a:rPr>
-              <a:t>Καταλληλόλητα </a:t>
-            </a:r>
+              <a:t>Επιπλέον αρχές δικαίου;</a:t>
+            </a:r>
+            <a:endParaRPr lang="en-US" dirty="0">
+              <a:latin typeface="Georgia" panose="02040502050405020303" pitchFamily="18" charset="0"/>
+            </a:endParaRPr>
           </a:p>
         </p:txBody>
       </p:sp>
@@ -22026,7 +23513,7 @@
         <p:spPr>
           <a:xfrm>
             <a:off x="492369" y="2277208"/>
-            <a:ext cx="11926663" cy="3139321"/>
+            <a:ext cx="10171374" cy="3416320"/>
           </a:xfrm>
           <a:prstGeom prst="rect">
             <a:avLst/>
@@ -22150,7 +23637,15 @@
               <a:rPr lang="el-GR" dirty="0">
                 <a:latin typeface="Georgia" panose="02040502050405020303" pitchFamily="18" charset="0"/>
               </a:rPr>
-              <a:t> περισσότερο «πλούτο» για λιγότερες άδειες δικαιούνται παραπάνω άδειες.</a:t>
+              <a:t> περισσότερο «πλούτο» για λιγότερες </a:t>
+            </a:r>
+          </a:p>
+          <a:p>
+            <a:r>
+              <a:rPr lang="el-GR" dirty="0">
+                <a:latin typeface="Georgia" panose="02040502050405020303" pitchFamily="18" charset="0"/>
+              </a:rPr>
+              <a:t>άδειες δικαιούνται παραπάνω άδειες.</a:t>
             </a:r>
           </a:p>
           <a:p>
@@ -22294,39 +23789,7 @@
               <a:rPr lang="el-GR" dirty="0">
                 <a:latin typeface="Georgia" panose="02040502050405020303" pitchFamily="18" charset="0"/>
               </a:rPr>
-              <a:t>Εξερεύνηση μία πιο χαλαρής </a:t>
-            </a:r>
-            <a:r>
-              <a:rPr lang="el-GR" dirty="0" err="1">
-                <a:latin typeface="Georgia" panose="02040502050405020303" pitchFamily="18" charset="0"/>
-              </a:rPr>
-              <a:t>οριζόντας</a:t>
-            </a:r>
-            <a:r>
-              <a:rPr lang="el-GR" dirty="0">
-                <a:latin typeface="Georgia" panose="02040502050405020303" pitchFamily="18" charset="0"/>
-              </a:rPr>
-              <a:t> ισότητας από την σκοπιά των χωρών.</a:t>
-            </a:r>
-          </a:p>
-          <a:p>
-            <a:r>
-              <a:rPr lang="el-GR" dirty="0">
-                <a:latin typeface="Georgia" panose="02040502050405020303" pitchFamily="18" charset="0"/>
-              </a:rPr>
-              <a:t>Πρόταση ενός Γραμμικού προβλήματος για τον </a:t>
-            </a:r>
-            <a:r>
-              <a:rPr lang="el-GR" dirty="0" err="1">
-                <a:latin typeface="Georgia" panose="02040502050405020303" pitchFamily="18" charset="0"/>
-              </a:rPr>
-              <a:t>μοιρασμό</a:t>
-            </a:r>
-            <a:r>
-              <a:rPr lang="el-GR" dirty="0">
-                <a:latin typeface="Georgia" panose="02040502050405020303" pitchFamily="18" charset="0"/>
-              </a:rPr>
-              <a:t> των αδειών.</a:t>
+              <a:t>Πρόταση ενός Γραμμικού μηχανισμού για την διανομή των αδειών.</a:t>
             </a:r>
           </a:p>
           <a:p>

--- a/Thesis/Παρουσίαση.pptx
+++ b/Thesis/Παρουσίαση.pptx
@@ -20,35 +20,35 @@
     <p:sldId id="283" r:id="rId11"/>
     <p:sldId id="265" r:id="rId12"/>
     <p:sldId id="266" r:id="rId13"/>
-    <p:sldId id="284" r:id="rId14"/>
-    <p:sldId id="268" r:id="rId15"/>
-    <p:sldId id="285" r:id="rId16"/>
-    <p:sldId id="269" r:id="rId17"/>
-    <p:sldId id="270" r:id="rId18"/>
-    <p:sldId id="271" r:id="rId19"/>
-    <p:sldId id="272" r:id="rId20"/>
-    <p:sldId id="286" r:id="rId21"/>
-    <p:sldId id="287" r:id="rId22"/>
-    <p:sldId id="289" r:id="rId23"/>
-    <p:sldId id="273" r:id="rId24"/>
-    <p:sldId id="274" r:id="rId25"/>
-    <p:sldId id="275" r:id="rId26"/>
-    <p:sldId id="276" r:id="rId27"/>
-    <p:sldId id="277" r:id="rId28"/>
-    <p:sldId id="300" r:id="rId29"/>
-    <p:sldId id="278" r:id="rId30"/>
-    <p:sldId id="290" r:id="rId31"/>
-    <p:sldId id="279" r:id="rId32"/>
-    <p:sldId id="280" r:id="rId33"/>
-    <p:sldId id="301" r:id="rId34"/>
-    <p:sldId id="291" r:id="rId35"/>
-    <p:sldId id="292" r:id="rId36"/>
-    <p:sldId id="281" r:id="rId37"/>
-    <p:sldId id="293" r:id="rId38"/>
-    <p:sldId id="294" r:id="rId39"/>
-    <p:sldId id="295" r:id="rId40"/>
-    <p:sldId id="297" r:id="rId41"/>
-    <p:sldId id="298" r:id="rId42"/>
+    <p:sldId id="269" r:id="rId14"/>
+    <p:sldId id="270" r:id="rId15"/>
+    <p:sldId id="271" r:id="rId16"/>
+    <p:sldId id="272" r:id="rId17"/>
+    <p:sldId id="286" r:id="rId18"/>
+    <p:sldId id="287" r:id="rId19"/>
+    <p:sldId id="273" r:id="rId20"/>
+    <p:sldId id="274" r:id="rId21"/>
+    <p:sldId id="275" r:id="rId22"/>
+    <p:sldId id="276" r:id="rId23"/>
+    <p:sldId id="277" r:id="rId24"/>
+    <p:sldId id="300" r:id="rId25"/>
+    <p:sldId id="278" r:id="rId26"/>
+    <p:sldId id="290" r:id="rId27"/>
+    <p:sldId id="279" r:id="rId28"/>
+    <p:sldId id="280" r:id="rId29"/>
+    <p:sldId id="301" r:id="rId30"/>
+    <p:sldId id="291" r:id="rId31"/>
+    <p:sldId id="292" r:id="rId32"/>
+    <p:sldId id="281" r:id="rId33"/>
+    <p:sldId id="293" r:id="rId34"/>
+    <p:sldId id="294" r:id="rId35"/>
+    <p:sldId id="295" r:id="rId36"/>
+    <p:sldId id="297" r:id="rId37"/>
+    <p:sldId id="298" r:id="rId38"/>
+    <p:sldId id="284" r:id="rId39"/>
+    <p:sldId id="268" r:id="rId40"/>
+    <p:sldId id="289" r:id="rId41"/>
+    <p:sldId id="285" r:id="rId42"/>
   </p:sldIdLst>
   <p:sldSz cx="12192000" cy="6858000"/>
   <p:notesSz cx="6858000" cy="9144000"/>
@@ -242,7 +242,7 @@
             <a:fld id="{0F18141F-A1E1-41D1-A9B0-569FAF5C8607}" type="datetimeFigureOut">
               <a:rPr lang="en-US" smtClean="0"/>
               <a:pPr/>
-              <a:t>12/3/2024</a:t>
+              <a:t>12/4/2024</a:t>
             </a:fld>
             <a:endParaRPr lang="en-US" dirty="0"/>
           </a:p>
@@ -599,6 +599,98 @@
 </p:notes>
 </file>
 
+<file path=ppt/notesSlides/notesSlide2.xml><?xml version="1.0" encoding="utf-8"?>
+<p:notes xmlns:a="http://schemas.openxmlformats.org/drawingml/2006/main" xmlns:r="http://schemas.openxmlformats.org/officeDocument/2006/relationships" xmlns:p="http://schemas.openxmlformats.org/presentationml/2006/main">
+  <p:cSld>
+    <p:spTree>
+      <p:nvGrpSpPr>
+        <p:cNvPr id="1" name=""/>
+        <p:cNvGrpSpPr/>
+        <p:nvPr/>
+      </p:nvGrpSpPr>
+      <p:grpSpPr>
+        <a:xfrm>
+          <a:off x="0" y="0"/>
+          <a:ext cx="0" cy="0"/>
+          <a:chOff x="0" y="0"/>
+          <a:chExt cx="0" cy="0"/>
+        </a:xfrm>
+      </p:grpSpPr>
+      <p:sp>
+        <p:nvSpPr>
+          <p:cNvPr id="2" name="Θέση εικόνας διαφάνειας 1"/>
+          <p:cNvSpPr>
+            <a:spLocks noGrp="1" noRot="1" noChangeAspect="1"/>
+          </p:cNvSpPr>
+          <p:nvPr>
+            <p:ph type="sldImg"/>
+          </p:nvPr>
+        </p:nvSpPr>
+        <p:spPr/>
+      </p:sp>
+      <p:sp>
+        <p:nvSpPr>
+          <p:cNvPr id="3" name="Θέση σημειώσεων 2"/>
+          <p:cNvSpPr>
+            <a:spLocks noGrp="1"/>
+          </p:cNvSpPr>
+          <p:nvPr>
+            <p:ph type="body" idx="1"/>
+          </p:nvPr>
+        </p:nvSpPr>
+        <p:spPr/>
+        <p:txBody>
+          <a:bodyPr/>
+          <a:lstStyle/>
+          <a:p>
+            <a:r>
+              <a:rPr lang="en-US" dirty="0" err="1"/>
+              <a:t>Cest</a:t>
+            </a:r>
+            <a:r>
+              <a:rPr lang="en-US" dirty="0"/>
+              <a:t> 2023, 18th International Conference on Environmental Science and Technology Athens, Greece, 30 August to 2 September 2023.</a:t>
+            </a:r>
+          </a:p>
+        </p:txBody>
+      </p:sp>
+      <p:sp>
+        <p:nvSpPr>
+          <p:cNvPr id="4" name="Θέση αριθμού διαφάνειας 3"/>
+          <p:cNvSpPr>
+            <a:spLocks noGrp="1"/>
+          </p:cNvSpPr>
+          <p:nvPr>
+            <p:ph type="sldNum" sz="quarter" idx="5"/>
+          </p:nvPr>
+        </p:nvSpPr>
+        <p:spPr/>
+        <p:txBody>
+          <a:bodyPr/>
+          <a:lstStyle/>
+          <a:p>
+            <a:fld id="{DE6F09E7-9F07-408F-B0F7-9B2F1144C6D8}" type="slidenum">
+              <a:rPr lang="en-US" smtClean="0"/>
+              <a:pPr/>
+              <a:t>14</a:t>
+            </a:fld>
+            <a:endParaRPr lang="en-US" dirty="0"/>
+          </a:p>
+        </p:txBody>
+      </p:sp>
+    </p:spTree>
+    <p:extLst>
+      <p:ext uri="{BB962C8B-B14F-4D97-AF65-F5344CB8AC3E}">
+        <p14:creationId xmlns:p14="http://schemas.microsoft.com/office/powerpoint/2010/main" val="1926824165"/>
+      </p:ext>
+    </p:extLst>
+  </p:cSld>
+  <p:clrMapOvr>
+    <a:masterClrMapping/>
+  </p:clrMapOvr>
+</p:notes>
+</file>
+
 <file path=ppt/slideLayouts/slideLayout1.xml><?xml version="1.0" encoding="utf-8"?>
 <p:sldLayout xmlns:a="http://schemas.openxmlformats.org/drawingml/2006/main" xmlns:r="http://schemas.openxmlformats.org/officeDocument/2006/relationships" xmlns:p="http://schemas.openxmlformats.org/presentationml/2006/main" type="title" preserve="1">
   <p:cSld name="Διαφάνεια τίτλου">
@@ -844,7 +936,7 @@
           <a:p>
             <a:fld id="{B41EBE0E-46F1-4465-82F9-9D674364B9F2}" type="datetimeFigureOut">
               <a:rPr lang="en-US" smtClean="0"/>
-              <a:t>12/3/2024</a:t>
+              <a:t>12/4/2024</a:t>
             </a:fld>
             <a:endParaRPr lang="en-US"/>
           </a:p>
@@ -1106,7 +1198,7 @@
           <a:p>
             <a:fld id="{B41EBE0E-46F1-4465-82F9-9D674364B9F2}" type="datetimeFigureOut">
               <a:rPr lang="en-US" smtClean="0"/>
-              <a:t>12/3/2024</a:t>
+              <a:t>12/4/2024</a:t>
             </a:fld>
             <a:endParaRPr lang="en-US"/>
           </a:p>
@@ -1341,7 +1433,7 @@
           <a:p>
             <a:fld id="{B41EBE0E-46F1-4465-82F9-9D674364B9F2}" type="datetimeFigureOut">
               <a:rPr lang="en-US" smtClean="0"/>
-              <a:t>12/3/2024</a:t>
+              <a:t>12/4/2024</a:t>
             </a:fld>
             <a:endParaRPr lang="en-US"/>
           </a:p>
@@ -1581,7 +1673,7 @@
           <a:p>
             <a:fld id="{B41EBE0E-46F1-4465-82F9-9D674364B9F2}" type="datetimeFigureOut">
               <a:rPr lang="en-US" smtClean="0"/>
-              <a:t>12/3/2024</a:t>
+              <a:t>12/4/2024</a:t>
             </a:fld>
             <a:endParaRPr lang="en-US"/>
           </a:p>
@@ -1888,7 +1980,7 @@
           <a:p>
             <a:fld id="{B41EBE0E-46F1-4465-82F9-9D674364B9F2}" type="datetimeFigureOut">
               <a:rPr lang="en-US" smtClean="0"/>
-              <a:t>12/3/2024</a:t>
+              <a:t>12/4/2024</a:t>
             </a:fld>
             <a:endParaRPr lang="en-US"/>
           </a:p>
@@ -2190,7 +2282,7 @@
           <a:p>
             <a:fld id="{B41EBE0E-46F1-4465-82F9-9D674364B9F2}" type="datetimeFigureOut">
               <a:rPr lang="en-US" smtClean="0"/>
-              <a:t>12/3/2024</a:t>
+              <a:t>12/4/2024</a:t>
             </a:fld>
             <a:endParaRPr lang="en-US"/>
           </a:p>
@@ -2612,7 +2704,7 @@
           <a:p>
             <a:fld id="{B41EBE0E-46F1-4465-82F9-9D674364B9F2}" type="datetimeFigureOut">
               <a:rPr lang="en-US" smtClean="0"/>
-              <a:t>12/3/2024</a:t>
+              <a:t>12/4/2024</a:t>
             </a:fld>
             <a:endParaRPr lang="en-US"/>
           </a:p>
@@ -2774,7 +2866,7 @@
           <a:p>
             <a:fld id="{B41EBE0E-46F1-4465-82F9-9D674364B9F2}" type="datetimeFigureOut">
               <a:rPr lang="en-US" smtClean="0"/>
-              <a:t>12/3/2024</a:t>
+              <a:t>12/4/2024</a:t>
             </a:fld>
             <a:endParaRPr lang="en-US"/>
           </a:p>
@@ -2869,7 +2961,7 @@
           <a:p>
             <a:fld id="{B41EBE0E-46F1-4465-82F9-9D674364B9F2}" type="datetimeFigureOut">
               <a:rPr lang="en-US" smtClean="0"/>
-              <a:t>12/3/2024</a:t>
+              <a:t>12/4/2024</a:t>
             </a:fld>
             <a:endParaRPr lang="en-US"/>
           </a:p>
@@ -3247,7 +3339,7 @@
           <a:p>
             <a:fld id="{B41EBE0E-46F1-4465-82F9-9D674364B9F2}" type="datetimeFigureOut">
               <a:rPr lang="en-US" smtClean="0"/>
-              <a:t>12/3/2024</a:t>
+              <a:t>12/4/2024</a:t>
             </a:fld>
             <a:endParaRPr lang="en-US"/>
           </a:p>
@@ -3536,7 +3628,7 @@
           <a:p>
             <a:fld id="{B41EBE0E-46F1-4465-82F9-9D674364B9F2}" type="datetimeFigureOut">
               <a:rPr lang="en-US" smtClean="0"/>
-              <a:t>12/3/2024</a:t>
+              <a:t>12/4/2024</a:t>
             </a:fld>
             <a:endParaRPr lang="en-US"/>
           </a:p>
@@ -3749,7 +3841,7 @@
             <a:fld id="{B41EBE0E-46F1-4465-82F9-9D674364B9F2}" type="datetimeFigureOut">
               <a:rPr lang="en-US" smtClean="0"/>
               <a:pPr/>
-              <a:t>12/3/2024</a:t>
+              <a:t>12/4/2024</a:t>
             </a:fld>
             <a:endParaRPr lang="en-US" dirty="0"/>
           </a:p>
@@ -4440,7 +4532,7 @@
               <a:rPr lang="el-GR" b="1" dirty="0" err="1">
                 <a:latin typeface="Georgia" panose="02040502050405020303" pitchFamily="18" charset="0"/>
               </a:rPr>
-              <a:t>ϑερμοκυπιου</a:t>
+              <a:t>ϑερμοκΗπιου</a:t>
             </a:r>
             <a:r>
               <a:rPr lang="el-GR" b="1" dirty="0">
@@ -5632,7 +5724,7 @@
           <p:nvPr>
             <p:extLst>
               <p:ext uri="{D42A27DB-BD31-4B8C-83A1-F6EECF244321}">
-                <p14:modId xmlns:p14="http://schemas.microsoft.com/office/powerpoint/2010/main" val="2881226806"/>
+                <p14:modId xmlns:p14="http://schemas.microsoft.com/office/powerpoint/2010/main" val="655996484"/>
               </p:ext>
             </p:extLst>
           </p:nvPr>
@@ -5859,7 +5951,7 @@
                         <a:rPr lang="el-GR" dirty="0">
                           <a:latin typeface="Georgia" panose="02040502050405020303" pitchFamily="18" charset="0"/>
                         </a:rPr>
-                        <a:t>Συνολική κατανάλωση ενέργειας</a:t>
+                        <a:t>Συνολική ενέργεια</a:t>
                       </a:r>
                       <a:endParaRPr lang="en-US" dirty="0">
                         <a:latin typeface="Georgia" panose="02040502050405020303" pitchFamily="18" charset="0"/>
@@ -6522,1784 +6614,6 @@
     </p:bg>
     <p:spTree>
       <p:nvGrpSpPr>
-        <p:cNvPr id="1" name=""/>
-        <p:cNvGrpSpPr/>
-        <p:nvPr/>
-      </p:nvGrpSpPr>
-      <p:grpSpPr>
-        <a:xfrm>
-          <a:off x="0" y="0"/>
-          <a:ext cx="0" cy="0"/>
-          <a:chOff x="0" y="0"/>
-          <a:chExt cx="0" cy="0"/>
-        </a:xfrm>
-      </p:grpSpPr>
-      <p:sp>
-        <p:nvSpPr>
-          <p:cNvPr id="29" name="Rectangle 28">
-            <a:extLst>
-              <a:ext uri="{FF2B5EF4-FFF2-40B4-BE49-F238E27FC236}">
-                <a16:creationId xmlns:a16="http://schemas.microsoft.com/office/drawing/2014/main" id="{75C1B30C-9CF2-4A94-98DE-78EB3E31AA1E}"/>
-              </a:ext>
-              <a:ext uri="{C183D7F6-B498-43B3-948B-1728B52AA6E4}">
-                <adec:decorative xmlns:adec="http://schemas.microsoft.com/office/drawing/2017/decorative" val="1"/>
-              </a:ext>
-            </a:extLst>
-          </p:cNvPr>
-          <p:cNvSpPr>
-            <a:spLocks noGrp="1" noRot="1" noChangeAspect="1" noMove="1" noResize="1" noEditPoints="1" noAdjustHandles="1" noChangeArrowheads="1" noChangeShapeType="1" noTextEdit="1"/>
-          </p:cNvSpPr>
-          <p:nvPr>
-            <p:extLst>
-              <p:ext uri="{386F3935-93C4-4BCD-93E2-E3B085C9AB24}">
-                <p16:designElem xmlns:p16="http://schemas.microsoft.com/office/powerpoint/2015/main" val="1"/>
-              </p:ext>
-            </p:extLst>
-          </p:nvPr>
-        </p:nvSpPr>
-        <p:spPr>
-          <a:xfrm>
-            <a:off x="446534" y="457200"/>
-            <a:ext cx="3703320" cy="94997"/>
-          </a:xfrm>
-          <a:prstGeom prst="rect">
-            <a:avLst/>
-          </a:prstGeom>
-          <a:solidFill>
-            <a:schemeClr val="accent1"/>
-          </a:solidFill>
-          <a:ln>
-            <a:noFill/>
-          </a:ln>
-          <a:effectLst/>
-        </p:spPr>
-        <p:style>
-          <a:lnRef idx="1">
-            <a:schemeClr val="accent1"/>
-          </a:lnRef>
-          <a:fillRef idx="3">
-            <a:schemeClr val="accent1"/>
-          </a:fillRef>
-          <a:effectRef idx="2">
-            <a:schemeClr val="accent1"/>
-          </a:effectRef>
-          <a:fontRef idx="minor">
-            <a:schemeClr val="lt1"/>
-          </a:fontRef>
-        </p:style>
-        <p:txBody>
-          <a:bodyPr/>
-          <a:lstStyle/>
-          <a:p>
-            <a:endParaRPr lang="en-US" dirty="0">
-              <a:latin typeface="Abadi" panose="020B0604020104020204" pitchFamily="34" charset="0"/>
-            </a:endParaRPr>
-          </a:p>
-        </p:txBody>
-      </p:sp>
-      <p:sp>
-        <p:nvSpPr>
-          <p:cNvPr id="31" name="Rectangle 30">
-            <a:extLst>
-              <a:ext uri="{FF2B5EF4-FFF2-40B4-BE49-F238E27FC236}">
-                <a16:creationId xmlns:a16="http://schemas.microsoft.com/office/drawing/2014/main" id="{62A78910-3783-4F13-AB69-E0AE41E316CF}"/>
-              </a:ext>
-              <a:ext uri="{C183D7F6-B498-43B3-948B-1728B52AA6E4}">
-                <adec:decorative xmlns:adec="http://schemas.microsoft.com/office/drawing/2017/decorative" val="1"/>
-              </a:ext>
-            </a:extLst>
-          </p:cNvPr>
-          <p:cNvSpPr>
-            <a:spLocks noGrp="1" noRot="1" noChangeAspect="1" noMove="1" noResize="1" noEditPoints="1" noAdjustHandles="1" noChangeArrowheads="1" noChangeShapeType="1" noTextEdit="1"/>
-          </p:cNvSpPr>
-          <p:nvPr>
-            <p:extLst>
-              <p:ext uri="{386F3935-93C4-4BCD-93E2-E3B085C9AB24}">
-                <p16:designElem xmlns:p16="http://schemas.microsoft.com/office/powerpoint/2015/main" val="1"/>
-              </p:ext>
-            </p:extLst>
-          </p:nvPr>
-        </p:nvSpPr>
-        <p:spPr>
-          <a:xfrm>
-            <a:off x="8042147" y="453643"/>
-            <a:ext cx="3703320" cy="98554"/>
-          </a:xfrm>
-          <a:prstGeom prst="rect">
-            <a:avLst/>
-          </a:prstGeom>
-          <a:solidFill>
-            <a:schemeClr val="accent4"/>
-          </a:solidFill>
-          <a:ln>
-            <a:noFill/>
-          </a:ln>
-          <a:effectLst/>
-        </p:spPr>
-        <p:style>
-          <a:lnRef idx="1">
-            <a:schemeClr val="accent1"/>
-          </a:lnRef>
-          <a:fillRef idx="3">
-            <a:schemeClr val="accent1"/>
-          </a:fillRef>
-          <a:effectRef idx="2">
-            <a:schemeClr val="accent1"/>
-          </a:effectRef>
-          <a:fontRef idx="minor">
-            <a:schemeClr val="lt1"/>
-          </a:fontRef>
-        </p:style>
-        <p:txBody>
-          <a:bodyPr/>
-          <a:lstStyle/>
-          <a:p>
-            <a:endParaRPr lang="en-US" dirty="0">
-              <a:latin typeface="Abadi" panose="020B0604020104020204" pitchFamily="34" charset="0"/>
-            </a:endParaRPr>
-          </a:p>
-        </p:txBody>
-      </p:sp>
-      <p:sp>
-        <p:nvSpPr>
-          <p:cNvPr id="33" name="Rectangle 32">
-            <a:extLst>
-              <a:ext uri="{FF2B5EF4-FFF2-40B4-BE49-F238E27FC236}">
-                <a16:creationId xmlns:a16="http://schemas.microsoft.com/office/drawing/2014/main" id="{A2BC4FA5-B0FE-4EFB-8490-3F736533CCB1}"/>
-              </a:ext>
-              <a:ext uri="{C183D7F6-B498-43B3-948B-1728B52AA6E4}">
-                <adec:decorative xmlns:adec="http://schemas.microsoft.com/office/drawing/2017/decorative" val="1"/>
-              </a:ext>
-            </a:extLst>
-          </p:cNvPr>
-          <p:cNvSpPr>
-            <a:spLocks noGrp="1" noRot="1" noChangeAspect="1" noMove="1" noResize="1" noEditPoints="1" noAdjustHandles="1" noChangeArrowheads="1" noChangeShapeType="1" noTextEdit="1"/>
-          </p:cNvSpPr>
-          <p:nvPr>
-            <p:extLst>
-              <p:ext uri="{386F3935-93C4-4BCD-93E2-E3B085C9AB24}">
-                <p16:designElem xmlns:p16="http://schemas.microsoft.com/office/powerpoint/2015/main" val="1"/>
-              </p:ext>
-            </p:extLst>
-          </p:nvPr>
-        </p:nvSpPr>
-        <p:spPr>
-          <a:xfrm>
-            <a:off x="4241830" y="457200"/>
-            <a:ext cx="3703320" cy="91440"/>
-          </a:xfrm>
-          <a:prstGeom prst="rect">
-            <a:avLst/>
-          </a:prstGeom>
-          <a:solidFill>
-            <a:schemeClr val="accent2"/>
-          </a:solidFill>
-          <a:ln>
-            <a:noFill/>
-          </a:ln>
-          <a:effectLst/>
-        </p:spPr>
-        <p:style>
-          <a:lnRef idx="1">
-            <a:schemeClr val="accent1"/>
-          </a:lnRef>
-          <a:fillRef idx="3">
-            <a:schemeClr val="accent1"/>
-          </a:fillRef>
-          <a:effectRef idx="2">
-            <a:schemeClr val="accent1"/>
-          </a:effectRef>
-          <a:fontRef idx="minor">
-            <a:schemeClr val="lt1"/>
-          </a:fontRef>
-        </p:style>
-        <p:txBody>
-          <a:bodyPr/>
-          <a:lstStyle/>
-          <a:p>
-            <a:endParaRPr lang="en-US" dirty="0">
-              <a:latin typeface="Abadi" panose="020B0604020104020204" pitchFamily="34" charset="0"/>
-            </a:endParaRPr>
-          </a:p>
-        </p:txBody>
-      </p:sp>
-      <p:sp useBgFill="1">
-        <p:nvSpPr>
-          <p:cNvPr id="35" name="Rectangle 34">
-            <a:extLst>
-              <a:ext uri="{FF2B5EF4-FFF2-40B4-BE49-F238E27FC236}">
-                <a16:creationId xmlns:a16="http://schemas.microsoft.com/office/drawing/2014/main" id="{A4308965-434A-4011-8316-8ABEFFED04CD}"/>
-              </a:ext>
-              <a:ext uri="{C183D7F6-B498-43B3-948B-1728B52AA6E4}">
-                <adec:decorative xmlns:adec="http://schemas.microsoft.com/office/drawing/2017/decorative" val="1"/>
-              </a:ext>
-            </a:extLst>
-          </p:cNvPr>
-          <p:cNvSpPr>
-            <a:spLocks noGrp="1" noRot="1" noChangeAspect="1" noMove="1" noResize="1" noEditPoints="1" noAdjustHandles="1" noChangeArrowheads="1" noChangeShapeType="1" noTextEdit="1"/>
-          </p:cNvSpPr>
-          <p:nvPr>
-            <p:extLst>
-              <p:ext uri="{386F3935-93C4-4BCD-93E2-E3B085C9AB24}">
-                <p16:designElem xmlns:p16="http://schemas.microsoft.com/office/powerpoint/2015/main" val="1"/>
-              </p:ext>
-            </p:extLst>
-          </p:nvPr>
-        </p:nvSpPr>
-        <p:spPr>
-          <a:xfrm>
-            <a:off x="0" y="0"/>
-            <a:ext cx="12192000" cy="6858000"/>
-          </a:xfrm>
-          <a:prstGeom prst="rect">
-            <a:avLst/>
-          </a:prstGeom>
-          <a:ln>
-            <a:noFill/>
-          </a:ln>
-        </p:spPr>
-        <p:style>
-          <a:lnRef idx="2">
-            <a:schemeClr val="accent1">
-              <a:shade val="50000"/>
-            </a:schemeClr>
-          </a:lnRef>
-          <a:fillRef idx="1">
-            <a:schemeClr val="accent1"/>
-          </a:fillRef>
-          <a:effectRef idx="0">
-            <a:schemeClr val="accent1"/>
-          </a:effectRef>
-          <a:fontRef idx="minor">
-            <a:schemeClr val="lt1"/>
-          </a:fontRef>
-        </p:style>
-        <p:txBody>
-          <a:bodyPr rtlCol="0" anchor="ctr"/>
-          <a:lstStyle/>
-          <a:p>
-            <a:pPr algn="ctr"/>
-            <a:endParaRPr lang="en-US" dirty="0">
-              <a:latin typeface="Abadi" panose="020B0604020104020204" pitchFamily="34" charset="0"/>
-            </a:endParaRPr>
-          </a:p>
-        </p:txBody>
-      </p:sp>
-      <p:sp>
-        <p:nvSpPr>
-          <p:cNvPr id="37" name="Rectangle 36">
-            <a:extLst>
-              <a:ext uri="{FF2B5EF4-FFF2-40B4-BE49-F238E27FC236}">
-                <a16:creationId xmlns:a16="http://schemas.microsoft.com/office/drawing/2014/main" id="{1C910B0D-8E24-46E7-93D7-329948C60D98}"/>
-              </a:ext>
-              <a:ext uri="{C183D7F6-B498-43B3-948B-1728B52AA6E4}">
-                <adec:decorative xmlns:adec="http://schemas.microsoft.com/office/drawing/2017/decorative" val="1"/>
-              </a:ext>
-            </a:extLst>
-          </p:cNvPr>
-          <p:cNvSpPr>
-            <a:spLocks noGrp="1" noRot="1" noChangeAspect="1" noMove="1" noResize="1" noEditPoints="1" noAdjustHandles="1" noChangeArrowheads="1" noChangeShapeType="1" noTextEdit="1"/>
-          </p:cNvSpPr>
-          <p:nvPr>
-            <p:extLst>
-              <p:ext uri="{386F3935-93C4-4BCD-93E2-E3B085C9AB24}">
-                <p16:designElem xmlns:p16="http://schemas.microsoft.com/office/powerpoint/2015/main" val="1"/>
-              </p:ext>
-            </p:extLst>
-          </p:nvPr>
-        </p:nvSpPr>
-        <p:spPr>
-          <a:xfrm>
-            <a:off x="446533" y="457200"/>
-            <a:ext cx="5609383" cy="95250"/>
-          </a:xfrm>
-          <a:prstGeom prst="rect">
-            <a:avLst/>
-          </a:prstGeom>
-          <a:solidFill>
-            <a:schemeClr val="accent1"/>
-          </a:solidFill>
-          <a:ln>
-            <a:noFill/>
-          </a:ln>
-          <a:effectLst/>
-        </p:spPr>
-        <p:style>
-          <a:lnRef idx="1">
-            <a:schemeClr val="accent1"/>
-          </a:lnRef>
-          <a:fillRef idx="3">
-            <a:schemeClr val="accent1"/>
-          </a:fillRef>
-          <a:effectRef idx="2">
-            <a:schemeClr val="accent1"/>
-          </a:effectRef>
-          <a:fontRef idx="minor">
-            <a:schemeClr val="lt1"/>
-          </a:fontRef>
-        </p:style>
-        <p:txBody>
-          <a:bodyPr/>
-          <a:lstStyle/>
-          <a:p>
-            <a:endParaRPr lang="en-US" dirty="0">
-              <a:latin typeface="Abadi" panose="020B0604020104020204" pitchFamily="34" charset="0"/>
-            </a:endParaRPr>
-          </a:p>
-        </p:txBody>
-      </p:sp>
-      <p:sp>
-        <p:nvSpPr>
-          <p:cNvPr id="39" name="Rectangle 38">
-            <a:extLst>
-              <a:ext uri="{FF2B5EF4-FFF2-40B4-BE49-F238E27FC236}">
-                <a16:creationId xmlns:a16="http://schemas.microsoft.com/office/drawing/2014/main" id="{FF215A71-CFAF-4964-A613-D07F75FC1A61}"/>
-              </a:ext>
-              <a:ext uri="{C183D7F6-B498-43B3-948B-1728B52AA6E4}">
-                <adec:decorative xmlns:adec="http://schemas.microsoft.com/office/drawing/2017/decorative" val="1"/>
-              </a:ext>
-            </a:extLst>
-          </p:cNvPr>
-          <p:cNvSpPr>
-            <a:spLocks noGrp="1" noRot="1" noChangeAspect="1" noMove="1" noResize="1" noEditPoints="1" noAdjustHandles="1" noChangeArrowheads="1" noChangeShapeType="1" noTextEdit="1"/>
-          </p:cNvSpPr>
-          <p:nvPr>
-            <p:extLst>
-              <p:ext uri="{386F3935-93C4-4BCD-93E2-E3B085C9AB24}">
-                <p16:designElem xmlns:p16="http://schemas.microsoft.com/office/powerpoint/2015/main" val="1"/>
-              </p:ext>
-            </p:extLst>
-          </p:nvPr>
-        </p:nvSpPr>
-        <p:spPr>
-          <a:xfrm>
-            <a:off x="6149035" y="453825"/>
-            <a:ext cx="5596432" cy="98372"/>
-          </a:xfrm>
-          <a:prstGeom prst="rect">
-            <a:avLst/>
-          </a:prstGeom>
-          <a:solidFill>
-            <a:schemeClr val="accent2"/>
-          </a:solidFill>
-          <a:ln>
-            <a:noFill/>
-          </a:ln>
-          <a:effectLst/>
-        </p:spPr>
-        <p:style>
-          <a:lnRef idx="1">
-            <a:schemeClr val="accent1"/>
-          </a:lnRef>
-          <a:fillRef idx="3">
-            <a:schemeClr val="accent1"/>
-          </a:fillRef>
-          <a:effectRef idx="2">
-            <a:schemeClr val="accent1"/>
-          </a:effectRef>
-          <a:fontRef idx="minor">
-            <a:schemeClr val="lt1"/>
-          </a:fontRef>
-        </p:style>
-        <p:txBody>
-          <a:bodyPr/>
-          <a:lstStyle/>
-          <a:p>
-            <a:endParaRPr lang="en-US" dirty="0">
-              <a:latin typeface="Abadi" panose="020B0604020104020204" pitchFamily="34" charset="0"/>
-            </a:endParaRPr>
-          </a:p>
-        </p:txBody>
-      </p:sp>
-      <p:pic>
-        <p:nvPicPr>
-          <p:cNvPr id="7" name="Εικόνα 6" descr="Εικόνα που περιέχει στιγμιότυπο οθόνης, γραμμή&#10;&#10;Περιγραφή που δημιουργήθηκε αυτόματα">
-            <a:extLst>
-              <a:ext uri="{FF2B5EF4-FFF2-40B4-BE49-F238E27FC236}">
-                <a16:creationId xmlns:a16="http://schemas.microsoft.com/office/drawing/2014/main" id="{F6226FD8-B7E8-36DC-0278-87A438F39843}"/>
-              </a:ext>
-            </a:extLst>
-          </p:cNvPr>
-          <p:cNvPicPr>
-            <a:picLocks noChangeAspect="1"/>
-          </p:cNvPicPr>
-          <p:nvPr/>
-        </p:nvPicPr>
-        <p:blipFill>
-          <a:blip r:embed="rId2">
-            <a:extLst>
-              <a:ext uri="{28A0092B-C50C-407E-A947-70E740481C1C}">
-                <a14:useLocalDpi xmlns:a14="http://schemas.microsoft.com/office/drawing/2010/main" val="0"/>
-              </a:ext>
-            </a:extLst>
-          </a:blip>
-          <a:stretch>
-            <a:fillRect/>
-          </a:stretch>
-        </p:blipFill>
-        <p:spPr>
-          <a:xfrm>
-            <a:off x="465691" y="643467"/>
-            <a:ext cx="5571067" cy="5571067"/>
-          </a:xfrm>
-          <a:prstGeom prst="rect">
-            <a:avLst/>
-          </a:prstGeom>
-        </p:spPr>
-      </p:pic>
-      <p:pic>
-        <p:nvPicPr>
-          <p:cNvPr id="5" name="Θέση περιεχομένου 4" descr="Εικόνα που περιέχει στιγμιότυπο οθόνης, κείμενο&#10;&#10;Περιγραφή που δημιουργήθηκε αυτόματα">
-            <a:extLst>
-              <a:ext uri="{FF2B5EF4-FFF2-40B4-BE49-F238E27FC236}">
-                <a16:creationId xmlns:a16="http://schemas.microsoft.com/office/drawing/2014/main" id="{B96606BD-812C-EEDE-FF7A-204777EAE8AB}"/>
-              </a:ext>
-            </a:extLst>
-          </p:cNvPr>
-          <p:cNvPicPr>
-            <a:picLocks noGrp="1" noChangeAspect="1"/>
-          </p:cNvPicPr>
-          <p:nvPr>
-            <p:ph idx="1"/>
-          </p:nvPr>
-        </p:nvPicPr>
-        <p:blipFill>
-          <a:blip r:embed="rId3">
-            <a:extLst>
-              <a:ext uri="{28A0092B-C50C-407E-A947-70E740481C1C}">
-                <a14:useLocalDpi xmlns:a14="http://schemas.microsoft.com/office/drawing/2010/main" val="0"/>
-              </a:ext>
-            </a:extLst>
-          </a:blip>
-          <a:stretch>
-            <a:fillRect/>
-          </a:stretch>
-        </p:blipFill>
-        <p:spPr>
-          <a:xfrm>
-            <a:off x="6161717" y="643467"/>
-            <a:ext cx="5571067" cy="5571067"/>
-          </a:xfrm>
-          <a:prstGeom prst="rect">
-            <a:avLst/>
-          </a:prstGeom>
-        </p:spPr>
-      </p:pic>
-      <p:sp>
-        <p:nvSpPr>
-          <p:cNvPr id="8" name="TextBox 7">
-            <a:extLst>
-              <a:ext uri="{FF2B5EF4-FFF2-40B4-BE49-F238E27FC236}">
-                <a16:creationId xmlns:a16="http://schemas.microsoft.com/office/drawing/2014/main" id="{31B2DABD-EE29-B8C3-25A8-B9138879E983}"/>
-              </a:ext>
-            </a:extLst>
-          </p:cNvPr>
-          <p:cNvSpPr txBox="1"/>
-          <p:nvPr/>
-        </p:nvSpPr>
-        <p:spPr>
-          <a:xfrm>
-            <a:off x="2396942" y="6304129"/>
-            <a:ext cx="1972927" cy="369332"/>
-          </a:xfrm>
-          <a:prstGeom prst="rect">
-            <a:avLst/>
-          </a:prstGeom>
-          <a:noFill/>
-        </p:spPr>
-        <p:txBody>
-          <a:bodyPr wrap="square" rtlCol="0">
-            <a:spAutoFit/>
-          </a:bodyPr>
-          <a:lstStyle/>
-          <a:p>
-            <a:pPr algn="ctr"/>
-            <a:r>
-              <a:rPr lang="en-US" dirty="0">
-                <a:latin typeface="Abadi" panose="020B0604020104020204" pitchFamily="34" charset="0"/>
-              </a:rPr>
-              <a:t>2006 Phase I</a:t>
-            </a:r>
-          </a:p>
-        </p:txBody>
-      </p:sp>
-      <p:sp>
-        <p:nvSpPr>
-          <p:cNvPr id="9" name="TextBox 8">
-            <a:extLst>
-              <a:ext uri="{FF2B5EF4-FFF2-40B4-BE49-F238E27FC236}">
-                <a16:creationId xmlns:a16="http://schemas.microsoft.com/office/drawing/2014/main" id="{B226C5D7-F1EF-A3DC-231C-4F868FD2A388}"/>
-              </a:ext>
-            </a:extLst>
-          </p:cNvPr>
-          <p:cNvSpPr txBox="1"/>
-          <p:nvPr/>
-        </p:nvSpPr>
-        <p:spPr>
-          <a:xfrm>
-            <a:off x="7960786" y="6244412"/>
-            <a:ext cx="1972927" cy="369332"/>
-          </a:xfrm>
-          <a:prstGeom prst="rect">
-            <a:avLst/>
-          </a:prstGeom>
-          <a:noFill/>
-        </p:spPr>
-        <p:txBody>
-          <a:bodyPr wrap="square" rtlCol="0">
-            <a:spAutoFit/>
-          </a:bodyPr>
-          <a:lstStyle/>
-          <a:p>
-            <a:pPr algn="ctr"/>
-            <a:r>
-              <a:rPr lang="en-US" dirty="0">
-                <a:latin typeface="Abadi" panose="020B0604020104020204" pitchFamily="34" charset="0"/>
-              </a:rPr>
-              <a:t>2010 Phase II</a:t>
-            </a:r>
-          </a:p>
-        </p:txBody>
-      </p:sp>
-      <p:sp>
-        <p:nvSpPr>
-          <p:cNvPr id="2" name="Ορθογώνιο 1">
-            <a:extLst>
-              <a:ext uri="{FF2B5EF4-FFF2-40B4-BE49-F238E27FC236}">
-                <a16:creationId xmlns:a16="http://schemas.microsoft.com/office/drawing/2014/main" id="{E6624A12-EE2E-F755-D3F3-F36F7DAB7ED6}"/>
-              </a:ext>
-            </a:extLst>
-          </p:cNvPr>
-          <p:cNvSpPr/>
-          <p:nvPr/>
-        </p:nvSpPr>
-        <p:spPr>
-          <a:xfrm>
-            <a:off x="0" y="0"/>
-            <a:ext cx="12192000" cy="6858000"/>
-          </a:xfrm>
-          <a:prstGeom prst="rect">
-            <a:avLst/>
-          </a:prstGeom>
-          <a:solidFill>
-            <a:srgbClr val="4D1434">
-              <a:alpha val="30196"/>
-            </a:srgbClr>
-          </a:solidFill>
-        </p:spPr>
-        <p:style>
-          <a:lnRef idx="2">
-            <a:schemeClr val="accent1">
-              <a:shade val="15000"/>
-            </a:schemeClr>
-          </a:lnRef>
-          <a:fillRef idx="1">
-            <a:schemeClr val="accent1"/>
-          </a:fillRef>
-          <a:effectRef idx="0">
-            <a:schemeClr val="accent1"/>
-          </a:effectRef>
-          <a:fontRef idx="minor">
-            <a:schemeClr val="lt1"/>
-          </a:fontRef>
-        </p:style>
-        <p:txBody>
-          <a:bodyPr rtlCol="0" anchor="ctr"/>
-          <a:lstStyle/>
-          <a:p>
-            <a:pPr algn="ctr"/>
-            <a:endParaRPr lang="en-US" dirty="0"/>
-          </a:p>
-        </p:txBody>
-      </p:sp>
-    </p:spTree>
-    <p:extLst>
-      <p:ext uri="{BB962C8B-B14F-4D97-AF65-F5344CB8AC3E}">
-        <p14:creationId xmlns:p14="http://schemas.microsoft.com/office/powerpoint/2010/main" val="3970212885"/>
-      </p:ext>
-    </p:extLst>
-  </p:cSld>
-  <p:clrMapOvr>
-    <a:masterClrMapping/>
-  </p:clrMapOvr>
-</p:sld>
-</file>
-
-<file path=ppt/slides/slide14.xml><?xml version="1.0" encoding="utf-8"?>
-<p:sld xmlns:a="http://schemas.openxmlformats.org/drawingml/2006/main" xmlns:r="http://schemas.openxmlformats.org/officeDocument/2006/relationships" xmlns:p="http://schemas.openxmlformats.org/presentationml/2006/main">
-  <p:cSld>
-    <p:bg>
-      <p:bgPr>
-        <a:solidFill>
-          <a:schemeClr val="bg1"/>
-        </a:solidFill>
-        <a:effectLst/>
-      </p:bgPr>
-    </p:bg>
-    <p:spTree>
-      <p:nvGrpSpPr>
-        <p:cNvPr id="1" name="">
-          <a:extLst>
-            <a:ext uri="{FF2B5EF4-FFF2-40B4-BE49-F238E27FC236}">
-              <a16:creationId xmlns:a16="http://schemas.microsoft.com/office/drawing/2014/main" id="{B25259A5-D9A1-F443-746D-12D62C9E59F1}"/>
-            </a:ext>
-          </a:extLst>
-        </p:cNvPr>
-        <p:cNvGrpSpPr/>
-        <p:nvPr/>
-      </p:nvGrpSpPr>
-      <p:grpSpPr>
-        <a:xfrm>
-          <a:off x="0" y="0"/>
-          <a:ext cx="0" cy="0"/>
-          <a:chOff x="0" y="0"/>
-          <a:chExt cx="0" cy="0"/>
-        </a:xfrm>
-      </p:grpSpPr>
-      <p:sp>
-        <p:nvSpPr>
-          <p:cNvPr id="58" name="Rectangle 43">
-            <a:extLst>
-              <a:ext uri="{FF2B5EF4-FFF2-40B4-BE49-F238E27FC236}">
-                <a16:creationId xmlns:a16="http://schemas.microsoft.com/office/drawing/2014/main" id="{DB691D59-8F51-4DD8-AD41-D568D29B08F8}"/>
-              </a:ext>
-              <a:ext uri="{C183D7F6-B498-43B3-948B-1728B52AA6E4}">
-                <adec:decorative xmlns:adec="http://schemas.microsoft.com/office/drawing/2017/decorative" val="1"/>
-              </a:ext>
-            </a:extLst>
-          </p:cNvPr>
-          <p:cNvSpPr>
-            <a:spLocks noGrp="1" noRot="1" noChangeAspect="1" noMove="1" noResize="1" noEditPoints="1" noAdjustHandles="1" noChangeArrowheads="1" noChangeShapeType="1" noTextEdit="1"/>
-          </p:cNvSpPr>
-          <p:nvPr>
-            <p:extLst>
-              <p:ext uri="{386F3935-93C4-4BCD-93E2-E3B085C9AB24}">
-                <p16:designElem xmlns:p16="http://schemas.microsoft.com/office/powerpoint/2015/main" val="1"/>
-              </p:ext>
-            </p:extLst>
-          </p:nvPr>
-        </p:nvSpPr>
-        <p:spPr>
-          <a:xfrm>
-            <a:off x="446534" y="457200"/>
-            <a:ext cx="3703320" cy="94997"/>
-          </a:xfrm>
-          <a:prstGeom prst="rect">
-            <a:avLst/>
-          </a:prstGeom>
-          <a:solidFill>
-            <a:schemeClr val="accent1"/>
-          </a:solidFill>
-          <a:ln>
-            <a:noFill/>
-          </a:ln>
-          <a:effectLst/>
-        </p:spPr>
-        <p:style>
-          <a:lnRef idx="1">
-            <a:schemeClr val="accent1"/>
-          </a:lnRef>
-          <a:fillRef idx="3">
-            <a:schemeClr val="accent1"/>
-          </a:fillRef>
-          <a:effectRef idx="2">
-            <a:schemeClr val="accent1"/>
-          </a:effectRef>
-          <a:fontRef idx="minor">
-            <a:schemeClr val="lt1"/>
-          </a:fontRef>
-        </p:style>
-        <p:txBody>
-          <a:bodyPr/>
-          <a:lstStyle/>
-          <a:p>
-            <a:endParaRPr lang="en-US" dirty="0">
-              <a:latin typeface="Abadi" panose="020B0604020104020204" pitchFamily="34" charset="0"/>
-            </a:endParaRPr>
-          </a:p>
-        </p:txBody>
-      </p:sp>
-      <p:sp>
-        <p:nvSpPr>
-          <p:cNvPr id="59" name="Rectangle 45">
-            <a:extLst>
-              <a:ext uri="{FF2B5EF4-FFF2-40B4-BE49-F238E27FC236}">
-                <a16:creationId xmlns:a16="http://schemas.microsoft.com/office/drawing/2014/main" id="{204AEF18-0627-48F3-9B3D-F7E8F050B1D4}"/>
-              </a:ext>
-              <a:ext uri="{C183D7F6-B498-43B3-948B-1728B52AA6E4}">
-                <adec:decorative xmlns:adec="http://schemas.microsoft.com/office/drawing/2017/decorative" val="1"/>
-              </a:ext>
-            </a:extLst>
-          </p:cNvPr>
-          <p:cNvSpPr>
-            <a:spLocks noGrp="1" noRot="1" noChangeAspect="1" noMove="1" noResize="1" noEditPoints="1" noAdjustHandles="1" noChangeArrowheads="1" noChangeShapeType="1" noTextEdit="1"/>
-          </p:cNvSpPr>
-          <p:nvPr>
-            <p:extLst>
-              <p:ext uri="{386F3935-93C4-4BCD-93E2-E3B085C9AB24}">
-                <p16:designElem xmlns:p16="http://schemas.microsoft.com/office/powerpoint/2015/main" val="1"/>
-              </p:ext>
-            </p:extLst>
-          </p:nvPr>
-        </p:nvSpPr>
-        <p:spPr>
-          <a:xfrm>
-            <a:off x="8042147" y="453643"/>
-            <a:ext cx="3703320" cy="98554"/>
-          </a:xfrm>
-          <a:prstGeom prst="rect">
-            <a:avLst/>
-          </a:prstGeom>
-          <a:solidFill>
-            <a:schemeClr val="accent4"/>
-          </a:solidFill>
-          <a:ln>
-            <a:noFill/>
-          </a:ln>
-          <a:effectLst/>
-        </p:spPr>
-        <p:style>
-          <a:lnRef idx="1">
-            <a:schemeClr val="accent1"/>
-          </a:lnRef>
-          <a:fillRef idx="3">
-            <a:schemeClr val="accent1"/>
-          </a:fillRef>
-          <a:effectRef idx="2">
-            <a:schemeClr val="accent1"/>
-          </a:effectRef>
-          <a:fontRef idx="minor">
-            <a:schemeClr val="lt1"/>
-          </a:fontRef>
-        </p:style>
-        <p:txBody>
-          <a:bodyPr/>
-          <a:lstStyle/>
-          <a:p>
-            <a:endParaRPr lang="en-US" dirty="0">
-              <a:latin typeface="Abadi" panose="020B0604020104020204" pitchFamily="34" charset="0"/>
-            </a:endParaRPr>
-          </a:p>
-        </p:txBody>
-      </p:sp>
-      <p:sp>
-        <p:nvSpPr>
-          <p:cNvPr id="60" name="Rectangle 47">
-            <a:extLst>
-              <a:ext uri="{FF2B5EF4-FFF2-40B4-BE49-F238E27FC236}">
-                <a16:creationId xmlns:a16="http://schemas.microsoft.com/office/drawing/2014/main" id="{CEAEE08A-C572-438F-9753-B0D527A515A7}"/>
-              </a:ext>
-              <a:ext uri="{C183D7F6-B498-43B3-948B-1728B52AA6E4}">
-                <adec:decorative xmlns:adec="http://schemas.microsoft.com/office/drawing/2017/decorative" val="1"/>
-              </a:ext>
-            </a:extLst>
-          </p:cNvPr>
-          <p:cNvSpPr>
-            <a:spLocks noGrp="1" noRot="1" noChangeAspect="1" noMove="1" noResize="1" noEditPoints="1" noAdjustHandles="1" noChangeArrowheads="1" noChangeShapeType="1" noTextEdit="1"/>
-          </p:cNvSpPr>
-          <p:nvPr>
-            <p:extLst>
-              <p:ext uri="{386F3935-93C4-4BCD-93E2-E3B085C9AB24}">
-                <p16:designElem xmlns:p16="http://schemas.microsoft.com/office/powerpoint/2015/main" val="1"/>
-              </p:ext>
-            </p:extLst>
-          </p:nvPr>
-        </p:nvSpPr>
-        <p:spPr>
-          <a:xfrm>
-            <a:off x="4241830" y="457200"/>
-            <a:ext cx="3703320" cy="91440"/>
-          </a:xfrm>
-          <a:prstGeom prst="rect">
-            <a:avLst/>
-          </a:prstGeom>
-          <a:solidFill>
-            <a:schemeClr val="accent2"/>
-          </a:solidFill>
-          <a:ln>
-            <a:noFill/>
-          </a:ln>
-          <a:effectLst/>
-        </p:spPr>
-        <p:style>
-          <a:lnRef idx="1">
-            <a:schemeClr val="accent1"/>
-          </a:lnRef>
-          <a:fillRef idx="3">
-            <a:schemeClr val="accent1"/>
-          </a:fillRef>
-          <a:effectRef idx="2">
-            <a:schemeClr val="accent1"/>
-          </a:effectRef>
-          <a:fontRef idx="minor">
-            <a:schemeClr val="lt1"/>
-          </a:fontRef>
-        </p:style>
-        <p:txBody>
-          <a:bodyPr/>
-          <a:lstStyle/>
-          <a:p>
-            <a:endParaRPr lang="en-US" dirty="0">
-              <a:latin typeface="Abadi" panose="020B0604020104020204" pitchFamily="34" charset="0"/>
-            </a:endParaRPr>
-          </a:p>
-        </p:txBody>
-      </p:sp>
-      <p:sp>
-        <p:nvSpPr>
-          <p:cNvPr id="61" name="Rectangle 49">
-            <a:extLst>
-              <a:ext uri="{FF2B5EF4-FFF2-40B4-BE49-F238E27FC236}">
-                <a16:creationId xmlns:a16="http://schemas.microsoft.com/office/drawing/2014/main" id="{DB93146F-62ED-4C59-844C-0935D0FB5031}"/>
-              </a:ext>
-              <a:ext uri="{C183D7F6-B498-43B3-948B-1728B52AA6E4}">
-                <adec:decorative xmlns:adec="http://schemas.microsoft.com/office/drawing/2017/decorative" val="1"/>
-              </a:ext>
-            </a:extLst>
-          </p:cNvPr>
-          <p:cNvSpPr>
-            <a:spLocks noGrp="1" noRot="1" noChangeAspect="1" noMove="1" noResize="1" noEditPoints="1" noAdjustHandles="1" noChangeArrowheads="1" noChangeShapeType="1" noTextEdit="1"/>
-          </p:cNvSpPr>
-          <p:nvPr>
-            <p:extLst>
-              <p:ext uri="{386F3935-93C4-4BCD-93E2-E3B085C9AB24}">
-                <p16:designElem xmlns:p16="http://schemas.microsoft.com/office/powerpoint/2015/main" val="1"/>
-              </p:ext>
-            </p:extLst>
-          </p:nvPr>
-        </p:nvSpPr>
-        <p:spPr>
-          <a:xfrm>
-            <a:off x="446534" y="3085765"/>
-            <a:ext cx="11262866" cy="3304800"/>
-          </a:xfrm>
-          <a:prstGeom prst="rect">
-            <a:avLst/>
-          </a:prstGeom>
-          <a:solidFill>
-            <a:schemeClr val="accent1"/>
-          </a:solidFill>
-          <a:ln>
-            <a:noFill/>
-          </a:ln>
-          <a:effectLst/>
-        </p:spPr>
-        <p:style>
-          <a:lnRef idx="1">
-            <a:schemeClr val="accent1"/>
-          </a:lnRef>
-          <a:fillRef idx="3">
-            <a:schemeClr val="accent1"/>
-          </a:fillRef>
-          <a:effectRef idx="2">
-            <a:schemeClr val="accent1"/>
-          </a:effectRef>
-          <a:fontRef idx="minor">
-            <a:schemeClr val="lt1"/>
-          </a:fontRef>
-        </p:style>
-        <p:txBody>
-          <a:bodyPr/>
-          <a:lstStyle/>
-          <a:p>
-            <a:endParaRPr lang="en-US" dirty="0">
-              <a:latin typeface="Abadi" panose="020B0604020104020204" pitchFamily="34" charset="0"/>
-            </a:endParaRPr>
-          </a:p>
-        </p:txBody>
-      </p:sp>
-      <p:sp useBgFill="1">
-        <p:nvSpPr>
-          <p:cNvPr id="62" name="Rectangle 51">
-            <a:extLst>
-              <a:ext uri="{FF2B5EF4-FFF2-40B4-BE49-F238E27FC236}">
-                <a16:creationId xmlns:a16="http://schemas.microsoft.com/office/drawing/2014/main" id="{BF3D65BA-1C65-40FB-92EF-83951BDC1D7C}"/>
-              </a:ext>
-              <a:ext uri="{C183D7F6-B498-43B3-948B-1728B52AA6E4}">
-                <adec:decorative xmlns:adec="http://schemas.microsoft.com/office/drawing/2017/decorative" val="1"/>
-              </a:ext>
-            </a:extLst>
-          </p:cNvPr>
-          <p:cNvSpPr>
-            <a:spLocks noGrp="1" noRot="1" noChangeAspect="1" noMove="1" noResize="1" noEditPoints="1" noAdjustHandles="1" noChangeArrowheads="1" noChangeShapeType="1" noTextEdit="1"/>
-          </p:cNvSpPr>
-          <p:nvPr>
-            <p:extLst>
-              <p:ext uri="{386F3935-93C4-4BCD-93E2-E3B085C9AB24}">
-                <p16:designElem xmlns:p16="http://schemas.microsoft.com/office/powerpoint/2015/main" val="1"/>
-              </p:ext>
-            </p:extLst>
-          </p:nvPr>
-        </p:nvSpPr>
-        <p:spPr>
-          <a:xfrm>
-            <a:off x="0" y="638175"/>
-            <a:ext cx="12191999" cy="6219825"/>
-          </a:xfrm>
-          <a:prstGeom prst="rect">
-            <a:avLst/>
-          </a:prstGeom>
-          <a:ln>
-            <a:noFill/>
-          </a:ln>
-        </p:spPr>
-        <p:style>
-          <a:lnRef idx="2">
-            <a:schemeClr val="accent1">
-              <a:shade val="50000"/>
-            </a:schemeClr>
-          </a:lnRef>
-          <a:fillRef idx="1">
-            <a:schemeClr val="accent1"/>
-          </a:fillRef>
-          <a:effectRef idx="0">
-            <a:schemeClr val="accent1"/>
-          </a:effectRef>
-          <a:fontRef idx="minor">
-            <a:schemeClr val="lt1"/>
-          </a:fontRef>
-        </p:style>
-        <p:txBody>
-          <a:bodyPr rtlCol="0" anchor="ctr"/>
-          <a:lstStyle/>
-          <a:p>
-            <a:pPr algn="ctr"/>
-            <a:endParaRPr lang="en-US" dirty="0">
-              <a:latin typeface="Abadi" panose="020B0604020104020204" pitchFamily="34" charset="0"/>
-            </a:endParaRPr>
-          </a:p>
-        </p:txBody>
-      </p:sp>
-      <p:pic>
-        <p:nvPicPr>
-          <p:cNvPr id="15" name="Θέση περιεχομένου 14" descr="Εικόνα που περιέχει κείμενο, γραμμή, διάγραμμα, γράφημα&#10;&#10;Περιγραφή που δημιουργήθηκε αυτόματα">
-            <a:extLst>
-              <a:ext uri="{FF2B5EF4-FFF2-40B4-BE49-F238E27FC236}">
-                <a16:creationId xmlns:a16="http://schemas.microsoft.com/office/drawing/2014/main" id="{1489BB64-7A2D-FA08-8DB9-33FA77C37455}"/>
-              </a:ext>
-            </a:extLst>
-          </p:cNvPr>
-          <p:cNvPicPr>
-            <a:picLocks noGrp="1" noChangeAspect="1"/>
-          </p:cNvPicPr>
-          <p:nvPr>
-            <p:ph idx="1"/>
-          </p:nvPr>
-        </p:nvPicPr>
-        <p:blipFill>
-          <a:blip r:embed="rId2">
-            <a:extLst>
-              <a:ext uri="{28A0092B-C50C-407E-A947-70E740481C1C}">
-                <a14:useLocalDpi xmlns:a14="http://schemas.microsoft.com/office/drawing/2010/main" val="0"/>
-              </a:ext>
-            </a:extLst>
-          </a:blip>
-          <a:stretch>
-            <a:fillRect/>
-          </a:stretch>
-        </p:blipFill>
-        <p:spPr>
-          <a:xfrm>
-            <a:off x="1082189" y="723899"/>
-            <a:ext cx="6135329" cy="6060359"/>
-          </a:xfrm>
-          <a:prstGeom prst="rect">
-            <a:avLst/>
-          </a:prstGeom>
-        </p:spPr>
-      </p:pic>
-      <p:sp>
-        <p:nvSpPr>
-          <p:cNvPr id="63" name="Rectangle 53">
-            <a:extLst>
-              <a:ext uri="{FF2B5EF4-FFF2-40B4-BE49-F238E27FC236}">
-                <a16:creationId xmlns:a16="http://schemas.microsoft.com/office/drawing/2014/main" id="{ADF52CCA-FCDD-49A0-BFFC-3BD41F1B827A}"/>
-              </a:ext>
-              <a:ext uri="{C183D7F6-B498-43B3-948B-1728B52AA6E4}">
-                <adec:decorative xmlns:adec="http://schemas.microsoft.com/office/drawing/2017/decorative" val="1"/>
-              </a:ext>
-            </a:extLst>
-          </p:cNvPr>
-          <p:cNvSpPr>
-            <a:spLocks noGrp="1" noRot="1" noChangeAspect="1" noMove="1" noResize="1" noEditPoints="1" noAdjustHandles="1" noChangeArrowheads="1" noChangeShapeType="1" noTextEdit="1"/>
-          </p:cNvSpPr>
-          <p:nvPr>
-            <p:extLst>
-              <p:ext uri="{386F3935-93C4-4BCD-93E2-E3B085C9AB24}">
-                <p16:designElem xmlns:p16="http://schemas.microsoft.com/office/powerpoint/2015/main" val="1"/>
-              </p:ext>
-            </p:extLst>
-          </p:nvPr>
-        </p:nvSpPr>
-        <p:spPr>
-          <a:xfrm>
-            <a:off x="8042147" y="723899"/>
-            <a:ext cx="3703320" cy="5666666"/>
-          </a:xfrm>
-          <a:prstGeom prst="rect">
-            <a:avLst/>
-          </a:prstGeom>
-          <a:solidFill>
-            <a:schemeClr val="accent1"/>
-          </a:solidFill>
-          <a:ln>
-            <a:noFill/>
-          </a:ln>
-          <a:effectLst/>
-        </p:spPr>
-        <p:style>
-          <a:lnRef idx="1">
-            <a:schemeClr val="accent1"/>
-          </a:lnRef>
-          <a:fillRef idx="3">
-            <a:schemeClr val="accent1"/>
-          </a:fillRef>
-          <a:effectRef idx="2">
-            <a:schemeClr val="accent1"/>
-          </a:effectRef>
-          <a:fontRef idx="minor">
-            <a:schemeClr val="lt1"/>
-          </a:fontRef>
-        </p:style>
-        <p:txBody>
-          <a:bodyPr/>
-          <a:lstStyle/>
-          <a:p>
-            <a:endParaRPr lang="en-US" dirty="0">
-              <a:latin typeface="Abadi" panose="020B0604020104020204" pitchFamily="34" charset="0"/>
-            </a:endParaRPr>
-          </a:p>
-        </p:txBody>
-      </p:sp>
-      <p:sp>
-        <p:nvSpPr>
-          <p:cNvPr id="2" name="Τίτλος 1">
-            <a:extLst>
-              <a:ext uri="{FF2B5EF4-FFF2-40B4-BE49-F238E27FC236}">
-                <a16:creationId xmlns:a16="http://schemas.microsoft.com/office/drawing/2014/main" id="{EACD3EDF-934D-C20F-7AAC-E730A6A343B7}"/>
-              </a:ext>
-            </a:extLst>
-          </p:cNvPr>
-          <p:cNvSpPr>
-            <a:spLocks noGrp="1"/>
-          </p:cNvSpPr>
-          <p:nvPr>
-            <p:ph type="title"/>
-          </p:nvPr>
-        </p:nvSpPr>
-        <p:spPr>
-          <a:xfrm>
-            <a:off x="8296275" y="1419225"/>
-            <a:ext cx="3081576" cy="2085869"/>
-          </a:xfrm>
-        </p:spPr>
-        <p:txBody>
-          <a:bodyPr vert="horz" lIns="91440" tIns="45720" rIns="91440" bIns="45720" rtlCol="0" anchor="b">
-            <a:normAutofit/>
-          </a:bodyPr>
-          <a:lstStyle/>
-          <a:p>
-            <a:pPr>
-              <a:lnSpc>
-                <a:spcPct val="90000"/>
-              </a:lnSpc>
-            </a:pPr>
-            <a:r>
-              <a:rPr lang="en-US" sz="3600" dirty="0" err="1">
-                <a:solidFill>
-                  <a:srgbClr val="FFFFFF"/>
-                </a:solidFill>
-                <a:latin typeface="+mj-lt"/>
-              </a:rPr>
-              <a:t>Οριζοντι</a:t>
-            </a:r>
-            <a:r>
-              <a:rPr lang="en-US" sz="3600" dirty="0">
-                <a:solidFill>
-                  <a:srgbClr val="FFFFFF"/>
-                </a:solidFill>
-                <a:latin typeface="+mj-lt"/>
-              </a:rPr>
-              <a:t>α ισοτητα στο EU ETS </a:t>
-            </a:r>
-            <a:br>
-              <a:rPr lang="en-US" sz="3600" dirty="0">
-                <a:solidFill>
-                  <a:srgbClr val="FFFFFF"/>
-                </a:solidFill>
-                <a:latin typeface="+mj-lt"/>
-              </a:rPr>
-            </a:br>
-            <a:r>
-              <a:rPr lang="en-US" sz="3600" dirty="0">
-                <a:solidFill>
-                  <a:srgbClr val="FFFFFF"/>
-                </a:solidFill>
-                <a:latin typeface="+mj-lt"/>
-              </a:rPr>
-              <a:t> Πειραμα 2</a:t>
-            </a:r>
-          </a:p>
-        </p:txBody>
-      </p:sp>
-      <p:sp>
-        <p:nvSpPr>
-          <p:cNvPr id="3" name="Ορθογώνιο 2">
-            <a:extLst>
-              <a:ext uri="{FF2B5EF4-FFF2-40B4-BE49-F238E27FC236}">
-                <a16:creationId xmlns:a16="http://schemas.microsoft.com/office/drawing/2014/main" id="{F6806781-A084-221B-D692-49416637645B}"/>
-              </a:ext>
-            </a:extLst>
-          </p:cNvPr>
-          <p:cNvSpPr/>
-          <p:nvPr/>
-        </p:nvSpPr>
-        <p:spPr>
-          <a:xfrm>
-            <a:off x="0" y="17584"/>
-            <a:ext cx="12192000" cy="6858000"/>
-          </a:xfrm>
-          <a:prstGeom prst="rect">
-            <a:avLst/>
-          </a:prstGeom>
-          <a:solidFill>
-            <a:srgbClr val="4D1434">
-              <a:alpha val="30196"/>
-            </a:srgbClr>
-          </a:solidFill>
-        </p:spPr>
-        <p:style>
-          <a:lnRef idx="2">
-            <a:schemeClr val="accent1">
-              <a:shade val="15000"/>
-            </a:schemeClr>
-          </a:lnRef>
-          <a:fillRef idx="1">
-            <a:schemeClr val="accent1"/>
-          </a:fillRef>
-          <a:effectRef idx="0">
-            <a:schemeClr val="accent1"/>
-          </a:effectRef>
-          <a:fontRef idx="minor">
-            <a:schemeClr val="lt1"/>
-          </a:fontRef>
-        </p:style>
-        <p:txBody>
-          <a:bodyPr rtlCol="0" anchor="ctr"/>
-          <a:lstStyle/>
-          <a:p>
-            <a:pPr algn="ctr"/>
-            <a:endParaRPr lang="en-US" dirty="0"/>
-          </a:p>
-        </p:txBody>
-      </p:sp>
-    </p:spTree>
-    <p:extLst>
-      <p:ext uri="{BB962C8B-B14F-4D97-AF65-F5344CB8AC3E}">
-        <p14:creationId xmlns:p14="http://schemas.microsoft.com/office/powerpoint/2010/main" val="89073855"/>
-      </p:ext>
-    </p:extLst>
-  </p:cSld>
-  <p:clrMapOvr>
-    <a:masterClrMapping/>
-  </p:clrMapOvr>
-</p:sld>
-</file>
-
-<file path=ppt/slides/slide15.xml><?xml version="1.0" encoding="utf-8"?>
-<p:sld xmlns:a="http://schemas.openxmlformats.org/drawingml/2006/main" xmlns:r="http://schemas.openxmlformats.org/officeDocument/2006/relationships" xmlns:p="http://schemas.openxmlformats.org/presentationml/2006/main">
-  <p:cSld>
-    <p:bg>
-      <p:bgPr>
-        <a:solidFill>
-          <a:schemeClr val="bg1"/>
-        </a:solidFill>
-        <a:effectLst/>
-      </p:bgPr>
-    </p:bg>
-    <p:spTree>
-      <p:nvGrpSpPr>
-        <p:cNvPr id="1" name="">
-          <a:extLst>
-            <a:ext uri="{FF2B5EF4-FFF2-40B4-BE49-F238E27FC236}">
-              <a16:creationId xmlns:a16="http://schemas.microsoft.com/office/drawing/2014/main" id="{7FCBEEE7-517F-6D25-32F4-BDC049910BDA}"/>
-            </a:ext>
-          </a:extLst>
-        </p:cNvPr>
-        <p:cNvGrpSpPr/>
-        <p:nvPr/>
-      </p:nvGrpSpPr>
-      <p:grpSpPr>
-        <a:xfrm>
-          <a:off x="0" y="0"/>
-          <a:ext cx="0" cy="0"/>
-          <a:chOff x="0" y="0"/>
-          <a:chExt cx="0" cy="0"/>
-        </a:xfrm>
-      </p:grpSpPr>
-      <p:sp>
-        <p:nvSpPr>
-          <p:cNvPr id="37" name="Rectangle 10">
-            <a:extLst>
-              <a:ext uri="{FF2B5EF4-FFF2-40B4-BE49-F238E27FC236}">
-                <a16:creationId xmlns:a16="http://schemas.microsoft.com/office/drawing/2014/main" id="{DB691D59-8F51-4DD8-AD41-D568D29B08F8}"/>
-              </a:ext>
-              <a:ext uri="{C183D7F6-B498-43B3-948B-1728B52AA6E4}">
-                <adec:decorative xmlns:adec="http://schemas.microsoft.com/office/drawing/2017/decorative" val="1"/>
-              </a:ext>
-            </a:extLst>
-          </p:cNvPr>
-          <p:cNvSpPr>
-            <a:spLocks noGrp="1" noRot="1" noChangeAspect="1" noMove="1" noResize="1" noEditPoints="1" noAdjustHandles="1" noChangeArrowheads="1" noChangeShapeType="1" noTextEdit="1"/>
-          </p:cNvSpPr>
-          <p:nvPr>
-            <p:extLst>
-              <p:ext uri="{386F3935-93C4-4BCD-93E2-E3B085C9AB24}">
-                <p16:designElem xmlns:p16="http://schemas.microsoft.com/office/powerpoint/2015/main" val="1"/>
-              </p:ext>
-            </p:extLst>
-          </p:nvPr>
-        </p:nvSpPr>
-        <p:spPr>
-          <a:xfrm>
-            <a:off x="446534" y="457200"/>
-            <a:ext cx="3703320" cy="94997"/>
-          </a:xfrm>
-          <a:prstGeom prst="rect">
-            <a:avLst/>
-          </a:prstGeom>
-          <a:solidFill>
-            <a:schemeClr val="accent1"/>
-          </a:solidFill>
-          <a:ln>
-            <a:noFill/>
-          </a:ln>
-          <a:effectLst/>
-        </p:spPr>
-        <p:style>
-          <a:lnRef idx="1">
-            <a:schemeClr val="accent1"/>
-          </a:lnRef>
-          <a:fillRef idx="3">
-            <a:schemeClr val="accent1"/>
-          </a:fillRef>
-          <a:effectRef idx="2">
-            <a:schemeClr val="accent1"/>
-          </a:effectRef>
-          <a:fontRef idx="minor">
-            <a:schemeClr val="lt1"/>
-          </a:fontRef>
-        </p:style>
-        <p:txBody>
-          <a:bodyPr/>
-          <a:lstStyle/>
-          <a:p>
-            <a:endParaRPr lang="en-US" dirty="0">
-              <a:latin typeface="Abadi" panose="020B0604020104020204" pitchFamily="34" charset="0"/>
-            </a:endParaRPr>
-          </a:p>
-        </p:txBody>
-      </p:sp>
-      <p:sp>
-        <p:nvSpPr>
-          <p:cNvPr id="38" name="Rectangle 12">
-            <a:extLst>
-              <a:ext uri="{FF2B5EF4-FFF2-40B4-BE49-F238E27FC236}">
-                <a16:creationId xmlns:a16="http://schemas.microsoft.com/office/drawing/2014/main" id="{204AEF18-0627-48F3-9B3D-F7E8F050B1D4}"/>
-              </a:ext>
-              <a:ext uri="{C183D7F6-B498-43B3-948B-1728B52AA6E4}">
-                <adec:decorative xmlns:adec="http://schemas.microsoft.com/office/drawing/2017/decorative" val="1"/>
-              </a:ext>
-            </a:extLst>
-          </p:cNvPr>
-          <p:cNvSpPr>
-            <a:spLocks noGrp="1" noRot="1" noChangeAspect="1" noMove="1" noResize="1" noEditPoints="1" noAdjustHandles="1" noChangeArrowheads="1" noChangeShapeType="1" noTextEdit="1"/>
-          </p:cNvSpPr>
-          <p:nvPr>
-            <p:extLst>
-              <p:ext uri="{386F3935-93C4-4BCD-93E2-E3B085C9AB24}">
-                <p16:designElem xmlns:p16="http://schemas.microsoft.com/office/powerpoint/2015/main" val="1"/>
-              </p:ext>
-            </p:extLst>
-          </p:nvPr>
-        </p:nvSpPr>
-        <p:spPr>
-          <a:xfrm>
-            <a:off x="8042147" y="453643"/>
-            <a:ext cx="3703320" cy="98554"/>
-          </a:xfrm>
-          <a:prstGeom prst="rect">
-            <a:avLst/>
-          </a:prstGeom>
-          <a:solidFill>
-            <a:schemeClr val="accent4"/>
-          </a:solidFill>
-          <a:ln>
-            <a:noFill/>
-          </a:ln>
-          <a:effectLst/>
-        </p:spPr>
-        <p:style>
-          <a:lnRef idx="1">
-            <a:schemeClr val="accent1"/>
-          </a:lnRef>
-          <a:fillRef idx="3">
-            <a:schemeClr val="accent1"/>
-          </a:fillRef>
-          <a:effectRef idx="2">
-            <a:schemeClr val="accent1"/>
-          </a:effectRef>
-          <a:fontRef idx="minor">
-            <a:schemeClr val="lt1"/>
-          </a:fontRef>
-        </p:style>
-        <p:txBody>
-          <a:bodyPr/>
-          <a:lstStyle/>
-          <a:p>
-            <a:endParaRPr lang="en-US" dirty="0">
-              <a:latin typeface="Abadi" panose="020B0604020104020204" pitchFamily="34" charset="0"/>
-            </a:endParaRPr>
-          </a:p>
-        </p:txBody>
-      </p:sp>
-      <p:sp>
-        <p:nvSpPr>
-          <p:cNvPr id="39" name="Rectangle 14">
-            <a:extLst>
-              <a:ext uri="{FF2B5EF4-FFF2-40B4-BE49-F238E27FC236}">
-                <a16:creationId xmlns:a16="http://schemas.microsoft.com/office/drawing/2014/main" id="{CEAEE08A-C572-438F-9753-B0D527A515A7}"/>
-              </a:ext>
-              <a:ext uri="{C183D7F6-B498-43B3-948B-1728B52AA6E4}">
-                <adec:decorative xmlns:adec="http://schemas.microsoft.com/office/drawing/2017/decorative" val="1"/>
-              </a:ext>
-            </a:extLst>
-          </p:cNvPr>
-          <p:cNvSpPr>
-            <a:spLocks noGrp="1" noRot="1" noChangeAspect="1" noMove="1" noResize="1" noEditPoints="1" noAdjustHandles="1" noChangeArrowheads="1" noChangeShapeType="1" noTextEdit="1"/>
-          </p:cNvSpPr>
-          <p:nvPr>
-            <p:extLst>
-              <p:ext uri="{386F3935-93C4-4BCD-93E2-E3B085C9AB24}">
-                <p16:designElem xmlns:p16="http://schemas.microsoft.com/office/powerpoint/2015/main" val="1"/>
-              </p:ext>
-            </p:extLst>
-          </p:nvPr>
-        </p:nvSpPr>
-        <p:spPr>
-          <a:xfrm>
-            <a:off x="4241830" y="457200"/>
-            <a:ext cx="3703320" cy="91440"/>
-          </a:xfrm>
-          <a:prstGeom prst="rect">
-            <a:avLst/>
-          </a:prstGeom>
-          <a:solidFill>
-            <a:schemeClr val="accent2"/>
-          </a:solidFill>
-          <a:ln>
-            <a:noFill/>
-          </a:ln>
-          <a:effectLst/>
-        </p:spPr>
-        <p:style>
-          <a:lnRef idx="1">
-            <a:schemeClr val="accent1"/>
-          </a:lnRef>
-          <a:fillRef idx="3">
-            <a:schemeClr val="accent1"/>
-          </a:fillRef>
-          <a:effectRef idx="2">
-            <a:schemeClr val="accent1"/>
-          </a:effectRef>
-          <a:fontRef idx="minor">
-            <a:schemeClr val="lt1"/>
-          </a:fontRef>
-        </p:style>
-        <p:txBody>
-          <a:bodyPr/>
-          <a:lstStyle/>
-          <a:p>
-            <a:endParaRPr lang="en-US" dirty="0">
-              <a:latin typeface="Abadi" panose="020B0604020104020204" pitchFamily="34" charset="0"/>
-            </a:endParaRPr>
-          </a:p>
-        </p:txBody>
-      </p:sp>
-      <p:sp>
-        <p:nvSpPr>
-          <p:cNvPr id="40" name="Rectangle 16">
-            <a:extLst>
-              <a:ext uri="{FF2B5EF4-FFF2-40B4-BE49-F238E27FC236}">
-                <a16:creationId xmlns:a16="http://schemas.microsoft.com/office/drawing/2014/main" id="{DB93146F-62ED-4C59-844C-0935D0FB5031}"/>
-              </a:ext>
-              <a:ext uri="{C183D7F6-B498-43B3-948B-1728B52AA6E4}">
-                <adec:decorative xmlns:adec="http://schemas.microsoft.com/office/drawing/2017/decorative" val="1"/>
-              </a:ext>
-            </a:extLst>
-          </p:cNvPr>
-          <p:cNvSpPr>
-            <a:spLocks noGrp="1" noRot="1" noChangeAspect="1" noMove="1" noResize="1" noEditPoints="1" noAdjustHandles="1" noChangeArrowheads="1" noChangeShapeType="1" noTextEdit="1"/>
-          </p:cNvSpPr>
-          <p:nvPr>
-            <p:extLst>
-              <p:ext uri="{386F3935-93C4-4BCD-93E2-E3B085C9AB24}">
-                <p16:designElem xmlns:p16="http://schemas.microsoft.com/office/powerpoint/2015/main" val="1"/>
-              </p:ext>
-            </p:extLst>
-          </p:nvPr>
-        </p:nvSpPr>
-        <p:spPr>
-          <a:xfrm>
-            <a:off x="446534" y="3085765"/>
-            <a:ext cx="11262866" cy="3304800"/>
-          </a:xfrm>
-          <a:prstGeom prst="rect">
-            <a:avLst/>
-          </a:prstGeom>
-          <a:solidFill>
-            <a:schemeClr val="accent1"/>
-          </a:solidFill>
-          <a:ln>
-            <a:noFill/>
-          </a:ln>
-          <a:effectLst/>
-        </p:spPr>
-        <p:style>
-          <a:lnRef idx="1">
-            <a:schemeClr val="accent1"/>
-          </a:lnRef>
-          <a:fillRef idx="3">
-            <a:schemeClr val="accent1"/>
-          </a:fillRef>
-          <a:effectRef idx="2">
-            <a:schemeClr val="accent1"/>
-          </a:effectRef>
-          <a:fontRef idx="minor">
-            <a:schemeClr val="lt1"/>
-          </a:fontRef>
-        </p:style>
-        <p:txBody>
-          <a:bodyPr/>
-          <a:lstStyle/>
-          <a:p>
-            <a:endParaRPr lang="en-US" dirty="0">
-              <a:latin typeface="Abadi" panose="020B0604020104020204" pitchFamily="34" charset="0"/>
-            </a:endParaRPr>
-          </a:p>
-        </p:txBody>
-      </p:sp>
-      <p:sp useBgFill="1">
-        <p:nvSpPr>
-          <p:cNvPr id="41" name="Rectangle 18">
-            <a:extLst>
-              <a:ext uri="{FF2B5EF4-FFF2-40B4-BE49-F238E27FC236}">
-                <a16:creationId xmlns:a16="http://schemas.microsoft.com/office/drawing/2014/main" id="{BF3D65BA-1C65-40FB-92EF-83951BDC1D7C}"/>
-              </a:ext>
-              <a:ext uri="{C183D7F6-B498-43B3-948B-1728B52AA6E4}">
-                <adec:decorative xmlns:adec="http://schemas.microsoft.com/office/drawing/2017/decorative" val="1"/>
-              </a:ext>
-            </a:extLst>
-          </p:cNvPr>
-          <p:cNvSpPr>
-            <a:spLocks noGrp="1" noRot="1" noChangeAspect="1" noMove="1" noResize="1" noEditPoints="1" noAdjustHandles="1" noChangeArrowheads="1" noChangeShapeType="1" noTextEdit="1"/>
-          </p:cNvSpPr>
-          <p:nvPr>
-            <p:extLst>
-              <p:ext uri="{386F3935-93C4-4BCD-93E2-E3B085C9AB24}">
-                <p16:designElem xmlns:p16="http://schemas.microsoft.com/office/powerpoint/2015/main" val="1"/>
-              </p:ext>
-            </p:extLst>
-          </p:nvPr>
-        </p:nvSpPr>
-        <p:spPr>
-          <a:xfrm>
-            <a:off x="0" y="638175"/>
-            <a:ext cx="12191999" cy="6219825"/>
-          </a:xfrm>
-          <a:prstGeom prst="rect">
-            <a:avLst/>
-          </a:prstGeom>
-          <a:ln>
-            <a:noFill/>
-          </a:ln>
-        </p:spPr>
-        <p:style>
-          <a:lnRef idx="2">
-            <a:schemeClr val="accent1">
-              <a:shade val="50000"/>
-            </a:schemeClr>
-          </a:lnRef>
-          <a:fillRef idx="1">
-            <a:schemeClr val="accent1"/>
-          </a:fillRef>
-          <a:effectRef idx="0">
-            <a:schemeClr val="accent1"/>
-          </a:effectRef>
-          <a:fontRef idx="minor">
-            <a:schemeClr val="lt1"/>
-          </a:fontRef>
-        </p:style>
-        <p:txBody>
-          <a:bodyPr rtlCol="0" anchor="ctr"/>
-          <a:lstStyle/>
-          <a:p>
-            <a:pPr algn="ctr"/>
-            <a:endParaRPr lang="en-US" dirty="0">
-              <a:latin typeface="Abadi" panose="020B0604020104020204" pitchFamily="34" charset="0"/>
-            </a:endParaRPr>
-          </a:p>
-        </p:txBody>
-      </p:sp>
-      <p:pic>
-        <p:nvPicPr>
-          <p:cNvPr id="6" name="Θέση περιεχομένου 5" descr="Εικόνα που περιέχει κείμενο, γραμμή, διάγραμμα, γράφημα">
-            <a:extLst>
-              <a:ext uri="{FF2B5EF4-FFF2-40B4-BE49-F238E27FC236}">
-                <a16:creationId xmlns:a16="http://schemas.microsoft.com/office/drawing/2014/main" id="{EE8277AB-7F92-62CA-9F19-A2B508920061}"/>
-              </a:ext>
-            </a:extLst>
-          </p:cNvPr>
-          <p:cNvPicPr>
-            <a:picLocks noGrp="1" noChangeAspect="1"/>
-          </p:cNvPicPr>
-          <p:nvPr>
-            <p:ph idx="1"/>
-          </p:nvPr>
-        </p:nvPicPr>
-        <p:blipFill>
-          <a:blip r:embed="rId2">
-            <a:extLst>
-              <a:ext uri="{28A0092B-C50C-407E-A947-70E740481C1C}">
-                <a14:useLocalDpi xmlns:a14="http://schemas.microsoft.com/office/drawing/2010/main" val="0"/>
-              </a:ext>
-            </a:extLst>
-          </a:blip>
-          <a:stretch>
-            <a:fillRect/>
-          </a:stretch>
-        </p:blipFill>
-        <p:spPr>
-          <a:xfrm>
-            <a:off x="1114046" y="723899"/>
-            <a:ext cx="6071616" cy="6071616"/>
-          </a:xfrm>
-          <a:prstGeom prst="rect">
-            <a:avLst/>
-          </a:prstGeom>
-        </p:spPr>
-      </p:pic>
-      <p:sp>
-        <p:nvSpPr>
-          <p:cNvPr id="42" name="Rectangle 20">
-            <a:extLst>
-              <a:ext uri="{FF2B5EF4-FFF2-40B4-BE49-F238E27FC236}">
-                <a16:creationId xmlns:a16="http://schemas.microsoft.com/office/drawing/2014/main" id="{ADF52CCA-FCDD-49A0-BFFC-3BD41F1B827A}"/>
-              </a:ext>
-              <a:ext uri="{C183D7F6-B498-43B3-948B-1728B52AA6E4}">
-                <adec:decorative xmlns:adec="http://schemas.microsoft.com/office/drawing/2017/decorative" val="1"/>
-              </a:ext>
-            </a:extLst>
-          </p:cNvPr>
-          <p:cNvSpPr>
-            <a:spLocks noGrp="1" noRot="1" noChangeAspect="1" noMove="1" noResize="1" noEditPoints="1" noAdjustHandles="1" noChangeArrowheads="1" noChangeShapeType="1" noTextEdit="1"/>
-          </p:cNvSpPr>
-          <p:nvPr>
-            <p:extLst>
-              <p:ext uri="{386F3935-93C4-4BCD-93E2-E3B085C9AB24}">
-                <p16:designElem xmlns:p16="http://schemas.microsoft.com/office/powerpoint/2015/main" val="1"/>
-              </p:ext>
-            </p:extLst>
-          </p:nvPr>
-        </p:nvSpPr>
-        <p:spPr>
-          <a:xfrm>
-            <a:off x="8042147" y="723899"/>
-            <a:ext cx="3703320" cy="5666666"/>
-          </a:xfrm>
-          <a:prstGeom prst="rect">
-            <a:avLst/>
-          </a:prstGeom>
-          <a:solidFill>
-            <a:schemeClr val="accent1"/>
-          </a:solidFill>
-          <a:ln>
-            <a:noFill/>
-          </a:ln>
-          <a:effectLst/>
-        </p:spPr>
-        <p:style>
-          <a:lnRef idx="1">
-            <a:schemeClr val="accent1"/>
-          </a:lnRef>
-          <a:fillRef idx="3">
-            <a:schemeClr val="accent1"/>
-          </a:fillRef>
-          <a:effectRef idx="2">
-            <a:schemeClr val="accent1"/>
-          </a:effectRef>
-          <a:fontRef idx="minor">
-            <a:schemeClr val="lt1"/>
-          </a:fontRef>
-        </p:style>
-        <p:txBody>
-          <a:bodyPr/>
-          <a:lstStyle/>
-          <a:p>
-            <a:endParaRPr lang="en-US" dirty="0">
-              <a:latin typeface="Abadi" panose="020B0604020104020204" pitchFamily="34" charset="0"/>
-            </a:endParaRPr>
-          </a:p>
-        </p:txBody>
-      </p:sp>
-      <p:sp>
-        <p:nvSpPr>
-          <p:cNvPr id="2" name="Τίτλος 1">
-            <a:extLst>
-              <a:ext uri="{FF2B5EF4-FFF2-40B4-BE49-F238E27FC236}">
-                <a16:creationId xmlns:a16="http://schemas.microsoft.com/office/drawing/2014/main" id="{28C5FE62-A18B-9A22-F2D0-68B575BCAEE5}"/>
-              </a:ext>
-            </a:extLst>
-          </p:cNvPr>
-          <p:cNvSpPr>
-            <a:spLocks noGrp="1"/>
-          </p:cNvSpPr>
-          <p:nvPr>
-            <p:ph type="title"/>
-          </p:nvPr>
-        </p:nvSpPr>
-        <p:spPr>
-          <a:xfrm>
-            <a:off x="8296275" y="1419225"/>
-            <a:ext cx="3081576" cy="2085869"/>
-          </a:xfrm>
-        </p:spPr>
-        <p:txBody>
-          <a:bodyPr vert="horz" lIns="91440" tIns="45720" rIns="91440" bIns="45720" rtlCol="0" anchor="b">
-            <a:normAutofit/>
-          </a:bodyPr>
-          <a:lstStyle/>
-          <a:p>
-            <a:pPr>
-              <a:lnSpc>
-                <a:spcPct val="90000"/>
-              </a:lnSpc>
-            </a:pPr>
-            <a:r>
-              <a:rPr lang="en-US" sz="3600" dirty="0" err="1">
-                <a:solidFill>
-                  <a:srgbClr val="FFFFFF"/>
-                </a:solidFill>
-                <a:latin typeface="+mj-lt"/>
-              </a:rPr>
-              <a:t>Οριζοντι</a:t>
-            </a:r>
-            <a:r>
-              <a:rPr lang="en-US" sz="3600" dirty="0">
-                <a:solidFill>
-                  <a:srgbClr val="FFFFFF"/>
-                </a:solidFill>
-                <a:latin typeface="+mj-lt"/>
-              </a:rPr>
-              <a:t>α ισοτητα στο EU ETS </a:t>
-            </a:r>
-            <a:br>
-              <a:rPr lang="en-US" sz="3600" dirty="0">
-                <a:solidFill>
-                  <a:srgbClr val="FFFFFF"/>
-                </a:solidFill>
-                <a:latin typeface="+mj-lt"/>
-              </a:rPr>
-            </a:br>
-            <a:r>
-              <a:rPr lang="en-US" sz="3600" dirty="0">
-                <a:solidFill>
-                  <a:srgbClr val="FFFFFF"/>
-                </a:solidFill>
-                <a:latin typeface="+mj-lt"/>
-              </a:rPr>
-              <a:t>Πειραμα 2</a:t>
-            </a:r>
-          </a:p>
-        </p:txBody>
-      </p:sp>
-      <p:sp>
-        <p:nvSpPr>
-          <p:cNvPr id="3" name="Ορθογώνιο 2">
-            <a:extLst>
-              <a:ext uri="{FF2B5EF4-FFF2-40B4-BE49-F238E27FC236}">
-                <a16:creationId xmlns:a16="http://schemas.microsoft.com/office/drawing/2014/main" id="{7B62E757-D13C-B96E-B2C9-5242D1C9A289}"/>
-              </a:ext>
-            </a:extLst>
-          </p:cNvPr>
-          <p:cNvSpPr/>
-          <p:nvPr/>
-        </p:nvSpPr>
-        <p:spPr>
-          <a:xfrm>
-            <a:off x="0" y="0"/>
-            <a:ext cx="12192000" cy="6858000"/>
-          </a:xfrm>
-          <a:prstGeom prst="rect">
-            <a:avLst/>
-          </a:prstGeom>
-          <a:solidFill>
-            <a:srgbClr val="4D1434">
-              <a:alpha val="30196"/>
-            </a:srgbClr>
-          </a:solidFill>
-        </p:spPr>
-        <p:style>
-          <a:lnRef idx="2">
-            <a:schemeClr val="accent1">
-              <a:shade val="15000"/>
-            </a:schemeClr>
-          </a:lnRef>
-          <a:fillRef idx="1">
-            <a:schemeClr val="accent1"/>
-          </a:fillRef>
-          <a:effectRef idx="0">
-            <a:schemeClr val="accent1"/>
-          </a:effectRef>
-          <a:fontRef idx="minor">
-            <a:schemeClr val="lt1"/>
-          </a:fontRef>
-        </p:style>
-        <p:txBody>
-          <a:bodyPr rtlCol="0" anchor="ctr"/>
-          <a:lstStyle/>
-          <a:p>
-            <a:pPr algn="ctr"/>
-            <a:endParaRPr lang="en-US" dirty="0"/>
-          </a:p>
-        </p:txBody>
-      </p:sp>
-    </p:spTree>
-    <p:extLst>
-      <p:ext uri="{BB962C8B-B14F-4D97-AF65-F5344CB8AC3E}">
-        <p14:creationId xmlns:p14="http://schemas.microsoft.com/office/powerpoint/2010/main" val="451065392"/>
-      </p:ext>
-    </p:extLst>
-  </p:cSld>
-  <p:clrMapOvr>
-    <a:masterClrMapping/>
-  </p:clrMapOvr>
-</p:sld>
-</file>
-
-<file path=ppt/slides/slide16.xml><?xml version="1.0" encoding="utf-8"?>
-<p:sld xmlns:a="http://schemas.openxmlformats.org/drawingml/2006/main" xmlns:r="http://schemas.openxmlformats.org/officeDocument/2006/relationships" xmlns:p="http://schemas.openxmlformats.org/presentationml/2006/main">
-  <p:cSld>
-    <p:bg>
-      <p:bgPr>
-        <a:solidFill>
-          <a:schemeClr val="bg1"/>
-        </a:solidFill>
-        <a:effectLst/>
-      </p:bgPr>
-    </p:bg>
-    <p:spTree>
-      <p:nvGrpSpPr>
         <p:cNvPr id="1" name="">
           <a:extLst>
             <a:ext uri="{FF2B5EF4-FFF2-40B4-BE49-F238E27FC236}">
@@ -8686,24 +7000,6 @@
                 <a:latin typeface="+mj-lt"/>
               </a:rPr>
             </a:br>
-            <a:r>
-              <a:rPr lang="el-GR" sz="2400" dirty="0">
-                <a:solidFill>
-                  <a:srgbClr val="FFFFFF"/>
-                </a:solidFill>
-                <a:latin typeface="+mj-lt"/>
-              </a:rPr>
-              <a:t>ΠΕΙΡΑΜΑ</a:t>
-            </a:r>
-            <a:r>
-              <a:rPr lang="en-US" sz="2400" dirty="0">
-                <a:solidFill>
-                  <a:srgbClr val="FFFFFF"/>
-                </a:solidFill>
-                <a:latin typeface="+mj-lt"/>
-              </a:rPr>
-              <a:t> 3</a:t>
-            </a:r>
             <a:endParaRPr lang="en-US" sz="2400" dirty="0"/>
           </a:p>
         </p:txBody>
@@ -8721,7 +7017,7 @@
 </p:sld>
 </file>
 
-<file path=ppt/slides/slide17.xml><?xml version="1.0" encoding="utf-8"?>
+<file path=ppt/slides/slide14.xml><?xml version="1.0" encoding="utf-8"?>
 <p:sld xmlns:a="http://schemas.openxmlformats.org/drawingml/2006/main" xmlns:r="http://schemas.openxmlformats.org/officeDocument/2006/relationships" xmlns:p="http://schemas.openxmlformats.org/presentationml/2006/main">
   <p:cSld>
     <p:spTree>
@@ -8834,7 +7130,10 @@
           <a:bodyPr/>
           <a:lstStyle/>
           <a:p>
-            <a:endParaRPr lang="en-US" dirty="0"/>
+            <a:r>
+              <a:rPr lang="en-US" dirty="0"/>
+              <a:t>Fair and Efficient Allocation of EU Emission Allowances, (Dimos s. et al, 2023)</a:t>
+            </a:r>
           </a:p>
         </p:txBody>
       </p:sp>
@@ -8851,7 +7150,7 @@
 </p:sld>
 </file>
 
-<file path=ppt/slides/slide18.xml><?xml version="1.0" encoding="utf-8"?>
+<file path=ppt/slides/slide15.xml><?xml version="1.0" encoding="utf-8"?>
 <p:sld xmlns:a="http://schemas.openxmlformats.org/drawingml/2006/main" xmlns:r="http://schemas.openxmlformats.org/officeDocument/2006/relationships" xmlns:p="http://schemas.openxmlformats.org/presentationml/2006/main">
   <p:cSld>
     <p:bg>
@@ -9530,7 +7829,7 @@
 </p:sld>
 </file>
 
-<file path=ppt/slides/slide19.xml><?xml version="1.0" encoding="utf-8"?>
+<file path=ppt/slides/slide16.xml><?xml version="1.0" encoding="utf-8"?>
 <p:sld xmlns:a="http://schemas.openxmlformats.org/drawingml/2006/main" xmlns:r="http://schemas.openxmlformats.org/officeDocument/2006/relationships" xmlns:p="http://schemas.openxmlformats.org/presentationml/2006/main">
   <p:cSld>
     <p:spTree>
@@ -9938,116 +8237,7 @@
 </p:sld>
 </file>
 
-<file path=ppt/slides/slide2.xml><?xml version="1.0" encoding="utf-8"?>
-<p:sld xmlns:a="http://schemas.openxmlformats.org/drawingml/2006/main" xmlns:r="http://schemas.openxmlformats.org/officeDocument/2006/relationships" xmlns:p="http://schemas.openxmlformats.org/presentationml/2006/main">
-  <p:cSld>
-    <p:spTree>
-      <p:nvGrpSpPr>
-        <p:cNvPr id="1" name=""/>
-        <p:cNvGrpSpPr/>
-        <p:nvPr/>
-      </p:nvGrpSpPr>
-      <p:grpSpPr>
-        <a:xfrm>
-          <a:off x="0" y="0"/>
-          <a:ext cx="0" cy="0"/>
-          <a:chOff x="0" y="0"/>
-          <a:chExt cx="0" cy="0"/>
-        </a:xfrm>
-      </p:grpSpPr>
-      <p:sp>
-        <p:nvSpPr>
-          <p:cNvPr id="2" name="Τίτλος 1">
-            <a:extLst>
-              <a:ext uri="{FF2B5EF4-FFF2-40B4-BE49-F238E27FC236}">
-                <a16:creationId xmlns:a16="http://schemas.microsoft.com/office/drawing/2014/main" id="{61164D26-F92F-B739-502B-845DC80254C3}"/>
-              </a:ext>
-            </a:extLst>
-          </p:cNvPr>
-          <p:cNvSpPr>
-            <a:spLocks noGrp="1"/>
-          </p:cNvSpPr>
-          <p:nvPr>
-            <p:ph type="title"/>
-          </p:nvPr>
-        </p:nvSpPr>
-        <p:spPr/>
-        <p:txBody>
-          <a:bodyPr/>
-          <a:lstStyle/>
-          <a:p>
-            <a:r>
-              <a:rPr lang="el-GR" dirty="0" err="1">
-                <a:latin typeface="Georgia" panose="02040502050405020303" pitchFamily="18" charset="0"/>
-              </a:rPr>
-              <a:t>Εμποριο</a:t>
-            </a:r>
-            <a:r>
-              <a:rPr lang="el-GR" dirty="0">
-                <a:latin typeface="Georgia" panose="02040502050405020303" pitchFamily="18" charset="0"/>
-              </a:rPr>
-              <a:t> </a:t>
-            </a:r>
-            <a:r>
-              <a:rPr lang="el-GR" dirty="0" err="1">
-                <a:latin typeface="Georgia" panose="02040502050405020303" pitchFamily="18" charset="0"/>
-              </a:rPr>
-              <a:t>ρΥπων</a:t>
-            </a:r>
-            <a:r>
-              <a:rPr lang="el-GR" dirty="0">
-                <a:latin typeface="Georgia" panose="02040502050405020303" pitchFamily="18" charset="0"/>
-              </a:rPr>
-              <a:t> - </a:t>
-            </a:r>
-            <a:r>
-              <a:rPr lang="en-US" dirty="0">
-                <a:latin typeface="Georgia" panose="02040502050405020303" pitchFamily="18" charset="0"/>
-              </a:rPr>
-              <a:t>EU ETS </a:t>
-            </a:r>
-          </a:p>
-        </p:txBody>
-      </p:sp>
-      <p:sp>
-        <p:nvSpPr>
-          <p:cNvPr id="3" name="Θέση κειμένου 2">
-            <a:extLst>
-              <a:ext uri="{FF2B5EF4-FFF2-40B4-BE49-F238E27FC236}">
-                <a16:creationId xmlns:a16="http://schemas.microsoft.com/office/drawing/2014/main" id="{F045C538-716A-2AB9-BA3A-52F6CC6BA7C4}"/>
-              </a:ext>
-            </a:extLst>
-          </p:cNvPr>
-          <p:cNvSpPr>
-            <a:spLocks noGrp="1"/>
-          </p:cNvSpPr>
-          <p:nvPr>
-            <p:ph type="body" idx="1"/>
-          </p:nvPr>
-        </p:nvSpPr>
-        <p:spPr/>
-        <p:txBody>
-          <a:bodyPr/>
-          <a:lstStyle/>
-          <a:p>
-            <a:endParaRPr lang="en-US" dirty="0"/>
-          </a:p>
-        </p:txBody>
-      </p:sp>
-    </p:spTree>
-    <p:extLst>
-      <p:ext uri="{BB962C8B-B14F-4D97-AF65-F5344CB8AC3E}">
-        <p14:creationId xmlns:p14="http://schemas.microsoft.com/office/powerpoint/2010/main" val="4046604953"/>
-      </p:ext>
-    </p:extLst>
-  </p:cSld>
-  <p:clrMapOvr>
-    <a:masterClrMapping/>
-  </p:clrMapOvr>
-</p:sld>
-</file>
-
-<file path=ppt/slides/slide20.xml><?xml version="1.0" encoding="utf-8"?>
+<file path=ppt/slides/slide17.xml><?xml version="1.0" encoding="utf-8"?>
 <p:sld xmlns:a="http://schemas.openxmlformats.org/drawingml/2006/main" xmlns:r="http://schemas.openxmlformats.org/officeDocument/2006/relationships" xmlns:p="http://schemas.openxmlformats.org/presentationml/2006/main">
   <p:cSld>
     <p:spTree>
@@ -10468,7 +8658,7 @@
 </p:sld>
 </file>
 
-<file path=ppt/slides/slide21.xml><?xml version="1.0" encoding="utf-8"?>
+<file path=ppt/slides/slide18.xml><?xml version="1.0" encoding="utf-8"?>
 <p:sld xmlns:a="http://schemas.openxmlformats.org/drawingml/2006/main" xmlns:r="http://schemas.openxmlformats.org/officeDocument/2006/relationships" xmlns:p="http://schemas.openxmlformats.org/presentationml/2006/main">
   <p:cSld>
     <p:spTree>
@@ -10889,491 +9079,7 @@
 </p:sld>
 </file>
 
-<file path=ppt/slides/slide22.xml><?xml version="1.0" encoding="utf-8"?>
-<p:sld xmlns:a="http://schemas.openxmlformats.org/drawingml/2006/main" xmlns:r="http://schemas.openxmlformats.org/officeDocument/2006/relationships" xmlns:p="http://schemas.openxmlformats.org/presentationml/2006/main">
-  <p:cSld>
-    <p:spTree>
-      <p:nvGrpSpPr>
-        <p:cNvPr id="1" name="">
-          <a:extLst>
-            <a:ext uri="{FF2B5EF4-FFF2-40B4-BE49-F238E27FC236}">
-              <a16:creationId xmlns:a16="http://schemas.microsoft.com/office/drawing/2014/main" id="{7E7F5EF7-5C53-860C-2816-69ED5BDEA5DB}"/>
-            </a:ext>
-          </a:extLst>
-        </p:cNvPr>
-        <p:cNvGrpSpPr/>
-        <p:nvPr/>
-      </p:nvGrpSpPr>
-      <p:grpSpPr>
-        <a:xfrm>
-          <a:off x="0" y="0"/>
-          <a:ext cx="0" cy="0"/>
-          <a:chOff x="0" y="0"/>
-          <a:chExt cx="0" cy="0"/>
-        </a:xfrm>
-      </p:grpSpPr>
-      <p:sp>
-        <p:nvSpPr>
-          <p:cNvPr id="2" name="Τίτλος 1">
-            <a:extLst>
-              <a:ext uri="{FF2B5EF4-FFF2-40B4-BE49-F238E27FC236}">
-                <a16:creationId xmlns:a16="http://schemas.microsoft.com/office/drawing/2014/main" id="{C4FF7A7B-4ED8-5677-2EB6-CBCB82C78911}"/>
-              </a:ext>
-            </a:extLst>
-          </p:cNvPr>
-          <p:cNvSpPr>
-            <a:spLocks noGrp="1"/>
-          </p:cNvSpPr>
-          <p:nvPr>
-            <p:ph type="title"/>
-          </p:nvPr>
-        </p:nvSpPr>
-        <p:spPr/>
-        <p:txBody>
-          <a:bodyPr/>
-          <a:lstStyle/>
-          <a:p>
-            <a:r>
-              <a:rPr lang="el-GR" dirty="0" err="1">
-                <a:latin typeface="Georgia" panose="02040502050405020303" pitchFamily="18" charset="0"/>
-              </a:rPr>
-              <a:t>Οριζοντια</a:t>
-            </a:r>
-            <a:r>
-              <a:rPr lang="el-GR" dirty="0">
-                <a:latin typeface="Georgia" panose="02040502050405020303" pitchFamily="18" charset="0"/>
-              </a:rPr>
-              <a:t> </a:t>
-            </a:r>
-            <a:r>
-              <a:rPr lang="el-GR" dirty="0" err="1">
-                <a:latin typeface="Georgia" panose="02040502050405020303" pitchFamily="18" charset="0"/>
-              </a:rPr>
-              <a:t>ισοτητα</a:t>
-            </a:r>
-            <a:r>
-              <a:rPr lang="el-GR" dirty="0">
-                <a:latin typeface="Georgia" panose="02040502050405020303" pitchFamily="18" charset="0"/>
-              </a:rPr>
-              <a:t> σε </a:t>
-            </a:r>
-            <a:r>
-              <a:rPr lang="el-GR" dirty="0" err="1">
-                <a:latin typeface="Georgia" panose="02040502050405020303" pitchFamily="18" charset="0"/>
-              </a:rPr>
-              <a:t>τμηματα</a:t>
-            </a:r>
-            <a:r>
-              <a:rPr lang="el-GR" dirty="0">
-                <a:latin typeface="Georgia" panose="02040502050405020303" pitchFamily="18" charset="0"/>
-              </a:rPr>
-              <a:t> του </a:t>
-            </a:r>
-            <a:r>
-              <a:rPr lang="el-GR" dirty="0" err="1">
-                <a:latin typeface="Georgia" panose="02040502050405020303" pitchFamily="18" charset="0"/>
-              </a:rPr>
-              <a:t>δειγματοσ</a:t>
-            </a:r>
-            <a:endParaRPr lang="en-US" dirty="0">
-              <a:latin typeface="Georgia" panose="02040502050405020303" pitchFamily="18" charset="0"/>
-            </a:endParaRPr>
-          </a:p>
-        </p:txBody>
-      </p:sp>
-      <p:pic>
-        <p:nvPicPr>
-          <p:cNvPr id="7" name="Θέση περιεχομένου 6" descr="Εικόνα που περιέχει κείμενο, χάρτης, Άτλας&#10;&#10;Περιγραφή που δημιουργήθηκε αυτόματα">
-            <a:extLst>
-              <a:ext uri="{FF2B5EF4-FFF2-40B4-BE49-F238E27FC236}">
-                <a16:creationId xmlns:a16="http://schemas.microsoft.com/office/drawing/2014/main" id="{C8B0BD2B-58B9-5111-B6C4-5A7A4CA52708}"/>
-              </a:ext>
-            </a:extLst>
-          </p:cNvPr>
-          <p:cNvPicPr>
-            <a:picLocks noGrp="1" noChangeAspect="1"/>
-          </p:cNvPicPr>
-          <p:nvPr>
-            <p:ph idx="1"/>
-          </p:nvPr>
-        </p:nvPicPr>
-        <p:blipFill>
-          <a:blip r:embed="rId2">
-            <a:extLst>
-              <a:ext uri="{28A0092B-C50C-407E-A947-70E740481C1C}">
-                <a14:useLocalDpi xmlns:a14="http://schemas.microsoft.com/office/drawing/2010/main" val="0"/>
-              </a:ext>
-            </a:extLst>
-          </a:blip>
-          <a:stretch>
-            <a:fillRect/>
-          </a:stretch>
-        </p:blipFill>
-        <p:spPr>
-          <a:xfrm>
-            <a:off x="1673820" y="2116732"/>
-            <a:ext cx="2758479" cy="2624535"/>
-          </a:xfrm>
-        </p:spPr>
-      </p:pic>
-      <p:pic>
-        <p:nvPicPr>
-          <p:cNvPr id="11" name="Εικόνα 10">
-            <a:extLst>
-              <a:ext uri="{FF2B5EF4-FFF2-40B4-BE49-F238E27FC236}">
-                <a16:creationId xmlns:a16="http://schemas.microsoft.com/office/drawing/2014/main" id="{1A274D53-B114-036F-EBCD-2B7E8C799296}"/>
-              </a:ext>
-            </a:extLst>
-          </p:cNvPr>
-          <p:cNvPicPr>
-            <a:picLocks noChangeAspect="1"/>
-          </p:cNvPicPr>
-          <p:nvPr/>
-        </p:nvPicPr>
-        <p:blipFill>
-          <a:blip r:embed="rId3">
-            <a:extLst>
-              <a:ext uri="{28A0092B-C50C-407E-A947-70E740481C1C}">
-                <a14:useLocalDpi xmlns:a14="http://schemas.microsoft.com/office/drawing/2010/main" val="0"/>
-              </a:ext>
-            </a:extLst>
-          </a:blip>
-          <a:srcRect/>
-          <a:stretch/>
-        </p:blipFill>
-        <p:spPr>
-          <a:xfrm>
-            <a:off x="5756109" y="1981200"/>
-            <a:ext cx="5854700" cy="4391025"/>
-          </a:xfrm>
-          <a:prstGeom prst="rect">
-            <a:avLst/>
-          </a:prstGeom>
-        </p:spPr>
-      </p:pic>
-      <p:graphicFrame>
-        <p:nvGraphicFramePr>
-          <p:cNvPr id="14" name="Πίνακας 13">
-            <a:extLst>
-              <a:ext uri="{FF2B5EF4-FFF2-40B4-BE49-F238E27FC236}">
-                <a16:creationId xmlns:a16="http://schemas.microsoft.com/office/drawing/2014/main" id="{D82E4E49-A218-F0F8-8EFE-11FD0D288194}"/>
-              </a:ext>
-            </a:extLst>
-          </p:cNvPr>
-          <p:cNvGraphicFramePr>
-            <a:graphicFrameLocks noGrp="1"/>
-          </p:cNvGraphicFramePr>
-          <p:nvPr>
-            <p:extLst>
-              <p:ext uri="{D42A27DB-BD31-4B8C-83A1-F6EECF244321}">
-                <p14:modId xmlns:p14="http://schemas.microsoft.com/office/powerpoint/2010/main" val="892278679"/>
-              </p:ext>
-            </p:extLst>
-          </p:nvPr>
-        </p:nvGraphicFramePr>
-        <p:xfrm>
-          <a:off x="581191" y="4924084"/>
-          <a:ext cx="5006808" cy="1371600"/>
-        </p:xfrm>
-        <a:graphic>
-          <a:graphicData uri="http://schemas.openxmlformats.org/drawingml/2006/table">
-            <a:tbl>
-              <a:tblPr firstRow="1" bandRow="1">
-                <a:tableStyleId>{5C22544A-7EE6-4342-B048-85BDC9FD1C3A}</a:tableStyleId>
-              </a:tblPr>
-              <a:tblGrid>
-                <a:gridCol w="1668936">
-                  <a:extLst>
-                    <a:ext uri="{9D8B030D-6E8A-4147-A177-3AD203B41FA5}">
-                      <a16:colId xmlns:a16="http://schemas.microsoft.com/office/drawing/2014/main" val="983591351"/>
-                    </a:ext>
-                  </a:extLst>
-                </a:gridCol>
-                <a:gridCol w="1668936">
-                  <a:extLst>
-                    <a:ext uri="{9D8B030D-6E8A-4147-A177-3AD203B41FA5}">
-                      <a16:colId xmlns:a16="http://schemas.microsoft.com/office/drawing/2014/main" val="499500019"/>
-                    </a:ext>
-                  </a:extLst>
-                </a:gridCol>
-                <a:gridCol w="1668936">
-                  <a:extLst>
-                    <a:ext uri="{9D8B030D-6E8A-4147-A177-3AD203B41FA5}">
-                      <a16:colId xmlns:a16="http://schemas.microsoft.com/office/drawing/2014/main" val="3292724836"/>
-                    </a:ext>
-                  </a:extLst>
-                </a:gridCol>
-              </a:tblGrid>
-              <a:tr h="337933">
-                <a:tc gridSpan="3">
-                  <a:txBody>
-                    <a:bodyPr/>
-                    <a:lstStyle/>
-                    <a:p>
-                      <a:pPr algn="ctr"/>
-                      <a:r>
-                        <a:rPr lang="el-GR" dirty="0">
-                          <a:latin typeface="Georgia" panose="02040502050405020303" pitchFamily="18" charset="0"/>
-                        </a:rPr>
-                        <a:t>Συνολική παρεχόμενη ενέργεια</a:t>
-                      </a:r>
-                      <a:r>
-                        <a:rPr lang="en-US" dirty="0">
-                          <a:latin typeface="Georgia" panose="02040502050405020303" pitchFamily="18" charset="0"/>
-                        </a:rPr>
-                        <a:t> x energy Intensity</a:t>
-                      </a:r>
-                      <a:r>
-                        <a:rPr lang="el-GR" dirty="0">
-                          <a:latin typeface="Georgia" panose="02040502050405020303" pitchFamily="18" charset="0"/>
-                        </a:rPr>
-                        <a:t> </a:t>
-                      </a:r>
-                      <a:r>
-                        <a:rPr lang="en-US" dirty="0">
-                          <a:latin typeface="Georgia" panose="02040502050405020303" pitchFamily="18" charset="0"/>
-                        </a:rPr>
-                        <a:t>(r^2) </a:t>
-                      </a:r>
-                      <a:r>
-                        <a:rPr lang="el-GR" dirty="0">
-                          <a:latin typeface="Georgia" panose="02040502050405020303" pitchFamily="18" charset="0"/>
-                        </a:rPr>
-                        <a:t>Φάση ΙΙΙ</a:t>
-                      </a:r>
-                      <a:endParaRPr lang="en-US" dirty="0">
-                        <a:latin typeface="Georgia" panose="02040502050405020303" pitchFamily="18" charset="0"/>
-                      </a:endParaRPr>
-                    </a:p>
-                  </a:txBody>
-                  <a:tcPr/>
-                </a:tc>
-                <a:tc hMerge="1">
-                  <a:txBody>
-                    <a:bodyPr/>
-                    <a:lstStyle/>
-                    <a:p>
-                      <a:endParaRPr lang="en-US" dirty="0"/>
-                    </a:p>
-                  </a:txBody>
-                  <a:tcPr/>
-                </a:tc>
-                <a:tc hMerge="1">
-                  <a:txBody>
-                    <a:bodyPr/>
-                    <a:lstStyle/>
-                    <a:p>
-                      <a:endParaRPr lang="en-US" dirty="0"/>
-                    </a:p>
-                  </a:txBody>
-                  <a:tcPr/>
-                </a:tc>
-                <a:extLst>
-                  <a:ext uri="{0D108BD9-81ED-4DB2-BD59-A6C34878D82A}">
-                    <a16:rowId xmlns:a16="http://schemas.microsoft.com/office/drawing/2014/main" val="3859546045"/>
-                  </a:ext>
-                </a:extLst>
-              </a:tr>
-              <a:tr h="337933">
-                <a:tc>
-                  <a:txBody>
-                    <a:bodyPr/>
-                    <a:lstStyle/>
-                    <a:p>
-                      <a:r>
-                        <a:rPr lang="el-GR" dirty="0">
-                          <a:solidFill>
-                            <a:srgbClr val="D72F26"/>
-                          </a:solidFill>
-                          <a:latin typeface="Georgia" panose="02040502050405020303" pitchFamily="18" charset="0"/>
-                        </a:rPr>
-                        <a:t>Συστάδα 1</a:t>
-                      </a:r>
-                      <a:endParaRPr lang="en-US" dirty="0">
-                        <a:solidFill>
-                          <a:srgbClr val="D72F26"/>
-                        </a:solidFill>
-                        <a:latin typeface="Georgia" panose="02040502050405020303" pitchFamily="18" charset="0"/>
-                      </a:endParaRPr>
-                    </a:p>
-                  </a:txBody>
-                  <a:tcPr/>
-                </a:tc>
-                <a:tc>
-                  <a:txBody>
-                    <a:bodyPr/>
-                    <a:lstStyle/>
-                    <a:p>
-                      <a:r>
-                        <a:rPr lang="el-GR" dirty="0">
-                          <a:solidFill>
-                            <a:srgbClr val="32A02A"/>
-                          </a:solidFill>
-                          <a:latin typeface="Georgia" panose="02040502050405020303" pitchFamily="18" charset="0"/>
-                        </a:rPr>
-                        <a:t>Συστάδα 2 </a:t>
-                      </a:r>
-                      <a:endParaRPr lang="en-US" dirty="0">
-                        <a:solidFill>
-                          <a:srgbClr val="32A02A"/>
-                        </a:solidFill>
-                        <a:latin typeface="Georgia" panose="02040502050405020303" pitchFamily="18" charset="0"/>
-                      </a:endParaRPr>
-                    </a:p>
-                  </a:txBody>
-                  <a:tcPr/>
-                </a:tc>
-                <a:tc>
-                  <a:txBody>
-                    <a:bodyPr/>
-                    <a:lstStyle/>
-                    <a:p>
-                      <a:r>
-                        <a:rPr lang="el-GR" dirty="0">
-                          <a:solidFill>
-                            <a:srgbClr val="1C91C0"/>
-                          </a:solidFill>
-                          <a:latin typeface="Georgia" panose="02040502050405020303" pitchFamily="18" charset="0"/>
-                        </a:rPr>
-                        <a:t>Συστάδα 3</a:t>
-                      </a:r>
-                      <a:endParaRPr lang="en-US" dirty="0">
-                        <a:solidFill>
-                          <a:srgbClr val="1C91C0"/>
-                        </a:solidFill>
-                        <a:latin typeface="Georgia" panose="02040502050405020303" pitchFamily="18" charset="0"/>
-                      </a:endParaRPr>
-                    </a:p>
-                  </a:txBody>
-                  <a:tcPr/>
-                </a:tc>
-                <a:extLst>
-                  <a:ext uri="{0D108BD9-81ED-4DB2-BD59-A6C34878D82A}">
-                    <a16:rowId xmlns:a16="http://schemas.microsoft.com/office/drawing/2014/main" val="730106978"/>
-                  </a:ext>
-                </a:extLst>
-              </a:tr>
-              <a:tr h="337933">
-                <a:tc>
-                  <a:txBody>
-                    <a:bodyPr/>
-                    <a:lstStyle/>
-                    <a:p>
-                      <a:r>
-                        <a:rPr lang="en-US" dirty="0">
-                          <a:latin typeface="Georgia" panose="02040502050405020303" pitchFamily="18" charset="0"/>
-                        </a:rPr>
-                        <a:t>0.4269</a:t>
-                      </a:r>
-                    </a:p>
-                  </a:txBody>
-                  <a:tcPr/>
-                </a:tc>
-                <a:tc>
-                  <a:txBody>
-                    <a:bodyPr/>
-                    <a:lstStyle/>
-                    <a:p>
-                      <a:r>
-                        <a:rPr lang="en-US" dirty="0">
-                          <a:latin typeface="Georgia" panose="02040502050405020303" pitchFamily="18" charset="0"/>
-                        </a:rPr>
-                        <a:t>0.5703</a:t>
-                      </a:r>
-                    </a:p>
-                  </a:txBody>
-                  <a:tcPr/>
-                </a:tc>
-                <a:tc>
-                  <a:txBody>
-                    <a:bodyPr/>
-                    <a:lstStyle/>
-                    <a:p>
-                      <a:r>
-                        <a:rPr lang="en-US" dirty="0">
-                          <a:latin typeface="Georgia" panose="02040502050405020303" pitchFamily="18" charset="0"/>
-                        </a:rPr>
-                        <a:t>0.9140</a:t>
-                      </a:r>
-                    </a:p>
-                  </a:txBody>
-                  <a:tcPr/>
-                </a:tc>
-                <a:extLst>
-                  <a:ext uri="{0D108BD9-81ED-4DB2-BD59-A6C34878D82A}">
-                    <a16:rowId xmlns:a16="http://schemas.microsoft.com/office/drawing/2014/main" val="4096866415"/>
-                  </a:ext>
-                </a:extLst>
-              </a:tr>
-            </a:tbl>
-          </a:graphicData>
-        </a:graphic>
-      </p:graphicFrame>
-      <p:sp>
-        <p:nvSpPr>
-          <p:cNvPr id="3" name="Ορθογώνιο 2">
-            <a:extLst>
-              <a:ext uri="{FF2B5EF4-FFF2-40B4-BE49-F238E27FC236}">
-                <a16:creationId xmlns:a16="http://schemas.microsoft.com/office/drawing/2014/main" id="{65302A86-C303-6200-67FC-056944CCD15A}"/>
-              </a:ext>
-            </a:extLst>
-          </p:cNvPr>
-          <p:cNvSpPr/>
-          <p:nvPr/>
-        </p:nvSpPr>
-        <p:spPr>
-          <a:xfrm>
-            <a:off x="0" y="-1"/>
-            <a:ext cx="12192000" cy="6858000"/>
-          </a:xfrm>
-          <a:prstGeom prst="rect">
-            <a:avLst/>
-          </a:prstGeom>
-          <a:solidFill>
-            <a:srgbClr val="4D1434">
-              <a:alpha val="30196"/>
-            </a:srgbClr>
-          </a:solidFill>
-        </p:spPr>
-        <p:style>
-          <a:lnRef idx="2">
-            <a:schemeClr val="accent1">
-              <a:shade val="15000"/>
-            </a:schemeClr>
-          </a:lnRef>
-          <a:fillRef idx="1">
-            <a:schemeClr val="accent1"/>
-          </a:fillRef>
-          <a:effectRef idx="0">
-            <a:schemeClr val="accent1"/>
-          </a:effectRef>
-          <a:fontRef idx="minor">
-            <a:schemeClr val="lt1"/>
-          </a:fontRef>
-        </p:style>
-        <p:txBody>
-          <a:bodyPr rtlCol="0" anchor="ctr"/>
-          <a:lstStyle/>
-          <a:p>
-            <a:pPr algn="ctr"/>
-            <a:endParaRPr lang="en-US" dirty="0"/>
-          </a:p>
-        </p:txBody>
-      </p:sp>
-    </p:spTree>
-    <p:extLst>
-      <p:ext uri="{BB962C8B-B14F-4D97-AF65-F5344CB8AC3E}">
-        <p14:creationId xmlns:p14="http://schemas.microsoft.com/office/powerpoint/2010/main" val="4029024108"/>
-      </p:ext>
-    </p:extLst>
-  </p:cSld>
-  <p:clrMapOvr>
-    <a:masterClrMapping/>
-  </p:clrMapOvr>
-</p:sld>
-</file>
-
-<file path=ppt/slides/slide23.xml><?xml version="1.0" encoding="utf-8"?>
+<file path=ppt/slides/slide19.xml><?xml version="1.0" encoding="utf-8"?>
 <p:sld xmlns:a="http://schemas.openxmlformats.org/drawingml/2006/main" xmlns:r="http://schemas.openxmlformats.org/officeDocument/2006/relationships" xmlns:p="http://schemas.openxmlformats.org/presentationml/2006/main">
   <p:cSld>
     <p:spTree>
@@ -11466,6 +9172,12 @@
           <a:bodyPr/>
           <a:lstStyle/>
           <a:p>
+            <a:r>
+              <a:rPr lang="en-US" dirty="0"/>
+              <a:t>Fair and Efficient Allocation of EU Emission Allowances, (Dimos s. et al, 2023)</a:t>
+            </a:r>
+          </a:p>
+          <a:p>
             <a:endParaRPr lang="en-US" dirty="0"/>
           </a:p>
         </p:txBody>
@@ -11483,7 +9195,116 @@
 </p:sld>
 </file>
 
-<file path=ppt/slides/slide24.xml><?xml version="1.0" encoding="utf-8"?>
+<file path=ppt/slides/slide2.xml><?xml version="1.0" encoding="utf-8"?>
+<p:sld xmlns:a="http://schemas.openxmlformats.org/drawingml/2006/main" xmlns:r="http://schemas.openxmlformats.org/officeDocument/2006/relationships" xmlns:p="http://schemas.openxmlformats.org/presentationml/2006/main">
+  <p:cSld>
+    <p:spTree>
+      <p:nvGrpSpPr>
+        <p:cNvPr id="1" name=""/>
+        <p:cNvGrpSpPr/>
+        <p:nvPr/>
+      </p:nvGrpSpPr>
+      <p:grpSpPr>
+        <a:xfrm>
+          <a:off x="0" y="0"/>
+          <a:ext cx="0" cy="0"/>
+          <a:chOff x="0" y="0"/>
+          <a:chExt cx="0" cy="0"/>
+        </a:xfrm>
+      </p:grpSpPr>
+      <p:sp>
+        <p:nvSpPr>
+          <p:cNvPr id="2" name="Τίτλος 1">
+            <a:extLst>
+              <a:ext uri="{FF2B5EF4-FFF2-40B4-BE49-F238E27FC236}">
+                <a16:creationId xmlns:a16="http://schemas.microsoft.com/office/drawing/2014/main" id="{61164D26-F92F-B739-502B-845DC80254C3}"/>
+              </a:ext>
+            </a:extLst>
+          </p:cNvPr>
+          <p:cNvSpPr>
+            <a:spLocks noGrp="1"/>
+          </p:cNvSpPr>
+          <p:nvPr>
+            <p:ph type="title"/>
+          </p:nvPr>
+        </p:nvSpPr>
+        <p:spPr/>
+        <p:txBody>
+          <a:bodyPr/>
+          <a:lstStyle/>
+          <a:p>
+            <a:r>
+              <a:rPr lang="el-GR" dirty="0" err="1">
+                <a:latin typeface="Georgia" panose="02040502050405020303" pitchFamily="18" charset="0"/>
+              </a:rPr>
+              <a:t>Εμποριο</a:t>
+            </a:r>
+            <a:r>
+              <a:rPr lang="el-GR" dirty="0">
+                <a:latin typeface="Georgia" panose="02040502050405020303" pitchFamily="18" charset="0"/>
+              </a:rPr>
+              <a:t> </a:t>
+            </a:r>
+            <a:r>
+              <a:rPr lang="el-GR" dirty="0" err="1">
+                <a:latin typeface="Georgia" panose="02040502050405020303" pitchFamily="18" charset="0"/>
+              </a:rPr>
+              <a:t>ρΥπων</a:t>
+            </a:r>
+            <a:r>
+              <a:rPr lang="el-GR" dirty="0">
+                <a:latin typeface="Georgia" panose="02040502050405020303" pitchFamily="18" charset="0"/>
+              </a:rPr>
+              <a:t> - </a:t>
+            </a:r>
+            <a:r>
+              <a:rPr lang="en-US" dirty="0">
+                <a:latin typeface="Georgia" panose="02040502050405020303" pitchFamily="18" charset="0"/>
+              </a:rPr>
+              <a:t>EU ETS </a:t>
+            </a:r>
+          </a:p>
+        </p:txBody>
+      </p:sp>
+      <p:sp>
+        <p:nvSpPr>
+          <p:cNvPr id="3" name="Θέση κειμένου 2">
+            <a:extLst>
+              <a:ext uri="{FF2B5EF4-FFF2-40B4-BE49-F238E27FC236}">
+                <a16:creationId xmlns:a16="http://schemas.microsoft.com/office/drawing/2014/main" id="{F045C538-716A-2AB9-BA3A-52F6CC6BA7C4}"/>
+              </a:ext>
+            </a:extLst>
+          </p:cNvPr>
+          <p:cNvSpPr>
+            <a:spLocks noGrp="1"/>
+          </p:cNvSpPr>
+          <p:nvPr>
+            <p:ph type="body" idx="1"/>
+          </p:nvPr>
+        </p:nvSpPr>
+        <p:spPr/>
+        <p:txBody>
+          <a:bodyPr/>
+          <a:lstStyle/>
+          <a:p>
+            <a:endParaRPr lang="en-US" dirty="0"/>
+          </a:p>
+        </p:txBody>
+      </p:sp>
+    </p:spTree>
+    <p:extLst>
+      <p:ext uri="{BB962C8B-B14F-4D97-AF65-F5344CB8AC3E}">
+        <p14:creationId xmlns:p14="http://schemas.microsoft.com/office/powerpoint/2010/main" val="4046604953"/>
+      </p:ext>
+    </p:extLst>
+  </p:cSld>
+  <p:clrMapOvr>
+    <a:masterClrMapping/>
+  </p:clrMapOvr>
+</p:sld>
+</file>
+
+<file path=ppt/slides/slide20.xml><?xml version="1.0" encoding="utf-8"?>
 <p:sld xmlns:a="http://schemas.openxmlformats.org/drawingml/2006/main" xmlns:r="http://schemas.openxmlformats.org/officeDocument/2006/relationships" xmlns:p="http://schemas.openxmlformats.org/presentationml/2006/main">
   <p:cSld>
     <p:spTree>
@@ -11799,7 +9620,7 @@
 </p:sld>
 </file>
 
-<file path=ppt/slides/slide25.xml><?xml version="1.0" encoding="utf-8"?>
+<file path=ppt/slides/slide21.xml><?xml version="1.0" encoding="utf-8"?>
 <p:sld xmlns:a="http://schemas.openxmlformats.org/drawingml/2006/main" xmlns:r="http://schemas.openxmlformats.org/officeDocument/2006/relationships" xmlns:p="http://schemas.openxmlformats.org/presentationml/2006/main">
   <p:cSld>
     <p:spTree>
@@ -11891,12 +9712,6 @@
               </a:rPr>
               <a:t>Παραδειγμα</a:t>
             </a:r>
-            <a:r>
-              <a:rPr lang="el-GR" dirty="0">
-                <a:latin typeface="Georgia" panose="02040502050405020303" pitchFamily="18" charset="0"/>
-              </a:rPr>
-              <a:t> 1</a:t>
-            </a:r>
             <a:endParaRPr lang="en-US" dirty="0">
               <a:latin typeface="Georgia" panose="02040502050405020303" pitchFamily="18" charset="0"/>
             </a:endParaRPr>
@@ -11919,14 +9734,14 @@
             <p:ph idx="1"/>
             <p:extLst>
               <p:ext uri="{D42A27DB-BD31-4B8C-83A1-F6EECF244321}">
-                <p14:modId xmlns:p14="http://schemas.microsoft.com/office/powerpoint/2010/main" val="2367796699"/>
+                <p14:modId xmlns:p14="http://schemas.microsoft.com/office/powerpoint/2010/main" val="1535229808"/>
               </p:ext>
             </p:extLst>
           </p:nvPr>
         </p:nvGraphicFramePr>
         <p:xfrm>
           <a:off x="580858" y="3222625"/>
-          <a:ext cx="11029950" cy="2123440"/>
+          <a:ext cx="11029950" cy="1849120"/>
         </p:xfrm>
         <a:graphic>
           <a:graphicData uri="http://schemas.openxmlformats.org/drawingml/2006/table">
@@ -11935,14 +9750,14 @@
                 <a:tableStyleId>{5C22544A-7EE6-4342-B048-85BDC9FD1C3A}</a:tableStyleId>
               </a:tblPr>
               <a:tblGrid>
-                <a:gridCol w="1870242">
+                <a:gridCol w="1662010">
                   <a:extLst>
                     <a:ext uri="{9D8B030D-6E8A-4147-A177-3AD203B41FA5}">
                       <a16:colId xmlns:a16="http://schemas.microsoft.com/office/drawing/2014/main" val="1146087195"/>
                     </a:ext>
                   </a:extLst>
                 </a:gridCol>
-                <a:gridCol w="1943100">
+                <a:gridCol w="2151332">
                   <a:extLst>
                     <a:ext uri="{9D8B030D-6E8A-4147-A177-3AD203B41FA5}">
                       <a16:colId xmlns:a16="http://schemas.microsoft.com/office/drawing/2014/main" val="2579956957"/>
@@ -12665,7 +10480,7 @@
 </p:sld>
 </file>
 
-<file path=ppt/slides/slide26.xml><?xml version="1.0" encoding="utf-8"?>
+<file path=ppt/slides/slide22.xml><?xml version="1.0" encoding="utf-8"?>
 <p:sld xmlns:a="http://schemas.openxmlformats.org/drawingml/2006/main" xmlns:r="http://schemas.openxmlformats.org/officeDocument/2006/relationships" xmlns:p="http://schemas.openxmlformats.org/presentationml/2006/main">
   <p:cSld>
     <p:spTree>
@@ -12798,7 +10613,7 @@
 </p:sld>
 </file>
 
-<file path=ppt/slides/slide27.xml><?xml version="1.0" encoding="utf-8"?>
+<file path=ppt/slides/slide23.xml><?xml version="1.0" encoding="utf-8"?>
 <p:sld xmlns:a="http://schemas.openxmlformats.org/drawingml/2006/main" xmlns:r="http://schemas.openxmlformats.org/officeDocument/2006/relationships" xmlns:p="http://schemas.openxmlformats.org/presentationml/2006/main">
   <p:cSld>
     <p:spTree>
@@ -12993,19 +10808,7 @@
                   <a:rPr lang="el-GR" dirty="0">
                     <a:latin typeface="Georgia" panose="02040502050405020303" pitchFamily="18" charset="0"/>
                   </a:rPr>
-                  <a:t>εφ’ άπαξ, γραμμικά με την </a:t>
-                </a:r>
-                <a:r>
-                  <a:rPr lang="el-GR" dirty="0" err="1">
-                    <a:latin typeface="Georgia" panose="02040502050405020303" pitchFamily="18" charset="0"/>
-                  </a:rPr>
-                  <a:t>παραγωγλη</a:t>
-                </a:r>
-                <a:r>
-                  <a:rPr lang="el-GR" dirty="0">
-                    <a:latin typeface="Georgia" panose="02040502050405020303" pitchFamily="18" charset="0"/>
-                  </a:rPr>
-                  <a:t> κλπ.) </a:t>
+                  <a:t>εφ’ άπαξ, γραμμικά με την παραγωγή κλπ.) </a:t>
                 </a:r>
                 <a:endParaRPr lang="en-US" dirty="0">
                   <a:latin typeface="Georgia" panose="02040502050405020303" pitchFamily="18" charset="0"/>
@@ -13144,7 +10947,7 @@
                   <a:rPr lang="el-GR" b="1" dirty="0">
                     <a:latin typeface="Georgia" panose="02040502050405020303" pitchFamily="18" charset="0"/>
                   </a:rPr>
-                  <a:t>Ρυθμιστική Αρχή</a:t>
+                  <a:t>Εταιρείες</a:t>
                 </a:r>
                 <a:r>
                   <a:rPr lang="el-GR" dirty="0">
@@ -13187,7 +10990,7 @@
                   <a:rPr lang="el-GR" b="1" dirty="0">
                     <a:latin typeface="Georgia" panose="02040502050405020303" pitchFamily="18" charset="0"/>
                   </a:rPr>
-                  <a:t>Εταιρείες</a:t>
+                  <a:t>Ρυθμιστική Αρχή</a:t>
                 </a:r>
                 <a:r>
                   <a:rPr lang="el-GR" dirty="0">
@@ -13276,7 +11079,7 @@
 </p:sld>
 </file>
 
-<file path=ppt/slides/slide28.xml><?xml version="1.0" encoding="utf-8"?>
+<file path=ppt/slides/slide24.xml><?xml version="1.0" encoding="utf-8"?>
 <p:sld xmlns:a="http://schemas.openxmlformats.org/drawingml/2006/main" xmlns:r="http://schemas.openxmlformats.org/officeDocument/2006/relationships" xmlns:p="http://schemas.openxmlformats.org/presentationml/2006/main">
   <p:cSld>
     <p:spTree>
@@ -13587,7 +11390,7 @@
                   <a:rPr lang="el-GR" b="1" dirty="0">
                     <a:latin typeface="Georgia" panose="02040502050405020303" pitchFamily="18" charset="0"/>
                   </a:rPr>
-                  <a:t>Ισορροπία (που μεγιστοποιεί την Κοινωνική Ευημερία)</a:t>
+                  <a:t>Αλγόριθμος που οδηγεί σε ισορροπία που μεγιστοποιεί την Κοινωνική Ευημερία</a:t>
                 </a:r>
                 <a:r>
                   <a:rPr lang="el-GR" dirty="0">
@@ -13876,7 +11679,7 @@
         <p:spPr>
           <a:xfrm>
             <a:off x="4178746" y="6047174"/>
-            <a:ext cx="2813591" cy="369332"/>
+            <a:ext cx="2811988" cy="369332"/>
           </a:xfrm>
           <a:prstGeom prst="rect">
             <a:avLst/>
@@ -13890,11 +11693,26 @@
           <a:lstStyle/>
           <a:p>
             <a:r>
+              <a:rPr lang="el-GR" dirty="0">
+                <a:latin typeface="Georgia" panose="02040502050405020303" pitchFamily="18" charset="0"/>
+              </a:rPr>
+              <a:t>Αναλογία</a:t>
+            </a:r>
+            <a:r>
               <a:rPr lang="en-US" dirty="0">
                 <a:latin typeface="Georgia" panose="02040502050405020303" pitchFamily="18" charset="0"/>
               </a:rPr>
-              <a:t>Proportionality &amp; Reward</a:t>
-            </a:r>
+              <a:t> &amp; </a:t>
+            </a:r>
+            <a:r>
+              <a:rPr lang="el-GR" dirty="0">
+                <a:latin typeface="Georgia" panose="02040502050405020303" pitchFamily="18" charset="0"/>
+              </a:rPr>
+              <a:t>Επιβράβευση</a:t>
+            </a:r>
+            <a:endParaRPr lang="en-US" dirty="0">
+              <a:latin typeface="Georgia" panose="02040502050405020303" pitchFamily="18" charset="0"/>
+            </a:endParaRPr>
           </a:p>
         </p:txBody>
       </p:sp>
@@ -13911,7 +11729,7 @@
 </p:sld>
 </file>
 
-<file path=ppt/slides/slide29.xml><?xml version="1.0" encoding="utf-8"?>
+<file path=ppt/slides/slide25.xml><?xml version="1.0" encoding="utf-8"?>
 <p:sld xmlns:a="http://schemas.openxmlformats.org/drawingml/2006/main" xmlns:r="http://schemas.openxmlformats.org/officeDocument/2006/relationships" xmlns:p="http://schemas.openxmlformats.org/presentationml/2006/main">
   <p:cSld>
     <p:bg>
@@ -14488,680 +12306,7 @@
 </p:sld>
 </file>
 
-<file path=ppt/slides/slide3.xml><?xml version="1.0" encoding="utf-8"?>
-<p:sld xmlns:a="http://schemas.openxmlformats.org/drawingml/2006/main" xmlns:r="http://schemas.openxmlformats.org/officeDocument/2006/relationships" xmlns:p="http://schemas.openxmlformats.org/presentationml/2006/main">
-  <p:cSld>
-    <p:spTree>
-      <p:nvGrpSpPr>
-        <p:cNvPr id="1" name=""/>
-        <p:cNvGrpSpPr/>
-        <p:nvPr/>
-      </p:nvGrpSpPr>
-      <p:grpSpPr>
-        <a:xfrm>
-          <a:off x="0" y="0"/>
-          <a:ext cx="0" cy="0"/>
-          <a:chOff x="0" y="0"/>
-          <a:chExt cx="0" cy="0"/>
-        </a:xfrm>
-      </p:grpSpPr>
-      <p:sp>
-        <p:nvSpPr>
-          <p:cNvPr id="2" name="Τίτλος 1">
-            <a:extLst>
-              <a:ext uri="{FF2B5EF4-FFF2-40B4-BE49-F238E27FC236}">
-                <a16:creationId xmlns:a16="http://schemas.microsoft.com/office/drawing/2014/main" id="{2035A1C4-2171-56FE-0AE1-8CA080E46E33}"/>
-              </a:ext>
-            </a:extLst>
-          </p:cNvPr>
-          <p:cNvSpPr>
-            <a:spLocks noGrp="1"/>
-          </p:cNvSpPr>
-          <p:nvPr>
-            <p:ph type="title"/>
-          </p:nvPr>
-        </p:nvSpPr>
-        <p:spPr/>
-        <p:txBody>
-          <a:bodyPr/>
-          <a:lstStyle/>
-          <a:p>
-            <a:r>
-              <a:rPr lang="el-GR" dirty="0" err="1">
-                <a:latin typeface="Georgia" panose="02040502050405020303" pitchFamily="18" charset="0"/>
-              </a:rPr>
-              <a:t>Εμποριο</a:t>
-            </a:r>
-            <a:r>
-              <a:rPr lang="el-GR" dirty="0">
-                <a:latin typeface="Georgia" panose="02040502050405020303" pitchFamily="18" charset="0"/>
-              </a:rPr>
-              <a:t> </a:t>
-            </a:r>
-            <a:r>
-              <a:rPr lang="el-GR" dirty="0" err="1">
-                <a:latin typeface="Georgia" panose="02040502050405020303" pitchFamily="18" charset="0"/>
-              </a:rPr>
-              <a:t>ΡΥπων</a:t>
-            </a:r>
-            <a:r>
-              <a:rPr lang="el-GR" dirty="0">
-                <a:latin typeface="Georgia" panose="02040502050405020303" pitchFamily="18" charset="0"/>
-              </a:rPr>
-              <a:t> </a:t>
-            </a:r>
-            <a:r>
-              <a:rPr lang="en-US" dirty="0">
-                <a:latin typeface="Georgia" panose="02040502050405020303" pitchFamily="18" charset="0"/>
-              </a:rPr>
-              <a:t>EU ETS</a:t>
-            </a:r>
-          </a:p>
-        </p:txBody>
-      </p:sp>
-      <p:sp>
-        <p:nvSpPr>
-          <p:cNvPr id="3" name="TextBox 2">
-            <a:extLst>
-              <a:ext uri="{FF2B5EF4-FFF2-40B4-BE49-F238E27FC236}">
-                <a16:creationId xmlns:a16="http://schemas.microsoft.com/office/drawing/2014/main" id="{881DCFF8-ECD3-CE78-4546-F59A7F1D6BA0}"/>
-              </a:ext>
-            </a:extLst>
-          </p:cNvPr>
-          <p:cNvSpPr txBox="1"/>
-          <p:nvPr/>
-        </p:nvSpPr>
-        <p:spPr>
-          <a:xfrm>
-            <a:off x="492369" y="2277208"/>
-            <a:ext cx="6865982" cy="1477328"/>
-          </a:xfrm>
-          <a:prstGeom prst="rect">
-            <a:avLst/>
-          </a:prstGeom>
-          <a:noFill/>
-        </p:spPr>
-        <p:txBody>
-          <a:bodyPr wrap="none" rtlCol="0">
-            <a:spAutoFit/>
-          </a:bodyPr>
-          <a:lstStyle/>
-          <a:p>
-            <a:pPr marL="742950" lvl="1" indent="-285750">
-              <a:buFont typeface="Arial" panose="020B0604020202020204" pitchFamily="34" charset="0"/>
-              <a:buChar char="•"/>
-            </a:pPr>
-            <a:r>
-              <a:rPr lang="en-US" dirty="0">
-                <a:latin typeface="Georgia" panose="02040502050405020303" pitchFamily="18" charset="0"/>
-              </a:rPr>
-              <a:t>Cap And Trade. </a:t>
-            </a:r>
-            <a:r>
-              <a:rPr lang="el-GR" dirty="0">
-                <a:latin typeface="Georgia" panose="02040502050405020303" pitchFamily="18" charset="0"/>
-              </a:rPr>
-              <a:t>Κάθε χρόνο υπάρχει όριο για τους ρύπους.</a:t>
-            </a:r>
-            <a:endParaRPr lang="en-US" dirty="0">
-              <a:latin typeface="Georgia" panose="02040502050405020303" pitchFamily="18" charset="0"/>
-            </a:endParaRPr>
-          </a:p>
-          <a:p>
-            <a:pPr marL="742950" lvl="1" indent="-285750">
-              <a:buFont typeface="Arial" panose="020B0604020202020204" pitchFamily="34" charset="0"/>
-              <a:buChar char="•"/>
-            </a:pPr>
-            <a:r>
-              <a:rPr lang="el-GR" dirty="0">
-                <a:latin typeface="Georgia" panose="02040502050405020303" pitchFamily="18" charset="0"/>
-              </a:rPr>
-              <a:t>1 Άδεια = τόνος διοξειδίου ή ισοδύναμων ρύπων</a:t>
-            </a:r>
-          </a:p>
-          <a:p>
-            <a:pPr marL="742950" lvl="1" indent="-285750">
-              <a:buFont typeface="Arial" panose="020B0604020202020204" pitchFamily="34" charset="0"/>
-              <a:buChar char="•"/>
-            </a:pPr>
-            <a:r>
-              <a:rPr lang="en-US" dirty="0">
-                <a:latin typeface="Georgia" panose="02040502050405020303" pitchFamily="18" charset="0"/>
-              </a:rPr>
-              <a:t>31 </a:t>
-            </a:r>
-            <a:r>
-              <a:rPr lang="el-GR" dirty="0">
-                <a:latin typeface="Georgia" panose="02040502050405020303" pitchFamily="18" charset="0"/>
-              </a:rPr>
-              <a:t>Χώρες, 12.000 εγκαταστάσεις.</a:t>
-            </a:r>
-            <a:endParaRPr lang="en-US" dirty="0">
-              <a:latin typeface="Georgia" panose="02040502050405020303" pitchFamily="18" charset="0"/>
-            </a:endParaRPr>
-          </a:p>
-          <a:p>
-            <a:pPr marL="742950" lvl="1" indent="-285750">
-              <a:buFont typeface="Arial" panose="020B0604020202020204" pitchFamily="34" charset="0"/>
-              <a:buChar char="•"/>
-            </a:pPr>
-            <a:r>
-              <a:rPr lang="el-GR" dirty="0">
-                <a:latin typeface="Georgia" panose="02040502050405020303" pitchFamily="18" charset="0"/>
-              </a:rPr>
-              <a:t>Στόχος 55% μείωση σε σχέση με το 1990 μέχρι το 2030.</a:t>
-            </a:r>
-            <a:endParaRPr lang="en-US" dirty="0">
-              <a:latin typeface="Georgia" panose="02040502050405020303" pitchFamily="18" charset="0"/>
-            </a:endParaRPr>
-          </a:p>
-          <a:p>
-            <a:pPr marL="742950" lvl="1" indent="-285750">
-              <a:buFont typeface="Arial" panose="020B0604020202020204" pitchFamily="34" charset="0"/>
-              <a:buChar char="•"/>
-            </a:pPr>
-            <a:r>
-              <a:rPr lang="el-GR" dirty="0">
-                <a:latin typeface="Georgia" panose="02040502050405020303" pitchFamily="18" charset="0"/>
-              </a:rPr>
-              <a:t>Οι άδειες  δίνονται δωρεάν και με πλειστηριασμούς. </a:t>
-            </a:r>
-          </a:p>
-        </p:txBody>
-      </p:sp>
-      <p:graphicFrame>
-        <p:nvGraphicFramePr>
-          <p:cNvPr id="4" name="Πίνακας 3">
-            <a:extLst>
-              <a:ext uri="{FF2B5EF4-FFF2-40B4-BE49-F238E27FC236}">
-                <a16:creationId xmlns:a16="http://schemas.microsoft.com/office/drawing/2014/main" id="{7CE19E47-61E5-BA21-BEA9-A2DA6B73D0BA}"/>
-              </a:ext>
-            </a:extLst>
-          </p:cNvPr>
-          <p:cNvGraphicFramePr>
-            <a:graphicFrameLocks noGrp="1"/>
-          </p:cNvGraphicFramePr>
-          <p:nvPr>
-            <p:extLst>
-              <p:ext uri="{D42A27DB-BD31-4B8C-83A1-F6EECF244321}">
-                <p14:modId xmlns:p14="http://schemas.microsoft.com/office/powerpoint/2010/main" val="2198958074"/>
-              </p:ext>
-            </p:extLst>
-          </p:nvPr>
-        </p:nvGraphicFramePr>
-        <p:xfrm>
-          <a:off x="999956" y="4044682"/>
-          <a:ext cx="10181491" cy="2270760"/>
-        </p:xfrm>
-        <a:graphic>
-          <a:graphicData uri="http://schemas.openxmlformats.org/drawingml/2006/table">
-            <a:tbl>
-              <a:tblPr firstRow="1" bandRow="1">
-                <a:tableStyleId>{5C22544A-7EE6-4342-B048-85BDC9FD1C3A}</a:tableStyleId>
-              </a:tblPr>
-              <a:tblGrid>
-                <a:gridCol w="994471">
-                  <a:extLst>
-                    <a:ext uri="{9D8B030D-6E8A-4147-A177-3AD203B41FA5}">
-                      <a16:colId xmlns:a16="http://schemas.microsoft.com/office/drawing/2014/main" val="1119176903"/>
-                    </a:ext>
-                  </a:extLst>
-                </a:gridCol>
-                <a:gridCol w="1222513">
-                  <a:extLst>
-                    <a:ext uri="{9D8B030D-6E8A-4147-A177-3AD203B41FA5}">
-                      <a16:colId xmlns:a16="http://schemas.microsoft.com/office/drawing/2014/main" val="725390209"/>
-                    </a:ext>
-                  </a:extLst>
-                </a:gridCol>
-                <a:gridCol w="3105844">
-                  <a:extLst>
-                    <a:ext uri="{9D8B030D-6E8A-4147-A177-3AD203B41FA5}">
-                      <a16:colId xmlns:a16="http://schemas.microsoft.com/office/drawing/2014/main" val="1623685057"/>
-                    </a:ext>
-                  </a:extLst>
-                </a:gridCol>
-                <a:gridCol w="4858663">
-                  <a:extLst>
-                    <a:ext uri="{9D8B030D-6E8A-4147-A177-3AD203B41FA5}">
-                      <a16:colId xmlns:a16="http://schemas.microsoft.com/office/drawing/2014/main" val="2965195116"/>
-                    </a:ext>
-                  </a:extLst>
-                </a:gridCol>
-              </a:tblGrid>
-              <a:tr h="370840">
-                <a:tc>
-                  <a:txBody>
-                    <a:bodyPr/>
-                    <a:lstStyle/>
-                    <a:p>
-                      <a:r>
-                        <a:rPr lang="el-GR" sz="1600" dirty="0">
-                          <a:latin typeface="Georgia" panose="02040502050405020303" pitchFamily="18" charset="0"/>
-                        </a:rPr>
-                        <a:t>Φάση</a:t>
-                      </a:r>
-                      <a:endParaRPr lang="en-US" sz="1600" dirty="0">
-                        <a:latin typeface="Georgia" panose="02040502050405020303" pitchFamily="18" charset="0"/>
-                      </a:endParaRPr>
-                    </a:p>
-                  </a:txBody>
-                  <a:tcPr/>
-                </a:tc>
-                <a:tc>
-                  <a:txBody>
-                    <a:bodyPr/>
-                    <a:lstStyle/>
-                    <a:p>
-                      <a:r>
-                        <a:rPr lang="el-GR" sz="1600" dirty="0">
-                          <a:latin typeface="Georgia" panose="02040502050405020303" pitchFamily="18" charset="0"/>
-                        </a:rPr>
-                        <a:t>Χρονιές</a:t>
-                      </a:r>
-                      <a:endParaRPr lang="en-US" sz="1600" dirty="0">
-                        <a:latin typeface="Georgia" panose="02040502050405020303" pitchFamily="18" charset="0"/>
-                      </a:endParaRPr>
-                    </a:p>
-                  </a:txBody>
-                  <a:tcPr/>
-                </a:tc>
-                <a:tc>
-                  <a:txBody>
-                    <a:bodyPr/>
-                    <a:lstStyle/>
-                    <a:p>
-                      <a:r>
-                        <a:rPr lang="el-GR" sz="1600" dirty="0">
-                          <a:latin typeface="Georgia" panose="02040502050405020303" pitchFamily="18" charset="0"/>
-                        </a:rPr>
-                        <a:t>Ρυθμός μείωσης ορίου</a:t>
-                      </a:r>
-                      <a:endParaRPr lang="en-US" sz="1600" dirty="0">
-                        <a:latin typeface="Georgia" panose="02040502050405020303" pitchFamily="18" charset="0"/>
-                      </a:endParaRPr>
-                    </a:p>
-                  </a:txBody>
-                  <a:tcPr/>
-                </a:tc>
-                <a:tc>
-                  <a:txBody>
-                    <a:bodyPr/>
-                    <a:lstStyle/>
-                    <a:p>
-                      <a:r>
-                        <a:rPr lang="el-GR" sz="1600" dirty="0">
-                          <a:latin typeface="Georgia" panose="02040502050405020303" pitchFamily="18" charset="0"/>
-                        </a:rPr>
-                        <a:t>Διανομή δωρεάν</a:t>
-                      </a:r>
-                      <a:endParaRPr lang="en-US" sz="1600" dirty="0">
-                        <a:latin typeface="Georgia" panose="02040502050405020303" pitchFamily="18" charset="0"/>
-                      </a:endParaRPr>
-                    </a:p>
-                  </a:txBody>
-                  <a:tcPr/>
-                </a:tc>
-                <a:extLst>
-                  <a:ext uri="{0D108BD9-81ED-4DB2-BD59-A6C34878D82A}">
-                    <a16:rowId xmlns:a16="http://schemas.microsoft.com/office/drawing/2014/main" val="1248876860"/>
-                  </a:ext>
-                </a:extLst>
-              </a:tr>
-              <a:tr h="370840">
-                <a:tc>
-                  <a:txBody>
-                    <a:bodyPr/>
-                    <a:lstStyle/>
-                    <a:p>
-                      <a:r>
-                        <a:rPr lang="el-GR" sz="1600" dirty="0">
-                          <a:latin typeface="Georgia" panose="02040502050405020303" pitchFamily="18" charset="0"/>
-                        </a:rPr>
-                        <a:t>Ι</a:t>
-                      </a:r>
-                      <a:endParaRPr lang="en-US" sz="1600" dirty="0">
-                        <a:latin typeface="Georgia" panose="02040502050405020303" pitchFamily="18" charset="0"/>
-                      </a:endParaRPr>
-                    </a:p>
-                  </a:txBody>
-                  <a:tcPr/>
-                </a:tc>
-                <a:tc>
-                  <a:txBody>
-                    <a:bodyPr/>
-                    <a:lstStyle/>
-                    <a:p>
-                      <a:r>
-                        <a:rPr lang="el-GR" sz="1600" dirty="0">
-                          <a:latin typeface="Georgia" panose="02040502050405020303" pitchFamily="18" charset="0"/>
-                        </a:rPr>
-                        <a:t>2005-2007</a:t>
-                      </a:r>
-                      <a:endParaRPr lang="en-US" sz="1600" dirty="0">
-                        <a:latin typeface="Georgia" panose="02040502050405020303" pitchFamily="18" charset="0"/>
-                      </a:endParaRPr>
-                    </a:p>
-                  </a:txBody>
-                  <a:tcPr/>
-                </a:tc>
-                <a:tc>
-                  <a:txBody>
-                    <a:bodyPr/>
-                    <a:lstStyle/>
-                    <a:p>
-                      <a:r>
-                        <a:rPr lang="el-GR" sz="1600" dirty="0">
-                          <a:latin typeface="Georgia" panose="02040502050405020303" pitchFamily="18" charset="0"/>
-                        </a:rPr>
-                        <a:t>1.74%</a:t>
-                      </a:r>
-                      <a:endParaRPr lang="en-US" sz="1600" dirty="0">
-                        <a:latin typeface="Georgia" panose="02040502050405020303" pitchFamily="18" charset="0"/>
-                      </a:endParaRPr>
-                    </a:p>
-                  </a:txBody>
-                  <a:tcPr/>
-                </a:tc>
-                <a:tc>
-                  <a:txBody>
-                    <a:bodyPr/>
-                    <a:lstStyle/>
-                    <a:p>
-                      <a:r>
-                        <a:rPr lang="el-GR" sz="1600" dirty="0">
-                          <a:latin typeface="Georgia" panose="02040502050405020303" pitchFamily="18" charset="0"/>
-                        </a:rPr>
-                        <a:t>Με βάση στοιχεία για τους ρίπους (1990-2005)</a:t>
-                      </a:r>
-                      <a:r>
-                        <a:rPr lang="en-US" sz="1600" dirty="0">
-                          <a:latin typeface="Georgia" panose="02040502050405020303" pitchFamily="18" charset="0"/>
-                        </a:rPr>
-                        <a:t>, grandfathering</a:t>
-                      </a:r>
-                    </a:p>
-                  </a:txBody>
-                  <a:tcPr/>
-                </a:tc>
-                <a:extLst>
-                  <a:ext uri="{0D108BD9-81ED-4DB2-BD59-A6C34878D82A}">
-                    <a16:rowId xmlns:a16="http://schemas.microsoft.com/office/drawing/2014/main" val="3116714551"/>
-                  </a:ext>
-                </a:extLst>
-              </a:tr>
-              <a:tr h="370840">
-                <a:tc>
-                  <a:txBody>
-                    <a:bodyPr/>
-                    <a:lstStyle/>
-                    <a:p>
-                      <a:r>
-                        <a:rPr lang="el-GR" sz="1600" dirty="0">
-                          <a:latin typeface="Georgia" panose="02040502050405020303" pitchFamily="18" charset="0"/>
-                        </a:rPr>
-                        <a:t>ΙΙ</a:t>
-                      </a:r>
-                      <a:endParaRPr lang="en-US" sz="1600" dirty="0">
-                        <a:latin typeface="Georgia" panose="02040502050405020303" pitchFamily="18" charset="0"/>
-                      </a:endParaRPr>
-                    </a:p>
-                  </a:txBody>
-                  <a:tcPr/>
-                </a:tc>
-                <a:tc>
-                  <a:txBody>
-                    <a:bodyPr/>
-                    <a:lstStyle/>
-                    <a:p>
-                      <a:r>
-                        <a:rPr lang="el-GR" sz="1600" dirty="0">
-                          <a:latin typeface="Georgia" panose="02040502050405020303" pitchFamily="18" charset="0"/>
-                        </a:rPr>
-                        <a:t>2008-2012</a:t>
-                      </a:r>
-                      <a:endParaRPr lang="en-US" sz="1600" dirty="0">
-                        <a:latin typeface="Georgia" panose="02040502050405020303" pitchFamily="18" charset="0"/>
-                      </a:endParaRPr>
-                    </a:p>
-                  </a:txBody>
-                  <a:tcPr/>
-                </a:tc>
-                <a:tc>
-                  <a:txBody>
-                    <a:bodyPr/>
-                    <a:lstStyle/>
-                    <a:p>
-                      <a:r>
-                        <a:rPr lang="el-GR" sz="1600" dirty="0">
-                          <a:latin typeface="Georgia" panose="02040502050405020303" pitchFamily="18" charset="0"/>
-                        </a:rPr>
-                        <a:t>1.74%</a:t>
-                      </a:r>
-                      <a:endParaRPr lang="en-US" sz="1600" dirty="0">
-                        <a:latin typeface="Georgia" panose="02040502050405020303" pitchFamily="18" charset="0"/>
-                      </a:endParaRPr>
-                    </a:p>
-                  </a:txBody>
-                  <a:tcPr/>
-                </a:tc>
-                <a:tc>
-                  <a:txBody>
-                    <a:bodyPr/>
-                    <a:lstStyle/>
-                    <a:p>
-                      <a:pPr marL="0" marR="0" lvl="0" indent="0" algn="l" defTabSz="457200" rtl="0" eaLnBrk="1" fontAlgn="auto" latinLnBrk="0" hangingPunct="1">
-                        <a:lnSpc>
-                          <a:spcPct val="100000"/>
-                        </a:lnSpc>
-                        <a:spcBef>
-                          <a:spcPts val="0"/>
-                        </a:spcBef>
-                        <a:spcAft>
-                          <a:spcPts val="0"/>
-                        </a:spcAft>
-                        <a:buClrTx/>
-                        <a:buSzTx/>
-                        <a:buFontTx/>
-                        <a:buNone/>
-                        <a:tabLst/>
-                        <a:defRPr/>
-                      </a:pPr>
-                      <a:r>
-                        <a:rPr lang="el-GR" sz="1600" dirty="0">
-                          <a:latin typeface="Georgia" panose="02040502050405020303" pitchFamily="18" charset="0"/>
-                        </a:rPr>
-                        <a:t>Με βάση στοιχεία για τους ρίπους (2005-2007)</a:t>
-                      </a:r>
-                      <a:r>
-                        <a:rPr lang="en-US" sz="1600" dirty="0">
-                          <a:latin typeface="Georgia" panose="02040502050405020303" pitchFamily="18" charset="0"/>
-                        </a:rPr>
-                        <a:t>, grandfathering</a:t>
-                      </a:r>
-                    </a:p>
-                  </a:txBody>
-                  <a:tcPr/>
-                </a:tc>
-                <a:extLst>
-                  <a:ext uri="{0D108BD9-81ED-4DB2-BD59-A6C34878D82A}">
-                    <a16:rowId xmlns:a16="http://schemas.microsoft.com/office/drawing/2014/main" val="2047177936"/>
-                  </a:ext>
-                </a:extLst>
-              </a:tr>
-              <a:tr h="370840">
-                <a:tc>
-                  <a:txBody>
-                    <a:bodyPr/>
-                    <a:lstStyle/>
-                    <a:p>
-                      <a:r>
-                        <a:rPr lang="el-GR" sz="1600" dirty="0">
-                          <a:latin typeface="Georgia" panose="02040502050405020303" pitchFamily="18" charset="0"/>
-                        </a:rPr>
-                        <a:t>ΙΙΙ</a:t>
-                      </a:r>
-                      <a:endParaRPr lang="en-US" sz="1600" dirty="0">
-                        <a:latin typeface="Georgia" panose="02040502050405020303" pitchFamily="18" charset="0"/>
-                      </a:endParaRPr>
-                    </a:p>
-                  </a:txBody>
-                  <a:tcPr/>
-                </a:tc>
-                <a:tc>
-                  <a:txBody>
-                    <a:bodyPr/>
-                    <a:lstStyle/>
-                    <a:p>
-                      <a:r>
-                        <a:rPr lang="el-GR" sz="1600" dirty="0">
-                          <a:latin typeface="Georgia" panose="02040502050405020303" pitchFamily="18" charset="0"/>
-                        </a:rPr>
-                        <a:t>2013-2020</a:t>
-                      </a:r>
-                      <a:endParaRPr lang="en-US" sz="1600" dirty="0">
-                        <a:latin typeface="Georgia" panose="02040502050405020303" pitchFamily="18" charset="0"/>
-                      </a:endParaRPr>
-                    </a:p>
-                  </a:txBody>
-                  <a:tcPr/>
-                </a:tc>
-                <a:tc>
-                  <a:txBody>
-                    <a:bodyPr/>
-                    <a:lstStyle/>
-                    <a:p>
-                      <a:r>
-                        <a:rPr lang="el-GR" sz="1600" dirty="0">
-                          <a:latin typeface="Georgia" panose="02040502050405020303" pitchFamily="18" charset="0"/>
-                        </a:rPr>
-                        <a:t>1.74%</a:t>
-                      </a:r>
-                      <a:endParaRPr lang="en-US" sz="1600" dirty="0">
-                        <a:latin typeface="Georgia" panose="02040502050405020303" pitchFamily="18" charset="0"/>
-                      </a:endParaRPr>
-                    </a:p>
-                  </a:txBody>
-                  <a:tcPr/>
-                </a:tc>
-                <a:tc>
-                  <a:txBody>
-                    <a:bodyPr/>
-                    <a:lstStyle/>
-                    <a:p>
-                      <a:r>
-                        <a:rPr lang="el-GR" sz="1600" dirty="0">
-                          <a:latin typeface="Georgia" panose="02040502050405020303" pitchFamily="18" charset="0"/>
-                        </a:rPr>
-                        <a:t>Χρησιμοποιώντας μετροπρόγραμμα, </a:t>
-                      </a:r>
-                      <a:r>
-                        <a:rPr lang="en-US" sz="1600" dirty="0">
-                          <a:latin typeface="Georgia" panose="02040502050405020303" pitchFamily="18" charset="0"/>
-                        </a:rPr>
-                        <a:t>benchmarking</a:t>
-                      </a:r>
-                    </a:p>
-                  </a:txBody>
-                  <a:tcPr/>
-                </a:tc>
-                <a:extLst>
-                  <a:ext uri="{0D108BD9-81ED-4DB2-BD59-A6C34878D82A}">
-                    <a16:rowId xmlns:a16="http://schemas.microsoft.com/office/drawing/2014/main" val="2762855743"/>
-                  </a:ext>
-                </a:extLst>
-              </a:tr>
-              <a:tr h="370840">
-                <a:tc>
-                  <a:txBody>
-                    <a:bodyPr/>
-                    <a:lstStyle/>
-                    <a:p>
-                      <a:r>
-                        <a:rPr lang="en-US" sz="1600" dirty="0">
-                          <a:latin typeface="Georgia" panose="02040502050405020303" pitchFamily="18" charset="0"/>
-                        </a:rPr>
-                        <a:t>IV</a:t>
-                      </a:r>
-                    </a:p>
-                  </a:txBody>
-                  <a:tcPr/>
-                </a:tc>
-                <a:tc>
-                  <a:txBody>
-                    <a:bodyPr/>
-                    <a:lstStyle/>
-                    <a:p>
-                      <a:r>
-                        <a:rPr lang="en-US" sz="1600" dirty="0">
-                          <a:latin typeface="Georgia" panose="02040502050405020303" pitchFamily="18" charset="0"/>
-                        </a:rPr>
-                        <a:t>2020-2030</a:t>
-                      </a:r>
-                    </a:p>
-                  </a:txBody>
-                  <a:tcPr/>
-                </a:tc>
-                <a:tc>
-                  <a:txBody>
-                    <a:bodyPr/>
-                    <a:lstStyle/>
-                    <a:p>
-                      <a:r>
-                        <a:rPr lang="en-US" sz="1600" dirty="0">
-                          <a:latin typeface="Georgia" panose="02040502050405020303" pitchFamily="18" charset="0"/>
-                        </a:rPr>
-                        <a:t>2.2-4.4%</a:t>
-                      </a:r>
-                    </a:p>
-                  </a:txBody>
-                  <a:tcPr/>
-                </a:tc>
-                <a:tc>
-                  <a:txBody>
-                    <a:bodyPr/>
-                    <a:lstStyle/>
-                    <a:p>
-                      <a:r>
-                        <a:rPr lang="el-GR" sz="1600" dirty="0">
-                          <a:latin typeface="Georgia" panose="02040502050405020303" pitchFamily="18" charset="0"/>
-                        </a:rPr>
-                        <a:t>Χρησιμοποιώντας μετροπρόγραμμα, </a:t>
-                      </a:r>
-                      <a:r>
-                        <a:rPr lang="en-US" sz="1600" dirty="0">
-                          <a:latin typeface="Georgia" panose="02040502050405020303" pitchFamily="18" charset="0"/>
-                        </a:rPr>
-                        <a:t>benchmarking</a:t>
-                      </a:r>
-                    </a:p>
-                  </a:txBody>
-                  <a:tcPr/>
-                </a:tc>
-                <a:extLst>
-                  <a:ext uri="{0D108BD9-81ED-4DB2-BD59-A6C34878D82A}">
-                    <a16:rowId xmlns:a16="http://schemas.microsoft.com/office/drawing/2014/main" val="3190207537"/>
-                  </a:ext>
-                </a:extLst>
-              </a:tr>
-            </a:tbl>
-          </a:graphicData>
-        </a:graphic>
-      </p:graphicFrame>
-    </p:spTree>
-    <p:extLst>
-      <p:ext uri="{BB962C8B-B14F-4D97-AF65-F5344CB8AC3E}">
-        <p14:creationId xmlns:p14="http://schemas.microsoft.com/office/powerpoint/2010/main" val="476818829"/>
-      </p:ext>
-    </p:extLst>
-  </p:cSld>
-  <p:clrMapOvr>
-    <a:masterClrMapping/>
-  </p:clrMapOvr>
-</p:sld>
-</file>
-
-<file path=ppt/slides/slide30.xml><?xml version="1.0" encoding="utf-8"?>
+<file path=ppt/slides/slide26.xml><?xml version="1.0" encoding="utf-8"?>
 <p:sld xmlns:a="http://schemas.openxmlformats.org/drawingml/2006/main" xmlns:r="http://schemas.openxmlformats.org/officeDocument/2006/relationships" xmlns:p="http://schemas.openxmlformats.org/presentationml/2006/main">
   <p:cSld>
     <p:bg>
@@ -15715,7 +12860,7 @@
 </p:sld>
 </file>
 
-<file path=ppt/slides/slide31.xml><?xml version="1.0" encoding="utf-8"?>
+<file path=ppt/slides/slide27.xml><?xml version="1.0" encoding="utf-8"?>
 <p:sld xmlns:a="http://schemas.openxmlformats.org/drawingml/2006/main" xmlns:r="http://schemas.openxmlformats.org/officeDocument/2006/relationships" xmlns:p="http://schemas.openxmlformats.org/presentationml/2006/main">
   <p:cSld>
     <p:spTree>
@@ -15790,7 +12935,7 @@
 </p:sld>
 </file>
 
-<file path=ppt/slides/slide32.xml><?xml version="1.0" encoding="utf-8"?>
+<file path=ppt/slides/slide28.xml><?xml version="1.0" encoding="utf-8"?>
 <p:sld xmlns:a="http://schemas.openxmlformats.org/drawingml/2006/main" xmlns:r="http://schemas.openxmlformats.org/officeDocument/2006/relationships" xmlns:p="http://schemas.openxmlformats.org/presentationml/2006/main">
   <p:cSld>
     <p:bg>
@@ -16054,7 +13199,7 @@
 </p:sld>
 </file>
 
-<file path=ppt/slides/slide33.xml><?xml version="1.0" encoding="utf-8"?>
+<file path=ppt/slides/slide29.xml><?xml version="1.0" encoding="utf-8"?>
 <p:sld xmlns:a="http://schemas.openxmlformats.org/drawingml/2006/main" xmlns:r="http://schemas.openxmlformats.org/officeDocument/2006/relationships" xmlns:p="http://schemas.openxmlformats.org/presentationml/2006/main">
   <p:cSld>
     <p:spTree>
@@ -16713,7 +13858,701 @@
 </p:sld>
 </file>
 
-<file path=ppt/slides/slide34.xml><?xml version="1.0" encoding="utf-8"?>
+<file path=ppt/slides/slide3.xml><?xml version="1.0" encoding="utf-8"?>
+<p:sld xmlns:a="http://schemas.openxmlformats.org/drawingml/2006/main" xmlns:r="http://schemas.openxmlformats.org/officeDocument/2006/relationships" xmlns:p="http://schemas.openxmlformats.org/presentationml/2006/main">
+  <p:cSld>
+    <p:spTree>
+      <p:nvGrpSpPr>
+        <p:cNvPr id="1" name=""/>
+        <p:cNvGrpSpPr/>
+        <p:nvPr/>
+      </p:nvGrpSpPr>
+      <p:grpSpPr>
+        <a:xfrm>
+          <a:off x="0" y="0"/>
+          <a:ext cx="0" cy="0"/>
+          <a:chOff x="0" y="0"/>
+          <a:chExt cx="0" cy="0"/>
+        </a:xfrm>
+      </p:grpSpPr>
+      <p:sp>
+        <p:nvSpPr>
+          <p:cNvPr id="2" name="Τίτλος 1">
+            <a:extLst>
+              <a:ext uri="{FF2B5EF4-FFF2-40B4-BE49-F238E27FC236}">
+                <a16:creationId xmlns:a16="http://schemas.microsoft.com/office/drawing/2014/main" id="{2035A1C4-2171-56FE-0AE1-8CA080E46E33}"/>
+              </a:ext>
+            </a:extLst>
+          </p:cNvPr>
+          <p:cNvSpPr>
+            <a:spLocks noGrp="1"/>
+          </p:cNvSpPr>
+          <p:nvPr>
+            <p:ph type="title"/>
+          </p:nvPr>
+        </p:nvSpPr>
+        <p:spPr/>
+        <p:txBody>
+          <a:bodyPr/>
+          <a:lstStyle/>
+          <a:p>
+            <a:r>
+              <a:rPr lang="el-GR" dirty="0" err="1">
+                <a:latin typeface="Georgia" panose="02040502050405020303" pitchFamily="18" charset="0"/>
+              </a:rPr>
+              <a:t>Εμποριο</a:t>
+            </a:r>
+            <a:r>
+              <a:rPr lang="el-GR" dirty="0">
+                <a:latin typeface="Georgia" panose="02040502050405020303" pitchFamily="18" charset="0"/>
+              </a:rPr>
+              <a:t> </a:t>
+            </a:r>
+            <a:r>
+              <a:rPr lang="el-GR" dirty="0" err="1">
+                <a:latin typeface="Georgia" panose="02040502050405020303" pitchFamily="18" charset="0"/>
+              </a:rPr>
+              <a:t>ΡΥπων</a:t>
+            </a:r>
+            <a:r>
+              <a:rPr lang="el-GR" dirty="0">
+                <a:latin typeface="Georgia" panose="02040502050405020303" pitchFamily="18" charset="0"/>
+              </a:rPr>
+              <a:t> </a:t>
+            </a:r>
+            <a:r>
+              <a:rPr lang="en-US" dirty="0">
+                <a:latin typeface="Georgia" panose="02040502050405020303" pitchFamily="18" charset="0"/>
+              </a:rPr>
+              <a:t>EU ETS</a:t>
+            </a:r>
+          </a:p>
+        </p:txBody>
+      </p:sp>
+      <p:sp>
+        <p:nvSpPr>
+          <p:cNvPr id="3" name="TextBox 2">
+            <a:extLst>
+              <a:ext uri="{FF2B5EF4-FFF2-40B4-BE49-F238E27FC236}">
+                <a16:creationId xmlns:a16="http://schemas.microsoft.com/office/drawing/2014/main" id="{881DCFF8-ECD3-CE78-4546-F59A7F1D6BA0}"/>
+              </a:ext>
+            </a:extLst>
+          </p:cNvPr>
+          <p:cNvSpPr txBox="1"/>
+          <p:nvPr/>
+        </p:nvSpPr>
+        <p:spPr>
+          <a:xfrm>
+            <a:off x="492369" y="2277208"/>
+            <a:ext cx="6928500" cy="1754326"/>
+          </a:xfrm>
+          <a:prstGeom prst="rect">
+            <a:avLst/>
+          </a:prstGeom>
+          <a:noFill/>
+        </p:spPr>
+        <p:txBody>
+          <a:bodyPr wrap="none" rtlCol="0">
+            <a:spAutoFit/>
+          </a:bodyPr>
+          <a:lstStyle/>
+          <a:p>
+            <a:pPr marL="742950" lvl="1" indent="-285750">
+              <a:buFont typeface="Arial" panose="020B0604020202020204" pitchFamily="34" charset="0"/>
+              <a:buChar char="•"/>
+            </a:pPr>
+            <a:r>
+              <a:rPr lang="en-US" dirty="0">
+                <a:latin typeface="Georgia" panose="02040502050405020303" pitchFamily="18" charset="0"/>
+              </a:rPr>
+              <a:t>Cap And Trade. </a:t>
+            </a:r>
+            <a:r>
+              <a:rPr lang="el-GR" dirty="0">
+                <a:latin typeface="Georgia" panose="02040502050405020303" pitchFamily="18" charset="0"/>
+              </a:rPr>
+              <a:t>Κάθε χρόνο υπάρχει όριο για τους ρύπους.</a:t>
+            </a:r>
+            <a:endParaRPr lang="en-US" dirty="0">
+              <a:latin typeface="Georgia" panose="02040502050405020303" pitchFamily="18" charset="0"/>
+            </a:endParaRPr>
+          </a:p>
+          <a:p>
+            <a:pPr marL="742950" lvl="1" indent="-285750">
+              <a:buFont typeface="Arial" panose="020B0604020202020204" pitchFamily="34" charset="0"/>
+              <a:buChar char="•"/>
+            </a:pPr>
+            <a:r>
+              <a:rPr lang="el-GR" dirty="0">
+                <a:latin typeface="Georgia" panose="02040502050405020303" pitchFamily="18" charset="0"/>
+              </a:rPr>
+              <a:t>1 Άδεια = τόνος διοξειδίου ή ισοδύναμων ρύπων.</a:t>
+            </a:r>
+          </a:p>
+          <a:p>
+            <a:pPr marL="742950" lvl="1" indent="-285750">
+              <a:buFont typeface="Arial" panose="020B0604020202020204" pitchFamily="34" charset="0"/>
+              <a:buChar char="•"/>
+            </a:pPr>
+            <a:r>
+              <a:rPr lang="en-US" dirty="0">
+                <a:latin typeface="Georgia" panose="02040502050405020303" pitchFamily="18" charset="0"/>
+              </a:rPr>
+              <a:t>31 </a:t>
+            </a:r>
+            <a:r>
+              <a:rPr lang="el-GR" dirty="0">
+                <a:latin typeface="Georgia" panose="02040502050405020303" pitchFamily="18" charset="0"/>
+              </a:rPr>
+              <a:t>Χώρες, 12.000 εγκαταστάσεις.</a:t>
+            </a:r>
+            <a:endParaRPr lang="en-US" dirty="0">
+              <a:latin typeface="Georgia" panose="02040502050405020303" pitchFamily="18" charset="0"/>
+            </a:endParaRPr>
+          </a:p>
+          <a:p>
+            <a:pPr marL="742950" lvl="1" indent="-285750">
+              <a:buFont typeface="Arial" panose="020B0604020202020204" pitchFamily="34" charset="0"/>
+              <a:buChar char="•"/>
+            </a:pPr>
+            <a:r>
+              <a:rPr lang="el-GR" dirty="0">
+                <a:latin typeface="Georgia" panose="02040502050405020303" pitchFamily="18" charset="0"/>
+              </a:rPr>
+              <a:t>Στόχος: μείωση 55% σε σχέση με το 1990, μέχρι το 2030.</a:t>
+            </a:r>
+            <a:endParaRPr lang="en-US" dirty="0">
+              <a:latin typeface="Georgia" panose="02040502050405020303" pitchFamily="18" charset="0"/>
+            </a:endParaRPr>
+          </a:p>
+          <a:p>
+            <a:pPr marL="742950" lvl="1" indent="-285750">
+              <a:buFont typeface="Arial" panose="020B0604020202020204" pitchFamily="34" charset="0"/>
+              <a:buChar char="•"/>
+            </a:pPr>
+            <a:r>
+              <a:rPr lang="el-GR" dirty="0">
+                <a:latin typeface="Georgia" panose="02040502050405020303" pitchFamily="18" charset="0"/>
+              </a:rPr>
+              <a:t>Οι άδειες  δίνονται δωρεάν και με πλειστηριασμούς. </a:t>
+            </a:r>
+          </a:p>
+          <a:p>
+            <a:pPr marL="742950" lvl="1" indent="-285750">
+              <a:buFont typeface="Arial" panose="020B0604020202020204" pitchFamily="34" charset="0"/>
+              <a:buChar char="•"/>
+            </a:pPr>
+            <a:endParaRPr lang="en-US" dirty="0">
+              <a:latin typeface="Georgia" panose="02040502050405020303" pitchFamily="18" charset="0"/>
+            </a:endParaRPr>
+          </a:p>
+        </p:txBody>
+      </p:sp>
+      <p:graphicFrame>
+        <p:nvGraphicFramePr>
+          <p:cNvPr id="4" name="Πίνακας 3">
+            <a:extLst>
+              <a:ext uri="{FF2B5EF4-FFF2-40B4-BE49-F238E27FC236}">
+                <a16:creationId xmlns:a16="http://schemas.microsoft.com/office/drawing/2014/main" id="{7CE19E47-61E5-BA21-BEA9-A2DA6B73D0BA}"/>
+              </a:ext>
+            </a:extLst>
+          </p:cNvPr>
+          <p:cNvGraphicFramePr>
+            <a:graphicFrameLocks noGrp="1"/>
+          </p:cNvGraphicFramePr>
+          <p:nvPr>
+            <p:extLst>
+              <p:ext uri="{D42A27DB-BD31-4B8C-83A1-F6EECF244321}">
+                <p14:modId xmlns:p14="http://schemas.microsoft.com/office/powerpoint/2010/main" val="3212365419"/>
+              </p:ext>
+            </p:extLst>
+          </p:nvPr>
+        </p:nvGraphicFramePr>
+        <p:xfrm>
+          <a:off x="999956" y="4044682"/>
+          <a:ext cx="10181491" cy="2270760"/>
+        </p:xfrm>
+        <a:graphic>
+          <a:graphicData uri="http://schemas.openxmlformats.org/drawingml/2006/table">
+            <a:tbl>
+              <a:tblPr firstRow="1" bandRow="1">
+                <a:tableStyleId>{5C22544A-7EE6-4342-B048-85BDC9FD1C3A}</a:tableStyleId>
+              </a:tblPr>
+              <a:tblGrid>
+                <a:gridCol w="994471">
+                  <a:extLst>
+                    <a:ext uri="{9D8B030D-6E8A-4147-A177-3AD203B41FA5}">
+                      <a16:colId xmlns:a16="http://schemas.microsoft.com/office/drawing/2014/main" val="1119176903"/>
+                    </a:ext>
+                  </a:extLst>
+                </a:gridCol>
+                <a:gridCol w="1222513">
+                  <a:extLst>
+                    <a:ext uri="{9D8B030D-6E8A-4147-A177-3AD203B41FA5}">
+                      <a16:colId xmlns:a16="http://schemas.microsoft.com/office/drawing/2014/main" val="725390209"/>
+                    </a:ext>
+                  </a:extLst>
+                </a:gridCol>
+                <a:gridCol w="3105844">
+                  <a:extLst>
+                    <a:ext uri="{9D8B030D-6E8A-4147-A177-3AD203B41FA5}">
+                      <a16:colId xmlns:a16="http://schemas.microsoft.com/office/drawing/2014/main" val="1623685057"/>
+                    </a:ext>
+                  </a:extLst>
+                </a:gridCol>
+                <a:gridCol w="4858663">
+                  <a:extLst>
+                    <a:ext uri="{9D8B030D-6E8A-4147-A177-3AD203B41FA5}">
+                      <a16:colId xmlns:a16="http://schemas.microsoft.com/office/drawing/2014/main" val="2965195116"/>
+                    </a:ext>
+                  </a:extLst>
+                </a:gridCol>
+              </a:tblGrid>
+              <a:tr h="370840">
+                <a:tc>
+                  <a:txBody>
+                    <a:bodyPr/>
+                    <a:lstStyle/>
+                    <a:p>
+                      <a:r>
+                        <a:rPr lang="el-GR" sz="1600" dirty="0">
+                          <a:latin typeface="Georgia" panose="02040502050405020303" pitchFamily="18" charset="0"/>
+                        </a:rPr>
+                        <a:t>Φάση</a:t>
+                      </a:r>
+                      <a:endParaRPr lang="en-US" sz="1600" dirty="0">
+                        <a:latin typeface="Georgia" panose="02040502050405020303" pitchFamily="18" charset="0"/>
+                      </a:endParaRPr>
+                    </a:p>
+                  </a:txBody>
+                  <a:tcPr/>
+                </a:tc>
+                <a:tc>
+                  <a:txBody>
+                    <a:bodyPr/>
+                    <a:lstStyle/>
+                    <a:p>
+                      <a:r>
+                        <a:rPr lang="el-GR" sz="1600" dirty="0">
+                          <a:latin typeface="Georgia" panose="02040502050405020303" pitchFamily="18" charset="0"/>
+                        </a:rPr>
+                        <a:t>Χρονιές</a:t>
+                      </a:r>
+                      <a:endParaRPr lang="en-US" sz="1600" dirty="0">
+                        <a:latin typeface="Georgia" panose="02040502050405020303" pitchFamily="18" charset="0"/>
+                      </a:endParaRPr>
+                    </a:p>
+                  </a:txBody>
+                  <a:tcPr/>
+                </a:tc>
+                <a:tc>
+                  <a:txBody>
+                    <a:bodyPr/>
+                    <a:lstStyle/>
+                    <a:p>
+                      <a:r>
+                        <a:rPr lang="el-GR" sz="1600" dirty="0">
+                          <a:latin typeface="Georgia" panose="02040502050405020303" pitchFamily="18" charset="0"/>
+                        </a:rPr>
+                        <a:t>Ρυθμός μείωσης ορίου</a:t>
+                      </a:r>
+                      <a:endParaRPr lang="en-US" sz="1600" dirty="0">
+                        <a:latin typeface="Georgia" panose="02040502050405020303" pitchFamily="18" charset="0"/>
+                      </a:endParaRPr>
+                    </a:p>
+                  </a:txBody>
+                  <a:tcPr/>
+                </a:tc>
+                <a:tc>
+                  <a:txBody>
+                    <a:bodyPr/>
+                    <a:lstStyle/>
+                    <a:p>
+                      <a:r>
+                        <a:rPr lang="el-GR" sz="1600" dirty="0">
+                          <a:latin typeface="Georgia" panose="02040502050405020303" pitchFamily="18" charset="0"/>
+                        </a:rPr>
+                        <a:t>Διανομή δωρεάν</a:t>
+                      </a:r>
+                      <a:endParaRPr lang="en-US" sz="1600" dirty="0">
+                        <a:latin typeface="Georgia" panose="02040502050405020303" pitchFamily="18" charset="0"/>
+                      </a:endParaRPr>
+                    </a:p>
+                  </a:txBody>
+                  <a:tcPr/>
+                </a:tc>
+                <a:extLst>
+                  <a:ext uri="{0D108BD9-81ED-4DB2-BD59-A6C34878D82A}">
+                    <a16:rowId xmlns:a16="http://schemas.microsoft.com/office/drawing/2014/main" val="1248876860"/>
+                  </a:ext>
+                </a:extLst>
+              </a:tr>
+              <a:tr h="370840">
+                <a:tc>
+                  <a:txBody>
+                    <a:bodyPr/>
+                    <a:lstStyle/>
+                    <a:p>
+                      <a:r>
+                        <a:rPr lang="el-GR" sz="1600" dirty="0">
+                          <a:latin typeface="Georgia" panose="02040502050405020303" pitchFamily="18" charset="0"/>
+                        </a:rPr>
+                        <a:t>Ι</a:t>
+                      </a:r>
+                      <a:endParaRPr lang="en-US" sz="1600" dirty="0">
+                        <a:latin typeface="Georgia" panose="02040502050405020303" pitchFamily="18" charset="0"/>
+                      </a:endParaRPr>
+                    </a:p>
+                  </a:txBody>
+                  <a:tcPr/>
+                </a:tc>
+                <a:tc>
+                  <a:txBody>
+                    <a:bodyPr/>
+                    <a:lstStyle/>
+                    <a:p>
+                      <a:r>
+                        <a:rPr lang="el-GR" sz="1600" dirty="0">
+                          <a:latin typeface="Georgia" panose="02040502050405020303" pitchFamily="18" charset="0"/>
+                        </a:rPr>
+                        <a:t>2005-2007</a:t>
+                      </a:r>
+                      <a:endParaRPr lang="en-US" sz="1600" dirty="0">
+                        <a:latin typeface="Georgia" panose="02040502050405020303" pitchFamily="18" charset="0"/>
+                      </a:endParaRPr>
+                    </a:p>
+                  </a:txBody>
+                  <a:tcPr/>
+                </a:tc>
+                <a:tc>
+                  <a:txBody>
+                    <a:bodyPr/>
+                    <a:lstStyle/>
+                    <a:p>
+                      <a:r>
+                        <a:rPr lang="el-GR" sz="1600" dirty="0">
+                          <a:latin typeface="Georgia" panose="02040502050405020303" pitchFamily="18" charset="0"/>
+                        </a:rPr>
+                        <a:t>1.74%</a:t>
+                      </a:r>
+                      <a:endParaRPr lang="en-US" sz="1600" dirty="0">
+                        <a:latin typeface="Georgia" panose="02040502050405020303" pitchFamily="18" charset="0"/>
+                      </a:endParaRPr>
+                    </a:p>
+                  </a:txBody>
+                  <a:tcPr/>
+                </a:tc>
+                <a:tc>
+                  <a:txBody>
+                    <a:bodyPr/>
+                    <a:lstStyle/>
+                    <a:p>
+                      <a:r>
+                        <a:rPr lang="el-GR" sz="1600" dirty="0">
+                          <a:latin typeface="Georgia" panose="02040502050405020303" pitchFamily="18" charset="0"/>
+                        </a:rPr>
+                        <a:t>Με βάση στοιχεία για τους ρύπους (1990-2005)</a:t>
+                      </a:r>
+                      <a:r>
+                        <a:rPr lang="en-US" sz="1600" dirty="0">
+                          <a:latin typeface="Georgia" panose="02040502050405020303" pitchFamily="18" charset="0"/>
+                        </a:rPr>
+                        <a:t>, grandfathering</a:t>
+                      </a:r>
+                    </a:p>
+                  </a:txBody>
+                  <a:tcPr/>
+                </a:tc>
+                <a:extLst>
+                  <a:ext uri="{0D108BD9-81ED-4DB2-BD59-A6C34878D82A}">
+                    <a16:rowId xmlns:a16="http://schemas.microsoft.com/office/drawing/2014/main" val="3116714551"/>
+                  </a:ext>
+                </a:extLst>
+              </a:tr>
+              <a:tr h="370840">
+                <a:tc>
+                  <a:txBody>
+                    <a:bodyPr/>
+                    <a:lstStyle/>
+                    <a:p>
+                      <a:r>
+                        <a:rPr lang="el-GR" sz="1600" dirty="0">
+                          <a:latin typeface="Georgia" panose="02040502050405020303" pitchFamily="18" charset="0"/>
+                        </a:rPr>
+                        <a:t>ΙΙ</a:t>
+                      </a:r>
+                      <a:endParaRPr lang="en-US" sz="1600" dirty="0">
+                        <a:latin typeface="Georgia" panose="02040502050405020303" pitchFamily="18" charset="0"/>
+                      </a:endParaRPr>
+                    </a:p>
+                  </a:txBody>
+                  <a:tcPr/>
+                </a:tc>
+                <a:tc>
+                  <a:txBody>
+                    <a:bodyPr/>
+                    <a:lstStyle/>
+                    <a:p>
+                      <a:r>
+                        <a:rPr lang="el-GR" sz="1600" dirty="0">
+                          <a:latin typeface="Georgia" panose="02040502050405020303" pitchFamily="18" charset="0"/>
+                        </a:rPr>
+                        <a:t>2008-2012</a:t>
+                      </a:r>
+                      <a:endParaRPr lang="en-US" sz="1600" dirty="0">
+                        <a:latin typeface="Georgia" panose="02040502050405020303" pitchFamily="18" charset="0"/>
+                      </a:endParaRPr>
+                    </a:p>
+                  </a:txBody>
+                  <a:tcPr/>
+                </a:tc>
+                <a:tc>
+                  <a:txBody>
+                    <a:bodyPr/>
+                    <a:lstStyle/>
+                    <a:p>
+                      <a:r>
+                        <a:rPr lang="el-GR" sz="1600" dirty="0">
+                          <a:latin typeface="Georgia" panose="02040502050405020303" pitchFamily="18" charset="0"/>
+                        </a:rPr>
+                        <a:t>1.74%</a:t>
+                      </a:r>
+                      <a:endParaRPr lang="en-US" sz="1600" dirty="0">
+                        <a:latin typeface="Georgia" panose="02040502050405020303" pitchFamily="18" charset="0"/>
+                      </a:endParaRPr>
+                    </a:p>
+                  </a:txBody>
+                  <a:tcPr/>
+                </a:tc>
+                <a:tc>
+                  <a:txBody>
+                    <a:bodyPr/>
+                    <a:lstStyle/>
+                    <a:p>
+                      <a:pPr marL="0" marR="0" lvl="0" indent="0" algn="l" defTabSz="457200" rtl="0" eaLnBrk="1" fontAlgn="auto" latinLnBrk="0" hangingPunct="1">
+                        <a:lnSpc>
+                          <a:spcPct val="100000"/>
+                        </a:lnSpc>
+                        <a:spcBef>
+                          <a:spcPts val="0"/>
+                        </a:spcBef>
+                        <a:spcAft>
+                          <a:spcPts val="0"/>
+                        </a:spcAft>
+                        <a:buClrTx/>
+                        <a:buSzTx/>
+                        <a:buFontTx/>
+                        <a:buNone/>
+                        <a:tabLst/>
+                        <a:defRPr/>
+                      </a:pPr>
+                      <a:r>
+                        <a:rPr lang="el-GR" sz="1600" dirty="0">
+                          <a:latin typeface="Georgia" panose="02040502050405020303" pitchFamily="18" charset="0"/>
+                        </a:rPr>
+                        <a:t>Με βάση στοιχεία για τους ρύπους (2005-2007)</a:t>
+                      </a:r>
+                      <a:r>
+                        <a:rPr lang="en-US" sz="1600" dirty="0">
+                          <a:latin typeface="Georgia" panose="02040502050405020303" pitchFamily="18" charset="0"/>
+                        </a:rPr>
+                        <a:t>, grandfathering</a:t>
+                      </a:r>
+                    </a:p>
+                  </a:txBody>
+                  <a:tcPr/>
+                </a:tc>
+                <a:extLst>
+                  <a:ext uri="{0D108BD9-81ED-4DB2-BD59-A6C34878D82A}">
+                    <a16:rowId xmlns:a16="http://schemas.microsoft.com/office/drawing/2014/main" val="2047177936"/>
+                  </a:ext>
+                </a:extLst>
+              </a:tr>
+              <a:tr h="370840">
+                <a:tc>
+                  <a:txBody>
+                    <a:bodyPr/>
+                    <a:lstStyle/>
+                    <a:p>
+                      <a:r>
+                        <a:rPr lang="el-GR" sz="1600" dirty="0">
+                          <a:latin typeface="Georgia" panose="02040502050405020303" pitchFamily="18" charset="0"/>
+                        </a:rPr>
+                        <a:t>ΙΙΙ</a:t>
+                      </a:r>
+                      <a:endParaRPr lang="en-US" sz="1600" dirty="0">
+                        <a:latin typeface="Georgia" panose="02040502050405020303" pitchFamily="18" charset="0"/>
+                      </a:endParaRPr>
+                    </a:p>
+                  </a:txBody>
+                  <a:tcPr/>
+                </a:tc>
+                <a:tc>
+                  <a:txBody>
+                    <a:bodyPr/>
+                    <a:lstStyle/>
+                    <a:p>
+                      <a:r>
+                        <a:rPr lang="el-GR" sz="1600" dirty="0">
+                          <a:latin typeface="Georgia" panose="02040502050405020303" pitchFamily="18" charset="0"/>
+                        </a:rPr>
+                        <a:t>2013-2020</a:t>
+                      </a:r>
+                      <a:endParaRPr lang="en-US" sz="1600" dirty="0">
+                        <a:latin typeface="Georgia" panose="02040502050405020303" pitchFamily="18" charset="0"/>
+                      </a:endParaRPr>
+                    </a:p>
+                  </a:txBody>
+                  <a:tcPr/>
+                </a:tc>
+                <a:tc>
+                  <a:txBody>
+                    <a:bodyPr/>
+                    <a:lstStyle/>
+                    <a:p>
+                      <a:r>
+                        <a:rPr lang="el-GR" sz="1600" dirty="0">
+                          <a:latin typeface="Georgia" panose="02040502050405020303" pitchFamily="18" charset="0"/>
+                        </a:rPr>
+                        <a:t>1.74%</a:t>
+                      </a:r>
+                      <a:endParaRPr lang="en-US" sz="1600" dirty="0">
+                        <a:latin typeface="Georgia" panose="02040502050405020303" pitchFamily="18" charset="0"/>
+                      </a:endParaRPr>
+                    </a:p>
+                  </a:txBody>
+                  <a:tcPr/>
+                </a:tc>
+                <a:tc>
+                  <a:txBody>
+                    <a:bodyPr/>
+                    <a:lstStyle/>
+                    <a:p>
+                      <a:r>
+                        <a:rPr lang="el-GR" sz="1600" dirty="0">
+                          <a:latin typeface="Georgia" panose="02040502050405020303" pitchFamily="18" charset="0"/>
+                        </a:rPr>
+                        <a:t>Χρησιμοποιώντας μετροπρόγραμμα, </a:t>
+                      </a:r>
+                      <a:r>
+                        <a:rPr lang="en-US" sz="1600" dirty="0">
+                          <a:latin typeface="Georgia" panose="02040502050405020303" pitchFamily="18" charset="0"/>
+                        </a:rPr>
+                        <a:t>benchmarking</a:t>
+                      </a:r>
+                    </a:p>
+                  </a:txBody>
+                  <a:tcPr/>
+                </a:tc>
+                <a:extLst>
+                  <a:ext uri="{0D108BD9-81ED-4DB2-BD59-A6C34878D82A}">
+                    <a16:rowId xmlns:a16="http://schemas.microsoft.com/office/drawing/2014/main" val="2762855743"/>
+                  </a:ext>
+                </a:extLst>
+              </a:tr>
+              <a:tr h="370840">
+                <a:tc>
+                  <a:txBody>
+                    <a:bodyPr/>
+                    <a:lstStyle/>
+                    <a:p>
+                      <a:r>
+                        <a:rPr lang="en-US" sz="1600" dirty="0">
+                          <a:latin typeface="Georgia" panose="02040502050405020303" pitchFamily="18" charset="0"/>
+                        </a:rPr>
+                        <a:t>IV</a:t>
+                      </a:r>
+                    </a:p>
+                  </a:txBody>
+                  <a:tcPr/>
+                </a:tc>
+                <a:tc>
+                  <a:txBody>
+                    <a:bodyPr/>
+                    <a:lstStyle/>
+                    <a:p>
+                      <a:r>
+                        <a:rPr lang="en-US" sz="1600" dirty="0">
+                          <a:latin typeface="Georgia" panose="02040502050405020303" pitchFamily="18" charset="0"/>
+                        </a:rPr>
+                        <a:t>202</a:t>
+                      </a:r>
+                      <a:r>
+                        <a:rPr lang="el-GR" sz="1600" dirty="0">
+                          <a:latin typeface="Georgia" panose="02040502050405020303" pitchFamily="18" charset="0"/>
+                        </a:rPr>
+                        <a:t>1</a:t>
+                      </a:r>
+                      <a:r>
+                        <a:rPr lang="en-US" sz="1600" dirty="0">
+                          <a:latin typeface="Georgia" panose="02040502050405020303" pitchFamily="18" charset="0"/>
+                        </a:rPr>
+                        <a:t>-2030</a:t>
+                      </a:r>
+                    </a:p>
+                  </a:txBody>
+                  <a:tcPr/>
+                </a:tc>
+                <a:tc>
+                  <a:txBody>
+                    <a:bodyPr/>
+                    <a:lstStyle/>
+                    <a:p>
+                      <a:r>
+                        <a:rPr lang="en-US" sz="1600" dirty="0">
+                          <a:latin typeface="Georgia" panose="02040502050405020303" pitchFamily="18" charset="0"/>
+                        </a:rPr>
+                        <a:t>2.2-4.4%</a:t>
+                      </a:r>
+                    </a:p>
+                  </a:txBody>
+                  <a:tcPr/>
+                </a:tc>
+                <a:tc>
+                  <a:txBody>
+                    <a:bodyPr/>
+                    <a:lstStyle/>
+                    <a:p>
+                      <a:r>
+                        <a:rPr lang="el-GR" sz="1600" dirty="0">
+                          <a:latin typeface="Georgia" panose="02040502050405020303" pitchFamily="18" charset="0"/>
+                        </a:rPr>
+                        <a:t>Χρησιμοποιώντας μετροπρόγραμμα, </a:t>
+                      </a:r>
+                      <a:r>
+                        <a:rPr lang="en-US" sz="1600" dirty="0">
+                          <a:latin typeface="Georgia" panose="02040502050405020303" pitchFamily="18" charset="0"/>
+                        </a:rPr>
+                        <a:t>benchmarking</a:t>
+                      </a:r>
+                    </a:p>
+                  </a:txBody>
+                  <a:tcPr/>
+                </a:tc>
+                <a:extLst>
+                  <a:ext uri="{0D108BD9-81ED-4DB2-BD59-A6C34878D82A}">
+                    <a16:rowId xmlns:a16="http://schemas.microsoft.com/office/drawing/2014/main" val="3190207537"/>
+                  </a:ext>
+                </a:extLst>
+              </a:tr>
+            </a:tbl>
+          </a:graphicData>
+        </a:graphic>
+      </p:graphicFrame>
+    </p:spTree>
+    <p:extLst>
+      <p:ext uri="{BB962C8B-B14F-4D97-AF65-F5344CB8AC3E}">
+        <p14:creationId xmlns:p14="http://schemas.microsoft.com/office/powerpoint/2010/main" val="476818829"/>
+      </p:ext>
+    </p:extLst>
+  </p:cSld>
+  <p:clrMapOvr>
+    <a:masterClrMapping/>
+  </p:clrMapOvr>
+</p:sld>
+</file>
+
+<file path=ppt/slides/slide30.xml><?xml version="1.0" encoding="utf-8"?>
 <p:sld xmlns:a="http://schemas.openxmlformats.org/drawingml/2006/main" xmlns:r="http://schemas.openxmlformats.org/officeDocument/2006/relationships" xmlns:p="http://schemas.openxmlformats.org/presentationml/2006/main">
   <p:cSld>
     <p:bg>
@@ -17284,7 +15123,7 @@
 </p:sld>
 </file>
 
-<file path=ppt/slides/slide35.xml><?xml version="1.0" encoding="utf-8"?>
+<file path=ppt/slides/slide31.xml><?xml version="1.0" encoding="utf-8"?>
 <p:sld xmlns:a="http://schemas.openxmlformats.org/drawingml/2006/main" xmlns:r="http://schemas.openxmlformats.org/officeDocument/2006/relationships" xmlns:p="http://schemas.openxmlformats.org/presentationml/2006/main">
   <p:cSld>
     <p:bg>
@@ -18555,7 +16394,7 @@
 </p:sld>
 </file>
 
-<file path=ppt/slides/slide36.xml><?xml version="1.0" encoding="utf-8"?>
+<file path=ppt/slides/slide32.xml><?xml version="1.0" encoding="utf-8"?>
 <p:sld xmlns:a="http://schemas.openxmlformats.org/drawingml/2006/main" xmlns:r="http://schemas.openxmlformats.org/officeDocument/2006/relationships" xmlns:p="http://schemas.openxmlformats.org/presentationml/2006/main">
   <p:cSld>
     <p:bg>
@@ -19458,7 +17297,7 @@
 </p:sld>
 </file>
 
-<file path=ppt/slides/slide37.xml><?xml version="1.0" encoding="utf-8"?>
+<file path=ppt/slides/slide33.xml><?xml version="1.0" encoding="utf-8"?>
 <p:sld xmlns:a="http://schemas.openxmlformats.org/drawingml/2006/main" xmlns:r="http://schemas.openxmlformats.org/officeDocument/2006/relationships" xmlns:p="http://schemas.openxmlformats.org/presentationml/2006/main">
   <p:cSld>
     <p:bg>
@@ -20224,7 +18063,7 @@
 </p:sld>
 </file>
 
-<file path=ppt/slides/slide38.xml><?xml version="1.0" encoding="utf-8"?>
+<file path=ppt/slides/slide34.xml><?xml version="1.0" encoding="utf-8"?>
 <p:sld xmlns:a="http://schemas.openxmlformats.org/drawingml/2006/main" xmlns:r="http://schemas.openxmlformats.org/officeDocument/2006/relationships" xmlns:p="http://schemas.openxmlformats.org/presentationml/2006/main">
   <p:cSld>
     <p:spTree>
@@ -20363,7 +18202,7 @@
 </p:sld>
 </file>
 
-<file path=ppt/slides/slide39.xml><?xml version="1.0" encoding="utf-8"?>
+<file path=ppt/slides/slide35.xml><?xml version="1.0" encoding="utf-8"?>
 <p:sld xmlns:a="http://schemas.openxmlformats.org/drawingml/2006/main" xmlns:r="http://schemas.openxmlformats.org/officeDocument/2006/relationships" xmlns:p="http://schemas.openxmlformats.org/presentationml/2006/main">
   <p:cSld>
     <p:spTree>
@@ -20481,101 +18320,7 @@
 </p:sld>
 </file>
 
-<file path=ppt/slides/slide4.xml><?xml version="1.0" encoding="utf-8"?>
-<p:sld xmlns:a="http://schemas.openxmlformats.org/drawingml/2006/main" xmlns:r="http://schemas.openxmlformats.org/officeDocument/2006/relationships" xmlns:p="http://schemas.openxmlformats.org/presentationml/2006/main">
-  <p:cSld>
-    <p:spTree>
-      <p:nvGrpSpPr>
-        <p:cNvPr id="1" name=""/>
-        <p:cNvGrpSpPr/>
-        <p:nvPr/>
-      </p:nvGrpSpPr>
-      <p:grpSpPr>
-        <a:xfrm>
-          <a:off x="0" y="0"/>
-          <a:ext cx="0" cy="0"/>
-          <a:chOff x="0" y="0"/>
-          <a:chExt cx="0" cy="0"/>
-        </a:xfrm>
-      </p:grpSpPr>
-      <p:sp>
-        <p:nvSpPr>
-          <p:cNvPr id="2" name="Τίτλος 1">
-            <a:extLst>
-              <a:ext uri="{FF2B5EF4-FFF2-40B4-BE49-F238E27FC236}">
-                <a16:creationId xmlns:a16="http://schemas.microsoft.com/office/drawing/2014/main" id="{70E0E720-D746-D624-675E-CB6B9F0BB109}"/>
-              </a:ext>
-            </a:extLst>
-          </p:cNvPr>
-          <p:cNvSpPr>
-            <a:spLocks noGrp="1"/>
-          </p:cNvSpPr>
-          <p:nvPr>
-            <p:ph type="title"/>
-          </p:nvPr>
-        </p:nvSpPr>
-        <p:spPr/>
-        <p:txBody>
-          <a:bodyPr/>
-          <a:lstStyle/>
-          <a:p>
-            <a:r>
-              <a:rPr lang="el-GR" dirty="0" err="1">
-                <a:latin typeface="Georgia" panose="02040502050405020303" pitchFamily="18" charset="0"/>
-              </a:rPr>
-              <a:t>Μοιραζοντασ</a:t>
-            </a:r>
-            <a:r>
-              <a:rPr lang="el-GR" dirty="0"/>
-              <a:t> </a:t>
-            </a:r>
-            <a:r>
-              <a:rPr lang="el-GR" dirty="0" err="1"/>
-              <a:t>δικαια</a:t>
-            </a:r>
-            <a:endParaRPr lang="en-US" dirty="0"/>
-          </a:p>
-        </p:txBody>
-      </p:sp>
-      <p:sp>
-        <p:nvSpPr>
-          <p:cNvPr id="3" name="Θέση κειμένου 2">
-            <a:extLst>
-              <a:ext uri="{FF2B5EF4-FFF2-40B4-BE49-F238E27FC236}">
-                <a16:creationId xmlns:a16="http://schemas.microsoft.com/office/drawing/2014/main" id="{48938B4D-A4CB-B546-0F66-06C845EC85E2}"/>
-              </a:ext>
-            </a:extLst>
-          </p:cNvPr>
-          <p:cNvSpPr>
-            <a:spLocks noGrp="1"/>
-          </p:cNvSpPr>
-          <p:nvPr>
-            <p:ph type="body" idx="1"/>
-          </p:nvPr>
-        </p:nvSpPr>
-        <p:spPr/>
-        <p:txBody>
-          <a:bodyPr/>
-          <a:lstStyle/>
-          <a:p>
-            <a:endParaRPr lang="en-US"/>
-          </a:p>
-        </p:txBody>
-      </p:sp>
-    </p:spTree>
-    <p:extLst>
-      <p:ext uri="{BB962C8B-B14F-4D97-AF65-F5344CB8AC3E}">
-        <p14:creationId xmlns:p14="http://schemas.microsoft.com/office/powerpoint/2010/main" val="284151725"/>
-      </p:ext>
-    </p:extLst>
-  </p:cSld>
-  <p:clrMapOvr>
-    <a:masterClrMapping/>
-  </p:clrMapOvr>
-</p:sld>
-</file>
-
-<file path=ppt/slides/slide40.xml><?xml version="1.0" encoding="utf-8"?>
+<file path=ppt/slides/slide36.xml><?xml version="1.0" encoding="utf-8"?>
 <p:sld xmlns:a="http://schemas.openxmlformats.org/drawingml/2006/main" xmlns:r="http://schemas.openxmlformats.org/officeDocument/2006/relationships" xmlns:p="http://schemas.openxmlformats.org/presentationml/2006/main">
   <p:cSld>
     <p:spTree>
@@ -22086,7 +19831,7 @@
 </p:sld>
 </file>
 
-<file path=ppt/slides/slide41.xml><?xml version="1.0" encoding="utf-8"?>
+<file path=ppt/slides/slide37.xml><?xml version="1.0" encoding="utf-8"?>
 <p:sld xmlns:a="http://schemas.openxmlformats.org/drawingml/2006/main" xmlns:r="http://schemas.openxmlformats.org/officeDocument/2006/relationships" xmlns:p="http://schemas.openxmlformats.org/presentationml/2006/main">
   <p:cSld>
     <p:spTree>
@@ -22420,6 +20165,2362 @@
 </p:sld>
 </file>
 
+<file path=ppt/slides/slide38.xml><?xml version="1.0" encoding="utf-8"?>
+<p:sld xmlns:a="http://schemas.openxmlformats.org/drawingml/2006/main" xmlns:r="http://schemas.openxmlformats.org/officeDocument/2006/relationships" xmlns:p="http://schemas.openxmlformats.org/presentationml/2006/main">
+  <p:cSld>
+    <p:bg>
+      <p:bgPr>
+        <a:solidFill>
+          <a:schemeClr val="bg1"/>
+        </a:solidFill>
+        <a:effectLst/>
+      </p:bgPr>
+    </p:bg>
+    <p:spTree>
+      <p:nvGrpSpPr>
+        <p:cNvPr id="1" name=""/>
+        <p:cNvGrpSpPr/>
+        <p:nvPr/>
+      </p:nvGrpSpPr>
+      <p:grpSpPr>
+        <a:xfrm>
+          <a:off x="0" y="0"/>
+          <a:ext cx="0" cy="0"/>
+          <a:chOff x="0" y="0"/>
+          <a:chExt cx="0" cy="0"/>
+        </a:xfrm>
+      </p:grpSpPr>
+      <p:sp>
+        <p:nvSpPr>
+          <p:cNvPr id="29" name="Rectangle 28">
+            <a:extLst>
+              <a:ext uri="{FF2B5EF4-FFF2-40B4-BE49-F238E27FC236}">
+                <a16:creationId xmlns:a16="http://schemas.microsoft.com/office/drawing/2014/main" id="{75C1B30C-9CF2-4A94-98DE-78EB3E31AA1E}"/>
+              </a:ext>
+              <a:ext uri="{C183D7F6-B498-43B3-948B-1728B52AA6E4}">
+                <adec:decorative xmlns:adec="http://schemas.microsoft.com/office/drawing/2017/decorative" val="1"/>
+              </a:ext>
+            </a:extLst>
+          </p:cNvPr>
+          <p:cNvSpPr>
+            <a:spLocks noGrp="1" noRot="1" noChangeAspect="1" noMove="1" noResize="1" noEditPoints="1" noAdjustHandles="1" noChangeArrowheads="1" noChangeShapeType="1" noTextEdit="1"/>
+          </p:cNvSpPr>
+          <p:nvPr>
+            <p:extLst>
+              <p:ext uri="{386F3935-93C4-4BCD-93E2-E3B085C9AB24}">
+                <p16:designElem xmlns:p16="http://schemas.microsoft.com/office/powerpoint/2015/main" val="1"/>
+              </p:ext>
+            </p:extLst>
+          </p:nvPr>
+        </p:nvSpPr>
+        <p:spPr>
+          <a:xfrm>
+            <a:off x="446534" y="457200"/>
+            <a:ext cx="3703320" cy="94997"/>
+          </a:xfrm>
+          <a:prstGeom prst="rect">
+            <a:avLst/>
+          </a:prstGeom>
+          <a:solidFill>
+            <a:schemeClr val="accent1"/>
+          </a:solidFill>
+          <a:ln>
+            <a:noFill/>
+          </a:ln>
+          <a:effectLst/>
+        </p:spPr>
+        <p:style>
+          <a:lnRef idx="1">
+            <a:schemeClr val="accent1"/>
+          </a:lnRef>
+          <a:fillRef idx="3">
+            <a:schemeClr val="accent1"/>
+          </a:fillRef>
+          <a:effectRef idx="2">
+            <a:schemeClr val="accent1"/>
+          </a:effectRef>
+          <a:fontRef idx="minor">
+            <a:schemeClr val="lt1"/>
+          </a:fontRef>
+        </p:style>
+        <p:txBody>
+          <a:bodyPr/>
+          <a:lstStyle/>
+          <a:p>
+            <a:endParaRPr lang="en-US" dirty="0">
+              <a:latin typeface="Abadi" panose="020B0604020104020204" pitchFamily="34" charset="0"/>
+            </a:endParaRPr>
+          </a:p>
+        </p:txBody>
+      </p:sp>
+      <p:sp>
+        <p:nvSpPr>
+          <p:cNvPr id="31" name="Rectangle 30">
+            <a:extLst>
+              <a:ext uri="{FF2B5EF4-FFF2-40B4-BE49-F238E27FC236}">
+                <a16:creationId xmlns:a16="http://schemas.microsoft.com/office/drawing/2014/main" id="{62A78910-3783-4F13-AB69-E0AE41E316CF}"/>
+              </a:ext>
+              <a:ext uri="{C183D7F6-B498-43B3-948B-1728B52AA6E4}">
+                <adec:decorative xmlns:adec="http://schemas.microsoft.com/office/drawing/2017/decorative" val="1"/>
+              </a:ext>
+            </a:extLst>
+          </p:cNvPr>
+          <p:cNvSpPr>
+            <a:spLocks noGrp="1" noRot="1" noChangeAspect="1" noMove="1" noResize="1" noEditPoints="1" noAdjustHandles="1" noChangeArrowheads="1" noChangeShapeType="1" noTextEdit="1"/>
+          </p:cNvSpPr>
+          <p:nvPr>
+            <p:extLst>
+              <p:ext uri="{386F3935-93C4-4BCD-93E2-E3B085C9AB24}">
+                <p16:designElem xmlns:p16="http://schemas.microsoft.com/office/powerpoint/2015/main" val="1"/>
+              </p:ext>
+            </p:extLst>
+          </p:nvPr>
+        </p:nvSpPr>
+        <p:spPr>
+          <a:xfrm>
+            <a:off x="8042147" y="453643"/>
+            <a:ext cx="3703320" cy="98554"/>
+          </a:xfrm>
+          <a:prstGeom prst="rect">
+            <a:avLst/>
+          </a:prstGeom>
+          <a:solidFill>
+            <a:schemeClr val="accent4"/>
+          </a:solidFill>
+          <a:ln>
+            <a:noFill/>
+          </a:ln>
+          <a:effectLst/>
+        </p:spPr>
+        <p:style>
+          <a:lnRef idx="1">
+            <a:schemeClr val="accent1"/>
+          </a:lnRef>
+          <a:fillRef idx="3">
+            <a:schemeClr val="accent1"/>
+          </a:fillRef>
+          <a:effectRef idx="2">
+            <a:schemeClr val="accent1"/>
+          </a:effectRef>
+          <a:fontRef idx="minor">
+            <a:schemeClr val="lt1"/>
+          </a:fontRef>
+        </p:style>
+        <p:txBody>
+          <a:bodyPr/>
+          <a:lstStyle/>
+          <a:p>
+            <a:endParaRPr lang="en-US" dirty="0">
+              <a:latin typeface="Abadi" panose="020B0604020104020204" pitchFamily="34" charset="0"/>
+            </a:endParaRPr>
+          </a:p>
+        </p:txBody>
+      </p:sp>
+      <p:sp>
+        <p:nvSpPr>
+          <p:cNvPr id="33" name="Rectangle 32">
+            <a:extLst>
+              <a:ext uri="{FF2B5EF4-FFF2-40B4-BE49-F238E27FC236}">
+                <a16:creationId xmlns:a16="http://schemas.microsoft.com/office/drawing/2014/main" id="{A2BC4FA5-B0FE-4EFB-8490-3F736533CCB1}"/>
+              </a:ext>
+              <a:ext uri="{C183D7F6-B498-43B3-948B-1728B52AA6E4}">
+                <adec:decorative xmlns:adec="http://schemas.microsoft.com/office/drawing/2017/decorative" val="1"/>
+              </a:ext>
+            </a:extLst>
+          </p:cNvPr>
+          <p:cNvSpPr>
+            <a:spLocks noGrp="1" noRot="1" noChangeAspect="1" noMove="1" noResize="1" noEditPoints="1" noAdjustHandles="1" noChangeArrowheads="1" noChangeShapeType="1" noTextEdit="1"/>
+          </p:cNvSpPr>
+          <p:nvPr>
+            <p:extLst>
+              <p:ext uri="{386F3935-93C4-4BCD-93E2-E3B085C9AB24}">
+                <p16:designElem xmlns:p16="http://schemas.microsoft.com/office/powerpoint/2015/main" val="1"/>
+              </p:ext>
+            </p:extLst>
+          </p:nvPr>
+        </p:nvSpPr>
+        <p:spPr>
+          <a:xfrm>
+            <a:off x="4241830" y="457200"/>
+            <a:ext cx="3703320" cy="91440"/>
+          </a:xfrm>
+          <a:prstGeom prst="rect">
+            <a:avLst/>
+          </a:prstGeom>
+          <a:solidFill>
+            <a:schemeClr val="accent2"/>
+          </a:solidFill>
+          <a:ln>
+            <a:noFill/>
+          </a:ln>
+          <a:effectLst/>
+        </p:spPr>
+        <p:style>
+          <a:lnRef idx="1">
+            <a:schemeClr val="accent1"/>
+          </a:lnRef>
+          <a:fillRef idx="3">
+            <a:schemeClr val="accent1"/>
+          </a:fillRef>
+          <a:effectRef idx="2">
+            <a:schemeClr val="accent1"/>
+          </a:effectRef>
+          <a:fontRef idx="minor">
+            <a:schemeClr val="lt1"/>
+          </a:fontRef>
+        </p:style>
+        <p:txBody>
+          <a:bodyPr/>
+          <a:lstStyle/>
+          <a:p>
+            <a:endParaRPr lang="en-US" dirty="0">
+              <a:latin typeface="Abadi" panose="020B0604020104020204" pitchFamily="34" charset="0"/>
+            </a:endParaRPr>
+          </a:p>
+        </p:txBody>
+      </p:sp>
+      <p:sp useBgFill="1">
+        <p:nvSpPr>
+          <p:cNvPr id="35" name="Rectangle 34">
+            <a:extLst>
+              <a:ext uri="{FF2B5EF4-FFF2-40B4-BE49-F238E27FC236}">
+                <a16:creationId xmlns:a16="http://schemas.microsoft.com/office/drawing/2014/main" id="{A4308965-434A-4011-8316-8ABEFFED04CD}"/>
+              </a:ext>
+              <a:ext uri="{C183D7F6-B498-43B3-948B-1728B52AA6E4}">
+                <adec:decorative xmlns:adec="http://schemas.microsoft.com/office/drawing/2017/decorative" val="1"/>
+              </a:ext>
+            </a:extLst>
+          </p:cNvPr>
+          <p:cNvSpPr>
+            <a:spLocks noGrp="1" noRot="1" noChangeAspect="1" noMove="1" noResize="1" noEditPoints="1" noAdjustHandles="1" noChangeArrowheads="1" noChangeShapeType="1" noTextEdit="1"/>
+          </p:cNvSpPr>
+          <p:nvPr>
+            <p:extLst>
+              <p:ext uri="{386F3935-93C4-4BCD-93E2-E3B085C9AB24}">
+                <p16:designElem xmlns:p16="http://schemas.microsoft.com/office/powerpoint/2015/main" val="1"/>
+              </p:ext>
+            </p:extLst>
+          </p:nvPr>
+        </p:nvSpPr>
+        <p:spPr>
+          <a:xfrm>
+            <a:off x="0" y="0"/>
+            <a:ext cx="12192000" cy="6858000"/>
+          </a:xfrm>
+          <a:prstGeom prst="rect">
+            <a:avLst/>
+          </a:prstGeom>
+          <a:ln>
+            <a:noFill/>
+          </a:ln>
+        </p:spPr>
+        <p:style>
+          <a:lnRef idx="2">
+            <a:schemeClr val="accent1">
+              <a:shade val="50000"/>
+            </a:schemeClr>
+          </a:lnRef>
+          <a:fillRef idx="1">
+            <a:schemeClr val="accent1"/>
+          </a:fillRef>
+          <a:effectRef idx="0">
+            <a:schemeClr val="accent1"/>
+          </a:effectRef>
+          <a:fontRef idx="minor">
+            <a:schemeClr val="lt1"/>
+          </a:fontRef>
+        </p:style>
+        <p:txBody>
+          <a:bodyPr rtlCol="0" anchor="ctr"/>
+          <a:lstStyle/>
+          <a:p>
+            <a:pPr algn="ctr"/>
+            <a:endParaRPr lang="en-US" dirty="0">
+              <a:latin typeface="Abadi" panose="020B0604020104020204" pitchFamily="34" charset="0"/>
+            </a:endParaRPr>
+          </a:p>
+        </p:txBody>
+      </p:sp>
+      <p:sp>
+        <p:nvSpPr>
+          <p:cNvPr id="37" name="Rectangle 36">
+            <a:extLst>
+              <a:ext uri="{FF2B5EF4-FFF2-40B4-BE49-F238E27FC236}">
+                <a16:creationId xmlns:a16="http://schemas.microsoft.com/office/drawing/2014/main" id="{1C910B0D-8E24-46E7-93D7-329948C60D98}"/>
+              </a:ext>
+              <a:ext uri="{C183D7F6-B498-43B3-948B-1728B52AA6E4}">
+                <adec:decorative xmlns:adec="http://schemas.microsoft.com/office/drawing/2017/decorative" val="1"/>
+              </a:ext>
+            </a:extLst>
+          </p:cNvPr>
+          <p:cNvSpPr>
+            <a:spLocks noGrp="1" noRot="1" noChangeAspect="1" noMove="1" noResize="1" noEditPoints="1" noAdjustHandles="1" noChangeArrowheads="1" noChangeShapeType="1" noTextEdit="1"/>
+          </p:cNvSpPr>
+          <p:nvPr>
+            <p:extLst>
+              <p:ext uri="{386F3935-93C4-4BCD-93E2-E3B085C9AB24}">
+                <p16:designElem xmlns:p16="http://schemas.microsoft.com/office/powerpoint/2015/main" val="1"/>
+              </p:ext>
+            </p:extLst>
+          </p:nvPr>
+        </p:nvSpPr>
+        <p:spPr>
+          <a:xfrm>
+            <a:off x="446533" y="457200"/>
+            <a:ext cx="5609383" cy="95250"/>
+          </a:xfrm>
+          <a:prstGeom prst="rect">
+            <a:avLst/>
+          </a:prstGeom>
+          <a:solidFill>
+            <a:schemeClr val="accent1"/>
+          </a:solidFill>
+          <a:ln>
+            <a:noFill/>
+          </a:ln>
+          <a:effectLst/>
+        </p:spPr>
+        <p:style>
+          <a:lnRef idx="1">
+            <a:schemeClr val="accent1"/>
+          </a:lnRef>
+          <a:fillRef idx="3">
+            <a:schemeClr val="accent1"/>
+          </a:fillRef>
+          <a:effectRef idx="2">
+            <a:schemeClr val="accent1"/>
+          </a:effectRef>
+          <a:fontRef idx="minor">
+            <a:schemeClr val="lt1"/>
+          </a:fontRef>
+        </p:style>
+        <p:txBody>
+          <a:bodyPr/>
+          <a:lstStyle/>
+          <a:p>
+            <a:endParaRPr lang="en-US" dirty="0">
+              <a:latin typeface="Abadi" panose="020B0604020104020204" pitchFamily="34" charset="0"/>
+            </a:endParaRPr>
+          </a:p>
+        </p:txBody>
+      </p:sp>
+      <p:sp>
+        <p:nvSpPr>
+          <p:cNvPr id="39" name="Rectangle 38">
+            <a:extLst>
+              <a:ext uri="{FF2B5EF4-FFF2-40B4-BE49-F238E27FC236}">
+                <a16:creationId xmlns:a16="http://schemas.microsoft.com/office/drawing/2014/main" id="{FF215A71-CFAF-4964-A613-D07F75FC1A61}"/>
+              </a:ext>
+              <a:ext uri="{C183D7F6-B498-43B3-948B-1728B52AA6E4}">
+                <adec:decorative xmlns:adec="http://schemas.microsoft.com/office/drawing/2017/decorative" val="1"/>
+              </a:ext>
+            </a:extLst>
+          </p:cNvPr>
+          <p:cNvSpPr>
+            <a:spLocks noGrp="1" noRot="1" noChangeAspect="1" noMove="1" noResize="1" noEditPoints="1" noAdjustHandles="1" noChangeArrowheads="1" noChangeShapeType="1" noTextEdit="1"/>
+          </p:cNvSpPr>
+          <p:nvPr>
+            <p:extLst>
+              <p:ext uri="{386F3935-93C4-4BCD-93E2-E3B085C9AB24}">
+                <p16:designElem xmlns:p16="http://schemas.microsoft.com/office/powerpoint/2015/main" val="1"/>
+              </p:ext>
+            </p:extLst>
+          </p:nvPr>
+        </p:nvSpPr>
+        <p:spPr>
+          <a:xfrm>
+            <a:off x="6149035" y="453825"/>
+            <a:ext cx="5596432" cy="98372"/>
+          </a:xfrm>
+          <a:prstGeom prst="rect">
+            <a:avLst/>
+          </a:prstGeom>
+          <a:solidFill>
+            <a:schemeClr val="accent2"/>
+          </a:solidFill>
+          <a:ln>
+            <a:noFill/>
+          </a:ln>
+          <a:effectLst/>
+        </p:spPr>
+        <p:style>
+          <a:lnRef idx="1">
+            <a:schemeClr val="accent1"/>
+          </a:lnRef>
+          <a:fillRef idx="3">
+            <a:schemeClr val="accent1"/>
+          </a:fillRef>
+          <a:effectRef idx="2">
+            <a:schemeClr val="accent1"/>
+          </a:effectRef>
+          <a:fontRef idx="minor">
+            <a:schemeClr val="lt1"/>
+          </a:fontRef>
+        </p:style>
+        <p:txBody>
+          <a:bodyPr/>
+          <a:lstStyle/>
+          <a:p>
+            <a:endParaRPr lang="en-US" dirty="0">
+              <a:latin typeface="Abadi" panose="020B0604020104020204" pitchFamily="34" charset="0"/>
+            </a:endParaRPr>
+          </a:p>
+        </p:txBody>
+      </p:sp>
+      <p:pic>
+        <p:nvPicPr>
+          <p:cNvPr id="7" name="Εικόνα 6" descr="Εικόνα που περιέχει στιγμιότυπο οθόνης, γραμμή&#10;&#10;Περιγραφή που δημιουργήθηκε αυτόματα">
+            <a:extLst>
+              <a:ext uri="{FF2B5EF4-FFF2-40B4-BE49-F238E27FC236}">
+                <a16:creationId xmlns:a16="http://schemas.microsoft.com/office/drawing/2014/main" id="{F6226FD8-B7E8-36DC-0278-87A438F39843}"/>
+              </a:ext>
+            </a:extLst>
+          </p:cNvPr>
+          <p:cNvPicPr>
+            <a:picLocks noChangeAspect="1"/>
+          </p:cNvPicPr>
+          <p:nvPr/>
+        </p:nvPicPr>
+        <p:blipFill>
+          <a:blip r:embed="rId2">
+            <a:extLst>
+              <a:ext uri="{28A0092B-C50C-407E-A947-70E740481C1C}">
+                <a14:useLocalDpi xmlns:a14="http://schemas.microsoft.com/office/drawing/2010/main" val="0"/>
+              </a:ext>
+            </a:extLst>
+          </a:blip>
+          <a:stretch>
+            <a:fillRect/>
+          </a:stretch>
+        </p:blipFill>
+        <p:spPr>
+          <a:xfrm>
+            <a:off x="465691" y="643467"/>
+            <a:ext cx="5571067" cy="5571067"/>
+          </a:xfrm>
+          <a:prstGeom prst="rect">
+            <a:avLst/>
+          </a:prstGeom>
+        </p:spPr>
+      </p:pic>
+      <p:pic>
+        <p:nvPicPr>
+          <p:cNvPr id="5" name="Θέση περιεχομένου 4" descr="Εικόνα που περιέχει στιγμιότυπο οθόνης, κείμενο&#10;&#10;Περιγραφή που δημιουργήθηκε αυτόματα">
+            <a:extLst>
+              <a:ext uri="{FF2B5EF4-FFF2-40B4-BE49-F238E27FC236}">
+                <a16:creationId xmlns:a16="http://schemas.microsoft.com/office/drawing/2014/main" id="{B96606BD-812C-EEDE-FF7A-204777EAE8AB}"/>
+              </a:ext>
+            </a:extLst>
+          </p:cNvPr>
+          <p:cNvPicPr>
+            <a:picLocks noGrp="1" noChangeAspect="1"/>
+          </p:cNvPicPr>
+          <p:nvPr>
+            <p:ph idx="1"/>
+          </p:nvPr>
+        </p:nvPicPr>
+        <p:blipFill>
+          <a:blip r:embed="rId3">
+            <a:extLst>
+              <a:ext uri="{28A0092B-C50C-407E-A947-70E740481C1C}">
+                <a14:useLocalDpi xmlns:a14="http://schemas.microsoft.com/office/drawing/2010/main" val="0"/>
+              </a:ext>
+            </a:extLst>
+          </a:blip>
+          <a:stretch>
+            <a:fillRect/>
+          </a:stretch>
+        </p:blipFill>
+        <p:spPr>
+          <a:xfrm>
+            <a:off x="6161717" y="643467"/>
+            <a:ext cx="5571067" cy="5571067"/>
+          </a:xfrm>
+          <a:prstGeom prst="rect">
+            <a:avLst/>
+          </a:prstGeom>
+        </p:spPr>
+      </p:pic>
+      <p:sp>
+        <p:nvSpPr>
+          <p:cNvPr id="8" name="TextBox 7">
+            <a:extLst>
+              <a:ext uri="{FF2B5EF4-FFF2-40B4-BE49-F238E27FC236}">
+                <a16:creationId xmlns:a16="http://schemas.microsoft.com/office/drawing/2014/main" id="{31B2DABD-EE29-B8C3-25A8-B9138879E983}"/>
+              </a:ext>
+            </a:extLst>
+          </p:cNvPr>
+          <p:cNvSpPr txBox="1"/>
+          <p:nvPr/>
+        </p:nvSpPr>
+        <p:spPr>
+          <a:xfrm>
+            <a:off x="2396942" y="6304129"/>
+            <a:ext cx="1972927" cy="369332"/>
+          </a:xfrm>
+          <a:prstGeom prst="rect">
+            <a:avLst/>
+          </a:prstGeom>
+          <a:noFill/>
+        </p:spPr>
+        <p:txBody>
+          <a:bodyPr wrap="square" rtlCol="0">
+            <a:spAutoFit/>
+          </a:bodyPr>
+          <a:lstStyle/>
+          <a:p>
+            <a:pPr algn="ctr"/>
+            <a:r>
+              <a:rPr lang="en-US" dirty="0">
+                <a:latin typeface="Abadi" panose="020B0604020104020204" pitchFamily="34" charset="0"/>
+              </a:rPr>
+              <a:t>2006 Phase I</a:t>
+            </a:r>
+          </a:p>
+        </p:txBody>
+      </p:sp>
+      <p:sp>
+        <p:nvSpPr>
+          <p:cNvPr id="9" name="TextBox 8">
+            <a:extLst>
+              <a:ext uri="{FF2B5EF4-FFF2-40B4-BE49-F238E27FC236}">
+                <a16:creationId xmlns:a16="http://schemas.microsoft.com/office/drawing/2014/main" id="{B226C5D7-F1EF-A3DC-231C-4F868FD2A388}"/>
+              </a:ext>
+            </a:extLst>
+          </p:cNvPr>
+          <p:cNvSpPr txBox="1"/>
+          <p:nvPr/>
+        </p:nvSpPr>
+        <p:spPr>
+          <a:xfrm>
+            <a:off x="7960786" y="6244412"/>
+            <a:ext cx="1972927" cy="369332"/>
+          </a:xfrm>
+          <a:prstGeom prst="rect">
+            <a:avLst/>
+          </a:prstGeom>
+          <a:noFill/>
+        </p:spPr>
+        <p:txBody>
+          <a:bodyPr wrap="square" rtlCol="0">
+            <a:spAutoFit/>
+          </a:bodyPr>
+          <a:lstStyle/>
+          <a:p>
+            <a:pPr algn="ctr"/>
+            <a:r>
+              <a:rPr lang="en-US" dirty="0">
+                <a:latin typeface="Abadi" panose="020B0604020104020204" pitchFamily="34" charset="0"/>
+              </a:rPr>
+              <a:t>2010 Phase II</a:t>
+            </a:r>
+          </a:p>
+        </p:txBody>
+      </p:sp>
+      <p:sp>
+        <p:nvSpPr>
+          <p:cNvPr id="2" name="Ορθογώνιο 1">
+            <a:extLst>
+              <a:ext uri="{FF2B5EF4-FFF2-40B4-BE49-F238E27FC236}">
+                <a16:creationId xmlns:a16="http://schemas.microsoft.com/office/drawing/2014/main" id="{E6624A12-EE2E-F755-D3F3-F36F7DAB7ED6}"/>
+              </a:ext>
+            </a:extLst>
+          </p:cNvPr>
+          <p:cNvSpPr/>
+          <p:nvPr/>
+        </p:nvSpPr>
+        <p:spPr>
+          <a:xfrm>
+            <a:off x="0" y="0"/>
+            <a:ext cx="12192000" cy="6858000"/>
+          </a:xfrm>
+          <a:prstGeom prst="rect">
+            <a:avLst/>
+          </a:prstGeom>
+          <a:solidFill>
+            <a:srgbClr val="4D1434">
+              <a:alpha val="30196"/>
+            </a:srgbClr>
+          </a:solidFill>
+        </p:spPr>
+        <p:style>
+          <a:lnRef idx="2">
+            <a:schemeClr val="accent1">
+              <a:shade val="15000"/>
+            </a:schemeClr>
+          </a:lnRef>
+          <a:fillRef idx="1">
+            <a:schemeClr val="accent1"/>
+          </a:fillRef>
+          <a:effectRef idx="0">
+            <a:schemeClr val="accent1"/>
+          </a:effectRef>
+          <a:fontRef idx="minor">
+            <a:schemeClr val="lt1"/>
+          </a:fontRef>
+        </p:style>
+        <p:txBody>
+          <a:bodyPr rtlCol="0" anchor="ctr"/>
+          <a:lstStyle/>
+          <a:p>
+            <a:pPr algn="ctr"/>
+            <a:endParaRPr lang="en-US" dirty="0"/>
+          </a:p>
+        </p:txBody>
+      </p:sp>
+    </p:spTree>
+    <p:extLst>
+      <p:ext uri="{BB962C8B-B14F-4D97-AF65-F5344CB8AC3E}">
+        <p14:creationId xmlns:p14="http://schemas.microsoft.com/office/powerpoint/2010/main" val="3970212885"/>
+      </p:ext>
+    </p:extLst>
+  </p:cSld>
+  <p:clrMapOvr>
+    <a:masterClrMapping/>
+  </p:clrMapOvr>
+</p:sld>
+</file>
+
+<file path=ppt/slides/slide39.xml><?xml version="1.0" encoding="utf-8"?>
+<p:sld xmlns:a="http://schemas.openxmlformats.org/drawingml/2006/main" xmlns:r="http://schemas.openxmlformats.org/officeDocument/2006/relationships" xmlns:p="http://schemas.openxmlformats.org/presentationml/2006/main">
+  <p:cSld>
+    <p:bg>
+      <p:bgPr>
+        <a:solidFill>
+          <a:schemeClr val="bg1"/>
+        </a:solidFill>
+        <a:effectLst/>
+      </p:bgPr>
+    </p:bg>
+    <p:spTree>
+      <p:nvGrpSpPr>
+        <p:cNvPr id="1" name="">
+          <a:extLst>
+            <a:ext uri="{FF2B5EF4-FFF2-40B4-BE49-F238E27FC236}">
+              <a16:creationId xmlns:a16="http://schemas.microsoft.com/office/drawing/2014/main" id="{B25259A5-D9A1-F443-746D-12D62C9E59F1}"/>
+            </a:ext>
+          </a:extLst>
+        </p:cNvPr>
+        <p:cNvGrpSpPr/>
+        <p:nvPr/>
+      </p:nvGrpSpPr>
+      <p:grpSpPr>
+        <a:xfrm>
+          <a:off x="0" y="0"/>
+          <a:ext cx="0" cy="0"/>
+          <a:chOff x="0" y="0"/>
+          <a:chExt cx="0" cy="0"/>
+        </a:xfrm>
+      </p:grpSpPr>
+      <p:sp>
+        <p:nvSpPr>
+          <p:cNvPr id="58" name="Rectangle 43">
+            <a:extLst>
+              <a:ext uri="{FF2B5EF4-FFF2-40B4-BE49-F238E27FC236}">
+                <a16:creationId xmlns:a16="http://schemas.microsoft.com/office/drawing/2014/main" id="{DB691D59-8F51-4DD8-AD41-D568D29B08F8}"/>
+              </a:ext>
+              <a:ext uri="{C183D7F6-B498-43B3-948B-1728B52AA6E4}">
+                <adec:decorative xmlns:adec="http://schemas.microsoft.com/office/drawing/2017/decorative" val="1"/>
+              </a:ext>
+            </a:extLst>
+          </p:cNvPr>
+          <p:cNvSpPr>
+            <a:spLocks noGrp="1" noRot="1" noChangeAspect="1" noMove="1" noResize="1" noEditPoints="1" noAdjustHandles="1" noChangeArrowheads="1" noChangeShapeType="1" noTextEdit="1"/>
+          </p:cNvSpPr>
+          <p:nvPr>
+            <p:extLst>
+              <p:ext uri="{386F3935-93C4-4BCD-93E2-E3B085C9AB24}">
+                <p16:designElem xmlns:p16="http://schemas.microsoft.com/office/powerpoint/2015/main" val="1"/>
+              </p:ext>
+            </p:extLst>
+          </p:nvPr>
+        </p:nvSpPr>
+        <p:spPr>
+          <a:xfrm>
+            <a:off x="446534" y="457200"/>
+            <a:ext cx="3703320" cy="94997"/>
+          </a:xfrm>
+          <a:prstGeom prst="rect">
+            <a:avLst/>
+          </a:prstGeom>
+          <a:solidFill>
+            <a:schemeClr val="accent1"/>
+          </a:solidFill>
+          <a:ln>
+            <a:noFill/>
+          </a:ln>
+          <a:effectLst/>
+        </p:spPr>
+        <p:style>
+          <a:lnRef idx="1">
+            <a:schemeClr val="accent1"/>
+          </a:lnRef>
+          <a:fillRef idx="3">
+            <a:schemeClr val="accent1"/>
+          </a:fillRef>
+          <a:effectRef idx="2">
+            <a:schemeClr val="accent1"/>
+          </a:effectRef>
+          <a:fontRef idx="minor">
+            <a:schemeClr val="lt1"/>
+          </a:fontRef>
+        </p:style>
+        <p:txBody>
+          <a:bodyPr/>
+          <a:lstStyle/>
+          <a:p>
+            <a:endParaRPr lang="en-US" dirty="0">
+              <a:latin typeface="Abadi" panose="020B0604020104020204" pitchFamily="34" charset="0"/>
+            </a:endParaRPr>
+          </a:p>
+        </p:txBody>
+      </p:sp>
+      <p:sp>
+        <p:nvSpPr>
+          <p:cNvPr id="59" name="Rectangle 45">
+            <a:extLst>
+              <a:ext uri="{FF2B5EF4-FFF2-40B4-BE49-F238E27FC236}">
+                <a16:creationId xmlns:a16="http://schemas.microsoft.com/office/drawing/2014/main" id="{204AEF18-0627-48F3-9B3D-F7E8F050B1D4}"/>
+              </a:ext>
+              <a:ext uri="{C183D7F6-B498-43B3-948B-1728B52AA6E4}">
+                <adec:decorative xmlns:adec="http://schemas.microsoft.com/office/drawing/2017/decorative" val="1"/>
+              </a:ext>
+            </a:extLst>
+          </p:cNvPr>
+          <p:cNvSpPr>
+            <a:spLocks noGrp="1" noRot="1" noChangeAspect="1" noMove="1" noResize="1" noEditPoints="1" noAdjustHandles="1" noChangeArrowheads="1" noChangeShapeType="1" noTextEdit="1"/>
+          </p:cNvSpPr>
+          <p:nvPr>
+            <p:extLst>
+              <p:ext uri="{386F3935-93C4-4BCD-93E2-E3B085C9AB24}">
+                <p16:designElem xmlns:p16="http://schemas.microsoft.com/office/powerpoint/2015/main" val="1"/>
+              </p:ext>
+            </p:extLst>
+          </p:nvPr>
+        </p:nvSpPr>
+        <p:spPr>
+          <a:xfrm>
+            <a:off x="8042147" y="453643"/>
+            <a:ext cx="3703320" cy="98554"/>
+          </a:xfrm>
+          <a:prstGeom prst="rect">
+            <a:avLst/>
+          </a:prstGeom>
+          <a:solidFill>
+            <a:schemeClr val="accent4"/>
+          </a:solidFill>
+          <a:ln>
+            <a:noFill/>
+          </a:ln>
+          <a:effectLst/>
+        </p:spPr>
+        <p:style>
+          <a:lnRef idx="1">
+            <a:schemeClr val="accent1"/>
+          </a:lnRef>
+          <a:fillRef idx="3">
+            <a:schemeClr val="accent1"/>
+          </a:fillRef>
+          <a:effectRef idx="2">
+            <a:schemeClr val="accent1"/>
+          </a:effectRef>
+          <a:fontRef idx="minor">
+            <a:schemeClr val="lt1"/>
+          </a:fontRef>
+        </p:style>
+        <p:txBody>
+          <a:bodyPr/>
+          <a:lstStyle/>
+          <a:p>
+            <a:endParaRPr lang="en-US" dirty="0">
+              <a:latin typeface="Abadi" panose="020B0604020104020204" pitchFamily="34" charset="0"/>
+            </a:endParaRPr>
+          </a:p>
+        </p:txBody>
+      </p:sp>
+      <p:sp>
+        <p:nvSpPr>
+          <p:cNvPr id="60" name="Rectangle 47">
+            <a:extLst>
+              <a:ext uri="{FF2B5EF4-FFF2-40B4-BE49-F238E27FC236}">
+                <a16:creationId xmlns:a16="http://schemas.microsoft.com/office/drawing/2014/main" id="{CEAEE08A-C572-438F-9753-B0D527A515A7}"/>
+              </a:ext>
+              <a:ext uri="{C183D7F6-B498-43B3-948B-1728B52AA6E4}">
+                <adec:decorative xmlns:adec="http://schemas.microsoft.com/office/drawing/2017/decorative" val="1"/>
+              </a:ext>
+            </a:extLst>
+          </p:cNvPr>
+          <p:cNvSpPr>
+            <a:spLocks noGrp="1" noRot="1" noChangeAspect="1" noMove="1" noResize="1" noEditPoints="1" noAdjustHandles="1" noChangeArrowheads="1" noChangeShapeType="1" noTextEdit="1"/>
+          </p:cNvSpPr>
+          <p:nvPr>
+            <p:extLst>
+              <p:ext uri="{386F3935-93C4-4BCD-93E2-E3B085C9AB24}">
+                <p16:designElem xmlns:p16="http://schemas.microsoft.com/office/powerpoint/2015/main" val="1"/>
+              </p:ext>
+            </p:extLst>
+          </p:nvPr>
+        </p:nvSpPr>
+        <p:spPr>
+          <a:xfrm>
+            <a:off x="4241830" y="457200"/>
+            <a:ext cx="3703320" cy="91440"/>
+          </a:xfrm>
+          <a:prstGeom prst="rect">
+            <a:avLst/>
+          </a:prstGeom>
+          <a:solidFill>
+            <a:schemeClr val="accent2"/>
+          </a:solidFill>
+          <a:ln>
+            <a:noFill/>
+          </a:ln>
+          <a:effectLst/>
+        </p:spPr>
+        <p:style>
+          <a:lnRef idx="1">
+            <a:schemeClr val="accent1"/>
+          </a:lnRef>
+          <a:fillRef idx="3">
+            <a:schemeClr val="accent1"/>
+          </a:fillRef>
+          <a:effectRef idx="2">
+            <a:schemeClr val="accent1"/>
+          </a:effectRef>
+          <a:fontRef idx="minor">
+            <a:schemeClr val="lt1"/>
+          </a:fontRef>
+        </p:style>
+        <p:txBody>
+          <a:bodyPr/>
+          <a:lstStyle/>
+          <a:p>
+            <a:endParaRPr lang="en-US" dirty="0">
+              <a:latin typeface="Abadi" panose="020B0604020104020204" pitchFamily="34" charset="0"/>
+            </a:endParaRPr>
+          </a:p>
+        </p:txBody>
+      </p:sp>
+      <p:sp>
+        <p:nvSpPr>
+          <p:cNvPr id="61" name="Rectangle 49">
+            <a:extLst>
+              <a:ext uri="{FF2B5EF4-FFF2-40B4-BE49-F238E27FC236}">
+                <a16:creationId xmlns:a16="http://schemas.microsoft.com/office/drawing/2014/main" id="{DB93146F-62ED-4C59-844C-0935D0FB5031}"/>
+              </a:ext>
+              <a:ext uri="{C183D7F6-B498-43B3-948B-1728B52AA6E4}">
+                <adec:decorative xmlns:adec="http://schemas.microsoft.com/office/drawing/2017/decorative" val="1"/>
+              </a:ext>
+            </a:extLst>
+          </p:cNvPr>
+          <p:cNvSpPr>
+            <a:spLocks noGrp="1" noRot="1" noChangeAspect="1" noMove="1" noResize="1" noEditPoints="1" noAdjustHandles="1" noChangeArrowheads="1" noChangeShapeType="1" noTextEdit="1"/>
+          </p:cNvSpPr>
+          <p:nvPr>
+            <p:extLst>
+              <p:ext uri="{386F3935-93C4-4BCD-93E2-E3B085C9AB24}">
+                <p16:designElem xmlns:p16="http://schemas.microsoft.com/office/powerpoint/2015/main" val="1"/>
+              </p:ext>
+            </p:extLst>
+          </p:nvPr>
+        </p:nvSpPr>
+        <p:spPr>
+          <a:xfrm>
+            <a:off x="446534" y="3085765"/>
+            <a:ext cx="11262866" cy="3304800"/>
+          </a:xfrm>
+          <a:prstGeom prst="rect">
+            <a:avLst/>
+          </a:prstGeom>
+          <a:solidFill>
+            <a:schemeClr val="accent1"/>
+          </a:solidFill>
+          <a:ln>
+            <a:noFill/>
+          </a:ln>
+          <a:effectLst/>
+        </p:spPr>
+        <p:style>
+          <a:lnRef idx="1">
+            <a:schemeClr val="accent1"/>
+          </a:lnRef>
+          <a:fillRef idx="3">
+            <a:schemeClr val="accent1"/>
+          </a:fillRef>
+          <a:effectRef idx="2">
+            <a:schemeClr val="accent1"/>
+          </a:effectRef>
+          <a:fontRef idx="minor">
+            <a:schemeClr val="lt1"/>
+          </a:fontRef>
+        </p:style>
+        <p:txBody>
+          <a:bodyPr/>
+          <a:lstStyle/>
+          <a:p>
+            <a:endParaRPr lang="en-US" dirty="0">
+              <a:latin typeface="Abadi" panose="020B0604020104020204" pitchFamily="34" charset="0"/>
+            </a:endParaRPr>
+          </a:p>
+        </p:txBody>
+      </p:sp>
+      <p:sp useBgFill="1">
+        <p:nvSpPr>
+          <p:cNvPr id="62" name="Rectangle 51">
+            <a:extLst>
+              <a:ext uri="{FF2B5EF4-FFF2-40B4-BE49-F238E27FC236}">
+                <a16:creationId xmlns:a16="http://schemas.microsoft.com/office/drawing/2014/main" id="{BF3D65BA-1C65-40FB-92EF-83951BDC1D7C}"/>
+              </a:ext>
+              <a:ext uri="{C183D7F6-B498-43B3-948B-1728B52AA6E4}">
+                <adec:decorative xmlns:adec="http://schemas.microsoft.com/office/drawing/2017/decorative" val="1"/>
+              </a:ext>
+            </a:extLst>
+          </p:cNvPr>
+          <p:cNvSpPr>
+            <a:spLocks noGrp="1" noRot="1" noChangeAspect="1" noMove="1" noResize="1" noEditPoints="1" noAdjustHandles="1" noChangeArrowheads="1" noChangeShapeType="1" noTextEdit="1"/>
+          </p:cNvSpPr>
+          <p:nvPr>
+            <p:extLst>
+              <p:ext uri="{386F3935-93C4-4BCD-93E2-E3B085C9AB24}">
+                <p16:designElem xmlns:p16="http://schemas.microsoft.com/office/powerpoint/2015/main" val="1"/>
+              </p:ext>
+            </p:extLst>
+          </p:nvPr>
+        </p:nvSpPr>
+        <p:spPr>
+          <a:xfrm>
+            <a:off x="0" y="638175"/>
+            <a:ext cx="12191999" cy="6219825"/>
+          </a:xfrm>
+          <a:prstGeom prst="rect">
+            <a:avLst/>
+          </a:prstGeom>
+          <a:ln>
+            <a:noFill/>
+          </a:ln>
+        </p:spPr>
+        <p:style>
+          <a:lnRef idx="2">
+            <a:schemeClr val="accent1">
+              <a:shade val="50000"/>
+            </a:schemeClr>
+          </a:lnRef>
+          <a:fillRef idx="1">
+            <a:schemeClr val="accent1"/>
+          </a:fillRef>
+          <a:effectRef idx="0">
+            <a:schemeClr val="accent1"/>
+          </a:effectRef>
+          <a:fontRef idx="minor">
+            <a:schemeClr val="lt1"/>
+          </a:fontRef>
+        </p:style>
+        <p:txBody>
+          <a:bodyPr rtlCol="0" anchor="ctr"/>
+          <a:lstStyle/>
+          <a:p>
+            <a:pPr algn="ctr"/>
+            <a:endParaRPr lang="en-US" dirty="0">
+              <a:latin typeface="Abadi" panose="020B0604020104020204" pitchFamily="34" charset="0"/>
+            </a:endParaRPr>
+          </a:p>
+        </p:txBody>
+      </p:sp>
+      <p:pic>
+        <p:nvPicPr>
+          <p:cNvPr id="15" name="Θέση περιεχομένου 14" descr="Εικόνα που περιέχει κείμενο, γραμμή, διάγραμμα, γράφημα&#10;&#10;Περιγραφή που δημιουργήθηκε αυτόματα">
+            <a:extLst>
+              <a:ext uri="{FF2B5EF4-FFF2-40B4-BE49-F238E27FC236}">
+                <a16:creationId xmlns:a16="http://schemas.microsoft.com/office/drawing/2014/main" id="{1489BB64-7A2D-FA08-8DB9-33FA77C37455}"/>
+              </a:ext>
+            </a:extLst>
+          </p:cNvPr>
+          <p:cNvPicPr>
+            <a:picLocks noGrp="1" noChangeAspect="1"/>
+          </p:cNvPicPr>
+          <p:nvPr>
+            <p:ph idx="1"/>
+          </p:nvPr>
+        </p:nvPicPr>
+        <p:blipFill>
+          <a:blip r:embed="rId2">
+            <a:extLst>
+              <a:ext uri="{28A0092B-C50C-407E-A947-70E740481C1C}">
+                <a14:useLocalDpi xmlns:a14="http://schemas.microsoft.com/office/drawing/2010/main" val="0"/>
+              </a:ext>
+            </a:extLst>
+          </a:blip>
+          <a:stretch>
+            <a:fillRect/>
+          </a:stretch>
+        </p:blipFill>
+        <p:spPr>
+          <a:xfrm>
+            <a:off x="1082189" y="723899"/>
+            <a:ext cx="6135329" cy="6060359"/>
+          </a:xfrm>
+          <a:prstGeom prst="rect">
+            <a:avLst/>
+          </a:prstGeom>
+        </p:spPr>
+      </p:pic>
+      <p:sp>
+        <p:nvSpPr>
+          <p:cNvPr id="63" name="Rectangle 53">
+            <a:extLst>
+              <a:ext uri="{FF2B5EF4-FFF2-40B4-BE49-F238E27FC236}">
+                <a16:creationId xmlns:a16="http://schemas.microsoft.com/office/drawing/2014/main" id="{ADF52CCA-FCDD-49A0-BFFC-3BD41F1B827A}"/>
+              </a:ext>
+              <a:ext uri="{C183D7F6-B498-43B3-948B-1728B52AA6E4}">
+                <adec:decorative xmlns:adec="http://schemas.microsoft.com/office/drawing/2017/decorative" val="1"/>
+              </a:ext>
+            </a:extLst>
+          </p:cNvPr>
+          <p:cNvSpPr>
+            <a:spLocks noGrp="1" noRot="1" noChangeAspect="1" noMove="1" noResize="1" noEditPoints="1" noAdjustHandles="1" noChangeArrowheads="1" noChangeShapeType="1" noTextEdit="1"/>
+          </p:cNvSpPr>
+          <p:nvPr>
+            <p:extLst>
+              <p:ext uri="{386F3935-93C4-4BCD-93E2-E3B085C9AB24}">
+                <p16:designElem xmlns:p16="http://schemas.microsoft.com/office/powerpoint/2015/main" val="1"/>
+              </p:ext>
+            </p:extLst>
+          </p:nvPr>
+        </p:nvSpPr>
+        <p:spPr>
+          <a:xfrm>
+            <a:off x="8042147" y="723899"/>
+            <a:ext cx="3703320" cy="5666666"/>
+          </a:xfrm>
+          <a:prstGeom prst="rect">
+            <a:avLst/>
+          </a:prstGeom>
+          <a:solidFill>
+            <a:schemeClr val="accent1"/>
+          </a:solidFill>
+          <a:ln>
+            <a:noFill/>
+          </a:ln>
+          <a:effectLst/>
+        </p:spPr>
+        <p:style>
+          <a:lnRef idx="1">
+            <a:schemeClr val="accent1"/>
+          </a:lnRef>
+          <a:fillRef idx="3">
+            <a:schemeClr val="accent1"/>
+          </a:fillRef>
+          <a:effectRef idx="2">
+            <a:schemeClr val="accent1"/>
+          </a:effectRef>
+          <a:fontRef idx="minor">
+            <a:schemeClr val="lt1"/>
+          </a:fontRef>
+        </p:style>
+        <p:txBody>
+          <a:bodyPr/>
+          <a:lstStyle/>
+          <a:p>
+            <a:endParaRPr lang="en-US" dirty="0">
+              <a:latin typeface="Abadi" panose="020B0604020104020204" pitchFamily="34" charset="0"/>
+            </a:endParaRPr>
+          </a:p>
+        </p:txBody>
+      </p:sp>
+      <p:sp>
+        <p:nvSpPr>
+          <p:cNvPr id="2" name="Τίτλος 1">
+            <a:extLst>
+              <a:ext uri="{FF2B5EF4-FFF2-40B4-BE49-F238E27FC236}">
+                <a16:creationId xmlns:a16="http://schemas.microsoft.com/office/drawing/2014/main" id="{EACD3EDF-934D-C20F-7AAC-E730A6A343B7}"/>
+              </a:ext>
+            </a:extLst>
+          </p:cNvPr>
+          <p:cNvSpPr>
+            <a:spLocks noGrp="1"/>
+          </p:cNvSpPr>
+          <p:nvPr>
+            <p:ph type="title"/>
+          </p:nvPr>
+        </p:nvSpPr>
+        <p:spPr>
+          <a:xfrm>
+            <a:off x="8296275" y="1419225"/>
+            <a:ext cx="3081576" cy="2085869"/>
+          </a:xfrm>
+        </p:spPr>
+        <p:txBody>
+          <a:bodyPr vert="horz" lIns="91440" tIns="45720" rIns="91440" bIns="45720" rtlCol="0" anchor="b">
+            <a:normAutofit/>
+          </a:bodyPr>
+          <a:lstStyle/>
+          <a:p>
+            <a:pPr>
+              <a:lnSpc>
+                <a:spcPct val="90000"/>
+              </a:lnSpc>
+            </a:pPr>
+            <a:r>
+              <a:rPr lang="en-US" sz="3600" dirty="0" err="1">
+                <a:solidFill>
+                  <a:srgbClr val="FFFFFF"/>
+                </a:solidFill>
+                <a:latin typeface="+mj-lt"/>
+              </a:rPr>
+              <a:t>Οριζοντι</a:t>
+            </a:r>
+            <a:r>
+              <a:rPr lang="en-US" sz="3600" dirty="0">
+                <a:solidFill>
+                  <a:srgbClr val="FFFFFF"/>
+                </a:solidFill>
+                <a:latin typeface="+mj-lt"/>
+              </a:rPr>
+              <a:t>α ισοτητα στο EU ETS </a:t>
+            </a:r>
+            <a:br>
+              <a:rPr lang="en-US" sz="3600" dirty="0">
+                <a:solidFill>
+                  <a:srgbClr val="FFFFFF"/>
+                </a:solidFill>
+                <a:latin typeface="+mj-lt"/>
+              </a:rPr>
+            </a:br>
+            <a:r>
+              <a:rPr lang="en-US" sz="3600" dirty="0">
+                <a:solidFill>
+                  <a:srgbClr val="FFFFFF"/>
+                </a:solidFill>
+                <a:latin typeface="+mj-lt"/>
+              </a:rPr>
+              <a:t> Πειραμα 2</a:t>
+            </a:r>
+          </a:p>
+        </p:txBody>
+      </p:sp>
+      <p:sp>
+        <p:nvSpPr>
+          <p:cNvPr id="3" name="Ορθογώνιο 2">
+            <a:extLst>
+              <a:ext uri="{FF2B5EF4-FFF2-40B4-BE49-F238E27FC236}">
+                <a16:creationId xmlns:a16="http://schemas.microsoft.com/office/drawing/2014/main" id="{F6806781-A084-221B-D692-49416637645B}"/>
+              </a:ext>
+            </a:extLst>
+          </p:cNvPr>
+          <p:cNvSpPr/>
+          <p:nvPr/>
+        </p:nvSpPr>
+        <p:spPr>
+          <a:xfrm>
+            <a:off x="0" y="17584"/>
+            <a:ext cx="12192000" cy="6858000"/>
+          </a:xfrm>
+          <a:prstGeom prst="rect">
+            <a:avLst/>
+          </a:prstGeom>
+          <a:solidFill>
+            <a:srgbClr val="4D1434">
+              <a:alpha val="30196"/>
+            </a:srgbClr>
+          </a:solidFill>
+        </p:spPr>
+        <p:style>
+          <a:lnRef idx="2">
+            <a:schemeClr val="accent1">
+              <a:shade val="15000"/>
+            </a:schemeClr>
+          </a:lnRef>
+          <a:fillRef idx="1">
+            <a:schemeClr val="accent1"/>
+          </a:fillRef>
+          <a:effectRef idx="0">
+            <a:schemeClr val="accent1"/>
+          </a:effectRef>
+          <a:fontRef idx="minor">
+            <a:schemeClr val="lt1"/>
+          </a:fontRef>
+        </p:style>
+        <p:txBody>
+          <a:bodyPr rtlCol="0" anchor="ctr"/>
+          <a:lstStyle/>
+          <a:p>
+            <a:pPr algn="ctr"/>
+            <a:endParaRPr lang="en-US" dirty="0"/>
+          </a:p>
+        </p:txBody>
+      </p:sp>
+    </p:spTree>
+    <p:extLst>
+      <p:ext uri="{BB962C8B-B14F-4D97-AF65-F5344CB8AC3E}">
+        <p14:creationId xmlns:p14="http://schemas.microsoft.com/office/powerpoint/2010/main" val="89073855"/>
+      </p:ext>
+    </p:extLst>
+  </p:cSld>
+  <p:clrMapOvr>
+    <a:masterClrMapping/>
+  </p:clrMapOvr>
+</p:sld>
+</file>
+
+<file path=ppt/slides/slide4.xml><?xml version="1.0" encoding="utf-8"?>
+<p:sld xmlns:a="http://schemas.openxmlformats.org/drawingml/2006/main" xmlns:r="http://schemas.openxmlformats.org/officeDocument/2006/relationships" xmlns:p="http://schemas.openxmlformats.org/presentationml/2006/main">
+  <p:cSld>
+    <p:spTree>
+      <p:nvGrpSpPr>
+        <p:cNvPr id="1" name=""/>
+        <p:cNvGrpSpPr/>
+        <p:nvPr/>
+      </p:nvGrpSpPr>
+      <p:grpSpPr>
+        <a:xfrm>
+          <a:off x="0" y="0"/>
+          <a:ext cx="0" cy="0"/>
+          <a:chOff x="0" y="0"/>
+          <a:chExt cx="0" cy="0"/>
+        </a:xfrm>
+      </p:grpSpPr>
+      <p:sp>
+        <p:nvSpPr>
+          <p:cNvPr id="2" name="Τίτλος 1">
+            <a:extLst>
+              <a:ext uri="{FF2B5EF4-FFF2-40B4-BE49-F238E27FC236}">
+                <a16:creationId xmlns:a16="http://schemas.microsoft.com/office/drawing/2014/main" id="{70E0E720-D746-D624-675E-CB6B9F0BB109}"/>
+              </a:ext>
+            </a:extLst>
+          </p:cNvPr>
+          <p:cNvSpPr>
+            <a:spLocks noGrp="1"/>
+          </p:cNvSpPr>
+          <p:nvPr>
+            <p:ph type="title"/>
+          </p:nvPr>
+        </p:nvSpPr>
+        <p:spPr/>
+        <p:txBody>
+          <a:bodyPr/>
+          <a:lstStyle/>
+          <a:p>
+            <a:r>
+              <a:rPr lang="el-GR" dirty="0" err="1">
+                <a:latin typeface="Georgia" panose="02040502050405020303" pitchFamily="18" charset="0"/>
+              </a:rPr>
+              <a:t>Μοιραζοντασ</a:t>
+            </a:r>
+            <a:r>
+              <a:rPr lang="el-GR" dirty="0"/>
+              <a:t> </a:t>
+            </a:r>
+            <a:r>
+              <a:rPr lang="el-GR" dirty="0" err="1"/>
+              <a:t>δικαια</a:t>
+            </a:r>
+            <a:endParaRPr lang="en-US" dirty="0"/>
+          </a:p>
+        </p:txBody>
+      </p:sp>
+      <p:sp>
+        <p:nvSpPr>
+          <p:cNvPr id="3" name="Θέση κειμένου 2">
+            <a:extLst>
+              <a:ext uri="{FF2B5EF4-FFF2-40B4-BE49-F238E27FC236}">
+                <a16:creationId xmlns:a16="http://schemas.microsoft.com/office/drawing/2014/main" id="{48938B4D-A4CB-B546-0F66-06C845EC85E2}"/>
+              </a:ext>
+            </a:extLst>
+          </p:cNvPr>
+          <p:cNvSpPr>
+            <a:spLocks noGrp="1"/>
+          </p:cNvSpPr>
+          <p:nvPr>
+            <p:ph type="body" idx="1"/>
+          </p:nvPr>
+        </p:nvSpPr>
+        <p:spPr/>
+        <p:txBody>
+          <a:bodyPr/>
+          <a:lstStyle/>
+          <a:p>
+            <a:endParaRPr lang="en-US"/>
+          </a:p>
+        </p:txBody>
+      </p:sp>
+    </p:spTree>
+    <p:extLst>
+      <p:ext uri="{BB962C8B-B14F-4D97-AF65-F5344CB8AC3E}">
+        <p14:creationId xmlns:p14="http://schemas.microsoft.com/office/powerpoint/2010/main" val="284151725"/>
+      </p:ext>
+    </p:extLst>
+  </p:cSld>
+  <p:clrMapOvr>
+    <a:masterClrMapping/>
+  </p:clrMapOvr>
+</p:sld>
+</file>
+
+<file path=ppt/slides/slide40.xml><?xml version="1.0" encoding="utf-8"?>
+<p:sld xmlns:a="http://schemas.openxmlformats.org/drawingml/2006/main" xmlns:r="http://schemas.openxmlformats.org/officeDocument/2006/relationships" xmlns:p="http://schemas.openxmlformats.org/presentationml/2006/main">
+  <p:cSld>
+    <p:spTree>
+      <p:nvGrpSpPr>
+        <p:cNvPr id="1" name="">
+          <a:extLst>
+            <a:ext uri="{FF2B5EF4-FFF2-40B4-BE49-F238E27FC236}">
+              <a16:creationId xmlns:a16="http://schemas.microsoft.com/office/drawing/2014/main" id="{7E7F5EF7-5C53-860C-2816-69ED5BDEA5DB}"/>
+            </a:ext>
+          </a:extLst>
+        </p:cNvPr>
+        <p:cNvGrpSpPr/>
+        <p:nvPr/>
+      </p:nvGrpSpPr>
+      <p:grpSpPr>
+        <a:xfrm>
+          <a:off x="0" y="0"/>
+          <a:ext cx="0" cy="0"/>
+          <a:chOff x="0" y="0"/>
+          <a:chExt cx="0" cy="0"/>
+        </a:xfrm>
+      </p:grpSpPr>
+      <p:sp>
+        <p:nvSpPr>
+          <p:cNvPr id="2" name="Τίτλος 1">
+            <a:extLst>
+              <a:ext uri="{FF2B5EF4-FFF2-40B4-BE49-F238E27FC236}">
+                <a16:creationId xmlns:a16="http://schemas.microsoft.com/office/drawing/2014/main" id="{C4FF7A7B-4ED8-5677-2EB6-CBCB82C78911}"/>
+              </a:ext>
+            </a:extLst>
+          </p:cNvPr>
+          <p:cNvSpPr>
+            <a:spLocks noGrp="1"/>
+          </p:cNvSpPr>
+          <p:nvPr>
+            <p:ph type="title"/>
+          </p:nvPr>
+        </p:nvSpPr>
+        <p:spPr/>
+        <p:txBody>
+          <a:bodyPr/>
+          <a:lstStyle/>
+          <a:p>
+            <a:r>
+              <a:rPr lang="el-GR" dirty="0" err="1">
+                <a:latin typeface="Georgia" panose="02040502050405020303" pitchFamily="18" charset="0"/>
+              </a:rPr>
+              <a:t>Οριζοντια</a:t>
+            </a:r>
+            <a:r>
+              <a:rPr lang="el-GR" dirty="0">
+                <a:latin typeface="Georgia" panose="02040502050405020303" pitchFamily="18" charset="0"/>
+              </a:rPr>
+              <a:t> </a:t>
+            </a:r>
+            <a:r>
+              <a:rPr lang="el-GR" dirty="0" err="1">
+                <a:latin typeface="Georgia" panose="02040502050405020303" pitchFamily="18" charset="0"/>
+              </a:rPr>
+              <a:t>ισοτητα</a:t>
+            </a:r>
+            <a:r>
+              <a:rPr lang="el-GR" dirty="0">
+                <a:latin typeface="Georgia" panose="02040502050405020303" pitchFamily="18" charset="0"/>
+              </a:rPr>
+              <a:t> σε </a:t>
+            </a:r>
+            <a:r>
+              <a:rPr lang="el-GR" dirty="0" err="1">
+                <a:latin typeface="Georgia" panose="02040502050405020303" pitchFamily="18" charset="0"/>
+              </a:rPr>
+              <a:t>τμηματα</a:t>
+            </a:r>
+            <a:r>
+              <a:rPr lang="el-GR" dirty="0">
+                <a:latin typeface="Georgia" panose="02040502050405020303" pitchFamily="18" charset="0"/>
+              </a:rPr>
+              <a:t> του </a:t>
+            </a:r>
+            <a:r>
+              <a:rPr lang="el-GR" dirty="0" err="1">
+                <a:latin typeface="Georgia" panose="02040502050405020303" pitchFamily="18" charset="0"/>
+              </a:rPr>
+              <a:t>δειγματοσ</a:t>
+            </a:r>
+            <a:endParaRPr lang="en-US" dirty="0">
+              <a:latin typeface="Georgia" panose="02040502050405020303" pitchFamily="18" charset="0"/>
+            </a:endParaRPr>
+          </a:p>
+        </p:txBody>
+      </p:sp>
+      <p:pic>
+        <p:nvPicPr>
+          <p:cNvPr id="7" name="Θέση περιεχομένου 6" descr="Εικόνα που περιέχει κείμενο, χάρτης, Άτλας&#10;&#10;Περιγραφή που δημιουργήθηκε αυτόματα">
+            <a:extLst>
+              <a:ext uri="{FF2B5EF4-FFF2-40B4-BE49-F238E27FC236}">
+                <a16:creationId xmlns:a16="http://schemas.microsoft.com/office/drawing/2014/main" id="{C8B0BD2B-58B9-5111-B6C4-5A7A4CA52708}"/>
+              </a:ext>
+            </a:extLst>
+          </p:cNvPr>
+          <p:cNvPicPr>
+            <a:picLocks noGrp="1" noChangeAspect="1"/>
+          </p:cNvPicPr>
+          <p:nvPr>
+            <p:ph idx="1"/>
+          </p:nvPr>
+        </p:nvPicPr>
+        <p:blipFill>
+          <a:blip r:embed="rId2">
+            <a:extLst>
+              <a:ext uri="{28A0092B-C50C-407E-A947-70E740481C1C}">
+                <a14:useLocalDpi xmlns:a14="http://schemas.microsoft.com/office/drawing/2010/main" val="0"/>
+              </a:ext>
+            </a:extLst>
+          </a:blip>
+          <a:stretch>
+            <a:fillRect/>
+          </a:stretch>
+        </p:blipFill>
+        <p:spPr>
+          <a:xfrm>
+            <a:off x="1673820" y="2116732"/>
+            <a:ext cx="2758479" cy="2624535"/>
+          </a:xfrm>
+        </p:spPr>
+      </p:pic>
+      <p:pic>
+        <p:nvPicPr>
+          <p:cNvPr id="11" name="Εικόνα 10">
+            <a:extLst>
+              <a:ext uri="{FF2B5EF4-FFF2-40B4-BE49-F238E27FC236}">
+                <a16:creationId xmlns:a16="http://schemas.microsoft.com/office/drawing/2014/main" id="{1A274D53-B114-036F-EBCD-2B7E8C799296}"/>
+              </a:ext>
+            </a:extLst>
+          </p:cNvPr>
+          <p:cNvPicPr>
+            <a:picLocks noChangeAspect="1"/>
+          </p:cNvPicPr>
+          <p:nvPr/>
+        </p:nvPicPr>
+        <p:blipFill>
+          <a:blip r:embed="rId3">
+            <a:extLst>
+              <a:ext uri="{28A0092B-C50C-407E-A947-70E740481C1C}">
+                <a14:useLocalDpi xmlns:a14="http://schemas.microsoft.com/office/drawing/2010/main" val="0"/>
+              </a:ext>
+            </a:extLst>
+          </a:blip>
+          <a:srcRect/>
+          <a:stretch/>
+        </p:blipFill>
+        <p:spPr>
+          <a:xfrm>
+            <a:off x="5756109" y="1981200"/>
+            <a:ext cx="5854700" cy="4391025"/>
+          </a:xfrm>
+          <a:prstGeom prst="rect">
+            <a:avLst/>
+          </a:prstGeom>
+        </p:spPr>
+      </p:pic>
+      <p:graphicFrame>
+        <p:nvGraphicFramePr>
+          <p:cNvPr id="14" name="Πίνακας 13">
+            <a:extLst>
+              <a:ext uri="{FF2B5EF4-FFF2-40B4-BE49-F238E27FC236}">
+                <a16:creationId xmlns:a16="http://schemas.microsoft.com/office/drawing/2014/main" id="{D82E4E49-A218-F0F8-8EFE-11FD0D288194}"/>
+              </a:ext>
+            </a:extLst>
+          </p:cNvPr>
+          <p:cNvGraphicFramePr>
+            <a:graphicFrameLocks noGrp="1"/>
+          </p:cNvGraphicFramePr>
+          <p:nvPr>
+            <p:extLst>
+              <p:ext uri="{D42A27DB-BD31-4B8C-83A1-F6EECF244321}">
+                <p14:modId xmlns:p14="http://schemas.microsoft.com/office/powerpoint/2010/main" val="892278679"/>
+              </p:ext>
+            </p:extLst>
+          </p:nvPr>
+        </p:nvGraphicFramePr>
+        <p:xfrm>
+          <a:off x="581191" y="4924084"/>
+          <a:ext cx="5006808" cy="1371600"/>
+        </p:xfrm>
+        <a:graphic>
+          <a:graphicData uri="http://schemas.openxmlformats.org/drawingml/2006/table">
+            <a:tbl>
+              <a:tblPr firstRow="1" bandRow="1">
+                <a:tableStyleId>{5C22544A-7EE6-4342-B048-85BDC9FD1C3A}</a:tableStyleId>
+              </a:tblPr>
+              <a:tblGrid>
+                <a:gridCol w="1668936">
+                  <a:extLst>
+                    <a:ext uri="{9D8B030D-6E8A-4147-A177-3AD203B41FA5}">
+                      <a16:colId xmlns:a16="http://schemas.microsoft.com/office/drawing/2014/main" val="983591351"/>
+                    </a:ext>
+                  </a:extLst>
+                </a:gridCol>
+                <a:gridCol w="1668936">
+                  <a:extLst>
+                    <a:ext uri="{9D8B030D-6E8A-4147-A177-3AD203B41FA5}">
+                      <a16:colId xmlns:a16="http://schemas.microsoft.com/office/drawing/2014/main" val="499500019"/>
+                    </a:ext>
+                  </a:extLst>
+                </a:gridCol>
+                <a:gridCol w="1668936">
+                  <a:extLst>
+                    <a:ext uri="{9D8B030D-6E8A-4147-A177-3AD203B41FA5}">
+                      <a16:colId xmlns:a16="http://schemas.microsoft.com/office/drawing/2014/main" val="3292724836"/>
+                    </a:ext>
+                  </a:extLst>
+                </a:gridCol>
+              </a:tblGrid>
+              <a:tr h="337933">
+                <a:tc gridSpan="3">
+                  <a:txBody>
+                    <a:bodyPr/>
+                    <a:lstStyle/>
+                    <a:p>
+                      <a:pPr algn="ctr"/>
+                      <a:r>
+                        <a:rPr lang="el-GR" dirty="0">
+                          <a:latin typeface="Georgia" panose="02040502050405020303" pitchFamily="18" charset="0"/>
+                        </a:rPr>
+                        <a:t>Συνολική παρεχόμενη ενέργεια</a:t>
+                      </a:r>
+                      <a:r>
+                        <a:rPr lang="en-US" dirty="0">
+                          <a:latin typeface="Georgia" panose="02040502050405020303" pitchFamily="18" charset="0"/>
+                        </a:rPr>
+                        <a:t> x energy Intensity</a:t>
+                      </a:r>
+                      <a:r>
+                        <a:rPr lang="el-GR" dirty="0">
+                          <a:latin typeface="Georgia" panose="02040502050405020303" pitchFamily="18" charset="0"/>
+                        </a:rPr>
+                        <a:t> </a:t>
+                      </a:r>
+                      <a:r>
+                        <a:rPr lang="en-US" dirty="0">
+                          <a:latin typeface="Georgia" panose="02040502050405020303" pitchFamily="18" charset="0"/>
+                        </a:rPr>
+                        <a:t>(r^2) </a:t>
+                      </a:r>
+                      <a:r>
+                        <a:rPr lang="el-GR" dirty="0">
+                          <a:latin typeface="Georgia" panose="02040502050405020303" pitchFamily="18" charset="0"/>
+                        </a:rPr>
+                        <a:t>Φάση ΙΙΙ</a:t>
+                      </a:r>
+                      <a:endParaRPr lang="en-US" dirty="0">
+                        <a:latin typeface="Georgia" panose="02040502050405020303" pitchFamily="18" charset="0"/>
+                      </a:endParaRPr>
+                    </a:p>
+                  </a:txBody>
+                  <a:tcPr/>
+                </a:tc>
+                <a:tc hMerge="1">
+                  <a:txBody>
+                    <a:bodyPr/>
+                    <a:lstStyle/>
+                    <a:p>
+                      <a:endParaRPr lang="en-US" dirty="0"/>
+                    </a:p>
+                  </a:txBody>
+                  <a:tcPr/>
+                </a:tc>
+                <a:tc hMerge="1">
+                  <a:txBody>
+                    <a:bodyPr/>
+                    <a:lstStyle/>
+                    <a:p>
+                      <a:endParaRPr lang="en-US" dirty="0"/>
+                    </a:p>
+                  </a:txBody>
+                  <a:tcPr/>
+                </a:tc>
+                <a:extLst>
+                  <a:ext uri="{0D108BD9-81ED-4DB2-BD59-A6C34878D82A}">
+                    <a16:rowId xmlns:a16="http://schemas.microsoft.com/office/drawing/2014/main" val="3859546045"/>
+                  </a:ext>
+                </a:extLst>
+              </a:tr>
+              <a:tr h="337933">
+                <a:tc>
+                  <a:txBody>
+                    <a:bodyPr/>
+                    <a:lstStyle/>
+                    <a:p>
+                      <a:r>
+                        <a:rPr lang="el-GR" dirty="0">
+                          <a:solidFill>
+                            <a:srgbClr val="D72F26"/>
+                          </a:solidFill>
+                          <a:latin typeface="Georgia" panose="02040502050405020303" pitchFamily="18" charset="0"/>
+                        </a:rPr>
+                        <a:t>Συστάδα 1</a:t>
+                      </a:r>
+                      <a:endParaRPr lang="en-US" dirty="0">
+                        <a:solidFill>
+                          <a:srgbClr val="D72F26"/>
+                        </a:solidFill>
+                        <a:latin typeface="Georgia" panose="02040502050405020303" pitchFamily="18" charset="0"/>
+                      </a:endParaRPr>
+                    </a:p>
+                  </a:txBody>
+                  <a:tcPr/>
+                </a:tc>
+                <a:tc>
+                  <a:txBody>
+                    <a:bodyPr/>
+                    <a:lstStyle/>
+                    <a:p>
+                      <a:r>
+                        <a:rPr lang="el-GR" dirty="0">
+                          <a:solidFill>
+                            <a:srgbClr val="32A02A"/>
+                          </a:solidFill>
+                          <a:latin typeface="Georgia" panose="02040502050405020303" pitchFamily="18" charset="0"/>
+                        </a:rPr>
+                        <a:t>Συστάδα 2 </a:t>
+                      </a:r>
+                      <a:endParaRPr lang="en-US" dirty="0">
+                        <a:solidFill>
+                          <a:srgbClr val="32A02A"/>
+                        </a:solidFill>
+                        <a:latin typeface="Georgia" panose="02040502050405020303" pitchFamily="18" charset="0"/>
+                      </a:endParaRPr>
+                    </a:p>
+                  </a:txBody>
+                  <a:tcPr/>
+                </a:tc>
+                <a:tc>
+                  <a:txBody>
+                    <a:bodyPr/>
+                    <a:lstStyle/>
+                    <a:p>
+                      <a:r>
+                        <a:rPr lang="el-GR" dirty="0">
+                          <a:solidFill>
+                            <a:srgbClr val="1C91C0"/>
+                          </a:solidFill>
+                          <a:latin typeface="Georgia" panose="02040502050405020303" pitchFamily="18" charset="0"/>
+                        </a:rPr>
+                        <a:t>Συστάδα 3</a:t>
+                      </a:r>
+                      <a:endParaRPr lang="en-US" dirty="0">
+                        <a:solidFill>
+                          <a:srgbClr val="1C91C0"/>
+                        </a:solidFill>
+                        <a:latin typeface="Georgia" panose="02040502050405020303" pitchFamily="18" charset="0"/>
+                      </a:endParaRPr>
+                    </a:p>
+                  </a:txBody>
+                  <a:tcPr/>
+                </a:tc>
+                <a:extLst>
+                  <a:ext uri="{0D108BD9-81ED-4DB2-BD59-A6C34878D82A}">
+                    <a16:rowId xmlns:a16="http://schemas.microsoft.com/office/drawing/2014/main" val="730106978"/>
+                  </a:ext>
+                </a:extLst>
+              </a:tr>
+              <a:tr h="337933">
+                <a:tc>
+                  <a:txBody>
+                    <a:bodyPr/>
+                    <a:lstStyle/>
+                    <a:p>
+                      <a:r>
+                        <a:rPr lang="en-US" dirty="0">
+                          <a:latin typeface="Georgia" panose="02040502050405020303" pitchFamily="18" charset="0"/>
+                        </a:rPr>
+                        <a:t>0.4269</a:t>
+                      </a:r>
+                    </a:p>
+                  </a:txBody>
+                  <a:tcPr/>
+                </a:tc>
+                <a:tc>
+                  <a:txBody>
+                    <a:bodyPr/>
+                    <a:lstStyle/>
+                    <a:p>
+                      <a:r>
+                        <a:rPr lang="en-US" dirty="0">
+                          <a:latin typeface="Georgia" panose="02040502050405020303" pitchFamily="18" charset="0"/>
+                        </a:rPr>
+                        <a:t>0.5703</a:t>
+                      </a:r>
+                    </a:p>
+                  </a:txBody>
+                  <a:tcPr/>
+                </a:tc>
+                <a:tc>
+                  <a:txBody>
+                    <a:bodyPr/>
+                    <a:lstStyle/>
+                    <a:p>
+                      <a:r>
+                        <a:rPr lang="en-US" dirty="0">
+                          <a:latin typeface="Georgia" panose="02040502050405020303" pitchFamily="18" charset="0"/>
+                        </a:rPr>
+                        <a:t>0.9140</a:t>
+                      </a:r>
+                    </a:p>
+                  </a:txBody>
+                  <a:tcPr/>
+                </a:tc>
+                <a:extLst>
+                  <a:ext uri="{0D108BD9-81ED-4DB2-BD59-A6C34878D82A}">
+                    <a16:rowId xmlns:a16="http://schemas.microsoft.com/office/drawing/2014/main" val="4096866415"/>
+                  </a:ext>
+                </a:extLst>
+              </a:tr>
+            </a:tbl>
+          </a:graphicData>
+        </a:graphic>
+      </p:graphicFrame>
+      <p:sp>
+        <p:nvSpPr>
+          <p:cNvPr id="3" name="Ορθογώνιο 2">
+            <a:extLst>
+              <a:ext uri="{FF2B5EF4-FFF2-40B4-BE49-F238E27FC236}">
+                <a16:creationId xmlns:a16="http://schemas.microsoft.com/office/drawing/2014/main" id="{65302A86-C303-6200-67FC-056944CCD15A}"/>
+              </a:ext>
+            </a:extLst>
+          </p:cNvPr>
+          <p:cNvSpPr/>
+          <p:nvPr/>
+        </p:nvSpPr>
+        <p:spPr>
+          <a:xfrm>
+            <a:off x="0" y="-1"/>
+            <a:ext cx="12192000" cy="6858000"/>
+          </a:xfrm>
+          <a:prstGeom prst="rect">
+            <a:avLst/>
+          </a:prstGeom>
+          <a:solidFill>
+            <a:srgbClr val="4D1434">
+              <a:alpha val="30196"/>
+            </a:srgbClr>
+          </a:solidFill>
+        </p:spPr>
+        <p:style>
+          <a:lnRef idx="2">
+            <a:schemeClr val="accent1">
+              <a:shade val="15000"/>
+            </a:schemeClr>
+          </a:lnRef>
+          <a:fillRef idx="1">
+            <a:schemeClr val="accent1"/>
+          </a:fillRef>
+          <a:effectRef idx="0">
+            <a:schemeClr val="accent1"/>
+          </a:effectRef>
+          <a:fontRef idx="minor">
+            <a:schemeClr val="lt1"/>
+          </a:fontRef>
+        </p:style>
+        <p:txBody>
+          <a:bodyPr rtlCol="0" anchor="ctr"/>
+          <a:lstStyle/>
+          <a:p>
+            <a:pPr algn="ctr"/>
+            <a:endParaRPr lang="en-US" dirty="0"/>
+          </a:p>
+        </p:txBody>
+      </p:sp>
+    </p:spTree>
+    <p:extLst>
+      <p:ext uri="{BB962C8B-B14F-4D97-AF65-F5344CB8AC3E}">
+        <p14:creationId xmlns:p14="http://schemas.microsoft.com/office/powerpoint/2010/main" val="4029024108"/>
+      </p:ext>
+    </p:extLst>
+  </p:cSld>
+  <p:clrMapOvr>
+    <a:masterClrMapping/>
+  </p:clrMapOvr>
+</p:sld>
+</file>
+
+<file path=ppt/slides/slide41.xml><?xml version="1.0" encoding="utf-8"?>
+<p:sld xmlns:a="http://schemas.openxmlformats.org/drawingml/2006/main" xmlns:r="http://schemas.openxmlformats.org/officeDocument/2006/relationships" xmlns:p="http://schemas.openxmlformats.org/presentationml/2006/main">
+  <p:cSld>
+    <p:bg>
+      <p:bgPr>
+        <a:solidFill>
+          <a:schemeClr val="bg1"/>
+        </a:solidFill>
+        <a:effectLst/>
+      </p:bgPr>
+    </p:bg>
+    <p:spTree>
+      <p:nvGrpSpPr>
+        <p:cNvPr id="1" name="">
+          <a:extLst>
+            <a:ext uri="{FF2B5EF4-FFF2-40B4-BE49-F238E27FC236}">
+              <a16:creationId xmlns:a16="http://schemas.microsoft.com/office/drawing/2014/main" id="{7FCBEEE7-517F-6D25-32F4-BDC049910BDA}"/>
+            </a:ext>
+          </a:extLst>
+        </p:cNvPr>
+        <p:cNvGrpSpPr/>
+        <p:nvPr/>
+      </p:nvGrpSpPr>
+      <p:grpSpPr>
+        <a:xfrm>
+          <a:off x="0" y="0"/>
+          <a:ext cx="0" cy="0"/>
+          <a:chOff x="0" y="0"/>
+          <a:chExt cx="0" cy="0"/>
+        </a:xfrm>
+      </p:grpSpPr>
+      <p:sp>
+        <p:nvSpPr>
+          <p:cNvPr id="37" name="Rectangle 10">
+            <a:extLst>
+              <a:ext uri="{FF2B5EF4-FFF2-40B4-BE49-F238E27FC236}">
+                <a16:creationId xmlns:a16="http://schemas.microsoft.com/office/drawing/2014/main" id="{DB691D59-8F51-4DD8-AD41-D568D29B08F8}"/>
+              </a:ext>
+              <a:ext uri="{C183D7F6-B498-43B3-948B-1728B52AA6E4}">
+                <adec:decorative xmlns:adec="http://schemas.microsoft.com/office/drawing/2017/decorative" val="1"/>
+              </a:ext>
+            </a:extLst>
+          </p:cNvPr>
+          <p:cNvSpPr>
+            <a:spLocks noGrp="1" noRot="1" noChangeAspect="1" noMove="1" noResize="1" noEditPoints="1" noAdjustHandles="1" noChangeArrowheads="1" noChangeShapeType="1" noTextEdit="1"/>
+          </p:cNvSpPr>
+          <p:nvPr>
+            <p:extLst>
+              <p:ext uri="{386F3935-93C4-4BCD-93E2-E3B085C9AB24}">
+                <p16:designElem xmlns:p16="http://schemas.microsoft.com/office/powerpoint/2015/main" val="1"/>
+              </p:ext>
+            </p:extLst>
+          </p:nvPr>
+        </p:nvSpPr>
+        <p:spPr>
+          <a:xfrm>
+            <a:off x="446534" y="457200"/>
+            <a:ext cx="3703320" cy="94997"/>
+          </a:xfrm>
+          <a:prstGeom prst="rect">
+            <a:avLst/>
+          </a:prstGeom>
+          <a:solidFill>
+            <a:schemeClr val="accent1"/>
+          </a:solidFill>
+          <a:ln>
+            <a:noFill/>
+          </a:ln>
+          <a:effectLst/>
+        </p:spPr>
+        <p:style>
+          <a:lnRef idx="1">
+            <a:schemeClr val="accent1"/>
+          </a:lnRef>
+          <a:fillRef idx="3">
+            <a:schemeClr val="accent1"/>
+          </a:fillRef>
+          <a:effectRef idx="2">
+            <a:schemeClr val="accent1"/>
+          </a:effectRef>
+          <a:fontRef idx="minor">
+            <a:schemeClr val="lt1"/>
+          </a:fontRef>
+        </p:style>
+        <p:txBody>
+          <a:bodyPr/>
+          <a:lstStyle/>
+          <a:p>
+            <a:endParaRPr lang="en-US" dirty="0">
+              <a:latin typeface="Abadi" panose="020B0604020104020204" pitchFamily="34" charset="0"/>
+            </a:endParaRPr>
+          </a:p>
+        </p:txBody>
+      </p:sp>
+      <p:sp>
+        <p:nvSpPr>
+          <p:cNvPr id="38" name="Rectangle 12">
+            <a:extLst>
+              <a:ext uri="{FF2B5EF4-FFF2-40B4-BE49-F238E27FC236}">
+                <a16:creationId xmlns:a16="http://schemas.microsoft.com/office/drawing/2014/main" id="{204AEF18-0627-48F3-9B3D-F7E8F050B1D4}"/>
+              </a:ext>
+              <a:ext uri="{C183D7F6-B498-43B3-948B-1728B52AA6E4}">
+                <adec:decorative xmlns:adec="http://schemas.microsoft.com/office/drawing/2017/decorative" val="1"/>
+              </a:ext>
+            </a:extLst>
+          </p:cNvPr>
+          <p:cNvSpPr>
+            <a:spLocks noGrp="1" noRot="1" noChangeAspect="1" noMove="1" noResize="1" noEditPoints="1" noAdjustHandles="1" noChangeArrowheads="1" noChangeShapeType="1" noTextEdit="1"/>
+          </p:cNvSpPr>
+          <p:nvPr>
+            <p:extLst>
+              <p:ext uri="{386F3935-93C4-4BCD-93E2-E3B085C9AB24}">
+                <p16:designElem xmlns:p16="http://schemas.microsoft.com/office/powerpoint/2015/main" val="1"/>
+              </p:ext>
+            </p:extLst>
+          </p:nvPr>
+        </p:nvSpPr>
+        <p:spPr>
+          <a:xfrm>
+            <a:off x="8042147" y="453643"/>
+            <a:ext cx="3703320" cy="98554"/>
+          </a:xfrm>
+          <a:prstGeom prst="rect">
+            <a:avLst/>
+          </a:prstGeom>
+          <a:solidFill>
+            <a:schemeClr val="accent4"/>
+          </a:solidFill>
+          <a:ln>
+            <a:noFill/>
+          </a:ln>
+          <a:effectLst/>
+        </p:spPr>
+        <p:style>
+          <a:lnRef idx="1">
+            <a:schemeClr val="accent1"/>
+          </a:lnRef>
+          <a:fillRef idx="3">
+            <a:schemeClr val="accent1"/>
+          </a:fillRef>
+          <a:effectRef idx="2">
+            <a:schemeClr val="accent1"/>
+          </a:effectRef>
+          <a:fontRef idx="minor">
+            <a:schemeClr val="lt1"/>
+          </a:fontRef>
+        </p:style>
+        <p:txBody>
+          <a:bodyPr/>
+          <a:lstStyle/>
+          <a:p>
+            <a:endParaRPr lang="en-US" dirty="0">
+              <a:latin typeface="Abadi" panose="020B0604020104020204" pitchFamily="34" charset="0"/>
+            </a:endParaRPr>
+          </a:p>
+        </p:txBody>
+      </p:sp>
+      <p:sp>
+        <p:nvSpPr>
+          <p:cNvPr id="39" name="Rectangle 14">
+            <a:extLst>
+              <a:ext uri="{FF2B5EF4-FFF2-40B4-BE49-F238E27FC236}">
+                <a16:creationId xmlns:a16="http://schemas.microsoft.com/office/drawing/2014/main" id="{CEAEE08A-C572-438F-9753-B0D527A515A7}"/>
+              </a:ext>
+              <a:ext uri="{C183D7F6-B498-43B3-948B-1728B52AA6E4}">
+                <adec:decorative xmlns:adec="http://schemas.microsoft.com/office/drawing/2017/decorative" val="1"/>
+              </a:ext>
+            </a:extLst>
+          </p:cNvPr>
+          <p:cNvSpPr>
+            <a:spLocks noGrp="1" noRot="1" noChangeAspect="1" noMove="1" noResize="1" noEditPoints="1" noAdjustHandles="1" noChangeArrowheads="1" noChangeShapeType="1" noTextEdit="1"/>
+          </p:cNvSpPr>
+          <p:nvPr>
+            <p:extLst>
+              <p:ext uri="{386F3935-93C4-4BCD-93E2-E3B085C9AB24}">
+                <p16:designElem xmlns:p16="http://schemas.microsoft.com/office/powerpoint/2015/main" val="1"/>
+              </p:ext>
+            </p:extLst>
+          </p:nvPr>
+        </p:nvSpPr>
+        <p:spPr>
+          <a:xfrm>
+            <a:off x="4241830" y="457200"/>
+            <a:ext cx="3703320" cy="91440"/>
+          </a:xfrm>
+          <a:prstGeom prst="rect">
+            <a:avLst/>
+          </a:prstGeom>
+          <a:solidFill>
+            <a:schemeClr val="accent2"/>
+          </a:solidFill>
+          <a:ln>
+            <a:noFill/>
+          </a:ln>
+          <a:effectLst/>
+        </p:spPr>
+        <p:style>
+          <a:lnRef idx="1">
+            <a:schemeClr val="accent1"/>
+          </a:lnRef>
+          <a:fillRef idx="3">
+            <a:schemeClr val="accent1"/>
+          </a:fillRef>
+          <a:effectRef idx="2">
+            <a:schemeClr val="accent1"/>
+          </a:effectRef>
+          <a:fontRef idx="minor">
+            <a:schemeClr val="lt1"/>
+          </a:fontRef>
+        </p:style>
+        <p:txBody>
+          <a:bodyPr/>
+          <a:lstStyle/>
+          <a:p>
+            <a:endParaRPr lang="en-US" dirty="0">
+              <a:latin typeface="Abadi" panose="020B0604020104020204" pitchFamily="34" charset="0"/>
+            </a:endParaRPr>
+          </a:p>
+        </p:txBody>
+      </p:sp>
+      <p:sp>
+        <p:nvSpPr>
+          <p:cNvPr id="40" name="Rectangle 16">
+            <a:extLst>
+              <a:ext uri="{FF2B5EF4-FFF2-40B4-BE49-F238E27FC236}">
+                <a16:creationId xmlns:a16="http://schemas.microsoft.com/office/drawing/2014/main" id="{DB93146F-62ED-4C59-844C-0935D0FB5031}"/>
+              </a:ext>
+              <a:ext uri="{C183D7F6-B498-43B3-948B-1728B52AA6E4}">
+                <adec:decorative xmlns:adec="http://schemas.microsoft.com/office/drawing/2017/decorative" val="1"/>
+              </a:ext>
+            </a:extLst>
+          </p:cNvPr>
+          <p:cNvSpPr>
+            <a:spLocks noGrp="1" noRot="1" noChangeAspect="1" noMove="1" noResize="1" noEditPoints="1" noAdjustHandles="1" noChangeArrowheads="1" noChangeShapeType="1" noTextEdit="1"/>
+          </p:cNvSpPr>
+          <p:nvPr>
+            <p:extLst>
+              <p:ext uri="{386F3935-93C4-4BCD-93E2-E3B085C9AB24}">
+                <p16:designElem xmlns:p16="http://schemas.microsoft.com/office/powerpoint/2015/main" val="1"/>
+              </p:ext>
+            </p:extLst>
+          </p:nvPr>
+        </p:nvSpPr>
+        <p:spPr>
+          <a:xfrm>
+            <a:off x="446534" y="3085765"/>
+            <a:ext cx="11262866" cy="3304800"/>
+          </a:xfrm>
+          <a:prstGeom prst="rect">
+            <a:avLst/>
+          </a:prstGeom>
+          <a:solidFill>
+            <a:schemeClr val="accent1"/>
+          </a:solidFill>
+          <a:ln>
+            <a:noFill/>
+          </a:ln>
+          <a:effectLst/>
+        </p:spPr>
+        <p:style>
+          <a:lnRef idx="1">
+            <a:schemeClr val="accent1"/>
+          </a:lnRef>
+          <a:fillRef idx="3">
+            <a:schemeClr val="accent1"/>
+          </a:fillRef>
+          <a:effectRef idx="2">
+            <a:schemeClr val="accent1"/>
+          </a:effectRef>
+          <a:fontRef idx="minor">
+            <a:schemeClr val="lt1"/>
+          </a:fontRef>
+        </p:style>
+        <p:txBody>
+          <a:bodyPr/>
+          <a:lstStyle/>
+          <a:p>
+            <a:endParaRPr lang="en-US" dirty="0">
+              <a:latin typeface="Abadi" panose="020B0604020104020204" pitchFamily="34" charset="0"/>
+            </a:endParaRPr>
+          </a:p>
+        </p:txBody>
+      </p:sp>
+      <p:sp useBgFill="1">
+        <p:nvSpPr>
+          <p:cNvPr id="41" name="Rectangle 18">
+            <a:extLst>
+              <a:ext uri="{FF2B5EF4-FFF2-40B4-BE49-F238E27FC236}">
+                <a16:creationId xmlns:a16="http://schemas.microsoft.com/office/drawing/2014/main" id="{BF3D65BA-1C65-40FB-92EF-83951BDC1D7C}"/>
+              </a:ext>
+              <a:ext uri="{C183D7F6-B498-43B3-948B-1728B52AA6E4}">
+                <adec:decorative xmlns:adec="http://schemas.microsoft.com/office/drawing/2017/decorative" val="1"/>
+              </a:ext>
+            </a:extLst>
+          </p:cNvPr>
+          <p:cNvSpPr>
+            <a:spLocks noGrp="1" noRot="1" noChangeAspect="1" noMove="1" noResize="1" noEditPoints="1" noAdjustHandles="1" noChangeArrowheads="1" noChangeShapeType="1" noTextEdit="1"/>
+          </p:cNvSpPr>
+          <p:nvPr>
+            <p:extLst>
+              <p:ext uri="{386F3935-93C4-4BCD-93E2-E3B085C9AB24}">
+                <p16:designElem xmlns:p16="http://schemas.microsoft.com/office/powerpoint/2015/main" val="1"/>
+              </p:ext>
+            </p:extLst>
+          </p:nvPr>
+        </p:nvSpPr>
+        <p:spPr>
+          <a:xfrm>
+            <a:off x="0" y="638175"/>
+            <a:ext cx="12191999" cy="6219825"/>
+          </a:xfrm>
+          <a:prstGeom prst="rect">
+            <a:avLst/>
+          </a:prstGeom>
+          <a:ln>
+            <a:noFill/>
+          </a:ln>
+        </p:spPr>
+        <p:style>
+          <a:lnRef idx="2">
+            <a:schemeClr val="accent1">
+              <a:shade val="50000"/>
+            </a:schemeClr>
+          </a:lnRef>
+          <a:fillRef idx="1">
+            <a:schemeClr val="accent1"/>
+          </a:fillRef>
+          <a:effectRef idx="0">
+            <a:schemeClr val="accent1"/>
+          </a:effectRef>
+          <a:fontRef idx="minor">
+            <a:schemeClr val="lt1"/>
+          </a:fontRef>
+        </p:style>
+        <p:txBody>
+          <a:bodyPr rtlCol="0" anchor="ctr"/>
+          <a:lstStyle/>
+          <a:p>
+            <a:pPr algn="ctr"/>
+            <a:endParaRPr lang="en-US" dirty="0">
+              <a:latin typeface="Abadi" panose="020B0604020104020204" pitchFamily="34" charset="0"/>
+            </a:endParaRPr>
+          </a:p>
+        </p:txBody>
+      </p:sp>
+      <p:pic>
+        <p:nvPicPr>
+          <p:cNvPr id="6" name="Θέση περιεχομένου 5" descr="Εικόνα που περιέχει κείμενο, γραμμή, διάγραμμα, γράφημα">
+            <a:extLst>
+              <a:ext uri="{FF2B5EF4-FFF2-40B4-BE49-F238E27FC236}">
+                <a16:creationId xmlns:a16="http://schemas.microsoft.com/office/drawing/2014/main" id="{EE8277AB-7F92-62CA-9F19-A2B508920061}"/>
+              </a:ext>
+            </a:extLst>
+          </p:cNvPr>
+          <p:cNvPicPr>
+            <a:picLocks noGrp="1" noChangeAspect="1"/>
+          </p:cNvPicPr>
+          <p:nvPr>
+            <p:ph idx="1"/>
+          </p:nvPr>
+        </p:nvPicPr>
+        <p:blipFill>
+          <a:blip r:embed="rId2">
+            <a:extLst>
+              <a:ext uri="{28A0092B-C50C-407E-A947-70E740481C1C}">
+                <a14:useLocalDpi xmlns:a14="http://schemas.microsoft.com/office/drawing/2010/main" val="0"/>
+              </a:ext>
+            </a:extLst>
+          </a:blip>
+          <a:stretch>
+            <a:fillRect/>
+          </a:stretch>
+        </p:blipFill>
+        <p:spPr>
+          <a:xfrm>
+            <a:off x="1114046" y="723899"/>
+            <a:ext cx="6071616" cy="6071616"/>
+          </a:xfrm>
+          <a:prstGeom prst="rect">
+            <a:avLst/>
+          </a:prstGeom>
+        </p:spPr>
+      </p:pic>
+      <p:sp>
+        <p:nvSpPr>
+          <p:cNvPr id="42" name="Rectangle 20">
+            <a:extLst>
+              <a:ext uri="{FF2B5EF4-FFF2-40B4-BE49-F238E27FC236}">
+                <a16:creationId xmlns:a16="http://schemas.microsoft.com/office/drawing/2014/main" id="{ADF52CCA-FCDD-49A0-BFFC-3BD41F1B827A}"/>
+              </a:ext>
+              <a:ext uri="{C183D7F6-B498-43B3-948B-1728B52AA6E4}">
+                <adec:decorative xmlns:adec="http://schemas.microsoft.com/office/drawing/2017/decorative" val="1"/>
+              </a:ext>
+            </a:extLst>
+          </p:cNvPr>
+          <p:cNvSpPr>
+            <a:spLocks noGrp="1" noRot="1" noChangeAspect="1" noMove="1" noResize="1" noEditPoints="1" noAdjustHandles="1" noChangeArrowheads="1" noChangeShapeType="1" noTextEdit="1"/>
+          </p:cNvSpPr>
+          <p:nvPr>
+            <p:extLst>
+              <p:ext uri="{386F3935-93C4-4BCD-93E2-E3B085C9AB24}">
+                <p16:designElem xmlns:p16="http://schemas.microsoft.com/office/powerpoint/2015/main" val="1"/>
+              </p:ext>
+            </p:extLst>
+          </p:nvPr>
+        </p:nvSpPr>
+        <p:spPr>
+          <a:xfrm>
+            <a:off x="8042147" y="723899"/>
+            <a:ext cx="3703320" cy="5666666"/>
+          </a:xfrm>
+          <a:prstGeom prst="rect">
+            <a:avLst/>
+          </a:prstGeom>
+          <a:solidFill>
+            <a:schemeClr val="accent1"/>
+          </a:solidFill>
+          <a:ln>
+            <a:noFill/>
+          </a:ln>
+          <a:effectLst/>
+        </p:spPr>
+        <p:style>
+          <a:lnRef idx="1">
+            <a:schemeClr val="accent1"/>
+          </a:lnRef>
+          <a:fillRef idx="3">
+            <a:schemeClr val="accent1"/>
+          </a:fillRef>
+          <a:effectRef idx="2">
+            <a:schemeClr val="accent1"/>
+          </a:effectRef>
+          <a:fontRef idx="minor">
+            <a:schemeClr val="lt1"/>
+          </a:fontRef>
+        </p:style>
+        <p:txBody>
+          <a:bodyPr/>
+          <a:lstStyle/>
+          <a:p>
+            <a:endParaRPr lang="en-US" dirty="0">
+              <a:latin typeface="Abadi" panose="020B0604020104020204" pitchFamily="34" charset="0"/>
+            </a:endParaRPr>
+          </a:p>
+        </p:txBody>
+      </p:sp>
+      <p:sp>
+        <p:nvSpPr>
+          <p:cNvPr id="2" name="Τίτλος 1">
+            <a:extLst>
+              <a:ext uri="{FF2B5EF4-FFF2-40B4-BE49-F238E27FC236}">
+                <a16:creationId xmlns:a16="http://schemas.microsoft.com/office/drawing/2014/main" id="{28C5FE62-A18B-9A22-F2D0-68B575BCAEE5}"/>
+              </a:ext>
+            </a:extLst>
+          </p:cNvPr>
+          <p:cNvSpPr>
+            <a:spLocks noGrp="1"/>
+          </p:cNvSpPr>
+          <p:nvPr>
+            <p:ph type="title"/>
+          </p:nvPr>
+        </p:nvSpPr>
+        <p:spPr>
+          <a:xfrm>
+            <a:off x="8296275" y="1419225"/>
+            <a:ext cx="3081576" cy="2085869"/>
+          </a:xfrm>
+        </p:spPr>
+        <p:txBody>
+          <a:bodyPr vert="horz" lIns="91440" tIns="45720" rIns="91440" bIns="45720" rtlCol="0" anchor="b">
+            <a:normAutofit/>
+          </a:bodyPr>
+          <a:lstStyle/>
+          <a:p>
+            <a:pPr>
+              <a:lnSpc>
+                <a:spcPct val="90000"/>
+              </a:lnSpc>
+            </a:pPr>
+            <a:r>
+              <a:rPr lang="en-US" sz="3600" dirty="0" err="1">
+                <a:solidFill>
+                  <a:srgbClr val="FFFFFF"/>
+                </a:solidFill>
+                <a:latin typeface="+mj-lt"/>
+              </a:rPr>
+              <a:t>Οριζοντι</a:t>
+            </a:r>
+            <a:r>
+              <a:rPr lang="en-US" sz="3600" dirty="0">
+                <a:solidFill>
+                  <a:srgbClr val="FFFFFF"/>
+                </a:solidFill>
+                <a:latin typeface="+mj-lt"/>
+              </a:rPr>
+              <a:t>α ισοτητα στο EU ETS </a:t>
+            </a:r>
+            <a:br>
+              <a:rPr lang="en-US" sz="3600" dirty="0">
+                <a:solidFill>
+                  <a:srgbClr val="FFFFFF"/>
+                </a:solidFill>
+                <a:latin typeface="+mj-lt"/>
+              </a:rPr>
+            </a:br>
+            <a:r>
+              <a:rPr lang="en-US" sz="3600" dirty="0">
+                <a:solidFill>
+                  <a:srgbClr val="FFFFFF"/>
+                </a:solidFill>
+                <a:latin typeface="+mj-lt"/>
+              </a:rPr>
+              <a:t>Πειραμα 2</a:t>
+            </a:r>
+          </a:p>
+        </p:txBody>
+      </p:sp>
+      <p:sp>
+        <p:nvSpPr>
+          <p:cNvPr id="3" name="Ορθογώνιο 2">
+            <a:extLst>
+              <a:ext uri="{FF2B5EF4-FFF2-40B4-BE49-F238E27FC236}">
+                <a16:creationId xmlns:a16="http://schemas.microsoft.com/office/drawing/2014/main" id="{7B62E757-D13C-B96E-B2C9-5242D1C9A289}"/>
+              </a:ext>
+            </a:extLst>
+          </p:cNvPr>
+          <p:cNvSpPr/>
+          <p:nvPr/>
+        </p:nvSpPr>
+        <p:spPr>
+          <a:xfrm>
+            <a:off x="0" y="0"/>
+            <a:ext cx="12192000" cy="6858000"/>
+          </a:xfrm>
+          <a:prstGeom prst="rect">
+            <a:avLst/>
+          </a:prstGeom>
+          <a:solidFill>
+            <a:srgbClr val="4D1434">
+              <a:alpha val="30196"/>
+            </a:srgbClr>
+          </a:solidFill>
+        </p:spPr>
+        <p:style>
+          <a:lnRef idx="2">
+            <a:schemeClr val="accent1">
+              <a:shade val="15000"/>
+            </a:schemeClr>
+          </a:lnRef>
+          <a:fillRef idx="1">
+            <a:schemeClr val="accent1"/>
+          </a:fillRef>
+          <a:effectRef idx="0">
+            <a:schemeClr val="accent1"/>
+          </a:effectRef>
+          <a:fontRef idx="minor">
+            <a:schemeClr val="lt1"/>
+          </a:fontRef>
+        </p:style>
+        <p:txBody>
+          <a:bodyPr rtlCol="0" anchor="ctr"/>
+          <a:lstStyle/>
+          <a:p>
+            <a:pPr algn="ctr"/>
+            <a:endParaRPr lang="en-US" dirty="0"/>
+          </a:p>
+        </p:txBody>
+      </p:sp>
+    </p:spTree>
+    <p:extLst>
+      <p:ext uri="{BB962C8B-B14F-4D97-AF65-F5344CB8AC3E}">
+        <p14:creationId xmlns:p14="http://schemas.microsoft.com/office/powerpoint/2010/main" val="451065392"/>
+      </p:ext>
+    </p:extLst>
+  </p:cSld>
+  <p:clrMapOvr>
+    <a:masterClrMapping/>
+  </p:clrMapOvr>
+</p:sld>
+</file>
+
 <file path=ppt/slides/slide5.xml><?xml version="1.0" encoding="utf-8"?>
 <p:sld xmlns:a="http://schemas.openxmlformats.org/drawingml/2006/main" xmlns:r="http://schemas.openxmlformats.org/officeDocument/2006/relationships" xmlns:p="http://schemas.openxmlformats.org/presentationml/2006/main">
   <p:cSld>
@@ -22497,7 +22598,7 @@
         <p:spPr>
           <a:xfrm>
             <a:off x="492369" y="2277208"/>
-            <a:ext cx="10976082" cy="3693319"/>
+            <a:ext cx="10976082" cy="3139321"/>
           </a:xfrm>
           <a:prstGeom prst="rect">
             <a:avLst/>
@@ -22649,30 +22750,6 @@
                 <a:latin typeface="Georgia" panose="02040502050405020303" pitchFamily="18" charset="0"/>
               </a:rPr>
               <a:t>Ομοιόμορφο ή διαφέρει;</a:t>
-            </a:r>
-            <a:endParaRPr lang="en-US" dirty="0">
-              <a:latin typeface="Georgia" panose="02040502050405020303" pitchFamily="18" charset="0"/>
-            </a:endParaRPr>
-          </a:p>
-          <a:p>
-            <a:pPr marL="1200150" lvl="2" indent="-285750">
-              <a:buFont typeface="Arial" panose="020B0604020202020204" pitchFamily="34" charset="0"/>
-              <a:buChar char="•"/>
-            </a:pPr>
-            <a:endParaRPr lang="el-GR" dirty="0">
-              <a:latin typeface="Georgia" panose="02040502050405020303" pitchFamily="18" charset="0"/>
-            </a:endParaRPr>
-          </a:p>
-          <a:p>
-            <a:pPr marL="742950" lvl="1" indent="-285750">
-              <a:buFont typeface="Arial" panose="020B0604020202020204" pitchFamily="34" charset="0"/>
-              <a:buChar char="•"/>
-            </a:pPr>
-            <a:r>
-              <a:rPr lang="el-GR" dirty="0">
-                <a:latin typeface="Georgia" panose="02040502050405020303" pitchFamily="18" charset="0"/>
-              </a:rPr>
-              <a:t>Πόσο επιθυμεί;</a:t>
             </a:r>
             <a:endParaRPr lang="en-US" dirty="0">
               <a:latin typeface="Georgia" panose="02040502050405020303" pitchFamily="18" charset="0"/>
@@ -23222,10 +23299,10 @@
           <a:p>
             <a:pPr algn="ctr"/>
             <a:r>
-              <a:rPr lang="el-GR" dirty="0" err="1">
-                <a:latin typeface="Georgia" panose="02040502050405020303" pitchFamily="18" charset="0"/>
-              </a:rPr>
-              <a:t>Καταλληλότητα</a:t>
+              <a:rPr lang="el-GR" dirty="0">
+                <a:latin typeface="Georgia" panose="02040502050405020303" pitchFamily="18" charset="0"/>
+              </a:rPr>
+              <a:t>Καταλληλόλητα</a:t>
             </a:r>
             <a:endParaRPr lang="en-US" dirty="0">
               <a:latin typeface="Georgia" panose="02040502050405020303" pitchFamily="18" charset="0"/>
